--- a/intro to ble.pptx
+++ b/intro to ble.pptx
@@ -242,7 +242,7 @@
           <a:p>
             <a:fld id="{CB69E15D-2E95-428C-B9E3-27B2BF3879D0}" type="datetimeFigureOut">
               <a:rPr lang="en-SG" smtClean="0"/>
-              <a:t>10/6/2015</a:t>
+              <a:t>24/9/2015</a:t>
             </a:fld>
             <a:endParaRPr lang="en-SG"/>
           </a:p>
@@ -809,7 +809,7 @@
           <a:p>
             <a:fld id="{14C94871-C4DF-4AFD-96E5-87B050A67E05}" type="datetime1">
               <a:rPr lang="en-SG" smtClean="0"/>
-              <a:t>10/6/2015</a:t>
+              <a:t>24/9/2015</a:t>
             </a:fld>
             <a:endParaRPr lang="en-SG"/>
           </a:p>
@@ -979,7 +979,7 @@
           <a:p>
             <a:fld id="{76A6DE21-0D8F-4C8C-AF6A-521466B16426}" type="datetime1">
               <a:rPr lang="en-SG" smtClean="0"/>
-              <a:t>10/6/2015</a:t>
+              <a:t>24/9/2015</a:t>
             </a:fld>
             <a:endParaRPr lang="en-SG"/>
           </a:p>
@@ -1159,7 +1159,7 @@
           <a:p>
             <a:fld id="{16A18ED7-72CF-4BB2-8941-928963568089}" type="datetime1">
               <a:rPr lang="en-SG" smtClean="0"/>
-              <a:t>10/6/2015</a:t>
+              <a:t>24/9/2015</a:t>
             </a:fld>
             <a:endParaRPr lang="en-SG"/>
           </a:p>
@@ -1329,7 +1329,7 @@
           <a:p>
             <a:fld id="{7FD7CD52-9833-4DD5-89FF-33E59F171421}" type="datetime1">
               <a:rPr lang="en-SG" smtClean="0"/>
-              <a:t>10/6/2015</a:t>
+              <a:t>24/9/2015</a:t>
             </a:fld>
             <a:endParaRPr lang="en-SG"/>
           </a:p>
@@ -1573,7 +1573,7 @@
           <a:p>
             <a:fld id="{E74C9598-7F32-4DE4-BFF0-39C051013B34}" type="datetime1">
               <a:rPr lang="en-SG" smtClean="0"/>
-              <a:t>10/6/2015</a:t>
+              <a:t>24/9/2015</a:t>
             </a:fld>
             <a:endParaRPr lang="en-SG"/>
           </a:p>
@@ -1805,7 +1805,7 @@
           <a:p>
             <a:fld id="{5DC821E8-33B0-41D5-8FA5-9A647E53891C}" type="datetime1">
               <a:rPr lang="en-SG" smtClean="0"/>
-              <a:t>10/6/2015</a:t>
+              <a:t>24/9/2015</a:t>
             </a:fld>
             <a:endParaRPr lang="en-SG"/>
           </a:p>
@@ -2172,7 +2172,7 @@
           <a:p>
             <a:fld id="{751CCC62-50F5-4228-8D51-6D258C0BFCBD}" type="datetime1">
               <a:rPr lang="en-SG" smtClean="0"/>
-              <a:t>10/6/2015</a:t>
+              <a:t>24/9/2015</a:t>
             </a:fld>
             <a:endParaRPr lang="en-SG"/>
           </a:p>
@@ -2290,7 +2290,7 @@
           <a:p>
             <a:fld id="{776807E8-5434-437A-A610-A94C24A73164}" type="datetime1">
               <a:rPr lang="en-SG" smtClean="0"/>
-              <a:t>10/6/2015</a:t>
+              <a:t>24/9/2015</a:t>
             </a:fld>
             <a:endParaRPr lang="en-SG"/>
           </a:p>
@@ -2385,7 +2385,7 @@
           <a:p>
             <a:fld id="{18AC243E-E412-41F8-A99C-62E3D2C4FD1E}" type="datetime1">
               <a:rPr lang="en-SG" smtClean="0"/>
-              <a:t>10/6/2015</a:t>
+              <a:t>24/9/2015</a:t>
             </a:fld>
             <a:endParaRPr lang="en-SG"/>
           </a:p>
@@ -2662,7 +2662,7 @@
           <a:p>
             <a:fld id="{30DD06DC-63F5-45CF-A3A5-F437A0C7E12A}" type="datetime1">
               <a:rPr lang="en-SG" smtClean="0"/>
-              <a:t>10/6/2015</a:t>
+              <a:t>24/9/2015</a:t>
             </a:fld>
             <a:endParaRPr lang="en-SG"/>
           </a:p>
@@ -2919,7 +2919,7 @@
           <a:p>
             <a:fld id="{7810AE82-8C34-472D-B90B-4D50508F585C}" type="datetime1">
               <a:rPr lang="en-SG" smtClean="0"/>
-              <a:t>10/6/2015</a:t>
+              <a:t>24/9/2015</a:t>
             </a:fld>
             <a:endParaRPr lang="en-SG"/>
           </a:p>
@@ -3132,7 +3132,7 @@
           <a:p>
             <a:fld id="{393BD624-3486-430E-A0CD-3F2C92C8E573}" type="datetime1">
               <a:rPr lang="en-SG" smtClean="0"/>
-              <a:t>10/6/2015</a:t>
+              <a:t>24/9/2015</a:t>
             </a:fld>
             <a:endParaRPr lang="en-SG"/>
           </a:p>
@@ -3655,8 +3655,8 @@
         </p:nvSpPr>
         <p:spPr>
           <a:xfrm>
-            <a:off x="146917" y="5892581"/>
-            <a:ext cx="3570914" cy="923330"/>
+            <a:off x="115386" y="5521147"/>
+            <a:ext cx="3570914" cy="1200329"/>
           </a:xfrm>
           <a:prstGeom prst="rect">
             <a:avLst/>
@@ -3670,12 +3670,22 @@
           <a:lstStyle/>
           <a:p>
             <a:r>
+              <a:rPr lang="en-SG" dirty="0"/>
+              <a:t>NUS Hackers (2 Oct 2015)</a:t>
+            </a:r>
+          </a:p>
+          <a:p>
+            <a:r>
               <a:rPr lang="en-SG" dirty="0" err="1" smtClean="0"/>
               <a:t>Hackware</a:t>
             </a:r>
             <a:r>
               <a:rPr lang="en-SG" dirty="0" smtClean="0"/>
-              <a:t> v0.8 (9 June 2015)</a:t>
+              <a:t> </a:t>
+            </a:r>
+            <a:r>
+              <a:rPr lang="en-SG" dirty="0" smtClean="0"/>
+              <a:t>v0.8 (9 June 2015)</a:t>
             </a:r>
           </a:p>
           <a:p>
@@ -13568,8 +13578,13 @@
           <a:p>
             <a:r>
               <a:rPr lang="en-SG" dirty="0" smtClean="0"/>
-              <a:t>Arduino IDE 1.6.4</a:t>
-            </a:r>
+              <a:t>Arduino IDE </a:t>
+            </a:r>
+            <a:r>
+              <a:rPr lang="en-SG" dirty="0" smtClean="0"/>
+              <a:t>1.6.5</a:t>
+            </a:r>
+            <a:endParaRPr lang="en-SG" dirty="0" smtClean="0"/>
           </a:p>
           <a:p>
             <a:r>
@@ -14292,21 +14307,36 @@
             <a:pPr lvl="1"/>
             <a:r>
               <a:rPr lang="en-SG" dirty="0" smtClean="0"/>
-              <a:t>Device: iPod Touch 5G</a:t>
-            </a:r>
+              <a:t>Device: iPod Touch </a:t>
+            </a:r>
+            <a:r>
+              <a:rPr lang="en-SG" dirty="0" smtClean="0"/>
+              <a:t>6G</a:t>
+            </a:r>
+            <a:endParaRPr lang="en-SG" dirty="0" smtClean="0"/>
           </a:p>
           <a:p>
             <a:pPr lvl="1"/>
             <a:r>
               <a:rPr lang="en-SG" dirty="0" smtClean="0"/>
-              <a:t>OS: iOS 8.3</a:t>
-            </a:r>
-          </a:p>
-          <a:p>
-            <a:r>
-              <a:rPr lang="en-SG" dirty="0" smtClean="0"/>
-              <a:t>Programming Language: Swift</a:t>
-            </a:r>
+              <a:t>OS: iOS </a:t>
+            </a:r>
+            <a:r>
+              <a:rPr lang="en-SG" dirty="0" smtClean="0"/>
+              <a:t>9.0.1</a:t>
+            </a:r>
+            <a:endParaRPr lang="en-SG" dirty="0" smtClean="0"/>
+          </a:p>
+          <a:p>
+            <a:r>
+              <a:rPr lang="en-SG" dirty="0" smtClean="0"/>
+              <a:t>Programming Language: </a:t>
+            </a:r>
+            <a:r>
+              <a:rPr lang="en-SG" dirty="0" smtClean="0"/>
+              <a:t>Swift 2</a:t>
+            </a:r>
+            <a:endParaRPr lang="en-SG" dirty="0" smtClean="0"/>
           </a:p>
           <a:p>
             <a:r>
@@ -14315,8 +14345,13 @@
             </a:r>
             <a:r>
               <a:rPr lang="en-SG" dirty="0" smtClean="0"/>
-              <a:t> 6.3.2</a:t>
-            </a:r>
+              <a:t> </a:t>
+            </a:r>
+            <a:r>
+              <a:rPr lang="en-SG" dirty="0" smtClean="0"/>
+              <a:t>7.0</a:t>
+            </a:r>
+            <a:endParaRPr lang="en-SG" dirty="0" smtClean="0"/>
           </a:p>
           <a:p>
             <a:endParaRPr lang="en-SG" dirty="0"/>
@@ -14719,7 +14754,11 @@
             </a:r>
             <a:r>
               <a:rPr lang="en-SG" dirty="0" smtClean="0"/>
-              <a:t>Android 5.1</a:t>
+              <a:t>Android </a:t>
+            </a:r>
+            <a:r>
+              <a:rPr lang="en-SG" dirty="0" smtClean="0"/>
+              <a:t>6.0</a:t>
             </a:r>
             <a:endParaRPr lang="en-SG" dirty="0"/>
           </a:p>
@@ -14737,11 +14776,11 @@
           <a:p>
             <a:r>
               <a:rPr lang="en-SG" dirty="0" smtClean="0"/>
-              <a:t>Android </a:t>
-            </a:r>
-            <a:r>
-              <a:rPr lang="en-SG" smtClean="0"/>
-              <a:t>Studio 1.2</a:t>
+              <a:t>Android Studio </a:t>
+            </a:r>
+            <a:r>
+              <a:rPr lang="en-SG" dirty="0" smtClean="0"/>
+              <a:t>1.3.2</a:t>
             </a:r>
             <a:endParaRPr lang="en-SG" dirty="0"/>
           </a:p>
@@ -20143,15 +20182,7 @@
             <a:pPr lvl="2"/>
             <a:r>
               <a:rPr lang="en-SG" dirty="0" smtClean="0"/>
-              <a:t>Usually </a:t>
-            </a:r>
-            <a:r>
-              <a:rPr lang="en-SG" dirty="0" smtClean="0"/>
-              <a:t>carries </a:t>
-            </a:r>
-            <a:r>
-              <a:rPr lang="en-SG" dirty="0" smtClean="0"/>
-              <a:t>L2CAP/ATT payload</a:t>
+              <a:t>Usually carries L2CAP/ATT payload</a:t>
             </a:r>
           </a:p>
           <a:p>
@@ -27645,44 +27676,6 @@
       </p:sp>
       <p:sp>
         <p:nvSpPr>
-          <p:cNvPr id="1025" name="TextBox 1024"/>
-          <p:cNvSpPr txBox="1"/>
-          <p:nvPr/>
-        </p:nvSpPr>
-        <p:spPr>
-          <a:xfrm>
-            <a:off x="2958179" y="1306486"/>
-            <a:ext cx="2720936" cy="261610"/>
-          </a:xfrm>
-          <a:prstGeom prst="rect">
-            <a:avLst/>
-          </a:prstGeom>
-          <a:noFill/>
-        </p:spPr>
-        <p:txBody>
-          <a:bodyPr wrap="square" rtlCol="0">
-            <a:spAutoFit/>
-          </a:bodyPr>
-          <a:lstStyle/>
-          <a:p>
-            <a:r>
-              <a:rPr lang="en-SG" sz="1100" dirty="0" smtClean="0"/>
-              <a:t>Raspberry Pi with USB BLE and </a:t>
-            </a:r>
-            <a:r>
-              <a:rPr lang="en-SG" sz="1100" dirty="0" err="1" smtClean="0"/>
-              <a:t>Wifi</a:t>
-            </a:r>
-            <a:r>
-              <a:rPr lang="en-SG" sz="1100" dirty="0" smtClean="0"/>
-              <a:t> adapters</a:t>
-            </a:r>
-            <a:endParaRPr lang="en-SG" sz="1100" dirty="0"/>
-          </a:p>
-        </p:txBody>
-      </p:sp>
-      <p:sp>
-        <p:nvSpPr>
           <p:cNvPr id="36" name="Rounded Rectangle 35"/>
           <p:cNvSpPr/>
           <p:nvPr/>
@@ -27959,21 +27952,39 @@
                                   </p:childTnLst>
                                 </p:cTn>
                               </p:par>
+                            </p:childTnLst>
+                          </p:cTn>
+                        </p:par>
+                      </p:childTnLst>
+                    </p:cTn>
+                  </p:par>
+                  <p:par>
+                    <p:cTn id="19" fill="hold">
+                      <p:stCondLst>
+                        <p:cond delay="indefinite"/>
+                      </p:stCondLst>
+                      <p:childTnLst>
+                        <p:par>
+                          <p:cTn id="20" fill="hold">
+                            <p:stCondLst>
+                              <p:cond delay="0"/>
+                            </p:stCondLst>
+                            <p:childTnLst>
                               <p:par>
-                                <p:cTn id="19" presetID="10" presetClass="entr" presetSubtype="0" fill="hold" grpId="0" nodeType="withEffect">
+                                <p:cTn id="21" presetID="10" presetClass="entr" presetSubtype="0" fill="hold" grpId="0" nodeType="clickEffect">
                                   <p:stCondLst>
                                     <p:cond delay="0"/>
                                   </p:stCondLst>
                                   <p:childTnLst>
                                     <p:set>
                                       <p:cBhvr>
-                                        <p:cTn id="20" dur="1" fill="hold">
+                                        <p:cTn id="22" dur="1" fill="hold">
                                           <p:stCondLst>
                                             <p:cond delay="0"/>
                                           </p:stCondLst>
                                         </p:cTn>
                                         <p:tgtEl>
-                                          <p:spTgt spid="1025"/>
+                                          <p:spTgt spid="19"/>
                                         </p:tgtEl>
                                         <p:attrNameLst>
                                           <p:attrName>style.visibility</p:attrName>
@@ -27985,9 +27996,114 @@
                                     </p:set>
                                     <p:animEffect transition="in" filter="fade">
                                       <p:cBhvr>
-                                        <p:cTn id="21" dur="500"/>
-                                        <p:tgtEl>
-                                          <p:spTgt spid="1025"/>
+                                        <p:cTn id="23" dur="500"/>
+                                        <p:tgtEl>
+                                          <p:spTgt spid="19"/>
+                                        </p:tgtEl>
+                                      </p:cBhvr>
+                                    </p:animEffect>
+                                  </p:childTnLst>
+                                </p:cTn>
+                              </p:par>
+                              <p:par>
+                                <p:cTn id="24" presetID="10" presetClass="entr" presetSubtype="0" fill="hold" nodeType="withEffect">
+                                  <p:stCondLst>
+                                    <p:cond delay="0"/>
+                                  </p:stCondLst>
+                                  <p:childTnLst>
+                                    <p:set>
+                                      <p:cBhvr>
+                                        <p:cTn id="25" dur="1" fill="hold">
+                                          <p:stCondLst>
+                                            <p:cond delay="0"/>
+                                          </p:stCondLst>
+                                        </p:cTn>
+                                        <p:tgtEl>
+                                          <p:spTgt spid="9"/>
+                                        </p:tgtEl>
+                                        <p:attrNameLst>
+                                          <p:attrName>style.visibility</p:attrName>
+                                        </p:attrNameLst>
+                                      </p:cBhvr>
+                                      <p:to>
+                                        <p:strVal val="visible"/>
+                                      </p:to>
+                                    </p:set>
+                                    <p:animEffect transition="in" filter="fade">
+                                      <p:cBhvr>
+                                        <p:cTn id="26" dur="500"/>
+                                        <p:tgtEl>
+                                          <p:spTgt spid="9"/>
+                                        </p:tgtEl>
+                                      </p:cBhvr>
+                                    </p:animEffect>
+                                  </p:childTnLst>
+                                </p:cTn>
+                              </p:par>
+                              <p:par>
+                                <p:cTn id="27" presetID="10" presetClass="entr" presetSubtype="0" fill="hold" nodeType="withEffect">
+                                  <p:stCondLst>
+                                    <p:cond delay="0"/>
+                                  </p:stCondLst>
+                                  <p:childTnLst>
+                                    <p:set>
+                                      <p:cBhvr>
+                                        <p:cTn id="28" dur="1" fill="hold">
+                                          <p:stCondLst>
+                                            <p:cond delay="0"/>
+                                          </p:stCondLst>
+                                        </p:cTn>
+                                        <p:tgtEl>
+                                          <p:spTgt spid="8"/>
+                                        </p:tgtEl>
+                                        <p:attrNameLst>
+                                          <p:attrName>style.visibility</p:attrName>
+                                        </p:attrNameLst>
+                                      </p:cBhvr>
+                                      <p:to>
+                                        <p:strVal val="visible"/>
+                                      </p:to>
+                                    </p:set>
+                                    <p:animEffect transition="in" filter="fade">
+                                      <p:cBhvr>
+                                        <p:cTn id="29" dur="500"/>
+                                        <p:tgtEl>
+                                          <p:spTgt spid="8"/>
+                                        </p:tgtEl>
+                                      </p:cBhvr>
+                                    </p:animEffect>
+                                  </p:childTnLst>
+                                </p:cTn>
+                              </p:par>
+                              <p:par>
+                                <p:cTn id="30" presetID="10" presetClass="entr" presetSubtype="0" fill="hold" grpId="0" nodeType="withEffect">
+                                  <p:stCondLst>
+                                    <p:cond delay="0"/>
+                                  </p:stCondLst>
+                                  <p:childTnLst>
+                                    <p:set>
+                                      <p:cBhvr>
+                                        <p:cTn id="31" dur="1" fill="hold">
+                                          <p:stCondLst>
+                                            <p:cond delay="0"/>
+                                          </p:stCondLst>
+                                        </p:cTn>
+                                        <p:tgtEl>
+                                          <p:spTgt spid="36"/>
+                                        </p:tgtEl>
+                                        <p:attrNameLst>
+                                          <p:attrName>style.visibility</p:attrName>
+                                        </p:attrNameLst>
+                                      </p:cBhvr>
+                                      <p:to>
+                                        <p:strVal val="visible"/>
+                                      </p:to>
+                                    </p:set>
+                                    <p:animEffect transition="in" filter="fade">
+                                      <p:cBhvr>
+                                        <p:cTn id="32" dur="500"/>
+                                        <p:tgtEl>
+                                          <p:spTgt spid="36"/>
                                         </p:tgtEl>
                                       </p:cBhvr>
                                     </p:animEffect>
@@ -28001,32 +28117,32 @@
                     </p:cTn>
                   </p:par>
                   <p:par>
-                    <p:cTn id="22" fill="hold">
+                    <p:cTn id="33" fill="hold">
                       <p:stCondLst>
                         <p:cond delay="indefinite"/>
                       </p:stCondLst>
                       <p:childTnLst>
                         <p:par>
-                          <p:cTn id="23" fill="hold">
+                          <p:cTn id="34" fill="hold">
                             <p:stCondLst>
                               <p:cond delay="0"/>
                             </p:stCondLst>
                             <p:childTnLst>
                               <p:par>
-                                <p:cTn id="24" presetID="10" presetClass="entr" presetSubtype="0" fill="hold" grpId="0" nodeType="clickEffect">
+                                <p:cTn id="35" presetID="10" presetClass="entr" presetSubtype="0" fill="hold" grpId="0" nodeType="clickEffect">
                                   <p:stCondLst>
                                     <p:cond delay="0"/>
                                   </p:stCondLst>
                                   <p:childTnLst>
                                     <p:set>
                                       <p:cBhvr>
-                                        <p:cTn id="25" dur="1" fill="hold">
+                                        <p:cTn id="36" dur="1" fill="hold">
                                           <p:stCondLst>
                                             <p:cond delay="0"/>
                                           </p:stCondLst>
                                         </p:cTn>
                                         <p:tgtEl>
-                                          <p:spTgt spid="19"/>
+                                          <p:spTgt spid="11"/>
                                         </p:tgtEl>
                                         <p:attrNameLst>
                                           <p:attrName>style.visibility</p:attrName>
@@ -28038,9 +28154,9 @@
                                     </p:set>
                                     <p:animEffect transition="in" filter="fade">
                                       <p:cBhvr>
-                                        <p:cTn id="26" dur="500"/>
-                                        <p:tgtEl>
-                                          <p:spTgt spid="19"/>
+                                        <p:cTn id="37" dur="500"/>
+                                        <p:tgtEl>
+                                          <p:spTgt spid="11"/>
                                         </p:tgtEl>
                                       </p:cBhvr>
                                     </p:animEffect>
@@ -28048,20 +28164,20 @@
                                 </p:cTn>
                               </p:par>
                               <p:par>
-                                <p:cTn id="27" presetID="10" presetClass="entr" presetSubtype="0" fill="hold" nodeType="withEffect">
+                                <p:cTn id="38" presetID="10" presetClass="entr" presetSubtype="0" fill="hold" nodeType="withEffect">
                                   <p:stCondLst>
                                     <p:cond delay="0"/>
                                   </p:stCondLst>
                                   <p:childTnLst>
                                     <p:set>
                                       <p:cBhvr>
-                                        <p:cTn id="28" dur="1" fill="hold">
+                                        <p:cTn id="39" dur="1" fill="hold">
                                           <p:stCondLst>
                                             <p:cond delay="0"/>
                                           </p:stCondLst>
                                         </p:cTn>
                                         <p:tgtEl>
-                                          <p:spTgt spid="9"/>
+                                          <p:spTgt spid="10"/>
                                         </p:tgtEl>
                                         <p:attrNameLst>
                                           <p:attrName>style.visibility</p:attrName>
@@ -28073,79 +28189,9 @@
                                     </p:set>
                                     <p:animEffect transition="in" filter="fade">
                                       <p:cBhvr>
-                                        <p:cTn id="29" dur="500"/>
-                                        <p:tgtEl>
-                                          <p:spTgt spid="9"/>
-                                        </p:tgtEl>
-                                      </p:cBhvr>
-                                    </p:animEffect>
-                                  </p:childTnLst>
-                                </p:cTn>
-                              </p:par>
-                              <p:par>
-                                <p:cTn id="30" presetID="10" presetClass="entr" presetSubtype="0" fill="hold" nodeType="withEffect">
-                                  <p:stCondLst>
-                                    <p:cond delay="0"/>
-                                  </p:stCondLst>
-                                  <p:childTnLst>
-                                    <p:set>
-                                      <p:cBhvr>
-                                        <p:cTn id="31" dur="1" fill="hold">
-                                          <p:stCondLst>
-                                            <p:cond delay="0"/>
-                                          </p:stCondLst>
-                                        </p:cTn>
-                                        <p:tgtEl>
-                                          <p:spTgt spid="8"/>
-                                        </p:tgtEl>
-                                        <p:attrNameLst>
-                                          <p:attrName>style.visibility</p:attrName>
-                                        </p:attrNameLst>
-                                      </p:cBhvr>
-                                      <p:to>
-                                        <p:strVal val="visible"/>
-                                      </p:to>
-                                    </p:set>
-                                    <p:animEffect transition="in" filter="fade">
-                                      <p:cBhvr>
-                                        <p:cTn id="32" dur="500"/>
-                                        <p:tgtEl>
-                                          <p:spTgt spid="8"/>
-                                        </p:tgtEl>
-                                      </p:cBhvr>
-                                    </p:animEffect>
-                                  </p:childTnLst>
-                                </p:cTn>
-                              </p:par>
-                              <p:par>
-                                <p:cTn id="33" presetID="10" presetClass="entr" presetSubtype="0" fill="hold" grpId="0" nodeType="withEffect">
-                                  <p:stCondLst>
-                                    <p:cond delay="0"/>
-                                  </p:stCondLst>
-                                  <p:childTnLst>
-                                    <p:set>
-                                      <p:cBhvr>
-                                        <p:cTn id="34" dur="1" fill="hold">
-                                          <p:stCondLst>
-                                            <p:cond delay="0"/>
-                                          </p:stCondLst>
-                                        </p:cTn>
-                                        <p:tgtEl>
-                                          <p:spTgt spid="36"/>
-                                        </p:tgtEl>
-                                        <p:attrNameLst>
-                                          <p:attrName>style.visibility</p:attrName>
-                                        </p:attrNameLst>
-                                      </p:cBhvr>
-                                      <p:to>
-                                        <p:strVal val="visible"/>
-                                      </p:to>
-                                    </p:set>
-                                    <p:animEffect transition="in" filter="fade">
-                                      <p:cBhvr>
-                                        <p:cTn id="35" dur="500"/>
-                                        <p:tgtEl>
-                                          <p:spTgt spid="36"/>
+                                        <p:cTn id="40" dur="500"/>
+                                        <p:tgtEl>
+                                          <p:spTgt spid="10"/>
                                         </p:tgtEl>
                                       </p:cBhvr>
                                     </p:animEffect>
@@ -28159,32 +28205,32 @@
                     </p:cTn>
                   </p:par>
                   <p:par>
-                    <p:cTn id="36" fill="hold">
+                    <p:cTn id="41" fill="hold">
                       <p:stCondLst>
                         <p:cond delay="indefinite"/>
                       </p:stCondLst>
                       <p:childTnLst>
                         <p:par>
-                          <p:cTn id="37" fill="hold">
+                          <p:cTn id="42" fill="hold">
                             <p:stCondLst>
                               <p:cond delay="0"/>
                             </p:stCondLst>
                             <p:childTnLst>
                               <p:par>
-                                <p:cTn id="38" presetID="10" presetClass="entr" presetSubtype="0" fill="hold" grpId="0" nodeType="clickEffect">
+                                <p:cTn id="43" presetID="10" presetClass="entr" presetSubtype="0" fill="hold" nodeType="clickEffect">
                                   <p:stCondLst>
                                     <p:cond delay="0"/>
                                   </p:stCondLst>
                                   <p:childTnLst>
                                     <p:set>
                                       <p:cBhvr>
-                                        <p:cTn id="39" dur="1" fill="hold">
+                                        <p:cTn id="44" dur="1" fill="hold">
                                           <p:stCondLst>
                                             <p:cond delay="0"/>
                                           </p:stCondLst>
                                         </p:cTn>
                                         <p:tgtEl>
-                                          <p:spTgt spid="11"/>
+                                          <p:spTgt spid="1026"/>
                                         </p:tgtEl>
                                         <p:attrNameLst>
                                           <p:attrName>style.visibility</p:attrName>
@@ -28196,9 +28242,9 @@
                                     </p:set>
                                     <p:animEffect transition="in" filter="fade">
                                       <p:cBhvr>
-                                        <p:cTn id="40" dur="500"/>
-                                        <p:tgtEl>
-                                          <p:spTgt spid="11"/>
+                                        <p:cTn id="45" dur="500"/>
+                                        <p:tgtEl>
+                                          <p:spTgt spid="1026"/>
                                         </p:tgtEl>
                                       </p:cBhvr>
                                     </p:animEffect>
@@ -28206,20 +28252,20 @@
                                 </p:cTn>
                               </p:par>
                               <p:par>
-                                <p:cTn id="41" presetID="10" presetClass="entr" presetSubtype="0" fill="hold" nodeType="withEffect">
+                                <p:cTn id="46" presetID="10" presetClass="entr" presetSubtype="0" fill="hold" nodeType="withEffect">
                                   <p:stCondLst>
                                     <p:cond delay="0"/>
                                   </p:stCondLst>
                                   <p:childTnLst>
                                     <p:set>
                                       <p:cBhvr>
-                                        <p:cTn id="42" dur="1" fill="hold">
+                                        <p:cTn id="47" dur="1" fill="hold">
                                           <p:stCondLst>
                                             <p:cond delay="0"/>
                                           </p:stCondLst>
                                         </p:cTn>
                                         <p:tgtEl>
-                                          <p:spTgt spid="10"/>
+                                          <p:spTgt spid="7"/>
                                         </p:tgtEl>
                                         <p:attrNameLst>
                                           <p:attrName>style.visibility</p:attrName>
@@ -28231,9 +28277,44 @@
                                     </p:set>
                                     <p:animEffect transition="in" filter="fade">
                                       <p:cBhvr>
-                                        <p:cTn id="43" dur="500"/>
-                                        <p:tgtEl>
-                                          <p:spTgt spid="10"/>
+                                        <p:cTn id="48" dur="500"/>
+                                        <p:tgtEl>
+                                          <p:spTgt spid="7"/>
+                                        </p:tgtEl>
+                                      </p:cBhvr>
+                                    </p:animEffect>
+                                  </p:childTnLst>
+                                </p:cTn>
+                              </p:par>
+                              <p:par>
+                                <p:cTn id="49" presetID="10" presetClass="entr" presetSubtype="0" fill="hold" nodeType="withEffect">
+                                  <p:stCondLst>
+                                    <p:cond delay="0"/>
+                                  </p:stCondLst>
+                                  <p:childTnLst>
+                                    <p:set>
+                                      <p:cBhvr>
+                                        <p:cTn id="50" dur="1" fill="hold">
+                                          <p:stCondLst>
+                                            <p:cond delay="0"/>
+                                          </p:stCondLst>
+                                        </p:cTn>
+                                        <p:tgtEl>
+                                          <p:spTgt spid="1029"/>
+                                        </p:tgtEl>
+                                        <p:attrNameLst>
+                                          <p:attrName>style.visibility</p:attrName>
+                                        </p:attrNameLst>
+                                      </p:cBhvr>
+                                      <p:to>
+                                        <p:strVal val="visible"/>
+                                      </p:to>
+                                    </p:set>
+                                    <p:animEffect transition="in" filter="fade">
+                                      <p:cBhvr>
+                                        <p:cTn id="51" dur="500"/>
+                                        <p:tgtEl>
+                                          <p:spTgt spid="1029"/>
                                         </p:tgtEl>
                                       </p:cBhvr>
                                     </p:animEffect>
@@ -28247,32 +28328,32 @@
                     </p:cTn>
                   </p:par>
                   <p:par>
-                    <p:cTn id="44" fill="hold">
+                    <p:cTn id="52" fill="hold">
                       <p:stCondLst>
                         <p:cond delay="indefinite"/>
                       </p:stCondLst>
                       <p:childTnLst>
                         <p:par>
-                          <p:cTn id="45" fill="hold">
+                          <p:cTn id="53" fill="hold">
                             <p:stCondLst>
                               <p:cond delay="0"/>
                             </p:stCondLst>
                             <p:childTnLst>
                               <p:par>
-                                <p:cTn id="46" presetID="10" presetClass="entr" presetSubtype="0" fill="hold" nodeType="clickEffect">
+                                <p:cTn id="54" presetID="10" presetClass="entr" presetSubtype="0" fill="hold" grpId="0" nodeType="clickEffect">
                                   <p:stCondLst>
                                     <p:cond delay="0"/>
                                   </p:stCondLst>
                                   <p:childTnLst>
                                     <p:set>
                                       <p:cBhvr>
-                                        <p:cTn id="47" dur="1" fill="hold">
+                                        <p:cTn id="55" dur="1" fill="hold">
                                           <p:stCondLst>
                                             <p:cond delay="0"/>
                                           </p:stCondLst>
                                         </p:cTn>
                                         <p:tgtEl>
-                                          <p:spTgt spid="1026"/>
+                                          <p:spTgt spid="23"/>
                                         </p:tgtEl>
                                         <p:attrNameLst>
                                           <p:attrName>style.visibility</p:attrName>
@@ -28284,9 +28365,9 @@
                                     </p:set>
                                     <p:animEffect transition="in" filter="fade">
                                       <p:cBhvr>
-                                        <p:cTn id="48" dur="500"/>
-                                        <p:tgtEl>
-                                          <p:spTgt spid="1026"/>
+                                        <p:cTn id="56" dur="500"/>
+                                        <p:tgtEl>
+                                          <p:spTgt spid="23"/>
                                         </p:tgtEl>
                                       </p:cBhvr>
                                     </p:animEffect>
@@ -28294,20 +28375,20 @@
                                 </p:cTn>
                               </p:par>
                               <p:par>
-                                <p:cTn id="49" presetID="10" presetClass="entr" presetSubtype="0" fill="hold" nodeType="withEffect">
+                                <p:cTn id="57" presetID="10" presetClass="entr" presetSubtype="0" fill="hold" nodeType="withEffect">
                                   <p:stCondLst>
                                     <p:cond delay="0"/>
                                   </p:stCondLst>
                                   <p:childTnLst>
                                     <p:set>
                                       <p:cBhvr>
-                                        <p:cTn id="50" dur="1" fill="hold">
+                                        <p:cTn id="58" dur="1" fill="hold">
                                           <p:stCondLst>
                                             <p:cond delay="0"/>
                                           </p:stCondLst>
                                         </p:cTn>
                                         <p:tgtEl>
-                                          <p:spTgt spid="7"/>
+                                          <p:spTgt spid="1028"/>
                                         </p:tgtEl>
                                         <p:attrNameLst>
                                           <p:attrName>style.visibility</p:attrName>
@@ -28319,9 +28400,9 @@
                                     </p:set>
                                     <p:animEffect transition="in" filter="fade">
                                       <p:cBhvr>
-                                        <p:cTn id="51" dur="500"/>
-                                        <p:tgtEl>
-                                          <p:spTgt spid="7"/>
+                                        <p:cTn id="59" dur="500"/>
+                                        <p:tgtEl>
+                                          <p:spTgt spid="1028"/>
                                         </p:tgtEl>
                                       </p:cBhvr>
                                     </p:animEffect>
@@ -28329,20 +28410,20 @@
                                 </p:cTn>
                               </p:par>
                               <p:par>
-                                <p:cTn id="52" presetID="10" presetClass="entr" presetSubtype="0" fill="hold" nodeType="withEffect">
+                                <p:cTn id="60" presetID="10" presetClass="entr" presetSubtype="0" fill="hold" grpId="0" nodeType="withEffect">
                                   <p:stCondLst>
                                     <p:cond delay="0"/>
                                   </p:stCondLst>
                                   <p:childTnLst>
                                     <p:set>
                                       <p:cBhvr>
-                                        <p:cTn id="53" dur="1" fill="hold">
+                                        <p:cTn id="61" dur="1" fill="hold">
                                           <p:stCondLst>
                                             <p:cond delay="0"/>
                                           </p:stCondLst>
                                         </p:cTn>
                                         <p:tgtEl>
-                                          <p:spTgt spid="1029"/>
+                                          <p:spTgt spid="25"/>
                                         </p:tgtEl>
                                         <p:attrNameLst>
                                           <p:attrName>style.visibility</p:attrName>
@@ -28354,48 +28435,30 @@
                                     </p:set>
                                     <p:animEffect transition="in" filter="fade">
                                       <p:cBhvr>
-                                        <p:cTn id="54" dur="500"/>
-                                        <p:tgtEl>
-                                          <p:spTgt spid="1029"/>
+                                        <p:cTn id="62" dur="500"/>
+                                        <p:tgtEl>
+                                          <p:spTgt spid="25"/>
                                         </p:tgtEl>
                                       </p:cBhvr>
                                     </p:animEffect>
                                   </p:childTnLst>
                                 </p:cTn>
                               </p:par>
-                            </p:childTnLst>
-                          </p:cTn>
-                        </p:par>
-                      </p:childTnLst>
-                    </p:cTn>
-                  </p:par>
-                  <p:par>
-                    <p:cTn id="55" fill="hold">
-                      <p:stCondLst>
-                        <p:cond delay="indefinite"/>
-                      </p:stCondLst>
-                      <p:childTnLst>
-                        <p:par>
-                          <p:cTn id="56" fill="hold">
-                            <p:stCondLst>
-                              <p:cond delay="0"/>
-                            </p:stCondLst>
-                            <p:childTnLst>
                               <p:par>
-                                <p:cTn id="57" presetID="10" presetClass="entr" presetSubtype="0" fill="hold" grpId="0" nodeType="clickEffect">
+                                <p:cTn id="63" presetID="10" presetClass="entr" presetSubtype="0" fill="hold" nodeType="withEffect">
                                   <p:stCondLst>
                                     <p:cond delay="0"/>
                                   </p:stCondLst>
                                   <p:childTnLst>
                                     <p:set>
                                       <p:cBhvr>
-                                        <p:cTn id="58" dur="1" fill="hold">
+                                        <p:cTn id="64" dur="1" fill="hold">
                                           <p:stCondLst>
                                             <p:cond delay="0"/>
                                           </p:stCondLst>
                                         </p:cTn>
                                         <p:tgtEl>
-                                          <p:spTgt spid="23"/>
+                                          <p:spTgt spid="39"/>
                                         </p:tgtEl>
                                         <p:attrNameLst>
                                           <p:attrName>style.visibility</p:attrName>
@@ -28407,112 +28470,7 @@
                                     </p:set>
                                     <p:animEffect transition="in" filter="fade">
                                       <p:cBhvr>
-                                        <p:cTn id="59" dur="500"/>
-                                        <p:tgtEl>
-                                          <p:spTgt spid="23"/>
-                                        </p:tgtEl>
-                                      </p:cBhvr>
-                                    </p:animEffect>
-                                  </p:childTnLst>
-                                </p:cTn>
-                              </p:par>
-                              <p:par>
-                                <p:cTn id="60" presetID="10" presetClass="entr" presetSubtype="0" fill="hold" nodeType="withEffect">
-                                  <p:stCondLst>
-                                    <p:cond delay="0"/>
-                                  </p:stCondLst>
-                                  <p:childTnLst>
-                                    <p:set>
-                                      <p:cBhvr>
-                                        <p:cTn id="61" dur="1" fill="hold">
-                                          <p:stCondLst>
-                                            <p:cond delay="0"/>
-                                          </p:stCondLst>
-                                        </p:cTn>
-                                        <p:tgtEl>
-                                          <p:spTgt spid="1028"/>
-                                        </p:tgtEl>
-                                        <p:attrNameLst>
-                                          <p:attrName>style.visibility</p:attrName>
-                                        </p:attrNameLst>
-                                      </p:cBhvr>
-                                      <p:to>
-                                        <p:strVal val="visible"/>
-                                      </p:to>
-                                    </p:set>
-                                    <p:animEffect transition="in" filter="fade">
-                                      <p:cBhvr>
-                                        <p:cTn id="62" dur="500"/>
-                                        <p:tgtEl>
-                                          <p:spTgt spid="1028"/>
-                                        </p:tgtEl>
-                                      </p:cBhvr>
-                                    </p:animEffect>
-                                  </p:childTnLst>
-                                </p:cTn>
-                              </p:par>
-                              <p:par>
-                                <p:cTn id="63" presetID="10" presetClass="entr" presetSubtype="0" fill="hold" grpId="0" nodeType="withEffect">
-                                  <p:stCondLst>
-                                    <p:cond delay="0"/>
-                                  </p:stCondLst>
-                                  <p:childTnLst>
-                                    <p:set>
-                                      <p:cBhvr>
-                                        <p:cTn id="64" dur="1" fill="hold">
-                                          <p:stCondLst>
-                                            <p:cond delay="0"/>
-                                          </p:stCondLst>
-                                        </p:cTn>
-                                        <p:tgtEl>
-                                          <p:spTgt spid="25"/>
-                                        </p:tgtEl>
-                                        <p:attrNameLst>
-                                          <p:attrName>style.visibility</p:attrName>
-                                        </p:attrNameLst>
-                                      </p:cBhvr>
-                                      <p:to>
-                                        <p:strVal val="visible"/>
-                                      </p:to>
-                                    </p:set>
-                                    <p:animEffect transition="in" filter="fade">
-                                      <p:cBhvr>
                                         <p:cTn id="65" dur="500"/>
-                                        <p:tgtEl>
-                                          <p:spTgt spid="25"/>
-                                        </p:tgtEl>
-                                      </p:cBhvr>
-                                    </p:animEffect>
-                                  </p:childTnLst>
-                                </p:cTn>
-                              </p:par>
-                              <p:par>
-                                <p:cTn id="66" presetID="10" presetClass="entr" presetSubtype="0" fill="hold" nodeType="withEffect">
-                                  <p:stCondLst>
-                                    <p:cond delay="0"/>
-                                  </p:stCondLst>
-                                  <p:childTnLst>
-                                    <p:set>
-                                      <p:cBhvr>
-                                        <p:cTn id="67" dur="1" fill="hold">
-                                          <p:stCondLst>
-                                            <p:cond delay="0"/>
-                                          </p:stCondLst>
-                                        </p:cTn>
-                                        <p:tgtEl>
-                                          <p:spTgt spid="39"/>
-                                        </p:tgtEl>
-                                        <p:attrNameLst>
-                                          <p:attrName>style.visibility</p:attrName>
-                                        </p:attrNameLst>
-                                      </p:cBhvr>
-                                      <p:to>
-                                        <p:strVal val="visible"/>
-                                      </p:to>
-                                    </p:set>
-                                    <p:animEffect transition="in" filter="fade">
-                                      <p:cBhvr>
-                                        <p:cTn id="68" dur="500"/>
                                         <p:tgtEl>
                                           <p:spTgt spid="39"/>
                                         </p:tgtEl>
@@ -28554,7 +28512,6 @@
       <p:bldP spid="23" grpId="0" animBg="1"/>
       <p:bldP spid="25" grpId="0" animBg="1"/>
       <p:bldP spid="30" grpId="0" animBg="1"/>
-      <p:bldP spid="1025" grpId="0"/>
       <p:bldP spid="36" grpId="0" animBg="1"/>
     </p:bldLst>
   </p:timing>
@@ -30267,7 +30224,7 @@
               <a:buAutoNum type="arabicParenR"/>
             </a:pPr>
             <a:r>
-              <a:rPr lang="en-SG" dirty="0" smtClean="0"/>
+              <a:rPr lang="en-SG" b="1" dirty="0" smtClean="0"/>
               <a:t>BLE theoretical concepts* </a:t>
             </a:r>
           </a:p>
@@ -30334,7 +30291,7 @@
               <a:buAutoNum type="arabicParenR"/>
             </a:pPr>
             <a:r>
-              <a:rPr lang="en-SG" dirty="0" smtClean="0"/>
+              <a:rPr lang="en-SG" b="1" dirty="0" smtClean="0"/>
               <a:t>Peripheral hardware design and software planning </a:t>
             </a:r>
           </a:p>
@@ -30374,7 +30331,7 @@
               <a:buAutoNum type="arabicParenR"/>
             </a:pPr>
             <a:r>
-              <a:rPr lang="en-SG" dirty="0" smtClean="0"/>
+              <a:rPr lang="en-SG" b="1" dirty="0" smtClean="0"/>
               <a:t>Execution</a:t>
             </a:r>
           </a:p>
@@ -30435,7 +30392,7 @@
               <a:buAutoNum type="arabicParenR"/>
             </a:pPr>
             <a:r>
-              <a:rPr lang="en-SG" dirty="0" smtClean="0"/>
+              <a:rPr lang="en-SG" b="1" dirty="0" smtClean="0"/>
               <a:t>Issues and tips (if time permits)</a:t>
             </a:r>
           </a:p>
@@ -30475,7 +30432,7 @@
               <a:buAutoNum type="arabicParenR"/>
             </a:pPr>
             <a:r>
-              <a:rPr lang="en-SG" dirty="0" smtClean="0"/>
+              <a:rPr lang="en-SG" b="1" dirty="0" smtClean="0"/>
               <a:t>BLE layer model and packet concepts</a:t>
             </a:r>
           </a:p>
@@ -30485,7 +30442,7 @@
               <a:buAutoNum type="arabicParenR"/>
             </a:pPr>
             <a:r>
-              <a:rPr lang="en-SG" dirty="0" smtClean="0"/>
+              <a:rPr lang="en-SG" b="1" dirty="0" smtClean="0"/>
               <a:t>BLE Sniffer</a:t>
             </a:r>
           </a:p>
@@ -30495,7 +30452,7 @@
               <a:buAutoNum type="arabicParenR"/>
             </a:pPr>
             <a:r>
-              <a:rPr lang="en-SG" dirty="0" smtClean="0"/>
+              <a:rPr lang="en-SG" b="1" dirty="0" smtClean="0"/>
               <a:t>Further reading</a:t>
             </a:r>
           </a:p>
@@ -30505,7 +30462,7 @@
               <a:buAutoNum type="arabicParenR"/>
             </a:pPr>
             <a:r>
-              <a:rPr lang="en-SG" dirty="0" smtClean="0"/>
+              <a:rPr lang="en-SG" b="1" dirty="0" smtClean="0"/>
               <a:t>Extra questions</a:t>
             </a:r>
           </a:p>

--- a/intro to ble.pptx
+++ b/intro to ble.pptx
@@ -3681,11 +3681,7 @@
             </a:r>
             <a:r>
               <a:rPr lang="en-SG" dirty="0" smtClean="0"/>
-              <a:t> </a:t>
-            </a:r>
-            <a:r>
-              <a:rPr lang="en-SG" dirty="0" smtClean="0"/>
-              <a:t>v0.8 (9 June 2015)</a:t>
+              <a:t> v0.8 (9 June 2015)</a:t>
             </a:r>
           </a:p>
           <a:p>
@@ -13578,13 +13574,8 @@
           <a:p>
             <a:r>
               <a:rPr lang="en-SG" dirty="0" smtClean="0"/>
-              <a:t>Arduino IDE </a:t>
-            </a:r>
-            <a:r>
-              <a:rPr lang="en-SG" dirty="0" smtClean="0"/>
-              <a:t>1.6.5</a:t>
-            </a:r>
-            <a:endParaRPr lang="en-SG" dirty="0" smtClean="0"/>
+              <a:t>Arduino IDE 1.6.5</a:t>
+            </a:r>
           </a:p>
           <a:p>
             <a:r>
@@ -14307,36 +14298,21 @@
             <a:pPr lvl="1"/>
             <a:r>
               <a:rPr lang="en-SG" dirty="0" smtClean="0"/>
-              <a:t>Device: iPod Touch </a:t>
-            </a:r>
-            <a:r>
-              <a:rPr lang="en-SG" dirty="0" smtClean="0"/>
-              <a:t>6G</a:t>
-            </a:r>
-            <a:endParaRPr lang="en-SG" dirty="0" smtClean="0"/>
+              <a:t>Device: iPod Touch 6G</a:t>
+            </a:r>
           </a:p>
           <a:p>
             <a:pPr lvl="1"/>
             <a:r>
               <a:rPr lang="en-SG" dirty="0" smtClean="0"/>
-              <a:t>OS: iOS </a:t>
-            </a:r>
-            <a:r>
-              <a:rPr lang="en-SG" dirty="0" smtClean="0"/>
-              <a:t>9.0.1</a:t>
-            </a:r>
-            <a:endParaRPr lang="en-SG" dirty="0" smtClean="0"/>
-          </a:p>
-          <a:p>
-            <a:r>
-              <a:rPr lang="en-SG" dirty="0" smtClean="0"/>
-              <a:t>Programming Language: </a:t>
-            </a:r>
-            <a:r>
-              <a:rPr lang="en-SG" dirty="0" smtClean="0"/>
-              <a:t>Swift 2</a:t>
-            </a:r>
-            <a:endParaRPr lang="en-SG" dirty="0" smtClean="0"/>
+              <a:t>OS: iOS 9.0.1</a:t>
+            </a:r>
+          </a:p>
+          <a:p>
+            <a:r>
+              <a:rPr lang="en-SG" dirty="0" smtClean="0"/>
+              <a:t>Programming Language: Swift 2</a:t>
+            </a:r>
           </a:p>
           <a:p>
             <a:r>
@@ -14345,13 +14321,8 @@
             </a:r>
             <a:r>
               <a:rPr lang="en-SG" dirty="0" smtClean="0"/>
-              <a:t> </a:t>
-            </a:r>
-            <a:r>
-              <a:rPr lang="en-SG" dirty="0" smtClean="0"/>
-              <a:t>7.0</a:t>
-            </a:r>
-            <a:endParaRPr lang="en-SG" dirty="0" smtClean="0"/>
+              <a:t> 7.0</a:t>
+            </a:r>
           </a:p>
           <a:p>
             <a:endParaRPr lang="en-SG" dirty="0"/>
@@ -14754,11 +14725,7 @@
             </a:r>
             <a:r>
               <a:rPr lang="en-SG" dirty="0" smtClean="0"/>
-              <a:t>Android </a:t>
-            </a:r>
-            <a:r>
-              <a:rPr lang="en-SG" dirty="0" smtClean="0"/>
-              <a:t>6.0</a:t>
+              <a:t>Android 6.0</a:t>
             </a:r>
             <a:endParaRPr lang="en-SG" dirty="0"/>
           </a:p>
@@ -14776,11 +14743,7 @@
           <a:p>
             <a:r>
               <a:rPr lang="en-SG" dirty="0" smtClean="0"/>
-              <a:t>Android Studio </a:t>
-            </a:r>
-            <a:r>
-              <a:rPr lang="en-SG" dirty="0" smtClean="0"/>
-              <a:t>1.3.2</a:t>
+              <a:t>Android Studio 1.3.2</a:t>
             </a:r>
             <a:endParaRPr lang="en-SG" dirty="0"/>
           </a:p>
@@ -16826,7 +16789,7 @@
         <p:spPr>
           <a:xfrm>
             <a:off x="628650" y="1463819"/>
-            <a:ext cx="7886700" cy="4351338"/>
+            <a:ext cx="7886700" cy="491105"/>
           </a:xfrm>
         </p:spPr>
         <p:txBody>
@@ -16902,7 +16865,15 @@
             </a:pPr>
             <a:r>
               <a:rPr lang="en-SG" dirty="0" smtClean="0"/>
-              <a:t>55% of Android devices support BLE</a:t>
+              <a:t>64.7</a:t>
+            </a:r>
+            <a:r>
+              <a:rPr lang="en-SG" dirty="0" smtClean="0"/>
+              <a:t>% </a:t>
+            </a:r>
+            <a:r>
+              <a:rPr lang="en-SG" dirty="0" smtClean="0"/>
+              <a:t>of Android devices support BLE</a:t>
             </a:r>
           </a:p>
           <a:p>
@@ -16912,7 +16883,19 @@
             </a:pPr>
             <a:r>
               <a:rPr lang="en-SG" dirty="0" smtClean="0"/>
-              <a:t>Few support peripheral mode: 9.7% minus Nexus 4, 5, 7 (2012/2013)</a:t>
+              <a:t>Few support peripheral mode: </a:t>
+            </a:r>
+            <a:r>
+              <a:rPr lang="en-SG" dirty="0" smtClean="0"/>
+              <a:t>21</a:t>
+            </a:r>
+            <a:r>
+              <a:rPr lang="en-SG" dirty="0" smtClean="0"/>
+              <a:t>% </a:t>
+            </a:r>
+            <a:r>
+              <a:rPr lang="en-SG" dirty="0" smtClean="0"/>
+              <a:t>minus Nexus 4, 5, 7 (2012/2013)</a:t>
             </a:r>
             <a:endParaRPr lang="en-SG" dirty="0"/>
           </a:p>
@@ -16920,7 +16903,7 @@
       </p:sp>
       <p:pic>
         <p:nvPicPr>
-          <p:cNvPr id="5" name="Picture 4"/>
+          <p:cNvPr id="7" name="Picture 6"/>
           <p:cNvPicPr>
             <a:picLocks noChangeAspect="1"/>
           </p:cNvPicPr>
@@ -16934,8 +16917,8 @@
         </p:blipFill>
         <p:spPr>
           <a:xfrm>
-            <a:off x="733117" y="1887987"/>
-            <a:ext cx="7677766" cy="3776579"/>
+            <a:off x="1219199" y="1954924"/>
+            <a:ext cx="6077607" cy="3596951"/>
           </a:xfrm>
           <a:prstGeom prst="rect">
             <a:avLst/>

--- a/intro to ble.pptx
+++ b/intro to ble.pptx
@@ -242,7 +242,7 @@
           <a:p>
             <a:fld id="{CB69E15D-2E95-428C-B9E3-27B2BF3879D0}" type="datetimeFigureOut">
               <a:rPr lang="en-SG" smtClean="0"/>
-              <a:t>24/9/2015</a:t>
+              <a:t>7/2/16</a:t>
             </a:fld>
             <a:endParaRPr lang="en-SG"/>
           </a:p>
@@ -809,7 +809,7 @@
           <a:p>
             <a:fld id="{14C94871-C4DF-4AFD-96E5-87B050A67E05}" type="datetime1">
               <a:rPr lang="en-SG" smtClean="0"/>
-              <a:t>24/9/2015</a:t>
+              <a:t>7/2/16</a:t>
             </a:fld>
             <a:endParaRPr lang="en-SG"/>
           </a:p>
@@ -979,7 +979,7 @@
           <a:p>
             <a:fld id="{76A6DE21-0D8F-4C8C-AF6A-521466B16426}" type="datetime1">
               <a:rPr lang="en-SG" smtClean="0"/>
-              <a:t>24/9/2015</a:t>
+              <a:t>7/2/16</a:t>
             </a:fld>
             <a:endParaRPr lang="en-SG"/>
           </a:p>
@@ -1159,7 +1159,7 @@
           <a:p>
             <a:fld id="{16A18ED7-72CF-4BB2-8941-928963568089}" type="datetime1">
               <a:rPr lang="en-SG" smtClean="0"/>
-              <a:t>24/9/2015</a:t>
+              <a:t>7/2/16</a:t>
             </a:fld>
             <a:endParaRPr lang="en-SG"/>
           </a:p>
@@ -1329,7 +1329,7 @@
           <a:p>
             <a:fld id="{7FD7CD52-9833-4DD5-89FF-33E59F171421}" type="datetime1">
               <a:rPr lang="en-SG" smtClean="0"/>
-              <a:t>24/9/2015</a:t>
+              <a:t>7/2/16</a:t>
             </a:fld>
             <a:endParaRPr lang="en-SG"/>
           </a:p>
@@ -1573,7 +1573,7 @@
           <a:p>
             <a:fld id="{E74C9598-7F32-4DE4-BFF0-39C051013B34}" type="datetime1">
               <a:rPr lang="en-SG" smtClean="0"/>
-              <a:t>24/9/2015</a:t>
+              <a:t>7/2/16</a:t>
             </a:fld>
             <a:endParaRPr lang="en-SG"/>
           </a:p>
@@ -1805,7 +1805,7 @@
           <a:p>
             <a:fld id="{5DC821E8-33B0-41D5-8FA5-9A647E53891C}" type="datetime1">
               <a:rPr lang="en-SG" smtClean="0"/>
-              <a:t>24/9/2015</a:t>
+              <a:t>7/2/16</a:t>
             </a:fld>
             <a:endParaRPr lang="en-SG"/>
           </a:p>
@@ -2172,7 +2172,7 @@
           <a:p>
             <a:fld id="{751CCC62-50F5-4228-8D51-6D258C0BFCBD}" type="datetime1">
               <a:rPr lang="en-SG" smtClean="0"/>
-              <a:t>24/9/2015</a:t>
+              <a:t>7/2/16</a:t>
             </a:fld>
             <a:endParaRPr lang="en-SG"/>
           </a:p>
@@ -2290,7 +2290,7 @@
           <a:p>
             <a:fld id="{776807E8-5434-437A-A610-A94C24A73164}" type="datetime1">
               <a:rPr lang="en-SG" smtClean="0"/>
-              <a:t>24/9/2015</a:t>
+              <a:t>7/2/16</a:t>
             </a:fld>
             <a:endParaRPr lang="en-SG"/>
           </a:p>
@@ -2385,7 +2385,7 @@
           <a:p>
             <a:fld id="{18AC243E-E412-41F8-A99C-62E3D2C4FD1E}" type="datetime1">
               <a:rPr lang="en-SG" smtClean="0"/>
-              <a:t>24/9/2015</a:t>
+              <a:t>7/2/16</a:t>
             </a:fld>
             <a:endParaRPr lang="en-SG"/>
           </a:p>
@@ -2662,7 +2662,7 @@
           <a:p>
             <a:fld id="{30DD06DC-63F5-45CF-A3A5-F437A0C7E12A}" type="datetime1">
               <a:rPr lang="en-SG" smtClean="0"/>
-              <a:t>24/9/2015</a:t>
+              <a:t>7/2/16</a:t>
             </a:fld>
             <a:endParaRPr lang="en-SG"/>
           </a:p>
@@ -2919,7 +2919,7 @@
           <a:p>
             <a:fld id="{7810AE82-8C34-472D-B90B-4D50508F585C}" type="datetime1">
               <a:rPr lang="en-SG" smtClean="0"/>
-              <a:t>24/9/2015</a:t>
+              <a:t>7/2/16</a:t>
             </a:fld>
             <a:endParaRPr lang="en-SG"/>
           </a:p>
@@ -3132,7 +3132,7 @@
           <a:p>
             <a:fld id="{393BD624-3486-430E-A0CD-3F2C92C8E573}" type="datetime1">
               <a:rPr lang="en-SG" smtClean="0"/>
-              <a:t>24/9/2015</a:t>
+              <a:t>7/2/16</a:t>
             </a:fld>
             <a:endParaRPr lang="en-SG"/>
           </a:p>
@@ -3655,8 +3655,8 @@
         </p:nvSpPr>
         <p:spPr>
           <a:xfrm>
-            <a:off x="115386" y="5521147"/>
-            <a:ext cx="3570914" cy="1200329"/>
+            <a:off x="130848" y="5380672"/>
+            <a:ext cx="4413516" cy="1477328"/>
           </a:xfrm>
           <a:prstGeom prst="rect">
             <a:avLst/>
@@ -3670,8 +3670,19 @@
           <a:lstStyle/>
           <a:p>
             <a:r>
+              <a:rPr lang="en-SG" dirty="0" smtClean="0"/>
+              <a:t>Tech Talk Tuesdays @OMG (16 Feb 2016)</a:t>
+            </a:r>
+            <a:endParaRPr lang="en-SG" dirty="0" smtClean="0"/>
+          </a:p>
+          <a:p>
+            <a:r>
+              <a:rPr lang="en-SG" dirty="0" smtClean="0"/>
+              <a:t>Friday Hacks #98 @NUS </a:t>
+            </a:r>
+            <a:r>
               <a:rPr lang="en-SG" dirty="0"/>
-              <a:t>NUS Hackers (2 Oct 2015)</a:t>
+              <a:t>Hackers (2 Oct 2015)</a:t>
             </a:r>
           </a:p>
           <a:p>
@@ -4063,8 +4074,20 @@
                 <a:tableStyleId>{5C22544A-7EE6-4342-B048-85BDC9FD1C3A}</a:tableStyleId>
               </a:tblPr>
               <a:tblGrid>
-                <a:gridCol w="3368099"/>
-                <a:gridCol w="5174322"/>
+                <a:gridCol w="3368099">
+                  <a:extLst>
+                    <a:ext uri="{9D8B030D-6E8A-4147-A177-3AD203B41FA5}">
+                      <a16:colId xmlns="" xmlns:a16="http://schemas.microsoft.com/office/drawing/2014/main" val="20000"/>
+                    </a:ext>
+                  </a:extLst>
+                </a:gridCol>
+                <a:gridCol w="5174322">
+                  <a:extLst>
+                    <a:ext uri="{9D8B030D-6E8A-4147-A177-3AD203B41FA5}">
+                      <a16:colId xmlns="" xmlns:a16="http://schemas.microsoft.com/office/drawing/2014/main" val="20001"/>
+                    </a:ext>
+                  </a:extLst>
+                </a:gridCol>
               </a:tblGrid>
               <a:tr h="647408">
                 <a:tc>
@@ -4099,6 +4122,11 @@
                   </a:txBody>
                   <a:tcPr/>
                 </a:tc>
+                <a:extLst>
+                  <a:ext uri="{0D108BD9-81ED-4DB2-BD59-A6C34878D82A}">
+                    <a16:rowId xmlns="" xmlns:a16="http://schemas.microsoft.com/office/drawing/2014/main" val="10000"/>
+                  </a:ext>
+                </a:extLst>
               </a:tr>
               <a:tr h="375086">
                 <a:tc>
@@ -4129,6 +4157,11 @@
                   </a:txBody>
                   <a:tcPr/>
                 </a:tc>
+                <a:extLst>
+                  <a:ext uri="{0D108BD9-81ED-4DB2-BD59-A6C34878D82A}">
+                    <a16:rowId xmlns="" xmlns:a16="http://schemas.microsoft.com/office/drawing/2014/main" val="10001"/>
+                  </a:ext>
+                </a:extLst>
               </a:tr>
               <a:tr h="375086">
                 <a:tc>
@@ -4159,6 +4192,11 @@
                   </a:txBody>
                   <a:tcPr/>
                 </a:tc>
+                <a:extLst>
+                  <a:ext uri="{0D108BD9-81ED-4DB2-BD59-A6C34878D82A}">
+                    <a16:rowId xmlns="" xmlns:a16="http://schemas.microsoft.com/office/drawing/2014/main" val="10002"/>
+                  </a:ext>
+                </a:extLst>
               </a:tr>
               <a:tr h="375086">
                 <a:tc>
@@ -4189,6 +4227,11 @@
                   </a:txBody>
                   <a:tcPr/>
                 </a:tc>
+                <a:extLst>
+                  <a:ext uri="{0D108BD9-81ED-4DB2-BD59-A6C34878D82A}">
+                    <a16:rowId xmlns="" xmlns:a16="http://schemas.microsoft.com/office/drawing/2014/main" val="10003"/>
+                  </a:ext>
+                </a:extLst>
               </a:tr>
             </a:tbl>
           </a:graphicData>
@@ -4485,7 +4528,7 @@
           <p:nvPr>
             <p:extLst>
               <p:ext uri="{D42A27DB-BD31-4B8C-83A1-F6EECF244321}">
-                <p14:modId xmlns:p14="http://schemas.microsoft.com/office/powerpoint/2010/main" val="1077497465"/>
+                <p14:modId xmlns:p14="http://schemas.microsoft.com/office/powerpoint/2010/main" val="1896153731"/>
               </p:ext>
             </p:extLst>
           </p:nvPr>
@@ -4501,8 +4544,20 @@
                 <a:tableStyleId>{5C22544A-7EE6-4342-B048-85BDC9FD1C3A}</a:tableStyleId>
               </a:tblPr>
               <a:tblGrid>
-                <a:gridCol w="4184649"/>
-                <a:gridCol w="4184649"/>
+                <a:gridCol w="4184649">
+                  <a:extLst>
+                    <a:ext uri="{9D8B030D-6E8A-4147-A177-3AD203B41FA5}">
+                      <a16:colId xmlns="" xmlns:a16="http://schemas.microsoft.com/office/drawing/2014/main" val="20000"/>
+                    </a:ext>
+                  </a:extLst>
+                </a:gridCol>
+                <a:gridCol w="4184649">
+                  <a:extLst>
+                    <a:ext uri="{9D8B030D-6E8A-4147-A177-3AD203B41FA5}">
+                      <a16:colId xmlns="" xmlns:a16="http://schemas.microsoft.com/office/drawing/2014/main" val="20001"/>
+                    </a:ext>
+                  </a:extLst>
+                </a:gridCol>
               </a:tblGrid>
               <a:tr h="338204">
                 <a:tc>
@@ -4539,6 +4594,11 @@
                     </a:solidFill>
                   </a:tcPr>
                 </a:tc>
+                <a:extLst>
+                  <a:ext uri="{0D108BD9-81ED-4DB2-BD59-A6C34878D82A}">
+                    <a16:rowId xmlns="" xmlns:a16="http://schemas.microsoft.com/office/drawing/2014/main" val="10000"/>
+                  </a:ext>
+                </a:extLst>
               </a:tr>
               <a:tr h="2864790">
                 <a:tc>
@@ -4913,7 +4973,7 @@
                           <a:ea typeface="+mn-ea"/>
                           <a:cs typeface="+mn-cs"/>
                         </a:rPr>
-                        <a:t>- Nexus 6, 9</a:t>
+                        <a:t>- Nexus 6, 9, 5X, 6P</a:t>
                       </a:r>
                     </a:p>
                     <a:p>
@@ -5037,6 +5097,11 @@
                     <a:noFill/>
                   </a:tcPr>
                 </a:tc>
+                <a:extLst>
+                  <a:ext uri="{0D108BD9-81ED-4DB2-BD59-A6C34878D82A}">
+                    <a16:rowId xmlns="" xmlns:a16="http://schemas.microsoft.com/office/drawing/2014/main" val="10001"/>
+                  </a:ext>
+                </a:extLst>
               </a:tr>
             </a:tbl>
           </a:graphicData>
@@ -11904,8 +11969,17 @@
           <a:p>
             <a:r>
               <a:rPr lang="en-SG" dirty="0" smtClean="0"/>
-              <a:t>Just graduated from NUS Computer Science</a:t>
-            </a:r>
+              <a:t>Graduated from </a:t>
+            </a:r>
+            <a:r>
+              <a:rPr lang="en-SG" dirty="0" smtClean="0"/>
+              <a:t>NUS Computer </a:t>
+            </a:r>
+            <a:r>
+              <a:rPr lang="en-SG" dirty="0" smtClean="0"/>
+              <a:t>Science in 2015</a:t>
+            </a:r>
+            <a:endParaRPr lang="en-SG" dirty="0" smtClean="0"/>
           </a:p>
           <a:p>
             <a:r>
@@ -12805,8 +12879,20 @@
                 <a:tableStyleId>{5C22544A-7EE6-4342-B048-85BDC9FD1C3A}</a:tableStyleId>
               </a:tblPr>
               <a:tblGrid>
-                <a:gridCol w="2702014"/>
-                <a:gridCol w="6095637"/>
+                <a:gridCol w="2702014">
+                  <a:extLst>
+                    <a:ext uri="{9D8B030D-6E8A-4147-A177-3AD203B41FA5}">
+                      <a16:colId xmlns="" xmlns:a16="http://schemas.microsoft.com/office/drawing/2014/main" val="20000"/>
+                    </a:ext>
+                  </a:extLst>
+                </a:gridCol>
+                <a:gridCol w="6095637">
+                  <a:extLst>
+                    <a:ext uri="{9D8B030D-6E8A-4147-A177-3AD203B41FA5}">
+                      <a16:colId xmlns="" xmlns:a16="http://schemas.microsoft.com/office/drawing/2014/main" val="20001"/>
+                    </a:ext>
+                  </a:extLst>
+                </a:gridCol>
               </a:tblGrid>
               <a:tr h="345722">
                 <a:tc>
@@ -12849,6 +12935,11 @@
                     </a:solidFill>
                   </a:tcPr>
                 </a:tc>
+                <a:extLst>
+                  <a:ext uri="{0D108BD9-81ED-4DB2-BD59-A6C34878D82A}">
+                    <a16:rowId xmlns="" xmlns:a16="http://schemas.microsoft.com/office/drawing/2014/main" val="10000"/>
+                  </a:ext>
+                </a:extLst>
               </a:tr>
               <a:tr h="345722">
                 <a:tc>
@@ -12887,6 +12978,11 @@
                   </a:txBody>
                   <a:tcPr/>
                 </a:tc>
+                <a:extLst>
+                  <a:ext uri="{0D108BD9-81ED-4DB2-BD59-A6C34878D82A}">
+                    <a16:rowId xmlns="" xmlns:a16="http://schemas.microsoft.com/office/drawing/2014/main" val="10001"/>
+                  </a:ext>
+                </a:extLst>
               </a:tr>
               <a:tr h="345722">
                 <a:tc>
@@ -12933,6 +13029,11 @@
                   </a:txBody>
                   <a:tcPr/>
                 </a:tc>
+                <a:extLst>
+                  <a:ext uri="{0D108BD9-81ED-4DB2-BD59-A6C34878D82A}">
+                    <a16:rowId xmlns="" xmlns:a16="http://schemas.microsoft.com/office/drawing/2014/main" val="10002"/>
+                  </a:ext>
+                </a:extLst>
               </a:tr>
               <a:tr h="345722">
                 <a:tc>
@@ -12963,6 +13064,11 @@
                   </a:txBody>
                   <a:tcPr/>
                 </a:tc>
+                <a:extLst>
+                  <a:ext uri="{0D108BD9-81ED-4DB2-BD59-A6C34878D82A}">
+                    <a16:rowId xmlns="" xmlns:a16="http://schemas.microsoft.com/office/drawing/2014/main" val="10003"/>
+                  </a:ext>
+                </a:extLst>
               </a:tr>
               <a:tr h="544616">
                 <a:tc>
@@ -13009,6 +13115,11 @@
                   </a:txBody>
                   <a:tcPr/>
                 </a:tc>
+                <a:extLst>
+                  <a:ext uri="{0D108BD9-81ED-4DB2-BD59-A6C34878D82A}">
+                    <a16:rowId xmlns="" xmlns:a16="http://schemas.microsoft.com/office/drawing/2014/main" val="10004"/>
+                  </a:ext>
+                </a:extLst>
               </a:tr>
             </a:tbl>
           </a:graphicData>
@@ -13574,7 +13685,7 @@
           <a:p>
             <a:r>
               <a:rPr lang="en-SG" dirty="0" smtClean="0"/>
-              <a:t>Arduino IDE 1.6.5</a:t>
+              <a:t>Arduino IDE 1.6.7</a:t>
             </a:r>
           </a:p>
           <a:p>
@@ -14305,7 +14416,7 @@
             <a:pPr lvl="1"/>
             <a:r>
               <a:rPr lang="en-SG" dirty="0" smtClean="0"/>
-              <a:t>OS: iOS 9.0.1</a:t>
+              <a:t>OS: iOS 9.2.1</a:t>
             </a:r>
           </a:p>
           <a:p>
@@ -14321,7 +14432,7 @@
             </a:r>
             <a:r>
               <a:rPr lang="en-SG" dirty="0" smtClean="0"/>
-              <a:t> 7.0</a:t>
+              <a:t> 7.2.1</a:t>
             </a:r>
           </a:p>
           <a:p>
@@ -14725,7 +14836,7 @@
             </a:r>
             <a:r>
               <a:rPr lang="en-SG" dirty="0" smtClean="0"/>
-              <a:t>Android 6.0</a:t>
+              <a:t>Android 6.0.1</a:t>
             </a:r>
             <a:endParaRPr lang="en-SG" dirty="0"/>
           </a:p>
@@ -14743,7 +14854,7 @@
           <a:p>
             <a:r>
               <a:rPr lang="en-SG" dirty="0" smtClean="0"/>
-              <a:t>Android Studio 1.3.2</a:t>
+              <a:t>Android Studio 1.5.1</a:t>
             </a:r>
             <a:endParaRPr lang="en-SG" dirty="0"/>
           </a:p>
@@ -16845,7 +16956,7 @@
         </p:nvSpPr>
         <p:spPr>
           <a:xfrm>
-            <a:off x="363682" y="5687293"/>
+            <a:off x="363682" y="5710020"/>
             <a:ext cx="8151668" cy="646331"/>
           </a:xfrm>
           <a:prstGeom prst="rect">
@@ -16864,15 +16975,27 @@
               <a:buChar char="•"/>
             </a:pPr>
             <a:r>
-              <a:rPr lang="en-SG" dirty="0" smtClean="0"/>
-              <a:t>64.7</a:t>
-            </a:r>
-            <a:r>
-              <a:rPr lang="en-SG" dirty="0" smtClean="0"/>
+              <a:rPr lang="en-SG" dirty="0" smtClean="0">
+                <a:solidFill>
+                  <a:srgbClr val="00B0F0"/>
+                </a:solidFill>
+              </a:rPr>
+              <a:t>74.2</a:t>
+            </a:r>
+            <a:r>
+              <a:rPr lang="en-SG" dirty="0" smtClean="0">
+                <a:solidFill>
+                  <a:srgbClr val="00B0F0"/>
+                </a:solidFill>
+              </a:rPr>
               <a:t>% </a:t>
             </a:r>
             <a:r>
-              <a:rPr lang="en-SG" dirty="0" smtClean="0"/>
+              <a:rPr lang="en-SG" dirty="0" smtClean="0">
+                <a:solidFill>
+                  <a:srgbClr val="00B0F0"/>
+                </a:solidFill>
+              </a:rPr>
               <a:t>of Android devices support BLE</a:t>
             </a:r>
           </a:p>
@@ -16882,49 +17005,159 @@
               <a:buChar char="•"/>
             </a:pPr>
             <a:r>
-              <a:rPr lang="en-SG" dirty="0" smtClean="0"/>
+              <a:rPr lang="en-SG" dirty="0" smtClean="0">
+                <a:solidFill>
+                  <a:srgbClr val="FF0000"/>
+                </a:solidFill>
+              </a:rPr>
               <a:t>Few support peripheral mode: </a:t>
             </a:r>
             <a:r>
-              <a:rPr lang="en-SG" dirty="0" smtClean="0"/>
-              <a:t>21</a:t>
-            </a:r>
-            <a:r>
-              <a:rPr lang="en-SG" dirty="0" smtClean="0"/>
-              <a:t>% </a:t>
-            </a:r>
-            <a:r>
-              <a:rPr lang="en-SG" dirty="0" smtClean="0"/>
+              <a:rPr lang="en-SG" dirty="0" smtClean="0">
+                <a:solidFill>
+                  <a:srgbClr val="FF0000"/>
+                </a:solidFill>
+              </a:rPr>
+              <a:t>35.3% </a:t>
+            </a:r>
+            <a:r>
+              <a:rPr lang="en-SG" dirty="0" smtClean="0">
+                <a:solidFill>
+                  <a:srgbClr val="FF0000"/>
+                </a:solidFill>
+              </a:rPr>
               <a:t>minus Nexus 4, 5, 7 (2012/2013)</a:t>
             </a:r>
-            <a:endParaRPr lang="en-SG" dirty="0"/>
+            <a:endParaRPr lang="en-SG" dirty="0">
+              <a:solidFill>
+                <a:srgbClr val="FF0000"/>
+              </a:solidFill>
+            </a:endParaRPr>
           </a:p>
         </p:txBody>
       </p:sp>
       <p:pic>
         <p:nvPicPr>
-          <p:cNvPr id="7" name="Picture 6"/>
+          <p:cNvPr id="8" name="Picture 7"/>
           <p:cNvPicPr>
             <a:picLocks noChangeAspect="1"/>
           </p:cNvPicPr>
           <p:nvPr/>
         </p:nvPicPr>
         <p:blipFill>
-          <a:blip r:embed="rId2"/>
+          <a:blip r:embed="rId2">
+            <a:extLst>
+              <a:ext uri="{28A0092B-C50C-407E-A947-70E740481C1C}">
+                <a14:useLocalDpi xmlns:a14="http://schemas.microsoft.com/office/drawing/2010/main" val="0"/>
+              </a:ext>
+            </a:extLst>
+          </a:blip>
           <a:stretch>
             <a:fillRect/>
           </a:stretch>
         </p:blipFill>
         <p:spPr>
           <a:xfrm>
-            <a:off x="1219199" y="1954924"/>
-            <a:ext cx="6077607" cy="3596951"/>
+            <a:off x="868680" y="1881297"/>
+            <a:ext cx="6135624" cy="3902351"/>
           </a:xfrm>
           <a:prstGeom prst="rect">
             <a:avLst/>
           </a:prstGeom>
         </p:spPr>
       </p:pic>
+      <p:sp>
+        <p:nvSpPr>
+          <p:cNvPr id="10" name="Rectangle 9"/>
+          <p:cNvSpPr/>
+          <p:nvPr/>
+        </p:nvSpPr>
+        <p:spPr>
+          <a:xfrm>
+            <a:off x="868680" y="3940403"/>
+            <a:ext cx="2829560" cy="1329847"/>
+          </a:xfrm>
+          <a:prstGeom prst="rect">
+            <a:avLst/>
+          </a:prstGeom>
+          <a:noFill/>
+          <a:ln w="25400">
+            <a:solidFill>
+              <a:srgbClr val="00B0F0"/>
+            </a:solidFill>
+          </a:ln>
+        </p:spPr>
+        <p:style>
+          <a:lnRef idx="2">
+            <a:schemeClr val="accent1">
+              <a:shade val="50000"/>
+            </a:schemeClr>
+          </a:lnRef>
+          <a:fillRef idx="1">
+            <a:schemeClr val="accent1"/>
+          </a:fillRef>
+          <a:effectRef idx="0">
+            <a:schemeClr val="accent1"/>
+          </a:effectRef>
+          <a:fontRef idx="minor">
+            <a:schemeClr val="lt1"/>
+          </a:fontRef>
+        </p:style>
+        <p:txBody>
+          <a:bodyPr rtlCol="0" anchor="ctr"/>
+          <a:lstStyle/>
+          <a:p>
+            <a:pPr algn="ctr"/>
+            <a:endParaRPr lang="en-US"/>
+          </a:p>
+        </p:txBody>
+      </p:sp>
+      <p:sp>
+        <p:nvSpPr>
+          <p:cNvPr id="11" name="Rectangle 10"/>
+          <p:cNvSpPr/>
+          <p:nvPr/>
+        </p:nvSpPr>
+        <p:spPr>
+          <a:xfrm>
+            <a:off x="923624" y="4461100"/>
+            <a:ext cx="2719672" cy="742496"/>
+          </a:xfrm>
+          <a:prstGeom prst="rect">
+            <a:avLst/>
+          </a:prstGeom>
+          <a:noFill/>
+          <a:ln w="25400">
+            <a:solidFill>
+              <a:srgbClr val="FF0000"/>
+            </a:solidFill>
+          </a:ln>
+        </p:spPr>
+        <p:style>
+          <a:lnRef idx="2">
+            <a:schemeClr val="accent1">
+              <a:shade val="50000"/>
+            </a:schemeClr>
+          </a:lnRef>
+          <a:fillRef idx="1">
+            <a:schemeClr val="accent1"/>
+          </a:fillRef>
+          <a:effectRef idx="0">
+            <a:schemeClr val="accent1"/>
+          </a:effectRef>
+          <a:fontRef idx="minor">
+            <a:schemeClr val="lt1"/>
+          </a:fontRef>
+        </p:style>
+        <p:txBody>
+          <a:bodyPr rtlCol="0" anchor="ctr"/>
+          <a:lstStyle/>
+          <a:p>
+            <a:pPr algn="ctr"/>
+            <a:endParaRPr lang="en-US"/>
+          </a:p>
+        </p:txBody>
+      </p:sp>
     </p:spTree>
     <p:extLst>
       <p:ext uri="{BB962C8B-B14F-4D97-AF65-F5344CB8AC3E}">
@@ -16938,9 +17171,228 @@
   <p:timing>
     <p:tnLst>
       <p:par>
-        <p:cTn id="1" dur="indefinite" restart="never" nodeType="tmRoot"/>
+        <p:cTn id="1" dur="indefinite" restart="never" nodeType="tmRoot">
+          <p:childTnLst>
+            <p:seq concurrent="1" nextAc="seek">
+              <p:cTn id="2" dur="indefinite" nodeType="mainSeq">
+                <p:childTnLst>
+                  <p:par>
+                    <p:cTn id="3" fill="hold">
+                      <p:stCondLst>
+                        <p:cond delay="indefinite"/>
+                      </p:stCondLst>
+                      <p:childTnLst>
+                        <p:par>
+                          <p:cTn id="4" fill="hold">
+                            <p:stCondLst>
+                              <p:cond delay="0"/>
+                            </p:stCondLst>
+                            <p:childTnLst>
+                              <p:par>
+                                <p:cTn id="5" presetID="10" presetClass="entr" presetSubtype="0" fill="hold" grpId="0" nodeType="clickEffect">
+                                  <p:stCondLst>
+                                    <p:cond delay="0"/>
+                                  </p:stCondLst>
+                                  <p:childTnLst>
+                                    <p:set>
+                                      <p:cBhvr>
+                                        <p:cTn id="6" dur="1" fill="hold">
+                                          <p:stCondLst>
+                                            <p:cond delay="0"/>
+                                          </p:stCondLst>
+                                        </p:cTn>
+                                        <p:tgtEl>
+                                          <p:spTgt spid="10"/>
+                                        </p:tgtEl>
+                                        <p:attrNameLst>
+                                          <p:attrName>style.visibility</p:attrName>
+                                        </p:attrNameLst>
+                                      </p:cBhvr>
+                                      <p:to>
+                                        <p:strVal val="visible"/>
+                                      </p:to>
+                                    </p:set>
+                                    <p:animEffect transition="in" filter="fade">
+                                      <p:cBhvr>
+                                        <p:cTn id="7" dur="500"/>
+                                        <p:tgtEl>
+                                          <p:spTgt spid="10"/>
+                                        </p:tgtEl>
+                                      </p:cBhvr>
+                                    </p:animEffect>
+                                  </p:childTnLst>
+                                </p:cTn>
+                              </p:par>
+                              <p:par>
+                                <p:cTn id="8" presetID="10" presetClass="entr" presetSubtype="0" fill="hold" nodeType="withEffect">
+                                  <p:stCondLst>
+                                    <p:cond delay="0"/>
+                                  </p:stCondLst>
+                                  <p:childTnLst>
+                                    <p:set>
+                                      <p:cBhvr>
+                                        <p:cTn id="9" dur="1" fill="hold">
+                                          <p:stCondLst>
+                                            <p:cond delay="0"/>
+                                          </p:stCondLst>
+                                        </p:cTn>
+                                        <p:tgtEl>
+                                          <p:spTgt spid="6">
+                                            <p:txEl>
+                                              <p:pRg st="0" end="0"/>
+                                            </p:txEl>
+                                          </p:spTgt>
+                                        </p:tgtEl>
+                                        <p:attrNameLst>
+                                          <p:attrName>style.visibility</p:attrName>
+                                        </p:attrNameLst>
+                                      </p:cBhvr>
+                                      <p:to>
+                                        <p:strVal val="visible"/>
+                                      </p:to>
+                                    </p:set>
+                                    <p:animEffect transition="in" filter="fade">
+                                      <p:cBhvr>
+                                        <p:cTn id="10" dur="500"/>
+                                        <p:tgtEl>
+                                          <p:spTgt spid="6">
+                                            <p:txEl>
+                                              <p:pRg st="0" end="0"/>
+                                            </p:txEl>
+                                          </p:spTgt>
+                                        </p:tgtEl>
+                                      </p:cBhvr>
+                                    </p:animEffect>
+                                  </p:childTnLst>
+                                </p:cTn>
+                              </p:par>
+                            </p:childTnLst>
+                          </p:cTn>
+                        </p:par>
+                      </p:childTnLst>
+                    </p:cTn>
+                  </p:par>
+                  <p:par>
+                    <p:cTn id="11" fill="hold">
+                      <p:stCondLst>
+                        <p:cond delay="indefinite"/>
+                      </p:stCondLst>
+                      <p:childTnLst>
+                        <p:par>
+                          <p:cTn id="12" fill="hold">
+                            <p:stCondLst>
+                              <p:cond delay="0"/>
+                            </p:stCondLst>
+                            <p:childTnLst>
+                              <p:par>
+                                <p:cTn id="13" presetID="10" presetClass="entr" presetSubtype="0" fill="hold" grpId="0" nodeType="clickEffect">
+                                  <p:stCondLst>
+                                    <p:cond delay="0"/>
+                                  </p:stCondLst>
+                                  <p:childTnLst>
+                                    <p:set>
+                                      <p:cBhvr>
+                                        <p:cTn id="14" dur="1" fill="hold">
+                                          <p:stCondLst>
+                                            <p:cond delay="0"/>
+                                          </p:stCondLst>
+                                        </p:cTn>
+                                        <p:tgtEl>
+                                          <p:spTgt spid="11"/>
+                                        </p:tgtEl>
+                                        <p:attrNameLst>
+                                          <p:attrName>style.visibility</p:attrName>
+                                        </p:attrNameLst>
+                                      </p:cBhvr>
+                                      <p:to>
+                                        <p:strVal val="visible"/>
+                                      </p:to>
+                                    </p:set>
+                                    <p:animEffect transition="in" filter="fade">
+                                      <p:cBhvr>
+                                        <p:cTn id="15" dur="500"/>
+                                        <p:tgtEl>
+                                          <p:spTgt spid="11"/>
+                                        </p:tgtEl>
+                                      </p:cBhvr>
+                                    </p:animEffect>
+                                  </p:childTnLst>
+                                </p:cTn>
+                              </p:par>
+                              <p:par>
+                                <p:cTn id="16" presetID="10" presetClass="entr" presetSubtype="0" fill="hold" nodeType="withEffect">
+                                  <p:stCondLst>
+                                    <p:cond delay="0"/>
+                                  </p:stCondLst>
+                                  <p:childTnLst>
+                                    <p:set>
+                                      <p:cBhvr>
+                                        <p:cTn id="17" dur="1" fill="hold">
+                                          <p:stCondLst>
+                                            <p:cond delay="0"/>
+                                          </p:stCondLst>
+                                        </p:cTn>
+                                        <p:tgtEl>
+                                          <p:spTgt spid="6">
+                                            <p:txEl>
+                                              <p:pRg st="1" end="1"/>
+                                            </p:txEl>
+                                          </p:spTgt>
+                                        </p:tgtEl>
+                                        <p:attrNameLst>
+                                          <p:attrName>style.visibility</p:attrName>
+                                        </p:attrNameLst>
+                                      </p:cBhvr>
+                                      <p:to>
+                                        <p:strVal val="visible"/>
+                                      </p:to>
+                                    </p:set>
+                                    <p:animEffect transition="in" filter="fade">
+                                      <p:cBhvr>
+                                        <p:cTn id="18" dur="500"/>
+                                        <p:tgtEl>
+                                          <p:spTgt spid="6">
+                                            <p:txEl>
+                                              <p:pRg st="1" end="1"/>
+                                            </p:txEl>
+                                          </p:spTgt>
+                                        </p:tgtEl>
+                                      </p:cBhvr>
+                                    </p:animEffect>
+                                  </p:childTnLst>
+                                </p:cTn>
+                              </p:par>
+                            </p:childTnLst>
+                          </p:cTn>
+                        </p:par>
+                      </p:childTnLst>
+                    </p:cTn>
+                  </p:par>
+                </p:childTnLst>
+              </p:cTn>
+              <p:prevCondLst>
+                <p:cond evt="onPrev" delay="0">
+                  <p:tgtEl>
+                    <p:sldTgt/>
+                  </p:tgtEl>
+                </p:cond>
+              </p:prevCondLst>
+              <p:nextCondLst>
+                <p:cond evt="onNext" delay="0">
+                  <p:tgtEl>
+                    <p:sldTgt/>
+                  </p:tgtEl>
+                </p:cond>
+              </p:nextCondLst>
+            </p:seq>
+          </p:childTnLst>
+        </p:cTn>
       </p:par>
     </p:tnLst>
+    <p:bldLst>
+      <p:bldP spid="10" grpId="0" animBg="1"/>
+      <p:bldP spid="11" grpId="0" animBg="1"/>
+    </p:bldLst>
   </p:timing>
 </p:sld>
 </file>
@@ -19641,13 +20093,55 @@
                 <a:tableStyleId>{5C22544A-7EE6-4342-B048-85BDC9FD1C3A}</a:tableStyleId>
               </a:tblPr>
               <a:tblGrid>
-                <a:gridCol w="1126671"/>
-                <a:gridCol w="1091118"/>
-                <a:gridCol w="1423219"/>
-                <a:gridCol w="671052"/>
-                <a:gridCol w="648929"/>
-                <a:gridCol w="1939413"/>
-                <a:gridCol w="986295"/>
+                <a:gridCol w="1126671">
+                  <a:extLst>
+                    <a:ext uri="{9D8B030D-6E8A-4147-A177-3AD203B41FA5}">
+                      <a16:colId xmlns="" xmlns:a16="http://schemas.microsoft.com/office/drawing/2014/main" val="20000"/>
+                    </a:ext>
+                  </a:extLst>
+                </a:gridCol>
+                <a:gridCol w="1091118">
+                  <a:extLst>
+                    <a:ext uri="{9D8B030D-6E8A-4147-A177-3AD203B41FA5}">
+                      <a16:colId xmlns="" xmlns:a16="http://schemas.microsoft.com/office/drawing/2014/main" val="20001"/>
+                    </a:ext>
+                  </a:extLst>
+                </a:gridCol>
+                <a:gridCol w="1423219">
+                  <a:extLst>
+                    <a:ext uri="{9D8B030D-6E8A-4147-A177-3AD203B41FA5}">
+                      <a16:colId xmlns="" xmlns:a16="http://schemas.microsoft.com/office/drawing/2014/main" val="20002"/>
+                    </a:ext>
+                  </a:extLst>
+                </a:gridCol>
+                <a:gridCol w="671052">
+                  <a:extLst>
+                    <a:ext uri="{9D8B030D-6E8A-4147-A177-3AD203B41FA5}">
+                      <a16:colId xmlns="" xmlns:a16="http://schemas.microsoft.com/office/drawing/2014/main" val="20003"/>
+                    </a:ext>
+                  </a:extLst>
+                </a:gridCol>
+                <a:gridCol w="648929">
+                  <a:extLst>
+                    <a:ext uri="{9D8B030D-6E8A-4147-A177-3AD203B41FA5}">
+                      <a16:colId xmlns="" xmlns:a16="http://schemas.microsoft.com/office/drawing/2014/main" val="20004"/>
+                    </a:ext>
+                  </a:extLst>
+                </a:gridCol>
+                <a:gridCol w="1939413">
+                  <a:extLst>
+                    <a:ext uri="{9D8B030D-6E8A-4147-A177-3AD203B41FA5}">
+                      <a16:colId xmlns="" xmlns:a16="http://schemas.microsoft.com/office/drawing/2014/main" val="20005"/>
+                    </a:ext>
+                  </a:extLst>
+                </a:gridCol>
+                <a:gridCol w="986295">
+                  <a:extLst>
+                    <a:ext uri="{9D8B030D-6E8A-4147-A177-3AD203B41FA5}">
+                      <a16:colId xmlns="" xmlns:a16="http://schemas.microsoft.com/office/drawing/2014/main" val="20006"/>
+                    </a:ext>
+                  </a:extLst>
+                </a:gridCol>
               </a:tblGrid>
               <a:tr h="370840">
                 <a:tc>
@@ -19756,6 +20250,11 @@
                   </a:txBody>
                   <a:tcPr/>
                 </a:tc>
+                <a:extLst>
+                  <a:ext uri="{0D108BD9-81ED-4DB2-BD59-A6C34878D82A}">
+                    <a16:rowId xmlns="" xmlns:a16="http://schemas.microsoft.com/office/drawing/2014/main" val="10000"/>
+                  </a:ext>
+                </a:extLst>
               </a:tr>
               <a:tr h="370840">
                 <a:tc>
@@ -19889,6 +20388,11 @@
                   </a:txBody>
                   <a:tcPr/>
                 </a:tc>
+                <a:extLst>
+                  <a:ext uri="{0D108BD9-81ED-4DB2-BD59-A6C34878D82A}">
+                    <a16:rowId xmlns="" xmlns:a16="http://schemas.microsoft.com/office/drawing/2014/main" val="10001"/>
+                  </a:ext>
+                </a:extLst>
               </a:tr>
             </a:tbl>
           </a:graphicData>
@@ -20972,13 +21476,6 @@
   <p:clrMapOvr>
     <a:masterClrMapping/>
   </p:clrMapOvr>
-  <p:timing>
-    <p:tnLst>
-      <p:par>
-        <p:cTn id="1" dur="indefinite" restart="never" nodeType="tmRoot"/>
-      </p:par>
-    </p:tnLst>
-  </p:timing>
 </p:sld>
 </file>
 
@@ -22587,13 +23084,6 @@
   <p:clrMapOvr>
     <a:masterClrMapping/>
   </p:clrMapOvr>
-  <p:timing>
-    <p:tnLst>
-      <p:par>
-        <p:cTn id="1" dur="indefinite" restart="never" nodeType="tmRoot"/>
-      </p:par>
-    </p:tnLst>
-  </p:timing>
 </p:sld>
 </file>
 
@@ -22798,13 +23288,6 @@
   <p:clrMapOvr>
     <a:masterClrMapping/>
   </p:clrMapOvr>
-  <p:timing>
-    <p:tnLst>
-      <p:par>
-        <p:cTn id="1" dur="indefinite" restart="never" nodeType="tmRoot"/>
-      </p:par>
-    </p:tnLst>
-  </p:timing>
 </p:sld>
 </file>
 
@@ -24348,13 +24831,6 @@
   <p:clrMapOvr>
     <a:masterClrMapping/>
   </p:clrMapOvr>
-  <p:timing>
-    <p:tnLst>
-      <p:par>
-        <p:cTn id="1" dur="indefinite" restart="never" nodeType="tmRoot"/>
-      </p:par>
-    </p:tnLst>
-  </p:timing>
 </p:sld>
 </file>
 
@@ -24488,13 +24964,6 @@
   <p:clrMapOvr>
     <a:masterClrMapping/>
   </p:clrMapOvr>
-  <p:timing>
-    <p:tnLst>
-      <p:par>
-        <p:cTn id="1" dur="indefinite" restart="never" nodeType="tmRoot"/>
-      </p:par>
-    </p:tnLst>
-  </p:timing>
 </p:sld>
 </file>
 
@@ -24794,13 +25263,6 @@
   <p:clrMapOvr>
     <a:masterClrMapping/>
   </p:clrMapOvr>
-  <p:timing>
-    <p:tnLst>
-      <p:par>
-        <p:cTn id="1" dur="indefinite" restart="never" nodeType="tmRoot"/>
-      </p:par>
-    </p:tnLst>
-  </p:timing>
 </p:sld>
 </file>
 

--- a/intro to ble.pptx
+++ b/intro to ble.pptx
@@ -5,7 +5,7 @@
     <p:sldMasterId id="2147483660" r:id="rId1"/>
   </p:sldMasterIdLst>
   <p:notesMasterIdLst>
-    <p:notesMasterId r:id="rId48"/>
+    <p:notesMasterId r:id="rId49"/>
   </p:notesMasterIdLst>
   <p:sldIdLst>
     <p:sldId id="256" r:id="rId2"/>
@@ -17,43 +17,44 @@
     <p:sldId id="261" r:id="rId8"/>
     <p:sldId id="262" r:id="rId9"/>
     <p:sldId id="267" r:id="rId10"/>
-    <p:sldId id="268" r:id="rId11"/>
-    <p:sldId id="273" r:id="rId12"/>
-    <p:sldId id="296" r:id="rId13"/>
-    <p:sldId id="278" r:id="rId14"/>
-    <p:sldId id="274" r:id="rId15"/>
-    <p:sldId id="272" r:id="rId16"/>
-    <p:sldId id="275" r:id="rId17"/>
-    <p:sldId id="276" r:id="rId18"/>
-    <p:sldId id="279" r:id="rId19"/>
-    <p:sldId id="281" r:id="rId20"/>
-    <p:sldId id="282" r:id="rId21"/>
-    <p:sldId id="283" r:id="rId22"/>
-    <p:sldId id="284" r:id="rId23"/>
-    <p:sldId id="285" r:id="rId24"/>
-    <p:sldId id="286" r:id="rId25"/>
-    <p:sldId id="287" r:id="rId26"/>
-    <p:sldId id="288" r:id="rId27"/>
-    <p:sldId id="292" r:id="rId28"/>
-    <p:sldId id="289" r:id="rId29"/>
-    <p:sldId id="290" r:id="rId30"/>
-    <p:sldId id="295" r:id="rId31"/>
-    <p:sldId id="293" r:id="rId32"/>
-    <p:sldId id="294" r:id="rId33"/>
-    <p:sldId id="306" r:id="rId34"/>
-    <p:sldId id="308" r:id="rId35"/>
-    <p:sldId id="302" r:id="rId36"/>
-    <p:sldId id="303" r:id="rId37"/>
-    <p:sldId id="304" r:id="rId38"/>
-    <p:sldId id="305" r:id="rId39"/>
-    <p:sldId id="310" r:id="rId40"/>
-    <p:sldId id="309" r:id="rId41"/>
-    <p:sldId id="307" r:id="rId42"/>
-    <p:sldId id="291" r:id="rId43"/>
-    <p:sldId id="298" r:id="rId44"/>
-    <p:sldId id="299" r:id="rId45"/>
-    <p:sldId id="300" r:id="rId46"/>
-    <p:sldId id="301" r:id="rId47"/>
+    <p:sldId id="312" r:id="rId11"/>
+    <p:sldId id="268" r:id="rId12"/>
+    <p:sldId id="273" r:id="rId13"/>
+    <p:sldId id="296" r:id="rId14"/>
+    <p:sldId id="278" r:id="rId15"/>
+    <p:sldId id="274" r:id="rId16"/>
+    <p:sldId id="272" r:id="rId17"/>
+    <p:sldId id="275" r:id="rId18"/>
+    <p:sldId id="276" r:id="rId19"/>
+    <p:sldId id="279" r:id="rId20"/>
+    <p:sldId id="281" r:id="rId21"/>
+    <p:sldId id="282" r:id="rId22"/>
+    <p:sldId id="283" r:id="rId23"/>
+    <p:sldId id="284" r:id="rId24"/>
+    <p:sldId id="285" r:id="rId25"/>
+    <p:sldId id="286" r:id="rId26"/>
+    <p:sldId id="287" r:id="rId27"/>
+    <p:sldId id="288" r:id="rId28"/>
+    <p:sldId id="292" r:id="rId29"/>
+    <p:sldId id="289" r:id="rId30"/>
+    <p:sldId id="290" r:id="rId31"/>
+    <p:sldId id="295" r:id="rId32"/>
+    <p:sldId id="293" r:id="rId33"/>
+    <p:sldId id="294" r:id="rId34"/>
+    <p:sldId id="306" r:id="rId35"/>
+    <p:sldId id="308" r:id="rId36"/>
+    <p:sldId id="302" r:id="rId37"/>
+    <p:sldId id="303" r:id="rId38"/>
+    <p:sldId id="304" r:id="rId39"/>
+    <p:sldId id="305" r:id="rId40"/>
+    <p:sldId id="310" r:id="rId41"/>
+    <p:sldId id="309" r:id="rId42"/>
+    <p:sldId id="307" r:id="rId43"/>
+    <p:sldId id="291" r:id="rId44"/>
+    <p:sldId id="298" r:id="rId45"/>
+    <p:sldId id="299" r:id="rId46"/>
+    <p:sldId id="300" r:id="rId47"/>
+    <p:sldId id="301" r:id="rId48"/>
   </p:sldIdLst>
   <p:sldSz cx="9144000" cy="6858000" type="screen4x3"/>
   <p:notesSz cx="6858000" cy="9144000"/>
@@ -242,7 +243,7 @@
           <a:p>
             <a:fld id="{CB69E15D-2E95-428C-B9E3-27B2BF3879D0}" type="datetimeFigureOut">
               <a:rPr lang="en-SG" smtClean="0"/>
-              <a:t>7/2/16</a:t>
+              <a:t>7/2/2016</a:t>
             </a:fld>
             <a:endParaRPr lang="en-SG"/>
           </a:p>
@@ -575,7 +576,7 @@
           <a:p>
             <a:fld id="{16B99E35-9226-4EC4-BA25-0307585F6D5B}" type="slidenum">
               <a:rPr lang="en-SG" smtClean="0"/>
-              <a:t>20</a:t>
+              <a:t>21</a:t>
             </a:fld>
             <a:endParaRPr lang="en-SG"/>
           </a:p>
@@ -659,7 +660,7 @@
           <a:p>
             <a:fld id="{16B99E35-9226-4EC4-BA25-0307585F6D5B}" type="slidenum">
               <a:rPr lang="en-SG" smtClean="0"/>
-              <a:t>21</a:t>
+              <a:t>22</a:t>
             </a:fld>
             <a:endParaRPr lang="en-SG"/>
           </a:p>
@@ -809,7 +810,7 @@
           <a:p>
             <a:fld id="{14C94871-C4DF-4AFD-96E5-87B050A67E05}" type="datetime1">
               <a:rPr lang="en-SG" smtClean="0"/>
-              <a:t>7/2/16</a:t>
+              <a:t>7/2/2016</a:t>
             </a:fld>
             <a:endParaRPr lang="en-SG"/>
           </a:p>
@@ -979,7 +980,7 @@
           <a:p>
             <a:fld id="{76A6DE21-0D8F-4C8C-AF6A-521466B16426}" type="datetime1">
               <a:rPr lang="en-SG" smtClean="0"/>
-              <a:t>7/2/16</a:t>
+              <a:t>7/2/2016</a:t>
             </a:fld>
             <a:endParaRPr lang="en-SG"/>
           </a:p>
@@ -1159,7 +1160,7 @@
           <a:p>
             <a:fld id="{16A18ED7-72CF-4BB2-8941-928963568089}" type="datetime1">
               <a:rPr lang="en-SG" smtClean="0"/>
-              <a:t>7/2/16</a:t>
+              <a:t>7/2/2016</a:t>
             </a:fld>
             <a:endParaRPr lang="en-SG"/>
           </a:p>
@@ -1329,7 +1330,7 @@
           <a:p>
             <a:fld id="{7FD7CD52-9833-4DD5-89FF-33E59F171421}" type="datetime1">
               <a:rPr lang="en-SG" smtClean="0"/>
-              <a:t>7/2/16</a:t>
+              <a:t>7/2/2016</a:t>
             </a:fld>
             <a:endParaRPr lang="en-SG"/>
           </a:p>
@@ -1573,7 +1574,7 @@
           <a:p>
             <a:fld id="{E74C9598-7F32-4DE4-BFF0-39C051013B34}" type="datetime1">
               <a:rPr lang="en-SG" smtClean="0"/>
-              <a:t>7/2/16</a:t>
+              <a:t>7/2/2016</a:t>
             </a:fld>
             <a:endParaRPr lang="en-SG"/>
           </a:p>
@@ -1805,7 +1806,7 @@
           <a:p>
             <a:fld id="{5DC821E8-33B0-41D5-8FA5-9A647E53891C}" type="datetime1">
               <a:rPr lang="en-SG" smtClean="0"/>
-              <a:t>7/2/16</a:t>
+              <a:t>7/2/2016</a:t>
             </a:fld>
             <a:endParaRPr lang="en-SG"/>
           </a:p>
@@ -2172,7 +2173,7 @@
           <a:p>
             <a:fld id="{751CCC62-50F5-4228-8D51-6D258C0BFCBD}" type="datetime1">
               <a:rPr lang="en-SG" smtClean="0"/>
-              <a:t>7/2/16</a:t>
+              <a:t>7/2/2016</a:t>
             </a:fld>
             <a:endParaRPr lang="en-SG"/>
           </a:p>
@@ -2290,7 +2291,7 @@
           <a:p>
             <a:fld id="{776807E8-5434-437A-A610-A94C24A73164}" type="datetime1">
               <a:rPr lang="en-SG" smtClean="0"/>
-              <a:t>7/2/16</a:t>
+              <a:t>7/2/2016</a:t>
             </a:fld>
             <a:endParaRPr lang="en-SG"/>
           </a:p>
@@ -2385,7 +2386,7 @@
           <a:p>
             <a:fld id="{18AC243E-E412-41F8-A99C-62E3D2C4FD1E}" type="datetime1">
               <a:rPr lang="en-SG" smtClean="0"/>
-              <a:t>7/2/16</a:t>
+              <a:t>7/2/2016</a:t>
             </a:fld>
             <a:endParaRPr lang="en-SG"/>
           </a:p>
@@ -2662,7 +2663,7 @@
           <a:p>
             <a:fld id="{30DD06DC-63F5-45CF-A3A5-F437A0C7E12A}" type="datetime1">
               <a:rPr lang="en-SG" smtClean="0"/>
-              <a:t>7/2/16</a:t>
+              <a:t>7/2/2016</a:t>
             </a:fld>
             <a:endParaRPr lang="en-SG"/>
           </a:p>
@@ -2919,7 +2920,7 @@
           <a:p>
             <a:fld id="{7810AE82-8C34-472D-B90B-4D50508F585C}" type="datetime1">
               <a:rPr lang="en-SG" smtClean="0"/>
-              <a:t>7/2/16</a:t>
+              <a:t>7/2/2016</a:t>
             </a:fld>
             <a:endParaRPr lang="en-SG"/>
           </a:p>
@@ -3132,7 +3133,7 @@
           <a:p>
             <a:fld id="{393BD624-3486-430E-A0CD-3F2C92C8E573}" type="datetime1">
               <a:rPr lang="en-SG" smtClean="0"/>
-              <a:t>7/2/16</a:t>
+              <a:t>7/2/2016</a:t>
             </a:fld>
             <a:endParaRPr lang="en-SG"/>
           </a:p>
@@ -3673,7 +3674,6 @@
               <a:rPr lang="en-SG" dirty="0" smtClean="0"/>
               <a:t>Tech Talk Tuesdays @OMG (16 Feb 2016)</a:t>
             </a:r>
-            <a:endParaRPr lang="en-SG" dirty="0" smtClean="0"/>
           </a:p>
           <a:p>
             <a:r>
@@ -3777,13 +3777,6 @@
   <p:clrMapOvr>
     <a:masterClrMapping/>
   </p:clrMapOvr>
-  <p:timing>
-    <p:tnLst>
-      <p:par>
-        <p:cTn id="1" dur="indefinite" restart="never" nodeType="tmRoot"/>
-      </p:par>
-    </p:tnLst>
-  </p:timing>
 </p:sld>
 </file>
 
@@ -3821,7 +3814,472 @@
           <a:p>
             <a:r>
               <a:rPr lang="en-SG" dirty="0" smtClean="0"/>
-              <a:t>1a. Central vs Peripheral</a:t>
+              <a:t>1a. </a:t>
+            </a:r>
+            <a:r>
+              <a:rPr lang="en-SG" dirty="0" smtClean="0"/>
+              <a:t>Broadcaster vs Observer</a:t>
+            </a:r>
+            <a:endParaRPr lang="en-SG" dirty="0"/>
+          </a:p>
+        </p:txBody>
+      </p:sp>
+      <p:sp>
+        <p:nvSpPr>
+          <p:cNvPr id="5" name="Rounded Rectangle 4"/>
+          <p:cNvSpPr/>
+          <p:nvPr/>
+        </p:nvSpPr>
+        <p:spPr>
+          <a:xfrm>
+            <a:off x="154468" y="1690689"/>
+            <a:ext cx="2853950" cy="971550"/>
+          </a:xfrm>
+          <a:prstGeom prst="roundRect">
+            <a:avLst/>
+          </a:prstGeom>
+          <a:solidFill>
+            <a:schemeClr val="accent6"/>
+          </a:solidFill>
+          <a:ln/>
+        </p:spPr>
+        <p:style>
+          <a:lnRef idx="1">
+            <a:schemeClr val="accent1"/>
+          </a:lnRef>
+          <a:fillRef idx="3">
+            <a:schemeClr val="accent1"/>
+          </a:fillRef>
+          <a:effectRef idx="2">
+            <a:schemeClr val="accent1"/>
+          </a:effectRef>
+          <a:fontRef idx="minor">
+            <a:schemeClr val="lt1"/>
+          </a:fontRef>
+        </p:style>
+        <p:txBody>
+          <a:bodyPr rtlCol="0" anchor="ctr"/>
+          <a:lstStyle/>
+          <a:p>
+            <a:pPr algn="ctr"/>
+            <a:r>
+              <a:rPr lang="en-SG" sz="2800" dirty="0" smtClean="0"/>
+              <a:t>Observer 1</a:t>
+            </a:r>
+            <a:endParaRPr lang="en-SG" dirty="0" smtClean="0"/>
+          </a:p>
+        </p:txBody>
+      </p:sp>
+      <p:sp>
+        <p:nvSpPr>
+          <p:cNvPr id="6" name="Rounded Rectangle 5"/>
+          <p:cNvSpPr/>
+          <p:nvPr/>
+        </p:nvSpPr>
+        <p:spPr>
+          <a:xfrm>
+            <a:off x="6144403" y="2998115"/>
+            <a:ext cx="2846868" cy="971550"/>
+          </a:xfrm>
+          <a:prstGeom prst="roundRect">
+            <a:avLst/>
+          </a:prstGeom>
+          <a:solidFill>
+            <a:srgbClr val="002060"/>
+          </a:solidFill>
+          <a:ln/>
+        </p:spPr>
+        <p:style>
+          <a:lnRef idx="1">
+            <a:schemeClr val="accent2"/>
+          </a:lnRef>
+          <a:fillRef idx="3">
+            <a:schemeClr val="accent2"/>
+          </a:fillRef>
+          <a:effectRef idx="2">
+            <a:schemeClr val="accent2"/>
+          </a:effectRef>
+          <a:fontRef idx="minor">
+            <a:schemeClr val="lt1"/>
+          </a:fontRef>
+        </p:style>
+        <p:txBody>
+          <a:bodyPr rtlCol="0" anchor="ctr"/>
+          <a:lstStyle/>
+          <a:p>
+            <a:pPr algn="ctr"/>
+            <a:r>
+              <a:rPr lang="en-SG" sz="2800" dirty="0" smtClean="0"/>
+              <a:t>Broadcaster</a:t>
+            </a:r>
+            <a:endParaRPr lang="en-SG" dirty="0"/>
+          </a:p>
+        </p:txBody>
+      </p:sp>
+      <p:cxnSp>
+        <p:nvCxnSpPr>
+          <p:cNvPr id="15" name="Straight Arrow Connector 14"/>
+          <p:cNvCxnSpPr/>
+          <p:nvPr/>
+        </p:nvCxnSpPr>
+        <p:spPr>
+          <a:xfrm flipH="1">
+            <a:off x="3791500" y="3483890"/>
+            <a:ext cx="1816100" cy="0"/>
+          </a:xfrm>
+          <a:prstGeom prst="straightConnector1">
+            <a:avLst/>
+          </a:prstGeom>
+          <a:ln w="63500">
+            <a:solidFill>
+              <a:schemeClr val="accent2"/>
+            </a:solidFill>
+            <a:tailEnd type="triangle"/>
+          </a:ln>
+        </p:spPr>
+        <p:style>
+          <a:lnRef idx="1">
+            <a:schemeClr val="accent1"/>
+          </a:lnRef>
+          <a:fillRef idx="0">
+            <a:schemeClr val="accent1"/>
+          </a:fillRef>
+          <a:effectRef idx="0">
+            <a:schemeClr val="accent1"/>
+          </a:effectRef>
+          <a:fontRef idx="minor">
+            <a:schemeClr val="tx1"/>
+          </a:fontRef>
+        </p:style>
+      </p:cxnSp>
+      <p:sp>
+        <p:nvSpPr>
+          <p:cNvPr id="16" name="TextBox 15"/>
+          <p:cNvSpPr txBox="1"/>
+          <p:nvPr/>
+        </p:nvSpPr>
+        <p:spPr>
+          <a:xfrm>
+            <a:off x="4172194" y="3028831"/>
+            <a:ext cx="1054712" cy="338554"/>
+          </a:xfrm>
+          <a:prstGeom prst="rect">
+            <a:avLst/>
+          </a:prstGeom>
+          <a:noFill/>
+        </p:spPr>
+        <p:txBody>
+          <a:bodyPr wrap="none" rtlCol="0">
+            <a:spAutoFit/>
+          </a:bodyPr>
+          <a:lstStyle/>
+          <a:p>
+            <a:r>
+              <a:rPr lang="en-SG" sz="1600" dirty="0" smtClean="0"/>
+              <a:t>Advertises</a:t>
+            </a:r>
+            <a:endParaRPr lang="en-SG" dirty="0"/>
+          </a:p>
+        </p:txBody>
+      </p:sp>
+      <p:sp>
+        <p:nvSpPr>
+          <p:cNvPr id="4" name="Slide Number Placeholder 3"/>
+          <p:cNvSpPr>
+            <a:spLocks noGrp="1"/>
+          </p:cNvSpPr>
+          <p:nvPr>
+            <p:ph type="sldNum" sz="quarter" idx="12"/>
+          </p:nvPr>
+        </p:nvSpPr>
+        <p:spPr/>
+        <p:txBody>
+          <a:bodyPr/>
+          <a:lstStyle/>
+          <a:p>
+            <a:fld id="{D58B649F-BA72-4D5B-9DE7-B85048FCABD7}" type="slidenum">
+              <a:rPr lang="en-SG" smtClean="0"/>
+              <a:t>10</a:t>
+            </a:fld>
+            <a:endParaRPr lang="en-SG"/>
+          </a:p>
+        </p:txBody>
+      </p:sp>
+      <p:sp>
+        <p:nvSpPr>
+          <p:cNvPr id="7" name="TextBox 6"/>
+          <p:cNvSpPr txBox="1"/>
+          <p:nvPr/>
+        </p:nvSpPr>
+        <p:spPr>
+          <a:xfrm>
+            <a:off x="6897600" y="4067974"/>
+            <a:ext cx="1489190" cy="369332"/>
+          </a:xfrm>
+          <a:prstGeom prst="rect">
+            <a:avLst/>
+          </a:prstGeom>
+          <a:noFill/>
+        </p:spPr>
+        <p:txBody>
+          <a:bodyPr wrap="none" rtlCol="0">
+            <a:spAutoFit/>
+          </a:bodyPr>
+          <a:lstStyle/>
+          <a:p>
+            <a:r>
+              <a:rPr lang="en-SG" dirty="0" smtClean="0"/>
+              <a:t>Beacon-mode</a:t>
+            </a:r>
+            <a:endParaRPr lang="en-SG" dirty="0"/>
+          </a:p>
+        </p:txBody>
+      </p:sp>
+      <p:sp>
+        <p:nvSpPr>
+          <p:cNvPr id="12" name="TextBox 11"/>
+          <p:cNvSpPr txBox="1"/>
+          <p:nvPr/>
+        </p:nvSpPr>
+        <p:spPr>
+          <a:xfrm>
+            <a:off x="386205" y="5611521"/>
+            <a:ext cx="6424003" cy="369332"/>
+          </a:xfrm>
+          <a:prstGeom prst="rect">
+            <a:avLst/>
+          </a:prstGeom>
+          <a:noFill/>
+        </p:spPr>
+        <p:txBody>
+          <a:bodyPr wrap="none" rtlCol="0">
+            <a:spAutoFit/>
+          </a:bodyPr>
+          <a:lstStyle/>
+          <a:p>
+            <a:r>
+              <a:rPr lang="en-SG" dirty="0" smtClean="0"/>
+              <a:t>One-way information transfer from broadcaster to many observers</a:t>
+            </a:r>
+            <a:endParaRPr lang="en-SG" dirty="0"/>
+          </a:p>
+        </p:txBody>
+      </p:sp>
+      <p:sp>
+        <p:nvSpPr>
+          <p:cNvPr id="13" name="Rounded Rectangle 12"/>
+          <p:cNvSpPr/>
+          <p:nvPr/>
+        </p:nvSpPr>
+        <p:spPr>
+          <a:xfrm>
+            <a:off x="154468" y="2998115"/>
+            <a:ext cx="2853950" cy="971550"/>
+          </a:xfrm>
+          <a:prstGeom prst="roundRect">
+            <a:avLst/>
+          </a:prstGeom>
+          <a:solidFill>
+            <a:schemeClr val="accent6"/>
+          </a:solidFill>
+          <a:ln/>
+        </p:spPr>
+        <p:style>
+          <a:lnRef idx="1">
+            <a:schemeClr val="accent1"/>
+          </a:lnRef>
+          <a:fillRef idx="3">
+            <a:schemeClr val="accent1"/>
+          </a:fillRef>
+          <a:effectRef idx="2">
+            <a:schemeClr val="accent1"/>
+          </a:effectRef>
+          <a:fontRef idx="minor">
+            <a:schemeClr val="lt1"/>
+          </a:fontRef>
+        </p:style>
+        <p:txBody>
+          <a:bodyPr rtlCol="0" anchor="ctr"/>
+          <a:lstStyle/>
+          <a:p>
+            <a:pPr algn="ctr"/>
+            <a:r>
+              <a:rPr lang="en-SG" sz="2800" dirty="0" smtClean="0"/>
+              <a:t>Observer 2</a:t>
+            </a:r>
+            <a:endParaRPr lang="en-SG" dirty="0" smtClean="0"/>
+          </a:p>
+        </p:txBody>
+      </p:sp>
+      <p:sp>
+        <p:nvSpPr>
+          <p:cNvPr id="14" name="Rounded Rectangle 13"/>
+          <p:cNvSpPr/>
+          <p:nvPr/>
+        </p:nvSpPr>
+        <p:spPr>
+          <a:xfrm>
+            <a:off x="154468" y="4304094"/>
+            <a:ext cx="2853950" cy="971550"/>
+          </a:xfrm>
+          <a:prstGeom prst="roundRect">
+            <a:avLst/>
+          </a:prstGeom>
+          <a:solidFill>
+            <a:schemeClr val="accent6"/>
+          </a:solidFill>
+          <a:ln/>
+        </p:spPr>
+        <p:style>
+          <a:lnRef idx="1">
+            <a:schemeClr val="accent1"/>
+          </a:lnRef>
+          <a:fillRef idx="3">
+            <a:schemeClr val="accent1"/>
+          </a:fillRef>
+          <a:effectRef idx="2">
+            <a:schemeClr val="accent1"/>
+          </a:effectRef>
+          <a:fontRef idx="minor">
+            <a:schemeClr val="lt1"/>
+          </a:fontRef>
+        </p:style>
+        <p:txBody>
+          <a:bodyPr rtlCol="0" anchor="ctr"/>
+          <a:lstStyle/>
+          <a:p>
+            <a:pPr algn="ctr"/>
+            <a:r>
+              <a:rPr lang="en-SG" sz="2800" dirty="0" smtClean="0"/>
+              <a:t>Observer 3</a:t>
+            </a:r>
+          </a:p>
+        </p:txBody>
+      </p:sp>
+      <p:cxnSp>
+        <p:nvCxnSpPr>
+          <p:cNvPr id="18" name="Straight Arrow Connector 17"/>
+          <p:cNvCxnSpPr/>
+          <p:nvPr/>
+        </p:nvCxnSpPr>
+        <p:spPr>
+          <a:xfrm flipH="1">
+            <a:off x="3791500" y="3920531"/>
+            <a:ext cx="1792506" cy="913389"/>
+          </a:xfrm>
+          <a:prstGeom prst="straightConnector1">
+            <a:avLst/>
+          </a:prstGeom>
+          <a:ln w="63500">
+            <a:solidFill>
+              <a:schemeClr val="accent2"/>
+            </a:solidFill>
+            <a:tailEnd type="triangle"/>
+          </a:ln>
+        </p:spPr>
+        <p:style>
+          <a:lnRef idx="1">
+            <a:schemeClr val="accent1"/>
+          </a:lnRef>
+          <a:fillRef idx="0">
+            <a:schemeClr val="accent1"/>
+          </a:fillRef>
+          <a:effectRef idx="0">
+            <a:schemeClr val="accent1"/>
+          </a:effectRef>
+          <a:fontRef idx="minor">
+            <a:schemeClr val="tx1"/>
+          </a:fontRef>
+        </p:style>
+      </p:cxnSp>
+      <p:cxnSp>
+        <p:nvCxnSpPr>
+          <p:cNvPr id="20" name="Straight Arrow Connector 19"/>
+          <p:cNvCxnSpPr/>
+          <p:nvPr/>
+        </p:nvCxnSpPr>
+        <p:spPr>
+          <a:xfrm flipH="1" flipV="1">
+            <a:off x="3791500" y="2176464"/>
+            <a:ext cx="1792506" cy="692940"/>
+          </a:xfrm>
+          <a:prstGeom prst="straightConnector1">
+            <a:avLst/>
+          </a:prstGeom>
+          <a:ln w="63500">
+            <a:solidFill>
+              <a:schemeClr val="accent2"/>
+            </a:solidFill>
+            <a:tailEnd type="triangle"/>
+          </a:ln>
+        </p:spPr>
+        <p:style>
+          <a:lnRef idx="1">
+            <a:schemeClr val="accent1"/>
+          </a:lnRef>
+          <a:fillRef idx="0">
+            <a:schemeClr val="accent1"/>
+          </a:fillRef>
+          <a:effectRef idx="0">
+            <a:schemeClr val="accent1"/>
+          </a:effectRef>
+          <a:fontRef idx="minor">
+            <a:schemeClr val="tx1"/>
+          </a:fontRef>
+        </p:style>
+      </p:cxnSp>
+    </p:spTree>
+    <p:extLst>
+      <p:ext uri="{BB962C8B-B14F-4D97-AF65-F5344CB8AC3E}">
+        <p14:creationId xmlns:p14="http://schemas.microsoft.com/office/powerpoint/2010/main" val="1986968378"/>
+      </p:ext>
+    </p:extLst>
+  </p:cSld>
+  <p:clrMapOvr>
+    <a:masterClrMapping/>
+  </p:clrMapOvr>
+</p:sld>
+</file>
+
+<file path=ppt/slides/slide11.xml><?xml version="1.0" encoding="utf-8"?>
+<p:sld xmlns:a="http://schemas.openxmlformats.org/drawingml/2006/main" xmlns:r="http://schemas.openxmlformats.org/officeDocument/2006/relationships" xmlns:p="http://schemas.openxmlformats.org/presentationml/2006/main">
+  <p:cSld>
+    <p:spTree>
+      <p:nvGrpSpPr>
+        <p:cNvPr id="1" name=""/>
+        <p:cNvGrpSpPr/>
+        <p:nvPr/>
+      </p:nvGrpSpPr>
+      <p:grpSpPr>
+        <a:xfrm>
+          <a:off x="0" y="0"/>
+          <a:ext cx="0" cy="0"/>
+          <a:chOff x="0" y="0"/>
+          <a:chExt cx="0" cy="0"/>
+        </a:xfrm>
+      </p:grpSpPr>
+      <p:sp>
+        <p:nvSpPr>
+          <p:cNvPr id="2" name="Title 1"/>
+          <p:cNvSpPr>
+            <a:spLocks noGrp="1"/>
+          </p:cNvSpPr>
+          <p:nvPr>
+            <p:ph type="title"/>
+          </p:nvPr>
+        </p:nvSpPr>
+        <p:spPr/>
+        <p:txBody>
+          <a:bodyPr/>
+          <a:lstStyle/>
+          <a:p>
+            <a:r>
+              <a:rPr lang="en-SG" dirty="0" smtClean="0"/>
+              <a:t>1b. </a:t>
+            </a:r>
+            <a:r>
+              <a:rPr lang="en-SG" dirty="0" smtClean="0"/>
+              <a:t>Central vs Peripheral</a:t>
             </a:r>
             <a:endParaRPr lang="en-SG" dirty="0"/>
           </a:p>
@@ -4077,14 +4535,14 @@
                 <a:gridCol w="3368099">
                   <a:extLst>
                     <a:ext uri="{9D8B030D-6E8A-4147-A177-3AD203B41FA5}">
-                      <a16:colId xmlns="" xmlns:a16="http://schemas.microsoft.com/office/drawing/2014/main" val="20000"/>
+                      <a16:colId xmlns:a16="http://schemas.microsoft.com/office/drawing/2014/main" val="20000"/>
                     </a:ext>
                   </a:extLst>
                 </a:gridCol>
                 <a:gridCol w="5174322">
                   <a:extLst>
                     <a:ext uri="{9D8B030D-6E8A-4147-A177-3AD203B41FA5}">
-                      <a16:colId xmlns="" xmlns:a16="http://schemas.microsoft.com/office/drawing/2014/main" val="20001"/>
+                      <a16:colId xmlns:a16="http://schemas.microsoft.com/office/drawing/2014/main" val="20001"/>
                     </a:ext>
                   </a:extLst>
                 </a:gridCol>
@@ -4124,7 +4582,7 @@
                 </a:tc>
                 <a:extLst>
                   <a:ext uri="{0D108BD9-81ED-4DB2-BD59-A6C34878D82A}">
-                    <a16:rowId xmlns="" xmlns:a16="http://schemas.microsoft.com/office/drawing/2014/main" val="10000"/>
+                    <a16:rowId xmlns:a16="http://schemas.microsoft.com/office/drawing/2014/main" val="10000"/>
                   </a:ext>
                 </a:extLst>
               </a:tr>
@@ -4159,7 +4617,7 @@
                 </a:tc>
                 <a:extLst>
                   <a:ext uri="{0D108BD9-81ED-4DB2-BD59-A6C34878D82A}">
-                    <a16:rowId xmlns="" xmlns:a16="http://schemas.microsoft.com/office/drawing/2014/main" val="10001"/>
+                    <a16:rowId xmlns:a16="http://schemas.microsoft.com/office/drawing/2014/main" val="10001"/>
                   </a:ext>
                 </a:extLst>
               </a:tr>
@@ -4194,7 +4652,7 @@
                 </a:tc>
                 <a:extLst>
                   <a:ext uri="{0D108BD9-81ED-4DB2-BD59-A6C34878D82A}">
-                    <a16:rowId xmlns="" xmlns:a16="http://schemas.microsoft.com/office/drawing/2014/main" val="10002"/>
+                    <a16:rowId xmlns:a16="http://schemas.microsoft.com/office/drawing/2014/main" val="10002"/>
                   </a:ext>
                 </a:extLst>
               </a:tr>
@@ -4229,7 +4687,7 @@
                 </a:tc>
                 <a:extLst>
                   <a:ext uri="{0D108BD9-81ED-4DB2-BD59-A6C34878D82A}">
-                    <a16:rowId xmlns="" xmlns:a16="http://schemas.microsoft.com/office/drawing/2014/main" val="10003"/>
+                    <a16:rowId xmlns:a16="http://schemas.microsoft.com/office/drawing/2014/main" val="10003"/>
                   </a:ext>
                 </a:extLst>
               </a:tr>
@@ -4254,7 +4712,7 @@
           <a:p>
             <a:fld id="{D58B649F-BA72-4D5B-9DE7-B85048FCABD7}" type="slidenum">
               <a:rPr lang="en-SG" smtClean="0"/>
-              <a:t>10</a:t>
+              <a:t>11</a:t>
             </a:fld>
             <a:endParaRPr lang="en-SG"/>
           </a:p>
@@ -4270,17 +4728,10 @@
   <p:clrMapOvr>
     <a:masterClrMapping/>
   </p:clrMapOvr>
-  <p:timing>
-    <p:tnLst>
-      <p:par>
-        <p:cTn id="1" dur="indefinite" restart="never" nodeType="tmRoot"/>
-      </p:par>
-    </p:tnLst>
-  </p:timing>
 </p:sld>
 </file>
 
-<file path=ppt/slides/slide11.xml><?xml version="1.0" encoding="utf-8"?>
+<file path=ppt/slides/slide12.xml><?xml version="1.0" encoding="utf-8"?>
 <p:sld xmlns:a="http://schemas.openxmlformats.org/drawingml/2006/main" xmlns:r="http://schemas.openxmlformats.org/officeDocument/2006/relationships" xmlns:p="http://schemas.openxmlformats.org/presentationml/2006/main">
   <p:cSld>
     <p:spTree>
@@ -4313,8 +4764,12 @@
           <a:lstStyle/>
           <a:p>
             <a:r>
+              <a:rPr lang="en-SG" dirty="0" smtClean="0"/>
+              <a:t>1b. </a:t>
+            </a:r>
+            <a:r>
               <a:rPr lang="en-SG" dirty="0"/>
-              <a:t>1a. Central vs Peripheral</a:t>
+              <a:t>Central vs Peripheral</a:t>
             </a:r>
           </a:p>
         </p:txBody>
@@ -4448,7 +4903,7 @@
           <a:p>
             <a:fld id="{D58B649F-BA72-4D5B-9DE7-B85048FCABD7}" type="slidenum">
               <a:rPr lang="en-SG" smtClean="0"/>
-              <a:t>11</a:t>
+              <a:t>12</a:t>
             </a:fld>
             <a:endParaRPr lang="en-SG"/>
           </a:p>
@@ -4464,17 +4919,10 @@
   <p:clrMapOvr>
     <a:masterClrMapping/>
   </p:clrMapOvr>
-  <p:timing>
-    <p:tnLst>
-      <p:par>
-        <p:cTn id="1" dur="indefinite" restart="never" nodeType="tmRoot"/>
-      </p:par>
-    </p:tnLst>
-  </p:timing>
 </p:sld>
 </file>
 
-<file path=ppt/slides/slide12.xml><?xml version="1.0" encoding="utf-8"?>
+<file path=ppt/slides/slide13.xml><?xml version="1.0" encoding="utf-8"?>
 <p:sld xmlns:a="http://schemas.openxmlformats.org/drawingml/2006/main" xmlns:r="http://schemas.openxmlformats.org/officeDocument/2006/relationships" xmlns:p="http://schemas.openxmlformats.org/presentationml/2006/main">
   <p:cSld>
     <p:spTree>
@@ -4513,7 +4961,11 @@
           <a:p>
             <a:r>
               <a:rPr lang="en-SG" dirty="0" smtClean="0"/>
-              <a:t>1b. OS/Device Compatibility</a:t>
+              <a:t>1c. </a:t>
+            </a:r>
+            <a:r>
+              <a:rPr lang="en-SG" dirty="0" smtClean="0"/>
+              <a:t>OS/Device Compatibility</a:t>
             </a:r>
             <a:endParaRPr lang="en-SG" dirty="0"/>
           </a:p>
@@ -4547,14 +4999,14 @@
                 <a:gridCol w="4184649">
                   <a:extLst>
                     <a:ext uri="{9D8B030D-6E8A-4147-A177-3AD203B41FA5}">
-                      <a16:colId xmlns="" xmlns:a16="http://schemas.microsoft.com/office/drawing/2014/main" val="20000"/>
+                      <a16:colId xmlns:a16="http://schemas.microsoft.com/office/drawing/2014/main" val="20000"/>
                     </a:ext>
                   </a:extLst>
                 </a:gridCol>
                 <a:gridCol w="4184649">
                   <a:extLst>
                     <a:ext uri="{9D8B030D-6E8A-4147-A177-3AD203B41FA5}">
-                      <a16:colId xmlns="" xmlns:a16="http://schemas.microsoft.com/office/drawing/2014/main" val="20001"/>
+                      <a16:colId xmlns:a16="http://schemas.microsoft.com/office/drawing/2014/main" val="20001"/>
                     </a:ext>
                   </a:extLst>
                 </a:gridCol>
@@ -4596,7 +5048,7 @@
                 </a:tc>
                 <a:extLst>
                   <a:ext uri="{0D108BD9-81ED-4DB2-BD59-A6C34878D82A}">
-                    <a16:rowId xmlns="" xmlns:a16="http://schemas.microsoft.com/office/drawing/2014/main" val="10000"/>
+                    <a16:rowId xmlns:a16="http://schemas.microsoft.com/office/drawing/2014/main" val="10000"/>
                   </a:ext>
                 </a:extLst>
               </a:tr>
@@ -5099,7 +5551,7 @@
                 </a:tc>
                 <a:extLst>
                   <a:ext uri="{0D108BD9-81ED-4DB2-BD59-A6C34878D82A}">
-                    <a16:rowId xmlns="" xmlns:a16="http://schemas.microsoft.com/office/drawing/2014/main" val="10001"/>
+                    <a16:rowId xmlns:a16="http://schemas.microsoft.com/office/drawing/2014/main" val="10001"/>
                   </a:ext>
                 </a:extLst>
               </a:tr>
@@ -5172,7 +5624,7 @@
           <a:p>
             <a:fld id="{D58B649F-BA72-4D5B-9DE7-B85048FCABD7}" type="slidenum">
               <a:rPr lang="en-SG" smtClean="0"/>
-              <a:t>12</a:t>
+              <a:t>13</a:t>
             </a:fld>
             <a:endParaRPr lang="en-SG"/>
           </a:p>
@@ -5188,17 +5640,10 @@
   <p:clrMapOvr>
     <a:masterClrMapping/>
   </p:clrMapOvr>
-  <p:timing>
-    <p:tnLst>
-      <p:par>
-        <p:cTn id="1" dur="indefinite" restart="never" nodeType="tmRoot"/>
-      </p:par>
-    </p:tnLst>
-  </p:timing>
 </p:sld>
 </file>
 
-<file path=ppt/slides/slide13.xml><?xml version="1.0" encoding="utf-8"?>
+<file path=ppt/slides/slide14.xml><?xml version="1.0" encoding="utf-8"?>
 <p:sld xmlns:a="http://schemas.openxmlformats.org/drawingml/2006/main" xmlns:r="http://schemas.openxmlformats.org/officeDocument/2006/relationships" xmlns:p="http://schemas.openxmlformats.org/presentationml/2006/main">
   <p:cSld>
     <p:spTree>
@@ -5232,7 +5677,11 @@
           <a:p>
             <a:r>
               <a:rPr lang="en-SG" dirty="0" smtClean="0"/>
-              <a:t>1c. UUID, Attribute</a:t>
+              <a:t>1d. </a:t>
+            </a:r>
+            <a:r>
+              <a:rPr lang="en-SG" dirty="0" smtClean="0"/>
+              <a:t>UUID, Attribute</a:t>
             </a:r>
             <a:endParaRPr lang="en-SG" dirty="0"/>
           </a:p>
@@ -5399,7 +5848,7 @@
           <a:p>
             <a:fld id="{D58B649F-BA72-4D5B-9DE7-B85048FCABD7}" type="slidenum">
               <a:rPr lang="en-SG" smtClean="0"/>
-              <a:t>13</a:t>
+              <a:t>14</a:t>
             </a:fld>
             <a:endParaRPr lang="en-SG"/>
           </a:p>
@@ -5875,663 +6324,6 @@
                                           <p:spTgt spid="3">
                                             <p:txEl>
                                               <p:pRg st="9" end="9"/>
-                                            </p:txEl>
-                                          </p:spTgt>
-                                        </p:tgtEl>
-                                      </p:cBhvr>
-                                    </p:animEffect>
-                                  </p:childTnLst>
-                                </p:cTn>
-                              </p:par>
-                            </p:childTnLst>
-                          </p:cTn>
-                        </p:par>
-                      </p:childTnLst>
-                    </p:cTn>
-                  </p:par>
-                </p:childTnLst>
-              </p:cTn>
-              <p:prevCondLst>
-                <p:cond evt="onPrev" delay="0">
-                  <p:tgtEl>
-                    <p:sldTgt/>
-                  </p:tgtEl>
-                </p:cond>
-              </p:prevCondLst>
-              <p:nextCondLst>
-                <p:cond evt="onNext" delay="0">
-                  <p:tgtEl>
-                    <p:sldTgt/>
-                  </p:tgtEl>
-                </p:cond>
-              </p:nextCondLst>
-            </p:seq>
-          </p:childTnLst>
-        </p:cTn>
-      </p:par>
-    </p:tnLst>
-  </p:timing>
-</p:sld>
-</file>
-
-<file path=ppt/slides/slide14.xml><?xml version="1.0" encoding="utf-8"?>
-<p:sld xmlns:a="http://schemas.openxmlformats.org/drawingml/2006/main" xmlns:r="http://schemas.openxmlformats.org/officeDocument/2006/relationships" xmlns:p="http://schemas.openxmlformats.org/presentationml/2006/main">
-  <p:cSld>
-    <p:spTree>
-      <p:nvGrpSpPr>
-        <p:cNvPr id="1" name=""/>
-        <p:cNvGrpSpPr/>
-        <p:nvPr/>
-      </p:nvGrpSpPr>
-      <p:grpSpPr>
-        <a:xfrm>
-          <a:off x="0" y="0"/>
-          <a:ext cx="0" cy="0"/>
-          <a:chOff x="0" y="0"/>
-          <a:chExt cx="0" cy="0"/>
-        </a:xfrm>
-      </p:grpSpPr>
-      <p:sp>
-        <p:nvSpPr>
-          <p:cNvPr id="2" name="Title 1"/>
-          <p:cNvSpPr>
-            <a:spLocks noGrp="1"/>
-          </p:cNvSpPr>
-          <p:nvPr>
-            <p:ph type="title"/>
-          </p:nvPr>
-        </p:nvSpPr>
-        <p:spPr/>
-        <p:txBody>
-          <a:bodyPr>
-            <a:normAutofit/>
-          </a:bodyPr>
-          <a:lstStyle/>
-          <a:p>
-            <a:r>
-              <a:rPr lang="en-SG" dirty="0" smtClean="0"/>
-              <a:t>1c. GAP, GATT </a:t>
-            </a:r>
-            <a:br>
-              <a:rPr lang="en-SG" dirty="0" smtClean="0"/>
-            </a:br>
-            <a:r>
-              <a:rPr lang="en-SG" dirty="0" smtClean="0"/>
-              <a:t>(defined by Peripheral)</a:t>
-            </a:r>
-            <a:endParaRPr lang="en-SG" dirty="0"/>
-          </a:p>
-        </p:txBody>
-      </p:sp>
-      <p:sp>
-        <p:nvSpPr>
-          <p:cNvPr id="3" name="Content Placeholder 2"/>
-          <p:cNvSpPr>
-            <a:spLocks noGrp="1"/>
-          </p:cNvSpPr>
-          <p:nvPr>
-            <p:ph idx="1"/>
-          </p:nvPr>
-        </p:nvSpPr>
-        <p:spPr>
-          <a:xfrm>
-            <a:off x="463550" y="1800225"/>
-            <a:ext cx="7886700" cy="4351338"/>
-          </a:xfrm>
-        </p:spPr>
-        <p:txBody>
-          <a:bodyPr>
-            <a:normAutofit/>
-          </a:bodyPr>
-          <a:lstStyle/>
-          <a:p>
-            <a:r>
-              <a:rPr lang="en-SG" dirty="0" smtClean="0"/>
-              <a:t>Generic </a:t>
-            </a:r>
-            <a:r>
-              <a:rPr lang="en-SG" dirty="0"/>
-              <a:t>Access </a:t>
-            </a:r>
-            <a:r>
-              <a:rPr lang="en-SG" dirty="0" smtClean="0"/>
-              <a:t>Profile (GAP) or Advertising</a:t>
-            </a:r>
-          </a:p>
-          <a:p>
-            <a:pPr lvl="1"/>
-            <a:r>
-              <a:rPr lang="en-SG" dirty="0" smtClean="0"/>
-              <a:t>Information advertised to </a:t>
-            </a:r>
-            <a:r>
-              <a:rPr lang="en-SG" dirty="0"/>
-              <a:t>central before connection</a:t>
-            </a:r>
-          </a:p>
-          <a:p>
-            <a:pPr lvl="1"/>
-            <a:r>
-              <a:rPr lang="en-SG" dirty="0"/>
-              <a:t>Name of peripheral</a:t>
-            </a:r>
-          </a:p>
-          <a:p>
-            <a:pPr lvl="1"/>
-            <a:r>
-              <a:rPr lang="en-SG" dirty="0"/>
-              <a:t>Is it connectable</a:t>
-            </a:r>
-            <a:r>
-              <a:rPr lang="en-SG" dirty="0" smtClean="0"/>
-              <a:t>? </a:t>
-            </a:r>
-            <a:endParaRPr lang="en-SG" dirty="0"/>
-          </a:p>
-          <a:p>
-            <a:pPr lvl="1"/>
-            <a:r>
-              <a:rPr lang="en-SG" dirty="0"/>
-              <a:t>Supported features (services</a:t>
-            </a:r>
-            <a:r>
-              <a:rPr lang="en-SG" dirty="0" smtClean="0"/>
-              <a:t>)</a:t>
-            </a:r>
-          </a:p>
-          <a:p>
-            <a:r>
-              <a:rPr lang="en-SG" dirty="0" smtClean="0"/>
-              <a:t>Generic </a:t>
-            </a:r>
-            <a:r>
-              <a:rPr lang="en-SG" dirty="0"/>
-              <a:t>Attribute </a:t>
-            </a:r>
-            <a:r>
-              <a:rPr lang="en-SG" dirty="0" smtClean="0"/>
-              <a:t>Profile (GATT)</a:t>
-            </a:r>
-            <a:endParaRPr lang="en-SG" dirty="0"/>
-          </a:p>
-          <a:p>
-            <a:pPr lvl="1"/>
-            <a:r>
-              <a:rPr lang="en-SG" dirty="0" smtClean="0"/>
-              <a:t>How </a:t>
-            </a:r>
-            <a:r>
-              <a:rPr lang="en-SG" dirty="0"/>
-              <a:t>to exchange data once connected</a:t>
-            </a:r>
-          </a:p>
-          <a:p>
-            <a:pPr lvl="1"/>
-            <a:r>
-              <a:rPr lang="en-SG" dirty="0"/>
-              <a:t>Identifies </a:t>
-            </a:r>
-            <a:r>
-              <a:rPr lang="en-SG" dirty="0" smtClean="0"/>
-              <a:t>Services</a:t>
-            </a:r>
-            <a:r>
-              <a:rPr lang="en-SG" dirty="0"/>
-              <a:t>, </a:t>
-            </a:r>
-            <a:r>
-              <a:rPr lang="en-SG" dirty="0" smtClean="0"/>
-              <a:t>Characteristics </a:t>
-            </a:r>
-            <a:r>
-              <a:rPr lang="en-SG" dirty="0"/>
-              <a:t>and D</a:t>
-            </a:r>
-            <a:r>
-              <a:rPr lang="en-SG" dirty="0" smtClean="0"/>
-              <a:t>escriptors</a:t>
-            </a:r>
-            <a:endParaRPr lang="en-SG" dirty="0"/>
-          </a:p>
-        </p:txBody>
-      </p:sp>
-      <p:sp>
-        <p:nvSpPr>
-          <p:cNvPr id="4" name="TextBox 3"/>
-          <p:cNvSpPr txBox="1"/>
-          <p:nvPr/>
-        </p:nvSpPr>
-        <p:spPr>
-          <a:xfrm>
-            <a:off x="463550" y="6261099"/>
-            <a:ext cx="7153625" cy="307777"/>
-          </a:xfrm>
-          <a:prstGeom prst="rect">
-            <a:avLst/>
-          </a:prstGeom>
-          <a:noFill/>
-        </p:spPr>
-        <p:txBody>
-          <a:bodyPr wrap="none" rtlCol="0">
-            <a:spAutoFit/>
-          </a:bodyPr>
-          <a:lstStyle/>
-          <a:p>
-            <a:r>
-              <a:rPr lang="en-SG" sz="1400" dirty="0" smtClean="0"/>
-              <a:t>*Both GAP and GATT are theoretical concepts, you don’t usually see those terms in coding APIs.</a:t>
-            </a:r>
-            <a:endParaRPr lang="en-SG" sz="1400" dirty="0"/>
-          </a:p>
-        </p:txBody>
-      </p:sp>
-      <p:sp>
-        <p:nvSpPr>
-          <p:cNvPr id="5" name="Slide Number Placeholder 4"/>
-          <p:cNvSpPr>
-            <a:spLocks noGrp="1"/>
-          </p:cNvSpPr>
-          <p:nvPr>
-            <p:ph type="sldNum" sz="quarter" idx="12"/>
-          </p:nvPr>
-        </p:nvSpPr>
-        <p:spPr/>
-        <p:txBody>
-          <a:bodyPr/>
-          <a:lstStyle/>
-          <a:p>
-            <a:fld id="{D58B649F-BA72-4D5B-9DE7-B85048FCABD7}" type="slidenum">
-              <a:rPr lang="en-SG" smtClean="0"/>
-              <a:t>14</a:t>
-            </a:fld>
-            <a:endParaRPr lang="en-SG"/>
-          </a:p>
-        </p:txBody>
-      </p:sp>
-    </p:spTree>
-    <p:extLst>
-      <p:ext uri="{BB962C8B-B14F-4D97-AF65-F5344CB8AC3E}">
-        <p14:creationId xmlns:p14="http://schemas.microsoft.com/office/powerpoint/2010/main" val="1772608317"/>
-      </p:ext>
-    </p:extLst>
-  </p:cSld>
-  <p:clrMapOvr>
-    <a:masterClrMapping/>
-  </p:clrMapOvr>
-  <p:timing>
-    <p:tnLst>
-      <p:par>
-        <p:cTn id="1" dur="indefinite" restart="never" nodeType="tmRoot">
-          <p:childTnLst>
-            <p:seq concurrent="1" nextAc="seek">
-              <p:cTn id="2" dur="indefinite" nodeType="mainSeq">
-                <p:childTnLst>
-                  <p:par>
-                    <p:cTn id="3" fill="hold">
-                      <p:stCondLst>
-                        <p:cond delay="indefinite"/>
-                      </p:stCondLst>
-                      <p:childTnLst>
-                        <p:par>
-                          <p:cTn id="4" fill="hold">
-                            <p:stCondLst>
-                              <p:cond delay="0"/>
-                            </p:stCondLst>
-                            <p:childTnLst>
-                              <p:par>
-                                <p:cTn id="5" presetID="10" presetClass="entr" presetSubtype="0" fill="hold" nodeType="clickEffect">
-                                  <p:stCondLst>
-                                    <p:cond delay="0"/>
-                                  </p:stCondLst>
-                                  <p:childTnLst>
-                                    <p:set>
-                                      <p:cBhvr>
-                                        <p:cTn id="6" dur="1" fill="hold">
-                                          <p:stCondLst>
-                                            <p:cond delay="0"/>
-                                          </p:stCondLst>
-                                        </p:cTn>
-                                        <p:tgtEl>
-                                          <p:spTgt spid="3">
-                                            <p:txEl>
-                                              <p:pRg st="0" end="0"/>
-                                            </p:txEl>
-                                          </p:spTgt>
-                                        </p:tgtEl>
-                                        <p:attrNameLst>
-                                          <p:attrName>style.visibility</p:attrName>
-                                        </p:attrNameLst>
-                                      </p:cBhvr>
-                                      <p:to>
-                                        <p:strVal val="visible"/>
-                                      </p:to>
-                                    </p:set>
-                                    <p:animEffect transition="in" filter="fade">
-                                      <p:cBhvr>
-                                        <p:cTn id="7" dur="500"/>
-                                        <p:tgtEl>
-                                          <p:spTgt spid="3">
-                                            <p:txEl>
-                                              <p:pRg st="0" end="0"/>
-                                            </p:txEl>
-                                          </p:spTgt>
-                                        </p:tgtEl>
-                                      </p:cBhvr>
-                                    </p:animEffect>
-                                  </p:childTnLst>
-                                </p:cTn>
-                              </p:par>
-                              <p:par>
-                                <p:cTn id="8" presetID="10" presetClass="entr" presetSubtype="0" fill="hold" nodeType="withEffect">
-                                  <p:stCondLst>
-                                    <p:cond delay="0"/>
-                                  </p:stCondLst>
-                                  <p:childTnLst>
-                                    <p:set>
-                                      <p:cBhvr>
-                                        <p:cTn id="9" dur="1" fill="hold">
-                                          <p:stCondLst>
-                                            <p:cond delay="0"/>
-                                          </p:stCondLst>
-                                        </p:cTn>
-                                        <p:tgtEl>
-                                          <p:spTgt spid="3">
-                                            <p:txEl>
-                                              <p:pRg st="1" end="1"/>
-                                            </p:txEl>
-                                          </p:spTgt>
-                                        </p:tgtEl>
-                                        <p:attrNameLst>
-                                          <p:attrName>style.visibility</p:attrName>
-                                        </p:attrNameLst>
-                                      </p:cBhvr>
-                                      <p:to>
-                                        <p:strVal val="visible"/>
-                                      </p:to>
-                                    </p:set>
-                                    <p:animEffect transition="in" filter="fade">
-                                      <p:cBhvr>
-                                        <p:cTn id="10" dur="500"/>
-                                        <p:tgtEl>
-                                          <p:spTgt spid="3">
-                                            <p:txEl>
-                                              <p:pRg st="1" end="1"/>
-                                            </p:txEl>
-                                          </p:spTgt>
-                                        </p:tgtEl>
-                                      </p:cBhvr>
-                                    </p:animEffect>
-                                  </p:childTnLst>
-                                </p:cTn>
-                              </p:par>
-                              <p:par>
-                                <p:cTn id="11" presetID="10" presetClass="entr" presetSubtype="0" fill="hold" nodeType="withEffect">
-                                  <p:stCondLst>
-                                    <p:cond delay="0"/>
-                                  </p:stCondLst>
-                                  <p:childTnLst>
-                                    <p:set>
-                                      <p:cBhvr>
-                                        <p:cTn id="12" dur="1" fill="hold">
-                                          <p:stCondLst>
-                                            <p:cond delay="0"/>
-                                          </p:stCondLst>
-                                        </p:cTn>
-                                        <p:tgtEl>
-                                          <p:spTgt spid="3">
-                                            <p:txEl>
-                                              <p:pRg st="2" end="2"/>
-                                            </p:txEl>
-                                          </p:spTgt>
-                                        </p:tgtEl>
-                                        <p:attrNameLst>
-                                          <p:attrName>style.visibility</p:attrName>
-                                        </p:attrNameLst>
-                                      </p:cBhvr>
-                                      <p:to>
-                                        <p:strVal val="visible"/>
-                                      </p:to>
-                                    </p:set>
-                                    <p:animEffect transition="in" filter="fade">
-                                      <p:cBhvr>
-                                        <p:cTn id="13" dur="500"/>
-                                        <p:tgtEl>
-                                          <p:spTgt spid="3">
-                                            <p:txEl>
-                                              <p:pRg st="2" end="2"/>
-                                            </p:txEl>
-                                          </p:spTgt>
-                                        </p:tgtEl>
-                                      </p:cBhvr>
-                                    </p:animEffect>
-                                  </p:childTnLst>
-                                </p:cTn>
-                              </p:par>
-                              <p:par>
-                                <p:cTn id="14" presetID="10" presetClass="entr" presetSubtype="0" fill="hold" nodeType="withEffect">
-                                  <p:stCondLst>
-                                    <p:cond delay="0"/>
-                                  </p:stCondLst>
-                                  <p:childTnLst>
-                                    <p:set>
-                                      <p:cBhvr>
-                                        <p:cTn id="15" dur="1" fill="hold">
-                                          <p:stCondLst>
-                                            <p:cond delay="0"/>
-                                          </p:stCondLst>
-                                        </p:cTn>
-                                        <p:tgtEl>
-                                          <p:spTgt spid="3">
-                                            <p:txEl>
-                                              <p:pRg st="3" end="3"/>
-                                            </p:txEl>
-                                          </p:spTgt>
-                                        </p:tgtEl>
-                                        <p:attrNameLst>
-                                          <p:attrName>style.visibility</p:attrName>
-                                        </p:attrNameLst>
-                                      </p:cBhvr>
-                                      <p:to>
-                                        <p:strVal val="visible"/>
-                                      </p:to>
-                                    </p:set>
-                                    <p:animEffect transition="in" filter="fade">
-                                      <p:cBhvr>
-                                        <p:cTn id="16" dur="500"/>
-                                        <p:tgtEl>
-                                          <p:spTgt spid="3">
-                                            <p:txEl>
-                                              <p:pRg st="3" end="3"/>
-                                            </p:txEl>
-                                          </p:spTgt>
-                                        </p:tgtEl>
-                                      </p:cBhvr>
-                                    </p:animEffect>
-                                  </p:childTnLst>
-                                </p:cTn>
-                              </p:par>
-                              <p:par>
-                                <p:cTn id="17" presetID="10" presetClass="entr" presetSubtype="0" fill="hold" nodeType="withEffect">
-                                  <p:stCondLst>
-                                    <p:cond delay="0"/>
-                                  </p:stCondLst>
-                                  <p:childTnLst>
-                                    <p:set>
-                                      <p:cBhvr>
-                                        <p:cTn id="18" dur="1" fill="hold">
-                                          <p:stCondLst>
-                                            <p:cond delay="0"/>
-                                          </p:stCondLst>
-                                        </p:cTn>
-                                        <p:tgtEl>
-                                          <p:spTgt spid="3">
-                                            <p:txEl>
-                                              <p:pRg st="4" end="4"/>
-                                            </p:txEl>
-                                          </p:spTgt>
-                                        </p:tgtEl>
-                                        <p:attrNameLst>
-                                          <p:attrName>style.visibility</p:attrName>
-                                        </p:attrNameLst>
-                                      </p:cBhvr>
-                                      <p:to>
-                                        <p:strVal val="visible"/>
-                                      </p:to>
-                                    </p:set>
-                                    <p:animEffect transition="in" filter="fade">
-                                      <p:cBhvr>
-                                        <p:cTn id="19" dur="500"/>
-                                        <p:tgtEl>
-                                          <p:spTgt spid="3">
-                                            <p:txEl>
-                                              <p:pRg st="4" end="4"/>
-                                            </p:txEl>
-                                          </p:spTgt>
-                                        </p:tgtEl>
-                                      </p:cBhvr>
-                                    </p:animEffect>
-                                  </p:childTnLst>
-                                </p:cTn>
-                              </p:par>
-                            </p:childTnLst>
-                          </p:cTn>
-                        </p:par>
-                      </p:childTnLst>
-                    </p:cTn>
-                  </p:par>
-                  <p:par>
-                    <p:cTn id="20" fill="hold">
-                      <p:stCondLst>
-                        <p:cond delay="indefinite"/>
-                      </p:stCondLst>
-                      <p:childTnLst>
-                        <p:par>
-                          <p:cTn id="21" fill="hold">
-                            <p:stCondLst>
-                              <p:cond delay="0"/>
-                            </p:stCondLst>
-                            <p:childTnLst>
-                              <p:par>
-                                <p:cTn id="22" presetID="10" presetClass="entr" presetSubtype="0" fill="hold" nodeType="clickEffect">
-                                  <p:stCondLst>
-                                    <p:cond delay="0"/>
-                                  </p:stCondLst>
-                                  <p:childTnLst>
-                                    <p:set>
-                                      <p:cBhvr>
-                                        <p:cTn id="23" dur="1" fill="hold">
-                                          <p:stCondLst>
-                                            <p:cond delay="0"/>
-                                          </p:stCondLst>
-                                        </p:cTn>
-                                        <p:tgtEl>
-                                          <p:spTgt spid="3">
-                                            <p:txEl>
-                                              <p:pRg st="5" end="5"/>
-                                            </p:txEl>
-                                          </p:spTgt>
-                                        </p:tgtEl>
-                                        <p:attrNameLst>
-                                          <p:attrName>style.visibility</p:attrName>
-                                        </p:attrNameLst>
-                                      </p:cBhvr>
-                                      <p:to>
-                                        <p:strVal val="visible"/>
-                                      </p:to>
-                                    </p:set>
-                                    <p:animEffect transition="in" filter="fade">
-                                      <p:cBhvr>
-                                        <p:cTn id="24" dur="500"/>
-                                        <p:tgtEl>
-                                          <p:spTgt spid="3">
-                                            <p:txEl>
-                                              <p:pRg st="5" end="5"/>
-                                            </p:txEl>
-                                          </p:spTgt>
-                                        </p:tgtEl>
-                                      </p:cBhvr>
-                                    </p:animEffect>
-                                  </p:childTnLst>
-                                </p:cTn>
-                              </p:par>
-                              <p:par>
-                                <p:cTn id="25" presetID="10" presetClass="entr" presetSubtype="0" fill="hold" nodeType="withEffect">
-                                  <p:stCondLst>
-                                    <p:cond delay="0"/>
-                                  </p:stCondLst>
-                                  <p:childTnLst>
-                                    <p:set>
-                                      <p:cBhvr>
-                                        <p:cTn id="26" dur="1" fill="hold">
-                                          <p:stCondLst>
-                                            <p:cond delay="0"/>
-                                          </p:stCondLst>
-                                        </p:cTn>
-                                        <p:tgtEl>
-                                          <p:spTgt spid="3">
-                                            <p:txEl>
-                                              <p:pRg st="6" end="6"/>
-                                            </p:txEl>
-                                          </p:spTgt>
-                                        </p:tgtEl>
-                                        <p:attrNameLst>
-                                          <p:attrName>style.visibility</p:attrName>
-                                        </p:attrNameLst>
-                                      </p:cBhvr>
-                                      <p:to>
-                                        <p:strVal val="visible"/>
-                                      </p:to>
-                                    </p:set>
-                                    <p:animEffect transition="in" filter="fade">
-                                      <p:cBhvr>
-                                        <p:cTn id="27" dur="500"/>
-                                        <p:tgtEl>
-                                          <p:spTgt spid="3">
-                                            <p:txEl>
-                                              <p:pRg st="6" end="6"/>
-                                            </p:txEl>
-                                          </p:spTgt>
-                                        </p:tgtEl>
-                                      </p:cBhvr>
-                                    </p:animEffect>
-                                  </p:childTnLst>
-                                </p:cTn>
-                              </p:par>
-                              <p:par>
-                                <p:cTn id="28" presetID="10" presetClass="entr" presetSubtype="0" fill="hold" nodeType="withEffect">
-                                  <p:stCondLst>
-                                    <p:cond delay="0"/>
-                                  </p:stCondLst>
-                                  <p:childTnLst>
-                                    <p:set>
-                                      <p:cBhvr>
-                                        <p:cTn id="29" dur="1" fill="hold">
-                                          <p:stCondLst>
-                                            <p:cond delay="0"/>
-                                          </p:stCondLst>
-                                        </p:cTn>
-                                        <p:tgtEl>
-                                          <p:spTgt spid="3">
-                                            <p:txEl>
-                                              <p:pRg st="7" end="7"/>
-                                            </p:txEl>
-                                          </p:spTgt>
-                                        </p:tgtEl>
-                                        <p:attrNameLst>
-                                          <p:attrName>style.visibility</p:attrName>
-                                        </p:attrNameLst>
-                                      </p:cBhvr>
-                                      <p:to>
-                                        <p:strVal val="visible"/>
-                                      </p:to>
-                                    </p:set>
-                                    <p:animEffect transition="in" filter="fade">
-                                      <p:cBhvr>
-                                        <p:cTn id="30" dur="500"/>
-                                        <p:tgtEl>
-                                          <p:spTgt spid="3">
-                                            <p:txEl>
-                                              <p:pRg st="7" end="7"/>
                                             </p:txEl>
                                           </p:spTgt>
                                         </p:tgtEl>
@@ -6598,36 +6390,35 @@
             <p:ph type="title"/>
           </p:nvPr>
         </p:nvSpPr>
-        <p:spPr>
-          <a:xfrm>
-            <a:off x="0" y="1"/>
-            <a:ext cx="9144000" cy="1057728"/>
-          </a:xfrm>
-        </p:spPr>
+        <p:spPr/>
         <p:txBody>
           <a:bodyPr>
-            <a:normAutofit fontScale="90000"/>
+            <a:normAutofit/>
           </a:bodyPr>
           <a:lstStyle/>
           <a:p>
             <a:r>
               <a:rPr lang="en-SG" dirty="0" smtClean="0"/>
-              <a:t>1c. Service, characteristic, descriptor</a:t>
+              <a:t>1d. </a:t>
+            </a:r>
+            <a:r>
+              <a:rPr lang="en-SG" dirty="0" smtClean="0"/>
+              <a:t>GAP, GATT </a:t>
             </a:r>
             <a:br>
               <a:rPr lang="en-SG" dirty="0" smtClean="0"/>
             </a:br>
             <a:r>
-              <a:rPr lang="en-SG" sz="2800" dirty="0" smtClean="0"/>
-              <a:t>(All these are part of a peripheral’s GATT)</a:t>
-            </a:r>
-            <a:endParaRPr lang="en-SG" sz="2800" dirty="0"/>
+              <a:rPr lang="en-SG" dirty="0" smtClean="0"/>
+              <a:t>(defined by Peripheral)</a:t>
+            </a:r>
+            <a:endParaRPr lang="en-SG" dirty="0"/>
           </a:p>
         </p:txBody>
       </p:sp>
       <p:sp>
         <p:nvSpPr>
-          <p:cNvPr id="6" name="Content Placeholder 2"/>
+          <p:cNvPr id="3" name="Content Placeholder 2"/>
           <p:cNvSpPr>
             <a:spLocks noGrp="1"/>
           </p:cNvSpPr>
@@ -6637,217 +6428,159 @@
         </p:nvSpPr>
         <p:spPr>
           <a:xfrm>
-            <a:off x="0" y="1032615"/>
-            <a:ext cx="9035143" cy="5688861"/>
+            <a:off x="463550" y="1800225"/>
+            <a:ext cx="7886700" cy="4351338"/>
           </a:xfrm>
         </p:spPr>
         <p:txBody>
           <a:bodyPr>
-            <a:noAutofit/>
+            <a:normAutofit/>
           </a:bodyPr>
           <a:lstStyle/>
           <a:p>
             <a:r>
-              <a:rPr lang="en-SG" sz="1800" b="1" dirty="0" smtClean="0"/>
-              <a:t>Service</a:t>
+              <a:rPr lang="en-SG" dirty="0" smtClean="0"/>
+              <a:t>Generic </a:t>
+            </a:r>
+            <a:r>
+              <a:rPr lang="en-SG" dirty="0"/>
+              <a:t>Access </a:t>
+            </a:r>
+            <a:r>
+              <a:rPr lang="en-SG" dirty="0" smtClean="0"/>
+              <a:t>Profile (GAP) or Advertising</a:t>
             </a:r>
           </a:p>
           <a:p>
             <a:pPr lvl="1"/>
             <a:r>
-              <a:rPr lang="en-SG" sz="1800" dirty="0" smtClean="0"/>
-              <a:t>16-bit SIG services: Battery, Heart rate, Immediate Alert, </a:t>
-            </a:r>
-            <a:r>
-              <a:rPr lang="en-SG" sz="1800" dirty="0" err="1" smtClean="0"/>
-              <a:t>Tx</a:t>
-            </a:r>
-            <a:r>
-              <a:rPr lang="en-SG" sz="1800" dirty="0" smtClean="0"/>
-              <a:t> Power</a:t>
+              <a:rPr lang="en-SG" dirty="0" smtClean="0"/>
+              <a:t>Information advertised to </a:t>
+            </a:r>
+            <a:r>
+              <a:rPr lang="en-SG" dirty="0"/>
+              <a:t>central before connection</a:t>
             </a:r>
           </a:p>
           <a:p>
             <a:pPr lvl="1"/>
             <a:r>
-              <a:rPr lang="en-SG" sz="1800" dirty="0" smtClean="0"/>
-              <a:t>128-bit UUID for custom services</a:t>
+              <a:rPr lang="en-SG" dirty="0"/>
+              <a:t>Name of peripheral</a:t>
             </a:r>
           </a:p>
           <a:p>
             <a:pPr lvl="1"/>
             <a:r>
-              <a:rPr lang="en-SG" sz="1800" dirty="0" smtClean="0"/>
-              <a:t>Collection of characteristics</a:t>
-            </a:r>
-          </a:p>
-          <a:p>
-            <a:r>
-              <a:rPr lang="en-SG" sz="1800" b="1" dirty="0" smtClean="0"/>
-              <a:t>Characteristic</a:t>
-            </a:r>
+              <a:rPr lang="en-SG" dirty="0"/>
+              <a:t>Is it connectable</a:t>
+            </a:r>
+            <a:r>
+              <a:rPr lang="en-SG" dirty="0" smtClean="0"/>
+              <a:t>? </a:t>
+            </a:r>
+            <a:endParaRPr lang="en-SG" dirty="0"/>
           </a:p>
           <a:p>
             <a:pPr lvl="1"/>
             <a:r>
-              <a:rPr lang="en-SG" sz="1800" dirty="0" smtClean="0"/>
-              <a:t>Holds a value: String, </a:t>
-            </a:r>
-            <a:r>
-              <a:rPr lang="en-SG" sz="1800" dirty="0" err="1" smtClean="0"/>
-              <a:t>Int</a:t>
-            </a:r>
-            <a:r>
-              <a:rPr lang="en-SG" sz="1800" dirty="0" smtClean="0"/>
-              <a:t>, Char….. </a:t>
-            </a:r>
+              <a:rPr lang="en-SG" dirty="0"/>
+              <a:t>Supported features (services</a:t>
+            </a:r>
+            <a:r>
+              <a:rPr lang="en-SG" dirty="0" smtClean="0"/>
+              <a:t>)</a:t>
+            </a:r>
+          </a:p>
+          <a:p>
+            <a:r>
+              <a:rPr lang="en-SG" dirty="0" smtClean="0"/>
+              <a:t>Generic </a:t>
+            </a:r>
+            <a:r>
+              <a:rPr lang="en-SG" dirty="0"/>
+              <a:t>Attribute </a:t>
+            </a:r>
+            <a:r>
+              <a:rPr lang="en-SG" dirty="0" smtClean="0"/>
+              <a:t>Profile (GATT)</a:t>
+            </a:r>
+            <a:endParaRPr lang="en-SG" dirty="0"/>
           </a:p>
           <a:p>
             <a:pPr lvl="1"/>
             <a:r>
-              <a:rPr lang="en-SG" sz="1800" dirty="0" smtClean="0"/>
-              <a:t>Can take on multiple properties:</a:t>
-            </a:r>
-          </a:p>
-          <a:p>
-            <a:pPr lvl="2"/>
-            <a:r>
-              <a:rPr lang="en-SG" sz="1800" u="sng" dirty="0" smtClean="0"/>
-              <a:t>Read</a:t>
-            </a:r>
-            <a:r>
-              <a:rPr lang="en-SG" sz="1800" dirty="0" smtClean="0"/>
-              <a:t>: Central can read this value directly</a:t>
-            </a:r>
-          </a:p>
-          <a:p>
-            <a:pPr lvl="2"/>
-            <a:r>
-              <a:rPr lang="en-SG" sz="1800" u="sng" dirty="0" smtClean="0"/>
-              <a:t>Write</a:t>
-            </a:r>
-            <a:r>
-              <a:rPr lang="en-SG" sz="1800" dirty="0" smtClean="0"/>
-              <a:t>: Central can write/change this value and be notified if executed successfully</a:t>
-            </a:r>
-          </a:p>
-          <a:p>
-            <a:pPr lvl="2"/>
-            <a:r>
-              <a:rPr lang="en-SG" sz="1800" u="sng" dirty="0" err="1" smtClean="0"/>
-              <a:t>WriteWithoutResponse</a:t>
-            </a:r>
-            <a:r>
-              <a:rPr lang="en-SG" sz="1800" dirty="0" smtClean="0"/>
-              <a:t>: Central just “fire and forget”</a:t>
-            </a:r>
-          </a:p>
-          <a:p>
-            <a:pPr lvl="2"/>
-            <a:r>
-              <a:rPr lang="en-SG" sz="1800" u="sng" dirty="0" smtClean="0"/>
-              <a:t>Notify</a:t>
-            </a:r>
-            <a:r>
-              <a:rPr lang="en-SG" sz="1800" dirty="0" smtClean="0"/>
-              <a:t>: Central gets alerted if the value has changed</a:t>
-            </a:r>
-          </a:p>
-          <a:p>
-            <a:pPr lvl="2"/>
-            <a:r>
-              <a:rPr lang="en-SG" sz="1800" dirty="0" smtClean="0"/>
-              <a:t>Others: </a:t>
-            </a:r>
-            <a:r>
-              <a:rPr lang="en-SG" sz="1800" u="sng" dirty="0"/>
-              <a:t>B</a:t>
-            </a:r>
-            <a:r>
-              <a:rPr lang="en-SG" sz="1800" u="sng" dirty="0" smtClean="0"/>
-              <a:t>roadcast, Indicate, </a:t>
-            </a:r>
-            <a:r>
-              <a:rPr lang="en-SG" sz="1800" u="sng" dirty="0" err="1" smtClean="0"/>
-              <a:t>SignedWrite</a:t>
-            </a:r>
-            <a:r>
-              <a:rPr lang="en-SG" sz="1800" u="sng" dirty="0" smtClean="0"/>
+              <a:rPr lang="en-SG" dirty="0" smtClean="0"/>
+              <a:t>How </a:t>
+            </a:r>
+            <a:r>
+              <a:rPr lang="en-SG" dirty="0"/>
+              <a:t>to exchange data once connected</a:t>
+            </a:r>
+          </a:p>
+          <a:p>
+            <a:pPr lvl="1"/>
+            <a:r>
+              <a:rPr lang="en-SG" dirty="0"/>
+              <a:t>Identifies </a:t>
+            </a:r>
+            <a:r>
+              <a:rPr lang="en-SG" dirty="0" smtClean="0"/>
+              <a:t>Services</a:t>
+            </a:r>
+            <a:r>
+              <a:rPr lang="en-SG" dirty="0"/>
               <a:t>, </a:t>
             </a:r>
             <a:r>
-              <a:rPr lang="en-SG" sz="1800" u="sng" dirty="0" err="1" smtClean="0"/>
-              <a:t>QueuedWrite</a:t>
-            </a:r>
-            <a:r>
-              <a:rPr lang="en-SG" sz="1800" u="sng" dirty="0" smtClean="0"/>
-              <a:t>, </a:t>
-            </a:r>
-            <a:r>
-              <a:rPr lang="en-SG" sz="1800" u="sng" dirty="0" err="1" smtClean="0"/>
-              <a:t>WritableAuxiliaries</a:t>
-            </a:r>
-            <a:endParaRPr lang="en-SG" sz="1800" u="sng" dirty="0" smtClean="0"/>
-          </a:p>
-          <a:p>
-            <a:pPr lvl="1"/>
-            <a:r>
-              <a:rPr lang="en-SG" sz="1800" dirty="0" smtClean="0"/>
-              <a:t>Collection of optional descriptors</a:t>
-            </a:r>
-          </a:p>
-          <a:p>
-            <a:r>
-              <a:rPr lang="en-SG" sz="1800" b="1" dirty="0" smtClean="0"/>
-              <a:t>Descriptor: </a:t>
-            </a:r>
-            <a:r>
-              <a:rPr lang="en-SG" sz="1800" dirty="0" smtClean="0"/>
-              <a:t>usually optional</a:t>
-            </a:r>
-          </a:p>
-          <a:p>
-            <a:pPr lvl="1"/>
-            <a:r>
-              <a:rPr lang="en-SG" sz="1800" dirty="0" smtClean="0"/>
-              <a:t>Holds a value</a:t>
-            </a:r>
-          </a:p>
-          <a:p>
-            <a:pPr lvl="1"/>
-            <a:r>
-              <a:rPr lang="en-SG" sz="1800" dirty="0" smtClean="0"/>
-              <a:t>Used to describe a characteristic (meta-data)</a:t>
-            </a:r>
-          </a:p>
-          <a:p>
-            <a:pPr lvl="1"/>
-            <a:r>
-              <a:rPr lang="en-SG" sz="1800" dirty="0" smtClean="0"/>
-              <a:t>Special case: Client </a:t>
-            </a:r>
-            <a:r>
-              <a:rPr lang="en-SG" sz="1800" dirty="0"/>
-              <a:t>Characteristic Configuration Descriptor </a:t>
-            </a:r>
-            <a:r>
-              <a:rPr lang="en-SG" sz="1800" dirty="0" smtClean="0"/>
-              <a:t>(0x2902)</a:t>
-            </a:r>
-          </a:p>
-          <a:p>
-            <a:pPr lvl="2"/>
-            <a:r>
-              <a:rPr lang="en-SG" sz="1800" dirty="0" smtClean="0"/>
-              <a:t>Usually automatically created for characteristics with “notify” property</a:t>
-            </a:r>
-            <a:endParaRPr lang="en-SG" sz="1800" dirty="0"/>
+              <a:rPr lang="en-SG" dirty="0" smtClean="0"/>
+              <a:t>Characteristics </a:t>
+            </a:r>
+            <a:r>
+              <a:rPr lang="en-SG" dirty="0"/>
+              <a:t>and D</a:t>
+            </a:r>
+            <a:r>
+              <a:rPr lang="en-SG" dirty="0" smtClean="0"/>
+              <a:t>escriptors</a:t>
+            </a:r>
+            <a:endParaRPr lang="en-SG" dirty="0"/>
           </a:p>
         </p:txBody>
       </p:sp>
       <p:sp>
         <p:nvSpPr>
-          <p:cNvPr id="4" name="Slide Number Placeholder 3"/>
+          <p:cNvPr id="4" name="TextBox 3"/>
+          <p:cNvSpPr txBox="1"/>
+          <p:nvPr/>
+        </p:nvSpPr>
+        <p:spPr>
+          <a:xfrm>
+            <a:off x="463550" y="6261099"/>
+            <a:ext cx="7153625" cy="307777"/>
+          </a:xfrm>
+          <a:prstGeom prst="rect">
+            <a:avLst/>
+          </a:prstGeom>
+          <a:noFill/>
+        </p:spPr>
+        <p:txBody>
+          <a:bodyPr wrap="none" rtlCol="0">
+            <a:spAutoFit/>
+          </a:bodyPr>
+          <a:lstStyle/>
+          <a:p>
+            <a:r>
+              <a:rPr lang="en-SG" sz="1400" dirty="0" smtClean="0"/>
+              <a:t>*Both GAP and GATT are theoretical concepts, you don’t usually see those terms in coding APIs.</a:t>
+            </a:r>
+            <a:endParaRPr lang="en-SG" sz="1400" dirty="0"/>
+          </a:p>
+        </p:txBody>
+      </p:sp>
+      <p:sp>
+        <p:nvSpPr>
+          <p:cNvPr id="5" name="Slide Number Placeholder 4"/>
           <p:cNvSpPr>
             <a:spLocks noGrp="1"/>
           </p:cNvSpPr>
@@ -6864,14 +6597,14 @@
               <a:rPr lang="en-SG" smtClean="0"/>
               <a:t>15</a:t>
             </a:fld>
-            <a:endParaRPr lang="en-SG" dirty="0"/>
+            <a:endParaRPr lang="en-SG"/>
           </a:p>
         </p:txBody>
       </p:sp>
     </p:spTree>
     <p:extLst>
       <p:ext uri="{BB962C8B-B14F-4D97-AF65-F5344CB8AC3E}">
-        <p14:creationId xmlns:p14="http://schemas.microsoft.com/office/powerpoint/2010/main" val="7140918"/>
+        <p14:creationId xmlns:p14="http://schemas.microsoft.com/office/powerpoint/2010/main" val="1772608317"/>
       </p:ext>
     </p:extLst>
   </p:cSld>
@@ -6912,7 +6645,7 @@
                                           </p:stCondLst>
                                         </p:cTn>
                                         <p:tgtEl>
-                                          <p:spTgt spid="6">
+                                          <p:spTgt spid="3">
                                             <p:txEl>
                                               <p:pRg st="0" end="0"/>
                                             </p:txEl>
@@ -6930,7 +6663,7 @@
                                       <p:cBhvr>
                                         <p:cTn id="7" dur="500"/>
                                         <p:tgtEl>
-                                          <p:spTgt spid="6">
+                                          <p:spTgt spid="3">
                                             <p:txEl>
                                               <p:pRg st="0" end="0"/>
                                             </p:txEl>
@@ -6955,7 +6688,7 @@
                                           </p:stCondLst>
                                         </p:cTn>
                                         <p:tgtEl>
-                                          <p:spTgt spid="6">
+                                          <p:spTgt spid="3">
                                             <p:txEl>
                                               <p:pRg st="1" end="1"/>
                                             </p:txEl>
@@ -6973,7 +6706,7 @@
                                       <p:cBhvr>
                                         <p:cTn id="10" dur="500"/>
                                         <p:tgtEl>
-                                          <p:spTgt spid="6">
+                                          <p:spTgt spid="3">
                                             <p:txEl>
                                               <p:pRg st="1" end="1"/>
                                             </p:txEl>
@@ -6998,7 +6731,7 @@
                                           </p:stCondLst>
                                         </p:cTn>
                                         <p:tgtEl>
-                                          <p:spTgt spid="6">
+                                          <p:spTgt spid="3">
                                             <p:txEl>
                                               <p:pRg st="2" end="2"/>
                                             </p:txEl>
@@ -7016,7 +6749,7 @@
                                       <p:cBhvr>
                                         <p:cTn id="13" dur="500"/>
                                         <p:tgtEl>
-                                          <p:spTgt spid="6">
+                                          <p:spTgt spid="3">
                                             <p:txEl>
                                               <p:pRg st="2" end="2"/>
                                             </p:txEl>
@@ -7041,7 +6774,7 @@
                                           </p:stCondLst>
                                         </p:cTn>
                                         <p:tgtEl>
-                                          <p:spTgt spid="6">
+                                          <p:spTgt spid="3">
                                             <p:txEl>
                                               <p:pRg st="3" end="3"/>
                                             </p:txEl>
@@ -7059,9 +6792,52 @@
                                       <p:cBhvr>
                                         <p:cTn id="16" dur="500"/>
                                         <p:tgtEl>
-                                          <p:spTgt spid="6">
+                                          <p:spTgt spid="3">
                                             <p:txEl>
                                               <p:pRg st="3" end="3"/>
+                                            </p:txEl>
+                                          </p:spTgt>
+                                        </p:tgtEl>
+                                      </p:cBhvr>
+                                    </p:animEffect>
+                                  </p:childTnLst>
+                                </p:cTn>
+                              </p:par>
+                              <p:par>
+                                <p:cTn id="17" presetID="10" presetClass="entr" presetSubtype="0" fill="hold" nodeType="withEffect">
+                                  <p:stCondLst>
+                                    <p:cond delay="0"/>
+                                  </p:stCondLst>
+                                  <p:childTnLst>
+                                    <p:set>
+                                      <p:cBhvr>
+                                        <p:cTn id="18" dur="1" fill="hold">
+                                          <p:stCondLst>
+                                            <p:cond delay="0"/>
+                                          </p:stCondLst>
+                                        </p:cTn>
+                                        <p:tgtEl>
+                                          <p:spTgt spid="3">
+                                            <p:txEl>
+                                              <p:pRg st="4" end="4"/>
+                                            </p:txEl>
+                                          </p:spTgt>
+                                        </p:tgtEl>
+                                        <p:attrNameLst>
+                                          <p:attrName>style.visibility</p:attrName>
+                                        </p:attrNameLst>
+                                      </p:cBhvr>
+                                      <p:to>
+                                        <p:strVal val="visible"/>
+                                      </p:to>
+                                    </p:set>
+                                    <p:animEffect transition="in" filter="fade">
+                                      <p:cBhvr>
+                                        <p:cTn id="19" dur="500"/>
+                                        <p:tgtEl>
+                                          <p:spTgt spid="3">
+                                            <p:txEl>
+                                              <p:pRg st="4" end="4"/>
                                             </p:txEl>
                                           </p:spTgt>
                                         </p:tgtEl>
@@ -7077,34 +6853,34 @@
                     </p:cTn>
                   </p:par>
                   <p:par>
-                    <p:cTn id="17" fill="hold">
+                    <p:cTn id="20" fill="hold">
                       <p:stCondLst>
                         <p:cond delay="indefinite"/>
                       </p:stCondLst>
                       <p:childTnLst>
                         <p:par>
-                          <p:cTn id="18" fill="hold">
+                          <p:cTn id="21" fill="hold">
                             <p:stCondLst>
                               <p:cond delay="0"/>
                             </p:stCondLst>
                             <p:childTnLst>
                               <p:par>
-                                <p:cTn id="19" presetID="10" presetClass="entr" presetSubtype="0" fill="hold" nodeType="clickEffect">
+                                <p:cTn id="22" presetID="10" presetClass="entr" presetSubtype="0" fill="hold" nodeType="clickEffect">
                                   <p:stCondLst>
                                     <p:cond delay="0"/>
                                   </p:stCondLst>
                                   <p:childTnLst>
                                     <p:set>
                                       <p:cBhvr>
-                                        <p:cTn id="20" dur="1" fill="hold">
+                                        <p:cTn id="23" dur="1" fill="hold">
                                           <p:stCondLst>
                                             <p:cond delay="0"/>
                                           </p:stCondLst>
                                         </p:cTn>
                                         <p:tgtEl>
-                                          <p:spTgt spid="6">
-                                            <p:txEl>
-                                              <p:pRg st="4" end="4"/>
+                                          <p:spTgt spid="3">
+                                            <p:txEl>
+                                              <p:pRg st="5" end="5"/>
                                             </p:txEl>
                                           </p:spTgt>
                                         </p:tgtEl>
@@ -7118,52 +6894,9 @@
                                     </p:set>
                                     <p:animEffect transition="in" filter="fade">
                                       <p:cBhvr>
-                                        <p:cTn id="21" dur="500"/>
-                                        <p:tgtEl>
-                                          <p:spTgt spid="6">
-                                            <p:txEl>
-                                              <p:pRg st="4" end="4"/>
-                                            </p:txEl>
-                                          </p:spTgt>
-                                        </p:tgtEl>
-                                      </p:cBhvr>
-                                    </p:animEffect>
-                                  </p:childTnLst>
-                                </p:cTn>
-                              </p:par>
-                              <p:par>
-                                <p:cTn id="22" presetID="10" presetClass="entr" presetSubtype="0" fill="hold" nodeType="withEffect">
-                                  <p:stCondLst>
-                                    <p:cond delay="0"/>
-                                  </p:stCondLst>
-                                  <p:childTnLst>
-                                    <p:set>
-                                      <p:cBhvr>
-                                        <p:cTn id="23" dur="1" fill="hold">
-                                          <p:stCondLst>
-                                            <p:cond delay="0"/>
-                                          </p:stCondLst>
-                                        </p:cTn>
-                                        <p:tgtEl>
-                                          <p:spTgt spid="6">
-                                            <p:txEl>
-                                              <p:pRg st="5" end="5"/>
-                                            </p:txEl>
-                                          </p:spTgt>
-                                        </p:tgtEl>
-                                        <p:attrNameLst>
-                                          <p:attrName>style.visibility</p:attrName>
-                                        </p:attrNameLst>
-                                      </p:cBhvr>
-                                      <p:to>
-                                        <p:strVal val="visible"/>
-                                      </p:to>
-                                    </p:set>
-                                    <p:animEffect transition="in" filter="fade">
-                                      <p:cBhvr>
                                         <p:cTn id="24" dur="500"/>
                                         <p:tgtEl>
-                                          <p:spTgt spid="6">
+                                          <p:spTgt spid="3">
                                             <p:txEl>
                                               <p:pRg st="5" end="5"/>
                                             </p:txEl>
@@ -7188,7 +6921,7 @@
                                           </p:stCondLst>
                                         </p:cTn>
                                         <p:tgtEl>
-                                          <p:spTgt spid="6">
+                                          <p:spTgt spid="3">
                                             <p:txEl>
                                               <p:pRg st="6" end="6"/>
                                             </p:txEl>
@@ -7206,7 +6939,7 @@
                                       <p:cBhvr>
                                         <p:cTn id="27" dur="500"/>
                                         <p:tgtEl>
-                                          <p:spTgt spid="6">
+                                          <p:spTgt spid="3">
                                             <p:txEl>
                                               <p:pRg st="6" end="6"/>
                                             </p:txEl>
@@ -7231,7 +6964,7 @@
                                           </p:stCondLst>
                                         </p:cTn>
                                         <p:tgtEl>
-                                          <p:spTgt spid="6">
+                                          <p:spTgt spid="3">
                                             <p:txEl>
                                               <p:pRg st="7" end="7"/>
                                             </p:txEl>
@@ -7249,457 +6982,9 @@
                                       <p:cBhvr>
                                         <p:cTn id="30" dur="500"/>
                                         <p:tgtEl>
-                                          <p:spTgt spid="6">
+                                          <p:spTgt spid="3">
                                             <p:txEl>
                                               <p:pRg st="7" end="7"/>
-                                            </p:txEl>
-                                          </p:spTgt>
-                                        </p:tgtEl>
-                                      </p:cBhvr>
-                                    </p:animEffect>
-                                  </p:childTnLst>
-                                </p:cTn>
-                              </p:par>
-                              <p:par>
-                                <p:cTn id="31" presetID="10" presetClass="entr" presetSubtype="0" fill="hold" nodeType="withEffect">
-                                  <p:stCondLst>
-                                    <p:cond delay="0"/>
-                                  </p:stCondLst>
-                                  <p:childTnLst>
-                                    <p:set>
-                                      <p:cBhvr>
-                                        <p:cTn id="32" dur="1" fill="hold">
-                                          <p:stCondLst>
-                                            <p:cond delay="0"/>
-                                          </p:stCondLst>
-                                        </p:cTn>
-                                        <p:tgtEl>
-                                          <p:spTgt spid="6">
-                                            <p:txEl>
-                                              <p:pRg st="8" end="8"/>
-                                            </p:txEl>
-                                          </p:spTgt>
-                                        </p:tgtEl>
-                                        <p:attrNameLst>
-                                          <p:attrName>style.visibility</p:attrName>
-                                        </p:attrNameLst>
-                                      </p:cBhvr>
-                                      <p:to>
-                                        <p:strVal val="visible"/>
-                                      </p:to>
-                                    </p:set>
-                                    <p:animEffect transition="in" filter="fade">
-                                      <p:cBhvr>
-                                        <p:cTn id="33" dur="500"/>
-                                        <p:tgtEl>
-                                          <p:spTgt spid="6">
-                                            <p:txEl>
-                                              <p:pRg st="8" end="8"/>
-                                            </p:txEl>
-                                          </p:spTgt>
-                                        </p:tgtEl>
-                                      </p:cBhvr>
-                                    </p:animEffect>
-                                  </p:childTnLst>
-                                </p:cTn>
-                              </p:par>
-                              <p:par>
-                                <p:cTn id="34" presetID="10" presetClass="entr" presetSubtype="0" fill="hold" nodeType="withEffect">
-                                  <p:stCondLst>
-                                    <p:cond delay="0"/>
-                                  </p:stCondLst>
-                                  <p:childTnLst>
-                                    <p:set>
-                                      <p:cBhvr>
-                                        <p:cTn id="35" dur="1" fill="hold">
-                                          <p:stCondLst>
-                                            <p:cond delay="0"/>
-                                          </p:stCondLst>
-                                        </p:cTn>
-                                        <p:tgtEl>
-                                          <p:spTgt spid="6">
-                                            <p:txEl>
-                                              <p:pRg st="9" end="9"/>
-                                            </p:txEl>
-                                          </p:spTgt>
-                                        </p:tgtEl>
-                                        <p:attrNameLst>
-                                          <p:attrName>style.visibility</p:attrName>
-                                        </p:attrNameLst>
-                                      </p:cBhvr>
-                                      <p:to>
-                                        <p:strVal val="visible"/>
-                                      </p:to>
-                                    </p:set>
-                                    <p:animEffect transition="in" filter="fade">
-                                      <p:cBhvr>
-                                        <p:cTn id="36" dur="500"/>
-                                        <p:tgtEl>
-                                          <p:spTgt spid="6">
-                                            <p:txEl>
-                                              <p:pRg st="9" end="9"/>
-                                            </p:txEl>
-                                          </p:spTgt>
-                                        </p:tgtEl>
-                                      </p:cBhvr>
-                                    </p:animEffect>
-                                  </p:childTnLst>
-                                </p:cTn>
-                              </p:par>
-                              <p:par>
-                                <p:cTn id="37" presetID="10" presetClass="entr" presetSubtype="0" fill="hold" nodeType="withEffect">
-                                  <p:stCondLst>
-                                    <p:cond delay="0"/>
-                                  </p:stCondLst>
-                                  <p:childTnLst>
-                                    <p:set>
-                                      <p:cBhvr>
-                                        <p:cTn id="38" dur="1" fill="hold">
-                                          <p:stCondLst>
-                                            <p:cond delay="0"/>
-                                          </p:stCondLst>
-                                        </p:cTn>
-                                        <p:tgtEl>
-                                          <p:spTgt spid="6">
-                                            <p:txEl>
-                                              <p:pRg st="10" end="10"/>
-                                            </p:txEl>
-                                          </p:spTgt>
-                                        </p:tgtEl>
-                                        <p:attrNameLst>
-                                          <p:attrName>style.visibility</p:attrName>
-                                        </p:attrNameLst>
-                                      </p:cBhvr>
-                                      <p:to>
-                                        <p:strVal val="visible"/>
-                                      </p:to>
-                                    </p:set>
-                                    <p:animEffect transition="in" filter="fade">
-                                      <p:cBhvr>
-                                        <p:cTn id="39" dur="500"/>
-                                        <p:tgtEl>
-                                          <p:spTgt spid="6">
-                                            <p:txEl>
-                                              <p:pRg st="10" end="10"/>
-                                            </p:txEl>
-                                          </p:spTgt>
-                                        </p:tgtEl>
-                                      </p:cBhvr>
-                                    </p:animEffect>
-                                  </p:childTnLst>
-                                </p:cTn>
-                              </p:par>
-                              <p:par>
-                                <p:cTn id="40" presetID="10" presetClass="entr" presetSubtype="0" fill="hold" nodeType="withEffect">
-                                  <p:stCondLst>
-                                    <p:cond delay="0"/>
-                                  </p:stCondLst>
-                                  <p:childTnLst>
-                                    <p:set>
-                                      <p:cBhvr>
-                                        <p:cTn id="41" dur="1" fill="hold">
-                                          <p:stCondLst>
-                                            <p:cond delay="0"/>
-                                          </p:stCondLst>
-                                        </p:cTn>
-                                        <p:tgtEl>
-                                          <p:spTgt spid="6">
-                                            <p:txEl>
-                                              <p:pRg st="11" end="11"/>
-                                            </p:txEl>
-                                          </p:spTgt>
-                                        </p:tgtEl>
-                                        <p:attrNameLst>
-                                          <p:attrName>style.visibility</p:attrName>
-                                        </p:attrNameLst>
-                                      </p:cBhvr>
-                                      <p:to>
-                                        <p:strVal val="visible"/>
-                                      </p:to>
-                                    </p:set>
-                                    <p:animEffect transition="in" filter="fade">
-                                      <p:cBhvr>
-                                        <p:cTn id="42" dur="500"/>
-                                        <p:tgtEl>
-                                          <p:spTgt spid="6">
-                                            <p:txEl>
-                                              <p:pRg st="11" end="11"/>
-                                            </p:txEl>
-                                          </p:spTgt>
-                                        </p:tgtEl>
-                                      </p:cBhvr>
-                                    </p:animEffect>
-                                  </p:childTnLst>
-                                </p:cTn>
-                              </p:par>
-                              <p:par>
-                                <p:cTn id="43" presetID="10" presetClass="entr" presetSubtype="0" fill="hold" nodeType="withEffect">
-                                  <p:stCondLst>
-                                    <p:cond delay="0"/>
-                                  </p:stCondLst>
-                                  <p:childTnLst>
-                                    <p:set>
-                                      <p:cBhvr>
-                                        <p:cTn id="44" dur="1" fill="hold">
-                                          <p:stCondLst>
-                                            <p:cond delay="0"/>
-                                          </p:stCondLst>
-                                        </p:cTn>
-                                        <p:tgtEl>
-                                          <p:spTgt spid="6">
-                                            <p:txEl>
-                                              <p:pRg st="12" end="12"/>
-                                            </p:txEl>
-                                          </p:spTgt>
-                                        </p:tgtEl>
-                                        <p:attrNameLst>
-                                          <p:attrName>style.visibility</p:attrName>
-                                        </p:attrNameLst>
-                                      </p:cBhvr>
-                                      <p:to>
-                                        <p:strVal val="visible"/>
-                                      </p:to>
-                                    </p:set>
-                                    <p:animEffect transition="in" filter="fade">
-                                      <p:cBhvr>
-                                        <p:cTn id="45" dur="500"/>
-                                        <p:tgtEl>
-                                          <p:spTgt spid="6">
-                                            <p:txEl>
-                                              <p:pRg st="12" end="12"/>
-                                            </p:txEl>
-                                          </p:spTgt>
-                                        </p:tgtEl>
-                                      </p:cBhvr>
-                                    </p:animEffect>
-                                  </p:childTnLst>
-                                </p:cTn>
-                              </p:par>
-                            </p:childTnLst>
-                          </p:cTn>
-                        </p:par>
-                      </p:childTnLst>
-                    </p:cTn>
-                  </p:par>
-                  <p:par>
-                    <p:cTn id="46" fill="hold">
-                      <p:stCondLst>
-                        <p:cond delay="indefinite"/>
-                      </p:stCondLst>
-                      <p:childTnLst>
-                        <p:par>
-                          <p:cTn id="47" fill="hold">
-                            <p:stCondLst>
-                              <p:cond delay="0"/>
-                            </p:stCondLst>
-                            <p:childTnLst>
-                              <p:par>
-                                <p:cTn id="48" presetID="10" presetClass="entr" presetSubtype="0" fill="hold" nodeType="clickEffect">
-                                  <p:stCondLst>
-                                    <p:cond delay="0"/>
-                                  </p:stCondLst>
-                                  <p:childTnLst>
-                                    <p:set>
-                                      <p:cBhvr>
-                                        <p:cTn id="49" dur="1" fill="hold">
-                                          <p:stCondLst>
-                                            <p:cond delay="0"/>
-                                          </p:stCondLst>
-                                        </p:cTn>
-                                        <p:tgtEl>
-                                          <p:spTgt spid="6">
-                                            <p:txEl>
-                                              <p:pRg st="13" end="13"/>
-                                            </p:txEl>
-                                          </p:spTgt>
-                                        </p:tgtEl>
-                                        <p:attrNameLst>
-                                          <p:attrName>style.visibility</p:attrName>
-                                        </p:attrNameLst>
-                                      </p:cBhvr>
-                                      <p:to>
-                                        <p:strVal val="visible"/>
-                                      </p:to>
-                                    </p:set>
-                                    <p:animEffect transition="in" filter="fade">
-                                      <p:cBhvr>
-                                        <p:cTn id="50" dur="500"/>
-                                        <p:tgtEl>
-                                          <p:spTgt spid="6">
-                                            <p:txEl>
-                                              <p:pRg st="13" end="13"/>
-                                            </p:txEl>
-                                          </p:spTgt>
-                                        </p:tgtEl>
-                                      </p:cBhvr>
-                                    </p:animEffect>
-                                  </p:childTnLst>
-                                </p:cTn>
-                              </p:par>
-                              <p:par>
-                                <p:cTn id="51" presetID="10" presetClass="entr" presetSubtype="0" fill="hold" nodeType="withEffect">
-                                  <p:stCondLst>
-                                    <p:cond delay="0"/>
-                                  </p:stCondLst>
-                                  <p:childTnLst>
-                                    <p:set>
-                                      <p:cBhvr>
-                                        <p:cTn id="52" dur="1" fill="hold">
-                                          <p:stCondLst>
-                                            <p:cond delay="0"/>
-                                          </p:stCondLst>
-                                        </p:cTn>
-                                        <p:tgtEl>
-                                          <p:spTgt spid="6">
-                                            <p:txEl>
-                                              <p:pRg st="14" end="14"/>
-                                            </p:txEl>
-                                          </p:spTgt>
-                                        </p:tgtEl>
-                                        <p:attrNameLst>
-                                          <p:attrName>style.visibility</p:attrName>
-                                        </p:attrNameLst>
-                                      </p:cBhvr>
-                                      <p:to>
-                                        <p:strVal val="visible"/>
-                                      </p:to>
-                                    </p:set>
-                                    <p:animEffect transition="in" filter="fade">
-                                      <p:cBhvr>
-                                        <p:cTn id="53" dur="500"/>
-                                        <p:tgtEl>
-                                          <p:spTgt spid="6">
-                                            <p:txEl>
-                                              <p:pRg st="14" end="14"/>
-                                            </p:txEl>
-                                          </p:spTgt>
-                                        </p:tgtEl>
-                                      </p:cBhvr>
-                                    </p:animEffect>
-                                  </p:childTnLst>
-                                </p:cTn>
-                              </p:par>
-                              <p:par>
-                                <p:cTn id="54" presetID="10" presetClass="entr" presetSubtype="0" fill="hold" nodeType="withEffect">
-                                  <p:stCondLst>
-                                    <p:cond delay="0"/>
-                                  </p:stCondLst>
-                                  <p:childTnLst>
-                                    <p:set>
-                                      <p:cBhvr>
-                                        <p:cTn id="55" dur="1" fill="hold">
-                                          <p:stCondLst>
-                                            <p:cond delay="0"/>
-                                          </p:stCondLst>
-                                        </p:cTn>
-                                        <p:tgtEl>
-                                          <p:spTgt spid="6">
-                                            <p:txEl>
-                                              <p:pRg st="15" end="15"/>
-                                            </p:txEl>
-                                          </p:spTgt>
-                                        </p:tgtEl>
-                                        <p:attrNameLst>
-                                          <p:attrName>style.visibility</p:attrName>
-                                        </p:attrNameLst>
-                                      </p:cBhvr>
-                                      <p:to>
-                                        <p:strVal val="visible"/>
-                                      </p:to>
-                                    </p:set>
-                                    <p:animEffect transition="in" filter="fade">
-                                      <p:cBhvr>
-                                        <p:cTn id="56" dur="500"/>
-                                        <p:tgtEl>
-                                          <p:spTgt spid="6">
-                                            <p:txEl>
-                                              <p:pRg st="15" end="15"/>
-                                            </p:txEl>
-                                          </p:spTgt>
-                                        </p:tgtEl>
-                                      </p:cBhvr>
-                                    </p:animEffect>
-                                  </p:childTnLst>
-                                </p:cTn>
-                              </p:par>
-                              <p:par>
-                                <p:cTn id="57" presetID="10" presetClass="entr" presetSubtype="0" fill="hold" nodeType="withEffect">
-                                  <p:stCondLst>
-                                    <p:cond delay="0"/>
-                                  </p:stCondLst>
-                                  <p:childTnLst>
-                                    <p:set>
-                                      <p:cBhvr>
-                                        <p:cTn id="58" dur="1" fill="hold">
-                                          <p:stCondLst>
-                                            <p:cond delay="0"/>
-                                          </p:stCondLst>
-                                        </p:cTn>
-                                        <p:tgtEl>
-                                          <p:spTgt spid="6">
-                                            <p:txEl>
-                                              <p:pRg st="16" end="16"/>
-                                            </p:txEl>
-                                          </p:spTgt>
-                                        </p:tgtEl>
-                                        <p:attrNameLst>
-                                          <p:attrName>style.visibility</p:attrName>
-                                        </p:attrNameLst>
-                                      </p:cBhvr>
-                                      <p:to>
-                                        <p:strVal val="visible"/>
-                                      </p:to>
-                                    </p:set>
-                                    <p:animEffect transition="in" filter="fade">
-                                      <p:cBhvr>
-                                        <p:cTn id="59" dur="500"/>
-                                        <p:tgtEl>
-                                          <p:spTgt spid="6">
-                                            <p:txEl>
-                                              <p:pRg st="16" end="16"/>
-                                            </p:txEl>
-                                          </p:spTgt>
-                                        </p:tgtEl>
-                                      </p:cBhvr>
-                                    </p:animEffect>
-                                  </p:childTnLst>
-                                </p:cTn>
-                              </p:par>
-                              <p:par>
-                                <p:cTn id="60" presetID="10" presetClass="entr" presetSubtype="0" fill="hold" nodeType="withEffect">
-                                  <p:stCondLst>
-                                    <p:cond delay="0"/>
-                                  </p:stCondLst>
-                                  <p:childTnLst>
-                                    <p:set>
-                                      <p:cBhvr>
-                                        <p:cTn id="61" dur="1" fill="hold">
-                                          <p:stCondLst>
-                                            <p:cond delay="0"/>
-                                          </p:stCondLst>
-                                        </p:cTn>
-                                        <p:tgtEl>
-                                          <p:spTgt spid="6">
-                                            <p:txEl>
-                                              <p:pRg st="17" end="17"/>
-                                            </p:txEl>
-                                          </p:spTgt>
-                                        </p:tgtEl>
-                                        <p:attrNameLst>
-                                          <p:attrName>style.visibility</p:attrName>
-                                        </p:attrNameLst>
-                                      </p:cBhvr>
-                                      <p:to>
-                                        <p:strVal val="visible"/>
-                                      </p:to>
-                                    </p:set>
-                                    <p:animEffect transition="in" filter="fade">
-                                      <p:cBhvr>
-                                        <p:cTn id="62" dur="500"/>
-                                        <p:tgtEl>
-                                          <p:spTgt spid="6">
-                                            <p:txEl>
-                                              <p:pRg st="17" end="17"/>
                                             </p:txEl>
                                           </p:spTgt>
                                         </p:tgtEl>
@@ -7768,6 +7053,1178 @@
         </p:nvSpPr>
         <p:spPr>
           <a:xfrm>
+            <a:off x="0" y="1"/>
+            <a:ext cx="9144000" cy="1057728"/>
+          </a:xfrm>
+        </p:spPr>
+        <p:txBody>
+          <a:bodyPr>
+            <a:normAutofit fontScale="90000"/>
+          </a:bodyPr>
+          <a:lstStyle/>
+          <a:p>
+            <a:r>
+              <a:rPr lang="en-SG" dirty="0" smtClean="0"/>
+              <a:t>1d. </a:t>
+            </a:r>
+            <a:r>
+              <a:rPr lang="en-SG" dirty="0" smtClean="0"/>
+              <a:t>Service, characteristic, descriptor</a:t>
+            </a:r>
+            <a:br>
+              <a:rPr lang="en-SG" dirty="0" smtClean="0"/>
+            </a:br>
+            <a:r>
+              <a:rPr lang="en-SG" sz="2800" dirty="0" smtClean="0"/>
+              <a:t>(All these are part of a peripheral’s GATT)</a:t>
+            </a:r>
+            <a:endParaRPr lang="en-SG" sz="2800" dirty="0"/>
+          </a:p>
+        </p:txBody>
+      </p:sp>
+      <p:sp>
+        <p:nvSpPr>
+          <p:cNvPr id="6" name="Content Placeholder 2"/>
+          <p:cNvSpPr>
+            <a:spLocks noGrp="1"/>
+          </p:cNvSpPr>
+          <p:nvPr>
+            <p:ph idx="1"/>
+          </p:nvPr>
+        </p:nvSpPr>
+        <p:spPr>
+          <a:xfrm>
+            <a:off x="0" y="1032615"/>
+            <a:ext cx="9035143" cy="5688861"/>
+          </a:xfrm>
+        </p:spPr>
+        <p:txBody>
+          <a:bodyPr>
+            <a:noAutofit/>
+          </a:bodyPr>
+          <a:lstStyle/>
+          <a:p>
+            <a:r>
+              <a:rPr lang="en-SG" sz="1800" b="1" dirty="0" smtClean="0"/>
+              <a:t>Service</a:t>
+            </a:r>
+          </a:p>
+          <a:p>
+            <a:pPr lvl="1"/>
+            <a:r>
+              <a:rPr lang="en-SG" sz="1800" dirty="0" smtClean="0"/>
+              <a:t>16-bit SIG services: Battery, Heart rate, Immediate Alert, </a:t>
+            </a:r>
+            <a:r>
+              <a:rPr lang="en-SG" sz="1800" dirty="0" err="1" smtClean="0"/>
+              <a:t>Tx</a:t>
+            </a:r>
+            <a:r>
+              <a:rPr lang="en-SG" sz="1800" dirty="0" smtClean="0"/>
+              <a:t> Power</a:t>
+            </a:r>
+          </a:p>
+          <a:p>
+            <a:pPr lvl="1"/>
+            <a:r>
+              <a:rPr lang="en-SG" sz="1800" dirty="0" smtClean="0"/>
+              <a:t>128-bit UUID for custom services</a:t>
+            </a:r>
+          </a:p>
+          <a:p>
+            <a:pPr lvl="1"/>
+            <a:r>
+              <a:rPr lang="en-SG" sz="1800" dirty="0" smtClean="0"/>
+              <a:t>Collection of characteristics</a:t>
+            </a:r>
+          </a:p>
+          <a:p>
+            <a:r>
+              <a:rPr lang="en-SG" sz="1800" b="1" dirty="0" smtClean="0"/>
+              <a:t>Characteristic</a:t>
+            </a:r>
+          </a:p>
+          <a:p>
+            <a:pPr lvl="1"/>
+            <a:r>
+              <a:rPr lang="en-SG" sz="1800" dirty="0" smtClean="0"/>
+              <a:t>Holds a value: String, </a:t>
+            </a:r>
+            <a:r>
+              <a:rPr lang="en-SG" sz="1800" dirty="0" err="1" smtClean="0"/>
+              <a:t>Int</a:t>
+            </a:r>
+            <a:r>
+              <a:rPr lang="en-SG" sz="1800" dirty="0" smtClean="0"/>
+              <a:t>, Char….. </a:t>
+            </a:r>
+          </a:p>
+          <a:p>
+            <a:pPr lvl="1"/>
+            <a:r>
+              <a:rPr lang="en-SG" sz="1800" dirty="0" smtClean="0"/>
+              <a:t>Can take on multiple properties:</a:t>
+            </a:r>
+          </a:p>
+          <a:p>
+            <a:pPr lvl="2"/>
+            <a:r>
+              <a:rPr lang="en-SG" sz="1800" u="sng" dirty="0" smtClean="0"/>
+              <a:t>Read</a:t>
+            </a:r>
+            <a:r>
+              <a:rPr lang="en-SG" sz="1800" dirty="0" smtClean="0"/>
+              <a:t>: Central can read this value directly</a:t>
+            </a:r>
+          </a:p>
+          <a:p>
+            <a:pPr lvl="2"/>
+            <a:r>
+              <a:rPr lang="en-SG" sz="1800" u="sng" dirty="0" smtClean="0"/>
+              <a:t>Write</a:t>
+            </a:r>
+            <a:r>
+              <a:rPr lang="en-SG" sz="1800" dirty="0" smtClean="0"/>
+              <a:t>: Central can write/change this value and be notified if executed successfully</a:t>
+            </a:r>
+          </a:p>
+          <a:p>
+            <a:pPr lvl="2"/>
+            <a:r>
+              <a:rPr lang="en-SG" sz="1800" u="sng" dirty="0" err="1" smtClean="0"/>
+              <a:t>WriteWithoutResponse</a:t>
+            </a:r>
+            <a:r>
+              <a:rPr lang="en-SG" sz="1800" dirty="0" smtClean="0"/>
+              <a:t>: Central just “fire and forget”</a:t>
+            </a:r>
+          </a:p>
+          <a:p>
+            <a:pPr lvl="2"/>
+            <a:r>
+              <a:rPr lang="en-SG" sz="1800" u="sng" dirty="0" smtClean="0"/>
+              <a:t>Notify</a:t>
+            </a:r>
+            <a:r>
+              <a:rPr lang="en-SG" sz="1800" dirty="0" smtClean="0"/>
+              <a:t>: Central gets alerted if the value has changed</a:t>
+            </a:r>
+          </a:p>
+          <a:p>
+            <a:pPr lvl="2"/>
+            <a:r>
+              <a:rPr lang="en-SG" sz="1800" dirty="0" smtClean="0"/>
+              <a:t>Others: </a:t>
+            </a:r>
+            <a:r>
+              <a:rPr lang="en-SG" sz="1800" u="sng" dirty="0"/>
+              <a:t>B</a:t>
+            </a:r>
+            <a:r>
+              <a:rPr lang="en-SG" sz="1800" u="sng" dirty="0" smtClean="0"/>
+              <a:t>roadcast, Indicate, </a:t>
+            </a:r>
+            <a:r>
+              <a:rPr lang="en-SG" sz="1800" u="sng" dirty="0" err="1" smtClean="0"/>
+              <a:t>SignedWrite</a:t>
+            </a:r>
+            <a:r>
+              <a:rPr lang="en-SG" sz="1800" u="sng" dirty="0" smtClean="0"/>
+              <a:t>, </a:t>
+            </a:r>
+            <a:r>
+              <a:rPr lang="en-SG" sz="1800" u="sng" dirty="0" err="1" smtClean="0"/>
+              <a:t>QueuedWrite</a:t>
+            </a:r>
+            <a:r>
+              <a:rPr lang="en-SG" sz="1800" u="sng" dirty="0" smtClean="0"/>
+              <a:t>, </a:t>
+            </a:r>
+            <a:r>
+              <a:rPr lang="en-SG" sz="1800" u="sng" dirty="0" err="1" smtClean="0"/>
+              <a:t>WritableAuxiliaries</a:t>
+            </a:r>
+            <a:endParaRPr lang="en-SG" sz="1800" u="sng" dirty="0" smtClean="0"/>
+          </a:p>
+          <a:p>
+            <a:pPr lvl="1"/>
+            <a:r>
+              <a:rPr lang="en-SG" sz="1800" dirty="0" smtClean="0"/>
+              <a:t>Collection of optional descriptors</a:t>
+            </a:r>
+          </a:p>
+          <a:p>
+            <a:r>
+              <a:rPr lang="en-SG" sz="1800" b="1" dirty="0" smtClean="0"/>
+              <a:t>Descriptor: </a:t>
+            </a:r>
+            <a:r>
+              <a:rPr lang="en-SG" sz="1800" dirty="0" smtClean="0"/>
+              <a:t>usually optional</a:t>
+            </a:r>
+          </a:p>
+          <a:p>
+            <a:pPr lvl="1"/>
+            <a:r>
+              <a:rPr lang="en-SG" sz="1800" dirty="0" smtClean="0"/>
+              <a:t>Holds a value</a:t>
+            </a:r>
+          </a:p>
+          <a:p>
+            <a:pPr lvl="1"/>
+            <a:r>
+              <a:rPr lang="en-SG" sz="1800" dirty="0" smtClean="0"/>
+              <a:t>Used to describe a characteristic (meta-data)</a:t>
+            </a:r>
+          </a:p>
+          <a:p>
+            <a:pPr lvl="1"/>
+            <a:r>
+              <a:rPr lang="en-SG" sz="1800" dirty="0" smtClean="0"/>
+              <a:t>Special case: Client </a:t>
+            </a:r>
+            <a:r>
+              <a:rPr lang="en-SG" sz="1800" dirty="0"/>
+              <a:t>Characteristic Configuration Descriptor </a:t>
+            </a:r>
+            <a:r>
+              <a:rPr lang="en-SG" sz="1800" dirty="0" smtClean="0"/>
+              <a:t>(0x2902)</a:t>
+            </a:r>
+          </a:p>
+          <a:p>
+            <a:pPr lvl="2"/>
+            <a:r>
+              <a:rPr lang="en-SG" sz="1800" dirty="0" smtClean="0"/>
+              <a:t>Usually automatically created for characteristics with “notify” property</a:t>
+            </a:r>
+            <a:endParaRPr lang="en-SG" sz="1800" dirty="0"/>
+          </a:p>
+        </p:txBody>
+      </p:sp>
+      <p:sp>
+        <p:nvSpPr>
+          <p:cNvPr id="4" name="Slide Number Placeholder 3"/>
+          <p:cNvSpPr>
+            <a:spLocks noGrp="1"/>
+          </p:cNvSpPr>
+          <p:nvPr>
+            <p:ph type="sldNum" sz="quarter" idx="12"/>
+          </p:nvPr>
+        </p:nvSpPr>
+        <p:spPr/>
+        <p:txBody>
+          <a:bodyPr/>
+          <a:lstStyle/>
+          <a:p>
+            <a:fld id="{D58B649F-BA72-4D5B-9DE7-B85048FCABD7}" type="slidenum">
+              <a:rPr lang="en-SG" smtClean="0"/>
+              <a:t>16</a:t>
+            </a:fld>
+            <a:endParaRPr lang="en-SG" dirty="0"/>
+          </a:p>
+        </p:txBody>
+      </p:sp>
+    </p:spTree>
+    <p:extLst>
+      <p:ext uri="{BB962C8B-B14F-4D97-AF65-F5344CB8AC3E}">
+        <p14:creationId xmlns:p14="http://schemas.microsoft.com/office/powerpoint/2010/main" val="7140918"/>
+      </p:ext>
+    </p:extLst>
+  </p:cSld>
+  <p:clrMapOvr>
+    <a:masterClrMapping/>
+  </p:clrMapOvr>
+  <p:timing>
+    <p:tnLst>
+      <p:par>
+        <p:cTn id="1" dur="indefinite" restart="never" nodeType="tmRoot">
+          <p:childTnLst>
+            <p:seq concurrent="1" nextAc="seek">
+              <p:cTn id="2" dur="indefinite" nodeType="mainSeq">
+                <p:childTnLst>
+                  <p:par>
+                    <p:cTn id="3" fill="hold">
+                      <p:stCondLst>
+                        <p:cond delay="indefinite"/>
+                      </p:stCondLst>
+                      <p:childTnLst>
+                        <p:par>
+                          <p:cTn id="4" fill="hold">
+                            <p:stCondLst>
+                              <p:cond delay="0"/>
+                            </p:stCondLst>
+                            <p:childTnLst>
+                              <p:par>
+                                <p:cTn id="5" presetID="10" presetClass="entr" presetSubtype="0" fill="hold" nodeType="clickEffect">
+                                  <p:stCondLst>
+                                    <p:cond delay="0"/>
+                                  </p:stCondLst>
+                                  <p:childTnLst>
+                                    <p:set>
+                                      <p:cBhvr>
+                                        <p:cTn id="6" dur="1" fill="hold">
+                                          <p:stCondLst>
+                                            <p:cond delay="0"/>
+                                          </p:stCondLst>
+                                        </p:cTn>
+                                        <p:tgtEl>
+                                          <p:spTgt spid="6">
+                                            <p:txEl>
+                                              <p:pRg st="0" end="0"/>
+                                            </p:txEl>
+                                          </p:spTgt>
+                                        </p:tgtEl>
+                                        <p:attrNameLst>
+                                          <p:attrName>style.visibility</p:attrName>
+                                        </p:attrNameLst>
+                                      </p:cBhvr>
+                                      <p:to>
+                                        <p:strVal val="visible"/>
+                                      </p:to>
+                                    </p:set>
+                                    <p:animEffect transition="in" filter="fade">
+                                      <p:cBhvr>
+                                        <p:cTn id="7" dur="500"/>
+                                        <p:tgtEl>
+                                          <p:spTgt spid="6">
+                                            <p:txEl>
+                                              <p:pRg st="0" end="0"/>
+                                            </p:txEl>
+                                          </p:spTgt>
+                                        </p:tgtEl>
+                                      </p:cBhvr>
+                                    </p:animEffect>
+                                  </p:childTnLst>
+                                </p:cTn>
+                              </p:par>
+                              <p:par>
+                                <p:cTn id="8" presetID="10" presetClass="entr" presetSubtype="0" fill="hold" nodeType="withEffect">
+                                  <p:stCondLst>
+                                    <p:cond delay="0"/>
+                                  </p:stCondLst>
+                                  <p:childTnLst>
+                                    <p:set>
+                                      <p:cBhvr>
+                                        <p:cTn id="9" dur="1" fill="hold">
+                                          <p:stCondLst>
+                                            <p:cond delay="0"/>
+                                          </p:stCondLst>
+                                        </p:cTn>
+                                        <p:tgtEl>
+                                          <p:spTgt spid="6">
+                                            <p:txEl>
+                                              <p:pRg st="1" end="1"/>
+                                            </p:txEl>
+                                          </p:spTgt>
+                                        </p:tgtEl>
+                                        <p:attrNameLst>
+                                          <p:attrName>style.visibility</p:attrName>
+                                        </p:attrNameLst>
+                                      </p:cBhvr>
+                                      <p:to>
+                                        <p:strVal val="visible"/>
+                                      </p:to>
+                                    </p:set>
+                                    <p:animEffect transition="in" filter="fade">
+                                      <p:cBhvr>
+                                        <p:cTn id="10" dur="500"/>
+                                        <p:tgtEl>
+                                          <p:spTgt spid="6">
+                                            <p:txEl>
+                                              <p:pRg st="1" end="1"/>
+                                            </p:txEl>
+                                          </p:spTgt>
+                                        </p:tgtEl>
+                                      </p:cBhvr>
+                                    </p:animEffect>
+                                  </p:childTnLst>
+                                </p:cTn>
+                              </p:par>
+                              <p:par>
+                                <p:cTn id="11" presetID="10" presetClass="entr" presetSubtype="0" fill="hold" nodeType="withEffect">
+                                  <p:stCondLst>
+                                    <p:cond delay="0"/>
+                                  </p:stCondLst>
+                                  <p:childTnLst>
+                                    <p:set>
+                                      <p:cBhvr>
+                                        <p:cTn id="12" dur="1" fill="hold">
+                                          <p:stCondLst>
+                                            <p:cond delay="0"/>
+                                          </p:stCondLst>
+                                        </p:cTn>
+                                        <p:tgtEl>
+                                          <p:spTgt spid="6">
+                                            <p:txEl>
+                                              <p:pRg st="2" end="2"/>
+                                            </p:txEl>
+                                          </p:spTgt>
+                                        </p:tgtEl>
+                                        <p:attrNameLst>
+                                          <p:attrName>style.visibility</p:attrName>
+                                        </p:attrNameLst>
+                                      </p:cBhvr>
+                                      <p:to>
+                                        <p:strVal val="visible"/>
+                                      </p:to>
+                                    </p:set>
+                                    <p:animEffect transition="in" filter="fade">
+                                      <p:cBhvr>
+                                        <p:cTn id="13" dur="500"/>
+                                        <p:tgtEl>
+                                          <p:spTgt spid="6">
+                                            <p:txEl>
+                                              <p:pRg st="2" end="2"/>
+                                            </p:txEl>
+                                          </p:spTgt>
+                                        </p:tgtEl>
+                                      </p:cBhvr>
+                                    </p:animEffect>
+                                  </p:childTnLst>
+                                </p:cTn>
+                              </p:par>
+                              <p:par>
+                                <p:cTn id="14" presetID="10" presetClass="entr" presetSubtype="0" fill="hold" nodeType="withEffect">
+                                  <p:stCondLst>
+                                    <p:cond delay="0"/>
+                                  </p:stCondLst>
+                                  <p:childTnLst>
+                                    <p:set>
+                                      <p:cBhvr>
+                                        <p:cTn id="15" dur="1" fill="hold">
+                                          <p:stCondLst>
+                                            <p:cond delay="0"/>
+                                          </p:stCondLst>
+                                        </p:cTn>
+                                        <p:tgtEl>
+                                          <p:spTgt spid="6">
+                                            <p:txEl>
+                                              <p:pRg st="3" end="3"/>
+                                            </p:txEl>
+                                          </p:spTgt>
+                                        </p:tgtEl>
+                                        <p:attrNameLst>
+                                          <p:attrName>style.visibility</p:attrName>
+                                        </p:attrNameLst>
+                                      </p:cBhvr>
+                                      <p:to>
+                                        <p:strVal val="visible"/>
+                                      </p:to>
+                                    </p:set>
+                                    <p:animEffect transition="in" filter="fade">
+                                      <p:cBhvr>
+                                        <p:cTn id="16" dur="500"/>
+                                        <p:tgtEl>
+                                          <p:spTgt spid="6">
+                                            <p:txEl>
+                                              <p:pRg st="3" end="3"/>
+                                            </p:txEl>
+                                          </p:spTgt>
+                                        </p:tgtEl>
+                                      </p:cBhvr>
+                                    </p:animEffect>
+                                  </p:childTnLst>
+                                </p:cTn>
+                              </p:par>
+                            </p:childTnLst>
+                          </p:cTn>
+                        </p:par>
+                      </p:childTnLst>
+                    </p:cTn>
+                  </p:par>
+                  <p:par>
+                    <p:cTn id="17" fill="hold">
+                      <p:stCondLst>
+                        <p:cond delay="indefinite"/>
+                      </p:stCondLst>
+                      <p:childTnLst>
+                        <p:par>
+                          <p:cTn id="18" fill="hold">
+                            <p:stCondLst>
+                              <p:cond delay="0"/>
+                            </p:stCondLst>
+                            <p:childTnLst>
+                              <p:par>
+                                <p:cTn id="19" presetID="10" presetClass="entr" presetSubtype="0" fill="hold" nodeType="clickEffect">
+                                  <p:stCondLst>
+                                    <p:cond delay="0"/>
+                                  </p:stCondLst>
+                                  <p:childTnLst>
+                                    <p:set>
+                                      <p:cBhvr>
+                                        <p:cTn id="20" dur="1" fill="hold">
+                                          <p:stCondLst>
+                                            <p:cond delay="0"/>
+                                          </p:stCondLst>
+                                        </p:cTn>
+                                        <p:tgtEl>
+                                          <p:spTgt spid="6">
+                                            <p:txEl>
+                                              <p:pRg st="4" end="4"/>
+                                            </p:txEl>
+                                          </p:spTgt>
+                                        </p:tgtEl>
+                                        <p:attrNameLst>
+                                          <p:attrName>style.visibility</p:attrName>
+                                        </p:attrNameLst>
+                                      </p:cBhvr>
+                                      <p:to>
+                                        <p:strVal val="visible"/>
+                                      </p:to>
+                                    </p:set>
+                                    <p:animEffect transition="in" filter="fade">
+                                      <p:cBhvr>
+                                        <p:cTn id="21" dur="500"/>
+                                        <p:tgtEl>
+                                          <p:spTgt spid="6">
+                                            <p:txEl>
+                                              <p:pRg st="4" end="4"/>
+                                            </p:txEl>
+                                          </p:spTgt>
+                                        </p:tgtEl>
+                                      </p:cBhvr>
+                                    </p:animEffect>
+                                  </p:childTnLst>
+                                </p:cTn>
+                              </p:par>
+                              <p:par>
+                                <p:cTn id="22" presetID="10" presetClass="entr" presetSubtype="0" fill="hold" nodeType="withEffect">
+                                  <p:stCondLst>
+                                    <p:cond delay="0"/>
+                                  </p:stCondLst>
+                                  <p:childTnLst>
+                                    <p:set>
+                                      <p:cBhvr>
+                                        <p:cTn id="23" dur="1" fill="hold">
+                                          <p:stCondLst>
+                                            <p:cond delay="0"/>
+                                          </p:stCondLst>
+                                        </p:cTn>
+                                        <p:tgtEl>
+                                          <p:spTgt spid="6">
+                                            <p:txEl>
+                                              <p:pRg st="5" end="5"/>
+                                            </p:txEl>
+                                          </p:spTgt>
+                                        </p:tgtEl>
+                                        <p:attrNameLst>
+                                          <p:attrName>style.visibility</p:attrName>
+                                        </p:attrNameLst>
+                                      </p:cBhvr>
+                                      <p:to>
+                                        <p:strVal val="visible"/>
+                                      </p:to>
+                                    </p:set>
+                                    <p:animEffect transition="in" filter="fade">
+                                      <p:cBhvr>
+                                        <p:cTn id="24" dur="500"/>
+                                        <p:tgtEl>
+                                          <p:spTgt spid="6">
+                                            <p:txEl>
+                                              <p:pRg st="5" end="5"/>
+                                            </p:txEl>
+                                          </p:spTgt>
+                                        </p:tgtEl>
+                                      </p:cBhvr>
+                                    </p:animEffect>
+                                  </p:childTnLst>
+                                </p:cTn>
+                              </p:par>
+                              <p:par>
+                                <p:cTn id="25" presetID="10" presetClass="entr" presetSubtype="0" fill="hold" nodeType="withEffect">
+                                  <p:stCondLst>
+                                    <p:cond delay="0"/>
+                                  </p:stCondLst>
+                                  <p:childTnLst>
+                                    <p:set>
+                                      <p:cBhvr>
+                                        <p:cTn id="26" dur="1" fill="hold">
+                                          <p:stCondLst>
+                                            <p:cond delay="0"/>
+                                          </p:stCondLst>
+                                        </p:cTn>
+                                        <p:tgtEl>
+                                          <p:spTgt spid="6">
+                                            <p:txEl>
+                                              <p:pRg st="6" end="6"/>
+                                            </p:txEl>
+                                          </p:spTgt>
+                                        </p:tgtEl>
+                                        <p:attrNameLst>
+                                          <p:attrName>style.visibility</p:attrName>
+                                        </p:attrNameLst>
+                                      </p:cBhvr>
+                                      <p:to>
+                                        <p:strVal val="visible"/>
+                                      </p:to>
+                                    </p:set>
+                                    <p:animEffect transition="in" filter="fade">
+                                      <p:cBhvr>
+                                        <p:cTn id="27" dur="500"/>
+                                        <p:tgtEl>
+                                          <p:spTgt spid="6">
+                                            <p:txEl>
+                                              <p:pRg st="6" end="6"/>
+                                            </p:txEl>
+                                          </p:spTgt>
+                                        </p:tgtEl>
+                                      </p:cBhvr>
+                                    </p:animEffect>
+                                  </p:childTnLst>
+                                </p:cTn>
+                              </p:par>
+                              <p:par>
+                                <p:cTn id="28" presetID="10" presetClass="entr" presetSubtype="0" fill="hold" nodeType="withEffect">
+                                  <p:stCondLst>
+                                    <p:cond delay="0"/>
+                                  </p:stCondLst>
+                                  <p:childTnLst>
+                                    <p:set>
+                                      <p:cBhvr>
+                                        <p:cTn id="29" dur="1" fill="hold">
+                                          <p:stCondLst>
+                                            <p:cond delay="0"/>
+                                          </p:stCondLst>
+                                        </p:cTn>
+                                        <p:tgtEl>
+                                          <p:spTgt spid="6">
+                                            <p:txEl>
+                                              <p:pRg st="7" end="7"/>
+                                            </p:txEl>
+                                          </p:spTgt>
+                                        </p:tgtEl>
+                                        <p:attrNameLst>
+                                          <p:attrName>style.visibility</p:attrName>
+                                        </p:attrNameLst>
+                                      </p:cBhvr>
+                                      <p:to>
+                                        <p:strVal val="visible"/>
+                                      </p:to>
+                                    </p:set>
+                                    <p:animEffect transition="in" filter="fade">
+                                      <p:cBhvr>
+                                        <p:cTn id="30" dur="500"/>
+                                        <p:tgtEl>
+                                          <p:spTgt spid="6">
+                                            <p:txEl>
+                                              <p:pRg st="7" end="7"/>
+                                            </p:txEl>
+                                          </p:spTgt>
+                                        </p:tgtEl>
+                                      </p:cBhvr>
+                                    </p:animEffect>
+                                  </p:childTnLst>
+                                </p:cTn>
+                              </p:par>
+                              <p:par>
+                                <p:cTn id="31" presetID="10" presetClass="entr" presetSubtype="0" fill="hold" nodeType="withEffect">
+                                  <p:stCondLst>
+                                    <p:cond delay="0"/>
+                                  </p:stCondLst>
+                                  <p:childTnLst>
+                                    <p:set>
+                                      <p:cBhvr>
+                                        <p:cTn id="32" dur="1" fill="hold">
+                                          <p:stCondLst>
+                                            <p:cond delay="0"/>
+                                          </p:stCondLst>
+                                        </p:cTn>
+                                        <p:tgtEl>
+                                          <p:spTgt spid="6">
+                                            <p:txEl>
+                                              <p:pRg st="8" end="8"/>
+                                            </p:txEl>
+                                          </p:spTgt>
+                                        </p:tgtEl>
+                                        <p:attrNameLst>
+                                          <p:attrName>style.visibility</p:attrName>
+                                        </p:attrNameLst>
+                                      </p:cBhvr>
+                                      <p:to>
+                                        <p:strVal val="visible"/>
+                                      </p:to>
+                                    </p:set>
+                                    <p:animEffect transition="in" filter="fade">
+                                      <p:cBhvr>
+                                        <p:cTn id="33" dur="500"/>
+                                        <p:tgtEl>
+                                          <p:spTgt spid="6">
+                                            <p:txEl>
+                                              <p:pRg st="8" end="8"/>
+                                            </p:txEl>
+                                          </p:spTgt>
+                                        </p:tgtEl>
+                                      </p:cBhvr>
+                                    </p:animEffect>
+                                  </p:childTnLst>
+                                </p:cTn>
+                              </p:par>
+                              <p:par>
+                                <p:cTn id="34" presetID="10" presetClass="entr" presetSubtype="0" fill="hold" nodeType="withEffect">
+                                  <p:stCondLst>
+                                    <p:cond delay="0"/>
+                                  </p:stCondLst>
+                                  <p:childTnLst>
+                                    <p:set>
+                                      <p:cBhvr>
+                                        <p:cTn id="35" dur="1" fill="hold">
+                                          <p:stCondLst>
+                                            <p:cond delay="0"/>
+                                          </p:stCondLst>
+                                        </p:cTn>
+                                        <p:tgtEl>
+                                          <p:spTgt spid="6">
+                                            <p:txEl>
+                                              <p:pRg st="9" end="9"/>
+                                            </p:txEl>
+                                          </p:spTgt>
+                                        </p:tgtEl>
+                                        <p:attrNameLst>
+                                          <p:attrName>style.visibility</p:attrName>
+                                        </p:attrNameLst>
+                                      </p:cBhvr>
+                                      <p:to>
+                                        <p:strVal val="visible"/>
+                                      </p:to>
+                                    </p:set>
+                                    <p:animEffect transition="in" filter="fade">
+                                      <p:cBhvr>
+                                        <p:cTn id="36" dur="500"/>
+                                        <p:tgtEl>
+                                          <p:spTgt spid="6">
+                                            <p:txEl>
+                                              <p:pRg st="9" end="9"/>
+                                            </p:txEl>
+                                          </p:spTgt>
+                                        </p:tgtEl>
+                                      </p:cBhvr>
+                                    </p:animEffect>
+                                  </p:childTnLst>
+                                </p:cTn>
+                              </p:par>
+                              <p:par>
+                                <p:cTn id="37" presetID="10" presetClass="entr" presetSubtype="0" fill="hold" nodeType="withEffect">
+                                  <p:stCondLst>
+                                    <p:cond delay="0"/>
+                                  </p:stCondLst>
+                                  <p:childTnLst>
+                                    <p:set>
+                                      <p:cBhvr>
+                                        <p:cTn id="38" dur="1" fill="hold">
+                                          <p:stCondLst>
+                                            <p:cond delay="0"/>
+                                          </p:stCondLst>
+                                        </p:cTn>
+                                        <p:tgtEl>
+                                          <p:spTgt spid="6">
+                                            <p:txEl>
+                                              <p:pRg st="10" end="10"/>
+                                            </p:txEl>
+                                          </p:spTgt>
+                                        </p:tgtEl>
+                                        <p:attrNameLst>
+                                          <p:attrName>style.visibility</p:attrName>
+                                        </p:attrNameLst>
+                                      </p:cBhvr>
+                                      <p:to>
+                                        <p:strVal val="visible"/>
+                                      </p:to>
+                                    </p:set>
+                                    <p:animEffect transition="in" filter="fade">
+                                      <p:cBhvr>
+                                        <p:cTn id="39" dur="500"/>
+                                        <p:tgtEl>
+                                          <p:spTgt spid="6">
+                                            <p:txEl>
+                                              <p:pRg st="10" end="10"/>
+                                            </p:txEl>
+                                          </p:spTgt>
+                                        </p:tgtEl>
+                                      </p:cBhvr>
+                                    </p:animEffect>
+                                  </p:childTnLst>
+                                </p:cTn>
+                              </p:par>
+                              <p:par>
+                                <p:cTn id="40" presetID="10" presetClass="entr" presetSubtype="0" fill="hold" nodeType="withEffect">
+                                  <p:stCondLst>
+                                    <p:cond delay="0"/>
+                                  </p:stCondLst>
+                                  <p:childTnLst>
+                                    <p:set>
+                                      <p:cBhvr>
+                                        <p:cTn id="41" dur="1" fill="hold">
+                                          <p:stCondLst>
+                                            <p:cond delay="0"/>
+                                          </p:stCondLst>
+                                        </p:cTn>
+                                        <p:tgtEl>
+                                          <p:spTgt spid="6">
+                                            <p:txEl>
+                                              <p:pRg st="11" end="11"/>
+                                            </p:txEl>
+                                          </p:spTgt>
+                                        </p:tgtEl>
+                                        <p:attrNameLst>
+                                          <p:attrName>style.visibility</p:attrName>
+                                        </p:attrNameLst>
+                                      </p:cBhvr>
+                                      <p:to>
+                                        <p:strVal val="visible"/>
+                                      </p:to>
+                                    </p:set>
+                                    <p:animEffect transition="in" filter="fade">
+                                      <p:cBhvr>
+                                        <p:cTn id="42" dur="500"/>
+                                        <p:tgtEl>
+                                          <p:spTgt spid="6">
+                                            <p:txEl>
+                                              <p:pRg st="11" end="11"/>
+                                            </p:txEl>
+                                          </p:spTgt>
+                                        </p:tgtEl>
+                                      </p:cBhvr>
+                                    </p:animEffect>
+                                  </p:childTnLst>
+                                </p:cTn>
+                              </p:par>
+                              <p:par>
+                                <p:cTn id="43" presetID="10" presetClass="entr" presetSubtype="0" fill="hold" nodeType="withEffect">
+                                  <p:stCondLst>
+                                    <p:cond delay="0"/>
+                                  </p:stCondLst>
+                                  <p:childTnLst>
+                                    <p:set>
+                                      <p:cBhvr>
+                                        <p:cTn id="44" dur="1" fill="hold">
+                                          <p:stCondLst>
+                                            <p:cond delay="0"/>
+                                          </p:stCondLst>
+                                        </p:cTn>
+                                        <p:tgtEl>
+                                          <p:spTgt spid="6">
+                                            <p:txEl>
+                                              <p:pRg st="12" end="12"/>
+                                            </p:txEl>
+                                          </p:spTgt>
+                                        </p:tgtEl>
+                                        <p:attrNameLst>
+                                          <p:attrName>style.visibility</p:attrName>
+                                        </p:attrNameLst>
+                                      </p:cBhvr>
+                                      <p:to>
+                                        <p:strVal val="visible"/>
+                                      </p:to>
+                                    </p:set>
+                                    <p:animEffect transition="in" filter="fade">
+                                      <p:cBhvr>
+                                        <p:cTn id="45" dur="500"/>
+                                        <p:tgtEl>
+                                          <p:spTgt spid="6">
+                                            <p:txEl>
+                                              <p:pRg st="12" end="12"/>
+                                            </p:txEl>
+                                          </p:spTgt>
+                                        </p:tgtEl>
+                                      </p:cBhvr>
+                                    </p:animEffect>
+                                  </p:childTnLst>
+                                </p:cTn>
+                              </p:par>
+                            </p:childTnLst>
+                          </p:cTn>
+                        </p:par>
+                      </p:childTnLst>
+                    </p:cTn>
+                  </p:par>
+                  <p:par>
+                    <p:cTn id="46" fill="hold">
+                      <p:stCondLst>
+                        <p:cond delay="indefinite"/>
+                      </p:stCondLst>
+                      <p:childTnLst>
+                        <p:par>
+                          <p:cTn id="47" fill="hold">
+                            <p:stCondLst>
+                              <p:cond delay="0"/>
+                            </p:stCondLst>
+                            <p:childTnLst>
+                              <p:par>
+                                <p:cTn id="48" presetID="10" presetClass="entr" presetSubtype="0" fill="hold" nodeType="clickEffect">
+                                  <p:stCondLst>
+                                    <p:cond delay="0"/>
+                                  </p:stCondLst>
+                                  <p:childTnLst>
+                                    <p:set>
+                                      <p:cBhvr>
+                                        <p:cTn id="49" dur="1" fill="hold">
+                                          <p:stCondLst>
+                                            <p:cond delay="0"/>
+                                          </p:stCondLst>
+                                        </p:cTn>
+                                        <p:tgtEl>
+                                          <p:spTgt spid="6">
+                                            <p:txEl>
+                                              <p:pRg st="13" end="13"/>
+                                            </p:txEl>
+                                          </p:spTgt>
+                                        </p:tgtEl>
+                                        <p:attrNameLst>
+                                          <p:attrName>style.visibility</p:attrName>
+                                        </p:attrNameLst>
+                                      </p:cBhvr>
+                                      <p:to>
+                                        <p:strVal val="visible"/>
+                                      </p:to>
+                                    </p:set>
+                                    <p:animEffect transition="in" filter="fade">
+                                      <p:cBhvr>
+                                        <p:cTn id="50" dur="500"/>
+                                        <p:tgtEl>
+                                          <p:spTgt spid="6">
+                                            <p:txEl>
+                                              <p:pRg st="13" end="13"/>
+                                            </p:txEl>
+                                          </p:spTgt>
+                                        </p:tgtEl>
+                                      </p:cBhvr>
+                                    </p:animEffect>
+                                  </p:childTnLst>
+                                </p:cTn>
+                              </p:par>
+                              <p:par>
+                                <p:cTn id="51" presetID="10" presetClass="entr" presetSubtype="0" fill="hold" nodeType="withEffect">
+                                  <p:stCondLst>
+                                    <p:cond delay="0"/>
+                                  </p:stCondLst>
+                                  <p:childTnLst>
+                                    <p:set>
+                                      <p:cBhvr>
+                                        <p:cTn id="52" dur="1" fill="hold">
+                                          <p:stCondLst>
+                                            <p:cond delay="0"/>
+                                          </p:stCondLst>
+                                        </p:cTn>
+                                        <p:tgtEl>
+                                          <p:spTgt spid="6">
+                                            <p:txEl>
+                                              <p:pRg st="14" end="14"/>
+                                            </p:txEl>
+                                          </p:spTgt>
+                                        </p:tgtEl>
+                                        <p:attrNameLst>
+                                          <p:attrName>style.visibility</p:attrName>
+                                        </p:attrNameLst>
+                                      </p:cBhvr>
+                                      <p:to>
+                                        <p:strVal val="visible"/>
+                                      </p:to>
+                                    </p:set>
+                                    <p:animEffect transition="in" filter="fade">
+                                      <p:cBhvr>
+                                        <p:cTn id="53" dur="500"/>
+                                        <p:tgtEl>
+                                          <p:spTgt spid="6">
+                                            <p:txEl>
+                                              <p:pRg st="14" end="14"/>
+                                            </p:txEl>
+                                          </p:spTgt>
+                                        </p:tgtEl>
+                                      </p:cBhvr>
+                                    </p:animEffect>
+                                  </p:childTnLst>
+                                </p:cTn>
+                              </p:par>
+                              <p:par>
+                                <p:cTn id="54" presetID="10" presetClass="entr" presetSubtype="0" fill="hold" nodeType="withEffect">
+                                  <p:stCondLst>
+                                    <p:cond delay="0"/>
+                                  </p:stCondLst>
+                                  <p:childTnLst>
+                                    <p:set>
+                                      <p:cBhvr>
+                                        <p:cTn id="55" dur="1" fill="hold">
+                                          <p:stCondLst>
+                                            <p:cond delay="0"/>
+                                          </p:stCondLst>
+                                        </p:cTn>
+                                        <p:tgtEl>
+                                          <p:spTgt spid="6">
+                                            <p:txEl>
+                                              <p:pRg st="15" end="15"/>
+                                            </p:txEl>
+                                          </p:spTgt>
+                                        </p:tgtEl>
+                                        <p:attrNameLst>
+                                          <p:attrName>style.visibility</p:attrName>
+                                        </p:attrNameLst>
+                                      </p:cBhvr>
+                                      <p:to>
+                                        <p:strVal val="visible"/>
+                                      </p:to>
+                                    </p:set>
+                                    <p:animEffect transition="in" filter="fade">
+                                      <p:cBhvr>
+                                        <p:cTn id="56" dur="500"/>
+                                        <p:tgtEl>
+                                          <p:spTgt spid="6">
+                                            <p:txEl>
+                                              <p:pRg st="15" end="15"/>
+                                            </p:txEl>
+                                          </p:spTgt>
+                                        </p:tgtEl>
+                                      </p:cBhvr>
+                                    </p:animEffect>
+                                  </p:childTnLst>
+                                </p:cTn>
+                              </p:par>
+                              <p:par>
+                                <p:cTn id="57" presetID="10" presetClass="entr" presetSubtype="0" fill="hold" nodeType="withEffect">
+                                  <p:stCondLst>
+                                    <p:cond delay="0"/>
+                                  </p:stCondLst>
+                                  <p:childTnLst>
+                                    <p:set>
+                                      <p:cBhvr>
+                                        <p:cTn id="58" dur="1" fill="hold">
+                                          <p:stCondLst>
+                                            <p:cond delay="0"/>
+                                          </p:stCondLst>
+                                        </p:cTn>
+                                        <p:tgtEl>
+                                          <p:spTgt spid="6">
+                                            <p:txEl>
+                                              <p:pRg st="16" end="16"/>
+                                            </p:txEl>
+                                          </p:spTgt>
+                                        </p:tgtEl>
+                                        <p:attrNameLst>
+                                          <p:attrName>style.visibility</p:attrName>
+                                        </p:attrNameLst>
+                                      </p:cBhvr>
+                                      <p:to>
+                                        <p:strVal val="visible"/>
+                                      </p:to>
+                                    </p:set>
+                                    <p:animEffect transition="in" filter="fade">
+                                      <p:cBhvr>
+                                        <p:cTn id="59" dur="500"/>
+                                        <p:tgtEl>
+                                          <p:spTgt spid="6">
+                                            <p:txEl>
+                                              <p:pRg st="16" end="16"/>
+                                            </p:txEl>
+                                          </p:spTgt>
+                                        </p:tgtEl>
+                                      </p:cBhvr>
+                                    </p:animEffect>
+                                  </p:childTnLst>
+                                </p:cTn>
+                              </p:par>
+                              <p:par>
+                                <p:cTn id="60" presetID="10" presetClass="entr" presetSubtype="0" fill="hold" nodeType="withEffect">
+                                  <p:stCondLst>
+                                    <p:cond delay="0"/>
+                                  </p:stCondLst>
+                                  <p:childTnLst>
+                                    <p:set>
+                                      <p:cBhvr>
+                                        <p:cTn id="61" dur="1" fill="hold">
+                                          <p:stCondLst>
+                                            <p:cond delay="0"/>
+                                          </p:stCondLst>
+                                        </p:cTn>
+                                        <p:tgtEl>
+                                          <p:spTgt spid="6">
+                                            <p:txEl>
+                                              <p:pRg st="17" end="17"/>
+                                            </p:txEl>
+                                          </p:spTgt>
+                                        </p:tgtEl>
+                                        <p:attrNameLst>
+                                          <p:attrName>style.visibility</p:attrName>
+                                        </p:attrNameLst>
+                                      </p:cBhvr>
+                                      <p:to>
+                                        <p:strVal val="visible"/>
+                                      </p:to>
+                                    </p:set>
+                                    <p:animEffect transition="in" filter="fade">
+                                      <p:cBhvr>
+                                        <p:cTn id="62" dur="500"/>
+                                        <p:tgtEl>
+                                          <p:spTgt spid="6">
+                                            <p:txEl>
+                                              <p:pRg st="17" end="17"/>
+                                            </p:txEl>
+                                          </p:spTgt>
+                                        </p:tgtEl>
+                                      </p:cBhvr>
+                                    </p:animEffect>
+                                  </p:childTnLst>
+                                </p:cTn>
+                              </p:par>
+                            </p:childTnLst>
+                          </p:cTn>
+                        </p:par>
+                      </p:childTnLst>
+                    </p:cTn>
+                  </p:par>
+                </p:childTnLst>
+              </p:cTn>
+              <p:prevCondLst>
+                <p:cond evt="onPrev" delay="0">
+                  <p:tgtEl>
+                    <p:sldTgt/>
+                  </p:tgtEl>
+                </p:cond>
+              </p:prevCondLst>
+              <p:nextCondLst>
+                <p:cond evt="onNext" delay="0">
+                  <p:tgtEl>
+                    <p:sldTgt/>
+                  </p:tgtEl>
+                </p:cond>
+              </p:nextCondLst>
+            </p:seq>
+          </p:childTnLst>
+        </p:cTn>
+      </p:par>
+    </p:tnLst>
+  </p:timing>
+</p:sld>
+</file>
+
+<file path=ppt/slides/slide17.xml><?xml version="1.0" encoding="utf-8"?>
+<p:sld xmlns:a="http://schemas.openxmlformats.org/drawingml/2006/main" xmlns:r="http://schemas.openxmlformats.org/officeDocument/2006/relationships" xmlns:p="http://schemas.openxmlformats.org/presentationml/2006/main">
+  <p:cSld>
+    <p:spTree>
+      <p:nvGrpSpPr>
+        <p:cNvPr id="1" name=""/>
+        <p:cNvGrpSpPr/>
+        <p:nvPr/>
+      </p:nvGrpSpPr>
+      <p:grpSpPr>
+        <a:xfrm>
+          <a:off x="0" y="0"/>
+          <a:ext cx="0" cy="0"/>
+          <a:chOff x="0" y="0"/>
+          <a:chExt cx="0" cy="0"/>
+        </a:xfrm>
+      </p:grpSpPr>
+      <p:sp>
+        <p:nvSpPr>
+          <p:cNvPr id="2" name="Title 1"/>
+          <p:cNvSpPr>
+            <a:spLocks noGrp="1"/>
+          </p:cNvSpPr>
+          <p:nvPr>
+            <p:ph type="title"/>
+          </p:nvPr>
+        </p:nvSpPr>
+        <p:spPr>
+          <a:xfrm>
             <a:off x="233589" y="46974"/>
             <a:ext cx="8704036" cy="820738"/>
           </a:xfrm>
@@ -7778,7 +8235,11 @@
           <a:p>
             <a:r>
               <a:rPr lang="en-SG" dirty="0" smtClean="0"/>
-              <a:t>1c. Service, </a:t>
+              <a:t>1d. </a:t>
+            </a:r>
+            <a:r>
+              <a:rPr lang="en-SG" dirty="0" smtClean="0"/>
+              <a:t>Service, </a:t>
             </a:r>
             <a:r>
               <a:rPr lang="en-SG" dirty="0"/>
@@ -8330,7 +8791,7 @@
           <a:p>
             <a:fld id="{D58B649F-BA72-4D5B-9DE7-B85048FCABD7}" type="slidenum">
               <a:rPr lang="en-SG" smtClean="0"/>
-              <a:t>16</a:t>
+              <a:t>17</a:t>
             </a:fld>
             <a:endParaRPr lang="en-SG" dirty="0"/>
           </a:p>
@@ -8777,7 +9238,7 @@
 </p:sld>
 </file>
 
-<file path=ppt/slides/slide17.xml><?xml version="1.0" encoding="utf-8"?>
+<file path=ppt/slides/slide18.xml><?xml version="1.0" encoding="utf-8"?>
 <p:sld xmlns:a="http://schemas.openxmlformats.org/drawingml/2006/main" xmlns:r="http://schemas.openxmlformats.org/officeDocument/2006/relationships" xmlns:p="http://schemas.openxmlformats.org/presentationml/2006/main">
   <p:cSld>
     <p:spTree>
@@ -8818,7 +9279,11 @@
           <a:p>
             <a:r>
               <a:rPr lang="en-SG" sz="3600" dirty="0" smtClean="0"/>
-              <a:t>1d. BLE connection procedure</a:t>
+              <a:t>1e. </a:t>
+            </a:r>
+            <a:r>
+              <a:rPr lang="en-SG" sz="3600" dirty="0" smtClean="0"/>
+              <a:t>BLE connection procedure</a:t>
             </a:r>
             <a:endParaRPr lang="en-SG" sz="3600" dirty="0"/>
           </a:p>
@@ -9984,7 +10449,7 @@
           <a:p>
             <a:fld id="{D58B649F-BA72-4D5B-9DE7-B85048FCABD7}" type="slidenum">
               <a:rPr lang="en-SG" smtClean="0"/>
-              <a:t>17</a:t>
+              <a:t>18</a:t>
             </a:fld>
             <a:endParaRPr lang="en-SG"/>
           </a:p>
@@ -11089,7 +11554,7 @@
 </p:sld>
 </file>
 
-<file path=ppt/slides/slide18.xml><?xml version="1.0" encoding="utf-8"?>
+<file path=ppt/slides/slide19.xml><?xml version="1.0" encoding="utf-8"?>
 <p:sld xmlns:a="http://schemas.openxmlformats.org/drawingml/2006/main" xmlns:r="http://schemas.openxmlformats.org/officeDocument/2006/relationships" xmlns:p="http://schemas.openxmlformats.org/presentationml/2006/main">
   <p:cSld>
     <p:spTree>
@@ -11217,7 +11682,7 @@
           <a:p>
             <a:fld id="{D58B649F-BA72-4D5B-9DE7-B85048FCABD7}" type="slidenum">
               <a:rPr lang="en-SG" smtClean="0"/>
-              <a:t>18</a:t>
+              <a:t>19</a:t>
             </a:fld>
             <a:endParaRPr lang="en-SG"/>
           </a:p>
@@ -11603,7 +12068,140 @@
 </p:sld>
 </file>
 
-<file path=ppt/slides/slide19.xml><?xml version="1.0" encoding="utf-8"?>
+<file path=ppt/slides/slide2.xml><?xml version="1.0" encoding="utf-8"?>
+<p:sld xmlns:a="http://schemas.openxmlformats.org/drawingml/2006/main" xmlns:r="http://schemas.openxmlformats.org/officeDocument/2006/relationships" xmlns:p="http://schemas.openxmlformats.org/presentationml/2006/main">
+  <p:cSld>
+    <p:spTree>
+      <p:nvGrpSpPr>
+        <p:cNvPr id="1" name=""/>
+        <p:cNvGrpSpPr/>
+        <p:nvPr/>
+      </p:nvGrpSpPr>
+      <p:grpSpPr>
+        <a:xfrm>
+          <a:off x="0" y="0"/>
+          <a:ext cx="0" cy="0"/>
+          <a:chOff x="0" y="0"/>
+          <a:chExt cx="0" cy="0"/>
+        </a:xfrm>
+      </p:grpSpPr>
+      <p:sp>
+        <p:nvSpPr>
+          <p:cNvPr id="2" name="Title 1"/>
+          <p:cNvSpPr>
+            <a:spLocks noGrp="1"/>
+          </p:cNvSpPr>
+          <p:nvPr>
+            <p:ph type="title"/>
+          </p:nvPr>
+        </p:nvSpPr>
+        <p:spPr/>
+        <p:txBody>
+          <a:bodyPr/>
+          <a:lstStyle/>
+          <a:p>
+            <a:r>
+              <a:rPr lang="en-SG" dirty="0" smtClean="0"/>
+              <a:t>About Me</a:t>
+            </a:r>
+            <a:endParaRPr lang="en-SG" dirty="0"/>
+          </a:p>
+        </p:txBody>
+      </p:sp>
+      <p:sp>
+        <p:nvSpPr>
+          <p:cNvPr id="3" name="Content Placeholder 2"/>
+          <p:cNvSpPr>
+            <a:spLocks noGrp="1"/>
+          </p:cNvSpPr>
+          <p:nvPr>
+            <p:ph idx="1"/>
+          </p:nvPr>
+        </p:nvSpPr>
+        <p:spPr>
+          <a:xfrm>
+            <a:off x="492034" y="1847851"/>
+            <a:ext cx="8159932" cy="4351338"/>
+          </a:xfrm>
+        </p:spPr>
+        <p:txBody>
+          <a:bodyPr/>
+          <a:lstStyle/>
+          <a:p>
+            <a:r>
+              <a:rPr lang="en-SG" dirty="0" smtClean="0"/>
+              <a:t>Graduated from NUS Computer Science in 2015</a:t>
+            </a:r>
+          </a:p>
+          <a:p>
+            <a:r>
+              <a:rPr lang="en-SG" dirty="0" smtClean="0"/>
+              <a:t>Worked in 2 </a:t>
+            </a:r>
+            <a:r>
+              <a:rPr lang="en-SG" dirty="0" err="1" smtClean="0"/>
+              <a:t>startups</a:t>
+            </a:r>
+            <a:r>
+              <a:rPr lang="en-SG" dirty="0" smtClean="0"/>
+              <a:t> so far</a:t>
+            </a:r>
+            <a:endParaRPr lang="en-SG" dirty="0"/>
+          </a:p>
+          <a:p>
+            <a:pPr lvl="1"/>
+            <a:r>
+              <a:rPr lang="en-SG" dirty="0" smtClean="0"/>
+              <a:t>Both BLE-related</a:t>
+            </a:r>
+          </a:p>
+        </p:txBody>
+      </p:sp>
+      <p:sp>
+        <p:nvSpPr>
+          <p:cNvPr id="4" name="Slide Number Placeholder 3"/>
+          <p:cNvSpPr>
+            <a:spLocks noGrp="1"/>
+          </p:cNvSpPr>
+          <p:nvPr>
+            <p:ph type="sldNum" sz="quarter" idx="12"/>
+          </p:nvPr>
+        </p:nvSpPr>
+        <p:spPr/>
+        <p:txBody>
+          <a:bodyPr/>
+          <a:lstStyle/>
+          <a:p>
+            <a:fld id="{D58B649F-BA72-4D5B-9DE7-B85048FCABD7}" type="slidenum">
+              <a:rPr lang="en-SG" smtClean="0"/>
+              <a:t>2</a:t>
+            </a:fld>
+            <a:endParaRPr lang="en-SG"/>
+          </a:p>
+        </p:txBody>
+      </p:sp>
+    </p:spTree>
+    <p:extLst>
+      <p:ext uri="{BB962C8B-B14F-4D97-AF65-F5344CB8AC3E}">
+        <p14:creationId xmlns:p14="http://schemas.microsoft.com/office/powerpoint/2010/main" val="799237333"/>
+      </p:ext>
+    </p:extLst>
+  </p:cSld>
+  <p:clrMapOvr>
+    <a:masterClrMapping/>
+  </p:clrMapOvr>
+  <mc:AlternateContent xmlns:mc="http://schemas.openxmlformats.org/markup-compatibility/2006" xmlns:p14="http://schemas.microsoft.com/office/powerpoint/2010/main">
+    <mc:Choice Requires="p14">
+      <p:transition spd="slow" p14:dur="2000"/>
+    </mc:Choice>
+    <mc:Fallback xmlns="">
+      <p:transition spd="slow"/>
+    </mc:Fallback>
+  </mc:AlternateContent>
+</p:sld>
+</file>
+
+<file path=ppt/slides/slide20.xml><?xml version="1.0" encoding="utf-8"?>
 <p:sld xmlns:a="http://schemas.openxmlformats.org/drawingml/2006/main" xmlns:r="http://schemas.openxmlformats.org/officeDocument/2006/relationships" xmlns:p="http://schemas.openxmlformats.org/presentationml/2006/main">
   <p:cSld>
     <p:spTree>
@@ -11881,7 +12479,7 @@
           <a:p>
             <a:fld id="{D58B649F-BA72-4D5B-9DE7-B85048FCABD7}" type="slidenum">
               <a:rPr lang="en-SG" smtClean="0"/>
-              <a:t>19</a:t>
+              <a:t>20</a:t>
             </a:fld>
             <a:endParaRPr lang="en-SG"/>
           </a:p>
@@ -11897,166 +12495,10 @@
   <p:clrMapOvr>
     <a:masterClrMapping/>
   </p:clrMapOvr>
-  <p:timing>
-    <p:tnLst>
-      <p:par>
-        <p:cTn id="1" dur="indefinite" restart="never" nodeType="tmRoot"/>
-      </p:par>
-    </p:tnLst>
-  </p:timing>
 </p:sld>
 </file>
 
-<file path=ppt/slides/slide2.xml><?xml version="1.0" encoding="utf-8"?>
-<p:sld xmlns:a="http://schemas.openxmlformats.org/drawingml/2006/main" xmlns:r="http://schemas.openxmlformats.org/officeDocument/2006/relationships" xmlns:p="http://schemas.openxmlformats.org/presentationml/2006/main">
-  <p:cSld>
-    <p:spTree>
-      <p:nvGrpSpPr>
-        <p:cNvPr id="1" name=""/>
-        <p:cNvGrpSpPr/>
-        <p:nvPr/>
-      </p:nvGrpSpPr>
-      <p:grpSpPr>
-        <a:xfrm>
-          <a:off x="0" y="0"/>
-          <a:ext cx="0" cy="0"/>
-          <a:chOff x="0" y="0"/>
-          <a:chExt cx="0" cy="0"/>
-        </a:xfrm>
-      </p:grpSpPr>
-      <p:sp>
-        <p:nvSpPr>
-          <p:cNvPr id="2" name="Title 1"/>
-          <p:cNvSpPr>
-            <a:spLocks noGrp="1"/>
-          </p:cNvSpPr>
-          <p:nvPr>
-            <p:ph type="title"/>
-          </p:nvPr>
-        </p:nvSpPr>
-        <p:spPr/>
-        <p:txBody>
-          <a:bodyPr/>
-          <a:lstStyle/>
-          <a:p>
-            <a:r>
-              <a:rPr lang="en-SG" dirty="0" smtClean="0"/>
-              <a:t>About Me</a:t>
-            </a:r>
-            <a:endParaRPr lang="en-SG" dirty="0"/>
-          </a:p>
-        </p:txBody>
-      </p:sp>
-      <p:sp>
-        <p:nvSpPr>
-          <p:cNvPr id="3" name="Content Placeholder 2"/>
-          <p:cNvSpPr>
-            <a:spLocks noGrp="1"/>
-          </p:cNvSpPr>
-          <p:nvPr>
-            <p:ph idx="1"/>
-          </p:nvPr>
-        </p:nvSpPr>
-        <p:spPr>
-          <a:xfrm>
-            <a:off x="492034" y="1847851"/>
-            <a:ext cx="8159932" cy="4351338"/>
-          </a:xfrm>
-        </p:spPr>
-        <p:txBody>
-          <a:bodyPr/>
-          <a:lstStyle/>
-          <a:p>
-            <a:r>
-              <a:rPr lang="en-SG" dirty="0" smtClean="0"/>
-              <a:t>Graduated from </a:t>
-            </a:r>
-            <a:r>
-              <a:rPr lang="en-SG" dirty="0" smtClean="0"/>
-              <a:t>NUS Computer </a:t>
-            </a:r>
-            <a:r>
-              <a:rPr lang="en-SG" dirty="0" smtClean="0"/>
-              <a:t>Science in 2015</a:t>
-            </a:r>
-            <a:endParaRPr lang="en-SG" dirty="0" smtClean="0"/>
-          </a:p>
-          <a:p>
-            <a:r>
-              <a:rPr lang="en-SG" dirty="0" smtClean="0"/>
-              <a:t>Worked in 2 </a:t>
-            </a:r>
-            <a:r>
-              <a:rPr lang="en-SG" dirty="0" err="1" smtClean="0"/>
-              <a:t>startups</a:t>
-            </a:r>
-            <a:r>
-              <a:rPr lang="en-SG" dirty="0" smtClean="0"/>
-              <a:t> so far</a:t>
-            </a:r>
-            <a:endParaRPr lang="en-SG" dirty="0"/>
-          </a:p>
-          <a:p>
-            <a:pPr lvl="1"/>
-            <a:r>
-              <a:rPr lang="en-SG" dirty="0" smtClean="0"/>
-              <a:t>Both BLE-related</a:t>
-            </a:r>
-          </a:p>
-        </p:txBody>
-      </p:sp>
-      <p:sp>
-        <p:nvSpPr>
-          <p:cNvPr id="4" name="Slide Number Placeholder 3"/>
-          <p:cNvSpPr>
-            <a:spLocks noGrp="1"/>
-          </p:cNvSpPr>
-          <p:nvPr>
-            <p:ph type="sldNum" sz="quarter" idx="12"/>
-          </p:nvPr>
-        </p:nvSpPr>
-        <p:spPr/>
-        <p:txBody>
-          <a:bodyPr/>
-          <a:lstStyle/>
-          <a:p>
-            <a:fld id="{D58B649F-BA72-4D5B-9DE7-B85048FCABD7}" type="slidenum">
-              <a:rPr lang="en-SG" smtClean="0"/>
-              <a:t>2</a:t>
-            </a:fld>
-            <a:endParaRPr lang="en-SG"/>
-          </a:p>
-        </p:txBody>
-      </p:sp>
-    </p:spTree>
-    <p:extLst>
-      <p:ext uri="{BB962C8B-B14F-4D97-AF65-F5344CB8AC3E}">
-        <p14:creationId xmlns:p14="http://schemas.microsoft.com/office/powerpoint/2010/main" val="799237333"/>
-      </p:ext>
-    </p:extLst>
-  </p:cSld>
-  <p:clrMapOvr>
-    <a:masterClrMapping/>
-  </p:clrMapOvr>
-  <mc:AlternateContent xmlns:mc="http://schemas.openxmlformats.org/markup-compatibility/2006" xmlns:p14="http://schemas.microsoft.com/office/powerpoint/2010/main">
-    <mc:Choice Requires="p14">
-      <p:transition spd="slow" p14:dur="2000"/>
-    </mc:Choice>
-    <mc:Fallback xmlns="">
-      <p:transition spd="slow"/>
-    </mc:Fallback>
-  </mc:AlternateContent>
-  <p:timing>
-    <p:tnLst>
-      <p:par>
-        <p:cTn id="1" dur="indefinite" restart="never" nodeType="tmRoot"/>
-      </p:par>
-    </p:tnLst>
-  </p:timing>
-</p:sld>
-</file>
-
-<file path=ppt/slides/slide20.xml><?xml version="1.0" encoding="utf-8"?>
+<file path=ppt/slides/slide21.xml><?xml version="1.0" encoding="utf-8"?>
 <p:sld xmlns:a="http://schemas.openxmlformats.org/drawingml/2006/main" xmlns:r="http://schemas.openxmlformats.org/officeDocument/2006/relationships" xmlns:p="http://schemas.openxmlformats.org/presentationml/2006/main">
   <p:cSld>
     <p:spTree>
@@ -12330,7 +12772,7 @@
           <a:p>
             <a:fld id="{D58B649F-BA72-4D5B-9DE7-B85048FCABD7}" type="slidenum">
               <a:rPr lang="en-SG" smtClean="0"/>
-              <a:t>20</a:t>
+              <a:t>21</a:t>
             </a:fld>
             <a:endParaRPr lang="en-SG"/>
           </a:p>
@@ -12346,17 +12788,10 @@
   <p:clrMapOvr>
     <a:masterClrMapping/>
   </p:clrMapOvr>
-  <p:timing>
-    <p:tnLst>
-      <p:par>
-        <p:cTn id="1" dur="indefinite" restart="never" nodeType="tmRoot"/>
-      </p:par>
-    </p:tnLst>
-  </p:timing>
 </p:sld>
 </file>
 
-<file path=ppt/slides/slide21.xml><?xml version="1.0" encoding="utf-8"?>
+<file path=ppt/slides/slide22.xml><?xml version="1.0" encoding="utf-8"?>
 <p:sld xmlns:a="http://schemas.openxmlformats.org/drawingml/2006/main" xmlns:r="http://schemas.openxmlformats.org/officeDocument/2006/relationships" xmlns:p="http://schemas.openxmlformats.org/presentationml/2006/main">
   <p:cSld>
     <p:spTree>
@@ -12882,14 +13317,14 @@
                 <a:gridCol w="2702014">
                   <a:extLst>
                     <a:ext uri="{9D8B030D-6E8A-4147-A177-3AD203B41FA5}">
-                      <a16:colId xmlns="" xmlns:a16="http://schemas.microsoft.com/office/drawing/2014/main" val="20000"/>
+                      <a16:colId xmlns:a16="http://schemas.microsoft.com/office/drawing/2014/main" val="20000"/>
                     </a:ext>
                   </a:extLst>
                 </a:gridCol>
                 <a:gridCol w="6095637">
                   <a:extLst>
                     <a:ext uri="{9D8B030D-6E8A-4147-A177-3AD203B41FA5}">
-                      <a16:colId xmlns="" xmlns:a16="http://schemas.microsoft.com/office/drawing/2014/main" val="20001"/>
+                      <a16:colId xmlns:a16="http://schemas.microsoft.com/office/drawing/2014/main" val="20001"/>
                     </a:ext>
                   </a:extLst>
                 </a:gridCol>
@@ -12937,7 +13372,7 @@
                 </a:tc>
                 <a:extLst>
                   <a:ext uri="{0D108BD9-81ED-4DB2-BD59-A6C34878D82A}">
-                    <a16:rowId xmlns="" xmlns:a16="http://schemas.microsoft.com/office/drawing/2014/main" val="10000"/>
+                    <a16:rowId xmlns:a16="http://schemas.microsoft.com/office/drawing/2014/main" val="10000"/>
                   </a:ext>
                 </a:extLst>
               </a:tr>
@@ -12980,7 +13415,7 @@
                 </a:tc>
                 <a:extLst>
                   <a:ext uri="{0D108BD9-81ED-4DB2-BD59-A6C34878D82A}">
-                    <a16:rowId xmlns="" xmlns:a16="http://schemas.microsoft.com/office/drawing/2014/main" val="10001"/>
+                    <a16:rowId xmlns:a16="http://schemas.microsoft.com/office/drawing/2014/main" val="10001"/>
                   </a:ext>
                 </a:extLst>
               </a:tr>
@@ -13031,7 +13466,7 @@
                 </a:tc>
                 <a:extLst>
                   <a:ext uri="{0D108BD9-81ED-4DB2-BD59-A6C34878D82A}">
-                    <a16:rowId xmlns="" xmlns:a16="http://schemas.microsoft.com/office/drawing/2014/main" val="10002"/>
+                    <a16:rowId xmlns:a16="http://schemas.microsoft.com/office/drawing/2014/main" val="10002"/>
                   </a:ext>
                 </a:extLst>
               </a:tr>
@@ -13066,7 +13501,7 @@
                 </a:tc>
                 <a:extLst>
                   <a:ext uri="{0D108BD9-81ED-4DB2-BD59-A6C34878D82A}">
-                    <a16:rowId xmlns="" xmlns:a16="http://schemas.microsoft.com/office/drawing/2014/main" val="10003"/>
+                    <a16:rowId xmlns:a16="http://schemas.microsoft.com/office/drawing/2014/main" val="10003"/>
                   </a:ext>
                 </a:extLst>
               </a:tr>
@@ -13117,7 +13552,7 @@
                 </a:tc>
                 <a:extLst>
                   <a:ext uri="{0D108BD9-81ED-4DB2-BD59-A6C34878D82A}">
-                    <a16:rowId xmlns="" xmlns:a16="http://schemas.microsoft.com/office/drawing/2014/main" val="10004"/>
+                    <a16:rowId xmlns:a16="http://schemas.microsoft.com/office/drawing/2014/main" val="10004"/>
                   </a:ext>
                 </a:extLst>
               </a:tr>
@@ -13177,7 +13612,7 @@
           <a:p>
             <a:fld id="{D58B649F-BA72-4D5B-9DE7-B85048FCABD7}" type="slidenum">
               <a:rPr lang="en-SG" smtClean="0"/>
-              <a:t>21</a:t>
+              <a:t>22</a:t>
             </a:fld>
             <a:endParaRPr lang="en-SG"/>
           </a:p>
@@ -13622,7 +14057,7 @@
 </p:sld>
 </file>
 
-<file path=ppt/slides/slide22.xml><?xml version="1.0" encoding="utf-8"?>
+<file path=ppt/slides/slide23.xml><?xml version="1.0" encoding="utf-8"?>
 <p:sld xmlns:a="http://schemas.openxmlformats.org/drawingml/2006/main" xmlns:r="http://schemas.openxmlformats.org/officeDocument/2006/relationships" xmlns:p="http://schemas.openxmlformats.org/presentationml/2006/main">
   <p:cSld>
     <p:spTree>
@@ -13797,7 +14232,7 @@
           <a:p>
             <a:fld id="{D58B649F-BA72-4D5B-9DE7-B85048FCABD7}" type="slidenum">
               <a:rPr lang="en-SG" smtClean="0"/>
-              <a:t>22</a:t>
+              <a:t>23</a:t>
             </a:fld>
             <a:endParaRPr lang="en-SG"/>
           </a:p>
@@ -13813,17 +14248,10 @@
   <p:clrMapOvr>
     <a:masterClrMapping/>
   </p:clrMapOvr>
-  <p:timing>
-    <p:tnLst>
-      <p:par>
-        <p:cTn id="1" dur="indefinite" restart="never" nodeType="tmRoot"/>
-      </p:par>
-    </p:tnLst>
-  </p:timing>
 </p:sld>
 </file>
 
-<file path=ppt/slides/slide23.xml><?xml version="1.0" encoding="utf-8"?>
+<file path=ppt/slides/slide24.xml><?xml version="1.0" encoding="utf-8"?>
 <p:sld xmlns:a="http://schemas.openxmlformats.org/drawingml/2006/main" xmlns:r="http://schemas.openxmlformats.org/officeDocument/2006/relationships" xmlns:p="http://schemas.openxmlformats.org/presentationml/2006/main">
   <p:cSld>
     <p:spTree>
@@ -14319,7 +14747,7 @@
           <a:p>
             <a:fld id="{D58B649F-BA72-4D5B-9DE7-B85048FCABD7}" type="slidenum">
               <a:rPr lang="en-SG" smtClean="0"/>
-              <a:t>23</a:t>
+              <a:t>24</a:t>
             </a:fld>
             <a:endParaRPr lang="en-SG"/>
           </a:p>
@@ -14335,154 +14763,6 @@
   <p:clrMapOvr>
     <a:masterClrMapping/>
   </p:clrMapOvr>
-  <p:timing>
-    <p:tnLst>
-      <p:par>
-        <p:cTn id="1" dur="indefinite" restart="never" nodeType="tmRoot"/>
-      </p:par>
-    </p:tnLst>
-  </p:timing>
-</p:sld>
-</file>
-
-<file path=ppt/slides/slide24.xml><?xml version="1.0" encoding="utf-8"?>
-<p:sld xmlns:a="http://schemas.openxmlformats.org/drawingml/2006/main" xmlns:r="http://schemas.openxmlformats.org/officeDocument/2006/relationships" xmlns:p="http://schemas.openxmlformats.org/presentationml/2006/main">
-  <p:cSld>
-    <p:spTree>
-      <p:nvGrpSpPr>
-        <p:cNvPr id="1" name=""/>
-        <p:cNvGrpSpPr/>
-        <p:nvPr/>
-      </p:nvGrpSpPr>
-      <p:grpSpPr>
-        <a:xfrm>
-          <a:off x="0" y="0"/>
-          <a:ext cx="0" cy="0"/>
-          <a:chOff x="0" y="0"/>
-          <a:chExt cx="0" cy="0"/>
-        </a:xfrm>
-      </p:grpSpPr>
-      <p:sp>
-        <p:nvSpPr>
-          <p:cNvPr id="2" name="Title 1"/>
-          <p:cNvSpPr>
-            <a:spLocks noGrp="1"/>
-          </p:cNvSpPr>
-          <p:nvPr>
-            <p:ph type="title"/>
-          </p:nvPr>
-        </p:nvSpPr>
-        <p:spPr/>
-        <p:txBody>
-          <a:bodyPr/>
-          <a:lstStyle/>
-          <a:p>
-            <a:r>
-              <a:rPr lang="en-SG" dirty="0" smtClean="0"/>
-              <a:t>3c. iOS Code</a:t>
-            </a:r>
-            <a:endParaRPr lang="en-SG" dirty="0"/>
-          </a:p>
-        </p:txBody>
-      </p:sp>
-      <p:sp>
-        <p:nvSpPr>
-          <p:cNvPr id="3" name="Content Placeholder 2"/>
-          <p:cNvSpPr>
-            <a:spLocks noGrp="1"/>
-          </p:cNvSpPr>
-          <p:nvPr>
-            <p:ph idx="1"/>
-          </p:nvPr>
-        </p:nvSpPr>
-        <p:spPr/>
-        <p:txBody>
-          <a:bodyPr/>
-          <a:lstStyle/>
-          <a:p>
-            <a:r>
-              <a:rPr lang="en-SG" dirty="0" smtClean="0"/>
-              <a:t>Platform</a:t>
-            </a:r>
-          </a:p>
-          <a:p>
-            <a:pPr lvl="1"/>
-            <a:r>
-              <a:rPr lang="en-SG" dirty="0" smtClean="0"/>
-              <a:t>Device: iPod Touch 6G</a:t>
-            </a:r>
-          </a:p>
-          <a:p>
-            <a:pPr lvl="1"/>
-            <a:r>
-              <a:rPr lang="en-SG" dirty="0" smtClean="0"/>
-              <a:t>OS: iOS 9.2.1</a:t>
-            </a:r>
-          </a:p>
-          <a:p>
-            <a:r>
-              <a:rPr lang="en-SG" dirty="0" smtClean="0"/>
-              <a:t>Programming Language: Swift 2</a:t>
-            </a:r>
-          </a:p>
-          <a:p>
-            <a:r>
-              <a:rPr lang="en-SG" dirty="0" err="1" smtClean="0"/>
-              <a:t>Xcode</a:t>
-            </a:r>
-            <a:r>
-              <a:rPr lang="en-SG" dirty="0" smtClean="0"/>
-              <a:t> 7.2.1</a:t>
-            </a:r>
-          </a:p>
-          <a:p>
-            <a:endParaRPr lang="en-SG" dirty="0"/>
-          </a:p>
-          <a:p>
-            <a:endParaRPr lang="en-SG" dirty="0"/>
-          </a:p>
-        </p:txBody>
-      </p:sp>
-      <p:sp>
-        <p:nvSpPr>
-          <p:cNvPr id="4" name="Slide Number Placeholder 3"/>
-          <p:cNvSpPr>
-            <a:spLocks noGrp="1"/>
-          </p:cNvSpPr>
-          <p:nvPr>
-            <p:ph type="sldNum" sz="quarter" idx="12"/>
-          </p:nvPr>
-        </p:nvSpPr>
-        <p:spPr/>
-        <p:txBody>
-          <a:bodyPr/>
-          <a:lstStyle/>
-          <a:p>
-            <a:fld id="{D58B649F-BA72-4D5B-9DE7-B85048FCABD7}" type="slidenum">
-              <a:rPr lang="en-SG" smtClean="0"/>
-              <a:t>24</a:t>
-            </a:fld>
-            <a:endParaRPr lang="en-SG"/>
-          </a:p>
-        </p:txBody>
-      </p:sp>
-    </p:spTree>
-    <p:extLst>
-      <p:ext uri="{BB962C8B-B14F-4D97-AF65-F5344CB8AC3E}">
-        <p14:creationId xmlns:p14="http://schemas.microsoft.com/office/powerpoint/2010/main" val="3675615198"/>
-      </p:ext>
-    </p:extLst>
-  </p:cSld>
-  <p:clrMapOvr>
-    <a:masterClrMapping/>
-  </p:clrMapOvr>
-  <p:timing>
-    <p:tnLst>
-      <p:par>
-        <p:cTn id="1" dur="indefinite" restart="never" nodeType="tmRoot"/>
-      </p:par>
-    </p:tnLst>
-  </p:timing>
 </p:sld>
 </file>
 
@@ -14520,7 +14800,7 @@
           <a:p>
             <a:r>
               <a:rPr lang="en-SG" dirty="0" smtClean="0"/>
-              <a:t>3b. Raspberry Pi code</a:t>
+              <a:t>3c. iOS Code</a:t>
             </a:r>
             <a:endParaRPr lang="en-SG" dirty="0"/>
           </a:p>
@@ -14538,13 +14818,11 @@
         </p:nvSpPr>
         <p:spPr/>
         <p:txBody>
-          <a:bodyPr>
-            <a:normAutofit fontScale="92500" lnSpcReduction="20000"/>
-          </a:bodyPr>
+          <a:bodyPr/>
           <a:lstStyle/>
           <a:p>
             <a:r>
-              <a:rPr lang="en-SG" dirty="0"/>
+              <a:rPr lang="en-SG" dirty="0" smtClean="0"/>
               <a:t>Platform</a:t>
             </a:r>
           </a:p>
@@ -14552,131 +14830,34 @@
             <a:pPr lvl="1"/>
             <a:r>
               <a:rPr lang="en-SG" dirty="0" smtClean="0"/>
-              <a:t>Device*: Pi 2 Model B</a:t>
-            </a:r>
+              <a:t>Device: iPod Touch 6G</a:t>
+            </a:r>
+          </a:p>
+          <a:p>
+            <a:pPr lvl="1"/>
+            <a:r>
+              <a:rPr lang="en-SG" dirty="0" smtClean="0"/>
+              <a:t>OS: iOS 9.2.1</a:t>
+            </a:r>
+          </a:p>
+          <a:p>
+            <a:r>
+              <a:rPr lang="en-SG" dirty="0" smtClean="0"/>
+              <a:t>Programming Language: Swift 2</a:t>
+            </a:r>
+          </a:p>
+          <a:p>
+            <a:r>
+              <a:rPr lang="en-SG" dirty="0" err="1" smtClean="0"/>
+              <a:t>Xcode</a:t>
+            </a:r>
+            <a:r>
+              <a:rPr lang="en-SG" dirty="0" smtClean="0"/>
+              <a:t> 7.2.1</a:t>
+            </a:r>
+          </a:p>
+          <a:p>
             <a:endParaRPr lang="en-SG" dirty="0"/>
-          </a:p>
-          <a:p>
-            <a:pPr lvl="1"/>
-            <a:r>
-              <a:rPr lang="en-SG" dirty="0" smtClean="0"/>
-              <a:t>OS*: Arch Linux ARM</a:t>
-            </a:r>
-          </a:p>
-          <a:p>
-            <a:r>
-              <a:rPr lang="en-SG" dirty="0" smtClean="0"/>
-              <a:t>Programming Language: </a:t>
-            </a:r>
-            <a:r>
-              <a:rPr lang="en-SG" dirty="0" err="1" smtClean="0"/>
-              <a:t>Javascript</a:t>
-            </a:r>
-            <a:endParaRPr lang="en-SG" dirty="0" smtClean="0"/>
-          </a:p>
-          <a:p>
-            <a:r>
-              <a:rPr lang="en-SG" dirty="0" smtClean="0"/>
-              <a:t>Framework used: </a:t>
-            </a:r>
-            <a:r>
-              <a:rPr lang="en-SG" dirty="0" err="1" smtClean="0"/>
-              <a:t>Nodejs</a:t>
-            </a:r>
-            <a:endParaRPr lang="en-SG" dirty="0" smtClean="0"/>
-          </a:p>
-          <a:p>
-            <a:r>
-              <a:rPr lang="en-SG" dirty="0" err="1" smtClean="0"/>
-              <a:t>Nodejs</a:t>
-            </a:r>
-            <a:r>
-              <a:rPr lang="en-SG" dirty="0" smtClean="0"/>
-              <a:t> BLE Library</a:t>
-            </a:r>
-          </a:p>
-          <a:p>
-            <a:pPr lvl="1"/>
-            <a:r>
-              <a:rPr lang="en-SG" dirty="0" err="1" smtClean="0"/>
-              <a:t>Bleno</a:t>
-            </a:r>
-            <a:r>
-              <a:rPr lang="en-SG" dirty="0" smtClean="0"/>
-              <a:t> (by </a:t>
-            </a:r>
-            <a:r>
-              <a:rPr lang="en-SG" dirty="0" err="1" smtClean="0"/>
-              <a:t>Sandeepmistry</a:t>
-            </a:r>
-            <a:r>
-              <a:rPr lang="en-SG" dirty="0" smtClean="0"/>
-              <a:t> again)</a:t>
-            </a:r>
-          </a:p>
-          <a:p>
-            <a:pPr lvl="1"/>
-            <a:r>
-              <a:rPr lang="en-SG" dirty="0" smtClean="0"/>
-              <a:t>Abstraction over Linux’s </a:t>
-            </a:r>
-            <a:r>
-              <a:rPr lang="en-SG" dirty="0" err="1" smtClean="0"/>
-              <a:t>Bluez</a:t>
-            </a:r>
-            <a:r>
-              <a:rPr lang="en-SG" dirty="0" smtClean="0"/>
-              <a:t> stack/API</a:t>
-            </a:r>
-          </a:p>
-          <a:p>
-            <a:pPr lvl="1"/>
-            <a:r>
-              <a:rPr lang="en-SG" dirty="0" smtClean="0"/>
-              <a:t>Aggressive maintenance</a:t>
-            </a:r>
-            <a:endParaRPr lang="en-SG" dirty="0" smtClean="0">
-              <a:hlinkClick r:id="rId2"/>
-            </a:endParaRPr>
-          </a:p>
-          <a:p>
-            <a:pPr lvl="1"/>
-            <a:r>
-              <a:rPr lang="en-SG" dirty="0" smtClean="0">
-                <a:hlinkClick r:id="rId2"/>
-              </a:rPr>
-              <a:t>https</a:t>
-            </a:r>
-            <a:r>
-              <a:rPr lang="en-SG" dirty="0">
-                <a:hlinkClick r:id="rId2"/>
-              </a:rPr>
-              <a:t>://</a:t>
-            </a:r>
-            <a:r>
-              <a:rPr lang="en-SG" dirty="0" smtClean="0">
-                <a:hlinkClick r:id="rId2"/>
-              </a:rPr>
-              <a:t>github.com/sandeepmistry/bleno</a:t>
-            </a:r>
-            <a:endParaRPr lang="en-SG" dirty="0" smtClean="0"/>
-          </a:p>
-          <a:p>
-            <a:r>
-              <a:rPr lang="en-SG" dirty="0"/>
-              <a:t>Why not others, Python, Go or C? </a:t>
-            </a:r>
-          </a:p>
-          <a:p>
-            <a:pPr lvl="1"/>
-            <a:r>
-              <a:rPr lang="en-SG" dirty="0" err="1"/>
-              <a:t>Bleno</a:t>
-            </a:r>
-            <a:r>
-              <a:rPr lang="en-SG" dirty="0"/>
-              <a:t> is more “mature” and “easier to use”</a:t>
-            </a:r>
           </a:p>
           <a:p>
             <a:endParaRPr lang="en-SG" dirty="0"/>
@@ -14685,37 +14866,7 @@
       </p:sp>
       <p:sp>
         <p:nvSpPr>
-          <p:cNvPr id="4" name="TextBox 3"/>
-          <p:cNvSpPr txBox="1"/>
-          <p:nvPr/>
-        </p:nvSpPr>
-        <p:spPr>
-          <a:xfrm>
-            <a:off x="628650" y="6382139"/>
-            <a:ext cx="2202526" cy="369332"/>
-          </a:xfrm>
-          <a:prstGeom prst="rect">
-            <a:avLst/>
-          </a:prstGeom>
-          <a:noFill/>
-        </p:spPr>
-        <p:txBody>
-          <a:bodyPr wrap="none" rtlCol="0">
-            <a:spAutoFit/>
-          </a:bodyPr>
-          <a:lstStyle/>
-          <a:p>
-            <a:r>
-              <a:rPr lang="en-SG" dirty="0" smtClean="0"/>
-              <a:t>*Others will work too</a:t>
-            </a:r>
-            <a:endParaRPr lang="en-SG" dirty="0"/>
-          </a:p>
-        </p:txBody>
-      </p:sp>
-      <p:sp>
-        <p:nvSpPr>
-          <p:cNvPr id="5" name="Slide Number Placeholder 4"/>
+          <p:cNvPr id="4" name="Slide Number Placeholder 3"/>
           <p:cNvSpPr>
             <a:spLocks noGrp="1"/>
           </p:cNvSpPr>
@@ -14739,20 +14890,13 @@
     </p:spTree>
     <p:extLst>
       <p:ext uri="{BB962C8B-B14F-4D97-AF65-F5344CB8AC3E}">
-        <p14:creationId xmlns:p14="http://schemas.microsoft.com/office/powerpoint/2010/main" val="2966426007"/>
+        <p14:creationId xmlns:p14="http://schemas.microsoft.com/office/powerpoint/2010/main" val="3675615198"/>
       </p:ext>
     </p:extLst>
   </p:cSld>
   <p:clrMapOvr>
     <a:masterClrMapping/>
   </p:clrMapOvr>
-  <p:timing>
-    <p:tnLst>
-      <p:par>
-        <p:cTn id="1" dur="indefinite" restart="never" nodeType="tmRoot"/>
-      </p:par>
-    </p:tnLst>
-  </p:timing>
 </p:sld>
 </file>
 
@@ -14790,7 +14934,7 @@
           <a:p>
             <a:r>
               <a:rPr lang="en-SG" dirty="0" smtClean="0"/>
-              <a:t>3c. Android code</a:t>
+              <a:t>3b. Raspberry Pi code</a:t>
             </a:r>
             <a:endParaRPr lang="en-SG" dirty="0"/>
           </a:p>
@@ -14808,7 +14952,9 @@
         </p:nvSpPr>
         <p:spPr/>
         <p:txBody>
-          <a:bodyPr/>
+          <a:bodyPr>
+            <a:normAutofit fontScale="92500" lnSpcReduction="20000"/>
+          </a:bodyPr>
           <a:lstStyle/>
           <a:p>
             <a:r>
@@ -14819,44 +14965,132 @@
           <a:p>
             <a:pPr lvl="1"/>
             <a:r>
+              <a:rPr lang="en-SG" dirty="0" smtClean="0"/>
+              <a:t>Device*: Pi 2 Model B</a:t>
+            </a:r>
+            <a:endParaRPr lang="en-SG" dirty="0"/>
+          </a:p>
+          <a:p>
+            <a:pPr lvl="1"/>
+            <a:r>
+              <a:rPr lang="en-SG" dirty="0" smtClean="0"/>
+              <a:t>OS*: Arch Linux ARM</a:t>
+            </a:r>
+          </a:p>
+          <a:p>
+            <a:r>
+              <a:rPr lang="en-SG" dirty="0" smtClean="0"/>
+              <a:t>Programming Language: </a:t>
+            </a:r>
+            <a:r>
+              <a:rPr lang="en-SG" dirty="0" err="1" smtClean="0"/>
+              <a:t>Javascript</a:t>
+            </a:r>
+            <a:endParaRPr lang="en-SG" dirty="0" smtClean="0"/>
+          </a:p>
+          <a:p>
+            <a:r>
+              <a:rPr lang="en-SG" dirty="0" smtClean="0"/>
+              <a:t>Framework used: </a:t>
+            </a:r>
+            <a:r>
+              <a:rPr lang="en-SG" dirty="0" err="1" smtClean="0"/>
+              <a:t>Nodejs</a:t>
+            </a:r>
+            <a:endParaRPr lang="en-SG" dirty="0" smtClean="0"/>
+          </a:p>
+          <a:p>
+            <a:r>
+              <a:rPr lang="en-SG" dirty="0" err="1" smtClean="0"/>
+              <a:t>Nodejs</a:t>
+            </a:r>
+            <a:r>
+              <a:rPr lang="en-SG" dirty="0" smtClean="0"/>
+              <a:t> BLE Library</a:t>
+            </a:r>
+          </a:p>
+          <a:p>
+            <a:pPr lvl="1"/>
+            <a:r>
+              <a:rPr lang="en-SG" dirty="0" err="1" smtClean="0"/>
+              <a:t>Bleno</a:t>
+            </a:r>
+            <a:r>
+              <a:rPr lang="en-SG" dirty="0" smtClean="0"/>
+              <a:t> (by </a:t>
+            </a:r>
+            <a:r>
+              <a:rPr lang="en-SG" dirty="0" err="1" smtClean="0"/>
+              <a:t>Sandeepmistry</a:t>
+            </a:r>
+            <a:r>
+              <a:rPr lang="en-SG" dirty="0" smtClean="0"/>
+              <a:t> again)</a:t>
+            </a:r>
+          </a:p>
+          <a:p>
+            <a:pPr lvl="1"/>
+            <a:r>
+              <a:rPr lang="en-SG" dirty="0" smtClean="0"/>
+              <a:t>Abstraction over Linux’s </a:t>
+            </a:r>
+            <a:r>
+              <a:rPr lang="en-SG" dirty="0" err="1" smtClean="0"/>
+              <a:t>Bluez</a:t>
+            </a:r>
+            <a:r>
+              <a:rPr lang="en-SG" dirty="0" smtClean="0"/>
+              <a:t> stack/API</a:t>
+            </a:r>
+          </a:p>
+          <a:p>
+            <a:pPr lvl="1"/>
+            <a:r>
+              <a:rPr lang="en-SG" dirty="0" smtClean="0"/>
+              <a:t>Aggressive maintenance</a:t>
+            </a:r>
+            <a:endParaRPr lang="en-SG" dirty="0" smtClean="0">
+              <a:hlinkClick r:id="rId2"/>
+            </a:endParaRPr>
+          </a:p>
+          <a:p>
+            <a:pPr lvl="1"/>
+            <a:r>
+              <a:rPr lang="en-SG" dirty="0" smtClean="0">
+                <a:hlinkClick r:id="rId2"/>
+              </a:rPr>
+              <a:t>https</a:t>
+            </a:r>
+            <a:r>
+              <a:rPr lang="en-SG" dirty="0">
+                <a:hlinkClick r:id="rId2"/>
+              </a:rPr>
+              <a:t>://</a:t>
+            </a:r>
+            <a:r>
+              <a:rPr lang="en-SG" dirty="0" smtClean="0">
+                <a:hlinkClick r:id="rId2"/>
+              </a:rPr>
+              <a:t>github.com/sandeepmistry/bleno</a:t>
+            </a:r>
+            <a:endParaRPr lang="en-SG" dirty="0" smtClean="0"/>
+          </a:p>
+          <a:p>
+            <a:r>
               <a:rPr lang="en-SG" dirty="0"/>
-              <a:t>Device: </a:t>
-            </a:r>
-            <a:r>
-              <a:rPr lang="en-SG" dirty="0" smtClean="0"/>
-              <a:t>Nexus 5</a:t>
-            </a:r>
-            <a:endParaRPr lang="en-SG" dirty="0"/>
+              <a:t>Why not others, Python, Go or C? </a:t>
+            </a:r>
           </a:p>
           <a:p>
             <a:pPr lvl="1"/>
             <a:r>
+              <a:rPr lang="en-SG" dirty="0" err="1"/>
+              <a:t>Bleno</a:t>
+            </a:r>
+            <a:r>
               <a:rPr lang="en-SG" dirty="0"/>
-              <a:t>OS: </a:t>
-            </a:r>
-            <a:r>
-              <a:rPr lang="en-SG" dirty="0" smtClean="0"/>
-              <a:t>Android 6.0.1</a:t>
-            </a:r>
-            <a:endParaRPr lang="en-SG" dirty="0"/>
-          </a:p>
-          <a:p>
-            <a:r>
-              <a:rPr lang="en-SG" dirty="0"/>
-              <a:t>Programming Language: </a:t>
-            </a:r>
-            <a:r>
-              <a:rPr lang="en-SG" dirty="0" smtClean="0"/>
-              <a:t>Java</a:t>
-            </a:r>
-            <a:endParaRPr lang="en-SG" dirty="0"/>
-          </a:p>
-          <a:p>
-            <a:r>
-              <a:rPr lang="en-SG" dirty="0" smtClean="0"/>
-              <a:t>Android Studio 1.5.1</a:t>
-            </a:r>
-            <a:endParaRPr lang="en-SG" dirty="0"/>
+              <a:t> is more “mature” and “easier to use”</a:t>
+            </a:r>
           </a:p>
           <a:p>
             <a:endParaRPr lang="en-SG" dirty="0"/>
@@ -14865,7 +15099,37 @@
       </p:sp>
       <p:sp>
         <p:nvSpPr>
-          <p:cNvPr id="4" name="Slide Number Placeholder 3"/>
+          <p:cNvPr id="4" name="TextBox 3"/>
+          <p:cNvSpPr txBox="1"/>
+          <p:nvPr/>
+        </p:nvSpPr>
+        <p:spPr>
+          <a:xfrm>
+            <a:off x="628650" y="6382139"/>
+            <a:ext cx="2202526" cy="369332"/>
+          </a:xfrm>
+          <a:prstGeom prst="rect">
+            <a:avLst/>
+          </a:prstGeom>
+          <a:noFill/>
+        </p:spPr>
+        <p:txBody>
+          <a:bodyPr wrap="none" rtlCol="0">
+            <a:spAutoFit/>
+          </a:bodyPr>
+          <a:lstStyle/>
+          <a:p>
+            <a:r>
+              <a:rPr lang="en-SG" dirty="0" smtClean="0"/>
+              <a:t>*Others will work too</a:t>
+            </a:r>
+            <a:endParaRPr lang="en-SG" dirty="0"/>
+          </a:p>
+        </p:txBody>
+      </p:sp>
+      <p:sp>
+        <p:nvSpPr>
+          <p:cNvPr id="5" name="Slide Number Placeholder 4"/>
           <p:cNvSpPr>
             <a:spLocks noGrp="1"/>
           </p:cNvSpPr>
@@ -14889,20 +15153,13 @@
     </p:spTree>
     <p:extLst>
       <p:ext uri="{BB962C8B-B14F-4D97-AF65-F5344CB8AC3E}">
-        <p14:creationId xmlns:p14="http://schemas.microsoft.com/office/powerpoint/2010/main" val="4032289430"/>
+        <p14:creationId xmlns:p14="http://schemas.microsoft.com/office/powerpoint/2010/main" val="2966426007"/>
       </p:ext>
     </p:extLst>
   </p:cSld>
   <p:clrMapOvr>
     <a:masterClrMapping/>
   </p:clrMapOvr>
-  <p:timing>
-    <p:tnLst>
-      <p:par>
-        <p:cTn id="1" dur="indefinite" restart="never" nodeType="tmRoot"/>
-      </p:par>
-    </p:tnLst>
-  </p:timing>
 </p:sld>
 </file>
 
@@ -14940,6 +15197,149 @@
           <a:p>
             <a:r>
               <a:rPr lang="en-SG" dirty="0" smtClean="0"/>
+              <a:t>3c. Android code</a:t>
+            </a:r>
+            <a:endParaRPr lang="en-SG" dirty="0"/>
+          </a:p>
+        </p:txBody>
+      </p:sp>
+      <p:sp>
+        <p:nvSpPr>
+          <p:cNvPr id="3" name="Content Placeholder 2"/>
+          <p:cNvSpPr>
+            <a:spLocks noGrp="1"/>
+          </p:cNvSpPr>
+          <p:nvPr>
+            <p:ph idx="1"/>
+          </p:nvPr>
+        </p:nvSpPr>
+        <p:spPr/>
+        <p:txBody>
+          <a:bodyPr/>
+          <a:lstStyle/>
+          <a:p>
+            <a:r>
+              <a:rPr lang="en-SG" dirty="0"/>
+              <a:t>Platform</a:t>
+            </a:r>
+          </a:p>
+          <a:p>
+            <a:pPr lvl="1"/>
+            <a:r>
+              <a:rPr lang="en-SG" dirty="0"/>
+              <a:t>Device: </a:t>
+            </a:r>
+            <a:r>
+              <a:rPr lang="en-SG" dirty="0" smtClean="0"/>
+              <a:t>Nexus 5</a:t>
+            </a:r>
+            <a:endParaRPr lang="en-SG" dirty="0"/>
+          </a:p>
+          <a:p>
+            <a:pPr lvl="1"/>
+            <a:r>
+              <a:rPr lang="en-SG" dirty="0"/>
+              <a:t>OS: </a:t>
+            </a:r>
+            <a:r>
+              <a:rPr lang="en-SG" dirty="0" smtClean="0"/>
+              <a:t>Android 6.0.1</a:t>
+            </a:r>
+            <a:endParaRPr lang="en-SG" dirty="0"/>
+          </a:p>
+          <a:p>
+            <a:r>
+              <a:rPr lang="en-SG" dirty="0"/>
+              <a:t>Programming Language: </a:t>
+            </a:r>
+            <a:r>
+              <a:rPr lang="en-SG" dirty="0" smtClean="0"/>
+              <a:t>Java</a:t>
+            </a:r>
+            <a:endParaRPr lang="en-SG" dirty="0"/>
+          </a:p>
+          <a:p>
+            <a:r>
+              <a:rPr lang="en-SG" dirty="0" smtClean="0"/>
+              <a:t>Android Studio 1.5.1</a:t>
+            </a:r>
+            <a:endParaRPr lang="en-SG" dirty="0"/>
+          </a:p>
+          <a:p>
+            <a:endParaRPr lang="en-SG" dirty="0"/>
+          </a:p>
+        </p:txBody>
+      </p:sp>
+      <p:sp>
+        <p:nvSpPr>
+          <p:cNvPr id="4" name="Slide Number Placeholder 3"/>
+          <p:cNvSpPr>
+            <a:spLocks noGrp="1"/>
+          </p:cNvSpPr>
+          <p:nvPr>
+            <p:ph type="sldNum" sz="quarter" idx="12"/>
+          </p:nvPr>
+        </p:nvSpPr>
+        <p:spPr/>
+        <p:txBody>
+          <a:bodyPr/>
+          <a:lstStyle/>
+          <a:p>
+            <a:fld id="{D58B649F-BA72-4D5B-9DE7-B85048FCABD7}" type="slidenum">
+              <a:rPr lang="en-SG" smtClean="0"/>
+              <a:t>27</a:t>
+            </a:fld>
+            <a:endParaRPr lang="en-SG"/>
+          </a:p>
+        </p:txBody>
+      </p:sp>
+    </p:spTree>
+    <p:extLst>
+      <p:ext uri="{BB962C8B-B14F-4D97-AF65-F5344CB8AC3E}">
+        <p14:creationId xmlns:p14="http://schemas.microsoft.com/office/powerpoint/2010/main" val="4032289430"/>
+      </p:ext>
+    </p:extLst>
+  </p:cSld>
+  <p:clrMapOvr>
+    <a:masterClrMapping/>
+  </p:clrMapOvr>
+</p:sld>
+</file>
+
+<file path=ppt/slides/slide28.xml><?xml version="1.0" encoding="utf-8"?>
+<p:sld xmlns:a="http://schemas.openxmlformats.org/drawingml/2006/main" xmlns:r="http://schemas.openxmlformats.org/officeDocument/2006/relationships" xmlns:p="http://schemas.openxmlformats.org/presentationml/2006/main">
+  <p:cSld>
+    <p:spTree>
+      <p:nvGrpSpPr>
+        <p:cNvPr id="1" name=""/>
+        <p:cNvGrpSpPr/>
+        <p:nvPr/>
+      </p:nvGrpSpPr>
+      <p:grpSpPr>
+        <a:xfrm>
+          <a:off x="0" y="0"/>
+          <a:ext cx="0" cy="0"/>
+          <a:chOff x="0" y="0"/>
+          <a:chExt cx="0" cy="0"/>
+        </a:xfrm>
+      </p:grpSpPr>
+      <p:sp>
+        <p:nvSpPr>
+          <p:cNvPr id="2" name="Title 1"/>
+          <p:cNvSpPr>
+            <a:spLocks noGrp="1"/>
+          </p:cNvSpPr>
+          <p:nvPr>
+            <p:ph type="title"/>
+          </p:nvPr>
+        </p:nvSpPr>
+        <p:spPr/>
+        <p:txBody>
+          <a:bodyPr/>
+          <a:lstStyle/>
+          <a:p>
+            <a:r>
+              <a:rPr lang="en-SG" dirty="0" smtClean="0"/>
               <a:t>4a. General Issues</a:t>
             </a:r>
             <a:endParaRPr lang="en-SG" dirty="0"/>
@@ -15071,7 +15471,7 @@
           <a:p>
             <a:fld id="{D58B649F-BA72-4D5B-9DE7-B85048FCABD7}" type="slidenum">
               <a:rPr lang="en-SG" smtClean="0"/>
-              <a:t>27</a:t>
+              <a:t>28</a:t>
             </a:fld>
             <a:endParaRPr lang="en-SG"/>
           </a:p>
@@ -15479,922 +15879,6 @@
                                           <p:spTgt spid="3">
                                             <p:txEl>
                                               <p:pRg st="7" end="7"/>
-                                            </p:txEl>
-                                          </p:spTgt>
-                                        </p:tgtEl>
-                                      </p:cBhvr>
-                                    </p:animEffect>
-                                  </p:childTnLst>
-                                </p:cTn>
-                              </p:par>
-                            </p:childTnLst>
-                          </p:cTn>
-                        </p:par>
-                      </p:childTnLst>
-                    </p:cTn>
-                  </p:par>
-                </p:childTnLst>
-              </p:cTn>
-              <p:prevCondLst>
-                <p:cond evt="onPrev" delay="0">
-                  <p:tgtEl>
-                    <p:sldTgt/>
-                  </p:tgtEl>
-                </p:cond>
-              </p:prevCondLst>
-              <p:nextCondLst>
-                <p:cond evt="onNext" delay="0">
-                  <p:tgtEl>
-                    <p:sldTgt/>
-                  </p:tgtEl>
-                </p:cond>
-              </p:nextCondLst>
-            </p:seq>
-          </p:childTnLst>
-        </p:cTn>
-      </p:par>
-    </p:tnLst>
-  </p:timing>
-</p:sld>
-</file>
-
-<file path=ppt/slides/slide28.xml><?xml version="1.0" encoding="utf-8"?>
-<p:sld xmlns:a="http://schemas.openxmlformats.org/drawingml/2006/main" xmlns:r="http://schemas.openxmlformats.org/officeDocument/2006/relationships" xmlns:p="http://schemas.openxmlformats.org/presentationml/2006/main">
-  <p:cSld>
-    <p:spTree>
-      <p:nvGrpSpPr>
-        <p:cNvPr id="1" name=""/>
-        <p:cNvGrpSpPr/>
-        <p:nvPr/>
-      </p:nvGrpSpPr>
-      <p:grpSpPr>
-        <a:xfrm>
-          <a:off x="0" y="0"/>
-          <a:ext cx="0" cy="0"/>
-          <a:chOff x="0" y="0"/>
-          <a:chExt cx="0" cy="0"/>
-        </a:xfrm>
-      </p:grpSpPr>
-      <p:sp>
-        <p:nvSpPr>
-          <p:cNvPr id="2" name="Title 1"/>
-          <p:cNvSpPr>
-            <a:spLocks noGrp="1"/>
-          </p:cNvSpPr>
-          <p:nvPr>
-            <p:ph type="title"/>
-          </p:nvPr>
-        </p:nvSpPr>
-        <p:spPr/>
-        <p:txBody>
-          <a:bodyPr/>
-          <a:lstStyle/>
-          <a:p>
-            <a:r>
-              <a:rPr lang="en-SG" dirty="0" smtClean="0"/>
-              <a:t>4b. iOS issues</a:t>
-            </a:r>
-            <a:endParaRPr lang="en-SG" dirty="0"/>
-          </a:p>
-        </p:txBody>
-      </p:sp>
-      <p:sp>
-        <p:nvSpPr>
-          <p:cNvPr id="3" name="Content Placeholder 2"/>
-          <p:cNvSpPr>
-            <a:spLocks noGrp="1"/>
-          </p:cNvSpPr>
-          <p:nvPr>
-            <p:ph idx="1"/>
-          </p:nvPr>
-        </p:nvSpPr>
-        <p:spPr>
-          <a:xfrm>
-            <a:off x="259773" y="1465118"/>
-            <a:ext cx="8749145" cy="4711845"/>
-          </a:xfrm>
-        </p:spPr>
-        <p:txBody>
-          <a:bodyPr>
-            <a:normAutofit fontScale="92500" lnSpcReduction="10000"/>
-          </a:bodyPr>
-          <a:lstStyle/>
-          <a:p>
-            <a:r>
-              <a:rPr lang="en-SG" dirty="0" smtClean="0"/>
-              <a:t>Cannot retrieve Mac Address</a:t>
-            </a:r>
-          </a:p>
-          <a:p>
-            <a:pPr lvl="1"/>
-            <a:r>
-              <a:rPr lang="en-SG" dirty="0" smtClean="0"/>
-              <a:t>Generated UUID specific to iOS device</a:t>
-            </a:r>
-          </a:p>
-          <a:p>
-            <a:pPr lvl="1"/>
-            <a:r>
-              <a:rPr lang="en-SG" dirty="0"/>
-              <a:t>I</a:t>
-            </a:r>
-            <a:r>
-              <a:rPr lang="en-SG" dirty="0" smtClean="0"/>
-              <a:t>dentification issues across iOS devices /Android</a:t>
-            </a:r>
-          </a:p>
-          <a:p>
-            <a:pPr lvl="1"/>
-            <a:r>
-              <a:rPr lang="en-SG" dirty="0" smtClean="0"/>
-              <a:t>Solution:</a:t>
-            </a:r>
-          </a:p>
-          <a:p>
-            <a:pPr lvl="1"/>
-            <a:r>
-              <a:rPr lang="en-SG" dirty="0" smtClean="0"/>
-              <a:t>Peripheral embeds Mac </a:t>
-            </a:r>
-            <a:r>
-              <a:rPr lang="en-SG" dirty="0"/>
-              <a:t>A</a:t>
-            </a:r>
-            <a:r>
-              <a:rPr lang="en-SG" dirty="0" smtClean="0"/>
-              <a:t>ddress in advertisement (GAP) data</a:t>
-            </a:r>
-          </a:p>
-          <a:p>
-            <a:pPr lvl="3"/>
-            <a:r>
-              <a:rPr lang="en-SG" dirty="0" smtClean="0"/>
-              <a:t>Manufacturer data field (</a:t>
-            </a:r>
-            <a:r>
-              <a:rPr lang="en-SG" dirty="0" err="1" smtClean="0"/>
-              <a:t>Innova</a:t>
-            </a:r>
-            <a:r>
-              <a:rPr lang="en-SG" dirty="0" smtClean="0"/>
-              <a:t> Technology)</a:t>
-            </a:r>
-          </a:p>
-          <a:p>
-            <a:pPr lvl="3"/>
-            <a:r>
-              <a:rPr lang="en-SG" dirty="0" smtClean="0"/>
-              <a:t>In device/local name fields (</a:t>
-            </a:r>
-            <a:r>
-              <a:rPr lang="en-SG" dirty="0" err="1" smtClean="0"/>
-              <a:t>Algo</a:t>
-            </a:r>
-            <a:r>
-              <a:rPr lang="en-SG" dirty="0" smtClean="0"/>
-              <a:t> Access)</a:t>
-            </a:r>
-          </a:p>
-          <a:p>
-            <a:r>
-              <a:rPr lang="en-SG" dirty="0" smtClean="0"/>
-              <a:t>Aggressive caching of GATT data</a:t>
-            </a:r>
-          </a:p>
-          <a:p>
-            <a:pPr lvl="1"/>
-            <a:r>
-              <a:rPr lang="en-SG" dirty="0" smtClean="0"/>
-              <a:t>Receive out-of-date GATT data during peripheral development</a:t>
-            </a:r>
-          </a:p>
-          <a:p>
-            <a:pPr lvl="1"/>
-            <a:r>
-              <a:rPr lang="en-SG" dirty="0" smtClean="0"/>
-              <a:t>Solution:</a:t>
-            </a:r>
-          </a:p>
-          <a:p>
-            <a:pPr lvl="2"/>
-            <a:r>
-              <a:rPr lang="en-SG" dirty="0" smtClean="0"/>
-              <a:t>Restart iOS’s Bluetooth after every change in peripheral software/firmware</a:t>
-            </a:r>
-          </a:p>
-          <a:p>
-            <a:r>
-              <a:rPr lang="en-SG" dirty="0" smtClean="0"/>
-              <a:t>Max number of BLE connections</a:t>
-            </a:r>
-          </a:p>
-          <a:p>
-            <a:pPr lvl="1"/>
-            <a:r>
-              <a:rPr lang="en-SG" dirty="0" smtClean="0"/>
-              <a:t>~20 (online anecdotes)</a:t>
-            </a:r>
-            <a:endParaRPr lang="en-SG" dirty="0"/>
-          </a:p>
-          <a:p>
-            <a:endParaRPr lang="en-SG" dirty="0"/>
-          </a:p>
-        </p:txBody>
-      </p:sp>
-      <p:sp>
-        <p:nvSpPr>
-          <p:cNvPr id="4" name="Slide Number Placeholder 3"/>
-          <p:cNvSpPr>
-            <a:spLocks noGrp="1"/>
-          </p:cNvSpPr>
-          <p:nvPr>
-            <p:ph type="sldNum" sz="quarter" idx="12"/>
-          </p:nvPr>
-        </p:nvSpPr>
-        <p:spPr/>
-        <p:txBody>
-          <a:bodyPr/>
-          <a:lstStyle/>
-          <a:p>
-            <a:fld id="{D58B649F-BA72-4D5B-9DE7-B85048FCABD7}" type="slidenum">
-              <a:rPr lang="en-SG" smtClean="0"/>
-              <a:t>28</a:t>
-            </a:fld>
-            <a:endParaRPr lang="en-SG"/>
-          </a:p>
-        </p:txBody>
-      </p:sp>
-    </p:spTree>
-    <p:extLst>
-      <p:ext uri="{BB962C8B-B14F-4D97-AF65-F5344CB8AC3E}">
-        <p14:creationId xmlns:p14="http://schemas.microsoft.com/office/powerpoint/2010/main" val="1415211057"/>
-      </p:ext>
-    </p:extLst>
-  </p:cSld>
-  <p:clrMapOvr>
-    <a:masterClrMapping/>
-  </p:clrMapOvr>
-  <p:timing>
-    <p:tnLst>
-      <p:par>
-        <p:cTn id="1" dur="indefinite" restart="never" nodeType="tmRoot">
-          <p:childTnLst>
-            <p:seq concurrent="1" nextAc="seek">
-              <p:cTn id="2" dur="indefinite" nodeType="mainSeq">
-                <p:childTnLst>
-                  <p:par>
-                    <p:cTn id="3" fill="hold">
-                      <p:stCondLst>
-                        <p:cond delay="indefinite"/>
-                      </p:stCondLst>
-                      <p:childTnLst>
-                        <p:par>
-                          <p:cTn id="4" fill="hold">
-                            <p:stCondLst>
-                              <p:cond delay="0"/>
-                            </p:stCondLst>
-                            <p:childTnLst>
-                              <p:par>
-                                <p:cTn id="5" presetID="10" presetClass="entr" presetSubtype="0" fill="hold" nodeType="clickEffect">
-                                  <p:stCondLst>
-                                    <p:cond delay="0"/>
-                                  </p:stCondLst>
-                                  <p:childTnLst>
-                                    <p:set>
-                                      <p:cBhvr>
-                                        <p:cTn id="6" dur="1" fill="hold">
-                                          <p:stCondLst>
-                                            <p:cond delay="0"/>
-                                          </p:stCondLst>
-                                        </p:cTn>
-                                        <p:tgtEl>
-                                          <p:spTgt spid="3">
-                                            <p:txEl>
-                                              <p:pRg st="0" end="0"/>
-                                            </p:txEl>
-                                          </p:spTgt>
-                                        </p:tgtEl>
-                                        <p:attrNameLst>
-                                          <p:attrName>style.visibility</p:attrName>
-                                        </p:attrNameLst>
-                                      </p:cBhvr>
-                                      <p:to>
-                                        <p:strVal val="visible"/>
-                                      </p:to>
-                                    </p:set>
-                                    <p:animEffect transition="in" filter="fade">
-                                      <p:cBhvr>
-                                        <p:cTn id="7" dur="500"/>
-                                        <p:tgtEl>
-                                          <p:spTgt spid="3">
-                                            <p:txEl>
-                                              <p:pRg st="0" end="0"/>
-                                            </p:txEl>
-                                          </p:spTgt>
-                                        </p:tgtEl>
-                                      </p:cBhvr>
-                                    </p:animEffect>
-                                  </p:childTnLst>
-                                </p:cTn>
-                              </p:par>
-                              <p:par>
-                                <p:cTn id="8" presetID="10" presetClass="entr" presetSubtype="0" fill="hold" nodeType="withEffect">
-                                  <p:stCondLst>
-                                    <p:cond delay="0"/>
-                                  </p:stCondLst>
-                                  <p:childTnLst>
-                                    <p:set>
-                                      <p:cBhvr>
-                                        <p:cTn id="9" dur="1" fill="hold">
-                                          <p:stCondLst>
-                                            <p:cond delay="0"/>
-                                          </p:stCondLst>
-                                        </p:cTn>
-                                        <p:tgtEl>
-                                          <p:spTgt spid="3">
-                                            <p:txEl>
-                                              <p:pRg st="1" end="1"/>
-                                            </p:txEl>
-                                          </p:spTgt>
-                                        </p:tgtEl>
-                                        <p:attrNameLst>
-                                          <p:attrName>style.visibility</p:attrName>
-                                        </p:attrNameLst>
-                                      </p:cBhvr>
-                                      <p:to>
-                                        <p:strVal val="visible"/>
-                                      </p:to>
-                                    </p:set>
-                                    <p:animEffect transition="in" filter="fade">
-                                      <p:cBhvr>
-                                        <p:cTn id="10" dur="500"/>
-                                        <p:tgtEl>
-                                          <p:spTgt spid="3">
-                                            <p:txEl>
-                                              <p:pRg st="1" end="1"/>
-                                            </p:txEl>
-                                          </p:spTgt>
-                                        </p:tgtEl>
-                                      </p:cBhvr>
-                                    </p:animEffect>
-                                  </p:childTnLst>
-                                </p:cTn>
-                              </p:par>
-                              <p:par>
-                                <p:cTn id="11" presetID="10" presetClass="entr" presetSubtype="0" fill="hold" nodeType="withEffect">
-                                  <p:stCondLst>
-                                    <p:cond delay="0"/>
-                                  </p:stCondLst>
-                                  <p:childTnLst>
-                                    <p:set>
-                                      <p:cBhvr>
-                                        <p:cTn id="12" dur="1" fill="hold">
-                                          <p:stCondLst>
-                                            <p:cond delay="0"/>
-                                          </p:stCondLst>
-                                        </p:cTn>
-                                        <p:tgtEl>
-                                          <p:spTgt spid="3">
-                                            <p:txEl>
-                                              <p:pRg st="2" end="2"/>
-                                            </p:txEl>
-                                          </p:spTgt>
-                                        </p:tgtEl>
-                                        <p:attrNameLst>
-                                          <p:attrName>style.visibility</p:attrName>
-                                        </p:attrNameLst>
-                                      </p:cBhvr>
-                                      <p:to>
-                                        <p:strVal val="visible"/>
-                                      </p:to>
-                                    </p:set>
-                                    <p:animEffect transition="in" filter="fade">
-                                      <p:cBhvr>
-                                        <p:cTn id="13" dur="500"/>
-                                        <p:tgtEl>
-                                          <p:spTgt spid="3">
-                                            <p:txEl>
-                                              <p:pRg st="2" end="2"/>
-                                            </p:txEl>
-                                          </p:spTgt>
-                                        </p:tgtEl>
-                                      </p:cBhvr>
-                                    </p:animEffect>
-                                  </p:childTnLst>
-                                </p:cTn>
-                              </p:par>
-                            </p:childTnLst>
-                          </p:cTn>
-                        </p:par>
-                      </p:childTnLst>
-                    </p:cTn>
-                  </p:par>
-                  <p:par>
-                    <p:cTn id="14" fill="hold">
-                      <p:stCondLst>
-                        <p:cond delay="indefinite"/>
-                      </p:stCondLst>
-                      <p:childTnLst>
-                        <p:par>
-                          <p:cTn id="15" fill="hold">
-                            <p:stCondLst>
-                              <p:cond delay="0"/>
-                            </p:stCondLst>
-                            <p:childTnLst>
-                              <p:par>
-                                <p:cTn id="16" presetID="10" presetClass="entr" presetSubtype="0" fill="hold" nodeType="clickEffect">
-                                  <p:stCondLst>
-                                    <p:cond delay="0"/>
-                                  </p:stCondLst>
-                                  <p:childTnLst>
-                                    <p:set>
-                                      <p:cBhvr>
-                                        <p:cTn id="17" dur="1" fill="hold">
-                                          <p:stCondLst>
-                                            <p:cond delay="0"/>
-                                          </p:stCondLst>
-                                        </p:cTn>
-                                        <p:tgtEl>
-                                          <p:spTgt spid="3">
-                                            <p:txEl>
-                                              <p:pRg st="3" end="3"/>
-                                            </p:txEl>
-                                          </p:spTgt>
-                                        </p:tgtEl>
-                                        <p:attrNameLst>
-                                          <p:attrName>style.visibility</p:attrName>
-                                        </p:attrNameLst>
-                                      </p:cBhvr>
-                                      <p:to>
-                                        <p:strVal val="visible"/>
-                                      </p:to>
-                                    </p:set>
-                                    <p:animEffect transition="in" filter="fade">
-                                      <p:cBhvr>
-                                        <p:cTn id="18" dur="500"/>
-                                        <p:tgtEl>
-                                          <p:spTgt spid="3">
-                                            <p:txEl>
-                                              <p:pRg st="3" end="3"/>
-                                            </p:txEl>
-                                          </p:spTgt>
-                                        </p:tgtEl>
-                                      </p:cBhvr>
-                                    </p:animEffect>
-                                  </p:childTnLst>
-                                </p:cTn>
-                              </p:par>
-                            </p:childTnLst>
-                          </p:cTn>
-                        </p:par>
-                      </p:childTnLst>
-                    </p:cTn>
-                  </p:par>
-                  <p:par>
-                    <p:cTn id="19" fill="hold">
-                      <p:stCondLst>
-                        <p:cond delay="indefinite"/>
-                      </p:stCondLst>
-                      <p:childTnLst>
-                        <p:par>
-                          <p:cTn id="20" fill="hold">
-                            <p:stCondLst>
-                              <p:cond delay="0"/>
-                            </p:stCondLst>
-                            <p:childTnLst>
-                              <p:par>
-                                <p:cTn id="21" presetID="10" presetClass="entr" presetSubtype="0" fill="hold" nodeType="clickEffect">
-                                  <p:stCondLst>
-                                    <p:cond delay="0"/>
-                                  </p:stCondLst>
-                                  <p:childTnLst>
-                                    <p:set>
-                                      <p:cBhvr>
-                                        <p:cTn id="22" dur="1" fill="hold">
-                                          <p:stCondLst>
-                                            <p:cond delay="0"/>
-                                          </p:stCondLst>
-                                        </p:cTn>
-                                        <p:tgtEl>
-                                          <p:spTgt spid="3">
-                                            <p:txEl>
-                                              <p:pRg st="4" end="4"/>
-                                            </p:txEl>
-                                          </p:spTgt>
-                                        </p:tgtEl>
-                                        <p:attrNameLst>
-                                          <p:attrName>style.visibility</p:attrName>
-                                        </p:attrNameLst>
-                                      </p:cBhvr>
-                                      <p:to>
-                                        <p:strVal val="visible"/>
-                                      </p:to>
-                                    </p:set>
-                                    <p:animEffect transition="in" filter="fade">
-                                      <p:cBhvr>
-                                        <p:cTn id="23" dur="500"/>
-                                        <p:tgtEl>
-                                          <p:spTgt spid="3">
-                                            <p:txEl>
-                                              <p:pRg st="4" end="4"/>
-                                            </p:txEl>
-                                          </p:spTgt>
-                                        </p:tgtEl>
-                                      </p:cBhvr>
-                                    </p:animEffect>
-                                  </p:childTnLst>
-                                </p:cTn>
-                              </p:par>
-                              <p:par>
-                                <p:cTn id="24" presetID="10" presetClass="entr" presetSubtype="0" fill="hold" nodeType="withEffect">
-                                  <p:stCondLst>
-                                    <p:cond delay="0"/>
-                                  </p:stCondLst>
-                                  <p:childTnLst>
-                                    <p:set>
-                                      <p:cBhvr>
-                                        <p:cTn id="25" dur="1" fill="hold">
-                                          <p:stCondLst>
-                                            <p:cond delay="0"/>
-                                          </p:stCondLst>
-                                        </p:cTn>
-                                        <p:tgtEl>
-                                          <p:spTgt spid="3">
-                                            <p:txEl>
-                                              <p:pRg st="5" end="5"/>
-                                            </p:txEl>
-                                          </p:spTgt>
-                                        </p:tgtEl>
-                                        <p:attrNameLst>
-                                          <p:attrName>style.visibility</p:attrName>
-                                        </p:attrNameLst>
-                                      </p:cBhvr>
-                                      <p:to>
-                                        <p:strVal val="visible"/>
-                                      </p:to>
-                                    </p:set>
-                                    <p:animEffect transition="in" filter="fade">
-                                      <p:cBhvr>
-                                        <p:cTn id="26" dur="500"/>
-                                        <p:tgtEl>
-                                          <p:spTgt spid="3">
-                                            <p:txEl>
-                                              <p:pRg st="5" end="5"/>
-                                            </p:txEl>
-                                          </p:spTgt>
-                                        </p:tgtEl>
-                                      </p:cBhvr>
-                                    </p:animEffect>
-                                  </p:childTnLst>
-                                </p:cTn>
-                              </p:par>
-                              <p:par>
-                                <p:cTn id="27" presetID="10" presetClass="entr" presetSubtype="0" fill="hold" nodeType="withEffect">
-                                  <p:stCondLst>
-                                    <p:cond delay="0"/>
-                                  </p:stCondLst>
-                                  <p:childTnLst>
-                                    <p:set>
-                                      <p:cBhvr>
-                                        <p:cTn id="28" dur="1" fill="hold">
-                                          <p:stCondLst>
-                                            <p:cond delay="0"/>
-                                          </p:stCondLst>
-                                        </p:cTn>
-                                        <p:tgtEl>
-                                          <p:spTgt spid="3">
-                                            <p:txEl>
-                                              <p:pRg st="6" end="6"/>
-                                            </p:txEl>
-                                          </p:spTgt>
-                                        </p:tgtEl>
-                                        <p:attrNameLst>
-                                          <p:attrName>style.visibility</p:attrName>
-                                        </p:attrNameLst>
-                                      </p:cBhvr>
-                                      <p:to>
-                                        <p:strVal val="visible"/>
-                                      </p:to>
-                                    </p:set>
-                                    <p:animEffect transition="in" filter="fade">
-                                      <p:cBhvr>
-                                        <p:cTn id="29" dur="500"/>
-                                        <p:tgtEl>
-                                          <p:spTgt spid="3">
-                                            <p:txEl>
-                                              <p:pRg st="6" end="6"/>
-                                            </p:txEl>
-                                          </p:spTgt>
-                                        </p:tgtEl>
-                                      </p:cBhvr>
-                                    </p:animEffect>
-                                  </p:childTnLst>
-                                </p:cTn>
-                              </p:par>
-                            </p:childTnLst>
-                          </p:cTn>
-                        </p:par>
-                      </p:childTnLst>
-                    </p:cTn>
-                  </p:par>
-                  <p:par>
-                    <p:cTn id="30" fill="hold">
-                      <p:stCondLst>
-                        <p:cond delay="indefinite"/>
-                      </p:stCondLst>
-                      <p:childTnLst>
-                        <p:par>
-                          <p:cTn id="31" fill="hold">
-                            <p:stCondLst>
-                              <p:cond delay="0"/>
-                            </p:stCondLst>
-                            <p:childTnLst>
-                              <p:par>
-                                <p:cTn id="32" presetID="10" presetClass="entr" presetSubtype="0" fill="hold" nodeType="clickEffect">
-                                  <p:stCondLst>
-                                    <p:cond delay="0"/>
-                                  </p:stCondLst>
-                                  <p:childTnLst>
-                                    <p:set>
-                                      <p:cBhvr>
-                                        <p:cTn id="33" dur="1" fill="hold">
-                                          <p:stCondLst>
-                                            <p:cond delay="0"/>
-                                          </p:stCondLst>
-                                        </p:cTn>
-                                        <p:tgtEl>
-                                          <p:spTgt spid="3">
-                                            <p:txEl>
-                                              <p:pRg st="7" end="7"/>
-                                            </p:txEl>
-                                          </p:spTgt>
-                                        </p:tgtEl>
-                                        <p:attrNameLst>
-                                          <p:attrName>style.visibility</p:attrName>
-                                        </p:attrNameLst>
-                                      </p:cBhvr>
-                                      <p:to>
-                                        <p:strVal val="visible"/>
-                                      </p:to>
-                                    </p:set>
-                                    <p:animEffect transition="in" filter="fade">
-                                      <p:cBhvr>
-                                        <p:cTn id="34" dur="500"/>
-                                        <p:tgtEl>
-                                          <p:spTgt spid="3">
-                                            <p:txEl>
-                                              <p:pRg st="7" end="7"/>
-                                            </p:txEl>
-                                          </p:spTgt>
-                                        </p:tgtEl>
-                                      </p:cBhvr>
-                                    </p:animEffect>
-                                  </p:childTnLst>
-                                </p:cTn>
-                              </p:par>
-                              <p:par>
-                                <p:cTn id="35" presetID="10" presetClass="entr" presetSubtype="0" fill="hold" nodeType="withEffect">
-                                  <p:stCondLst>
-                                    <p:cond delay="0"/>
-                                  </p:stCondLst>
-                                  <p:childTnLst>
-                                    <p:set>
-                                      <p:cBhvr>
-                                        <p:cTn id="36" dur="1" fill="hold">
-                                          <p:stCondLst>
-                                            <p:cond delay="0"/>
-                                          </p:stCondLst>
-                                        </p:cTn>
-                                        <p:tgtEl>
-                                          <p:spTgt spid="3">
-                                            <p:txEl>
-                                              <p:pRg st="8" end="8"/>
-                                            </p:txEl>
-                                          </p:spTgt>
-                                        </p:tgtEl>
-                                        <p:attrNameLst>
-                                          <p:attrName>style.visibility</p:attrName>
-                                        </p:attrNameLst>
-                                      </p:cBhvr>
-                                      <p:to>
-                                        <p:strVal val="visible"/>
-                                      </p:to>
-                                    </p:set>
-                                    <p:animEffect transition="in" filter="fade">
-                                      <p:cBhvr>
-                                        <p:cTn id="37" dur="500"/>
-                                        <p:tgtEl>
-                                          <p:spTgt spid="3">
-                                            <p:txEl>
-                                              <p:pRg st="8" end="8"/>
-                                            </p:txEl>
-                                          </p:spTgt>
-                                        </p:tgtEl>
-                                      </p:cBhvr>
-                                    </p:animEffect>
-                                  </p:childTnLst>
-                                </p:cTn>
-                              </p:par>
-                            </p:childTnLst>
-                          </p:cTn>
-                        </p:par>
-                      </p:childTnLst>
-                    </p:cTn>
-                  </p:par>
-                  <p:par>
-                    <p:cTn id="38" fill="hold">
-                      <p:stCondLst>
-                        <p:cond delay="indefinite"/>
-                      </p:stCondLst>
-                      <p:childTnLst>
-                        <p:par>
-                          <p:cTn id="39" fill="hold">
-                            <p:stCondLst>
-                              <p:cond delay="0"/>
-                            </p:stCondLst>
-                            <p:childTnLst>
-                              <p:par>
-                                <p:cTn id="40" presetID="10" presetClass="entr" presetSubtype="0" fill="hold" nodeType="clickEffect">
-                                  <p:stCondLst>
-                                    <p:cond delay="0"/>
-                                  </p:stCondLst>
-                                  <p:childTnLst>
-                                    <p:set>
-                                      <p:cBhvr>
-                                        <p:cTn id="41" dur="1" fill="hold">
-                                          <p:stCondLst>
-                                            <p:cond delay="0"/>
-                                          </p:stCondLst>
-                                        </p:cTn>
-                                        <p:tgtEl>
-                                          <p:spTgt spid="3">
-                                            <p:txEl>
-                                              <p:pRg st="9" end="9"/>
-                                            </p:txEl>
-                                          </p:spTgt>
-                                        </p:tgtEl>
-                                        <p:attrNameLst>
-                                          <p:attrName>style.visibility</p:attrName>
-                                        </p:attrNameLst>
-                                      </p:cBhvr>
-                                      <p:to>
-                                        <p:strVal val="visible"/>
-                                      </p:to>
-                                    </p:set>
-                                    <p:animEffect transition="in" filter="fade">
-                                      <p:cBhvr>
-                                        <p:cTn id="42" dur="500"/>
-                                        <p:tgtEl>
-                                          <p:spTgt spid="3">
-                                            <p:txEl>
-                                              <p:pRg st="9" end="9"/>
-                                            </p:txEl>
-                                          </p:spTgt>
-                                        </p:tgtEl>
-                                      </p:cBhvr>
-                                    </p:animEffect>
-                                  </p:childTnLst>
-                                </p:cTn>
-                              </p:par>
-                              <p:par>
-                                <p:cTn id="43" presetID="10" presetClass="entr" presetSubtype="0" fill="hold" nodeType="withEffect">
-                                  <p:stCondLst>
-                                    <p:cond delay="0"/>
-                                  </p:stCondLst>
-                                  <p:childTnLst>
-                                    <p:set>
-                                      <p:cBhvr>
-                                        <p:cTn id="44" dur="1" fill="hold">
-                                          <p:stCondLst>
-                                            <p:cond delay="0"/>
-                                          </p:stCondLst>
-                                        </p:cTn>
-                                        <p:tgtEl>
-                                          <p:spTgt spid="3">
-                                            <p:txEl>
-                                              <p:pRg st="10" end="10"/>
-                                            </p:txEl>
-                                          </p:spTgt>
-                                        </p:tgtEl>
-                                        <p:attrNameLst>
-                                          <p:attrName>style.visibility</p:attrName>
-                                        </p:attrNameLst>
-                                      </p:cBhvr>
-                                      <p:to>
-                                        <p:strVal val="visible"/>
-                                      </p:to>
-                                    </p:set>
-                                    <p:animEffect transition="in" filter="fade">
-                                      <p:cBhvr>
-                                        <p:cTn id="45" dur="500"/>
-                                        <p:tgtEl>
-                                          <p:spTgt spid="3">
-                                            <p:txEl>
-                                              <p:pRg st="10" end="10"/>
-                                            </p:txEl>
-                                          </p:spTgt>
-                                        </p:tgtEl>
-                                      </p:cBhvr>
-                                    </p:animEffect>
-                                  </p:childTnLst>
-                                </p:cTn>
-                              </p:par>
-                            </p:childTnLst>
-                          </p:cTn>
-                        </p:par>
-                      </p:childTnLst>
-                    </p:cTn>
-                  </p:par>
-                  <p:par>
-                    <p:cTn id="46" fill="hold">
-                      <p:stCondLst>
-                        <p:cond delay="indefinite"/>
-                      </p:stCondLst>
-                      <p:childTnLst>
-                        <p:par>
-                          <p:cTn id="47" fill="hold">
-                            <p:stCondLst>
-                              <p:cond delay="0"/>
-                            </p:stCondLst>
-                            <p:childTnLst>
-                              <p:par>
-                                <p:cTn id="48" presetID="10" presetClass="entr" presetSubtype="0" fill="hold" nodeType="clickEffect">
-                                  <p:stCondLst>
-                                    <p:cond delay="0"/>
-                                  </p:stCondLst>
-                                  <p:childTnLst>
-                                    <p:set>
-                                      <p:cBhvr>
-                                        <p:cTn id="49" dur="1" fill="hold">
-                                          <p:stCondLst>
-                                            <p:cond delay="0"/>
-                                          </p:stCondLst>
-                                        </p:cTn>
-                                        <p:tgtEl>
-                                          <p:spTgt spid="3">
-                                            <p:txEl>
-                                              <p:pRg st="11" end="11"/>
-                                            </p:txEl>
-                                          </p:spTgt>
-                                        </p:tgtEl>
-                                        <p:attrNameLst>
-                                          <p:attrName>style.visibility</p:attrName>
-                                        </p:attrNameLst>
-                                      </p:cBhvr>
-                                      <p:to>
-                                        <p:strVal val="visible"/>
-                                      </p:to>
-                                    </p:set>
-                                    <p:animEffect transition="in" filter="fade">
-                                      <p:cBhvr>
-                                        <p:cTn id="50" dur="500"/>
-                                        <p:tgtEl>
-                                          <p:spTgt spid="3">
-                                            <p:txEl>
-                                              <p:pRg st="11" end="11"/>
-                                            </p:txEl>
-                                          </p:spTgt>
-                                        </p:tgtEl>
-                                      </p:cBhvr>
-                                    </p:animEffect>
-                                  </p:childTnLst>
-                                </p:cTn>
-                              </p:par>
-                              <p:par>
-                                <p:cTn id="51" presetID="10" presetClass="entr" presetSubtype="0" fill="hold" nodeType="withEffect">
-                                  <p:stCondLst>
-                                    <p:cond delay="0"/>
-                                  </p:stCondLst>
-                                  <p:childTnLst>
-                                    <p:set>
-                                      <p:cBhvr>
-                                        <p:cTn id="52" dur="1" fill="hold">
-                                          <p:stCondLst>
-                                            <p:cond delay="0"/>
-                                          </p:stCondLst>
-                                        </p:cTn>
-                                        <p:tgtEl>
-                                          <p:spTgt spid="3">
-                                            <p:txEl>
-                                              <p:pRg st="12" end="12"/>
-                                            </p:txEl>
-                                          </p:spTgt>
-                                        </p:tgtEl>
-                                        <p:attrNameLst>
-                                          <p:attrName>style.visibility</p:attrName>
-                                        </p:attrNameLst>
-                                      </p:cBhvr>
-                                      <p:to>
-                                        <p:strVal val="visible"/>
-                                      </p:to>
-                                    </p:set>
-                                    <p:animEffect transition="in" filter="fade">
-                                      <p:cBhvr>
-                                        <p:cTn id="53" dur="500"/>
-                                        <p:tgtEl>
-                                          <p:spTgt spid="3">
-                                            <p:txEl>
-                                              <p:pRg st="12" end="12"/>
                                             </p:txEl>
                                           </p:spTgt>
                                         </p:tgtEl>
@@ -16468,7 +15952,7 @@
           <a:p>
             <a:r>
               <a:rPr lang="en-SG" dirty="0" smtClean="0"/>
-              <a:t>4c. Android issues (the past)</a:t>
+              <a:t>4b. iOS issues</a:t>
             </a:r>
             <a:endParaRPr lang="en-SG" dirty="0"/>
           </a:p>
@@ -16484,63 +15968,135 @@
             <p:ph idx="1"/>
           </p:nvPr>
         </p:nvSpPr>
-        <p:spPr/>
+        <p:spPr>
+          <a:xfrm>
+            <a:off x="259773" y="1465118"/>
+            <a:ext cx="8749145" cy="4711845"/>
+          </a:xfrm>
+        </p:spPr>
         <p:txBody>
-          <a:bodyPr/>
+          <a:bodyPr>
+            <a:normAutofit fontScale="92500" lnSpcReduction="10000"/>
+          </a:bodyPr>
           <a:lstStyle/>
           <a:p>
             <a:r>
               <a:rPr lang="en-SG" dirty="0" smtClean="0"/>
-              <a:t>Before Android 4.3 (July 2013)</a:t>
+              <a:t>Cannot retrieve Mac Address</a:t>
             </a:r>
           </a:p>
           <a:p>
             <a:pPr lvl="1"/>
             <a:r>
               <a:rPr lang="en-SG" dirty="0" smtClean="0"/>
-              <a:t>Fragmentation hell</a:t>
+              <a:t>Generated UUID specific to iOS device</a:t>
             </a:r>
           </a:p>
           <a:p>
             <a:pPr lvl="1"/>
             <a:r>
-              <a:rPr lang="en-SG" dirty="0" smtClean="0"/>
-              <a:t>Proprietary Libraries by OEMs, Android &lt;= 4.2</a:t>
+              <a:rPr lang="en-SG" dirty="0"/>
+              <a:t>I</a:t>
+            </a:r>
+            <a:r>
+              <a:rPr lang="en-SG" dirty="0" smtClean="0"/>
+              <a:t>dentification issues across iOS devices /Android</a:t>
+            </a:r>
+          </a:p>
+          <a:p>
+            <a:pPr lvl="1"/>
+            <a:r>
+              <a:rPr lang="en-SG" dirty="0" smtClean="0"/>
+              <a:t>Solution:</a:t>
+            </a:r>
+          </a:p>
+          <a:p>
+            <a:pPr lvl="1"/>
+            <a:r>
+              <a:rPr lang="en-SG" dirty="0" smtClean="0"/>
+              <a:t>Peripheral embeds Mac </a:t>
+            </a:r>
+            <a:r>
+              <a:rPr lang="en-SG" dirty="0"/>
+              <a:t>A</a:t>
+            </a:r>
+            <a:r>
+              <a:rPr lang="en-SG" dirty="0" smtClean="0"/>
+              <a:t>ddress in advertisement (GAP) data</a:t>
+            </a:r>
+          </a:p>
+          <a:p>
+            <a:pPr lvl="3"/>
+            <a:r>
+              <a:rPr lang="en-SG" dirty="0" smtClean="0"/>
+              <a:t>Manufacturer data field (</a:t>
+            </a:r>
+            <a:r>
+              <a:rPr lang="en-SG" dirty="0" err="1" smtClean="0"/>
+              <a:t>Innova</a:t>
+            </a:r>
+            <a:r>
+              <a:rPr lang="en-SG" dirty="0" smtClean="0"/>
+              <a:t> Technology)</a:t>
+            </a:r>
+          </a:p>
+          <a:p>
+            <a:pPr lvl="3"/>
+            <a:r>
+              <a:rPr lang="en-SG" dirty="0" smtClean="0"/>
+              <a:t>In device/local name fields (</a:t>
+            </a:r>
+            <a:r>
+              <a:rPr lang="en-SG" dirty="0" err="1" smtClean="0"/>
+              <a:t>Algo</a:t>
+            </a:r>
+            <a:r>
+              <a:rPr lang="en-SG" dirty="0" smtClean="0"/>
+              <a:t> Access)</a:t>
+            </a:r>
+          </a:p>
+          <a:p>
+            <a:r>
+              <a:rPr lang="en-SG" dirty="0" smtClean="0"/>
+              <a:t>Aggressive caching of GATT data</a:t>
+            </a:r>
+          </a:p>
+          <a:p>
+            <a:pPr lvl="1"/>
+            <a:r>
+              <a:rPr lang="en-SG" dirty="0" smtClean="0"/>
+              <a:t>Receive out-of-date GATT data during peripheral development</a:t>
+            </a:r>
+          </a:p>
+          <a:p>
+            <a:pPr lvl="1"/>
+            <a:r>
+              <a:rPr lang="en-SG" dirty="0" smtClean="0"/>
+              <a:t>Solution:</a:t>
             </a:r>
           </a:p>
           <a:p>
             <a:pPr lvl="2"/>
             <a:r>
               <a:rPr lang="en-SG" dirty="0" smtClean="0"/>
-              <a:t>Samsung (quite reliable)</a:t>
-            </a:r>
-          </a:p>
-          <a:p>
-            <a:pPr lvl="2"/>
-            <a:r>
-              <a:rPr lang="en-SG" dirty="0" smtClean="0"/>
-              <a:t>HTC – buggy, unreliable </a:t>
-            </a:r>
-          </a:p>
-          <a:p>
-            <a:pPr lvl="2"/>
-            <a:r>
-              <a:rPr lang="en-SG" dirty="0" smtClean="0"/>
-              <a:t>Motorola (reliable but conflicts with Android 4.3)</a:t>
+              <a:t>Restart iOS’s Bluetooth after every change in peripheral software/firmware</a:t>
+            </a:r>
+          </a:p>
+          <a:p>
+            <a:r>
+              <a:rPr lang="en-SG" dirty="0" smtClean="0"/>
+              <a:t>Max number of BLE connections</a:t>
             </a:r>
           </a:p>
           <a:p>
             <a:pPr lvl="1"/>
             <a:r>
               <a:rPr lang="en-SG" dirty="0" smtClean="0"/>
-              <a:t>Architecture issues</a:t>
-            </a:r>
-          </a:p>
-          <a:p>
-            <a:r>
-              <a:rPr lang="en-SG" dirty="0" smtClean="0"/>
-              <a:t>Testing issues</a:t>
-            </a:r>
+              <a:t>~20 (online anecdotes)</a:t>
+            </a:r>
+            <a:endParaRPr lang="en-SG" dirty="0"/>
+          </a:p>
+          <a:p>
             <a:endParaRPr lang="en-SG" dirty="0"/>
           </a:p>
         </p:txBody>
@@ -16564,14 +16120,14 @@
               <a:rPr lang="en-SG" smtClean="0"/>
               <a:t>29</a:t>
             </a:fld>
-            <a:endParaRPr lang="en-SG" dirty="0"/>
+            <a:endParaRPr lang="en-SG"/>
           </a:p>
         </p:txBody>
       </p:sp>
     </p:spTree>
     <p:extLst>
       <p:ext uri="{BB962C8B-B14F-4D97-AF65-F5344CB8AC3E}">
-        <p14:creationId xmlns:p14="http://schemas.microsoft.com/office/powerpoint/2010/main" val="631284598"/>
+        <p14:creationId xmlns:p14="http://schemas.microsoft.com/office/powerpoint/2010/main" val="1415211057"/>
       </p:ext>
     </p:extLst>
   </p:cSld>
@@ -16581,7 +16137,697 @@
   <p:timing>
     <p:tnLst>
       <p:par>
-        <p:cTn id="1" dur="indefinite" restart="never" nodeType="tmRoot"/>
+        <p:cTn id="1" dur="indefinite" restart="never" nodeType="tmRoot">
+          <p:childTnLst>
+            <p:seq concurrent="1" nextAc="seek">
+              <p:cTn id="2" dur="indefinite" nodeType="mainSeq">
+                <p:childTnLst>
+                  <p:par>
+                    <p:cTn id="3" fill="hold">
+                      <p:stCondLst>
+                        <p:cond delay="indefinite"/>
+                      </p:stCondLst>
+                      <p:childTnLst>
+                        <p:par>
+                          <p:cTn id="4" fill="hold">
+                            <p:stCondLst>
+                              <p:cond delay="0"/>
+                            </p:stCondLst>
+                            <p:childTnLst>
+                              <p:par>
+                                <p:cTn id="5" presetID="10" presetClass="entr" presetSubtype="0" fill="hold" nodeType="clickEffect">
+                                  <p:stCondLst>
+                                    <p:cond delay="0"/>
+                                  </p:stCondLst>
+                                  <p:childTnLst>
+                                    <p:set>
+                                      <p:cBhvr>
+                                        <p:cTn id="6" dur="1" fill="hold">
+                                          <p:stCondLst>
+                                            <p:cond delay="0"/>
+                                          </p:stCondLst>
+                                        </p:cTn>
+                                        <p:tgtEl>
+                                          <p:spTgt spid="3">
+                                            <p:txEl>
+                                              <p:pRg st="0" end="0"/>
+                                            </p:txEl>
+                                          </p:spTgt>
+                                        </p:tgtEl>
+                                        <p:attrNameLst>
+                                          <p:attrName>style.visibility</p:attrName>
+                                        </p:attrNameLst>
+                                      </p:cBhvr>
+                                      <p:to>
+                                        <p:strVal val="visible"/>
+                                      </p:to>
+                                    </p:set>
+                                    <p:animEffect transition="in" filter="fade">
+                                      <p:cBhvr>
+                                        <p:cTn id="7" dur="500"/>
+                                        <p:tgtEl>
+                                          <p:spTgt spid="3">
+                                            <p:txEl>
+                                              <p:pRg st="0" end="0"/>
+                                            </p:txEl>
+                                          </p:spTgt>
+                                        </p:tgtEl>
+                                      </p:cBhvr>
+                                    </p:animEffect>
+                                  </p:childTnLst>
+                                </p:cTn>
+                              </p:par>
+                              <p:par>
+                                <p:cTn id="8" presetID="10" presetClass="entr" presetSubtype="0" fill="hold" nodeType="withEffect">
+                                  <p:stCondLst>
+                                    <p:cond delay="0"/>
+                                  </p:stCondLst>
+                                  <p:childTnLst>
+                                    <p:set>
+                                      <p:cBhvr>
+                                        <p:cTn id="9" dur="1" fill="hold">
+                                          <p:stCondLst>
+                                            <p:cond delay="0"/>
+                                          </p:stCondLst>
+                                        </p:cTn>
+                                        <p:tgtEl>
+                                          <p:spTgt spid="3">
+                                            <p:txEl>
+                                              <p:pRg st="1" end="1"/>
+                                            </p:txEl>
+                                          </p:spTgt>
+                                        </p:tgtEl>
+                                        <p:attrNameLst>
+                                          <p:attrName>style.visibility</p:attrName>
+                                        </p:attrNameLst>
+                                      </p:cBhvr>
+                                      <p:to>
+                                        <p:strVal val="visible"/>
+                                      </p:to>
+                                    </p:set>
+                                    <p:animEffect transition="in" filter="fade">
+                                      <p:cBhvr>
+                                        <p:cTn id="10" dur="500"/>
+                                        <p:tgtEl>
+                                          <p:spTgt spid="3">
+                                            <p:txEl>
+                                              <p:pRg st="1" end="1"/>
+                                            </p:txEl>
+                                          </p:spTgt>
+                                        </p:tgtEl>
+                                      </p:cBhvr>
+                                    </p:animEffect>
+                                  </p:childTnLst>
+                                </p:cTn>
+                              </p:par>
+                              <p:par>
+                                <p:cTn id="11" presetID="10" presetClass="entr" presetSubtype="0" fill="hold" nodeType="withEffect">
+                                  <p:stCondLst>
+                                    <p:cond delay="0"/>
+                                  </p:stCondLst>
+                                  <p:childTnLst>
+                                    <p:set>
+                                      <p:cBhvr>
+                                        <p:cTn id="12" dur="1" fill="hold">
+                                          <p:stCondLst>
+                                            <p:cond delay="0"/>
+                                          </p:stCondLst>
+                                        </p:cTn>
+                                        <p:tgtEl>
+                                          <p:spTgt spid="3">
+                                            <p:txEl>
+                                              <p:pRg st="2" end="2"/>
+                                            </p:txEl>
+                                          </p:spTgt>
+                                        </p:tgtEl>
+                                        <p:attrNameLst>
+                                          <p:attrName>style.visibility</p:attrName>
+                                        </p:attrNameLst>
+                                      </p:cBhvr>
+                                      <p:to>
+                                        <p:strVal val="visible"/>
+                                      </p:to>
+                                    </p:set>
+                                    <p:animEffect transition="in" filter="fade">
+                                      <p:cBhvr>
+                                        <p:cTn id="13" dur="500"/>
+                                        <p:tgtEl>
+                                          <p:spTgt spid="3">
+                                            <p:txEl>
+                                              <p:pRg st="2" end="2"/>
+                                            </p:txEl>
+                                          </p:spTgt>
+                                        </p:tgtEl>
+                                      </p:cBhvr>
+                                    </p:animEffect>
+                                  </p:childTnLst>
+                                </p:cTn>
+                              </p:par>
+                            </p:childTnLst>
+                          </p:cTn>
+                        </p:par>
+                      </p:childTnLst>
+                    </p:cTn>
+                  </p:par>
+                  <p:par>
+                    <p:cTn id="14" fill="hold">
+                      <p:stCondLst>
+                        <p:cond delay="indefinite"/>
+                      </p:stCondLst>
+                      <p:childTnLst>
+                        <p:par>
+                          <p:cTn id="15" fill="hold">
+                            <p:stCondLst>
+                              <p:cond delay="0"/>
+                            </p:stCondLst>
+                            <p:childTnLst>
+                              <p:par>
+                                <p:cTn id="16" presetID="10" presetClass="entr" presetSubtype="0" fill="hold" nodeType="clickEffect">
+                                  <p:stCondLst>
+                                    <p:cond delay="0"/>
+                                  </p:stCondLst>
+                                  <p:childTnLst>
+                                    <p:set>
+                                      <p:cBhvr>
+                                        <p:cTn id="17" dur="1" fill="hold">
+                                          <p:stCondLst>
+                                            <p:cond delay="0"/>
+                                          </p:stCondLst>
+                                        </p:cTn>
+                                        <p:tgtEl>
+                                          <p:spTgt spid="3">
+                                            <p:txEl>
+                                              <p:pRg st="3" end="3"/>
+                                            </p:txEl>
+                                          </p:spTgt>
+                                        </p:tgtEl>
+                                        <p:attrNameLst>
+                                          <p:attrName>style.visibility</p:attrName>
+                                        </p:attrNameLst>
+                                      </p:cBhvr>
+                                      <p:to>
+                                        <p:strVal val="visible"/>
+                                      </p:to>
+                                    </p:set>
+                                    <p:animEffect transition="in" filter="fade">
+                                      <p:cBhvr>
+                                        <p:cTn id="18" dur="500"/>
+                                        <p:tgtEl>
+                                          <p:spTgt spid="3">
+                                            <p:txEl>
+                                              <p:pRg st="3" end="3"/>
+                                            </p:txEl>
+                                          </p:spTgt>
+                                        </p:tgtEl>
+                                      </p:cBhvr>
+                                    </p:animEffect>
+                                  </p:childTnLst>
+                                </p:cTn>
+                              </p:par>
+                            </p:childTnLst>
+                          </p:cTn>
+                        </p:par>
+                      </p:childTnLst>
+                    </p:cTn>
+                  </p:par>
+                  <p:par>
+                    <p:cTn id="19" fill="hold">
+                      <p:stCondLst>
+                        <p:cond delay="indefinite"/>
+                      </p:stCondLst>
+                      <p:childTnLst>
+                        <p:par>
+                          <p:cTn id="20" fill="hold">
+                            <p:stCondLst>
+                              <p:cond delay="0"/>
+                            </p:stCondLst>
+                            <p:childTnLst>
+                              <p:par>
+                                <p:cTn id="21" presetID="10" presetClass="entr" presetSubtype="0" fill="hold" nodeType="clickEffect">
+                                  <p:stCondLst>
+                                    <p:cond delay="0"/>
+                                  </p:stCondLst>
+                                  <p:childTnLst>
+                                    <p:set>
+                                      <p:cBhvr>
+                                        <p:cTn id="22" dur="1" fill="hold">
+                                          <p:stCondLst>
+                                            <p:cond delay="0"/>
+                                          </p:stCondLst>
+                                        </p:cTn>
+                                        <p:tgtEl>
+                                          <p:spTgt spid="3">
+                                            <p:txEl>
+                                              <p:pRg st="4" end="4"/>
+                                            </p:txEl>
+                                          </p:spTgt>
+                                        </p:tgtEl>
+                                        <p:attrNameLst>
+                                          <p:attrName>style.visibility</p:attrName>
+                                        </p:attrNameLst>
+                                      </p:cBhvr>
+                                      <p:to>
+                                        <p:strVal val="visible"/>
+                                      </p:to>
+                                    </p:set>
+                                    <p:animEffect transition="in" filter="fade">
+                                      <p:cBhvr>
+                                        <p:cTn id="23" dur="500"/>
+                                        <p:tgtEl>
+                                          <p:spTgt spid="3">
+                                            <p:txEl>
+                                              <p:pRg st="4" end="4"/>
+                                            </p:txEl>
+                                          </p:spTgt>
+                                        </p:tgtEl>
+                                      </p:cBhvr>
+                                    </p:animEffect>
+                                  </p:childTnLst>
+                                </p:cTn>
+                              </p:par>
+                              <p:par>
+                                <p:cTn id="24" presetID="10" presetClass="entr" presetSubtype="0" fill="hold" nodeType="withEffect">
+                                  <p:stCondLst>
+                                    <p:cond delay="0"/>
+                                  </p:stCondLst>
+                                  <p:childTnLst>
+                                    <p:set>
+                                      <p:cBhvr>
+                                        <p:cTn id="25" dur="1" fill="hold">
+                                          <p:stCondLst>
+                                            <p:cond delay="0"/>
+                                          </p:stCondLst>
+                                        </p:cTn>
+                                        <p:tgtEl>
+                                          <p:spTgt spid="3">
+                                            <p:txEl>
+                                              <p:pRg st="5" end="5"/>
+                                            </p:txEl>
+                                          </p:spTgt>
+                                        </p:tgtEl>
+                                        <p:attrNameLst>
+                                          <p:attrName>style.visibility</p:attrName>
+                                        </p:attrNameLst>
+                                      </p:cBhvr>
+                                      <p:to>
+                                        <p:strVal val="visible"/>
+                                      </p:to>
+                                    </p:set>
+                                    <p:animEffect transition="in" filter="fade">
+                                      <p:cBhvr>
+                                        <p:cTn id="26" dur="500"/>
+                                        <p:tgtEl>
+                                          <p:spTgt spid="3">
+                                            <p:txEl>
+                                              <p:pRg st="5" end="5"/>
+                                            </p:txEl>
+                                          </p:spTgt>
+                                        </p:tgtEl>
+                                      </p:cBhvr>
+                                    </p:animEffect>
+                                  </p:childTnLst>
+                                </p:cTn>
+                              </p:par>
+                              <p:par>
+                                <p:cTn id="27" presetID="10" presetClass="entr" presetSubtype="0" fill="hold" nodeType="withEffect">
+                                  <p:stCondLst>
+                                    <p:cond delay="0"/>
+                                  </p:stCondLst>
+                                  <p:childTnLst>
+                                    <p:set>
+                                      <p:cBhvr>
+                                        <p:cTn id="28" dur="1" fill="hold">
+                                          <p:stCondLst>
+                                            <p:cond delay="0"/>
+                                          </p:stCondLst>
+                                        </p:cTn>
+                                        <p:tgtEl>
+                                          <p:spTgt spid="3">
+                                            <p:txEl>
+                                              <p:pRg st="6" end="6"/>
+                                            </p:txEl>
+                                          </p:spTgt>
+                                        </p:tgtEl>
+                                        <p:attrNameLst>
+                                          <p:attrName>style.visibility</p:attrName>
+                                        </p:attrNameLst>
+                                      </p:cBhvr>
+                                      <p:to>
+                                        <p:strVal val="visible"/>
+                                      </p:to>
+                                    </p:set>
+                                    <p:animEffect transition="in" filter="fade">
+                                      <p:cBhvr>
+                                        <p:cTn id="29" dur="500"/>
+                                        <p:tgtEl>
+                                          <p:spTgt spid="3">
+                                            <p:txEl>
+                                              <p:pRg st="6" end="6"/>
+                                            </p:txEl>
+                                          </p:spTgt>
+                                        </p:tgtEl>
+                                      </p:cBhvr>
+                                    </p:animEffect>
+                                  </p:childTnLst>
+                                </p:cTn>
+                              </p:par>
+                            </p:childTnLst>
+                          </p:cTn>
+                        </p:par>
+                      </p:childTnLst>
+                    </p:cTn>
+                  </p:par>
+                  <p:par>
+                    <p:cTn id="30" fill="hold">
+                      <p:stCondLst>
+                        <p:cond delay="indefinite"/>
+                      </p:stCondLst>
+                      <p:childTnLst>
+                        <p:par>
+                          <p:cTn id="31" fill="hold">
+                            <p:stCondLst>
+                              <p:cond delay="0"/>
+                            </p:stCondLst>
+                            <p:childTnLst>
+                              <p:par>
+                                <p:cTn id="32" presetID="10" presetClass="entr" presetSubtype="0" fill="hold" nodeType="clickEffect">
+                                  <p:stCondLst>
+                                    <p:cond delay="0"/>
+                                  </p:stCondLst>
+                                  <p:childTnLst>
+                                    <p:set>
+                                      <p:cBhvr>
+                                        <p:cTn id="33" dur="1" fill="hold">
+                                          <p:stCondLst>
+                                            <p:cond delay="0"/>
+                                          </p:stCondLst>
+                                        </p:cTn>
+                                        <p:tgtEl>
+                                          <p:spTgt spid="3">
+                                            <p:txEl>
+                                              <p:pRg st="7" end="7"/>
+                                            </p:txEl>
+                                          </p:spTgt>
+                                        </p:tgtEl>
+                                        <p:attrNameLst>
+                                          <p:attrName>style.visibility</p:attrName>
+                                        </p:attrNameLst>
+                                      </p:cBhvr>
+                                      <p:to>
+                                        <p:strVal val="visible"/>
+                                      </p:to>
+                                    </p:set>
+                                    <p:animEffect transition="in" filter="fade">
+                                      <p:cBhvr>
+                                        <p:cTn id="34" dur="500"/>
+                                        <p:tgtEl>
+                                          <p:spTgt spid="3">
+                                            <p:txEl>
+                                              <p:pRg st="7" end="7"/>
+                                            </p:txEl>
+                                          </p:spTgt>
+                                        </p:tgtEl>
+                                      </p:cBhvr>
+                                    </p:animEffect>
+                                  </p:childTnLst>
+                                </p:cTn>
+                              </p:par>
+                              <p:par>
+                                <p:cTn id="35" presetID="10" presetClass="entr" presetSubtype="0" fill="hold" nodeType="withEffect">
+                                  <p:stCondLst>
+                                    <p:cond delay="0"/>
+                                  </p:stCondLst>
+                                  <p:childTnLst>
+                                    <p:set>
+                                      <p:cBhvr>
+                                        <p:cTn id="36" dur="1" fill="hold">
+                                          <p:stCondLst>
+                                            <p:cond delay="0"/>
+                                          </p:stCondLst>
+                                        </p:cTn>
+                                        <p:tgtEl>
+                                          <p:spTgt spid="3">
+                                            <p:txEl>
+                                              <p:pRg st="8" end="8"/>
+                                            </p:txEl>
+                                          </p:spTgt>
+                                        </p:tgtEl>
+                                        <p:attrNameLst>
+                                          <p:attrName>style.visibility</p:attrName>
+                                        </p:attrNameLst>
+                                      </p:cBhvr>
+                                      <p:to>
+                                        <p:strVal val="visible"/>
+                                      </p:to>
+                                    </p:set>
+                                    <p:animEffect transition="in" filter="fade">
+                                      <p:cBhvr>
+                                        <p:cTn id="37" dur="500"/>
+                                        <p:tgtEl>
+                                          <p:spTgt spid="3">
+                                            <p:txEl>
+                                              <p:pRg st="8" end="8"/>
+                                            </p:txEl>
+                                          </p:spTgt>
+                                        </p:tgtEl>
+                                      </p:cBhvr>
+                                    </p:animEffect>
+                                  </p:childTnLst>
+                                </p:cTn>
+                              </p:par>
+                            </p:childTnLst>
+                          </p:cTn>
+                        </p:par>
+                      </p:childTnLst>
+                    </p:cTn>
+                  </p:par>
+                  <p:par>
+                    <p:cTn id="38" fill="hold">
+                      <p:stCondLst>
+                        <p:cond delay="indefinite"/>
+                      </p:stCondLst>
+                      <p:childTnLst>
+                        <p:par>
+                          <p:cTn id="39" fill="hold">
+                            <p:stCondLst>
+                              <p:cond delay="0"/>
+                            </p:stCondLst>
+                            <p:childTnLst>
+                              <p:par>
+                                <p:cTn id="40" presetID="10" presetClass="entr" presetSubtype="0" fill="hold" nodeType="clickEffect">
+                                  <p:stCondLst>
+                                    <p:cond delay="0"/>
+                                  </p:stCondLst>
+                                  <p:childTnLst>
+                                    <p:set>
+                                      <p:cBhvr>
+                                        <p:cTn id="41" dur="1" fill="hold">
+                                          <p:stCondLst>
+                                            <p:cond delay="0"/>
+                                          </p:stCondLst>
+                                        </p:cTn>
+                                        <p:tgtEl>
+                                          <p:spTgt spid="3">
+                                            <p:txEl>
+                                              <p:pRg st="9" end="9"/>
+                                            </p:txEl>
+                                          </p:spTgt>
+                                        </p:tgtEl>
+                                        <p:attrNameLst>
+                                          <p:attrName>style.visibility</p:attrName>
+                                        </p:attrNameLst>
+                                      </p:cBhvr>
+                                      <p:to>
+                                        <p:strVal val="visible"/>
+                                      </p:to>
+                                    </p:set>
+                                    <p:animEffect transition="in" filter="fade">
+                                      <p:cBhvr>
+                                        <p:cTn id="42" dur="500"/>
+                                        <p:tgtEl>
+                                          <p:spTgt spid="3">
+                                            <p:txEl>
+                                              <p:pRg st="9" end="9"/>
+                                            </p:txEl>
+                                          </p:spTgt>
+                                        </p:tgtEl>
+                                      </p:cBhvr>
+                                    </p:animEffect>
+                                  </p:childTnLst>
+                                </p:cTn>
+                              </p:par>
+                              <p:par>
+                                <p:cTn id="43" presetID="10" presetClass="entr" presetSubtype="0" fill="hold" nodeType="withEffect">
+                                  <p:stCondLst>
+                                    <p:cond delay="0"/>
+                                  </p:stCondLst>
+                                  <p:childTnLst>
+                                    <p:set>
+                                      <p:cBhvr>
+                                        <p:cTn id="44" dur="1" fill="hold">
+                                          <p:stCondLst>
+                                            <p:cond delay="0"/>
+                                          </p:stCondLst>
+                                        </p:cTn>
+                                        <p:tgtEl>
+                                          <p:spTgt spid="3">
+                                            <p:txEl>
+                                              <p:pRg st="10" end="10"/>
+                                            </p:txEl>
+                                          </p:spTgt>
+                                        </p:tgtEl>
+                                        <p:attrNameLst>
+                                          <p:attrName>style.visibility</p:attrName>
+                                        </p:attrNameLst>
+                                      </p:cBhvr>
+                                      <p:to>
+                                        <p:strVal val="visible"/>
+                                      </p:to>
+                                    </p:set>
+                                    <p:animEffect transition="in" filter="fade">
+                                      <p:cBhvr>
+                                        <p:cTn id="45" dur="500"/>
+                                        <p:tgtEl>
+                                          <p:spTgt spid="3">
+                                            <p:txEl>
+                                              <p:pRg st="10" end="10"/>
+                                            </p:txEl>
+                                          </p:spTgt>
+                                        </p:tgtEl>
+                                      </p:cBhvr>
+                                    </p:animEffect>
+                                  </p:childTnLst>
+                                </p:cTn>
+                              </p:par>
+                            </p:childTnLst>
+                          </p:cTn>
+                        </p:par>
+                      </p:childTnLst>
+                    </p:cTn>
+                  </p:par>
+                  <p:par>
+                    <p:cTn id="46" fill="hold">
+                      <p:stCondLst>
+                        <p:cond delay="indefinite"/>
+                      </p:stCondLst>
+                      <p:childTnLst>
+                        <p:par>
+                          <p:cTn id="47" fill="hold">
+                            <p:stCondLst>
+                              <p:cond delay="0"/>
+                            </p:stCondLst>
+                            <p:childTnLst>
+                              <p:par>
+                                <p:cTn id="48" presetID="10" presetClass="entr" presetSubtype="0" fill="hold" nodeType="clickEffect">
+                                  <p:stCondLst>
+                                    <p:cond delay="0"/>
+                                  </p:stCondLst>
+                                  <p:childTnLst>
+                                    <p:set>
+                                      <p:cBhvr>
+                                        <p:cTn id="49" dur="1" fill="hold">
+                                          <p:stCondLst>
+                                            <p:cond delay="0"/>
+                                          </p:stCondLst>
+                                        </p:cTn>
+                                        <p:tgtEl>
+                                          <p:spTgt spid="3">
+                                            <p:txEl>
+                                              <p:pRg st="11" end="11"/>
+                                            </p:txEl>
+                                          </p:spTgt>
+                                        </p:tgtEl>
+                                        <p:attrNameLst>
+                                          <p:attrName>style.visibility</p:attrName>
+                                        </p:attrNameLst>
+                                      </p:cBhvr>
+                                      <p:to>
+                                        <p:strVal val="visible"/>
+                                      </p:to>
+                                    </p:set>
+                                    <p:animEffect transition="in" filter="fade">
+                                      <p:cBhvr>
+                                        <p:cTn id="50" dur="500"/>
+                                        <p:tgtEl>
+                                          <p:spTgt spid="3">
+                                            <p:txEl>
+                                              <p:pRg st="11" end="11"/>
+                                            </p:txEl>
+                                          </p:spTgt>
+                                        </p:tgtEl>
+                                      </p:cBhvr>
+                                    </p:animEffect>
+                                  </p:childTnLst>
+                                </p:cTn>
+                              </p:par>
+                              <p:par>
+                                <p:cTn id="51" presetID="10" presetClass="entr" presetSubtype="0" fill="hold" nodeType="withEffect">
+                                  <p:stCondLst>
+                                    <p:cond delay="0"/>
+                                  </p:stCondLst>
+                                  <p:childTnLst>
+                                    <p:set>
+                                      <p:cBhvr>
+                                        <p:cTn id="52" dur="1" fill="hold">
+                                          <p:stCondLst>
+                                            <p:cond delay="0"/>
+                                          </p:stCondLst>
+                                        </p:cTn>
+                                        <p:tgtEl>
+                                          <p:spTgt spid="3">
+                                            <p:txEl>
+                                              <p:pRg st="12" end="12"/>
+                                            </p:txEl>
+                                          </p:spTgt>
+                                        </p:tgtEl>
+                                        <p:attrNameLst>
+                                          <p:attrName>style.visibility</p:attrName>
+                                        </p:attrNameLst>
+                                      </p:cBhvr>
+                                      <p:to>
+                                        <p:strVal val="visible"/>
+                                      </p:to>
+                                    </p:set>
+                                    <p:animEffect transition="in" filter="fade">
+                                      <p:cBhvr>
+                                        <p:cTn id="53" dur="500"/>
+                                        <p:tgtEl>
+                                          <p:spTgt spid="3">
+                                            <p:txEl>
+                                              <p:pRg st="12" end="12"/>
+                                            </p:txEl>
+                                          </p:spTgt>
+                                        </p:tgtEl>
+                                      </p:cBhvr>
+                                    </p:animEffect>
+                                  </p:childTnLst>
+                                </p:cTn>
+                              </p:par>
+                            </p:childTnLst>
+                          </p:cTn>
+                        </p:par>
+                      </p:childTnLst>
+                    </p:cTn>
+                  </p:par>
+                </p:childTnLst>
+              </p:cTn>
+              <p:prevCondLst>
+                <p:cond evt="onPrev" delay="0">
+                  <p:tgtEl>
+                    <p:sldTgt/>
+                  </p:tgtEl>
+                </p:cond>
+              </p:prevCondLst>
+              <p:nextCondLst>
+                <p:cond evt="onNext" delay="0">
+                  <p:tgtEl>
+                    <p:sldTgt/>
+                  </p:tgtEl>
+                </p:cond>
+              </p:nextCondLst>
+            </p:seq>
+          </p:childTnLst>
+        </p:cTn>
       </p:par>
     </p:tnLst>
   </p:timing>
@@ -16834,13 +17080,6 @@
   <p:clrMapOvr>
     <a:masterClrMapping/>
   </p:clrMapOvr>
-  <p:timing>
-    <p:tnLst>
-      <p:par>
-        <p:cTn id="1" dur="indefinite" restart="never" nodeType="tmRoot"/>
-      </p:par>
-    </p:tnLst>
-  </p:timing>
 </p:sld>
 </file>
 
@@ -16878,6 +17117,153 @@
           <a:p>
             <a:r>
               <a:rPr lang="en-SG" dirty="0" smtClean="0"/>
+              <a:t>4c. Android issues (the past)</a:t>
+            </a:r>
+            <a:endParaRPr lang="en-SG" dirty="0"/>
+          </a:p>
+        </p:txBody>
+      </p:sp>
+      <p:sp>
+        <p:nvSpPr>
+          <p:cNvPr id="3" name="Content Placeholder 2"/>
+          <p:cNvSpPr>
+            <a:spLocks noGrp="1"/>
+          </p:cNvSpPr>
+          <p:nvPr>
+            <p:ph idx="1"/>
+          </p:nvPr>
+        </p:nvSpPr>
+        <p:spPr/>
+        <p:txBody>
+          <a:bodyPr/>
+          <a:lstStyle/>
+          <a:p>
+            <a:r>
+              <a:rPr lang="en-SG" dirty="0" smtClean="0"/>
+              <a:t>Before Android 4.3 (July 2013)</a:t>
+            </a:r>
+          </a:p>
+          <a:p>
+            <a:pPr lvl="1"/>
+            <a:r>
+              <a:rPr lang="en-SG" dirty="0" smtClean="0"/>
+              <a:t>Fragmentation hell</a:t>
+            </a:r>
+          </a:p>
+          <a:p>
+            <a:pPr lvl="1"/>
+            <a:r>
+              <a:rPr lang="en-SG" dirty="0" smtClean="0"/>
+              <a:t>Proprietary Libraries by OEMs, Android &lt;= 4.2</a:t>
+            </a:r>
+          </a:p>
+          <a:p>
+            <a:pPr lvl="2"/>
+            <a:r>
+              <a:rPr lang="en-SG" dirty="0" smtClean="0"/>
+              <a:t>Samsung (quite reliable)</a:t>
+            </a:r>
+          </a:p>
+          <a:p>
+            <a:pPr lvl="2"/>
+            <a:r>
+              <a:rPr lang="en-SG" dirty="0" smtClean="0"/>
+              <a:t>HTC – buggy, unreliable </a:t>
+            </a:r>
+          </a:p>
+          <a:p>
+            <a:pPr lvl="2"/>
+            <a:r>
+              <a:rPr lang="en-SG" dirty="0" smtClean="0"/>
+              <a:t>Motorola (reliable but conflicts with Android 4.3)</a:t>
+            </a:r>
+          </a:p>
+          <a:p>
+            <a:pPr lvl="1"/>
+            <a:r>
+              <a:rPr lang="en-SG" dirty="0" smtClean="0"/>
+              <a:t>Architecture issues</a:t>
+            </a:r>
+          </a:p>
+          <a:p>
+            <a:r>
+              <a:rPr lang="en-SG" dirty="0" smtClean="0"/>
+              <a:t>Testing issues</a:t>
+            </a:r>
+            <a:endParaRPr lang="en-SG" dirty="0"/>
+          </a:p>
+        </p:txBody>
+      </p:sp>
+      <p:sp>
+        <p:nvSpPr>
+          <p:cNvPr id="4" name="Slide Number Placeholder 3"/>
+          <p:cNvSpPr>
+            <a:spLocks noGrp="1"/>
+          </p:cNvSpPr>
+          <p:nvPr>
+            <p:ph type="sldNum" sz="quarter" idx="12"/>
+          </p:nvPr>
+        </p:nvSpPr>
+        <p:spPr/>
+        <p:txBody>
+          <a:bodyPr/>
+          <a:lstStyle/>
+          <a:p>
+            <a:fld id="{D58B649F-BA72-4D5B-9DE7-B85048FCABD7}" type="slidenum">
+              <a:rPr lang="en-SG" smtClean="0"/>
+              <a:t>30</a:t>
+            </a:fld>
+            <a:endParaRPr lang="en-SG" dirty="0"/>
+          </a:p>
+        </p:txBody>
+      </p:sp>
+    </p:spTree>
+    <p:extLst>
+      <p:ext uri="{BB962C8B-B14F-4D97-AF65-F5344CB8AC3E}">
+        <p14:creationId xmlns:p14="http://schemas.microsoft.com/office/powerpoint/2010/main" val="631284598"/>
+      </p:ext>
+    </p:extLst>
+  </p:cSld>
+  <p:clrMapOvr>
+    <a:masterClrMapping/>
+  </p:clrMapOvr>
+</p:sld>
+</file>
+
+<file path=ppt/slides/slide31.xml><?xml version="1.0" encoding="utf-8"?>
+<p:sld xmlns:a="http://schemas.openxmlformats.org/drawingml/2006/main" xmlns:r="http://schemas.openxmlformats.org/officeDocument/2006/relationships" xmlns:p="http://schemas.openxmlformats.org/presentationml/2006/main">
+  <p:cSld>
+    <p:spTree>
+      <p:nvGrpSpPr>
+        <p:cNvPr id="1" name=""/>
+        <p:cNvGrpSpPr/>
+        <p:nvPr/>
+      </p:nvGrpSpPr>
+      <p:grpSpPr>
+        <a:xfrm>
+          <a:off x="0" y="0"/>
+          <a:ext cx="0" cy="0"/>
+          <a:chOff x="0" y="0"/>
+          <a:chExt cx="0" cy="0"/>
+        </a:xfrm>
+      </p:grpSpPr>
+      <p:sp>
+        <p:nvSpPr>
+          <p:cNvPr id="2" name="Title 1"/>
+          <p:cNvSpPr>
+            <a:spLocks noGrp="1"/>
+          </p:cNvSpPr>
+          <p:nvPr>
+            <p:ph type="title"/>
+          </p:nvPr>
+        </p:nvSpPr>
+        <p:spPr/>
+        <p:txBody>
+          <a:bodyPr/>
+          <a:lstStyle/>
+          <a:p>
+            <a:r>
+              <a:rPr lang="en-SG" dirty="0" smtClean="0"/>
               <a:t>4c. </a:t>
             </a:r>
             <a:r>
@@ -16942,7 +17328,7 @@
           <a:p>
             <a:fld id="{D58B649F-BA72-4D5B-9DE7-B85048FCABD7}" type="slidenum">
               <a:rPr lang="en-SG" smtClean="0"/>
-              <a:t>30</a:t>
+              <a:t>31</a:t>
             </a:fld>
             <a:endParaRPr lang="en-SG"/>
           </a:p>
@@ -16980,23 +17366,7 @@
                   <a:srgbClr val="00B0F0"/>
                 </a:solidFill>
               </a:rPr>
-              <a:t>74.2</a:t>
-            </a:r>
-            <a:r>
-              <a:rPr lang="en-SG" dirty="0" smtClean="0">
-                <a:solidFill>
-                  <a:srgbClr val="00B0F0"/>
-                </a:solidFill>
-              </a:rPr>
-              <a:t>% </a:t>
-            </a:r>
-            <a:r>
-              <a:rPr lang="en-SG" dirty="0" smtClean="0">
-                <a:solidFill>
-                  <a:srgbClr val="00B0F0"/>
-                </a:solidFill>
-              </a:rPr>
-              <a:t>of Android devices support BLE</a:t>
+              <a:t>74.2% of Android devices support BLE</a:t>
             </a:r>
           </a:p>
           <a:p>
@@ -17010,23 +17380,7 @@
                   <a:srgbClr val="FF0000"/>
                 </a:solidFill>
               </a:rPr>
-              <a:t>Few support peripheral mode: </a:t>
-            </a:r>
-            <a:r>
-              <a:rPr lang="en-SG" dirty="0" smtClean="0">
-                <a:solidFill>
-                  <a:srgbClr val="FF0000"/>
-                </a:solidFill>
-              </a:rPr>
-              <a:t>35.3% </a:t>
-            </a:r>
-            <a:r>
-              <a:rPr lang="en-SG" dirty="0" smtClean="0">
-                <a:solidFill>
-                  <a:srgbClr val="FF0000"/>
-                </a:solidFill>
-              </a:rPr>
-              <a:t>minus Nexus 4, 5, 7 (2012/2013)</a:t>
+              <a:t>Few support peripheral mode: 35.3% minus Nexus 4, 5, 7 (2012/2013)</a:t>
             </a:r>
             <a:endParaRPr lang="en-SG" dirty="0">
               <a:solidFill>
@@ -17045,7 +17399,7 @@
           <p:nvPr/>
         </p:nvPicPr>
         <p:blipFill>
-          <a:blip r:embed="rId2">
+          <a:blip r:embed="rId2" cstate="print">
             <a:extLst>
               <a:ext uri="{28A0092B-C50C-407E-A947-70E740481C1C}">
                 <a14:useLocalDpi xmlns:a14="http://schemas.microsoft.com/office/drawing/2010/main" val="0"/>
@@ -17397,7 +17751,7 @@
 </p:sld>
 </file>
 
-<file path=ppt/slides/slide31.xml><?xml version="1.0" encoding="utf-8"?>
+<file path=ppt/slides/slide32.xml><?xml version="1.0" encoding="utf-8"?>
 <p:sld xmlns:a="http://schemas.openxmlformats.org/drawingml/2006/main" xmlns:r="http://schemas.openxmlformats.org/officeDocument/2006/relationships" xmlns:p="http://schemas.openxmlformats.org/presentationml/2006/main">
   <p:cSld>
     <p:spTree>
@@ -17669,7 +18023,7 @@
           <a:p>
             <a:fld id="{D58B649F-BA72-4D5B-9DE7-B85048FCABD7}" type="slidenum">
               <a:rPr lang="en-SG" smtClean="0"/>
-              <a:t>31</a:t>
+              <a:t>32</a:t>
             </a:fld>
             <a:endParaRPr lang="en-SG"/>
           </a:p>
@@ -18532,7 +18886,7 @@
 </p:sld>
 </file>
 
-<file path=ppt/slides/slide32.xml><?xml version="1.0" encoding="utf-8"?>
+<file path=ppt/slides/slide33.xml><?xml version="1.0" encoding="utf-8"?>
 <p:sld xmlns:a="http://schemas.openxmlformats.org/drawingml/2006/main" xmlns:r="http://schemas.openxmlformats.org/officeDocument/2006/relationships" xmlns:p="http://schemas.openxmlformats.org/presentationml/2006/main">
   <p:cSld>
     <p:spTree>
@@ -18627,7 +18981,7 @@
           <a:p>
             <a:fld id="{D58B649F-BA72-4D5B-9DE7-B85048FCABD7}" type="slidenum">
               <a:rPr lang="en-SG" smtClean="0"/>
-              <a:t>32</a:t>
+              <a:t>33</a:t>
             </a:fld>
             <a:endParaRPr lang="en-SG"/>
           </a:p>
@@ -18643,17 +18997,10 @@
   <p:clrMapOvr>
     <a:masterClrMapping/>
   </p:clrMapOvr>
-  <p:timing>
-    <p:tnLst>
-      <p:par>
-        <p:cTn id="1" dur="indefinite" restart="never" nodeType="tmRoot"/>
-      </p:par>
-    </p:tnLst>
-  </p:timing>
 </p:sld>
 </file>
 
-<file path=ppt/slides/slide33.xml><?xml version="1.0" encoding="utf-8"?>
+<file path=ppt/slides/slide34.xml><?xml version="1.0" encoding="utf-8"?>
 <p:sld xmlns:a="http://schemas.openxmlformats.org/drawingml/2006/main" xmlns:r="http://schemas.openxmlformats.org/officeDocument/2006/relationships" xmlns:p="http://schemas.openxmlformats.org/presentationml/2006/main">
   <p:cSld>
     <p:spTree>
@@ -18865,7 +19212,7 @@
           <a:p>
             <a:fld id="{D58B649F-BA72-4D5B-9DE7-B85048FCABD7}" type="slidenum">
               <a:rPr lang="en-SG" smtClean="0"/>
-              <a:t>33</a:t>
+              <a:t>34</a:t>
             </a:fld>
             <a:endParaRPr lang="en-SG"/>
           </a:p>
@@ -20022,7 +20369,7 @@
 </p:sld>
 </file>
 
-<file path=ppt/slides/slide34.xml><?xml version="1.0" encoding="utf-8"?>
+<file path=ppt/slides/slide35.xml><?xml version="1.0" encoding="utf-8"?>
 <p:sld xmlns:a="http://schemas.openxmlformats.org/drawingml/2006/main" xmlns:r="http://schemas.openxmlformats.org/officeDocument/2006/relationships" xmlns:p="http://schemas.openxmlformats.org/presentationml/2006/main">
   <p:cSld>
     <p:spTree>
@@ -20096,49 +20443,49 @@
                 <a:gridCol w="1126671">
                   <a:extLst>
                     <a:ext uri="{9D8B030D-6E8A-4147-A177-3AD203B41FA5}">
-                      <a16:colId xmlns="" xmlns:a16="http://schemas.microsoft.com/office/drawing/2014/main" val="20000"/>
+                      <a16:colId xmlns:a16="http://schemas.microsoft.com/office/drawing/2014/main" val="20000"/>
                     </a:ext>
                   </a:extLst>
                 </a:gridCol>
                 <a:gridCol w="1091118">
                   <a:extLst>
                     <a:ext uri="{9D8B030D-6E8A-4147-A177-3AD203B41FA5}">
-                      <a16:colId xmlns="" xmlns:a16="http://schemas.microsoft.com/office/drawing/2014/main" val="20001"/>
+                      <a16:colId xmlns:a16="http://schemas.microsoft.com/office/drawing/2014/main" val="20001"/>
                     </a:ext>
                   </a:extLst>
                 </a:gridCol>
                 <a:gridCol w="1423219">
                   <a:extLst>
                     <a:ext uri="{9D8B030D-6E8A-4147-A177-3AD203B41FA5}">
-                      <a16:colId xmlns="" xmlns:a16="http://schemas.microsoft.com/office/drawing/2014/main" val="20002"/>
+                      <a16:colId xmlns:a16="http://schemas.microsoft.com/office/drawing/2014/main" val="20002"/>
                     </a:ext>
                   </a:extLst>
                 </a:gridCol>
                 <a:gridCol w="671052">
                   <a:extLst>
                     <a:ext uri="{9D8B030D-6E8A-4147-A177-3AD203B41FA5}">
-                      <a16:colId xmlns="" xmlns:a16="http://schemas.microsoft.com/office/drawing/2014/main" val="20003"/>
+                      <a16:colId xmlns:a16="http://schemas.microsoft.com/office/drawing/2014/main" val="20003"/>
                     </a:ext>
                   </a:extLst>
                 </a:gridCol>
                 <a:gridCol w="648929">
                   <a:extLst>
                     <a:ext uri="{9D8B030D-6E8A-4147-A177-3AD203B41FA5}">
-                      <a16:colId xmlns="" xmlns:a16="http://schemas.microsoft.com/office/drawing/2014/main" val="20004"/>
+                      <a16:colId xmlns:a16="http://schemas.microsoft.com/office/drawing/2014/main" val="20004"/>
                     </a:ext>
                   </a:extLst>
                 </a:gridCol>
                 <a:gridCol w="1939413">
                   <a:extLst>
                     <a:ext uri="{9D8B030D-6E8A-4147-A177-3AD203B41FA5}">
-                      <a16:colId xmlns="" xmlns:a16="http://schemas.microsoft.com/office/drawing/2014/main" val="20005"/>
+                      <a16:colId xmlns:a16="http://schemas.microsoft.com/office/drawing/2014/main" val="20005"/>
                     </a:ext>
                   </a:extLst>
                 </a:gridCol>
                 <a:gridCol w="986295">
                   <a:extLst>
                     <a:ext uri="{9D8B030D-6E8A-4147-A177-3AD203B41FA5}">
-                      <a16:colId xmlns="" xmlns:a16="http://schemas.microsoft.com/office/drawing/2014/main" val="20006"/>
+                      <a16:colId xmlns:a16="http://schemas.microsoft.com/office/drawing/2014/main" val="20006"/>
                     </a:ext>
                   </a:extLst>
                 </a:gridCol>
@@ -20252,7 +20599,7 @@
                 </a:tc>
                 <a:extLst>
                   <a:ext uri="{0D108BD9-81ED-4DB2-BD59-A6C34878D82A}">
-                    <a16:rowId xmlns="" xmlns:a16="http://schemas.microsoft.com/office/drawing/2014/main" val="10000"/>
+                    <a16:rowId xmlns:a16="http://schemas.microsoft.com/office/drawing/2014/main" val="10000"/>
                   </a:ext>
                 </a:extLst>
               </a:tr>
@@ -20390,7 +20737,7 @@
                 </a:tc>
                 <a:extLst>
                   <a:ext uri="{0D108BD9-81ED-4DB2-BD59-A6C34878D82A}">
-                    <a16:rowId xmlns="" xmlns:a16="http://schemas.microsoft.com/office/drawing/2014/main" val="10001"/>
+                    <a16:rowId xmlns:a16="http://schemas.microsoft.com/office/drawing/2014/main" val="10001"/>
                   </a:ext>
                 </a:extLst>
               </a:tr>
@@ -20415,7 +20762,7 @@
           <a:p>
             <a:fld id="{D58B649F-BA72-4D5B-9DE7-B85048FCABD7}" type="slidenum">
               <a:rPr lang="en-SG" smtClean="0"/>
-              <a:t>34</a:t>
+              <a:t>35</a:t>
             </a:fld>
             <a:endParaRPr lang="en-SG"/>
           </a:p>
@@ -21263,7 +21610,7 @@
 </p:sld>
 </file>
 
-<file path=ppt/slides/slide35.xml><?xml version="1.0" encoding="utf-8"?>
+<file path=ppt/slides/slide36.xml><?xml version="1.0" encoding="utf-8"?>
 <p:sld xmlns:a="http://schemas.openxmlformats.org/drawingml/2006/main" xmlns:r="http://schemas.openxmlformats.org/officeDocument/2006/relationships" xmlns:p="http://schemas.openxmlformats.org/presentationml/2006/main">
   <p:cSld>
     <p:spTree>
@@ -21419,7 +21766,7 @@
           <a:p>
             <a:fld id="{D58B649F-BA72-4D5B-9DE7-B85048FCABD7}" type="slidenum">
               <a:rPr lang="en-SG" smtClean="0"/>
-              <a:t>35</a:t>
+              <a:t>36</a:t>
             </a:fld>
             <a:endParaRPr lang="en-SG"/>
           </a:p>
@@ -21479,7 +21826,7 @@
 </p:sld>
 </file>
 
-<file path=ppt/slides/slide36.xml><?xml version="1.0" encoding="utf-8"?>
+<file path=ppt/slides/slide37.xml><?xml version="1.0" encoding="utf-8"?>
 <p:sld xmlns:a="http://schemas.openxmlformats.org/drawingml/2006/main" xmlns:r="http://schemas.openxmlformats.org/officeDocument/2006/relationships" xmlns:p="http://schemas.openxmlformats.org/presentationml/2006/main">
   <p:cSld>
     <p:spTree>
@@ -21773,7 +22120,7 @@
           <a:p>
             <a:fld id="{D58B649F-BA72-4D5B-9DE7-B85048FCABD7}" type="slidenum">
               <a:rPr lang="en-SG" smtClean="0"/>
-              <a:t>36</a:t>
+              <a:t>37</a:t>
             </a:fld>
             <a:endParaRPr lang="en-SG" dirty="0"/>
           </a:p>
@@ -22924,7 +23271,7 @@
 </p:sld>
 </file>
 
-<file path=ppt/slides/slide37.xml><?xml version="1.0" encoding="utf-8"?>
+<file path=ppt/slides/slide38.xml><?xml version="1.0" encoding="utf-8"?>
 <p:sld xmlns:a="http://schemas.openxmlformats.org/drawingml/2006/main" xmlns:r="http://schemas.openxmlformats.org/officeDocument/2006/relationships" xmlns:p="http://schemas.openxmlformats.org/presentationml/2006/main">
   <p:cSld>
     <p:spTree>
@@ -23068,7 +23415,7 @@
           <a:p>
             <a:fld id="{D58B649F-BA72-4D5B-9DE7-B85048FCABD7}" type="slidenum">
               <a:rPr lang="en-SG" smtClean="0"/>
-              <a:t>37</a:t>
+              <a:t>38</a:t>
             </a:fld>
             <a:endParaRPr lang="en-SG"/>
           </a:p>
@@ -23087,7 +23434,7 @@
 </p:sld>
 </file>
 
-<file path=ppt/slides/slide38.xml><?xml version="1.0" encoding="utf-8"?>
+<file path=ppt/slides/slide39.xml><?xml version="1.0" encoding="utf-8"?>
 <p:sld xmlns:a="http://schemas.openxmlformats.org/drawingml/2006/main" xmlns:r="http://schemas.openxmlformats.org/officeDocument/2006/relationships" xmlns:p="http://schemas.openxmlformats.org/presentationml/2006/main">
   <p:cSld>
     <p:spTree>
@@ -23272,7 +23619,7 @@
           <a:p>
             <a:fld id="{D58B649F-BA72-4D5B-9DE7-B85048FCABD7}" type="slidenum">
               <a:rPr lang="en-SG" smtClean="0"/>
-              <a:t>38</a:t>
+              <a:t>39</a:t>
             </a:fld>
             <a:endParaRPr lang="en-SG"/>
           </a:p>
@@ -23291,7 +23638,181 @@
 </p:sld>
 </file>
 
-<file path=ppt/slides/slide39.xml><?xml version="1.0" encoding="utf-8"?>
+<file path=ppt/slides/slide4.xml><?xml version="1.0" encoding="utf-8"?>
+<p:sld xmlns:a="http://schemas.openxmlformats.org/drawingml/2006/main" xmlns:r="http://schemas.openxmlformats.org/officeDocument/2006/relationships" xmlns:p="http://schemas.openxmlformats.org/presentationml/2006/main">
+  <p:cSld>
+    <p:spTree>
+      <p:nvGrpSpPr>
+        <p:cNvPr id="1" name=""/>
+        <p:cNvGrpSpPr/>
+        <p:nvPr/>
+      </p:nvGrpSpPr>
+      <p:grpSpPr>
+        <a:xfrm>
+          <a:off x="0" y="0"/>
+          <a:ext cx="0" cy="0"/>
+          <a:chOff x="0" y="0"/>
+          <a:chExt cx="0" cy="0"/>
+        </a:xfrm>
+      </p:grpSpPr>
+      <p:sp>
+        <p:nvSpPr>
+          <p:cNvPr id="2" name="Title 1"/>
+          <p:cNvSpPr>
+            <a:spLocks noGrp="1"/>
+          </p:cNvSpPr>
+          <p:nvPr>
+            <p:ph type="title"/>
+          </p:nvPr>
+        </p:nvSpPr>
+        <p:spPr/>
+        <p:txBody>
+          <a:bodyPr/>
+          <a:lstStyle/>
+          <a:p>
+            <a:r>
+              <a:rPr lang="en-SG" dirty="0" smtClean="0"/>
+              <a:t>Where I am now?</a:t>
+            </a:r>
+            <a:endParaRPr lang="en-SG" dirty="0"/>
+          </a:p>
+        </p:txBody>
+      </p:sp>
+      <p:sp>
+        <p:nvSpPr>
+          <p:cNvPr id="3" name="Content Placeholder 2"/>
+          <p:cNvSpPr>
+            <a:spLocks noGrp="1"/>
+          </p:cNvSpPr>
+          <p:nvPr>
+            <p:ph idx="1"/>
+          </p:nvPr>
+        </p:nvSpPr>
+        <p:spPr/>
+        <p:txBody>
+          <a:bodyPr/>
+          <a:lstStyle/>
+          <a:p>
+            <a:r>
+              <a:rPr lang="en-SG" dirty="0" err="1" smtClean="0"/>
+              <a:t>Algoaccess</a:t>
+            </a:r>
+            <a:endParaRPr lang="en-SG" dirty="0" smtClean="0"/>
+          </a:p>
+          <a:p>
+            <a:pPr lvl="1"/>
+            <a:r>
+              <a:rPr lang="en-SG" dirty="0" smtClean="0"/>
+              <a:t>Med-tech </a:t>
+            </a:r>
+            <a:r>
+              <a:rPr lang="en-SG" dirty="0" err="1" smtClean="0"/>
+              <a:t>startup</a:t>
+            </a:r>
+            <a:r>
+              <a:rPr lang="en-SG" dirty="0" smtClean="0"/>
+              <a:t>: targeting at eye-professionals</a:t>
+            </a:r>
+          </a:p>
+          <a:p>
+            <a:pPr lvl="1"/>
+            <a:r>
+              <a:rPr lang="en-SG" dirty="0" smtClean="0"/>
+              <a:t>Help them to retrieve, manage and process the data </a:t>
+            </a:r>
+          </a:p>
+          <a:p>
+            <a:pPr lvl="1"/>
+            <a:r>
+              <a:rPr lang="en-SG" dirty="0" smtClean="0"/>
+              <a:t>Roles: </a:t>
+            </a:r>
+            <a:r>
+              <a:rPr lang="en-SG" dirty="0"/>
+              <a:t>m</a:t>
+            </a:r>
+            <a:r>
+              <a:rPr lang="en-SG" dirty="0" smtClean="0"/>
+              <a:t>any….</a:t>
+            </a:r>
+          </a:p>
+          <a:p>
+            <a:pPr lvl="1"/>
+            <a:r>
+              <a:rPr lang="en-SG" dirty="0" smtClean="0"/>
+              <a:t>2014 - present</a:t>
+            </a:r>
+            <a:endParaRPr lang="en-SG" dirty="0"/>
+          </a:p>
+        </p:txBody>
+      </p:sp>
+      <p:sp>
+        <p:nvSpPr>
+          <p:cNvPr id="4" name="Slide Number Placeholder 3"/>
+          <p:cNvSpPr>
+            <a:spLocks noGrp="1"/>
+          </p:cNvSpPr>
+          <p:nvPr>
+            <p:ph type="sldNum" sz="quarter" idx="12"/>
+          </p:nvPr>
+        </p:nvSpPr>
+        <p:spPr/>
+        <p:txBody>
+          <a:bodyPr/>
+          <a:lstStyle/>
+          <a:p>
+            <a:fld id="{D58B649F-BA72-4D5B-9DE7-B85048FCABD7}" type="slidenum">
+              <a:rPr lang="en-SG" smtClean="0"/>
+              <a:t>4</a:t>
+            </a:fld>
+            <a:endParaRPr lang="en-SG"/>
+          </a:p>
+        </p:txBody>
+      </p:sp>
+      <p:pic>
+        <p:nvPicPr>
+          <p:cNvPr id="8" name="Picture 7"/>
+          <p:cNvPicPr>
+            <a:picLocks noChangeAspect="1"/>
+          </p:cNvPicPr>
+          <p:nvPr/>
+        </p:nvPicPr>
+        <p:blipFill>
+          <a:blip r:embed="rId2" cstate="print">
+            <a:extLst>
+              <a:ext uri="{28A0092B-C50C-407E-A947-70E740481C1C}">
+                <a14:useLocalDpi xmlns:a14="http://schemas.microsoft.com/office/drawing/2010/main" val="0"/>
+              </a:ext>
+            </a:extLst>
+          </a:blip>
+          <a:stretch>
+            <a:fillRect/>
+          </a:stretch>
+        </p:blipFill>
+        <p:spPr>
+          <a:xfrm>
+            <a:off x="5293198" y="667691"/>
+            <a:ext cx="3662266" cy="690627"/>
+          </a:xfrm>
+          <a:prstGeom prst="rect">
+            <a:avLst/>
+          </a:prstGeom>
+        </p:spPr>
+      </p:pic>
+    </p:spTree>
+    <p:extLst>
+      <p:ext uri="{BB962C8B-B14F-4D97-AF65-F5344CB8AC3E}">
+        <p14:creationId xmlns:p14="http://schemas.microsoft.com/office/powerpoint/2010/main" val="4067519021"/>
+      </p:ext>
+    </p:extLst>
+  </p:cSld>
+  <p:clrMapOvr>
+    <a:masterClrMapping/>
+  </p:clrMapOvr>
+</p:sld>
+</file>
+
+<file path=ppt/slides/slide40.xml><?xml version="1.0" encoding="utf-8"?>
 <p:sld xmlns:a="http://schemas.openxmlformats.org/drawingml/2006/main" xmlns:r="http://schemas.openxmlformats.org/officeDocument/2006/relationships" xmlns:p="http://schemas.openxmlformats.org/presentationml/2006/main">
   <p:cSld>
     <p:spTree>
@@ -23515,7 +24036,7 @@
           <a:p>
             <a:fld id="{D58B649F-BA72-4D5B-9DE7-B85048FCABD7}" type="slidenum">
               <a:rPr lang="en-SG" smtClean="0"/>
-              <a:t>39</a:t>
+              <a:t>40</a:t>
             </a:fld>
             <a:endParaRPr lang="en-SG"/>
           </a:p>
@@ -24373,188 +24894,7 @@
 </p:sld>
 </file>
 
-<file path=ppt/slides/slide4.xml><?xml version="1.0" encoding="utf-8"?>
-<p:sld xmlns:a="http://schemas.openxmlformats.org/drawingml/2006/main" xmlns:r="http://schemas.openxmlformats.org/officeDocument/2006/relationships" xmlns:p="http://schemas.openxmlformats.org/presentationml/2006/main">
-  <p:cSld>
-    <p:spTree>
-      <p:nvGrpSpPr>
-        <p:cNvPr id="1" name=""/>
-        <p:cNvGrpSpPr/>
-        <p:nvPr/>
-      </p:nvGrpSpPr>
-      <p:grpSpPr>
-        <a:xfrm>
-          <a:off x="0" y="0"/>
-          <a:ext cx="0" cy="0"/>
-          <a:chOff x="0" y="0"/>
-          <a:chExt cx="0" cy="0"/>
-        </a:xfrm>
-      </p:grpSpPr>
-      <p:sp>
-        <p:nvSpPr>
-          <p:cNvPr id="2" name="Title 1"/>
-          <p:cNvSpPr>
-            <a:spLocks noGrp="1"/>
-          </p:cNvSpPr>
-          <p:nvPr>
-            <p:ph type="title"/>
-          </p:nvPr>
-        </p:nvSpPr>
-        <p:spPr/>
-        <p:txBody>
-          <a:bodyPr/>
-          <a:lstStyle/>
-          <a:p>
-            <a:r>
-              <a:rPr lang="en-SG" dirty="0" smtClean="0"/>
-              <a:t>Where I am now?</a:t>
-            </a:r>
-            <a:endParaRPr lang="en-SG" dirty="0"/>
-          </a:p>
-        </p:txBody>
-      </p:sp>
-      <p:sp>
-        <p:nvSpPr>
-          <p:cNvPr id="3" name="Content Placeholder 2"/>
-          <p:cNvSpPr>
-            <a:spLocks noGrp="1"/>
-          </p:cNvSpPr>
-          <p:nvPr>
-            <p:ph idx="1"/>
-          </p:nvPr>
-        </p:nvSpPr>
-        <p:spPr/>
-        <p:txBody>
-          <a:bodyPr/>
-          <a:lstStyle/>
-          <a:p>
-            <a:r>
-              <a:rPr lang="en-SG" dirty="0" err="1" smtClean="0"/>
-              <a:t>Algoaccess</a:t>
-            </a:r>
-            <a:endParaRPr lang="en-SG" dirty="0" smtClean="0"/>
-          </a:p>
-          <a:p>
-            <a:pPr lvl="1"/>
-            <a:r>
-              <a:rPr lang="en-SG" dirty="0" smtClean="0"/>
-              <a:t>Med-tech </a:t>
-            </a:r>
-            <a:r>
-              <a:rPr lang="en-SG" dirty="0" err="1" smtClean="0"/>
-              <a:t>startup</a:t>
-            </a:r>
-            <a:r>
-              <a:rPr lang="en-SG" dirty="0" smtClean="0"/>
-              <a:t>: targeting at eye-professionals</a:t>
-            </a:r>
-          </a:p>
-          <a:p>
-            <a:pPr lvl="1"/>
-            <a:r>
-              <a:rPr lang="en-SG" dirty="0" smtClean="0"/>
-              <a:t>Help them to retrieve, manage and process the data </a:t>
-            </a:r>
-          </a:p>
-          <a:p>
-            <a:pPr lvl="1"/>
-            <a:r>
-              <a:rPr lang="en-SG" dirty="0" smtClean="0"/>
-              <a:t>Roles: </a:t>
-            </a:r>
-            <a:r>
-              <a:rPr lang="en-SG" dirty="0"/>
-              <a:t>m</a:t>
-            </a:r>
-            <a:r>
-              <a:rPr lang="en-SG" dirty="0" smtClean="0"/>
-              <a:t>any….</a:t>
-            </a:r>
-          </a:p>
-          <a:p>
-            <a:pPr lvl="1"/>
-            <a:r>
-              <a:rPr lang="en-SG" dirty="0" smtClean="0"/>
-              <a:t>2014 - present</a:t>
-            </a:r>
-            <a:endParaRPr lang="en-SG" dirty="0"/>
-          </a:p>
-        </p:txBody>
-      </p:sp>
-      <p:sp>
-        <p:nvSpPr>
-          <p:cNvPr id="4" name="Slide Number Placeholder 3"/>
-          <p:cNvSpPr>
-            <a:spLocks noGrp="1"/>
-          </p:cNvSpPr>
-          <p:nvPr>
-            <p:ph type="sldNum" sz="quarter" idx="12"/>
-          </p:nvPr>
-        </p:nvSpPr>
-        <p:spPr/>
-        <p:txBody>
-          <a:bodyPr/>
-          <a:lstStyle/>
-          <a:p>
-            <a:fld id="{D58B649F-BA72-4D5B-9DE7-B85048FCABD7}" type="slidenum">
-              <a:rPr lang="en-SG" smtClean="0"/>
-              <a:t>4</a:t>
-            </a:fld>
-            <a:endParaRPr lang="en-SG"/>
-          </a:p>
-        </p:txBody>
-      </p:sp>
-      <p:pic>
-        <p:nvPicPr>
-          <p:cNvPr id="8" name="Picture 7"/>
-          <p:cNvPicPr>
-            <a:picLocks noChangeAspect="1"/>
-          </p:cNvPicPr>
-          <p:nvPr/>
-        </p:nvPicPr>
-        <p:blipFill>
-          <a:blip r:embed="rId2" cstate="print">
-            <a:extLst>
-              <a:ext uri="{28A0092B-C50C-407E-A947-70E740481C1C}">
-                <a14:useLocalDpi xmlns:a14="http://schemas.microsoft.com/office/drawing/2010/main" val="0"/>
-              </a:ext>
-            </a:extLst>
-          </a:blip>
-          <a:stretch>
-            <a:fillRect/>
-          </a:stretch>
-        </p:blipFill>
-        <p:spPr>
-          <a:xfrm>
-            <a:off x="5293198" y="667691"/>
-            <a:ext cx="3662266" cy="690627"/>
-          </a:xfrm>
-          <a:prstGeom prst="rect">
-            <a:avLst/>
-          </a:prstGeom>
-        </p:spPr>
-      </p:pic>
-    </p:spTree>
-    <p:extLst>
-      <p:ext uri="{BB962C8B-B14F-4D97-AF65-F5344CB8AC3E}">
-        <p14:creationId xmlns:p14="http://schemas.microsoft.com/office/powerpoint/2010/main" val="4067519021"/>
-      </p:ext>
-    </p:extLst>
-  </p:cSld>
-  <p:clrMapOvr>
-    <a:masterClrMapping/>
-  </p:clrMapOvr>
-  <p:timing>
-    <p:tnLst>
-      <p:par>
-        <p:cTn id="1" dur="indefinite" restart="never" nodeType="tmRoot"/>
-      </p:par>
-    </p:tnLst>
-  </p:timing>
-</p:sld>
-</file>
-
-<file path=ppt/slides/slide40.xml><?xml version="1.0" encoding="utf-8"?>
+<file path=ppt/slides/slide41.xml><?xml version="1.0" encoding="utf-8"?>
 <p:sld xmlns:a="http://schemas.openxmlformats.org/drawingml/2006/main" xmlns:r="http://schemas.openxmlformats.org/officeDocument/2006/relationships" xmlns:p="http://schemas.openxmlformats.org/presentationml/2006/main">
   <p:cSld>
     <p:spTree>
@@ -24723,7 +25063,7 @@
           <a:p>
             <a:fld id="{D58B649F-BA72-4D5B-9DE7-B85048FCABD7}" type="slidenum">
               <a:rPr lang="en-SG" smtClean="0"/>
-              <a:t>40</a:t>
+              <a:t>41</a:t>
             </a:fld>
             <a:endParaRPr lang="en-SG" dirty="0"/>
           </a:p>
@@ -24825,139 +25165,6 @@
     <p:extLst>
       <p:ext uri="{BB962C8B-B14F-4D97-AF65-F5344CB8AC3E}">
         <p14:creationId xmlns:p14="http://schemas.microsoft.com/office/powerpoint/2010/main" val="74275823"/>
-      </p:ext>
-    </p:extLst>
-  </p:cSld>
-  <p:clrMapOvr>
-    <a:masterClrMapping/>
-  </p:clrMapOvr>
-</p:sld>
-</file>
-
-<file path=ppt/slides/slide41.xml><?xml version="1.0" encoding="utf-8"?>
-<p:sld xmlns:a="http://schemas.openxmlformats.org/drawingml/2006/main" xmlns:r="http://schemas.openxmlformats.org/officeDocument/2006/relationships" xmlns:p="http://schemas.openxmlformats.org/presentationml/2006/main">
-  <p:cSld>
-    <p:spTree>
-      <p:nvGrpSpPr>
-        <p:cNvPr id="1" name=""/>
-        <p:cNvGrpSpPr/>
-        <p:nvPr/>
-      </p:nvGrpSpPr>
-      <p:grpSpPr>
-        <a:xfrm>
-          <a:off x="0" y="0"/>
-          <a:ext cx="0" cy="0"/>
-          <a:chOff x="0" y="0"/>
-          <a:chExt cx="0" cy="0"/>
-        </a:xfrm>
-      </p:grpSpPr>
-      <p:sp>
-        <p:nvSpPr>
-          <p:cNvPr id="2" name="Title 1"/>
-          <p:cNvSpPr>
-            <a:spLocks noGrp="1"/>
-          </p:cNvSpPr>
-          <p:nvPr>
-            <p:ph type="title"/>
-          </p:nvPr>
-        </p:nvSpPr>
-        <p:spPr/>
-        <p:txBody>
-          <a:bodyPr/>
-          <a:lstStyle/>
-          <a:p>
-            <a:r>
-              <a:rPr lang="en-SG" dirty="0"/>
-              <a:t>6. Sniffer: </a:t>
-            </a:r>
-            <a:r>
-              <a:rPr lang="en-SG" dirty="0" smtClean="0"/>
-              <a:t>Data transfer</a:t>
-            </a:r>
-            <a:endParaRPr lang="en-SG" dirty="0"/>
-          </a:p>
-        </p:txBody>
-      </p:sp>
-      <p:sp>
-        <p:nvSpPr>
-          <p:cNvPr id="3" name="Content Placeholder 2"/>
-          <p:cNvSpPr>
-            <a:spLocks noGrp="1"/>
-          </p:cNvSpPr>
-          <p:nvPr>
-            <p:ph idx="1"/>
-          </p:nvPr>
-        </p:nvSpPr>
-        <p:spPr>
-          <a:xfrm>
-            <a:off x="253093" y="1825625"/>
-            <a:ext cx="8262257" cy="4351338"/>
-          </a:xfrm>
-        </p:spPr>
-        <p:txBody>
-          <a:bodyPr>
-            <a:normAutofit/>
-          </a:bodyPr>
-          <a:lstStyle/>
-          <a:p>
-            <a:r>
-              <a:rPr lang="en-SG" sz="2400" dirty="0" smtClean="0"/>
-              <a:t>0x52: Write Command (Write to Characteristic)</a:t>
-            </a:r>
-          </a:p>
-          <a:p>
-            <a:pPr lvl="1"/>
-            <a:r>
-              <a:rPr lang="en-SG" sz="2000" dirty="0" smtClean="0"/>
-              <a:t>Master -&gt; Slave</a:t>
-            </a:r>
-          </a:p>
-          <a:p>
-            <a:r>
-              <a:rPr lang="en-SG" sz="2400" dirty="0" smtClean="0"/>
-              <a:t>0x1b: Handle Value Notification (Notify Characteristic Changed)</a:t>
-            </a:r>
-          </a:p>
-          <a:p>
-            <a:pPr lvl="1"/>
-            <a:r>
-              <a:rPr lang="en-SG" sz="2000" dirty="0" smtClean="0"/>
-              <a:t>Slave -&gt; Master</a:t>
-            </a:r>
-          </a:p>
-          <a:p>
-            <a:pPr lvl="1"/>
-            <a:endParaRPr lang="en-SG" sz="2000" dirty="0"/>
-          </a:p>
-        </p:txBody>
-      </p:sp>
-      <p:sp>
-        <p:nvSpPr>
-          <p:cNvPr id="4" name="Slide Number Placeholder 3"/>
-          <p:cNvSpPr>
-            <a:spLocks noGrp="1"/>
-          </p:cNvSpPr>
-          <p:nvPr>
-            <p:ph type="sldNum" sz="quarter" idx="12"/>
-          </p:nvPr>
-        </p:nvSpPr>
-        <p:spPr/>
-        <p:txBody>
-          <a:bodyPr/>
-          <a:lstStyle/>
-          <a:p>
-            <a:fld id="{D58B649F-BA72-4D5B-9DE7-B85048FCABD7}" type="slidenum">
-              <a:rPr lang="en-SG" smtClean="0"/>
-              <a:t>41</a:t>
-            </a:fld>
-            <a:endParaRPr lang="en-SG"/>
-          </a:p>
-        </p:txBody>
-      </p:sp>
-    </p:spTree>
-    <p:extLst>
-      <p:ext uri="{BB962C8B-B14F-4D97-AF65-F5344CB8AC3E}">
-        <p14:creationId xmlns:p14="http://schemas.microsoft.com/office/powerpoint/2010/main" val="3306125978"/>
       </p:ext>
     </p:extLst>
   </p:cSld>
@@ -25001,11 +25208,11 @@
           <a:p>
             <a:r>
               <a:rPr lang="en-SG" dirty="0"/>
-              <a:t>7</a:t>
-            </a:r>
-            <a:r>
-              <a:rPr lang="en-SG" dirty="0" smtClean="0"/>
-              <a:t>. Further reading</a:t>
+              <a:t>6. Sniffer: </a:t>
+            </a:r>
+            <a:r>
+              <a:rPr lang="en-SG" dirty="0" smtClean="0"/>
+              <a:t>Data transfer</a:t>
             </a:r>
             <a:endParaRPr lang="en-SG" dirty="0"/>
           </a:p>
@@ -25023,210 +25230,44 @@
         </p:nvSpPr>
         <p:spPr>
           <a:xfrm>
-            <a:off x="249382" y="1425030"/>
-            <a:ext cx="8265968" cy="5296446"/>
+            <a:off x="253093" y="1825625"/>
+            <a:ext cx="8262257" cy="4351338"/>
           </a:xfrm>
         </p:spPr>
         <p:txBody>
           <a:bodyPr>
-            <a:normAutofit fontScale="85000" lnSpcReduction="20000"/>
+            <a:normAutofit/>
           </a:bodyPr>
           <a:lstStyle/>
           <a:p>
             <a:r>
               <a:rPr lang="en-SG" sz="2400" dirty="0" smtClean="0"/>
-              <a:t>BLE 4.0-4.1 Security (Passive) Weaknesses (19:58 to 23:14)</a:t>
+              <a:t>0x52: Write Command (Write to Characteristic)</a:t>
             </a:r>
           </a:p>
           <a:p>
             <a:pPr lvl="1"/>
             <a:r>
-              <a:rPr lang="en-SG" sz="1400" dirty="0" smtClean="0">
-                <a:hlinkClick r:id="rId2"/>
-              </a:rPr>
-              <a:t>Video: https</a:t>
-            </a:r>
-            <a:r>
-              <a:rPr lang="en-SG" sz="1400" dirty="0">
-                <a:hlinkClick r:id="rId2"/>
-              </a:rPr>
-              <a:t>://</a:t>
-            </a:r>
-            <a:r>
-              <a:rPr lang="en-SG" sz="1400" dirty="0" smtClean="0">
-                <a:hlinkClick r:id="rId2"/>
-              </a:rPr>
-              <a:t>www.usenix.org/conference/woot13/workshop-program/presentation/ryan</a:t>
-            </a:r>
-            <a:endParaRPr lang="en-SG" sz="1400" dirty="0" smtClean="0"/>
+              <a:rPr lang="en-SG" sz="2000" dirty="0" smtClean="0"/>
+              <a:t>Master -&gt; Slave</a:t>
+            </a:r>
+          </a:p>
+          <a:p>
+            <a:r>
+              <a:rPr lang="en-SG" sz="2400" dirty="0" smtClean="0"/>
+              <a:t>0x1b: Handle Value Notification (Notify Characteristic Changed)</a:t>
+            </a:r>
           </a:p>
           <a:p>
             <a:pPr lvl="1"/>
             <a:r>
-              <a:rPr lang="en-SG" sz="1400" dirty="0" smtClean="0">
-                <a:hlinkClick r:id="rId3"/>
-              </a:rPr>
-              <a:t>Paper: https</a:t>
-            </a:r>
-            <a:r>
-              <a:rPr lang="en-SG" sz="1400" dirty="0">
-                <a:hlinkClick r:id="rId3"/>
-              </a:rPr>
-              <a:t>://lacklustre.net/bluetooth/Ryan_Bluetooth_Low_Energy_USENIX_WOOT.pdf</a:t>
-            </a:r>
-            <a:endParaRPr lang="en-SG" sz="1400" dirty="0" smtClean="0"/>
-          </a:p>
-          <a:p>
-            <a:r>
-              <a:rPr lang="en-SG" sz="2400" dirty="0" smtClean="0"/>
-              <a:t>In-depth introduction by Nordic Semiconductor</a:t>
+              <a:rPr lang="en-SG" sz="2000" dirty="0" smtClean="0"/>
+              <a:t>Slave -&gt; Master</a:t>
             </a:r>
           </a:p>
           <a:p>
             <a:pPr lvl="1"/>
-            <a:r>
-              <a:rPr lang="en-SG" sz="1400" dirty="0">
-                <a:hlinkClick r:id="rId4"/>
-              </a:rPr>
-              <a:t>https://www.youtube.com/watch?v=BZwOrQ6zkzE</a:t>
-            </a:r>
-            <a:endParaRPr lang="en-SG" sz="1400" dirty="0" smtClean="0"/>
-          </a:p>
-          <a:p>
-            <a:r>
-              <a:rPr lang="en-SG" sz="2400" dirty="0" smtClean="0"/>
-              <a:t>Acceptable types of Characteristic values</a:t>
-            </a:r>
-          </a:p>
-          <a:p>
-            <a:pPr lvl="1"/>
-            <a:r>
-              <a:rPr lang="en-SG" sz="1400" dirty="0">
-                <a:hlinkClick r:id="rId5"/>
-              </a:rPr>
-              <a:t>https://</a:t>
-            </a:r>
-            <a:r>
-              <a:rPr lang="en-SG" sz="1400" dirty="0" smtClean="0">
-                <a:hlinkClick r:id="rId5"/>
-              </a:rPr>
-              <a:t>developer.bluetooth.org/gatt/descriptors/Pages/DescriptorViewer.aspx?u=org.bluetooth.descriptor.gatt.characteristic_presentation_format.xml</a:t>
-            </a:r>
-            <a:endParaRPr lang="en-SG" sz="1400" dirty="0" smtClean="0"/>
-          </a:p>
-          <a:p>
-            <a:r>
-              <a:rPr lang="en-SG" sz="2400" dirty="0" smtClean="0"/>
-              <a:t>BLE Sniffer (by </a:t>
-            </a:r>
-            <a:r>
-              <a:rPr lang="en-SG" sz="2400" dirty="0" err="1" smtClean="0"/>
-              <a:t>Adafruit</a:t>
-            </a:r>
-            <a:r>
-              <a:rPr lang="en-SG" sz="2400" dirty="0" smtClean="0"/>
-              <a:t>)</a:t>
-            </a:r>
-          </a:p>
-          <a:p>
-            <a:pPr lvl="1"/>
-            <a:r>
-              <a:rPr lang="en-SG" sz="1400" dirty="0">
-                <a:hlinkClick r:id="rId6"/>
-              </a:rPr>
-              <a:t>https://learn.adafruit.com/introducing-the-adafruit-bluefruit-le-sniffer</a:t>
-            </a:r>
-            <a:endParaRPr lang="en-SG" sz="1400" dirty="0" smtClean="0"/>
-          </a:p>
-          <a:p>
-            <a:r>
-              <a:rPr lang="en-SG" sz="2400" dirty="0" smtClean="0"/>
-              <a:t>Android 4.3 BLE unstable</a:t>
-            </a:r>
-          </a:p>
-          <a:p>
-            <a:pPr lvl="1"/>
-            <a:r>
-              <a:rPr lang="en-SG" sz="1400" dirty="0">
-                <a:hlinkClick r:id="rId7"/>
-              </a:rPr>
-              <a:t>http://stackoverflow.com/questions/17870189/android-4-3-bluetooth-low-energy-unstable</a:t>
-            </a:r>
-            <a:endParaRPr lang="en-SG" sz="1400" dirty="0"/>
-          </a:p>
-          <a:p>
-            <a:r>
-              <a:rPr lang="en-SG" sz="2400" dirty="0" smtClean="0"/>
-              <a:t>Android different scan results behaviour</a:t>
-            </a:r>
-          </a:p>
-          <a:p>
-            <a:pPr lvl="1"/>
-            <a:r>
-              <a:rPr lang="en-SG" sz="1400" dirty="0">
-                <a:hlinkClick r:id="rId8"/>
-              </a:rPr>
-              <a:t>http://stackoverflow.com/questions/19502853/android-4-3-ble-filtering-behaviour-of-startlescan</a:t>
-            </a:r>
-            <a:endParaRPr lang="en-SG" sz="1400" dirty="0"/>
-          </a:p>
-          <a:p>
-            <a:r>
-              <a:rPr lang="en-SG" sz="2400" dirty="0" smtClean="0"/>
-              <a:t>Android 5.0 BLE APIs improvement vs 4.3</a:t>
-            </a:r>
-          </a:p>
-          <a:p>
-            <a:pPr lvl="1"/>
-            <a:r>
-              <a:rPr lang="en-SG" sz="1400" dirty="0">
-                <a:hlinkClick r:id="rId9"/>
-              </a:rPr>
-              <a:t>https://www.youtube.com/watch?v=qx55Sa8UZAQ</a:t>
-            </a:r>
-            <a:r>
-              <a:rPr lang="en-SG" sz="1400" dirty="0"/>
-              <a:t>  </a:t>
-            </a:r>
-            <a:endParaRPr lang="en-SG" sz="1400" dirty="0" smtClean="0"/>
-          </a:p>
-          <a:p>
-            <a:r>
-              <a:rPr lang="en-SG" sz="2400" dirty="0" smtClean="0"/>
-              <a:t>BLE Advertising Packet Format</a:t>
-            </a:r>
-          </a:p>
-          <a:p>
-            <a:pPr lvl="1"/>
-            <a:r>
-              <a:rPr lang="en-SG" sz="1400" dirty="0">
-                <a:hlinkClick r:id="rId10"/>
-              </a:rPr>
-              <a:t>http://</a:t>
-            </a:r>
-            <a:r>
-              <a:rPr lang="en-SG" sz="1400" dirty="0" smtClean="0">
-                <a:hlinkClick r:id="rId10"/>
-              </a:rPr>
-              <a:t>j2abro.blogspot.sg/2014/06/understanding-bluetooth-advertising.html</a:t>
-            </a:r>
-            <a:endParaRPr lang="en-SG" sz="1400" dirty="0" smtClean="0"/>
-          </a:p>
-          <a:p>
-            <a:r>
-              <a:rPr lang="en-SG" sz="2400" dirty="0" smtClean="0"/>
-              <a:t>Bluetooth Core (Adopted) Specification</a:t>
-            </a:r>
-          </a:p>
-          <a:p>
-            <a:pPr lvl="1"/>
-            <a:r>
-              <a:rPr lang="en-SG" sz="1400" dirty="0">
-                <a:hlinkClick r:id="rId11"/>
-              </a:rPr>
-              <a:t>https://www.bluetooth.org/en-us/specification/adopted-specifications</a:t>
-            </a:r>
-            <a:endParaRPr lang="en-SG" sz="1400" dirty="0"/>
+            <a:endParaRPr lang="en-SG" sz="2000" dirty="0"/>
           </a:p>
         </p:txBody>
       </p:sp>
@@ -25256,7 +25297,7 @@
     </p:spTree>
     <p:extLst>
       <p:ext uri="{BB962C8B-B14F-4D97-AF65-F5344CB8AC3E}">
-        <p14:creationId xmlns:p14="http://schemas.microsoft.com/office/powerpoint/2010/main" val="3379823457"/>
+        <p14:creationId xmlns:p14="http://schemas.microsoft.com/office/powerpoint/2010/main" val="3306125978"/>
       </p:ext>
     </p:extLst>
   </p:cSld>
@@ -25295,6 +25336,305 @@
         </p:nvSpPr>
         <p:spPr/>
         <p:txBody>
+          <a:bodyPr/>
+          <a:lstStyle/>
+          <a:p>
+            <a:r>
+              <a:rPr lang="en-SG" dirty="0"/>
+              <a:t>7</a:t>
+            </a:r>
+            <a:r>
+              <a:rPr lang="en-SG" dirty="0" smtClean="0"/>
+              <a:t>. Further reading</a:t>
+            </a:r>
+            <a:endParaRPr lang="en-SG" dirty="0"/>
+          </a:p>
+        </p:txBody>
+      </p:sp>
+      <p:sp>
+        <p:nvSpPr>
+          <p:cNvPr id="3" name="Content Placeholder 2"/>
+          <p:cNvSpPr>
+            <a:spLocks noGrp="1"/>
+          </p:cNvSpPr>
+          <p:nvPr>
+            <p:ph idx="1"/>
+          </p:nvPr>
+        </p:nvSpPr>
+        <p:spPr>
+          <a:xfrm>
+            <a:off x="249382" y="1425030"/>
+            <a:ext cx="8265968" cy="5296446"/>
+          </a:xfrm>
+        </p:spPr>
+        <p:txBody>
+          <a:bodyPr>
+            <a:normAutofit fontScale="85000" lnSpcReduction="20000"/>
+          </a:bodyPr>
+          <a:lstStyle/>
+          <a:p>
+            <a:r>
+              <a:rPr lang="en-SG" sz="2400" dirty="0" smtClean="0"/>
+              <a:t>BLE 4.0-4.1 Security (Passive) Weaknesses (19:58 to 23:14)</a:t>
+            </a:r>
+          </a:p>
+          <a:p>
+            <a:pPr lvl="1"/>
+            <a:r>
+              <a:rPr lang="en-SG" sz="1400" dirty="0" smtClean="0">
+                <a:hlinkClick r:id="rId2"/>
+              </a:rPr>
+              <a:t>Video: https</a:t>
+            </a:r>
+            <a:r>
+              <a:rPr lang="en-SG" sz="1400" dirty="0">
+                <a:hlinkClick r:id="rId2"/>
+              </a:rPr>
+              <a:t>://</a:t>
+            </a:r>
+            <a:r>
+              <a:rPr lang="en-SG" sz="1400" dirty="0" smtClean="0">
+                <a:hlinkClick r:id="rId2"/>
+              </a:rPr>
+              <a:t>www.usenix.org/conference/woot13/workshop-program/presentation/ryan</a:t>
+            </a:r>
+            <a:endParaRPr lang="en-SG" sz="1400" dirty="0" smtClean="0"/>
+          </a:p>
+          <a:p>
+            <a:pPr lvl="1"/>
+            <a:r>
+              <a:rPr lang="en-SG" sz="1400" dirty="0" smtClean="0">
+                <a:hlinkClick r:id="rId3"/>
+              </a:rPr>
+              <a:t>Paper: https</a:t>
+            </a:r>
+            <a:r>
+              <a:rPr lang="en-SG" sz="1400" dirty="0">
+                <a:hlinkClick r:id="rId3"/>
+              </a:rPr>
+              <a:t>://lacklustre.net/bluetooth/Ryan_Bluetooth_Low_Energy_USENIX_WOOT.pdf</a:t>
+            </a:r>
+            <a:endParaRPr lang="en-SG" sz="1400" dirty="0" smtClean="0"/>
+          </a:p>
+          <a:p>
+            <a:r>
+              <a:rPr lang="en-SG" sz="2400" dirty="0" smtClean="0"/>
+              <a:t>In-depth introduction by Nordic Semiconductor</a:t>
+            </a:r>
+          </a:p>
+          <a:p>
+            <a:pPr lvl="1"/>
+            <a:r>
+              <a:rPr lang="en-SG" sz="1400" dirty="0">
+                <a:hlinkClick r:id="rId4"/>
+              </a:rPr>
+              <a:t>https://www.youtube.com/watch?v=BZwOrQ6zkzE</a:t>
+            </a:r>
+            <a:endParaRPr lang="en-SG" sz="1400" dirty="0" smtClean="0"/>
+          </a:p>
+          <a:p>
+            <a:r>
+              <a:rPr lang="en-SG" sz="2400" dirty="0" smtClean="0"/>
+              <a:t>Acceptable types of Characteristic values</a:t>
+            </a:r>
+          </a:p>
+          <a:p>
+            <a:pPr lvl="1"/>
+            <a:r>
+              <a:rPr lang="en-SG" sz="1400" dirty="0">
+                <a:hlinkClick r:id="rId5"/>
+              </a:rPr>
+              <a:t>https://</a:t>
+            </a:r>
+            <a:r>
+              <a:rPr lang="en-SG" sz="1400" dirty="0" smtClean="0">
+                <a:hlinkClick r:id="rId5"/>
+              </a:rPr>
+              <a:t>developer.bluetooth.org/gatt/descriptors/Pages/DescriptorViewer.aspx?u=org.bluetooth.descriptor.gatt.characteristic_presentation_format.xml</a:t>
+            </a:r>
+            <a:endParaRPr lang="en-SG" sz="1400" dirty="0" smtClean="0"/>
+          </a:p>
+          <a:p>
+            <a:r>
+              <a:rPr lang="en-SG" sz="2400" dirty="0" smtClean="0"/>
+              <a:t>BLE Sniffer (by </a:t>
+            </a:r>
+            <a:r>
+              <a:rPr lang="en-SG" sz="2400" dirty="0" err="1" smtClean="0"/>
+              <a:t>Adafruit</a:t>
+            </a:r>
+            <a:r>
+              <a:rPr lang="en-SG" sz="2400" dirty="0" smtClean="0"/>
+              <a:t>)</a:t>
+            </a:r>
+          </a:p>
+          <a:p>
+            <a:pPr lvl="1"/>
+            <a:r>
+              <a:rPr lang="en-SG" sz="1400" dirty="0">
+                <a:hlinkClick r:id="rId6"/>
+              </a:rPr>
+              <a:t>https://learn.adafruit.com/introducing-the-adafruit-bluefruit-le-sniffer</a:t>
+            </a:r>
+            <a:endParaRPr lang="en-SG" sz="1400" dirty="0" smtClean="0"/>
+          </a:p>
+          <a:p>
+            <a:r>
+              <a:rPr lang="en-SG" sz="2400" dirty="0" smtClean="0"/>
+              <a:t>Android 4.3 BLE unstable</a:t>
+            </a:r>
+          </a:p>
+          <a:p>
+            <a:pPr lvl="1"/>
+            <a:r>
+              <a:rPr lang="en-SG" sz="1400" dirty="0">
+                <a:hlinkClick r:id="rId7"/>
+              </a:rPr>
+              <a:t>http://stackoverflow.com/questions/17870189/android-4-3-bluetooth-low-energy-unstable</a:t>
+            </a:r>
+            <a:endParaRPr lang="en-SG" sz="1400" dirty="0"/>
+          </a:p>
+          <a:p>
+            <a:r>
+              <a:rPr lang="en-SG" sz="2400" dirty="0" smtClean="0"/>
+              <a:t>Android different scan results behaviour</a:t>
+            </a:r>
+          </a:p>
+          <a:p>
+            <a:pPr lvl="1"/>
+            <a:r>
+              <a:rPr lang="en-SG" sz="1400" dirty="0">
+                <a:hlinkClick r:id="rId8"/>
+              </a:rPr>
+              <a:t>http://stackoverflow.com/questions/19502853/android-4-3-ble-filtering-behaviour-of-startlescan</a:t>
+            </a:r>
+            <a:endParaRPr lang="en-SG" sz="1400" dirty="0"/>
+          </a:p>
+          <a:p>
+            <a:r>
+              <a:rPr lang="en-SG" sz="2400" dirty="0" smtClean="0"/>
+              <a:t>Android 5.0 BLE APIs improvement vs 4.3</a:t>
+            </a:r>
+          </a:p>
+          <a:p>
+            <a:pPr lvl="1"/>
+            <a:r>
+              <a:rPr lang="en-SG" sz="1400" dirty="0">
+                <a:hlinkClick r:id="rId9"/>
+              </a:rPr>
+              <a:t>https://www.youtube.com/watch?v=qx55Sa8UZAQ</a:t>
+            </a:r>
+            <a:r>
+              <a:rPr lang="en-SG" sz="1400" dirty="0"/>
+              <a:t>  </a:t>
+            </a:r>
+            <a:endParaRPr lang="en-SG" sz="1400" dirty="0" smtClean="0"/>
+          </a:p>
+          <a:p>
+            <a:r>
+              <a:rPr lang="en-SG" sz="2400" dirty="0" smtClean="0"/>
+              <a:t>BLE Advertising Packet Format</a:t>
+            </a:r>
+          </a:p>
+          <a:p>
+            <a:pPr lvl="1"/>
+            <a:r>
+              <a:rPr lang="en-SG" sz="1400" dirty="0">
+                <a:hlinkClick r:id="rId10"/>
+              </a:rPr>
+              <a:t>http://</a:t>
+            </a:r>
+            <a:r>
+              <a:rPr lang="en-SG" sz="1400" dirty="0" smtClean="0">
+                <a:hlinkClick r:id="rId10"/>
+              </a:rPr>
+              <a:t>j2abro.blogspot.sg/2014/06/understanding-bluetooth-advertising.html</a:t>
+            </a:r>
+            <a:endParaRPr lang="en-SG" sz="1400" dirty="0" smtClean="0"/>
+          </a:p>
+          <a:p>
+            <a:r>
+              <a:rPr lang="en-SG" sz="2400" dirty="0" smtClean="0"/>
+              <a:t>Bluetooth Core (Adopted) Specification</a:t>
+            </a:r>
+          </a:p>
+          <a:p>
+            <a:pPr lvl="1"/>
+            <a:r>
+              <a:rPr lang="en-SG" sz="1400" dirty="0">
+                <a:hlinkClick r:id="rId11"/>
+              </a:rPr>
+              <a:t>https://www.bluetooth.org/en-us/specification/adopted-specifications</a:t>
+            </a:r>
+            <a:endParaRPr lang="en-SG" sz="1400" dirty="0"/>
+          </a:p>
+        </p:txBody>
+      </p:sp>
+      <p:sp>
+        <p:nvSpPr>
+          <p:cNvPr id="4" name="Slide Number Placeholder 3"/>
+          <p:cNvSpPr>
+            <a:spLocks noGrp="1"/>
+          </p:cNvSpPr>
+          <p:nvPr>
+            <p:ph type="sldNum" sz="quarter" idx="12"/>
+          </p:nvPr>
+        </p:nvSpPr>
+        <p:spPr/>
+        <p:txBody>
+          <a:bodyPr/>
+          <a:lstStyle/>
+          <a:p>
+            <a:fld id="{D58B649F-BA72-4D5B-9DE7-B85048FCABD7}" type="slidenum">
+              <a:rPr lang="en-SG" smtClean="0"/>
+              <a:t>43</a:t>
+            </a:fld>
+            <a:endParaRPr lang="en-SG"/>
+          </a:p>
+        </p:txBody>
+      </p:sp>
+    </p:spTree>
+    <p:extLst>
+      <p:ext uri="{BB962C8B-B14F-4D97-AF65-F5344CB8AC3E}">
+        <p14:creationId xmlns:p14="http://schemas.microsoft.com/office/powerpoint/2010/main" val="3379823457"/>
+      </p:ext>
+    </p:extLst>
+  </p:cSld>
+  <p:clrMapOvr>
+    <a:masterClrMapping/>
+  </p:clrMapOvr>
+</p:sld>
+</file>
+
+<file path=ppt/slides/slide44.xml><?xml version="1.0" encoding="utf-8"?>
+<p:sld xmlns:a="http://schemas.openxmlformats.org/drawingml/2006/main" xmlns:r="http://schemas.openxmlformats.org/officeDocument/2006/relationships" xmlns:p="http://schemas.openxmlformats.org/presentationml/2006/main">
+  <p:cSld>
+    <p:spTree>
+      <p:nvGrpSpPr>
+        <p:cNvPr id="1" name=""/>
+        <p:cNvGrpSpPr/>
+        <p:nvPr/>
+      </p:nvGrpSpPr>
+      <p:grpSpPr>
+        <a:xfrm>
+          <a:off x="0" y="0"/>
+          <a:ext cx="0" cy="0"/>
+          <a:chOff x="0" y="0"/>
+          <a:chExt cx="0" cy="0"/>
+        </a:xfrm>
+      </p:grpSpPr>
+      <p:sp>
+        <p:nvSpPr>
+          <p:cNvPr id="2" name="Title 1"/>
+          <p:cNvSpPr>
+            <a:spLocks noGrp="1"/>
+          </p:cNvSpPr>
+          <p:nvPr>
+            <p:ph type="title"/>
+          </p:nvPr>
+        </p:nvSpPr>
+        <p:spPr/>
+        <p:txBody>
           <a:bodyPr>
             <a:normAutofit fontScale="90000"/>
           </a:bodyPr>
@@ -25439,7 +25779,7 @@
           <a:p>
             <a:fld id="{D58B649F-BA72-4D5B-9DE7-B85048FCABD7}" type="slidenum">
               <a:rPr lang="en-SG" smtClean="0"/>
-              <a:t>43</a:t>
+              <a:t>44</a:t>
             </a:fld>
             <a:endParaRPr lang="en-SG"/>
           </a:p>
@@ -25929,7 +26269,7 @@
 </p:sld>
 </file>
 
-<file path=ppt/slides/slide44.xml><?xml version="1.0" encoding="utf-8"?>
+<file path=ppt/slides/slide45.xml><?xml version="1.0" encoding="utf-8"?>
 <p:sld xmlns:a="http://schemas.openxmlformats.org/drawingml/2006/main" xmlns:r="http://schemas.openxmlformats.org/officeDocument/2006/relationships" xmlns:p="http://schemas.openxmlformats.org/presentationml/2006/main">
   <p:cSld>
     <p:spTree>
@@ -26076,7 +26416,7 @@
           <a:p>
             <a:fld id="{D58B649F-BA72-4D5B-9DE7-B85048FCABD7}" type="slidenum">
               <a:rPr lang="en-SG" smtClean="0"/>
-              <a:t>44</a:t>
+              <a:t>45</a:t>
             </a:fld>
             <a:endParaRPr lang="en-SG"/>
           </a:p>
@@ -26669,7 +27009,7 @@
 </p:sld>
 </file>
 
-<file path=ppt/slides/slide45.xml><?xml version="1.0" encoding="utf-8"?>
+<file path=ppt/slides/slide46.xml><?xml version="1.0" encoding="utf-8"?>
 <p:sld xmlns:a="http://schemas.openxmlformats.org/drawingml/2006/main" xmlns:r="http://schemas.openxmlformats.org/officeDocument/2006/relationships" xmlns:p="http://schemas.openxmlformats.org/presentationml/2006/main">
   <p:cSld>
     <p:spTree>
@@ -26802,7 +27142,7 @@
           <a:p>
             <a:fld id="{D58B649F-BA72-4D5B-9DE7-B85048FCABD7}" type="slidenum">
               <a:rPr lang="en-SG" smtClean="0"/>
-              <a:t>45</a:t>
+              <a:t>46</a:t>
             </a:fld>
             <a:endParaRPr lang="en-SG"/>
           </a:p>
@@ -27163,7 +27503,7 @@
 </p:sld>
 </file>
 
-<file path=ppt/slides/slide46.xml><?xml version="1.0" encoding="utf-8"?>
+<file path=ppt/slides/slide47.xml><?xml version="1.0" encoding="utf-8"?>
 <p:sld xmlns:a="http://schemas.openxmlformats.org/drawingml/2006/main" xmlns:r="http://schemas.openxmlformats.org/officeDocument/2006/relationships" xmlns:p="http://schemas.openxmlformats.org/presentationml/2006/main">
   <p:cSld>
     <p:spTree>
@@ -27297,7 +27637,7 @@
           <a:p>
             <a:fld id="{D58B649F-BA72-4D5B-9DE7-B85048FCABD7}" type="slidenum">
               <a:rPr lang="en-SG" smtClean="0"/>
-              <a:t>46</a:t>
+              <a:t>47</a:t>
             </a:fld>
             <a:endParaRPr lang="en-SG"/>
           </a:p>
@@ -29114,13 +29454,6 @@
   <p:clrMapOvr>
     <a:masterClrMapping/>
   </p:clrMapOvr>
-  <p:timing>
-    <p:tnLst>
-      <p:par>
-        <p:cTn id="1" dur="indefinite" restart="never" nodeType="tmRoot"/>
-      </p:par>
-    </p:tnLst>
-  </p:timing>
 </p:sld>
 </file>
 
@@ -30587,13 +30920,6 @@
   <p:clrMapOvr>
     <a:masterClrMapping/>
   </p:clrMapOvr>
-  <p:timing>
-    <p:tnLst>
-      <p:par>
-        <p:cTn id="1" dur="indefinite" restart="never" nodeType="tmRoot"/>
-      </p:par>
-    </p:tnLst>
-  </p:timing>
 </p:sld>
 </file>
 
@@ -30680,7 +31006,21 @@
             </a:pPr>
             <a:r>
               <a:rPr lang="en-SG" dirty="0" smtClean="0"/>
-              <a:t>Central vs peripheral</a:t>
+              <a:t>Broadcaster vs Observer</a:t>
+            </a:r>
+          </a:p>
+          <a:p>
+            <a:pPr marL="971550" lvl="1" indent="-514350">
+              <a:buFont typeface="+mj-lt"/>
+              <a:buAutoNum type="alphaLcPeriod"/>
+            </a:pPr>
+            <a:r>
+              <a:rPr lang="en-SG" dirty="0" smtClean="0"/>
+              <a:t>Central </a:t>
+            </a:r>
+            <a:r>
+              <a:rPr lang="en-SG" dirty="0" smtClean="0"/>
+              <a:t>vs peripheral</a:t>
             </a:r>
           </a:p>
           <a:p>
@@ -30976,13 +31316,6 @@
   <p:clrMapOvr>
     <a:masterClrMapping/>
   </p:clrMapOvr>
-  <p:timing>
-    <p:tnLst>
-      <p:par>
-        <p:cTn id="1" dur="indefinite" restart="never" nodeType="tmRoot"/>
-      </p:par>
-    </p:tnLst>
-  </p:timing>
 </p:sld>
 </file>
 

--- a/intro to ble.pptx
+++ b/intro to ble.pptx
@@ -243,7 +243,7 @@
           <a:p>
             <a:fld id="{CB69E15D-2E95-428C-B9E3-27B2BF3879D0}" type="datetimeFigureOut">
               <a:rPr lang="en-SG" smtClean="0"/>
-              <a:t>7/2/2016</a:t>
+              <a:t>10/2/16</a:t>
             </a:fld>
             <a:endParaRPr lang="en-SG"/>
           </a:p>
@@ -810,7 +810,7 @@
           <a:p>
             <a:fld id="{14C94871-C4DF-4AFD-96E5-87B050A67E05}" type="datetime1">
               <a:rPr lang="en-SG" smtClean="0"/>
-              <a:t>7/2/2016</a:t>
+              <a:t>10/2/16</a:t>
             </a:fld>
             <a:endParaRPr lang="en-SG"/>
           </a:p>
@@ -980,7 +980,7 @@
           <a:p>
             <a:fld id="{76A6DE21-0D8F-4C8C-AF6A-521466B16426}" type="datetime1">
               <a:rPr lang="en-SG" smtClean="0"/>
-              <a:t>7/2/2016</a:t>
+              <a:t>10/2/16</a:t>
             </a:fld>
             <a:endParaRPr lang="en-SG"/>
           </a:p>
@@ -1160,7 +1160,7 @@
           <a:p>
             <a:fld id="{16A18ED7-72CF-4BB2-8941-928963568089}" type="datetime1">
               <a:rPr lang="en-SG" smtClean="0"/>
-              <a:t>7/2/2016</a:t>
+              <a:t>10/2/16</a:t>
             </a:fld>
             <a:endParaRPr lang="en-SG"/>
           </a:p>
@@ -1330,7 +1330,7 @@
           <a:p>
             <a:fld id="{7FD7CD52-9833-4DD5-89FF-33E59F171421}" type="datetime1">
               <a:rPr lang="en-SG" smtClean="0"/>
-              <a:t>7/2/2016</a:t>
+              <a:t>10/2/16</a:t>
             </a:fld>
             <a:endParaRPr lang="en-SG"/>
           </a:p>
@@ -1574,7 +1574,7 @@
           <a:p>
             <a:fld id="{E74C9598-7F32-4DE4-BFF0-39C051013B34}" type="datetime1">
               <a:rPr lang="en-SG" smtClean="0"/>
-              <a:t>7/2/2016</a:t>
+              <a:t>10/2/16</a:t>
             </a:fld>
             <a:endParaRPr lang="en-SG"/>
           </a:p>
@@ -1806,7 +1806,7 @@
           <a:p>
             <a:fld id="{5DC821E8-33B0-41D5-8FA5-9A647E53891C}" type="datetime1">
               <a:rPr lang="en-SG" smtClean="0"/>
-              <a:t>7/2/2016</a:t>
+              <a:t>10/2/16</a:t>
             </a:fld>
             <a:endParaRPr lang="en-SG"/>
           </a:p>
@@ -2173,7 +2173,7 @@
           <a:p>
             <a:fld id="{751CCC62-50F5-4228-8D51-6D258C0BFCBD}" type="datetime1">
               <a:rPr lang="en-SG" smtClean="0"/>
-              <a:t>7/2/2016</a:t>
+              <a:t>10/2/16</a:t>
             </a:fld>
             <a:endParaRPr lang="en-SG"/>
           </a:p>
@@ -2291,7 +2291,7 @@
           <a:p>
             <a:fld id="{776807E8-5434-437A-A610-A94C24A73164}" type="datetime1">
               <a:rPr lang="en-SG" smtClean="0"/>
-              <a:t>7/2/2016</a:t>
+              <a:t>10/2/16</a:t>
             </a:fld>
             <a:endParaRPr lang="en-SG"/>
           </a:p>
@@ -2386,7 +2386,7 @@
           <a:p>
             <a:fld id="{18AC243E-E412-41F8-A99C-62E3D2C4FD1E}" type="datetime1">
               <a:rPr lang="en-SG" smtClean="0"/>
-              <a:t>7/2/2016</a:t>
+              <a:t>10/2/16</a:t>
             </a:fld>
             <a:endParaRPr lang="en-SG"/>
           </a:p>
@@ -2663,7 +2663,7 @@
           <a:p>
             <a:fld id="{30DD06DC-63F5-45CF-A3A5-F437A0C7E12A}" type="datetime1">
               <a:rPr lang="en-SG" smtClean="0"/>
-              <a:t>7/2/2016</a:t>
+              <a:t>10/2/16</a:t>
             </a:fld>
             <a:endParaRPr lang="en-SG"/>
           </a:p>
@@ -2920,7 +2920,7 @@
           <a:p>
             <a:fld id="{7810AE82-8C34-472D-B90B-4D50508F585C}" type="datetime1">
               <a:rPr lang="en-SG" smtClean="0"/>
-              <a:t>7/2/2016</a:t>
+              <a:t>10/2/16</a:t>
             </a:fld>
             <a:endParaRPr lang="en-SG"/>
           </a:p>
@@ -3133,7 +3133,7 @@
           <a:p>
             <a:fld id="{393BD624-3486-430E-A0CD-3F2C92C8E573}" type="datetime1">
               <a:rPr lang="en-SG" smtClean="0"/>
-              <a:t>7/2/2016</a:t>
+              <a:t>10/2/16</a:t>
             </a:fld>
             <a:endParaRPr lang="en-SG"/>
           </a:p>
@@ -3807,9 +3807,16 @@
             <p:ph type="title"/>
           </p:nvPr>
         </p:nvSpPr>
-        <p:spPr/>
+        <p:spPr>
+          <a:xfrm>
+            <a:off x="154468" y="48833"/>
+            <a:ext cx="8989532" cy="941999"/>
+          </a:xfrm>
+        </p:spPr>
         <p:txBody>
-          <a:bodyPr/>
+          <a:bodyPr>
+            <a:normAutofit fontScale="90000"/>
+          </a:bodyPr>
           <a:lstStyle/>
           <a:p>
             <a:r>
@@ -3818,7 +3825,11 @@
             </a:r>
             <a:r>
               <a:rPr lang="en-SG" dirty="0" smtClean="0"/>
-              <a:t>Broadcaster vs Observer</a:t>
+              <a:t>Device Role 1: Broadcaster </a:t>
+            </a:r>
+            <a:r>
+              <a:rPr lang="en-SG" dirty="0" smtClean="0"/>
+              <a:t>vs Observer</a:t>
             </a:r>
             <a:endParaRPr lang="en-SG" dirty="0"/>
           </a:p>
@@ -3832,7 +3843,7 @@
         </p:nvSpPr>
         <p:spPr>
           <a:xfrm>
-            <a:off x="154468" y="1690689"/>
+            <a:off x="154468" y="1069177"/>
             <a:ext cx="2853950" cy="971550"/>
           </a:xfrm>
           <a:prstGeom prst="roundRect">
@@ -3878,7 +3889,7 @@
         </p:nvSpPr>
         <p:spPr>
           <a:xfrm>
-            <a:off x="6144403" y="2998115"/>
+            <a:off x="5972465" y="1690689"/>
             <a:ext cx="2846868" cy="971550"/>
           </a:xfrm>
           <a:prstGeom prst="roundRect">
@@ -3909,8 +3920,8 @@
           <a:p>
             <a:pPr algn="ctr"/>
             <a:r>
-              <a:rPr lang="en-SG" sz="2800" dirty="0" smtClean="0"/>
-              <a:t>Broadcaster</a:t>
+              <a:rPr lang="en-SG" sz="2800" smtClean="0"/>
+              <a:t>Broadcaster 1</a:t>
             </a:r>
             <a:endParaRPr lang="en-SG" dirty="0"/>
           </a:p>
@@ -3924,15 +3935,15 @@
         </p:nvCxnSpPr>
         <p:spPr>
           <a:xfrm flipH="1">
-            <a:off x="3791500" y="3483890"/>
-            <a:ext cx="1816100" cy="0"/>
+            <a:off x="3315694" y="2179132"/>
+            <a:ext cx="2170046" cy="1025347"/>
           </a:xfrm>
           <a:prstGeom prst="straightConnector1">
             <a:avLst/>
           </a:prstGeom>
           <a:ln w="63500">
             <a:solidFill>
-              <a:schemeClr val="accent2"/>
+              <a:srgbClr val="002060"/>
             </a:solidFill>
             <a:tailEnd type="triangle"/>
           </a:ln>
@@ -3960,7 +3971,7 @@
         </p:nvSpPr>
         <p:spPr>
           <a:xfrm>
-            <a:off x="4172194" y="3028831"/>
+            <a:off x="3940578" y="1121104"/>
             <a:ext cx="1054712" cy="338554"/>
           </a:xfrm>
           <a:prstGeom prst="rect">
@@ -3975,10 +3986,10 @@
           <a:lstStyle/>
           <a:p>
             <a:r>
-              <a:rPr lang="en-SG" sz="1600" dirty="0" smtClean="0"/>
+              <a:rPr lang="en-SG" sz="1600" u="sng" dirty="0" smtClean="0"/>
               <a:t>Advertises</a:t>
             </a:r>
-            <a:endParaRPr lang="en-SG" dirty="0"/>
+            <a:endParaRPr lang="en-SG" u="sng" dirty="0"/>
           </a:p>
         </p:txBody>
       </p:sp>
@@ -4013,8 +4024,8 @@
         </p:nvSpPr>
         <p:spPr>
           <a:xfrm>
-            <a:off x="6897600" y="4067974"/>
-            <a:ext cx="1489190" cy="369332"/>
+            <a:off x="6651698" y="4348937"/>
+            <a:ext cx="1863652" cy="369332"/>
           </a:xfrm>
           <a:prstGeom prst="rect">
             <a:avLst/>
@@ -4028,10 +4039,14 @@
           <a:lstStyle/>
           <a:p>
             <a:r>
-              <a:rPr lang="en-SG" dirty="0" smtClean="0"/>
-              <a:t>Beacon-mode</a:t>
-            </a:r>
-            <a:endParaRPr lang="en-SG" dirty="0"/>
+              <a:rPr lang="en-SG" u="sng" dirty="0"/>
+              <a:t>a</a:t>
+            </a:r>
+            <a:r>
+              <a:rPr lang="en-SG" u="sng" dirty="0" smtClean="0"/>
+              <a:t>ka Beacon-mode</a:t>
+            </a:r>
+            <a:endParaRPr lang="en-SG" u="sng" dirty="0"/>
           </a:p>
         </p:txBody>
       </p:sp>
@@ -4043,8 +4058,8 @@
         </p:nvSpPr>
         <p:spPr>
           <a:xfrm>
-            <a:off x="386205" y="5611521"/>
-            <a:ext cx="6424003" cy="369332"/>
+            <a:off x="245528" y="6169581"/>
+            <a:ext cx="7363041" cy="369332"/>
           </a:xfrm>
           <a:prstGeom prst="rect">
             <a:avLst/>
@@ -4059,7 +4074,19 @@
           <a:p>
             <a:r>
               <a:rPr lang="en-SG" dirty="0" smtClean="0"/>
-              <a:t>One-way information transfer from broadcaster to many observers</a:t>
+              <a:t>One-way </a:t>
+            </a:r>
+            <a:r>
+              <a:rPr lang="en-SG" dirty="0" smtClean="0"/>
+              <a:t>advertisement information </a:t>
+            </a:r>
+            <a:r>
+              <a:rPr lang="en-SG" dirty="0" smtClean="0"/>
+              <a:t>transfer from broadcaster to </a:t>
+            </a:r>
+            <a:r>
+              <a:rPr lang="en-SG" dirty="0" smtClean="0"/>
+              <a:t>observer(s)</a:t>
             </a:r>
             <a:endParaRPr lang="en-SG" dirty="0"/>
           </a:p>
@@ -4073,7 +4100,7 @@
         </p:nvSpPr>
         <p:spPr>
           <a:xfrm>
-            <a:off x="154468" y="2998115"/>
+            <a:off x="154468" y="2704972"/>
             <a:ext cx="2853950" cy="971550"/>
           </a:xfrm>
           <a:prstGeom prst="roundRect">
@@ -4119,7 +4146,7 @@
         </p:nvSpPr>
         <p:spPr>
           <a:xfrm>
-            <a:off x="154468" y="4304094"/>
+            <a:off x="154468" y="4340767"/>
             <a:ext cx="2853950" cy="971550"/>
           </a:xfrm>
           <a:prstGeom prst="roundRect">
@@ -4164,15 +4191,15 @@
         </p:nvCxnSpPr>
         <p:spPr>
           <a:xfrm flipH="1">
-            <a:off x="3791500" y="3920531"/>
-            <a:ext cx="1792506" cy="913389"/>
+            <a:off x="3212328" y="2512612"/>
+            <a:ext cx="2273410" cy="2313930"/>
           </a:xfrm>
           <a:prstGeom prst="straightConnector1">
             <a:avLst/>
           </a:prstGeom>
           <a:ln w="63500">
             <a:solidFill>
-              <a:schemeClr val="accent2"/>
+              <a:srgbClr val="002060"/>
             </a:solidFill>
             <a:tailEnd type="triangle"/>
           </a:ln>
@@ -4200,15 +4227,169 @@
         </p:nvCxnSpPr>
         <p:spPr>
           <a:xfrm flipH="1" flipV="1">
-            <a:off x="3791500" y="2176464"/>
-            <a:ext cx="1792506" cy="692940"/>
+            <a:off x="3457529" y="1525153"/>
+            <a:ext cx="2028209" cy="331071"/>
           </a:xfrm>
           <a:prstGeom prst="straightConnector1">
             <a:avLst/>
           </a:prstGeom>
           <a:ln w="63500">
             <a:solidFill>
-              <a:schemeClr val="accent2"/>
+              <a:srgbClr val="002060"/>
+            </a:solidFill>
+            <a:tailEnd type="triangle"/>
+          </a:ln>
+        </p:spPr>
+        <p:style>
+          <a:lnRef idx="1">
+            <a:schemeClr val="accent1"/>
+          </a:lnRef>
+          <a:fillRef idx="0">
+            <a:schemeClr val="accent1"/>
+          </a:fillRef>
+          <a:effectRef idx="0">
+            <a:schemeClr val="accent1"/>
+          </a:effectRef>
+          <a:fontRef idx="minor">
+            <a:schemeClr val="tx1"/>
+          </a:fontRef>
+        </p:style>
+      </p:cxnSp>
+      <p:sp>
+        <p:nvSpPr>
+          <p:cNvPr id="17" name="Rounded Rectangle 16"/>
+          <p:cNvSpPr/>
+          <p:nvPr/>
+        </p:nvSpPr>
+        <p:spPr>
+          <a:xfrm>
+            <a:off x="5972465" y="3142001"/>
+            <a:ext cx="2846868" cy="971550"/>
+          </a:xfrm>
+          <a:prstGeom prst="roundRect">
+            <a:avLst/>
+          </a:prstGeom>
+          <a:solidFill>
+            <a:srgbClr val="00B0F0"/>
+          </a:solidFill>
+          <a:ln/>
+        </p:spPr>
+        <p:style>
+          <a:lnRef idx="1">
+            <a:schemeClr val="accent2"/>
+          </a:lnRef>
+          <a:fillRef idx="3">
+            <a:schemeClr val="accent2"/>
+          </a:fillRef>
+          <a:effectRef idx="2">
+            <a:schemeClr val="accent2"/>
+          </a:effectRef>
+          <a:fontRef idx="minor">
+            <a:schemeClr val="lt1"/>
+          </a:fontRef>
+        </p:style>
+        <p:txBody>
+          <a:bodyPr rtlCol="0" anchor="ctr"/>
+          <a:lstStyle/>
+          <a:p>
+            <a:pPr algn="ctr"/>
+            <a:r>
+              <a:rPr lang="en-SG" sz="2800" dirty="0" smtClean="0"/>
+              <a:t>Broadcaster 2</a:t>
+            </a:r>
+            <a:endParaRPr lang="en-SG" dirty="0"/>
+          </a:p>
+        </p:txBody>
+      </p:sp>
+      <p:cxnSp>
+        <p:nvCxnSpPr>
+          <p:cNvPr id="23" name="Straight Arrow Connector 22"/>
+          <p:cNvCxnSpPr/>
+          <p:nvPr/>
+        </p:nvCxnSpPr>
+        <p:spPr>
+          <a:xfrm flipH="1" flipV="1">
+            <a:off x="3457529" y="1690689"/>
+            <a:ext cx="2232119" cy="1687316"/>
+          </a:xfrm>
+          <a:prstGeom prst="straightConnector1">
+            <a:avLst/>
+          </a:prstGeom>
+          <a:ln w="63500">
+            <a:solidFill>
+              <a:srgbClr val="00B0F0"/>
+            </a:solidFill>
+            <a:tailEnd type="triangle"/>
+          </a:ln>
+        </p:spPr>
+        <p:style>
+          <a:lnRef idx="1">
+            <a:schemeClr val="accent1"/>
+          </a:lnRef>
+          <a:fillRef idx="0">
+            <a:schemeClr val="accent1"/>
+          </a:fillRef>
+          <a:effectRef idx="0">
+            <a:schemeClr val="accent1"/>
+          </a:effectRef>
+          <a:fontRef idx="minor">
+            <a:schemeClr val="tx1"/>
+          </a:fontRef>
+        </p:style>
+      </p:cxnSp>
+      <p:cxnSp>
+        <p:nvCxnSpPr>
+          <p:cNvPr id="26" name="Straight Arrow Connector 25"/>
+          <p:cNvCxnSpPr/>
+          <p:nvPr/>
+        </p:nvCxnSpPr>
+        <p:spPr>
+          <a:xfrm flipH="1" flipV="1">
+            <a:off x="3315694" y="3378004"/>
+            <a:ext cx="2373955" cy="211663"/>
+          </a:xfrm>
+          <a:prstGeom prst="straightConnector1">
+            <a:avLst/>
+          </a:prstGeom>
+          <a:ln w="63500">
+            <a:solidFill>
+              <a:srgbClr val="00B0F0"/>
+            </a:solidFill>
+            <a:tailEnd type="triangle"/>
+          </a:ln>
+        </p:spPr>
+        <p:style>
+          <a:lnRef idx="1">
+            <a:schemeClr val="accent1"/>
+          </a:lnRef>
+          <a:fillRef idx="0">
+            <a:schemeClr val="accent1"/>
+          </a:fillRef>
+          <a:effectRef idx="0">
+            <a:schemeClr val="accent1"/>
+          </a:effectRef>
+          <a:fontRef idx="minor">
+            <a:schemeClr val="tx1"/>
+          </a:fontRef>
+        </p:style>
+      </p:cxnSp>
+      <p:cxnSp>
+        <p:nvCxnSpPr>
+          <p:cNvPr id="28" name="Straight Arrow Connector 27"/>
+          <p:cNvCxnSpPr/>
+          <p:nvPr/>
+        </p:nvCxnSpPr>
+        <p:spPr>
+          <a:xfrm flipH="1">
+            <a:off x="3246221" y="3763191"/>
+            <a:ext cx="2443427" cy="1222042"/>
+          </a:xfrm>
+          <a:prstGeom prst="straightConnector1">
+            <a:avLst/>
+          </a:prstGeom>
+          <a:ln w="63500">
+            <a:solidFill>
+              <a:srgbClr val="00B0F0"/>
             </a:solidFill>
             <a:tailEnd type="triangle"/>
           </a:ln>
@@ -4238,6 +4419,464 @@
   <p:clrMapOvr>
     <a:masterClrMapping/>
   </p:clrMapOvr>
+  <p:timing>
+    <p:tnLst>
+      <p:par>
+        <p:cTn id="1" dur="indefinite" restart="never" nodeType="tmRoot">
+          <p:childTnLst>
+            <p:seq concurrent="1" nextAc="seek">
+              <p:cTn id="2" dur="indefinite" nodeType="mainSeq">
+                <p:childTnLst>
+                  <p:par>
+                    <p:cTn id="3" fill="hold">
+                      <p:stCondLst>
+                        <p:cond delay="indefinite"/>
+                      </p:stCondLst>
+                      <p:childTnLst>
+                        <p:par>
+                          <p:cTn id="4" fill="hold">
+                            <p:stCondLst>
+                              <p:cond delay="0"/>
+                            </p:stCondLst>
+                            <p:childTnLst>
+                              <p:par>
+                                <p:cTn id="5" presetID="10" presetClass="entr" presetSubtype="0" fill="hold" nodeType="clickEffect">
+                                  <p:stCondLst>
+                                    <p:cond delay="0"/>
+                                  </p:stCondLst>
+                                  <p:childTnLst>
+                                    <p:set>
+                                      <p:cBhvr>
+                                        <p:cTn id="6" dur="1" fill="hold">
+                                          <p:stCondLst>
+                                            <p:cond delay="0"/>
+                                          </p:stCondLst>
+                                        </p:cTn>
+                                        <p:tgtEl>
+                                          <p:spTgt spid="20"/>
+                                        </p:tgtEl>
+                                        <p:attrNameLst>
+                                          <p:attrName>style.visibility</p:attrName>
+                                        </p:attrNameLst>
+                                      </p:cBhvr>
+                                      <p:to>
+                                        <p:strVal val="visible"/>
+                                      </p:to>
+                                    </p:set>
+                                    <p:animEffect transition="in" filter="fade">
+                                      <p:cBhvr>
+                                        <p:cTn id="7" dur="500"/>
+                                        <p:tgtEl>
+                                          <p:spTgt spid="20"/>
+                                        </p:tgtEl>
+                                      </p:cBhvr>
+                                    </p:animEffect>
+                                  </p:childTnLst>
+                                </p:cTn>
+                              </p:par>
+                              <p:par>
+                                <p:cTn id="8" presetID="10" presetClass="entr" presetSubtype="0" fill="hold" nodeType="withEffect">
+                                  <p:stCondLst>
+                                    <p:cond delay="0"/>
+                                  </p:stCondLst>
+                                  <p:childTnLst>
+                                    <p:set>
+                                      <p:cBhvr>
+                                        <p:cTn id="9" dur="1" fill="hold">
+                                          <p:stCondLst>
+                                            <p:cond delay="0"/>
+                                          </p:stCondLst>
+                                        </p:cTn>
+                                        <p:tgtEl>
+                                          <p:spTgt spid="15"/>
+                                        </p:tgtEl>
+                                        <p:attrNameLst>
+                                          <p:attrName>style.visibility</p:attrName>
+                                        </p:attrNameLst>
+                                      </p:cBhvr>
+                                      <p:to>
+                                        <p:strVal val="visible"/>
+                                      </p:to>
+                                    </p:set>
+                                    <p:animEffect transition="in" filter="fade">
+                                      <p:cBhvr>
+                                        <p:cTn id="10" dur="500"/>
+                                        <p:tgtEl>
+                                          <p:spTgt spid="15"/>
+                                        </p:tgtEl>
+                                      </p:cBhvr>
+                                    </p:animEffect>
+                                  </p:childTnLst>
+                                </p:cTn>
+                              </p:par>
+                              <p:par>
+                                <p:cTn id="11" presetID="10" presetClass="entr" presetSubtype="0" fill="hold" nodeType="withEffect">
+                                  <p:stCondLst>
+                                    <p:cond delay="0"/>
+                                  </p:stCondLst>
+                                  <p:childTnLst>
+                                    <p:set>
+                                      <p:cBhvr>
+                                        <p:cTn id="12" dur="1" fill="hold">
+                                          <p:stCondLst>
+                                            <p:cond delay="0"/>
+                                          </p:stCondLst>
+                                        </p:cTn>
+                                        <p:tgtEl>
+                                          <p:spTgt spid="18"/>
+                                        </p:tgtEl>
+                                        <p:attrNameLst>
+                                          <p:attrName>style.visibility</p:attrName>
+                                        </p:attrNameLst>
+                                      </p:cBhvr>
+                                      <p:to>
+                                        <p:strVal val="visible"/>
+                                      </p:to>
+                                    </p:set>
+                                    <p:animEffect transition="in" filter="fade">
+                                      <p:cBhvr>
+                                        <p:cTn id="13" dur="500"/>
+                                        <p:tgtEl>
+                                          <p:spTgt spid="18"/>
+                                        </p:tgtEl>
+                                      </p:cBhvr>
+                                    </p:animEffect>
+                                  </p:childTnLst>
+                                </p:cTn>
+                              </p:par>
+                              <p:par>
+                                <p:cTn id="14" presetID="10" presetClass="entr" presetSubtype="0" fill="hold" grpId="0" nodeType="withEffect">
+                                  <p:stCondLst>
+                                    <p:cond delay="0"/>
+                                  </p:stCondLst>
+                                  <p:childTnLst>
+                                    <p:set>
+                                      <p:cBhvr>
+                                        <p:cTn id="15" dur="1" fill="hold">
+                                          <p:stCondLst>
+                                            <p:cond delay="0"/>
+                                          </p:stCondLst>
+                                        </p:cTn>
+                                        <p:tgtEl>
+                                          <p:spTgt spid="16"/>
+                                        </p:tgtEl>
+                                        <p:attrNameLst>
+                                          <p:attrName>style.visibility</p:attrName>
+                                        </p:attrNameLst>
+                                      </p:cBhvr>
+                                      <p:to>
+                                        <p:strVal val="visible"/>
+                                      </p:to>
+                                    </p:set>
+                                    <p:animEffect transition="in" filter="fade">
+                                      <p:cBhvr>
+                                        <p:cTn id="16" dur="500"/>
+                                        <p:tgtEl>
+                                          <p:spTgt spid="16"/>
+                                        </p:tgtEl>
+                                      </p:cBhvr>
+                                    </p:animEffect>
+                                  </p:childTnLst>
+                                </p:cTn>
+                              </p:par>
+                              <p:par>
+                                <p:cTn id="17" presetID="10" presetClass="entr" presetSubtype="0" fill="hold" grpId="0" nodeType="withEffect">
+                                  <p:stCondLst>
+                                    <p:cond delay="0"/>
+                                  </p:stCondLst>
+                                  <p:childTnLst>
+                                    <p:set>
+                                      <p:cBhvr>
+                                        <p:cTn id="18" dur="1" fill="hold">
+                                          <p:stCondLst>
+                                            <p:cond delay="0"/>
+                                          </p:stCondLst>
+                                        </p:cTn>
+                                        <p:tgtEl>
+                                          <p:spTgt spid="12"/>
+                                        </p:tgtEl>
+                                        <p:attrNameLst>
+                                          <p:attrName>style.visibility</p:attrName>
+                                        </p:attrNameLst>
+                                      </p:cBhvr>
+                                      <p:to>
+                                        <p:strVal val="visible"/>
+                                      </p:to>
+                                    </p:set>
+                                    <p:animEffect transition="in" filter="fade">
+                                      <p:cBhvr>
+                                        <p:cTn id="19" dur="500"/>
+                                        <p:tgtEl>
+                                          <p:spTgt spid="12"/>
+                                        </p:tgtEl>
+                                      </p:cBhvr>
+                                    </p:animEffect>
+                                  </p:childTnLst>
+                                </p:cTn>
+                              </p:par>
+                            </p:childTnLst>
+                          </p:cTn>
+                        </p:par>
+                      </p:childTnLst>
+                    </p:cTn>
+                  </p:par>
+                  <p:par>
+                    <p:cTn id="20" fill="hold">
+                      <p:stCondLst>
+                        <p:cond delay="indefinite"/>
+                      </p:stCondLst>
+                      <p:childTnLst>
+                        <p:par>
+                          <p:cTn id="21" fill="hold">
+                            <p:stCondLst>
+                              <p:cond delay="0"/>
+                            </p:stCondLst>
+                            <p:childTnLst>
+                              <p:par>
+                                <p:cTn id="22" presetID="10" presetClass="entr" presetSubtype="0" fill="hold" grpId="0" nodeType="clickEffect">
+                                  <p:stCondLst>
+                                    <p:cond delay="0"/>
+                                  </p:stCondLst>
+                                  <p:childTnLst>
+                                    <p:set>
+                                      <p:cBhvr>
+                                        <p:cTn id="23" dur="1" fill="hold">
+                                          <p:stCondLst>
+                                            <p:cond delay="0"/>
+                                          </p:stCondLst>
+                                        </p:cTn>
+                                        <p:tgtEl>
+                                          <p:spTgt spid="17"/>
+                                        </p:tgtEl>
+                                        <p:attrNameLst>
+                                          <p:attrName>style.visibility</p:attrName>
+                                        </p:attrNameLst>
+                                      </p:cBhvr>
+                                      <p:to>
+                                        <p:strVal val="visible"/>
+                                      </p:to>
+                                    </p:set>
+                                    <p:animEffect transition="in" filter="fade">
+                                      <p:cBhvr>
+                                        <p:cTn id="24" dur="500"/>
+                                        <p:tgtEl>
+                                          <p:spTgt spid="17"/>
+                                        </p:tgtEl>
+                                      </p:cBhvr>
+                                    </p:animEffect>
+                                  </p:childTnLst>
+                                </p:cTn>
+                              </p:par>
+                            </p:childTnLst>
+                          </p:cTn>
+                        </p:par>
+                      </p:childTnLst>
+                    </p:cTn>
+                  </p:par>
+                  <p:par>
+                    <p:cTn id="25" fill="hold">
+                      <p:stCondLst>
+                        <p:cond delay="indefinite"/>
+                      </p:stCondLst>
+                      <p:childTnLst>
+                        <p:par>
+                          <p:cTn id="26" fill="hold">
+                            <p:stCondLst>
+                              <p:cond delay="0"/>
+                            </p:stCondLst>
+                            <p:childTnLst>
+                              <p:par>
+                                <p:cTn id="27" presetID="10" presetClass="entr" presetSubtype="0" fill="hold" nodeType="clickEffect">
+                                  <p:stCondLst>
+                                    <p:cond delay="0"/>
+                                  </p:stCondLst>
+                                  <p:childTnLst>
+                                    <p:set>
+                                      <p:cBhvr>
+                                        <p:cTn id="28" dur="1" fill="hold">
+                                          <p:stCondLst>
+                                            <p:cond delay="0"/>
+                                          </p:stCondLst>
+                                        </p:cTn>
+                                        <p:tgtEl>
+                                          <p:spTgt spid="23"/>
+                                        </p:tgtEl>
+                                        <p:attrNameLst>
+                                          <p:attrName>style.visibility</p:attrName>
+                                        </p:attrNameLst>
+                                      </p:cBhvr>
+                                      <p:to>
+                                        <p:strVal val="visible"/>
+                                      </p:to>
+                                    </p:set>
+                                    <p:animEffect transition="in" filter="fade">
+                                      <p:cBhvr>
+                                        <p:cTn id="29" dur="500"/>
+                                        <p:tgtEl>
+                                          <p:spTgt spid="23"/>
+                                        </p:tgtEl>
+                                      </p:cBhvr>
+                                    </p:animEffect>
+                                  </p:childTnLst>
+                                </p:cTn>
+                              </p:par>
+                              <p:par>
+                                <p:cTn id="30" presetID="10" presetClass="entr" presetSubtype="0" fill="hold" nodeType="withEffect">
+                                  <p:stCondLst>
+                                    <p:cond delay="0"/>
+                                  </p:stCondLst>
+                                  <p:childTnLst>
+                                    <p:set>
+                                      <p:cBhvr>
+                                        <p:cTn id="31" dur="1" fill="hold">
+                                          <p:stCondLst>
+                                            <p:cond delay="0"/>
+                                          </p:stCondLst>
+                                        </p:cTn>
+                                        <p:tgtEl>
+                                          <p:spTgt spid="26"/>
+                                        </p:tgtEl>
+                                        <p:attrNameLst>
+                                          <p:attrName>style.visibility</p:attrName>
+                                        </p:attrNameLst>
+                                      </p:cBhvr>
+                                      <p:to>
+                                        <p:strVal val="visible"/>
+                                      </p:to>
+                                    </p:set>
+                                    <p:animEffect transition="in" filter="fade">
+                                      <p:cBhvr>
+                                        <p:cTn id="32" dur="500"/>
+                                        <p:tgtEl>
+                                          <p:spTgt spid="26"/>
+                                        </p:tgtEl>
+                                      </p:cBhvr>
+                                    </p:animEffect>
+                                  </p:childTnLst>
+                                </p:cTn>
+                              </p:par>
+                              <p:par>
+                                <p:cTn id="33" presetID="10" presetClass="entr" presetSubtype="0" fill="hold" nodeType="withEffect">
+                                  <p:stCondLst>
+                                    <p:cond delay="0"/>
+                                  </p:stCondLst>
+                                  <p:childTnLst>
+                                    <p:set>
+                                      <p:cBhvr>
+                                        <p:cTn id="34" dur="1" fill="hold">
+                                          <p:stCondLst>
+                                            <p:cond delay="0"/>
+                                          </p:stCondLst>
+                                        </p:cTn>
+                                        <p:tgtEl>
+                                          <p:spTgt spid="28"/>
+                                        </p:tgtEl>
+                                        <p:attrNameLst>
+                                          <p:attrName>style.visibility</p:attrName>
+                                        </p:attrNameLst>
+                                      </p:cBhvr>
+                                      <p:to>
+                                        <p:strVal val="visible"/>
+                                      </p:to>
+                                    </p:set>
+                                    <p:animEffect transition="in" filter="fade">
+                                      <p:cBhvr>
+                                        <p:cTn id="35" dur="500"/>
+                                        <p:tgtEl>
+                                          <p:spTgt spid="28"/>
+                                        </p:tgtEl>
+                                      </p:cBhvr>
+                                    </p:animEffect>
+                                  </p:childTnLst>
+                                </p:cTn>
+                              </p:par>
+                            </p:childTnLst>
+                          </p:cTn>
+                        </p:par>
+                      </p:childTnLst>
+                    </p:cTn>
+                  </p:par>
+                  <p:par>
+                    <p:cTn id="36" fill="hold">
+                      <p:stCondLst>
+                        <p:cond delay="indefinite"/>
+                      </p:stCondLst>
+                      <p:childTnLst>
+                        <p:par>
+                          <p:cTn id="37" fill="hold">
+                            <p:stCondLst>
+                              <p:cond delay="0"/>
+                            </p:stCondLst>
+                            <p:childTnLst>
+                              <p:par>
+                                <p:cTn id="38" presetID="10" presetClass="entr" presetSubtype="0" fill="hold" grpId="0" nodeType="clickEffect">
+                                  <p:stCondLst>
+                                    <p:cond delay="0"/>
+                                  </p:stCondLst>
+                                  <p:childTnLst>
+                                    <p:set>
+                                      <p:cBhvr>
+                                        <p:cTn id="39" dur="1" fill="hold">
+                                          <p:stCondLst>
+                                            <p:cond delay="0"/>
+                                          </p:stCondLst>
+                                        </p:cTn>
+                                        <p:tgtEl>
+                                          <p:spTgt spid="7"/>
+                                        </p:tgtEl>
+                                        <p:attrNameLst>
+                                          <p:attrName>style.visibility</p:attrName>
+                                        </p:attrNameLst>
+                                      </p:cBhvr>
+                                      <p:to>
+                                        <p:strVal val="visible"/>
+                                      </p:to>
+                                    </p:set>
+                                    <p:animEffect transition="in" filter="fade">
+                                      <p:cBhvr>
+                                        <p:cTn id="40" dur="500"/>
+                                        <p:tgtEl>
+                                          <p:spTgt spid="7"/>
+                                        </p:tgtEl>
+                                      </p:cBhvr>
+                                    </p:animEffect>
+                                  </p:childTnLst>
+                                </p:cTn>
+                              </p:par>
+                            </p:childTnLst>
+                          </p:cTn>
+                        </p:par>
+                      </p:childTnLst>
+                    </p:cTn>
+                  </p:par>
+                </p:childTnLst>
+              </p:cTn>
+              <p:prevCondLst>
+                <p:cond evt="onPrev" delay="0">
+                  <p:tgtEl>
+                    <p:sldTgt/>
+                  </p:tgtEl>
+                </p:cond>
+              </p:prevCondLst>
+              <p:nextCondLst>
+                <p:cond evt="onNext" delay="0">
+                  <p:tgtEl>
+                    <p:sldTgt/>
+                  </p:tgtEl>
+                </p:cond>
+              </p:nextCondLst>
+            </p:seq>
+          </p:childTnLst>
+        </p:cTn>
+      </p:par>
+    </p:tnLst>
+    <p:bldLst>
+      <p:bldP spid="16" grpId="0"/>
+      <p:bldP spid="7" grpId="0"/>
+      <p:bldP spid="12" grpId="0"/>
+      <p:bldP spid="17" grpId="0" animBg="1"/>
+    </p:bldLst>
+  </p:timing>
 </p:sld>
 </file>
 
@@ -4268,7 +4907,12 @@
             <p:ph type="title"/>
           </p:nvPr>
         </p:nvSpPr>
-        <p:spPr/>
+        <p:spPr>
+          <a:xfrm>
+            <a:off x="0" y="56398"/>
+            <a:ext cx="9056437" cy="1325563"/>
+          </a:xfrm>
+        </p:spPr>
         <p:txBody>
           <a:bodyPr/>
           <a:lstStyle/>
@@ -4279,7 +4923,11 @@
             </a:r>
             <a:r>
               <a:rPr lang="en-SG" dirty="0" smtClean="0"/>
-              <a:t>Central vs Peripheral</a:t>
+              <a:t>Device Role 2: Central </a:t>
+            </a:r>
+            <a:r>
+              <a:rPr lang="en-SG" dirty="0" smtClean="0"/>
+              <a:t>vs Peripheral</a:t>
             </a:r>
             <a:endParaRPr lang="en-SG" dirty="0"/>
           </a:p>
@@ -4535,14 +5183,14 @@
                 <a:gridCol w="3368099">
                   <a:extLst>
                     <a:ext uri="{9D8B030D-6E8A-4147-A177-3AD203B41FA5}">
-                      <a16:colId xmlns:a16="http://schemas.microsoft.com/office/drawing/2014/main" val="20000"/>
+                      <a16:colId xmlns:a16="http://schemas.microsoft.com/office/drawing/2014/main" xmlns="" val="20000"/>
                     </a:ext>
                   </a:extLst>
                 </a:gridCol>
                 <a:gridCol w="5174322">
                   <a:extLst>
                     <a:ext uri="{9D8B030D-6E8A-4147-A177-3AD203B41FA5}">
-                      <a16:colId xmlns:a16="http://schemas.microsoft.com/office/drawing/2014/main" val="20001"/>
+                      <a16:colId xmlns:a16="http://schemas.microsoft.com/office/drawing/2014/main" xmlns="" val="20001"/>
                     </a:ext>
                   </a:extLst>
                 </a:gridCol>
@@ -4582,7 +5230,7 @@
                 </a:tc>
                 <a:extLst>
                   <a:ext uri="{0D108BD9-81ED-4DB2-BD59-A6C34878D82A}">
-                    <a16:rowId xmlns:a16="http://schemas.microsoft.com/office/drawing/2014/main" val="10000"/>
+                    <a16:rowId xmlns:a16="http://schemas.microsoft.com/office/drawing/2014/main" xmlns="" val="10000"/>
                   </a:ext>
                 </a:extLst>
               </a:tr>
@@ -4617,7 +5265,7 @@
                 </a:tc>
                 <a:extLst>
                   <a:ext uri="{0D108BD9-81ED-4DB2-BD59-A6C34878D82A}">
-                    <a16:rowId xmlns:a16="http://schemas.microsoft.com/office/drawing/2014/main" val="10001"/>
+                    <a16:rowId xmlns:a16="http://schemas.microsoft.com/office/drawing/2014/main" xmlns="" val="10001"/>
                   </a:ext>
                 </a:extLst>
               </a:tr>
@@ -4652,7 +5300,7 @@
                 </a:tc>
                 <a:extLst>
                   <a:ext uri="{0D108BD9-81ED-4DB2-BD59-A6C34878D82A}">
-                    <a16:rowId xmlns:a16="http://schemas.microsoft.com/office/drawing/2014/main" val="10002"/>
+                    <a16:rowId xmlns:a16="http://schemas.microsoft.com/office/drawing/2014/main" xmlns="" val="10002"/>
                   </a:ext>
                 </a:extLst>
               </a:tr>
@@ -4687,7 +5335,7 @@
                 </a:tc>
                 <a:extLst>
                   <a:ext uri="{0D108BD9-81ED-4DB2-BD59-A6C34878D82A}">
-                    <a16:rowId xmlns:a16="http://schemas.microsoft.com/office/drawing/2014/main" val="10003"/>
+                    <a16:rowId xmlns:a16="http://schemas.microsoft.com/office/drawing/2014/main" xmlns="" val="10003"/>
                   </a:ext>
                 </a:extLst>
               </a:tr>
@@ -4728,6 +5376,13 @@
   <p:clrMapOvr>
     <a:masterClrMapping/>
   </p:clrMapOvr>
+  <p:timing>
+    <p:tnLst>
+      <p:par>
+        <p:cTn id="1" dur="indefinite" restart="never" nodeType="tmRoot"/>
+      </p:par>
+    </p:tnLst>
+  </p:timing>
 </p:sld>
 </file>
 
@@ -4758,7 +5413,12 @@
             <p:ph type="title"/>
           </p:nvPr>
         </p:nvSpPr>
-        <p:spPr/>
+        <p:spPr>
+          <a:xfrm>
+            <a:off x="0" y="206100"/>
+            <a:ext cx="8977022" cy="914143"/>
+          </a:xfrm>
+        </p:spPr>
         <p:txBody>
           <a:bodyPr/>
           <a:lstStyle/>
@@ -4768,8 +5428,12 @@
               <a:t>1b. </a:t>
             </a:r>
             <a:r>
+              <a:rPr lang="en-SG" dirty="0" smtClean="0"/>
+              <a:t>Device Role 2: Central </a:t>
+            </a:r>
+            <a:r>
               <a:rPr lang="en-SG" dirty="0"/>
-              <a:t>Central vs Peripheral</a:t>
+              <a:t>vs Peripheral</a:t>
             </a:r>
           </a:p>
         </p:txBody>
@@ -4858,7 +5522,11 @@
           <a:p>
             <a:r>
               <a:rPr lang="en-SG" dirty="0" smtClean="0"/>
-              <a:t>Central: can connect to </a:t>
+              <a:t>Central </a:t>
+            </a:r>
+            <a:r>
+              <a:rPr lang="en-SG" dirty="0" smtClean="0"/>
+              <a:t>can connect to </a:t>
             </a:r>
             <a:r>
               <a:rPr lang="en-SG" b="1" dirty="0" smtClean="0"/>
@@ -4872,7 +5540,11 @@
           <a:p>
             <a:r>
               <a:rPr lang="en-SG" dirty="0" smtClean="0"/>
-              <a:t>Peripheral: can connect to </a:t>
+              <a:t>Peripheral </a:t>
+            </a:r>
+            <a:r>
+              <a:rPr lang="en-SG" dirty="0" smtClean="0"/>
+              <a:t>can connect to </a:t>
             </a:r>
             <a:r>
               <a:rPr lang="en-SG" b="1" dirty="0" smtClean="0"/>
@@ -4919,6 +5591,13 @@
   <p:clrMapOvr>
     <a:masterClrMapping/>
   </p:clrMapOvr>
+  <p:timing>
+    <p:tnLst>
+      <p:par>
+        <p:cTn id="1" dur="indefinite" restart="never" nodeType="tmRoot"/>
+      </p:par>
+    </p:tnLst>
+  </p:timing>
 </p:sld>
 </file>
 
@@ -4961,11 +5640,7 @@
           <a:p>
             <a:r>
               <a:rPr lang="en-SG" dirty="0" smtClean="0"/>
-              <a:t>1c. </a:t>
-            </a:r>
-            <a:r>
-              <a:rPr lang="en-SG" dirty="0" smtClean="0"/>
-              <a:t>OS/Device Compatibility</a:t>
+              <a:t>1c. OS/Device Compatibility</a:t>
             </a:r>
             <a:endParaRPr lang="en-SG" dirty="0"/>
           </a:p>
@@ -4980,14 +5655,14 @@
           <p:nvPr>
             <p:extLst>
               <p:ext uri="{D42A27DB-BD31-4B8C-83A1-F6EECF244321}">
-                <p14:modId xmlns:p14="http://schemas.microsoft.com/office/powerpoint/2010/main" val="1896153731"/>
+                <p14:modId xmlns:p14="http://schemas.microsoft.com/office/powerpoint/2010/main" val="472875785"/>
               </p:ext>
             </p:extLst>
           </p:nvPr>
         </p:nvGraphicFramePr>
         <p:xfrm>
-          <a:off x="314780" y="1396998"/>
-          <a:ext cx="8369298" cy="6004560"/>
+          <a:off x="385118" y="982783"/>
+          <a:ext cx="8369298" cy="6370320"/>
         </p:xfrm>
         <a:graphic>
           <a:graphicData uri="http://schemas.openxmlformats.org/drawingml/2006/table">
@@ -4999,19 +5674,19 @@
                 <a:gridCol w="4184649">
                   <a:extLst>
                     <a:ext uri="{9D8B030D-6E8A-4147-A177-3AD203B41FA5}">
-                      <a16:colId xmlns:a16="http://schemas.microsoft.com/office/drawing/2014/main" val="20000"/>
+                      <a16:colId xmlns:a16="http://schemas.microsoft.com/office/drawing/2014/main" xmlns="" val="20000"/>
                     </a:ext>
                   </a:extLst>
                 </a:gridCol>
                 <a:gridCol w="4184649">
                   <a:extLst>
                     <a:ext uri="{9D8B030D-6E8A-4147-A177-3AD203B41FA5}">
-                      <a16:colId xmlns:a16="http://schemas.microsoft.com/office/drawing/2014/main" val="20001"/>
+                      <a16:colId xmlns:a16="http://schemas.microsoft.com/office/drawing/2014/main" xmlns="" val="20001"/>
                     </a:ext>
                   </a:extLst>
                 </a:gridCol>
               </a:tblGrid>
-              <a:tr h="338204">
+              <a:tr h="422265">
                 <a:tc>
                   <a:txBody>
                     <a:bodyPr/>
@@ -5020,7 +5695,7 @@
                       <a:pPr algn="ctr"/>
                       <a:r>
                         <a:rPr lang="en-SG" sz="2800" dirty="0" smtClean="0"/>
-                        <a:t>Central</a:t>
+                        <a:t>Observer/Central</a:t>
                       </a:r>
                       <a:endParaRPr lang="en-SG" sz="2800" dirty="0"/>
                     </a:p>
@@ -5035,7 +5710,11 @@
                       <a:pPr algn="ctr"/>
                       <a:r>
                         <a:rPr lang="en-SG" sz="2800" dirty="0" smtClean="0"/>
-                        <a:t> Peripheral</a:t>
+                        <a:t> </a:t>
+                      </a:r>
+                      <a:r>
+                        <a:rPr lang="en-SG" sz="2800" dirty="0" err="1" smtClean="0"/>
+                        <a:t>BroadcastePeripheral</a:t>
                       </a:r>
                       <a:endParaRPr lang="en-SG" sz="2800" dirty="0"/>
                     </a:p>
@@ -5048,11 +5727,11 @@
                 </a:tc>
                 <a:extLst>
                   <a:ext uri="{0D108BD9-81ED-4DB2-BD59-A6C34878D82A}">
-                    <a16:rowId xmlns:a16="http://schemas.microsoft.com/office/drawing/2014/main" val="10000"/>
+                    <a16:rowId xmlns:a16="http://schemas.microsoft.com/office/drawing/2014/main" xmlns="" val="10000"/>
                   </a:ext>
                 </a:extLst>
               </a:tr>
-              <a:tr h="2864790">
+              <a:tr h="4769106">
                 <a:tc>
                   <a:txBody>
                     <a:bodyPr/>
@@ -5230,6 +5909,38 @@
                       </a:r>
                     </a:p>
                     <a:p>
+                      <a:pPr marL="800100" marR="0" lvl="1" indent="-342900" algn="l" defTabSz="914400" rtl="0" eaLnBrk="1" fontAlgn="auto" latinLnBrk="0" hangingPunct="1">
+                        <a:lnSpc>
+                          <a:spcPct val="100000"/>
+                        </a:lnSpc>
+                        <a:spcBef>
+                          <a:spcPts val="0"/>
+                        </a:spcBef>
+                        <a:spcAft>
+                          <a:spcPts val="0"/>
+                        </a:spcAft>
+                        <a:buClrTx/>
+                        <a:buSzTx/>
+                        <a:buFont typeface="Arial" panose="020B0604020202020204" pitchFamily="34" charset="0"/>
+                        <a:buChar char="•"/>
+                        <a:tabLst/>
+                        <a:defRPr/>
+                      </a:pPr>
+                      <a:r>
+                        <a:rPr lang="en-SG" sz="2400" baseline="0" dirty="0" smtClean="0">
+                          <a:solidFill>
+                            <a:schemeClr val="tx1"/>
+                          </a:solidFill>
+                        </a:rPr>
+                        <a:t>NRF51/52</a:t>
+                      </a:r>
+                      <a:endParaRPr lang="en-SG" sz="2400" baseline="0" dirty="0" smtClean="0">
+                        <a:solidFill>
+                          <a:schemeClr val="tx1"/>
+                        </a:solidFill>
+                      </a:endParaRPr>
+                    </a:p>
+                    <a:p>
                       <a:pPr marL="457200" lvl="1" indent="0">
                         <a:buFont typeface="Arial" panose="020B0604020202020204" pitchFamily="34" charset="0"/>
                         <a:buNone/>
@@ -5239,19 +5950,6 @@
                           <a:srgbClr val="FF0000"/>
                         </a:solidFill>
                       </a:endParaRPr>
-                    </a:p>
-                    <a:p>
-                      <a:endParaRPr lang="en-SG" sz="2400" dirty="0" smtClean="0"/>
-                    </a:p>
-                    <a:p>
-                      <a:endParaRPr lang="en-SG" sz="2400" dirty="0" smtClean="0">
-                        <a:ln>
-                          <a:noFill/>
-                        </a:ln>
-                      </a:endParaRPr>
-                    </a:p>
-                    <a:p>
-                      <a:endParaRPr lang="en-SG" dirty="0"/>
                     </a:p>
                   </a:txBody>
                   <a:tcPr>
@@ -5477,6 +6175,20 @@
                             <a:schemeClr val="tx1"/>
                           </a:solidFill>
                         </a:rPr>
+                        <a:t>NRF51/52</a:t>
+                      </a:r>
+                    </a:p>
+                    <a:p>
+                      <a:pPr marL="800100" lvl="1" indent="-342900">
+                        <a:buFont typeface="Arial" panose="020B0604020202020204" pitchFamily="34" charset="0"/>
+                        <a:buChar char="•"/>
+                      </a:pPr>
+                      <a:r>
+                        <a:rPr lang="en-SG" sz="2400" baseline="0" dirty="0" smtClean="0">
+                          <a:solidFill>
+                            <a:schemeClr val="tx1"/>
+                          </a:solidFill>
+                        </a:rPr>
                         <a:t>NRF8001</a:t>
                       </a:r>
                       <a:endParaRPr kumimoji="0" lang="en-SG" sz="2400" b="0" i="0" u="none" strike="noStrike" kern="1200" cap="none" spc="0" normalizeH="0" baseline="0" noProof="0" dirty="0" smtClean="0">
@@ -5551,7 +6263,7 @@
                 </a:tc>
                 <a:extLst>
                   <a:ext uri="{0D108BD9-81ED-4DB2-BD59-A6C34878D82A}">
-                    <a16:rowId xmlns:a16="http://schemas.microsoft.com/office/drawing/2014/main" val="10001"/>
+                    <a16:rowId xmlns:a16="http://schemas.microsoft.com/office/drawing/2014/main" xmlns="" val="10001"/>
                   </a:ext>
                 </a:extLst>
               </a:tr>
@@ -5640,6 +6352,13 @@
   <p:clrMapOvr>
     <a:masterClrMapping/>
   </p:clrMapOvr>
+  <p:timing>
+    <p:tnLst>
+      <p:par>
+        <p:cTn id="1" dur="indefinite" restart="never" nodeType="tmRoot"/>
+      </p:par>
+    </p:tnLst>
+  </p:timing>
 </p:sld>
 </file>
 
@@ -5677,11 +6396,7 @@
           <a:p>
             <a:r>
               <a:rPr lang="en-SG" dirty="0" smtClean="0"/>
-              <a:t>1d. </a:t>
-            </a:r>
-            <a:r>
-              <a:rPr lang="en-SG" dirty="0" smtClean="0"/>
-              <a:t>UUID, Attribute</a:t>
+              <a:t>1d. UUID, Attribute</a:t>
             </a:r>
             <a:endParaRPr lang="en-SG" dirty="0"/>
           </a:p>
@@ -6399,11 +7114,7 @@
           <a:p>
             <a:r>
               <a:rPr lang="en-SG" dirty="0" smtClean="0"/>
-              <a:t>1d. </a:t>
-            </a:r>
-            <a:r>
-              <a:rPr lang="en-SG" dirty="0" smtClean="0"/>
-              <a:t>GAP, GATT </a:t>
+              <a:t>1d. GAP, GATT </a:t>
             </a:r>
             <a:br>
               <a:rPr lang="en-SG" dirty="0" smtClean="0"/>
@@ -7065,11 +7776,7 @@
           <a:p>
             <a:r>
               <a:rPr lang="en-SG" dirty="0" smtClean="0"/>
-              <a:t>1d. </a:t>
-            </a:r>
-            <a:r>
-              <a:rPr lang="en-SG" dirty="0" smtClean="0"/>
-              <a:t>Service, characteristic, descriptor</a:t>
+              <a:t>1d. Service, characteristic, descriptor</a:t>
             </a:r>
             <a:br>
               <a:rPr lang="en-SG" dirty="0" smtClean="0"/>
@@ -8235,11 +8942,7 @@
           <a:p>
             <a:r>
               <a:rPr lang="en-SG" dirty="0" smtClean="0"/>
-              <a:t>1d. </a:t>
-            </a:r>
-            <a:r>
-              <a:rPr lang="en-SG" dirty="0" smtClean="0"/>
-              <a:t>Service, </a:t>
+              <a:t>1d. Service, </a:t>
             </a:r>
             <a:r>
               <a:rPr lang="en-SG" dirty="0"/>
@@ -9279,11 +9982,7 @@
           <a:p>
             <a:r>
               <a:rPr lang="en-SG" sz="3600" dirty="0" smtClean="0"/>
-              <a:t>1e. </a:t>
-            </a:r>
-            <a:r>
-              <a:rPr lang="en-SG" sz="3600" dirty="0" smtClean="0"/>
-              <a:t>BLE connection procedure</a:t>
+              <a:t>1e. BLE connection procedure</a:t>
             </a:r>
             <a:endParaRPr lang="en-SG" sz="3600" dirty="0"/>
           </a:p>
@@ -12495,6 +13194,13 @@
   <p:clrMapOvr>
     <a:masterClrMapping/>
   </p:clrMapOvr>
+  <p:timing>
+    <p:tnLst>
+      <p:par>
+        <p:cTn id="1" dur="indefinite" restart="never" nodeType="tmRoot"/>
+      </p:par>
+    </p:tnLst>
+  </p:timing>
 </p:sld>
 </file>
 
@@ -12788,6 +13494,13 @@
   <p:clrMapOvr>
     <a:masterClrMapping/>
   </p:clrMapOvr>
+  <p:timing>
+    <p:tnLst>
+      <p:par>
+        <p:cTn id="1" dur="indefinite" restart="never" nodeType="tmRoot"/>
+      </p:par>
+    </p:tnLst>
+  </p:timing>
 </p:sld>
 </file>
 
@@ -13317,14 +14030,14 @@
                 <a:gridCol w="2702014">
                   <a:extLst>
                     <a:ext uri="{9D8B030D-6E8A-4147-A177-3AD203B41FA5}">
-                      <a16:colId xmlns:a16="http://schemas.microsoft.com/office/drawing/2014/main" val="20000"/>
+                      <a16:colId xmlns:a16="http://schemas.microsoft.com/office/drawing/2014/main" xmlns="" val="20000"/>
                     </a:ext>
                   </a:extLst>
                 </a:gridCol>
                 <a:gridCol w="6095637">
                   <a:extLst>
                     <a:ext uri="{9D8B030D-6E8A-4147-A177-3AD203B41FA5}">
-                      <a16:colId xmlns:a16="http://schemas.microsoft.com/office/drawing/2014/main" val="20001"/>
+                      <a16:colId xmlns:a16="http://schemas.microsoft.com/office/drawing/2014/main" xmlns="" val="20001"/>
                     </a:ext>
                   </a:extLst>
                 </a:gridCol>
@@ -13372,7 +14085,7 @@
                 </a:tc>
                 <a:extLst>
                   <a:ext uri="{0D108BD9-81ED-4DB2-BD59-A6C34878D82A}">
-                    <a16:rowId xmlns:a16="http://schemas.microsoft.com/office/drawing/2014/main" val="10000"/>
+                    <a16:rowId xmlns:a16="http://schemas.microsoft.com/office/drawing/2014/main" xmlns="" val="10000"/>
                   </a:ext>
                 </a:extLst>
               </a:tr>
@@ -13415,7 +14128,7 @@
                 </a:tc>
                 <a:extLst>
                   <a:ext uri="{0D108BD9-81ED-4DB2-BD59-A6C34878D82A}">
-                    <a16:rowId xmlns:a16="http://schemas.microsoft.com/office/drawing/2014/main" val="10001"/>
+                    <a16:rowId xmlns:a16="http://schemas.microsoft.com/office/drawing/2014/main" xmlns="" val="10001"/>
                   </a:ext>
                 </a:extLst>
               </a:tr>
@@ -13466,7 +14179,7 @@
                 </a:tc>
                 <a:extLst>
                   <a:ext uri="{0D108BD9-81ED-4DB2-BD59-A6C34878D82A}">
-                    <a16:rowId xmlns:a16="http://schemas.microsoft.com/office/drawing/2014/main" val="10002"/>
+                    <a16:rowId xmlns:a16="http://schemas.microsoft.com/office/drawing/2014/main" xmlns="" val="10002"/>
                   </a:ext>
                 </a:extLst>
               </a:tr>
@@ -13501,7 +14214,7 @@
                 </a:tc>
                 <a:extLst>
                   <a:ext uri="{0D108BD9-81ED-4DB2-BD59-A6C34878D82A}">
-                    <a16:rowId xmlns:a16="http://schemas.microsoft.com/office/drawing/2014/main" val="10003"/>
+                    <a16:rowId xmlns:a16="http://schemas.microsoft.com/office/drawing/2014/main" xmlns="" val="10003"/>
                   </a:ext>
                 </a:extLst>
               </a:tr>
@@ -13552,7 +14265,7 @@
                 </a:tc>
                 <a:extLst>
                   <a:ext uri="{0D108BD9-81ED-4DB2-BD59-A6C34878D82A}">
-                    <a16:rowId xmlns:a16="http://schemas.microsoft.com/office/drawing/2014/main" val="10004"/>
+                    <a16:rowId xmlns:a16="http://schemas.microsoft.com/office/drawing/2014/main" xmlns="" val="10004"/>
                   </a:ext>
                 </a:extLst>
               </a:tr>
@@ -14248,6 +14961,13 @@
   <p:clrMapOvr>
     <a:masterClrMapping/>
   </p:clrMapOvr>
+  <p:timing>
+    <p:tnLst>
+      <p:par>
+        <p:cTn id="1" dur="indefinite" restart="never" nodeType="tmRoot"/>
+      </p:par>
+    </p:tnLst>
+  </p:timing>
 </p:sld>
 </file>
 
@@ -14763,6 +15483,13 @@
   <p:clrMapOvr>
     <a:masterClrMapping/>
   </p:clrMapOvr>
+  <p:timing>
+    <p:tnLst>
+      <p:par>
+        <p:cTn id="1" dur="indefinite" restart="never" nodeType="tmRoot"/>
+      </p:par>
+    </p:tnLst>
+  </p:timing>
 </p:sld>
 </file>
 
@@ -14897,6 +15624,13 @@
   <p:clrMapOvr>
     <a:masterClrMapping/>
   </p:clrMapOvr>
+  <p:timing>
+    <p:tnLst>
+      <p:par>
+        <p:cTn id="1" dur="indefinite" restart="never" nodeType="tmRoot"/>
+      </p:par>
+    </p:tnLst>
+  </p:timing>
 </p:sld>
 </file>
 
@@ -15160,6 +15894,13 @@
   <p:clrMapOvr>
     <a:masterClrMapping/>
   </p:clrMapOvr>
+  <p:timing>
+    <p:tnLst>
+      <p:par>
+        <p:cTn id="1" dur="indefinite" restart="never" nodeType="tmRoot"/>
+      </p:par>
+    </p:tnLst>
+  </p:timing>
 </p:sld>
 </file>
 
@@ -15303,6 +16044,13 @@
   <p:clrMapOvr>
     <a:masterClrMapping/>
   </p:clrMapOvr>
+  <p:timing>
+    <p:tnLst>
+      <p:par>
+        <p:cTn id="1" dur="indefinite" restart="never" nodeType="tmRoot"/>
+      </p:par>
+    </p:tnLst>
+  </p:timing>
 </p:sld>
 </file>
 
@@ -17227,6 +17975,13 @@
   <p:clrMapOvr>
     <a:masterClrMapping/>
   </p:clrMapOvr>
+  <p:timing>
+    <p:tnLst>
+      <p:par>
+        <p:cTn id="1" dur="indefinite" restart="never" nodeType="tmRoot"/>
+      </p:par>
+    </p:tnLst>
+  </p:timing>
 </p:sld>
 </file>
 
@@ -17890,7 +18645,15 @@
             </a:r>
             <a:r>
               <a:rPr lang="en-SG" dirty="0" smtClean="0"/>
-              <a:t>     4.4 - 5.0: 7</a:t>
+              <a:t>     </a:t>
+            </a:r>
+            <a:r>
+              <a:rPr lang="en-SG" dirty="0" smtClean="0"/>
+              <a:t>4.4 - 5.0+: </a:t>
+            </a:r>
+            <a:r>
+              <a:rPr lang="en-SG" dirty="0" smtClean="0"/>
+              <a:t>7</a:t>
             </a:r>
           </a:p>
           <a:p>
@@ -18997,6 +19760,13 @@
   <p:clrMapOvr>
     <a:masterClrMapping/>
   </p:clrMapOvr>
+  <p:timing>
+    <p:tnLst>
+      <p:par>
+        <p:cTn id="1" dur="indefinite" restart="never" nodeType="tmRoot"/>
+      </p:par>
+    </p:tnLst>
+  </p:timing>
 </p:sld>
 </file>
 
@@ -20443,49 +21213,49 @@
                 <a:gridCol w="1126671">
                   <a:extLst>
                     <a:ext uri="{9D8B030D-6E8A-4147-A177-3AD203B41FA5}">
-                      <a16:colId xmlns:a16="http://schemas.microsoft.com/office/drawing/2014/main" val="20000"/>
+                      <a16:colId xmlns:a16="http://schemas.microsoft.com/office/drawing/2014/main" xmlns="" val="20000"/>
                     </a:ext>
                   </a:extLst>
                 </a:gridCol>
                 <a:gridCol w="1091118">
                   <a:extLst>
                     <a:ext uri="{9D8B030D-6E8A-4147-A177-3AD203B41FA5}">
-                      <a16:colId xmlns:a16="http://schemas.microsoft.com/office/drawing/2014/main" val="20001"/>
+                      <a16:colId xmlns:a16="http://schemas.microsoft.com/office/drawing/2014/main" xmlns="" val="20001"/>
                     </a:ext>
                   </a:extLst>
                 </a:gridCol>
                 <a:gridCol w="1423219">
                   <a:extLst>
                     <a:ext uri="{9D8B030D-6E8A-4147-A177-3AD203B41FA5}">
-                      <a16:colId xmlns:a16="http://schemas.microsoft.com/office/drawing/2014/main" val="20002"/>
+                      <a16:colId xmlns:a16="http://schemas.microsoft.com/office/drawing/2014/main" xmlns="" val="20002"/>
                     </a:ext>
                   </a:extLst>
                 </a:gridCol>
                 <a:gridCol w="671052">
                   <a:extLst>
                     <a:ext uri="{9D8B030D-6E8A-4147-A177-3AD203B41FA5}">
-                      <a16:colId xmlns:a16="http://schemas.microsoft.com/office/drawing/2014/main" val="20003"/>
+                      <a16:colId xmlns:a16="http://schemas.microsoft.com/office/drawing/2014/main" xmlns="" val="20003"/>
                     </a:ext>
                   </a:extLst>
                 </a:gridCol>
                 <a:gridCol w="648929">
                   <a:extLst>
                     <a:ext uri="{9D8B030D-6E8A-4147-A177-3AD203B41FA5}">
-                      <a16:colId xmlns:a16="http://schemas.microsoft.com/office/drawing/2014/main" val="20004"/>
+                      <a16:colId xmlns:a16="http://schemas.microsoft.com/office/drawing/2014/main" xmlns="" val="20004"/>
                     </a:ext>
                   </a:extLst>
                 </a:gridCol>
                 <a:gridCol w="1939413">
                   <a:extLst>
                     <a:ext uri="{9D8B030D-6E8A-4147-A177-3AD203B41FA5}">
-                      <a16:colId xmlns:a16="http://schemas.microsoft.com/office/drawing/2014/main" val="20005"/>
+                      <a16:colId xmlns:a16="http://schemas.microsoft.com/office/drawing/2014/main" xmlns="" val="20005"/>
                     </a:ext>
                   </a:extLst>
                 </a:gridCol>
                 <a:gridCol w="986295">
                   <a:extLst>
                     <a:ext uri="{9D8B030D-6E8A-4147-A177-3AD203B41FA5}">
-                      <a16:colId xmlns:a16="http://schemas.microsoft.com/office/drawing/2014/main" val="20006"/>
+                      <a16:colId xmlns:a16="http://schemas.microsoft.com/office/drawing/2014/main" xmlns="" val="20006"/>
                     </a:ext>
                   </a:extLst>
                 </a:gridCol>
@@ -20599,7 +21369,7 @@
                 </a:tc>
                 <a:extLst>
                   <a:ext uri="{0D108BD9-81ED-4DB2-BD59-A6C34878D82A}">
-                    <a16:rowId xmlns:a16="http://schemas.microsoft.com/office/drawing/2014/main" val="10000"/>
+                    <a16:rowId xmlns:a16="http://schemas.microsoft.com/office/drawing/2014/main" xmlns="" val="10000"/>
                   </a:ext>
                 </a:extLst>
               </a:tr>
@@ -20737,7 +21507,7 @@
                 </a:tc>
                 <a:extLst>
                   <a:ext uri="{0D108BD9-81ED-4DB2-BD59-A6C34878D82A}">
-                    <a16:rowId xmlns:a16="http://schemas.microsoft.com/office/drawing/2014/main" val="10001"/>
+                    <a16:rowId xmlns:a16="http://schemas.microsoft.com/office/drawing/2014/main" xmlns="" val="10001"/>
                   </a:ext>
                 </a:extLst>
               </a:tr>
@@ -21823,6 +22593,13 @@
   <p:clrMapOvr>
     <a:masterClrMapping/>
   </p:clrMapOvr>
+  <p:timing>
+    <p:tnLst>
+      <p:par>
+        <p:cTn id="1" dur="indefinite" restart="never" nodeType="tmRoot"/>
+      </p:par>
+    </p:tnLst>
+  </p:timing>
 </p:sld>
 </file>
 
@@ -23431,6 +24208,13 @@
   <p:clrMapOvr>
     <a:masterClrMapping/>
   </p:clrMapOvr>
+  <p:timing>
+    <p:tnLst>
+      <p:par>
+        <p:cTn id="1" dur="indefinite" restart="never" nodeType="tmRoot"/>
+      </p:par>
+    </p:tnLst>
+  </p:timing>
 </p:sld>
 </file>
 
@@ -23635,6 +24419,13 @@
   <p:clrMapOvr>
     <a:masterClrMapping/>
   </p:clrMapOvr>
+  <p:timing>
+    <p:tnLst>
+      <p:par>
+        <p:cTn id="1" dur="indefinite" restart="never" nodeType="tmRoot"/>
+      </p:par>
+    </p:tnLst>
+  </p:timing>
 </p:sld>
 </file>
 
@@ -25171,6 +25962,13 @@
   <p:clrMapOvr>
     <a:masterClrMapping/>
   </p:clrMapOvr>
+  <p:timing>
+    <p:tnLst>
+      <p:par>
+        <p:cTn id="1" dur="indefinite" restart="never" nodeType="tmRoot"/>
+      </p:par>
+    </p:tnLst>
+  </p:timing>
 </p:sld>
 </file>
 
@@ -25304,6 +26102,13 @@
   <p:clrMapOvr>
     <a:masterClrMapping/>
   </p:clrMapOvr>
+  <p:timing>
+    <p:tnLst>
+      <p:par>
+        <p:cTn id="1" dur="indefinite" restart="never" nodeType="tmRoot"/>
+      </p:par>
+    </p:tnLst>
+  </p:timing>
 </p:sld>
 </file>
 
@@ -25603,6 +26408,13 @@
   <p:clrMapOvr>
     <a:masterClrMapping/>
   </p:clrMapOvr>
+  <p:timing>
+    <p:tnLst>
+      <p:par>
+        <p:cTn id="1" dur="indefinite" restart="never" nodeType="tmRoot"/>
+      </p:par>
+    </p:tnLst>
+  </p:timing>
 </p:sld>
 </file>
 
@@ -29454,6 +30266,13 @@
   <p:clrMapOvr>
     <a:masterClrMapping/>
   </p:clrMapOvr>
+  <p:timing>
+    <p:tnLst>
+      <p:par>
+        <p:cTn id="1" dur="indefinite" restart="never" nodeType="tmRoot"/>
+      </p:par>
+    </p:tnLst>
+  </p:timing>
 </p:sld>
 </file>
 
@@ -31006,7 +31825,11 @@
             </a:pPr>
             <a:r>
               <a:rPr lang="en-SG" dirty="0" smtClean="0"/>
-              <a:t>Broadcaster vs Observer</a:t>
+              <a:t>Device Role 1: Broadcaster </a:t>
+            </a:r>
+            <a:r>
+              <a:rPr lang="en-SG" dirty="0" smtClean="0"/>
+              <a:t>vs Observer</a:t>
             </a:r>
           </a:p>
           <a:p>
@@ -31016,12 +31839,17 @@
             </a:pPr>
             <a:r>
               <a:rPr lang="en-SG" dirty="0" smtClean="0"/>
-              <a:t>Central </a:t>
-            </a:r>
-            <a:r>
-              <a:rPr lang="en-SG" dirty="0" smtClean="0"/>
-              <a:t>vs peripheral</a:t>
-            </a:r>
+              <a:t>Device Role 2: Central </a:t>
+            </a:r>
+            <a:r>
+              <a:rPr lang="en-SG" dirty="0" smtClean="0"/>
+              <a:t>vs </a:t>
+            </a:r>
+            <a:r>
+              <a:rPr lang="en-SG" dirty="0" smtClean="0"/>
+              <a:t>Peripheral</a:t>
+            </a:r>
+            <a:endParaRPr lang="en-SG" dirty="0" smtClean="0"/>
           </a:p>
           <a:p>
             <a:pPr marL="971550" lvl="1" indent="-514350">
@@ -31178,7 +32006,11 @@
             </a:pPr>
             <a:r>
               <a:rPr lang="en-SG" b="1" dirty="0" smtClean="0"/>
-              <a:t>Issues and tips (if time permits)</a:t>
+              <a:t>Issues and </a:t>
+            </a:r>
+            <a:r>
+              <a:rPr lang="en-SG" b="1" dirty="0" smtClean="0"/>
+              <a:t>tips</a:t>
             </a:r>
           </a:p>
           <a:p>
@@ -31200,6 +32032,7 @@
               <a:rPr lang="en-SG" dirty="0" smtClean="0"/>
               <a:t>iOS</a:t>
             </a:r>
+            <a:endParaRPr lang="en-SG" dirty="0" smtClean="0"/>
           </a:p>
           <a:p>
             <a:pPr marL="971550" lvl="1" indent="-514350">
@@ -31316,6 +32149,13 @@
   <p:clrMapOvr>
     <a:masterClrMapping/>
   </p:clrMapOvr>
+  <p:timing>
+    <p:tnLst>
+      <p:par>
+        <p:cTn id="1" dur="indefinite" restart="never" nodeType="tmRoot"/>
+      </p:par>
+    </p:tnLst>
+  </p:timing>
 </p:sld>
 </file>
 

--- a/intro to ble.pptx
+++ b/intro to ble.pptx
@@ -20,7 +20,7 @@
     <p:sldId id="312" r:id="rId11"/>
     <p:sldId id="268" r:id="rId12"/>
     <p:sldId id="273" r:id="rId13"/>
-    <p:sldId id="296" r:id="rId14"/>
+    <p:sldId id="313" r:id="rId14"/>
     <p:sldId id="278" r:id="rId15"/>
     <p:sldId id="274" r:id="rId16"/>
     <p:sldId id="272" r:id="rId17"/>
@@ -243,7 +243,7 @@
           <a:p>
             <a:fld id="{CB69E15D-2E95-428C-B9E3-27B2BF3879D0}" type="datetimeFigureOut">
               <a:rPr lang="en-SG" smtClean="0"/>
-              <a:t>10/2/16</a:t>
+              <a:t>13/2/16</a:t>
             </a:fld>
             <a:endParaRPr lang="en-SG"/>
           </a:p>
@@ -810,7 +810,7 @@
           <a:p>
             <a:fld id="{14C94871-C4DF-4AFD-96E5-87B050A67E05}" type="datetime1">
               <a:rPr lang="en-SG" smtClean="0"/>
-              <a:t>10/2/16</a:t>
+              <a:t>13/2/16</a:t>
             </a:fld>
             <a:endParaRPr lang="en-SG"/>
           </a:p>
@@ -980,7 +980,7 @@
           <a:p>
             <a:fld id="{76A6DE21-0D8F-4C8C-AF6A-521466B16426}" type="datetime1">
               <a:rPr lang="en-SG" smtClean="0"/>
-              <a:t>10/2/16</a:t>
+              <a:t>13/2/16</a:t>
             </a:fld>
             <a:endParaRPr lang="en-SG"/>
           </a:p>
@@ -1160,7 +1160,7 @@
           <a:p>
             <a:fld id="{16A18ED7-72CF-4BB2-8941-928963568089}" type="datetime1">
               <a:rPr lang="en-SG" smtClean="0"/>
-              <a:t>10/2/16</a:t>
+              <a:t>13/2/16</a:t>
             </a:fld>
             <a:endParaRPr lang="en-SG"/>
           </a:p>
@@ -1330,7 +1330,7 @@
           <a:p>
             <a:fld id="{7FD7CD52-9833-4DD5-89FF-33E59F171421}" type="datetime1">
               <a:rPr lang="en-SG" smtClean="0"/>
-              <a:t>10/2/16</a:t>
+              <a:t>13/2/16</a:t>
             </a:fld>
             <a:endParaRPr lang="en-SG"/>
           </a:p>
@@ -1574,7 +1574,7 @@
           <a:p>
             <a:fld id="{E74C9598-7F32-4DE4-BFF0-39C051013B34}" type="datetime1">
               <a:rPr lang="en-SG" smtClean="0"/>
-              <a:t>10/2/16</a:t>
+              <a:t>13/2/16</a:t>
             </a:fld>
             <a:endParaRPr lang="en-SG"/>
           </a:p>
@@ -1806,7 +1806,7 @@
           <a:p>
             <a:fld id="{5DC821E8-33B0-41D5-8FA5-9A647E53891C}" type="datetime1">
               <a:rPr lang="en-SG" smtClean="0"/>
-              <a:t>10/2/16</a:t>
+              <a:t>13/2/16</a:t>
             </a:fld>
             <a:endParaRPr lang="en-SG"/>
           </a:p>
@@ -2173,7 +2173,7 @@
           <a:p>
             <a:fld id="{751CCC62-50F5-4228-8D51-6D258C0BFCBD}" type="datetime1">
               <a:rPr lang="en-SG" smtClean="0"/>
-              <a:t>10/2/16</a:t>
+              <a:t>13/2/16</a:t>
             </a:fld>
             <a:endParaRPr lang="en-SG"/>
           </a:p>
@@ -2291,7 +2291,7 @@
           <a:p>
             <a:fld id="{776807E8-5434-437A-A610-A94C24A73164}" type="datetime1">
               <a:rPr lang="en-SG" smtClean="0"/>
-              <a:t>10/2/16</a:t>
+              <a:t>13/2/16</a:t>
             </a:fld>
             <a:endParaRPr lang="en-SG"/>
           </a:p>
@@ -2386,7 +2386,7 @@
           <a:p>
             <a:fld id="{18AC243E-E412-41F8-A99C-62E3D2C4FD1E}" type="datetime1">
               <a:rPr lang="en-SG" smtClean="0"/>
-              <a:t>10/2/16</a:t>
+              <a:t>13/2/16</a:t>
             </a:fld>
             <a:endParaRPr lang="en-SG"/>
           </a:p>
@@ -2663,7 +2663,7 @@
           <a:p>
             <a:fld id="{30DD06DC-63F5-45CF-A3A5-F437A0C7E12A}" type="datetime1">
               <a:rPr lang="en-SG" smtClean="0"/>
-              <a:t>10/2/16</a:t>
+              <a:t>13/2/16</a:t>
             </a:fld>
             <a:endParaRPr lang="en-SG"/>
           </a:p>
@@ -2920,7 +2920,7 @@
           <a:p>
             <a:fld id="{7810AE82-8C34-472D-B90B-4D50508F585C}" type="datetime1">
               <a:rPr lang="en-SG" smtClean="0"/>
-              <a:t>10/2/16</a:t>
+              <a:t>13/2/16</a:t>
             </a:fld>
             <a:endParaRPr lang="en-SG"/>
           </a:p>
@@ -3133,7 +3133,7 @@
           <a:p>
             <a:fld id="{393BD624-3486-430E-A0CD-3F2C92C8E573}" type="datetime1">
               <a:rPr lang="en-SG" smtClean="0"/>
-              <a:t>10/2/16</a:t>
+              <a:t>13/2/16</a:t>
             </a:fld>
             <a:endParaRPr lang="en-SG"/>
           </a:p>
@@ -3821,15 +3821,7 @@
           <a:p>
             <a:r>
               <a:rPr lang="en-SG" dirty="0" smtClean="0"/>
-              <a:t>1a. </a:t>
-            </a:r>
-            <a:r>
-              <a:rPr lang="en-SG" dirty="0" smtClean="0"/>
-              <a:t>Device Role 1: Broadcaster </a:t>
-            </a:r>
-            <a:r>
-              <a:rPr lang="en-SG" dirty="0" smtClean="0"/>
-              <a:t>vs Observer</a:t>
+              <a:t>1a. Device Role 1: Broadcaster vs Observer</a:t>
             </a:r>
             <a:endParaRPr lang="en-SG" dirty="0"/>
           </a:p>
@@ -3852,7 +3844,11 @@
           <a:solidFill>
             <a:schemeClr val="accent6"/>
           </a:solidFill>
-          <a:ln/>
+          <a:ln>
+            <a:solidFill>
+              <a:schemeClr val="accent6"/>
+            </a:solidFill>
+          </a:ln>
         </p:spPr>
         <p:style>
           <a:lnRef idx="1">
@@ -3898,7 +3894,11 @@
           <a:solidFill>
             <a:srgbClr val="002060"/>
           </a:solidFill>
-          <a:ln/>
+          <a:ln>
+            <a:solidFill>
+              <a:srgbClr val="002060"/>
+            </a:solidFill>
+          </a:ln>
         </p:spPr>
         <p:style>
           <a:lnRef idx="1">
@@ -4074,19 +4074,7 @@
           <a:p>
             <a:r>
               <a:rPr lang="en-SG" dirty="0" smtClean="0"/>
-              <a:t>One-way </a:t>
-            </a:r>
-            <a:r>
-              <a:rPr lang="en-SG" dirty="0" smtClean="0"/>
-              <a:t>advertisement information </a:t>
-            </a:r>
-            <a:r>
-              <a:rPr lang="en-SG" dirty="0" smtClean="0"/>
-              <a:t>transfer from broadcaster to </a:t>
-            </a:r>
-            <a:r>
-              <a:rPr lang="en-SG" dirty="0" smtClean="0"/>
-              <a:t>observer(s)</a:t>
+              <a:t>One-way advertisement information transfer from broadcaster to observer(s)</a:t>
             </a:r>
             <a:endParaRPr lang="en-SG" dirty="0"/>
           </a:p>
@@ -4109,7 +4097,11 @@
           <a:solidFill>
             <a:schemeClr val="accent6"/>
           </a:solidFill>
-          <a:ln/>
+          <a:ln>
+            <a:solidFill>
+              <a:schemeClr val="accent6"/>
+            </a:solidFill>
+          </a:ln>
         </p:spPr>
         <p:style>
           <a:lnRef idx="1">
@@ -4155,7 +4147,11 @@
           <a:solidFill>
             <a:schemeClr val="accent6"/>
           </a:solidFill>
-          <a:ln/>
+          <a:ln>
+            <a:solidFill>
+              <a:schemeClr val="accent6"/>
+            </a:solidFill>
+          </a:ln>
         </p:spPr>
         <p:style>
           <a:lnRef idx="1">
@@ -4272,7 +4268,11 @@
           <a:solidFill>
             <a:srgbClr val="00B0F0"/>
           </a:solidFill>
-          <a:ln/>
+          <a:ln>
+            <a:solidFill>
+              <a:srgbClr val="00B0F0"/>
+            </a:solidFill>
+          </a:ln>
         </p:spPr>
         <p:style>
           <a:lnRef idx="1">
@@ -4919,15 +4919,7 @@
           <a:p>
             <a:r>
               <a:rPr lang="en-SG" dirty="0" smtClean="0"/>
-              <a:t>1b. </a:t>
-            </a:r>
-            <a:r>
-              <a:rPr lang="en-SG" dirty="0" smtClean="0"/>
-              <a:t>Device Role 2: Central </a:t>
-            </a:r>
-            <a:r>
-              <a:rPr lang="en-SG" dirty="0" smtClean="0"/>
-              <a:t>vs Peripheral</a:t>
+              <a:t>1b. Device Role 2: Central vs Peripheral</a:t>
             </a:r>
             <a:endParaRPr lang="en-SG" dirty="0"/>
           </a:p>
@@ -5183,14 +5175,14 @@
                 <a:gridCol w="3368099">
                   <a:extLst>
                     <a:ext uri="{9D8B030D-6E8A-4147-A177-3AD203B41FA5}">
-                      <a16:colId xmlns:a16="http://schemas.microsoft.com/office/drawing/2014/main" xmlns="" val="20000"/>
+                      <a16:colId xmlns="" xmlns:a16="http://schemas.microsoft.com/office/drawing/2014/main" val="20000"/>
                     </a:ext>
                   </a:extLst>
                 </a:gridCol>
                 <a:gridCol w="5174322">
                   <a:extLst>
                     <a:ext uri="{9D8B030D-6E8A-4147-A177-3AD203B41FA5}">
-                      <a16:colId xmlns:a16="http://schemas.microsoft.com/office/drawing/2014/main" xmlns="" val="20001"/>
+                      <a16:colId xmlns="" xmlns:a16="http://schemas.microsoft.com/office/drawing/2014/main" val="20001"/>
                     </a:ext>
                   </a:extLst>
                 </a:gridCol>
@@ -5230,7 +5222,7 @@
                 </a:tc>
                 <a:extLst>
                   <a:ext uri="{0D108BD9-81ED-4DB2-BD59-A6C34878D82A}">
-                    <a16:rowId xmlns:a16="http://schemas.microsoft.com/office/drawing/2014/main" xmlns="" val="10000"/>
+                    <a16:rowId xmlns="" xmlns:a16="http://schemas.microsoft.com/office/drawing/2014/main" val="10000"/>
                   </a:ext>
                 </a:extLst>
               </a:tr>
@@ -5265,7 +5257,7 @@
                 </a:tc>
                 <a:extLst>
                   <a:ext uri="{0D108BD9-81ED-4DB2-BD59-A6C34878D82A}">
-                    <a16:rowId xmlns:a16="http://schemas.microsoft.com/office/drawing/2014/main" xmlns="" val="10001"/>
+                    <a16:rowId xmlns="" xmlns:a16="http://schemas.microsoft.com/office/drawing/2014/main" val="10001"/>
                   </a:ext>
                 </a:extLst>
               </a:tr>
@@ -5300,7 +5292,7 @@
                 </a:tc>
                 <a:extLst>
                   <a:ext uri="{0D108BD9-81ED-4DB2-BD59-A6C34878D82A}">
-                    <a16:rowId xmlns:a16="http://schemas.microsoft.com/office/drawing/2014/main" xmlns="" val="10002"/>
+                    <a16:rowId xmlns="" xmlns:a16="http://schemas.microsoft.com/office/drawing/2014/main" val="10002"/>
                   </a:ext>
                 </a:extLst>
               </a:tr>
@@ -5335,7 +5327,7 @@
                 </a:tc>
                 <a:extLst>
                   <a:ext uri="{0D108BD9-81ED-4DB2-BD59-A6C34878D82A}">
-                    <a16:rowId xmlns:a16="http://schemas.microsoft.com/office/drawing/2014/main" xmlns="" val="10003"/>
+                    <a16:rowId xmlns="" xmlns:a16="http://schemas.microsoft.com/office/drawing/2014/main" val="10003"/>
                   </a:ext>
                 </a:extLst>
               </a:tr>
@@ -5425,11 +5417,7 @@
           <a:p>
             <a:r>
               <a:rPr lang="en-SG" dirty="0" smtClean="0"/>
-              <a:t>1b. </a:t>
-            </a:r>
-            <a:r>
-              <a:rPr lang="en-SG" dirty="0" smtClean="0"/>
-              <a:t>Device Role 2: Central </a:t>
+              <a:t>1b. Device Role 2: Central </a:t>
             </a:r>
             <a:r>
               <a:rPr lang="en-SG" dirty="0"/>
@@ -5522,11 +5510,7 @@
           <a:p>
             <a:r>
               <a:rPr lang="en-SG" dirty="0" smtClean="0"/>
-              <a:t>Central </a:t>
-            </a:r>
-            <a:r>
-              <a:rPr lang="en-SG" dirty="0" smtClean="0"/>
-              <a:t>can connect to </a:t>
+              <a:t>Central can connect to </a:t>
             </a:r>
             <a:r>
               <a:rPr lang="en-SG" b="1" dirty="0" smtClean="0"/>
@@ -5540,11 +5524,7 @@
           <a:p>
             <a:r>
               <a:rPr lang="en-SG" dirty="0" smtClean="0"/>
-              <a:t>Peripheral </a:t>
-            </a:r>
-            <a:r>
-              <a:rPr lang="en-SG" dirty="0" smtClean="0"/>
-              <a:t>can connect to </a:t>
+              <a:t>Peripheral can connect to </a:t>
             </a:r>
             <a:r>
               <a:rPr lang="en-SG" b="1" dirty="0" smtClean="0"/>
@@ -5655,14 +5635,14 @@
           <p:nvPr>
             <p:extLst>
               <p:ext uri="{D42A27DB-BD31-4B8C-83A1-F6EECF244321}">
-                <p14:modId xmlns:p14="http://schemas.microsoft.com/office/powerpoint/2010/main" val="472875785"/>
+                <p14:modId xmlns:p14="http://schemas.microsoft.com/office/powerpoint/2010/main" val="668986654"/>
               </p:ext>
             </p:extLst>
           </p:nvPr>
         </p:nvGraphicFramePr>
         <p:xfrm>
           <a:off x="385118" y="982783"/>
-          <a:ext cx="8369298" cy="6370320"/>
+          <a:ext cx="8369298" cy="6736080"/>
         </p:xfrm>
         <a:graphic>
           <a:graphicData uri="http://schemas.openxmlformats.org/drawingml/2006/table">
@@ -5674,14 +5654,14 @@
                 <a:gridCol w="4184649">
                   <a:extLst>
                     <a:ext uri="{9D8B030D-6E8A-4147-A177-3AD203B41FA5}">
-                      <a16:colId xmlns:a16="http://schemas.microsoft.com/office/drawing/2014/main" xmlns="" val="20000"/>
+                      <a16:colId xmlns="" xmlns:a16="http://schemas.microsoft.com/office/drawing/2014/main" val="20000"/>
                     </a:ext>
                   </a:extLst>
                 </a:gridCol>
                 <a:gridCol w="4184649">
                   <a:extLst>
                     <a:ext uri="{9D8B030D-6E8A-4147-A177-3AD203B41FA5}">
-                      <a16:colId xmlns:a16="http://schemas.microsoft.com/office/drawing/2014/main" xmlns="" val="20001"/>
+                      <a16:colId xmlns="" xmlns:a16="http://schemas.microsoft.com/office/drawing/2014/main" val="20001"/>
                     </a:ext>
                   </a:extLst>
                 </a:gridCol>
@@ -5710,11 +5690,7 @@
                       <a:pPr algn="ctr"/>
                       <a:r>
                         <a:rPr lang="en-SG" sz="2800" dirty="0" smtClean="0"/>
-                        <a:t> </a:t>
-                      </a:r>
-                      <a:r>
-                        <a:rPr lang="en-SG" sz="2800" dirty="0" err="1" smtClean="0"/>
-                        <a:t>BroadcastePeripheral</a:t>
+                        <a:t> Broadcaster/Peripheral</a:t>
                       </a:r>
                       <a:endParaRPr lang="en-SG" sz="2800" dirty="0"/>
                     </a:p>
@@ -5727,7 +5703,7 @@
                 </a:tc>
                 <a:extLst>
                   <a:ext uri="{0D108BD9-81ED-4DB2-BD59-A6C34878D82A}">
-                    <a16:rowId xmlns:a16="http://schemas.microsoft.com/office/drawing/2014/main" xmlns="" val="10000"/>
+                    <a16:rowId xmlns="" xmlns:a16="http://schemas.microsoft.com/office/drawing/2014/main" val="10000"/>
                   </a:ext>
                 </a:extLst>
               </a:tr>
@@ -5743,7 +5719,7 @@
                       </a:pPr>
                       <a:r>
                         <a:rPr lang="en-SG" sz="2400" dirty="0" smtClean="0"/>
-                        <a:t>&gt;= iOS 5</a:t>
+                        <a:t>iOS 5</a:t>
                       </a:r>
                     </a:p>
                     <a:p>
@@ -5753,7 +5729,7 @@
                       </a:pPr>
                       <a:r>
                         <a:rPr lang="en-SG" sz="2400" dirty="0" smtClean="0"/>
-                        <a:t>&gt;= Windows 8</a:t>
+                        <a:t>Windows 8</a:t>
                       </a:r>
                     </a:p>
                     <a:p>
@@ -5763,7 +5739,7 @@
                       </a:pPr>
                       <a:r>
                         <a:rPr lang="en-SG" sz="2400" dirty="0" smtClean="0"/>
-                        <a:t>&gt;= Mac OS X</a:t>
+                        <a:t>Mac OS X</a:t>
                       </a:r>
                       <a:r>
                         <a:rPr lang="en-SG" sz="2400" baseline="0" dirty="0" smtClean="0"/>
@@ -5777,7 +5753,7 @@
                       </a:pPr>
                       <a:r>
                         <a:rPr lang="en-SG" sz="2400" dirty="0" smtClean="0"/>
-                        <a:t>&gt;= Linux kernel 3.5</a:t>
+                        <a:t>Linux kernel 3.5</a:t>
                       </a:r>
                     </a:p>
                     <a:p>
@@ -5785,14 +5761,6 @@
                         <a:buFont typeface="Arial" panose="020B0604020202020204" pitchFamily="34" charset="0"/>
                         <a:buChar char="•"/>
                       </a:pPr>
-                      <a:r>
-                        <a:rPr lang="en-SG" sz="2400" dirty="0" smtClean="0">
-                          <a:solidFill>
-                            <a:schemeClr val="tx1"/>
-                          </a:solidFill>
-                        </a:rPr>
-                        <a:t>&gt;= </a:t>
-                      </a:r>
                       <a:r>
                         <a:rPr lang="en-SG" sz="2400" dirty="0" err="1" smtClean="0">
                           <a:solidFill>
@@ -5818,7 +5786,7 @@
                       </a:pPr>
                       <a:r>
                         <a:rPr lang="en-SG" sz="2400" dirty="0" smtClean="0"/>
-                        <a:t>&gt;= Android 4.3</a:t>
+                        <a:t>Android 4.3 (Jelly Bean MR2)</a:t>
                       </a:r>
                     </a:p>
                     <a:p>
@@ -5934,11 +5902,6 @@
                         </a:rPr>
                         <a:t>NRF51/52</a:t>
                       </a:r>
-                      <a:endParaRPr lang="en-SG" sz="2400" baseline="0" dirty="0" smtClean="0">
-                        <a:solidFill>
-                          <a:schemeClr val="tx1"/>
-                        </a:solidFill>
-                      </a:endParaRPr>
                     </a:p>
                     <a:p>
                       <a:pPr marL="457200" lvl="1" indent="0">
@@ -5967,7 +5930,7 @@
                       </a:pPr>
                       <a:r>
                         <a:rPr lang="en-SG" sz="2400" dirty="0" smtClean="0"/>
-                        <a:t>&gt;= iOS 6</a:t>
+                        <a:t>iOS 6</a:t>
                       </a:r>
                     </a:p>
                     <a:p>
@@ -5977,7 +5940,22 @@
                       </a:pPr>
                       <a:r>
                         <a:rPr lang="en-SG" sz="2400" dirty="0" smtClean="0"/>
-                        <a:t>&gt;= Mac OS</a:t>
+                        <a:t>Windows</a:t>
+                      </a:r>
+                      <a:r>
+                        <a:rPr lang="en-SG" sz="2400" baseline="0" dirty="0" smtClean="0"/>
+                        <a:t> 10</a:t>
+                      </a:r>
+                      <a:endParaRPr lang="en-SG" sz="2400" dirty="0" smtClean="0"/>
+                    </a:p>
+                    <a:p>
+                      <a:pPr marL="342900" indent="-342900">
+                        <a:buFont typeface="+mj-lt"/>
+                        <a:buAutoNum type="arabicPeriod"/>
+                      </a:pPr>
+                      <a:r>
+                        <a:rPr lang="en-SG" sz="2400" dirty="0" smtClean="0"/>
+                        <a:t>Mac OS</a:t>
                       </a:r>
                       <a:r>
                         <a:rPr lang="en-SG" sz="2400" baseline="0" dirty="0" smtClean="0"/>
@@ -5991,7 +5969,7 @@
                       </a:pPr>
                       <a:r>
                         <a:rPr lang="en-SG" sz="2400" dirty="0" smtClean="0"/>
-                        <a:t>&gt;= Linux kernel 3.5</a:t>
+                        <a:t>Linux kernel 3.5</a:t>
                       </a:r>
                     </a:p>
                     <a:p>
@@ -5999,14 +5977,6 @@
                         <a:buFont typeface="Arial" panose="020B0604020202020204" pitchFamily="34" charset="0"/>
                         <a:buChar char="•"/>
                       </a:pPr>
-                      <a:r>
-                        <a:rPr lang="en-SG" sz="2400" dirty="0" smtClean="0">
-                          <a:solidFill>
-                            <a:schemeClr val="tx1"/>
-                          </a:solidFill>
-                        </a:rPr>
-                        <a:t>&gt;= </a:t>
-                      </a:r>
                       <a:r>
                         <a:rPr lang="en-SG" sz="2400" dirty="0" err="1" smtClean="0">
                           <a:solidFill>
@@ -6032,7 +6002,7 @@
                       </a:pPr>
                       <a:r>
                         <a:rPr lang="en-SG" sz="2400" dirty="0" smtClean="0"/>
-                        <a:t>&gt;= Android 5.0</a:t>
+                        <a:t>Android 5.0 (Lollipop)</a:t>
                       </a:r>
                     </a:p>
                     <a:p>
@@ -6263,7 +6233,7 @@
                 </a:tc>
                 <a:extLst>
                   <a:ext uri="{0D108BD9-81ED-4DB2-BD59-A6C34878D82A}">
-                    <a16:rowId xmlns:a16="http://schemas.microsoft.com/office/drawing/2014/main" xmlns="" val="10001"/>
+                    <a16:rowId xmlns="" xmlns:a16="http://schemas.microsoft.com/office/drawing/2014/main" val="10001"/>
                   </a:ext>
                 </a:extLst>
               </a:tr>
@@ -6279,7 +6249,7 @@
         </p:nvSpPr>
         <p:spPr>
           <a:xfrm>
-            <a:off x="314779" y="6096001"/>
+            <a:off x="314779" y="6211669"/>
             <a:ext cx="6733703" cy="646331"/>
           </a:xfrm>
           <a:prstGeom prst="rect">
@@ -6345,7 +6315,7 @@
     </p:spTree>
     <p:extLst>
       <p:ext uri="{BB962C8B-B14F-4D97-AF65-F5344CB8AC3E}">
-        <p14:creationId xmlns:p14="http://schemas.microsoft.com/office/powerpoint/2010/main" val="2551410571"/>
+        <p14:creationId xmlns:p14="http://schemas.microsoft.com/office/powerpoint/2010/main" val="1108670966"/>
       </p:ext>
     </p:extLst>
   </p:cSld>
@@ -9958,6 +9928,97 @@
           <a:chExt cx="0" cy="0"/>
         </a:xfrm>
       </p:grpSpPr>
+      <p:sp>
+        <p:nvSpPr>
+          <p:cNvPr id="36" name="Rounded Rectangle 35"/>
+          <p:cNvSpPr/>
+          <p:nvPr/>
+        </p:nvSpPr>
+        <p:spPr>
+          <a:xfrm>
+            <a:off x="102675" y="572931"/>
+            <a:ext cx="2399824" cy="389833"/>
+          </a:xfrm>
+          <a:prstGeom prst="roundRect">
+            <a:avLst/>
+          </a:prstGeom>
+        </p:spPr>
+        <p:style>
+          <a:lnRef idx="2">
+            <a:schemeClr val="accent1">
+              <a:shade val="50000"/>
+            </a:schemeClr>
+          </a:lnRef>
+          <a:fillRef idx="1">
+            <a:schemeClr val="accent1"/>
+          </a:fillRef>
+          <a:effectRef idx="0">
+            <a:schemeClr val="accent1"/>
+          </a:effectRef>
+          <a:fontRef idx="minor">
+            <a:schemeClr val="lt1"/>
+          </a:fontRef>
+        </p:style>
+        <p:txBody>
+          <a:bodyPr rtlCol="0" anchor="ctr"/>
+          <a:lstStyle/>
+          <a:p>
+            <a:pPr algn="ctr"/>
+            <a:r>
+              <a:rPr lang="en-SG" smtClean="0"/>
+              <a:t>Observer</a:t>
+            </a:r>
+            <a:endParaRPr lang="en-SG" dirty="0" smtClean="0"/>
+          </a:p>
+        </p:txBody>
+      </p:sp>
+      <p:sp>
+        <p:nvSpPr>
+          <p:cNvPr id="37" name="Rounded Rectangle 36"/>
+          <p:cNvSpPr/>
+          <p:nvPr/>
+        </p:nvSpPr>
+        <p:spPr>
+          <a:xfrm>
+            <a:off x="6927398" y="570259"/>
+            <a:ext cx="2138334" cy="389833"/>
+          </a:xfrm>
+          <a:prstGeom prst="roundRect">
+            <a:avLst/>
+          </a:prstGeom>
+          <a:solidFill>
+            <a:schemeClr val="accent2"/>
+          </a:solidFill>
+        </p:spPr>
+        <p:style>
+          <a:lnRef idx="2">
+            <a:schemeClr val="accent6">
+              <a:shade val="50000"/>
+            </a:schemeClr>
+          </a:lnRef>
+          <a:fillRef idx="1">
+            <a:schemeClr val="accent6"/>
+          </a:fillRef>
+          <a:effectRef idx="0">
+            <a:schemeClr val="accent6"/>
+          </a:effectRef>
+          <a:fontRef idx="minor">
+            <a:schemeClr val="lt1"/>
+          </a:fontRef>
+        </p:style>
+        <p:txBody>
+          <a:bodyPr rtlCol="0" anchor="ctr"/>
+          <a:lstStyle/>
+          <a:p>
+            <a:pPr algn="ctr"/>
+            <a:r>
+              <a:rPr lang="en-SG" dirty="0" smtClean="0"/>
+              <a:t>Broadcaster</a:t>
+            </a:r>
+            <a:endParaRPr lang="en-SG" dirty="0"/>
+          </a:p>
+        </p:txBody>
+      </p:sp>
       <p:sp>
         <p:nvSpPr>
           <p:cNvPr id="2" name="Title 1"/>
@@ -11219,41 +11280,6 @@
                                   </p:childTnLst>
                                 </p:cTn>
                               </p:par>
-                              <p:par>
-                                <p:cTn id="8" presetID="10" presetClass="entr" presetSubtype="0" fill="hold" grpId="0" nodeType="withEffect">
-                                  <p:stCondLst>
-                                    <p:cond delay="0"/>
-                                  </p:stCondLst>
-                                  <p:childTnLst>
-                                    <p:set>
-                                      <p:cBhvr>
-                                        <p:cTn id="9" dur="1" fill="hold">
-                                          <p:stCondLst>
-                                            <p:cond delay="0"/>
-                                          </p:stCondLst>
-                                        </p:cTn>
-                                        <p:tgtEl>
-                                          <p:spTgt spid="34"/>
-                                        </p:tgtEl>
-                                        <p:attrNameLst>
-                                          <p:attrName>style.visibility</p:attrName>
-                                        </p:attrNameLst>
-                                      </p:cBhvr>
-                                      <p:to>
-                                        <p:strVal val="visible"/>
-                                      </p:to>
-                                    </p:set>
-                                    <p:animEffect transition="in" filter="fade">
-                                      <p:cBhvr>
-                                        <p:cTn id="10" dur="500"/>
-                                        <p:tgtEl>
-                                          <p:spTgt spid="34"/>
-                                        </p:tgtEl>
-                                      </p:cBhvr>
-                                    </p:animEffect>
-                                  </p:childTnLst>
-                                </p:cTn>
-                              </p:par>
                             </p:childTnLst>
                           </p:cTn>
                         </p:par>
@@ -11261,32 +11287,67 @@
                     </p:cTn>
                   </p:par>
                   <p:par>
-                    <p:cTn id="11" fill="hold">
+                    <p:cTn id="8" fill="hold">
                       <p:stCondLst>
                         <p:cond delay="indefinite"/>
                       </p:stCondLst>
                       <p:childTnLst>
                         <p:par>
-                          <p:cTn id="12" fill="hold">
+                          <p:cTn id="9" fill="hold">
                             <p:stCondLst>
                               <p:cond delay="0"/>
                             </p:stCondLst>
                             <p:childTnLst>
                               <p:par>
-                                <p:cTn id="13" presetID="10" presetClass="entr" presetSubtype="0" fill="hold" grpId="0" nodeType="clickEffect">
+                                <p:cTn id="10" presetID="10" presetClass="entr" presetSubtype="0" fill="hold" grpId="0" nodeType="clickEffect">
                                   <p:stCondLst>
                                     <p:cond delay="0"/>
                                   </p:stCondLst>
                                   <p:childTnLst>
                                     <p:set>
                                       <p:cBhvr>
+                                        <p:cTn id="11" dur="1" fill="hold">
+                                          <p:stCondLst>
+                                            <p:cond delay="0"/>
+                                          </p:stCondLst>
+                                        </p:cTn>
+                                        <p:tgtEl>
+                                          <p:spTgt spid="11"/>
+                                        </p:tgtEl>
+                                        <p:attrNameLst>
+                                          <p:attrName>style.visibility</p:attrName>
+                                        </p:attrNameLst>
+                                      </p:cBhvr>
+                                      <p:to>
+                                        <p:strVal val="visible"/>
+                                      </p:to>
+                                    </p:set>
+                                    <p:animEffect transition="in" filter="fade">
+                                      <p:cBhvr>
+                                        <p:cTn id="12" dur="500"/>
+                                        <p:tgtEl>
+                                          <p:spTgt spid="11"/>
+                                        </p:tgtEl>
+                                      </p:cBhvr>
+                                    </p:animEffect>
+                                  </p:childTnLst>
+                                </p:cTn>
+                              </p:par>
+                              <p:par>
+                                <p:cTn id="13" presetID="10" presetClass="entr" presetSubtype="0" fill="hold" nodeType="withEffect">
+                                  <p:stCondLst>
+                                    <p:cond delay="0"/>
+                                  </p:stCondLst>
+                                  <p:childTnLst>
+                                    <p:set>
+                                      <p:cBhvr>
                                         <p:cTn id="14" dur="1" fill="hold">
                                           <p:stCondLst>
                                             <p:cond delay="0"/>
                                           </p:stCondLst>
                                         </p:cTn>
                                         <p:tgtEl>
-                                          <p:spTgt spid="11"/>
+                                          <p:spTgt spid="10"/>
                                         </p:tgtEl>
                                         <p:attrNameLst>
                                           <p:attrName>style.visibility</p:attrName>
@@ -11300,7 +11361,7 @@
                                       <p:cBhvr>
                                         <p:cTn id="15" dur="500"/>
                                         <p:tgtEl>
-                                          <p:spTgt spid="11"/>
+                                          <p:spTgt spid="10"/>
                                         </p:tgtEl>
                                       </p:cBhvr>
                                     </p:animEffect>
@@ -11308,7 +11369,7 @@
                                 </p:cTn>
                               </p:par>
                               <p:par>
-                                <p:cTn id="16" presetID="10" presetClass="entr" presetSubtype="0" fill="hold" nodeType="withEffect">
+                                <p:cTn id="16" presetID="10" presetClass="entr" presetSubtype="0" fill="hold" grpId="0" nodeType="withEffect">
                                   <p:stCondLst>
                                     <p:cond delay="0"/>
                                   </p:stCondLst>
@@ -11321,7 +11382,7 @@
                                           </p:stCondLst>
                                         </p:cTn>
                                         <p:tgtEl>
-                                          <p:spTgt spid="10"/>
+                                          <p:spTgt spid="35"/>
                                         </p:tgtEl>
                                         <p:attrNameLst>
                                           <p:attrName>style.visibility</p:attrName>
@@ -11335,7 +11396,7 @@
                                       <p:cBhvr>
                                         <p:cTn id="18" dur="500"/>
                                         <p:tgtEl>
-                                          <p:spTgt spid="10"/>
+                                          <p:spTgt spid="35"/>
                                         </p:tgtEl>
                                       </p:cBhvr>
                                     </p:animEffect>
@@ -11356,7 +11417,7 @@
                                           </p:stCondLst>
                                         </p:cTn>
                                         <p:tgtEl>
-                                          <p:spTgt spid="35"/>
+                                          <p:spTgt spid="34"/>
                                         </p:tgtEl>
                                         <p:attrNameLst>
                                           <p:attrName>style.visibility</p:attrName>
@@ -11370,7 +11431,7 @@
                                       <p:cBhvr>
                                         <p:cTn id="21" dur="500"/>
                                         <p:tgtEl>
-                                          <p:spTgt spid="35"/>
+                                          <p:spTgt spid="34"/>
                                         </p:tgtEl>
                                       </p:cBhvr>
                                     </p:animEffect>
@@ -11431,14 +11492,306 @@
                                 </p:cTn>
                               </p:par>
                               <p:par>
-                                <p:cTn id="27" presetID="10" presetClass="entr" presetSubtype="0" fill="hold" nodeType="withEffect">
+                                <p:cTn id="27" presetID="2" presetClass="exit" presetSubtype="8" fill="hold" grpId="0" nodeType="withEffect">
+                                  <p:stCondLst>
+                                    <p:cond delay="0"/>
+                                  </p:stCondLst>
+                                  <p:childTnLst>
+                                    <p:anim calcmode="lin" valueType="num">
+                                      <p:cBhvr additive="base">
+                                        <p:cTn id="28" dur="500"/>
+                                        <p:tgtEl>
+                                          <p:spTgt spid="36"/>
+                                        </p:tgtEl>
+                                        <p:attrNameLst>
+                                          <p:attrName>ppt_x</p:attrName>
+                                        </p:attrNameLst>
+                                      </p:cBhvr>
+                                      <p:tavLst>
+                                        <p:tav tm="0">
+                                          <p:val>
+                                            <p:strVal val="ppt_x"/>
+                                          </p:val>
+                                        </p:tav>
+                                        <p:tav tm="100000">
+                                          <p:val>
+                                            <p:strVal val="0-ppt_w/2"/>
+                                          </p:val>
+                                        </p:tav>
+                                      </p:tavLst>
+                                    </p:anim>
+                                    <p:anim calcmode="lin" valueType="num">
+                                      <p:cBhvr additive="base">
+                                        <p:cTn id="29" dur="500"/>
+                                        <p:tgtEl>
+                                          <p:spTgt spid="36"/>
+                                        </p:tgtEl>
+                                        <p:attrNameLst>
+                                          <p:attrName>ppt_y</p:attrName>
+                                        </p:attrNameLst>
+                                      </p:cBhvr>
+                                      <p:tavLst>
+                                        <p:tav tm="0">
+                                          <p:val>
+                                            <p:strVal val="ppt_y"/>
+                                          </p:val>
+                                        </p:tav>
+                                        <p:tav tm="100000">
+                                          <p:val>
+                                            <p:strVal val="ppt_y"/>
+                                          </p:val>
+                                        </p:tav>
+                                      </p:tavLst>
+                                    </p:anim>
+                                    <p:set>
+                                      <p:cBhvr>
+                                        <p:cTn id="30" dur="1" fill="hold">
+                                          <p:stCondLst>
+                                            <p:cond delay="499"/>
+                                          </p:stCondLst>
+                                        </p:cTn>
+                                        <p:tgtEl>
+                                          <p:spTgt spid="36"/>
+                                        </p:tgtEl>
+                                        <p:attrNameLst>
+                                          <p:attrName>style.visibility</p:attrName>
+                                        </p:attrNameLst>
+                                      </p:cBhvr>
+                                      <p:to>
+                                        <p:strVal val="hidden"/>
+                                      </p:to>
+                                    </p:set>
+                                  </p:childTnLst>
+                                </p:cTn>
+                              </p:par>
+                              <p:par>
+                                <p:cTn id="31" presetID="2" presetClass="exit" presetSubtype="2" fill="hold" grpId="0" nodeType="withEffect">
+                                  <p:stCondLst>
+                                    <p:cond delay="0"/>
+                                  </p:stCondLst>
+                                  <p:childTnLst>
+                                    <p:anim calcmode="lin" valueType="num">
+                                      <p:cBhvr additive="base">
+                                        <p:cTn id="32" dur="500"/>
+                                        <p:tgtEl>
+                                          <p:spTgt spid="37"/>
+                                        </p:tgtEl>
+                                        <p:attrNameLst>
+                                          <p:attrName>ppt_x</p:attrName>
+                                        </p:attrNameLst>
+                                      </p:cBhvr>
+                                      <p:tavLst>
+                                        <p:tav tm="0">
+                                          <p:val>
+                                            <p:strVal val="ppt_x"/>
+                                          </p:val>
+                                        </p:tav>
+                                        <p:tav tm="100000">
+                                          <p:val>
+                                            <p:strVal val="1+ppt_w/2"/>
+                                          </p:val>
+                                        </p:tav>
+                                      </p:tavLst>
+                                    </p:anim>
+                                    <p:anim calcmode="lin" valueType="num">
+                                      <p:cBhvr additive="base">
+                                        <p:cTn id="33" dur="500"/>
+                                        <p:tgtEl>
+                                          <p:spTgt spid="37"/>
+                                        </p:tgtEl>
+                                        <p:attrNameLst>
+                                          <p:attrName>ppt_y</p:attrName>
+                                        </p:attrNameLst>
+                                      </p:cBhvr>
+                                      <p:tavLst>
+                                        <p:tav tm="0">
+                                          <p:val>
+                                            <p:strVal val="ppt_y"/>
+                                          </p:val>
+                                        </p:tav>
+                                        <p:tav tm="100000">
+                                          <p:val>
+                                            <p:strVal val="ppt_y"/>
+                                          </p:val>
+                                        </p:tav>
+                                      </p:tavLst>
+                                    </p:anim>
+                                    <p:set>
+                                      <p:cBhvr>
+                                        <p:cTn id="34" dur="1" fill="hold">
+                                          <p:stCondLst>
+                                            <p:cond delay="499"/>
+                                          </p:stCondLst>
+                                        </p:cTn>
+                                        <p:tgtEl>
+                                          <p:spTgt spid="37"/>
+                                        </p:tgtEl>
+                                        <p:attrNameLst>
+                                          <p:attrName>style.visibility</p:attrName>
+                                        </p:attrNameLst>
+                                      </p:cBhvr>
+                                      <p:to>
+                                        <p:strVal val="hidden"/>
+                                      </p:to>
+                                    </p:set>
+                                  </p:childTnLst>
+                                </p:cTn>
+                              </p:par>
+                              <p:par>
+                                <p:cTn id="35" presetID="2" presetClass="entr" presetSubtype="1" fill="hold" grpId="0" nodeType="withEffect">
                                   <p:stCondLst>
                                     <p:cond delay="0"/>
                                   </p:stCondLst>
                                   <p:childTnLst>
                                     <p:set>
                                       <p:cBhvr>
-                                        <p:cTn id="28" dur="1" fill="hold">
+                                        <p:cTn id="36" dur="1" fill="hold">
+                                          <p:stCondLst>
+                                            <p:cond delay="0"/>
+                                          </p:stCondLst>
+                                        </p:cTn>
+                                        <p:tgtEl>
+                                          <p:spTgt spid="5"/>
+                                        </p:tgtEl>
+                                        <p:attrNameLst>
+                                          <p:attrName>style.visibility</p:attrName>
+                                        </p:attrNameLst>
+                                      </p:cBhvr>
+                                      <p:to>
+                                        <p:strVal val="visible"/>
+                                      </p:to>
+                                    </p:set>
+                                    <p:anim calcmode="lin" valueType="num">
+                                      <p:cBhvr additive="base">
+                                        <p:cTn id="37" dur="500" fill="hold"/>
+                                        <p:tgtEl>
+                                          <p:spTgt spid="5"/>
+                                        </p:tgtEl>
+                                        <p:attrNameLst>
+                                          <p:attrName>ppt_x</p:attrName>
+                                        </p:attrNameLst>
+                                      </p:cBhvr>
+                                      <p:tavLst>
+                                        <p:tav tm="0">
+                                          <p:val>
+                                            <p:strVal val="#ppt_x"/>
+                                          </p:val>
+                                        </p:tav>
+                                        <p:tav tm="100000">
+                                          <p:val>
+                                            <p:strVal val="#ppt_x"/>
+                                          </p:val>
+                                        </p:tav>
+                                      </p:tavLst>
+                                    </p:anim>
+                                    <p:anim calcmode="lin" valueType="num">
+                                      <p:cBhvr additive="base">
+                                        <p:cTn id="38" dur="500" fill="hold"/>
+                                        <p:tgtEl>
+                                          <p:spTgt spid="5"/>
+                                        </p:tgtEl>
+                                        <p:attrNameLst>
+                                          <p:attrName>ppt_y</p:attrName>
+                                        </p:attrNameLst>
+                                      </p:cBhvr>
+                                      <p:tavLst>
+                                        <p:tav tm="0">
+                                          <p:val>
+                                            <p:strVal val="0-#ppt_h/2"/>
+                                          </p:val>
+                                        </p:tav>
+                                        <p:tav tm="100000">
+                                          <p:val>
+                                            <p:strVal val="#ppt_y"/>
+                                          </p:val>
+                                        </p:tav>
+                                      </p:tavLst>
+                                    </p:anim>
+                                  </p:childTnLst>
+                                </p:cTn>
+                              </p:par>
+                              <p:par>
+                                <p:cTn id="39" presetID="2" presetClass="entr" presetSubtype="1" fill="hold" grpId="0" nodeType="withEffect">
+                                  <p:stCondLst>
+                                    <p:cond delay="0"/>
+                                  </p:stCondLst>
+                                  <p:childTnLst>
+                                    <p:set>
+                                      <p:cBhvr>
+                                        <p:cTn id="40" dur="1" fill="hold">
+                                          <p:stCondLst>
+                                            <p:cond delay="0"/>
+                                          </p:stCondLst>
+                                        </p:cTn>
+                                        <p:tgtEl>
+                                          <p:spTgt spid="4"/>
+                                        </p:tgtEl>
+                                        <p:attrNameLst>
+                                          <p:attrName>style.visibility</p:attrName>
+                                        </p:attrNameLst>
+                                      </p:cBhvr>
+                                      <p:to>
+                                        <p:strVal val="visible"/>
+                                      </p:to>
+                                    </p:set>
+                                    <p:anim calcmode="lin" valueType="num">
+                                      <p:cBhvr additive="base">
+                                        <p:cTn id="41" dur="500" fill="hold"/>
+                                        <p:tgtEl>
+                                          <p:spTgt spid="4"/>
+                                        </p:tgtEl>
+                                        <p:attrNameLst>
+                                          <p:attrName>ppt_x</p:attrName>
+                                        </p:attrNameLst>
+                                      </p:cBhvr>
+                                      <p:tavLst>
+                                        <p:tav tm="0">
+                                          <p:val>
+                                            <p:strVal val="#ppt_x"/>
+                                          </p:val>
+                                        </p:tav>
+                                        <p:tav tm="100000">
+                                          <p:val>
+                                            <p:strVal val="#ppt_x"/>
+                                          </p:val>
+                                        </p:tav>
+                                      </p:tavLst>
+                                    </p:anim>
+                                    <p:anim calcmode="lin" valueType="num">
+                                      <p:cBhvr additive="base">
+                                        <p:cTn id="42" dur="500" fill="hold"/>
+                                        <p:tgtEl>
+                                          <p:spTgt spid="4"/>
+                                        </p:tgtEl>
+                                        <p:attrNameLst>
+                                          <p:attrName>ppt_y</p:attrName>
+                                        </p:attrNameLst>
+                                      </p:cBhvr>
+                                      <p:tavLst>
+                                        <p:tav tm="0">
+                                          <p:val>
+                                            <p:strVal val="0-#ppt_h/2"/>
+                                          </p:val>
+                                        </p:tav>
+                                        <p:tav tm="100000">
+                                          <p:val>
+                                            <p:strVal val="#ppt_y"/>
+                                          </p:val>
+                                        </p:tav>
+                                      </p:tavLst>
+                                    </p:anim>
+                                  </p:childTnLst>
+                                </p:cTn>
+                              </p:par>
+                              <p:par>
+                                <p:cTn id="43" presetID="10" presetClass="entr" presetSubtype="0" fill="hold" nodeType="withEffect">
+                                  <p:stCondLst>
+                                    <p:cond delay="0"/>
+                                  </p:stCondLst>
+                                  <p:childTnLst>
+                                    <p:set>
+                                      <p:cBhvr>
+                                        <p:cTn id="44" dur="1" fill="hold">
                                           <p:stCondLst>
                                             <p:cond delay="0"/>
                                           </p:stCondLst>
@@ -11456,7 +11809,7 @@
                                     </p:set>
                                     <p:animEffect transition="in" filter="fade">
                                       <p:cBhvr>
-                                        <p:cTn id="29" dur="500"/>
+                                        <p:cTn id="45" dur="500"/>
                                         <p:tgtEl>
                                           <p:spTgt spid="13"/>
                                         </p:tgtEl>
@@ -11466,14 +11819,14 @@
                                 </p:cTn>
                               </p:par>
                               <p:par>
-                                <p:cTn id="30" presetID="10" presetClass="entr" presetSubtype="0" fill="hold" grpId="0" nodeType="withEffect">
+                                <p:cTn id="46" presetID="10" presetClass="entr" presetSubtype="0" fill="hold" grpId="0" nodeType="withEffect">
                                   <p:stCondLst>
                                     <p:cond delay="0"/>
                                   </p:stCondLst>
                                   <p:childTnLst>
                                     <p:set>
                                       <p:cBhvr>
-                                        <p:cTn id="31" dur="1" fill="hold">
+                                        <p:cTn id="47" dur="1" fill="hold">
                                           <p:stCondLst>
                                             <p:cond delay="0"/>
                                           </p:stCondLst>
@@ -11491,7 +11844,7 @@
                                     </p:set>
                                     <p:animEffect transition="in" filter="fade">
                                       <p:cBhvr>
-                                        <p:cTn id="32" dur="500"/>
+                                        <p:cTn id="48" dur="500"/>
                                         <p:tgtEl>
                                           <p:spTgt spid="39"/>
                                         </p:tgtEl>
@@ -11507,26 +11860,26 @@
                     </p:cTn>
                   </p:par>
                   <p:par>
-                    <p:cTn id="33" fill="hold">
+                    <p:cTn id="49" fill="hold">
                       <p:stCondLst>
                         <p:cond delay="indefinite"/>
                       </p:stCondLst>
                       <p:childTnLst>
                         <p:par>
-                          <p:cTn id="34" fill="hold">
+                          <p:cTn id="50" fill="hold">
                             <p:stCondLst>
                               <p:cond delay="0"/>
                             </p:stCondLst>
                             <p:childTnLst>
                               <p:par>
-                                <p:cTn id="35" presetID="10" presetClass="entr" presetSubtype="0" fill="hold" nodeType="clickEffect">
+                                <p:cTn id="51" presetID="10" presetClass="entr" presetSubtype="0" fill="hold" nodeType="clickEffect">
                                   <p:stCondLst>
                                     <p:cond delay="0"/>
                                   </p:stCondLst>
                                   <p:childTnLst>
                                     <p:set>
                                       <p:cBhvr>
-                                        <p:cTn id="36" dur="1" fill="hold">
+                                        <p:cTn id="52" dur="1" fill="hold">
                                           <p:stCondLst>
                                             <p:cond delay="0"/>
                                           </p:stCondLst>
@@ -11544,7 +11897,7 @@
                                     </p:set>
                                     <p:animEffect transition="in" filter="fade">
                                       <p:cBhvr>
-                                        <p:cTn id="37" dur="500"/>
+                                        <p:cTn id="53" dur="500"/>
                                         <p:tgtEl>
                                           <p:spTgt spid="19"/>
                                         </p:tgtEl>
@@ -11554,14 +11907,14 @@
                                 </p:cTn>
                               </p:par>
                               <p:par>
-                                <p:cTn id="38" presetID="10" presetClass="entr" presetSubtype="0" fill="hold" grpId="0" nodeType="withEffect">
+                                <p:cTn id="54" presetID="10" presetClass="entr" presetSubtype="0" fill="hold" grpId="0" nodeType="withEffect">
                                   <p:stCondLst>
                                     <p:cond delay="0"/>
                                   </p:stCondLst>
                                   <p:childTnLst>
                                     <p:set>
                                       <p:cBhvr>
-                                        <p:cTn id="39" dur="1" fill="hold">
+                                        <p:cTn id="55" dur="1" fill="hold">
                                           <p:stCondLst>
                                             <p:cond delay="0"/>
                                           </p:stCondLst>
@@ -11579,7 +11932,7 @@
                                     </p:set>
                                     <p:animEffect transition="in" filter="fade">
                                       <p:cBhvr>
-                                        <p:cTn id="40" dur="500"/>
+                                        <p:cTn id="56" dur="500"/>
                                         <p:tgtEl>
                                           <p:spTgt spid="21"/>
                                         </p:tgtEl>
@@ -11589,14 +11942,14 @@
                                 </p:cTn>
                               </p:par>
                               <p:par>
-                                <p:cTn id="41" presetID="10" presetClass="entr" presetSubtype="0" fill="hold" grpId="0" nodeType="withEffect">
+                                <p:cTn id="57" presetID="10" presetClass="entr" presetSubtype="0" fill="hold" grpId="0" nodeType="withEffect">
                                   <p:stCondLst>
                                     <p:cond delay="0"/>
                                   </p:stCondLst>
                                   <p:childTnLst>
                                     <p:set>
                                       <p:cBhvr>
-                                        <p:cTn id="42" dur="1" fill="hold">
+                                        <p:cTn id="58" dur="1" fill="hold">
                                           <p:stCondLst>
                                             <p:cond delay="0"/>
                                           </p:stCondLst>
@@ -11614,7 +11967,7 @@
                                     </p:set>
                                     <p:animEffect transition="in" filter="fade">
                                       <p:cBhvr>
-                                        <p:cTn id="43" dur="500"/>
+                                        <p:cTn id="59" dur="500"/>
                                         <p:tgtEl>
                                           <p:spTgt spid="44"/>
                                         </p:tgtEl>
@@ -11630,26 +11983,26 @@
                     </p:cTn>
                   </p:par>
                   <p:par>
-                    <p:cTn id="44" fill="hold">
+                    <p:cTn id="60" fill="hold">
                       <p:stCondLst>
                         <p:cond delay="indefinite"/>
                       </p:stCondLst>
                       <p:childTnLst>
                         <p:par>
-                          <p:cTn id="45" fill="hold">
+                          <p:cTn id="61" fill="hold">
                             <p:stCondLst>
                               <p:cond delay="0"/>
                             </p:stCondLst>
                             <p:childTnLst>
                               <p:par>
-                                <p:cTn id="46" presetID="10" presetClass="entr" presetSubtype="0" fill="hold" grpId="0" nodeType="clickEffect">
+                                <p:cTn id="62" presetID="10" presetClass="entr" presetSubtype="0" fill="hold" grpId="0" nodeType="clickEffect">
                                   <p:stCondLst>
                                     <p:cond delay="0"/>
                                   </p:stCondLst>
                                   <p:childTnLst>
                                     <p:set>
                                       <p:cBhvr>
-                                        <p:cTn id="47" dur="1" fill="hold">
+                                        <p:cTn id="63" dur="1" fill="hold">
                                           <p:stCondLst>
                                             <p:cond delay="0"/>
                                           </p:stCondLst>
@@ -11667,7 +12020,7 @@
                                     </p:set>
                                     <p:animEffect transition="in" filter="fade">
                                       <p:cBhvr>
-                                        <p:cTn id="48" dur="500"/>
+                                        <p:cTn id="64" dur="500"/>
                                         <p:tgtEl>
                                           <p:spTgt spid="24"/>
                                         </p:tgtEl>
@@ -11677,14 +12030,14 @@
                                 </p:cTn>
                               </p:par>
                               <p:par>
-                                <p:cTn id="49" presetID="10" presetClass="entr" presetSubtype="0" fill="hold" nodeType="withEffect">
+                                <p:cTn id="65" presetID="10" presetClass="entr" presetSubtype="0" fill="hold" nodeType="withEffect">
                                   <p:stCondLst>
                                     <p:cond delay="0"/>
                                   </p:stCondLst>
                                   <p:childTnLst>
                                     <p:set>
                                       <p:cBhvr>
-                                        <p:cTn id="50" dur="1" fill="hold">
+                                        <p:cTn id="66" dur="1" fill="hold">
                                           <p:stCondLst>
                                             <p:cond delay="0"/>
                                           </p:stCondLst>
@@ -11702,7 +12055,7 @@
                                     </p:set>
                                     <p:animEffect transition="in" filter="fade">
                                       <p:cBhvr>
-                                        <p:cTn id="51" dur="500"/>
+                                        <p:cTn id="67" dur="500"/>
                                         <p:tgtEl>
                                           <p:spTgt spid="23"/>
                                         </p:tgtEl>
@@ -11712,14 +12065,14 @@
                                 </p:cTn>
                               </p:par>
                               <p:par>
-                                <p:cTn id="52" presetID="10" presetClass="entr" presetSubtype="0" fill="hold" grpId="0" nodeType="withEffect">
+                                <p:cTn id="68" presetID="10" presetClass="entr" presetSubtype="0" fill="hold" grpId="0" nodeType="withEffect">
                                   <p:stCondLst>
                                     <p:cond delay="0"/>
                                   </p:stCondLst>
                                   <p:childTnLst>
                                     <p:set>
                                       <p:cBhvr>
-                                        <p:cTn id="53" dur="1" fill="hold">
+                                        <p:cTn id="69" dur="1" fill="hold">
                                           <p:stCondLst>
                                             <p:cond delay="0"/>
                                           </p:stCondLst>
@@ -11737,7 +12090,7 @@
                                     </p:set>
                                     <p:animEffect transition="in" filter="fade">
                                       <p:cBhvr>
-                                        <p:cTn id="54" dur="500"/>
+                                        <p:cTn id="70" dur="500"/>
                                         <p:tgtEl>
                                           <p:spTgt spid="49"/>
                                         </p:tgtEl>
@@ -11753,26 +12106,26 @@
                     </p:cTn>
                   </p:par>
                   <p:par>
-                    <p:cTn id="55" fill="hold">
+                    <p:cTn id="71" fill="hold">
                       <p:stCondLst>
                         <p:cond delay="indefinite"/>
                       </p:stCondLst>
                       <p:childTnLst>
                         <p:par>
-                          <p:cTn id="56" fill="hold">
+                          <p:cTn id="72" fill="hold">
                             <p:stCondLst>
                               <p:cond delay="0"/>
                             </p:stCondLst>
                             <p:childTnLst>
                               <p:par>
-                                <p:cTn id="57" presetID="10" presetClass="entr" presetSubtype="0" fill="hold" nodeType="clickEffect">
+                                <p:cTn id="73" presetID="10" presetClass="entr" presetSubtype="0" fill="hold" nodeType="clickEffect">
                                   <p:stCondLst>
                                     <p:cond delay="0"/>
                                   </p:stCondLst>
                                   <p:childTnLst>
                                     <p:set>
                                       <p:cBhvr>
-                                        <p:cTn id="58" dur="1" fill="hold">
+                                        <p:cTn id="74" dur="1" fill="hold">
                                           <p:stCondLst>
                                             <p:cond delay="0"/>
                                           </p:stCondLst>
@@ -11790,7 +12143,7 @@
                                     </p:set>
                                     <p:animEffect transition="in" filter="fade">
                                       <p:cBhvr>
-                                        <p:cTn id="59" dur="500"/>
+                                        <p:cTn id="75" dur="500"/>
                                         <p:tgtEl>
                                           <p:spTgt spid="25"/>
                                         </p:tgtEl>
@@ -11800,14 +12153,14 @@
                                 </p:cTn>
                               </p:par>
                               <p:par>
-                                <p:cTn id="60" presetID="10" presetClass="entr" presetSubtype="0" fill="hold" grpId="0" nodeType="withEffect">
+                                <p:cTn id="76" presetID="10" presetClass="entr" presetSubtype="0" fill="hold" grpId="0" nodeType="withEffect">
                                   <p:stCondLst>
                                     <p:cond delay="0"/>
                                   </p:stCondLst>
                                   <p:childTnLst>
                                     <p:set>
                                       <p:cBhvr>
-                                        <p:cTn id="61" dur="1" fill="hold">
+                                        <p:cTn id="77" dur="1" fill="hold">
                                           <p:stCondLst>
                                             <p:cond delay="0"/>
                                           </p:stCondLst>
@@ -11825,7 +12178,7 @@
                                     </p:set>
                                     <p:animEffect transition="in" filter="fade">
                                       <p:cBhvr>
-                                        <p:cTn id="62" dur="500"/>
+                                        <p:cTn id="78" dur="500"/>
                                         <p:tgtEl>
                                           <p:spTgt spid="26"/>
                                         </p:tgtEl>
@@ -11835,14 +12188,14 @@
                                 </p:cTn>
                               </p:par>
                               <p:par>
-                                <p:cTn id="63" presetID="10" presetClass="entr" presetSubtype="0" fill="hold" grpId="0" nodeType="withEffect">
+                                <p:cTn id="79" presetID="10" presetClass="entr" presetSubtype="0" fill="hold" grpId="0" nodeType="withEffect">
                                   <p:stCondLst>
                                     <p:cond delay="0"/>
                                   </p:stCondLst>
                                   <p:childTnLst>
                                     <p:set>
                                       <p:cBhvr>
-                                        <p:cTn id="64" dur="1" fill="hold">
+                                        <p:cTn id="80" dur="1" fill="hold">
                                           <p:stCondLst>
                                             <p:cond delay="0"/>
                                           </p:stCondLst>
@@ -11860,7 +12213,7 @@
                                     </p:set>
                                     <p:animEffect transition="in" filter="fade">
                                       <p:cBhvr>
-                                        <p:cTn id="65" dur="500"/>
+                                        <p:cTn id="81" dur="500"/>
                                         <p:tgtEl>
                                           <p:spTgt spid="52"/>
                                         </p:tgtEl>
@@ -11876,26 +12229,26 @@
                     </p:cTn>
                   </p:par>
                   <p:par>
-                    <p:cTn id="66" fill="hold">
+                    <p:cTn id="82" fill="hold">
                       <p:stCondLst>
                         <p:cond delay="indefinite"/>
                       </p:stCondLst>
                       <p:childTnLst>
                         <p:par>
-                          <p:cTn id="67" fill="hold">
+                          <p:cTn id="83" fill="hold">
                             <p:stCondLst>
                               <p:cond delay="0"/>
                             </p:stCondLst>
                             <p:childTnLst>
                               <p:par>
-                                <p:cTn id="68" presetID="10" presetClass="entr" presetSubtype="0" fill="hold" grpId="0" nodeType="clickEffect">
+                                <p:cTn id="84" presetID="10" presetClass="entr" presetSubtype="0" fill="hold" grpId="0" nodeType="clickEffect">
                                   <p:stCondLst>
                                     <p:cond delay="0"/>
                                   </p:stCondLst>
                                   <p:childTnLst>
                                     <p:set>
                                       <p:cBhvr>
-                                        <p:cTn id="69" dur="1" fill="hold">
+                                        <p:cTn id="85" dur="1" fill="hold">
                                           <p:stCondLst>
                                             <p:cond delay="0"/>
                                           </p:stCondLst>
@@ -11913,7 +12266,7 @@
                                     </p:set>
                                     <p:animEffect transition="in" filter="fade">
                                       <p:cBhvr>
-                                        <p:cTn id="70" dur="500"/>
+                                        <p:cTn id="86" dur="500"/>
                                         <p:tgtEl>
                                           <p:spTgt spid="28"/>
                                         </p:tgtEl>
@@ -11923,14 +12276,14 @@
                                 </p:cTn>
                               </p:par>
                               <p:par>
-                                <p:cTn id="71" presetID="10" presetClass="entr" presetSubtype="0" fill="hold" nodeType="withEffect">
+                                <p:cTn id="87" presetID="10" presetClass="entr" presetSubtype="0" fill="hold" nodeType="withEffect">
                                   <p:stCondLst>
                                     <p:cond delay="0"/>
                                   </p:stCondLst>
                                   <p:childTnLst>
                                     <p:set>
                                       <p:cBhvr>
-                                        <p:cTn id="72" dur="1" fill="hold">
+                                        <p:cTn id="88" dur="1" fill="hold">
                                           <p:stCondLst>
                                             <p:cond delay="0"/>
                                           </p:stCondLst>
@@ -11948,7 +12301,7 @@
                                     </p:set>
                                     <p:animEffect transition="in" filter="fade">
                                       <p:cBhvr>
-                                        <p:cTn id="73" dur="500"/>
+                                        <p:cTn id="89" dur="500"/>
                                         <p:tgtEl>
                                           <p:spTgt spid="27"/>
                                         </p:tgtEl>
@@ -11958,14 +12311,14 @@
                                 </p:cTn>
                               </p:par>
                               <p:par>
-                                <p:cTn id="74" presetID="10" presetClass="entr" presetSubtype="0" fill="hold" grpId="0" nodeType="withEffect">
+                                <p:cTn id="90" presetID="10" presetClass="entr" presetSubtype="0" fill="hold" grpId="0" nodeType="withEffect">
                                   <p:stCondLst>
                                     <p:cond delay="0"/>
                                   </p:stCondLst>
                                   <p:childTnLst>
                                     <p:set>
                                       <p:cBhvr>
-                                        <p:cTn id="75" dur="1" fill="hold">
+                                        <p:cTn id="91" dur="1" fill="hold">
                                           <p:stCondLst>
                                             <p:cond delay="0"/>
                                           </p:stCondLst>
@@ -11983,7 +12336,7 @@
                                     </p:set>
                                     <p:animEffect transition="in" filter="fade">
                                       <p:cBhvr>
-                                        <p:cTn id="76" dur="500"/>
+                                        <p:cTn id="92" dur="500"/>
                                         <p:tgtEl>
                                           <p:spTgt spid="55"/>
                                         </p:tgtEl>
@@ -11999,26 +12352,26 @@
                     </p:cTn>
                   </p:par>
                   <p:par>
-                    <p:cTn id="77" fill="hold">
+                    <p:cTn id="93" fill="hold">
                       <p:stCondLst>
                         <p:cond delay="indefinite"/>
                       </p:stCondLst>
                       <p:childTnLst>
                         <p:par>
-                          <p:cTn id="78" fill="hold">
+                          <p:cTn id="94" fill="hold">
                             <p:stCondLst>
                               <p:cond delay="0"/>
                             </p:stCondLst>
                             <p:childTnLst>
                               <p:par>
-                                <p:cTn id="79" presetID="10" presetClass="entr" presetSubtype="0" fill="hold" nodeType="clickEffect">
+                                <p:cTn id="95" presetID="10" presetClass="entr" presetSubtype="0" fill="hold" nodeType="clickEffect">
                                   <p:stCondLst>
                                     <p:cond delay="0"/>
                                   </p:stCondLst>
                                   <p:childTnLst>
                                     <p:set>
                                       <p:cBhvr>
-                                        <p:cTn id="80" dur="1" fill="hold">
+                                        <p:cTn id="96" dur="1" fill="hold">
                                           <p:stCondLst>
                                             <p:cond delay="0"/>
                                           </p:stCondLst>
@@ -12036,7 +12389,7 @@
                                     </p:set>
                                     <p:animEffect transition="in" filter="fade">
                                       <p:cBhvr>
-                                        <p:cTn id="81" dur="500"/>
+                                        <p:cTn id="97" dur="500"/>
                                         <p:tgtEl>
                                           <p:spTgt spid="29"/>
                                         </p:tgtEl>
@@ -12046,14 +12399,14 @@
                                 </p:cTn>
                               </p:par>
                               <p:par>
-                                <p:cTn id="82" presetID="10" presetClass="entr" presetSubtype="0" fill="hold" grpId="0" nodeType="withEffect">
+                                <p:cTn id="98" presetID="10" presetClass="entr" presetSubtype="0" fill="hold" grpId="0" nodeType="withEffect">
                                   <p:stCondLst>
                                     <p:cond delay="0"/>
                                   </p:stCondLst>
                                   <p:childTnLst>
                                     <p:set>
                                       <p:cBhvr>
-                                        <p:cTn id="83" dur="1" fill="hold">
+                                        <p:cTn id="99" dur="1" fill="hold">
                                           <p:stCondLst>
                                             <p:cond delay="0"/>
                                           </p:stCondLst>
@@ -12071,7 +12424,7 @@
                                     </p:set>
                                     <p:animEffect transition="in" filter="fade">
                                       <p:cBhvr>
-                                        <p:cTn id="84" dur="500"/>
+                                        <p:cTn id="100" dur="500"/>
                                         <p:tgtEl>
                                           <p:spTgt spid="30"/>
                                         </p:tgtEl>
@@ -12081,14 +12434,14 @@
                                 </p:cTn>
                               </p:par>
                               <p:par>
-                                <p:cTn id="85" presetID="10" presetClass="entr" presetSubtype="0" fill="hold" grpId="0" nodeType="withEffect">
+                                <p:cTn id="101" presetID="10" presetClass="entr" presetSubtype="0" fill="hold" grpId="0" nodeType="withEffect">
                                   <p:stCondLst>
                                     <p:cond delay="0"/>
                                   </p:stCondLst>
                                   <p:childTnLst>
                                     <p:set>
                                       <p:cBhvr>
-                                        <p:cTn id="86" dur="1" fill="hold">
+                                        <p:cTn id="102" dur="1" fill="hold">
                                           <p:stCondLst>
                                             <p:cond delay="0"/>
                                           </p:stCondLst>
@@ -12106,7 +12459,7 @@
                                     </p:set>
                                     <p:animEffect transition="in" filter="fade">
                                       <p:cBhvr>
-                                        <p:cTn id="87" dur="500"/>
+                                        <p:cTn id="103" dur="500"/>
                                         <p:tgtEl>
                                           <p:spTgt spid="56"/>
                                         </p:tgtEl>
@@ -12119,20 +12472,20 @@
                           </p:cTn>
                         </p:par>
                         <p:par>
-                          <p:cTn id="88" fill="hold">
+                          <p:cTn id="104" fill="hold">
                             <p:stCondLst>
                               <p:cond delay="500"/>
                             </p:stCondLst>
                             <p:childTnLst>
                               <p:par>
-                                <p:cTn id="89" presetID="10" presetClass="entr" presetSubtype="0" fill="hold" grpId="0" nodeType="afterEffect">
+                                <p:cTn id="105" presetID="10" presetClass="entr" presetSubtype="0" fill="hold" grpId="0" nodeType="afterEffect">
                                   <p:stCondLst>
                                     <p:cond delay="0"/>
                                   </p:stCondLst>
                                   <p:childTnLst>
                                     <p:set>
                                       <p:cBhvr>
-                                        <p:cTn id="90" dur="1" fill="hold">
+                                        <p:cTn id="106" dur="1" fill="hold">
                                           <p:stCondLst>
                                             <p:cond delay="0"/>
                                           </p:stCondLst>
@@ -12150,7 +12503,7 @@
                                     </p:set>
                                     <p:animEffect transition="in" filter="fade">
                                       <p:cBhvr>
-                                        <p:cTn id="91" dur="500"/>
+                                        <p:cTn id="107" dur="500"/>
                                         <p:tgtEl>
                                           <p:spTgt spid="87"/>
                                         </p:tgtEl>
@@ -12163,20 +12516,20 @@
                           </p:cTn>
                         </p:par>
                         <p:par>
-                          <p:cTn id="92" fill="hold">
+                          <p:cTn id="108" fill="hold">
                             <p:stCondLst>
                               <p:cond delay="1000"/>
                             </p:stCondLst>
                             <p:childTnLst>
                               <p:par>
-                                <p:cTn id="93" presetID="10" presetClass="entr" presetSubtype="0" fill="hold" nodeType="afterEffect">
+                                <p:cTn id="109" presetID="10" presetClass="entr" presetSubtype="0" fill="hold" nodeType="afterEffect">
                                   <p:stCondLst>
                                     <p:cond delay="0"/>
                                   </p:stCondLst>
                                   <p:childTnLst>
                                     <p:set>
                                       <p:cBhvr>
-                                        <p:cTn id="94" dur="1" fill="hold">
+                                        <p:cTn id="110" dur="1" fill="hold">
                                           <p:stCondLst>
                                             <p:cond delay="0"/>
                                           </p:stCondLst>
@@ -12194,7 +12547,7 @@
                                     </p:set>
                                     <p:animEffect transition="in" filter="fade">
                                       <p:cBhvr>
-                                        <p:cTn id="95" dur="500"/>
+                                        <p:cTn id="111" dur="500"/>
                                         <p:tgtEl>
                                           <p:spTgt spid="86"/>
                                         </p:tgtEl>
@@ -12231,6 +12584,10 @@
       </p:par>
     </p:tnLst>
     <p:bldLst>
+      <p:bldP spid="36" grpId="0" animBg="1"/>
+      <p:bldP spid="37" grpId="0" animBg="1"/>
+      <p:bldP spid="4" grpId="0" animBg="1"/>
+      <p:bldP spid="5" grpId="0" animBg="1"/>
       <p:bldP spid="11" grpId="0"/>
       <p:bldP spid="15" grpId="0"/>
       <p:bldP spid="21" grpId="0"/>
@@ -14030,14 +14387,14 @@
                 <a:gridCol w="2702014">
                   <a:extLst>
                     <a:ext uri="{9D8B030D-6E8A-4147-A177-3AD203B41FA5}">
-                      <a16:colId xmlns:a16="http://schemas.microsoft.com/office/drawing/2014/main" xmlns="" val="20000"/>
+                      <a16:colId xmlns="" xmlns:a16="http://schemas.microsoft.com/office/drawing/2014/main" val="20000"/>
                     </a:ext>
                   </a:extLst>
                 </a:gridCol>
                 <a:gridCol w="6095637">
                   <a:extLst>
                     <a:ext uri="{9D8B030D-6E8A-4147-A177-3AD203B41FA5}">
-                      <a16:colId xmlns:a16="http://schemas.microsoft.com/office/drawing/2014/main" xmlns="" val="20001"/>
+                      <a16:colId xmlns="" xmlns:a16="http://schemas.microsoft.com/office/drawing/2014/main" val="20001"/>
                     </a:ext>
                   </a:extLst>
                 </a:gridCol>
@@ -14085,7 +14442,7 @@
                 </a:tc>
                 <a:extLst>
                   <a:ext uri="{0D108BD9-81ED-4DB2-BD59-A6C34878D82A}">
-                    <a16:rowId xmlns:a16="http://schemas.microsoft.com/office/drawing/2014/main" xmlns="" val="10000"/>
+                    <a16:rowId xmlns="" xmlns:a16="http://schemas.microsoft.com/office/drawing/2014/main" val="10000"/>
                   </a:ext>
                 </a:extLst>
               </a:tr>
@@ -14128,7 +14485,7 @@
                 </a:tc>
                 <a:extLst>
                   <a:ext uri="{0D108BD9-81ED-4DB2-BD59-A6C34878D82A}">
-                    <a16:rowId xmlns:a16="http://schemas.microsoft.com/office/drawing/2014/main" xmlns="" val="10001"/>
+                    <a16:rowId xmlns="" xmlns:a16="http://schemas.microsoft.com/office/drawing/2014/main" val="10001"/>
                   </a:ext>
                 </a:extLst>
               </a:tr>
@@ -14179,7 +14536,7 @@
                 </a:tc>
                 <a:extLst>
                   <a:ext uri="{0D108BD9-81ED-4DB2-BD59-A6C34878D82A}">
-                    <a16:rowId xmlns:a16="http://schemas.microsoft.com/office/drawing/2014/main" xmlns="" val="10002"/>
+                    <a16:rowId xmlns="" xmlns:a16="http://schemas.microsoft.com/office/drawing/2014/main" val="10002"/>
                   </a:ext>
                 </a:extLst>
               </a:tr>
@@ -14214,7 +14571,7 @@
                 </a:tc>
                 <a:extLst>
                   <a:ext uri="{0D108BD9-81ED-4DB2-BD59-A6C34878D82A}">
-                    <a16:rowId xmlns:a16="http://schemas.microsoft.com/office/drawing/2014/main" xmlns="" val="10003"/>
+                    <a16:rowId xmlns="" xmlns:a16="http://schemas.microsoft.com/office/drawing/2014/main" val="10003"/>
                   </a:ext>
                 </a:extLst>
               </a:tr>
@@ -14265,7 +14622,7 @@
                 </a:tc>
                 <a:extLst>
                   <a:ext uri="{0D108BD9-81ED-4DB2-BD59-A6C34878D82A}">
-                    <a16:rowId xmlns:a16="http://schemas.microsoft.com/office/drawing/2014/main" xmlns="" val="10004"/>
+                    <a16:rowId xmlns="" xmlns:a16="http://schemas.microsoft.com/office/drawing/2014/main" val="10004"/>
                   </a:ext>
                 </a:extLst>
               </a:tr>
@@ -18640,20 +18997,16 @@
           <a:p>
             <a:pPr lvl="1"/>
             <a:r>
-              <a:rPr lang="en-SG" dirty="0"/>
+              <a:rPr lang="en-SG"/>
               <a:t> </a:t>
             </a:r>
             <a:r>
-              <a:rPr lang="en-SG" dirty="0" smtClean="0"/>
-              <a:t>     </a:t>
-            </a:r>
-            <a:r>
-              <a:rPr lang="en-SG" dirty="0" smtClean="0"/>
-              <a:t>4.4 - 5.0+: </a:t>
-            </a:r>
-            <a:r>
-              <a:rPr lang="en-SG" dirty="0" smtClean="0"/>
-              <a:t>7</a:t>
+              <a:rPr lang="en-SG" smtClean="0"/>
+              <a:t>   </a:t>
+            </a:r>
+            <a:r>
+              <a:rPr lang="en-SG" dirty="0" smtClean="0"/>
+              <a:t>4.4 - 5.0+: 7</a:t>
             </a:r>
           </a:p>
           <a:p>
@@ -21213,49 +21566,49 @@
                 <a:gridCol w="1126671">
                   <a:extLst>
                     <a:ext uri="{9D8B030D-6E8A-4147-A177-3AD203B41FA5}">
-                      <a16:colId xmlns:a16="http://schemas.microsoft.com/office/drawing/2014/main" xmlns="" val="20000"/>
+                      <a16:colId xmlns="" xmlns:a16="http://schemas.microsoft.com/office/drawing/2014/main" val="20000"/>
                     </a:ext>
                   </a:extLst>
                 </a:gridCol>
                 <a:gridCol w="1091118">
                   <a:extLst>
                     <a:ext uri="{9D8B030D-6E8A-4147-A177-3AD203B41FA5}">
-                      <a16:colId xmlns:a16="http://schemas.microsoft.com/office/drawing/2014/main" xmlns="" val="20001"/>
+                      <a16:colId xmlns="" xmlns:a16="http://schemas.microsoft.com/office/drawing/2014/main" val="20001"/>
                     </a:ext>
                   </a:extLst>
                 </a:gridCol>
                 <a:gridCol w="1423219">
                   <a:extLst>
                     <a:ext uri="{9D8B030D-6E8A-4147-A177-3AD203B41FA5}">
-                      <a16:colId xmlns:a16="http://schemas.microsoft.com/office/drawing/2014/main" xmlns="" val="20002"/>
+                      <a16:colId xmlns="" xmlns:a16="http://schemas.microsoft.com/office/drawing/2014/main" val="20002"/>
                     </a:ext>
                   </a:extLst>
                 </a:gridCol>
                 <a:gridCol w="671052">
                   <a:extLst>
                     <a:ext uri="{9D8B030D-6E8A-4147-A177-3AD203B41FA5}">
-                      <a16:colId xmlns:a16="http://schemas.microsoft.com/office/drawing/2014/main" xmlns="" val="20003"/>
+                      <a16:colId xmlns="" xmlns:a16="http://schemas.microsoft.com/office/drawing/2014/main" val="20003"/>
                     </a:ext>
                   </a:extLst>
                 </a:gridCol>
                 <a:gridCol w="648929">
                   <a:extLst>
                     <a:ext uri="{9D8B030D-6E8A-4147-A177-3AD203B41FA5}">
-                      <a16:colId xmlns:a16="http://schemas.microsoft.com/office/drawing/2014/main" xmlns="" val="20004"/>
+                      <a16:colId xmlns="" xmlns:a16="http://schemas.microsoft.com/office/drawing/2014/main" val="20004"/>
                     </a:ext>
                   </a:extLst>
                 </a:gridCol>
                 <a:gridCol w="1939413">
                   <a:extLst>
                     <a:ext uri="{9D8B030D-6E8A-4147-A177-3AD203B41FA5}">
-                      <a16:colId xmlns:a16="http://schemas.microsoft.com/office/drawing/2014/main" xmlns="" val="20005"/>
+                      <a16:colId xmlns="" xmlns:a16="http://schemas.microsoft.com/office/drawing/2014/main" val="20005"/>
                     </a:ext>
                   </a:extLst>
                 </a:gridCol>
                 <a:gridCol w="986295">
                   <a:extLst>
                     <a:ext uri="{9D8B030D-6E8A-4147-A177-3AD203B41FA5}">
-                      <a16:colId xmlns:a16="http://schemas.microsoft.com/office/drawing/2014/main" xmlns="" val="20006"/>
+                      <a16:colId xmlns="" xmlns:a16="http://schemas.microsoft.com/office/drawing/2014/main" val="20006"/>
                     </a:ext>
                   </a:extLst>
                 </a:gridCol>
@@ -21369,7 +21722,7 @@
                 </a:tc>
                 <a:extLst>
                   <a:ext uri="{0D108BD9-81ED-4DB2-BD59-A6C34878D82A}">
-                    <a16:rowId xmlns:a16="http://schemas.microsoft.com/office/drawing/2014/main" xmlns="" val="10000"/>
+                    <a16:rowId xmlns="" xmlns:a16="http://schemas.microsoft.com/office/drawing/2014/main" val="10000"/>
                   </a:ext>
                 </a:extLst>
               </a:tr>
@@ -21507,7 +21860,7 @@
                 </a:tc>
                 <a:extLst>
                   <a:ext uri="{0D108BD9-81ED-4DB2-BD59-A6C34878D82A}">
-                    <a16:rowId xmlns:a16="http://schemas.microsoft.com/office/drawing/2014/main" xmlns="" val="10001"/>
+                    <a16:rowId xmlns="" xmlns:a16="http://schemas.microsoft.com/office/drawing/2014/main" val="10001"/>
                   </a:ext>
                 </a:extLst>
               </a:tr>
@@ -31825,11 +32178,7 @@
             </a:pPr>
             <a:r>
               <a:rPr lang="en-SG" dirty="0" smtClean="0"/>
-              <a:t>Device Role 1: Broadcaster </a:t>
-            </a:r>
-            <a:r>
-              <a:rPr lang="en-SG" dirty="0" smtClean="0"/>
-              <a:t>vs Observer</a:t>
+              <a:t>Device Role 1: Broadcaster vs Observer</a:t>
             </a:r>
           </a:p>
           <a:p>
@@ -31839,17 +32188,8 @@
             </a:pPr>
             <a:r>
               <a:rPr lang="en-SG" dirty="0" smtClean="0"/>
-              <a:t>Device Role 2: Central </a:t>
-            </a:r>
-            <a:r>
-              <a:rPr lang="en-SG" dirty="0" smtClean="0"/>
-              <a:t>vs </a:t>
-            </a:r>
-            <a:r>
-              <a:rPr lang="en-SG" dirty="0" smtClean="0"/>
-              <a:t>Peripheral</a:t>
-            </a:r>
-            <a:endParaRPr lang="en-SG" dirty="0" smtClean="0"/>
+              <a:t>Device Role 2: Central vs Peripheral</a:t>
+            </a:r>
           </a:p>
           <a:p>
             <a:pPr marL="971550" lvl="1" indent="-514350">
@@ -32006,11 +32346,7 @@
             </a:pPr>
             <a:r>
               <a:rPr lang="en-SG" b="1" dirty="0" smtClean="0"/>
-              <a:t>Issues and </a:t>
-            </a:r>
-            <a:r>
-              <a:rPr lang="en-SG" b="1" dirty="0" smtClean="0"/>
-              <a:t>tips</a:t>
+              <a:t>Issues and tips</a:t>
             </a:r>
           </a:p>
           <a:p>
@@ -32032,7 +32368,6 @@
               <a:rPr lang="en-SG" dirty="0" smtClean="0"/>
               <a:t>iOS</a:t>
             </a:r>
-            <a:endParaRPr lang="en-SG" dirty="0" smtClean="0"/>
           </a:p>
           <a:p>
             <a:pPr marL="971550" lvl="1" indent="-514350">

--- a/intro to ble.pptx
+++ b/intro to ble.pptx
@@ -9942,6 +9942,11 @@
           <a:prstGeom prst="roundRect">
             <a:avLst/>
           </a:prstGeom>
+          <a:ln>
+            <a:solidFill>
+              <a:schemeClr val="accent1"/>
+            </a:solidFill>
+          </a:ln>
         </p:spPr>
         <p:style>
           <a:lnRef idx="2">
@@ -9989,6 +9994,11 @@
           <a:solidFill>
             <a:schemeClr val="accent2"/>
           </a:solidFill>
+          <a:ln>
+            <a:solidFill>
+              <a:schemeClr val="accent2"/>
+            </a:solidFill>
+          </a:ln>
         </p:spPr>
         <p:style>
           <a:lnRef idx="2">
@@ -10057,12 +10067,17 @@
         </p:nvSpPr>
         <p:spPr>
           <a:xfrm>
-            <a:off x="102675" y="570259"/>
+            <a:off x="107937" y="570259"/>
             <a:ext cx="2399824" cy="389833"/>
           </a:xfrm>
           <a:prstGeom prst="roundRect">
             <a:avLst/>
           </a:prstGeom>
+          <a:ln>
+            <a:solidFill>
+              <a:schemeClr val="accent1"/>
+            </a:solidFill>
+          </a:ln>
         </p:spPr>
         <p:style>
           <a:lnRef idx="2">
@@ -10100,7 +10115,7 @@
         </p:nvSpPr>
         <p:spPr>
           <a:xfrm>
-            <a:off x="6927399" y="570259"/>
+            <a:off x="6927398" y="570259"/>
             <a:ext cx="2138334" cy="389833"/>
           </a:xfrm>
           <a:prstGeom prst="roundRect">
@@ -10109,6 +10124,11 @@
           <a:solidFill>
             <a:schemeClr val="accent2"/>
           </a:solidFill>
+          <a:ln>
+            <a:solidFill>
+              <a:schemeClr val="accent2"/>
+            </a:solidFill>
+          </a:ln>
         </p:spPr>
         <p:style>
           <a:lnRef idx="2">
@@ -10149,7 +10169,7 @@
         </p:nvCxnSpPr>
         <p:spPr>
           <a:xfrm>
-            <a:off x="1302587" y="960092"/>
+            <a:off x="1307849" y="960092"/>
             <a:ext cx="37684" cy="5822398"/>
           </a:xfrm>
           <a:prstGeom prst="line">
@@ -10187,7 +10207,7 @@
         </p:nvCxnSpPr>
         <p:spPr>
           <a:xfrm>
-            <a:off x="7996566" y="960092"/>
+            <a:off x="7996565" y="960092"/>
             <a:ext cx="44251" cy="5873131"/>
           </a:xfrm>
           <a:prstGeom prst="line">
@@ -14017,8 +14037,21 @@
                   <a:schemeClr val="tx1"/>
                 </a:solidFill>
               </a:rPr>
-              <a:t>Value type: char (1-byte character)</a:t>
-            </a:r>
+              <a:t>Value type: char (1-byte character</a:t>
+            </a:r>
+            <a:r>
+              <a:rPr lang="en-SG" sz="1400" dirty="0" smtClean="0">
+                <a:solidFill>
+                  <a:schemeClr val="tx1"/>
+                </a:solidFill>
+              </a:rPr>
+              <a:t>)</a:t>
+            </a:r>
+            <a:endParaRPr lang="en-SG" sz="1400" dirty="0" smtClean="0">
+              <a:solidFill>
+                <a:schemeClr val="tx1"/>
+              </a:solidFill>
+            </a:endParaRPr>
           </a:p>
           <a:p>
             <a:r>
@@ -14035,7 +14068,7 @@
                   <a:schemeClr val="tx1"/>
                 </a:solidFill>
               </a:rPr>
-              <a:t>: "</a:t>
+              <a:t>: </a:t>
             </a:r>
             <a:r>
               <a:rPr lang="en-SG" sz="1400" dirty="0" smtClean="0">
@@ -14043,8 +14076,21 @@
                   <a:schemeClr val="tx1"/>
                 </a:solidFill>
               </a:rPr>
-              <a:t>00000000-0000-0000-0000-000000000010“</a:t>
-            </a:r>
+              <a:t>“</a:t>
+            </a:r>
+            <a:r>
+              <a:rPr lang="en-SG" sz="1400" dirty="0" smtClean="0">
+                <a:solidFill>
+                  <a:schemeClr val="tx1"/>
+                </a:solidFill>
+              </a:rPr>
+              <a:t>00000000-0000-0000-0000-000000000010”</a:t>
+            </a:r>
+            <a:endParaRPr lang="en-SG" sz="1400" dirty="0" smtClean="0">
+              <a:solidFill>
+                <a:schemeClr val="tx1"/>
+              </a:solidFill>
+            </a:endParaRPr>
           </a:p>
           <a:p>
             <a:r>
@@ -14148,7 +14194,7 @@
                   <a:schemeClr val="tx1"/>
                 </a:solidFill>
               </a:rPr>
-              <a:t>: "</a:t>
+              <a:t>: </a:t>
             </a:r>
             <a:r>
               <a:rPr lang="en-SG" sz="1400" dirty="0" smtClean="0">
@@ -14156,8 +14202,21 @@
                   <a:schemeClr val="tx1"/>
                 </a:solidFill>
               </a:rPr>
-              <a:t>00000000-0000-0000-0000-000000000020“</a:t>
-            </a:r>
+              <a:t>“00000000-0000-0000-0000-000000000020</a:t>
+            </a:r>
+            <a:r>
+              <a:rPr lang="en-SG" sz="1400" dirty="0" smtClean="0">
+                <a:solidFill>
+                  <a:schemeClr val="tx1"/>
+                </a:solidFill>
+              </a:rPr>
+              <a:t>”</a:t>
+            </a:r>
+            <a:endParaRPr lang="en-SG" sz="1400" dirty="0" smtClean="0">
+              <a:solidFill>
+                <a:schemeClr val="tx1"/>
+              </a:solidFill>
+            </a:endParaRPr>
           </a:p>
           <a:p>
             <a:r>

--- a/intro to ble.pptx
+++ b/intro to ble.pptx
@@ -244,7 +244,7 @@
           <a:p>
             <a:fld id="{CB69E15D-2E95-428C-B9E3-27B2BF3879D0}" type="datetimeFigureOut">
               <a:rPr lang="en-SG" smtClean="0"/>
-              <a:t>15/2/16</a:t>
+              <a:t>15/2/2016</a:t>
             </a:fld>
             <a:endParaRPr lang="en-SG"/>
           </a:p>
@@ -811,7 +811,7 @@
           <a:p>
             <a:fld id="{14C94871-C4DF-4AFD-96E5-87B050A67E05}" type="datetime1">
               <a:rPr lang="en-SG" smtClean="0"/>
-              <a:t>15/2/16</a:t>
+              <a:t>15/2/2016</a:t>
             </a:fld>
             <a:endParaRPr lang="en-SG"/>
           </a:p>
@@ -981,7 +981,7 @@
           <a:p>
             <a:fld id="{76A6DE21-0D8F-4C8C-AF6A-521466B16426}" type="datetime1">
               <a:rPr lang="en-SG" smtClean="0"/>
-              <a:t>15/2/16</a:t>
+              <a:t>15/2/2016</a:t>
             </a:fld>
             <a:endParaRPr lang="en-SG"/>
           </a:p>
@@ -1161,7 +1161,7 @@
           <a:p>
             <a:fld id="{16A18ED7-72CF-4BB2-8941-928963568089}" type="datetime1">
               <a:rPr lang="en-SG" smtClean="0"/>
-              <a:t>15/2/16</a:t>
+              <a:t>15/2/2016</a:t>
             </a:fld>
             <a:endParaRPr lang="en-SG"/>
           </a:p>
@@ -1331,7 +1331,7 @@
           <a:p>
             <a:fld id="{7FD7CD52-9833-4DD5-89FF-33E59F171421}" type="datetime1">
               <a:rPr lang="en-SG" smtClean="0"/>
-              <a:t>15/2/16</a:t>
+              <a:t>15/2/2016</a:t>
             </a:fld>
             <a:endParaRPr lang="en-SG"/>
           </a:p>
@@ -1575,7 +1575,7 @@
           <a:p>
             <a:fld id="{E74C9598-7F32-4DE4-BFF0-39C051013B34}" type="datetime1">
               <a:rPr lang="en-SG" smtClean="0"/>
-              <a:t>15/2/16</a:t>
+              <a:t>15/2/2016</a:t>
             </a:fld>
             <a:endParaRPr lang="en-SG"/>
           </a:p>
@@ -1807,7 +1807,7 @@
           <a:p>
             <a:fld id="{5DC821E8-33B0-41D5-8FA5-9A647E53891C}" type="datetime1">
               <a:rPr lang="en-SG" smtClean="0"/>
-              <a:t>15/2/16</a:t>
+              <a:t>15/2/2016</a:t>
             </a:fld>
             <a:endParaRPr lang="en-SG"/>
           </a:p>
@@ -2174,7 +2174,7 @@
           <a:p>
             <a:fld id="{751CCC62-50F5-4228-8D51-6D258C0BFCBD}" type="datetime1">
               <a:rPr lang="en-SG" smtClean="0"/>
-              <a:t>15/2/16</a:t>
+              <a:t>15/2/2016</a:t>
             </a:fld>
             <a:endParaRPr lang="en-SG"/>
           </a:p>
@@ -2292,7 +2292,7 @@
           <a:p>
             <a:fld id="{776807E8-5434-437A-A610-A94C24A73164}" type="datetime1">
               <a:rPr lang="en-SG" smtClean="0"/>
-              <a:t>15/2/16</a:t>
+              <a:t>15/2/2016</a:t>
             </a:fld>
             <a:endParaRPr lang="en-SG"/>
           </a:p>
@@ -2387,7 +2387,7 @@
           <a:p>
             <a:fld id="{18AC243E-E412-41F8-A99C-62E3D2C4FD1E}" type="datetime1">
               <a:rPr lang="en-SG" smtClean="0"/>
-              <a:t>15/2/16</a:t>
+              <a:t>15/2/2016</a:t>
             </a:fld>
             <a:endParaRPr lang="en-SG"/>
           </a:p>
@@ -2664,7 +2664,7 @@
           <a:p>
             <a:fld id="{30DD06DC-63F5-45CF-A3A5-F437A0C7E12A}" type="datetime1">
               <a:rPr lang="en-SG" smtClean="0"/>
-              <a:t>15/2/16</a:t>
+              <a:t>15/2/2016</a:t>
             </a:fld>
             <a:endParaRPr lang="en-SG"/>
           </a:p>
@@ -2921,7 +2921,7 @@
           <a:p>
             <a:fld id="{7810AE82-8C34-472D-B90B-4D50508F585C}" type="datetime1">
               <a:rPr lang="en-SG" smtClean="0"/>
-              <a:t>15/2/16</a:t>
+              <a:t>15/2/2016</a:t>
             </a:fld>
             <a:endParaRPr lang="en-SG"/>
           </a:p>
@@ -3134,7 +3134,7 @@
           <a:p>
             <a:fld id="{393BD624-3486-430E-A0CD-3F2C92C8E573}" type="datetime1">
               <a:rPr lang="en-SG" smtClean="0"/>
-              <a:t>15/2/16</a:t>
+              <a:t>15/2/2016</a:t>
             </a:fld>
             <a:endParaRPr lang="en-SG"/>
           </a:p>
@@ -4170,13 +4170,6 @@
   <p:clrMapOvr>
     <a:masterClrMapping/>
   </p:clrMapOvr>
-  <p:timing>
-    <p:tnLst>
-      <p:par>
-        <p:cTn id="1" dur="indefinite" restart="never" nodeType="tmRoot"/>
-      </p:par>
-    </p:tnLst>
-  </p:timing>
 </p:sld>
 </file>
 
@@ -5575,14 +5568,14 @@
                 <a:gridCol w="3368099">
                   <a:extLst>
                     <a:ext uri="{9D8B030D-6E8A-4147-A177-3AD203B41FA5}">
-                      <a16:colId xmlns:a16="http://schemas.microsoft.com/office/drawing/2014/main" xmlns="" val="20000"/>
+                      <a16:colId xmlns:a16="http://schemas.microsoft.com/office/drawing/2014/main" val="20000"/>
                     </a:ext>
                   </a:extLst>
                 </a:gridCol>
                 <a:gridCol w="5174322">
                   <a:extLst>
                     <a:ext uri="{9D8B030D-6E8A-4147-A177-3AD203B41FA5}">
-                      <a16:colId xmlns:a16="http://schemas.microsoft.com/office/drawing/2014/main" xmlns="" val="20001"/>
+                      <a16:colId xmlns:a16="http://schemas.microsoft.com/office/drawing/2014/main" val="20001"/>
                     </a:ext>
                   </a:extLst>
                 </a:gridCol>
@@ -5622,7 +5615,7 @@
                 </a:tc>
                 <a:extLst>
                   <a:ext uri="{0D108BD9-81ED-4DB2-BD59-A6C34878D82A}">
-                    <a16:rowId xmlns:a16="http://schemas.microsoft.com/office/drawing/2014/main" xmlns="" val="10000"/>
+                    <a16:rowId xmlns:a16="http://schemas.microsoft.com/office/drawing/2014/main" val="10000"/>
                   </a:ext>
                 </a:extLst>
               </a:tr>
@@ -5657,7 +5650,7 @@
                 </a:tc>
                 <a:extLst>
                   <a:ext uri="{0D108BD9-81ED-4DB2-BD59-A6C34878D82A}">
-                    <a16:rowId xmlns:a16="http://schemas.microsoft.com/office/drawing/2014/main" xmlns="" val="10001"/>
+                    <a16:rowId xmlns:a16="http://schemas.microsoft.com/office/drawing/2014/main" val="10001"/>
                   </a:ext>
                 </a:extLst>
               </a:tr>
@@ -5692,7 +5685,7 @@
                 </a:tc>
                 <a:extLst>
                   <a:ext uri="{0D108BD9-81ED-4DB2-BD59-A6C34878D82A}">
-                    <a16:rowId xmlns:a16="http://schemas.microsoft.com/office/drawing/2014/main" xmlns="" val="10002"/>
+                    <a16:rowId xmlns:a16="http://schemas.microsoft.com/office/drawing/2014/main" val="10002"/>
                   </a:ext>
                 </a:extLst>
               </a:tr>
@@ -5727,7 +5720,7 @@
                 </a:tc>
                 <a:extLst>
                   <a:ext uri="{0D108BD9-81ED-4DB2-BD59-A6C34878D82A}">
-                    <a16:rowId xmlns:a16="http://schemas.microsoft.com/office/drawing/2014/main" xmlns="" val="10003"/>
+                    <a16:rowId xmlns:a16="http://schemas.microsoft.com/office/drawing/2014/main" val="10003"/>
                   </a:ext>
                 </a:extLst>
               </a:tr>
@@ -6040,14 +6033,14 @@
                 <a:gridCol w="4184649">
                   <a:extLst>
                     <a:ext uri="{9D8B030D-6E8A-4147-A177-3AD203B41FA5}">
-                      <a16:colId xmlns:a16="http://schemas.microsoft.com/office/drawing/2014/main" xmlns="" val="20000"/>
+                      <a16:colId xmlns:a16="http://schemas.microsoft.com/office/drawing/2014/main" val="20000"/>
                     </a:ext>
                   </a:extLst>
                 </a:gridCol>
                 <a:gridCol w="4184649">
                   <a:extLst>
                     <a:ext uri="{9D8B030D-6E8A-4147-A177-3AD203B41FA5}">
-                      <a16:colId xmlns:a16="http://schemas.microsoft.com/office/drawing/2014/main" xmlns="" val="20001"/>
+                      <a16:colId xmlns:a16="http://schemas.microsoft.com/office/drawing/2014/main" val="20001"/>
                     </a:ext>
                   </a:extLst>
                 </a:gridCol>
@@ -6089,7 +6082,7 @@
                 </a:tc>
                 <a:extLst>
                   <a:ext uri="{0D108BD9-81ED-4DB2-BD59-A6C34878D82A}">
-                    <a16:rowId xmlns:a16="http://schemas.microsoft.com/office/drawing/2014/main" xmlns="" val="10000"/>
+                    <a16:rowId xmlns:a16="http://schemas.microsoft.com/office/drawing/2014/main" val="10000"/>
                   </a:ext>
                 </a:extLst>
               </a:tr>
@@ -6619,7 +6612,7 @@
                 </a:tc>
                 <a:extLst>
                   <a:ext uri="{0D108BD9-81ED-4DB2-BD59-A6C34878D82A}">
-                    <a16:rowId xmlns:a16="http://schemas.microsoft.com/office/drawing/2014/main" xmlns="" val="10001"/>
+                    <a16:rowId xmlns:a16="http://schemas.microsoft.com/office/drawing/2014/main" val="10001"/>
                   </a:ext>
                 </a:extLst>
               </a:tr>
@@ -14772,14 +14765,14 @@
                 <a:gridCol w="2702014">
                   <a:extLst>
                     <a:ext uri="{9D8B030D-6E8A-4147-A177-3AD203B41FA5}">
-                      <a16:colId xmlns:a16="http://schemas.microsoft.com/office/drawing/2014/main" xmlns="" val="20000"/>
+                      <a16:colId xmlns:a16="http://schemas.microsoft.com/office/drawing/2014/main" val="20000"/>
                     </a:ext>
                   </a:extLst>
                 </a:gridCol>
                 <a:gridCol w="6095637">
                   <a:extLst>
                     <a:ext uri="{9D8B030D-6E8A-4147-A177-3AD203B41FA5}">
-                      <a16:colId xmlns:a16="http://schemas.microsoft.com/office/drawing/2014/main" xmlns="" val="20001"/>
+                      <a16:colId xmlns:a16="http://schemas.microsoft.com/office/drawing/2014/main" val="20001"/>
                     </a:ext>
                   </a:extLst>
                 </a:gridCol>
@@ -14827,7 +14820,7 @@
                 </a:tc>
                 <a:extLst>
                   <a:ext uri="{0D108BD9-81ED-4DB2-BD59-A6C34878D82A}">
-                    <a16:rowId xmlns:a16="http://schemas.microsoft.com/office/drawing/2014/main" xmlns="" val="10000"/>
+                    <a16:rowId xmlns:a16="http://schemas.microsoft.com/office/drawing/2014/main" val="10000"/>
                   </a:ext>
                 </a:extLst>
               </a:tr>
@@ -14870,7 +14863,7 @@
                 </a:tc>
                 <a:extLst>
                   <a:ext uri="{0D108BD9-81ED-4DB2-BD59-A6C34878D82A}">
-                    <a16:rowId xmlns:a16="http://schemas.microsoft.com/office/drawing/2014/main" xmlns="" val="10001"/>
+                    <a16:rowId xmlns:a16="http://schemas.microsoft.com/office/drawing/2014/main" val="10001"/>
                   </a:ext>
                 </a:extLst>
               </a:tr>
@@ -14921,7 +14914,7 @@
                 </a:tc>
                 <a:extLst>
                   <a:ext uri="{0D108BD9-81ED-4DB2-BD59-A6C34878D82A}">
-                    <a16:rowId xmlns:a16="http://schemas.microsoft.com/office/drawing/2014/main" xmlns="" val="10002"/>
+                    <a16:rowId xmlns:a16="http://schemas.microsoft.com/office/drawing/2014/main" val="10002"/>
                   </a:ext>
                 </a:extLst>
               </a:tr>
@@ -14956,7 +14949,7 @@
                 </a:tc>
                 <a:extLst>
                   <a:ext uri="{0D108BD9-81ED-4DB2-BD59-A6C34878D82A}">
-                    <a16:rowId xmlns:a16="http://schemas.microsoft.com/office/drawing/2014/main" xmlns="" val="10003"/>
+                    <a16:rowId xmlns:a16="http://schemas.microsoft.com/office/drawing/2014/main" val="10003"/>
                   </a:ext>
                 </a:extLst>
               </a:tr>
@@ -15007,7 +15000,7 @@
                 </a:tc>
                 <a:extLst>
                   <a:ext uri="{0D108BD9-81ED-4DB2-BD59-A6C34878D82A}">
-                    <a16:rowId xmlns:a16="http://schemas.microsoft.com/office/drawing/2014/main" xmlns="" val="10004"/>
+                    <a16:rowId xmlns:a16="http://schemas.microsoft.com/office/drawing/2014/main" val="10004"/>
                   </a:ext>
                 </a:extLst>
               </a:tr>
@@ -19271,13 +19264,13 @@
         </p:nvSpPr>
         <p:spPr>
           <a:xfrm>
-            <a:off x="180975" y="1443382"/>
-            <a:ext cx="8782049" cy="4991099"/>
+            <a:off x="180975" y="969853"/>
+            <a:ext cx="8782049" cy="5618726"/>
           </a:xfrm>
         </p:spPr>
         <p:txBody>
           <a:bodyPr>
-            <a:normAutofit fontScale="70000" lnSpcReduction="20000"/>
+            <a:normAutofit fontScale="55000" lnSpcReduction="20000"/>
           </a:bodyPr>
           <a:lstStyle/>
           <a:p>
@@ -19340,16 +19333,12 @@
           <a:p>
             <a:pPr lvl="1"/>
             <a:r>
-              <a:rPr lang="en-SG"/>
+              <a:rPr lang="en-SG" dirty="0"/>
               <a:t> </a:t>
             </a:r>
             <a:r>
-              <a:rPr lang="en-SG" smtClean="0"/>
-              <a:t>   </a:t>
-            </a:r>
-            <a:r>
-              <a:rPr lang="en-SG" dirty="0" smtClean="0"/>
-              <a:t>4.4 - 5.0+: 7</a:t>
+              <a:rPr lang="en-SG" dirty="0" smtClean="0"/>
+              <a:t>   4.4 - 5.0+: 7</a:t>
             </a:r>
           </a:p>
           <a:p>
@@ -19374,8 +19363,20 @@
             <a:pPr lvl="1"/>
             <a:r>
               <a:rPr lang="en-SG" dirty="0"/>
-              <a:t>Scan indefinite on some phones, Samsung phones: 12 minutes</a:t>
-            </a:r>
+              <a:t>Scan </a:t>
+            </a:r>
+            <a:r>
+              <a:rPr lang="en-SG" dirty="0" smtClean="0"/>
+              <a:t>supposed to be indefinite by API specification, but some phones stop scan after some time</a:t>
+            </a:r>
+          </a:p>
+          <a:p>
+            <a:pPr lvl="1"/>
+            <a:r>
+              <a:rPr lang="en-SG" dirty="0" smtClean="0"/>
+              <a:t>Known offender: Samsung</a:t>
+            </a:r>
+            <a:endParaRPr lang="en-SG" dirty="0"/>
           </a:p>
           <a:p>
             <a:pPr lvl="1"/>
@@ -19395,8 +19396,20 @@
             </a:pPr>
             <a:r>
               <a:rPr lang="en-SG" dirty="0" smtClean="0"/>
-              <a:t>Different scan return result behaviours (See further reading)</a:t>
-            </a:r>
+              <a:t>Different scan return result behaviours </a:t>
+            </a:r>
+            <a:r>
+              <a:rPr lang="en-SG" dirty="0" smtClean="0"/>
+              <a:t>(See further reading)</a:t>
+            </a:r>
+          </a:p>
+          <a:p>
+            <a:pPr lvl="1"/>
+            <a:r>
+              <a:rPr lang="en-SG" dirty="0" smtClean="0"/>
+              <a:t>Some phones filter advertisement results, some phones do not. (4.3 and 4.4 only)</a:t>
+            </a:r>
+            <a:endParaRPr lang="en-SG" dirty="0" smtClean="0"/>
           </a:p>
           <a:p>
             <a:pPr marL="514350" indent="-514350">
@@ -19405,14 +19418,18 @@
             </a:pPr>
             <a:r>
               <a:rPr lang="en-SG" dirty="0" smtClean="0"/>
-              <a:t>Bugs on Samsung phones at least &lt; 5.0</a:t>
+              <a:t>Bugs on (Samsung) phones at least &lt; 5.0</a:t>
             </a:r>
           </a:p>
           <a:p>
             <a:pPr lvl="1"/>
             <a:r>
+              <a:rPr lang="en-SG" dirty="0" smtClean="0"/>
+              <a:t>Scan </a:t>
+            </a:r>
+            <a:r>
               <a:rPr lang="en-SG" dirty="0"/>
-              <a:t>Scan using </a:t>
+              <a:t>using </a:t>
             </a:r>
             <a:r>
               <a:rPr lang="en-SG" dirty="0" smtClean="0"/>
@@ -19440,24 +19457,126 @@
               <a:buAutoNum type="arabicPeriod" startAt="2"/>
             </a:pPr>
             <a:r>
-              <a:rPr lang="en-SG" dirty="0" smtClean="0"/>
-              <a:t>HTC </a:t>
-            </a:r>
+              <a:rPr lang="en-SG" dirty="0"/>
+              <a:t>Slow LE initial discovery </a:t>
+            </a:r>
+            <a:r>
+              <a:rPr lang="en-SG" dirty="0" smtClean="0"/>
+              <a:t>and connection time</a:t>
+            </a:r>
+            <a:endParaRPr lang="en-SG" dirty="0"/>
           </a:p>
           <a:p>
             <a:pPr lvl="1"/>
             <a:r>
-              <a:rPr lang="en-SG" dirty="0" smtClean="0"/>
-              <a:t>Slow LE scan</a:t>
-            </a:r>
+              <a:rPr lang="en-SG" dirty="0"/>
+              <a:t>HTC seems to have this </a:t>
+            </a:r>
+            <a:r>
+              <a:rPr lang="en-SG" dirty="0" smtClean="0"/>
+              <a:t>issue</a:t>
+            </a:r>
+          </a:p>
+          <a:p>
+            <a:pPr marL="514350" indent="-514350">
+              <a:buFont typeface="+mj-lt"/>
+              <a:buAutoNum type="arabicPeriod" startAt="9"/>
+            </a:pPr>
+            <a:r>
+              <a:rPr lang="en-SG" dirty="0" smtClean="0"/>
+              <a:t>A high-level view on issues collated by </a:t>
+            </a:r>
+          </a:p>
+          <a:p>
+            <a:pPr lvl="1"/>
+            <a:r>
+              <a:rPr lang="en-SG" dirty="0">
+                <a:hlinkClick r:id="rId2"/>
+              </a:rPr>
+              <a:t>https://</a:t>
+            </a:r>
+            <a:r>
+              <a:rPr lang="en-SG" dirty="0" smtClean="0">
+                <a:hlinkClick r:id="rId2"/>
+              </a:rPr>
+              <a:t>atmosphere.anaren.com/wiki/Android_Issues_With_Bluetooth_Low_Energy</a:t>
+            </a:r>
+            <a:endParaRPr lang="en-SG" dirty="0" smtClean="0"/>
+          </a:p>
+          <a:p>
+            <a:pPr marL="514350" indent="-514350">
+              <a:buFont typeface="+mj-lt"/>
+              <a:buAutoNum type="arabicPeriod" startAt="9"/>
+            </a:pPr>
+            <a:r>
+              <a:rPr lang="en-SG" dirty="0" smtClean="0"/>
+              <a:t>A more comprehensive list of issues has been collated by </a:t>
+            </a:r>
+            <a:r>
+              <a:rPr lang="en-SG" dirty="0" err="1" smtClean="0"/>
+              <a:t>iDevicesInc</a:t>
+            </a:r>
+            <a:endParaRPr lang="en-SG" dirty="0" smtClean="0"/>
+          </a:p>
+          <a:p>
+            <a:pPr lvl="1"/>
+            <a:r>
+              <a:rPr lang="en-SG" dirty="0">
+                <a:hlinkClick r:id="rId3"/>
+              </a:rPr>
+              <a:t>https://</a:t>
+            </a:r>
+            <a:r>
+              <a:rPr lang="en-SG" dirty="0" smtClean="0">
+                <a:hlinkClick r:id="rId3"/>
+              </a:rPr>
+              <a:t>github.com/iDevicesInc/SweetBlue/wiki/Android-BLE-Issues</a:t>
+            </a:r>
+            <a:endParaRPr lang="en-SG" dirty="0" smtClean="0"/>
+          </a:p>
+          <a:p>
+            <a:pPr lvl="1"/>
+            <a:r>
+              <a:rPr lang="en-SG" dirty="0" smtClean="0"/>
+              <a:t>May be able to </a:t>
+            </a:r>
+            <a:r>
+              <a:rPr lang="en-SG" dirty="0"/>
+              <a:t>overcome using: </a:t>
+            </a:r>
+            <a:r>
+              <a:rPr lang="en-SG" dirty="0">
+                <a:hlinkClick r:id="rId4"/>
+              </a:rPr>
+              <a:t>https://</a:t>
+            </a:r>
+            <a:r>
+              <a:rPr lang="en-SG" dirty="0" smtClean="0">
+                <a:hlinkClick r:id="rId4"/>
+              </a:rPr>
+              <a:t>github.com/iDevicesInc/SweetBlue</a:t>
+            </a:r>
+            <a:endParaRPr lang="en-SG" dirty="0" smtClean="0"/>
+          </a:p>
+          <a:p>
+            <a:pPr lvl="1"/>
+            <a:r>
+              <a:rPr lang="en-SG" dirty="0" smtClean="0"/>
+              <a:t>Free for non-commercial use</a:t>
+            </a:r>
+          </a:p>
+          <a:p>
+            <a:pPr marL="914400" lvl="2" indent="0">
+              <a:buNone/>
+            </a:pPr>
             <a:endParaRPr lang="en-SG" dirty="0"/>
           </a:p>
           <a:p>
-            <a:pPr lvl="1"/>
-            <a:r>
-              <a:rPr lang="en-SG" dirty="0" smtClean="0"/>
-              <a:t>Classic scan returns both Classic and SMART peripherals</a:t>
-            </a:r>
+            <a:pPr marL="514350" indent="-514350">
+              <a:buFont typeface="+mj-lt"/>
+              <a:buAutoNum type="arabicPeriod" startAt="9"/>
+            </a:pPr>
+            <a:endParaRPr lang="en-SG" dirty="0" smtClean="0"/>
           </a:p>
           <a:p>
             <a:pPr lvl="1"/>
@@ -19484,7 +19603,7 @@
               <a:rPr lang="en-SG" smtClean="0"/>
               <a:t>33</a:t>
             </a:fld>
-            <a:endParaRPr lang="en-SG"/>
+            <a:endParaRPr lang="en-SG" dirty="0"/>
           </a:p>
         </p:txBody>
       </p:sp>
@@ -19959,33 +20078,15 @@
                                   </p:childTnLst>
                                 </p:cTn>
                               </p:par>
-                            </p:childTnLst>
-                          </p:cTn>
-                        </p:par>
-                      </p:childTnLst>
-                    </p:cTn>
-                  </p:par>
-                  <p:par>
-                    <p:cTn id="38" fill="hold">
-                      <p:stCondLst>
-                        <p:cond delay="indefinite"/>
-                      </p:stCondLst>
-                      <p:childTnLst>
-                        <p:par>
-                          <p:cTn id="39" fill="hold">
-                            <p:stCondLst>
-                              <p:cond delay="0"/>
-                            </p:stCondLst>
-                            <p:childTnLst>
                               <p:par>
-                                <p:cTn id="40" presetID="10" presetClass="entr" presetSubtype="0" fill="hold" nodeType="clickEffect">
+                                <p:cTn id="38" presetID="10" presetClass="entr" presetSubtype="0" fill="hold" nodeType="withEffect">
                                   <p:stCondLst>
                                     <p:cond delay="0"/>
                                   </p:stCondLst>
                                   <p:childTnLst>
                                     <p:set>
                                       <p:cBhvr>
-                                        <p:cTn id="41" dur="1" fill="hold">
+                                        <p:cTn id="39" dur="1" fill="hold">
                                           <p:stCondLst>
                                             <p:cond delay="0"/>
                                           </p:stCondLst>
@@ -20007,7 +20108,7 @@
                                     </p:set>
                                     <p:animEffect transition="in" filter="fade">
                                       <p:cBhvr>
-                                        <p:cTn id="42" dur="500"/>
+                                        <p:cTn id="40" dur="500"/>
                                         <p:tgtEl>
                                           <p:spTgt spid="3">
                                             <p:txEl>
@@ -20027,26 +20128,26 @@
                     </p:cTn>
                   </p:par>
                   <p:par>
-                    <p:cTn id="43" fill="hold">
+                    <p:cTn id="41" fill="hold">
                       <p:stCondLst>
                         <p:cond delay="indefinite"/>
                       </p:stCondLst>
                       <p:childTnLst>
                         <p:par>
-                          <p:cTn id="44" fill="hold">
+                          <p:cTn id="42" fill="hold">
                             <p:stCondLst>
                               <p:cond delay="0"/>
                             </p:stCondLst>
                             <p:childTnLst>
                               <p:par>
-                                <p:cTn id="45" presetID="10" presetClass="entr" presetSubtype="0" fill="hold" nodeType="clickEffect">
+                                <p:cTn id="43" presetID="10" presetClass="entr" presetSubtype="0" fill="hold" nodeType="clickEffect">
                                   <p:stCondLst>
                                     <p:cond delay="0"/>
                                   </p:stCondLst>
                                   <p:childTnLst>
                                     <p:set>
                                       <p:cBhvr>
-                                        <p:cTn id="46" dur="1" fill="hold">
+                                        <p:cTn id="44" dur="1" fill="hold">
                                           <p:stCondLst>
                                             <p:cond delay="0"/>
                                           </p:stCondLst>
@@ -20068,97 +20169,11 @@
                                     </p:set>
                                     <p:animEffect transition="in" filter="fade">
                                       <p:cBhvr>
-                                        <p:cTn id="47" dur="500"/>
+                                        <p:cTn id="45" dur="500"/>
                                         <p:tgtEl>
                                           <p:spTgt spid="3">
                                             <p:txEl>
                                               <p:pRg st="10" end="10"/>
-                                            </p:txEl>
-                                          </p:spTgt>
-                                        </p:tgtEl>
-                                      </p:cBhvr>
-                                    </p:animEffect>
-                                  </p:childTnLst>
-                                </p:cTn>
-                              </p:par>
-                              <p:par>
-                                <p:cTn id="48" presetID="10" presetClass="entr" presetSubtype="0" fill="hold" nodeType="withEffect">
-                                  <p:stCondLst>
-                                    <p:cond delay="0"/>
-                                  </p:stCondLst>
-                                  <p:childTnLst>
-                                    <p:set>
-                                      <p:cBhvr>
-                                        <p:cTn id="49" dur="1" fill="hold">
-                                          <p:stCondLst>
-                                            <p:cond delay="0"/>
-                                          </p:stCondLst>
-                                        </p:cTn>
-                                        <p:tgtEl>
-                                          <p:spTgt spid="3">
-                                            <p:txEl>
-                                              <p:pRg st="11" end="11"/>
-                                            </p:txEl>
-                                          </p:spTgt>
-                                        </p:tgtEl>
-                                        <p:attrNameLst>
-                                          <p:attrName>style.visibility</p:attrName>
-                                        </p:attrNameLst>
-                                      </p:cBhvr>
-                                      <p:to>
-                                        <p:strVal val="visible"/>
-                                      </p:to>
-                                    </p:set>
-                                    <p:animEffect transition="in" filter="fade">
-                                      <p:cBhvr>
-                                        <p:cTn id="50" dur="500"/>
-                                        <p:tgtEl>
-                                          <p:spTgt spid="3">
-                                            <p:txEl>
-                                              <p:pRg st="11" end="11"/>
-                                            </p:txEl>
-                                          </p:spTgt>
-                                        </p:tgtEl>
-                                      </p:cBhvr>
-                                    </p:animEffect>
-                                  </p:childTnLst>
-                                </p:cTn>
-                              </p:par>
-                              <p:par>
-                                <p:cTn id="51" presetID="10" presetClass="entr" presetSubtype="0" fill="hold" nodeType="withEffect">
-                                  <p:stCondLst>
-                                    <p:cond delay="0"/>
-                                  </p:stCondLst>
-                                  <p:childTnLst>
-                                    <p:set>
-                                      <p:cBhvr>
-                                        <p:cTn id="52" dur="1" fill="hold">
-                                          <p:stCondLst>
-                                            <p:cond delay="0"/>
-                                          </p:stCondLst>
-                                        </p:cTn>
-                                        <p:tgtEl>
-                                          <p:spTgt spid="3">
-                                            <p:txEl>
-                                              <p:pRg st="12" end="12"/>
-                                            </p:txEl>
-                                          </p:spTgt>
-                                        </p:tgtEl>
-                                        <p:attrNameLst>
-                                          <p:attrName>style.visibility</p:attrName>
-                                        </p:attrNameLst>
-                                      </p:cBhvr>
-                                      <p:to>
-                                        <p:strVal val="visible"/>
-                                      </p:to>
-                                    </p:set>
-                                    <p:animEffect transition="in" filter="fade">
-                                      <p:cBhvr>
-                                        <p:cTn id="53" dur="500"/>
-                                        <p:tgtEl>
-                                          <p:spTgt spid="3">
-                                            <p:txEl>
-                                              <p:pRg st="12" end="12"/>
                                             </p:txEl>
                                           </p:spTgt>
                                         </p:tgtEl>
@@ -20174,19 +20189,123 @@
                     </p:cTn>
                   </p:par>
                   <p:par>
-                    <p:cTn id="54" fill="hold">
+                    <p:cTn id="46" fill="hold">
                       <p:stCondLst>
                         <p:cond delay="indefinite"/>
                       </p:stCondLst>
                       <p:childTnLst>
                         <p:par>
-                          <p:cTn id="55" fill="hold">
+                          <p:cTn id="47" fill="hold">
                             <p:stCondLst>
                               <p:cond delay="0"/>
                             </p:stCondLst>
                             <p:childTnLst>
                               <p:par>
-                                <p:cTn id="56" presetID="10" presetClass="entr" presetSubtype="0" fill="hold" nodeType="clickEffect">
+                                <p:cTn id="48" presetID="10" presetClass="entr" presetSubtype="0" fill="hold" nodeType="clickEffect">
+                                  <p:stCondLst>
+                                    <p:cond delay="0"/>
+                                  </p:stCondLst>
+                                  <p:childTnLst>
+                                    <p:set>
+                                      <p:cBhvr>
+                                        <p:cTn id="49" dur="1" fill="hold">
+                                          <p:stCondLst>
+                                            <p:cond delay="0"/>
+                                          </p:stCondLst>
+                                        </p:cTn>
+                                        <p:tgtEl>
+                                          <p:spTgt spid="3">
+                                            <p:txEl>
+                                              <p:pRg st="11" end="11"/>
+                                            </p:txEl>
+                                          </p:spTgt>
+                                        </p:tgtEl>
+                                        <p:attrNameLst>
+                                          <p:attrName>style.visibility</p:attrName>
+                                        </p:attrNameLst>
+                                      </p:cBhvr>
+                                      <p:to>
+                                        <p:strVal val="visible"/>
+                                      </p:to>
+                                    </p:set>
+                                    <p:animEffect transition="in" filter="fade">
+                                      <p:cBhvr>
+                                        <p:cTn id="50" dur="500"/>
+                                        <p:tgtEl>
+                                          <p:spTgt spid="3">
+                                            <p:txEl>
+                                              <p:pRg st="11" end="11"/>
+                                            </p:txEl>
+                                          </p:spTgt>
+                                        </p:tgtEl>
+                                      </p:cBhvr>
+                                    </p:animEffect>
+                                  </p:childTnLst>
+                                </p:cTn>
+                              </p:par>
+                            </p:childTnLst>
+                          </p:cTn>
+                        </p:par>
+                      </p:childTnLst>
+                    </p:cTn>
+                  </p:par>
+                  <p:par>
+                    <p:cTn id="51" fill="hold">
+                      <p:stCondLst>
+                        <p:cond delay="indefinite"/>
+                      </p:stCondLst>
+                      <p:childTnLst>
+                        <p:par>
+                          <p:cTn id="52" fill="hold">
+                            <p:stCondLst>
+                              <p:cond delay="0"/>
+                            </p:stCondLst>
+                            <p:childTnLst>
+                              <p:par>
+                                <p:cTn id="53" presetID="10" presetClass="entr" presetSubtype="0" fill="hold" nodeType="clickEffect">
+                                  <p:stCondLst>
+                                    <p:cond delay="0"/>
+                                  </p:stCondLst>
+                                  <p:childTnLst>
+                                    <p:set>
+                                      <p:cBhvr>
+                                        <p:cTn id="54" dur="1" fill="hold">
+                                          <p:stCondLst>
+                                            <p:cond delay="0"/>
+                                          </p:stCondLst>
+                                        </p:cTn>
+                                        <p:tgtEl>
+                                          <p:spTgt spid="3">
+                                            <p:txEl>
+                                              <p:pRg st="12" end="12"/>
+                                            </p:txEl>
+                                          </p:spTgt>
+                                        </p:tgtEl>
+                                        <p:attrNameLst>
+                                          <p:attrName>style.visibility</p:attrName>
+                                        </p:attrNameLst>
+                                      </p:cBhvr>
+                                      <p:to>
+                                        <p:strVal val="visible"/>
+                                      </p:to>
+                                    </p:set>
+                                    <p:animEffect transition="in" filter="fade">
+                                      <p:cBhvr>
+                                        <p:cTn id="55" dur="500"/>
+                                        <p:tgtEl>
+                                          <p:spTgt spid="3">
+                                            <p:txEl>
+                                              <p:pRg st="12" end="12"/>
+                                            </p:txEl>
+                                          </p:spTgt>
+                                        </p:tgtEl>
+                                      </p:cBhvr>
+                                    </p:animEffect>
+                                  </p:childTnLst>
+                                </p:cTn>
+                              </p:par>
+                              <p:par>
+                                <p:cTn id="56" presetID="10" presetClass="entr" presetSubtype="0" fill="hold" nodeType="withEffect">
                                   <p:stCondLst>
                                     <p:cond delay="0"/>
                                   </p:stCondLst>
@@ -20271,15 +20390,33 @@
                                   </p:childTnLst>
                                 </p:cTn>
                               </p:par>
+                            </p:childTnLst>
+                          </p:cTn>
+                        </p:par>
+                      </p:childTnLst>
+                    </p:cTn>
+                  </p:par>
+                  <p:par>
+                    <p:cTn id="62" fill="hold">
+                      <p:stCondLst>
+                        <p:cond delay="indefinite"/>
+                      </p:stCondLst>
+                      <p:childTnLst>
+                        <p:par>
+                          <p:cTn id="63" fill="hold">
+                            <p:stCondLst>
+                              <p:cond delay="0"/>
+                            </p:stCondLst>
+                            <p:childTnLst>
                               <p:par>
-                                <p:cTn id="62" presetID="10" presetClass="entr" presetSubtype="0" fill="hold" nodeType="withEffect">
+                                <p:cTn id="64" presetID="10" presetClass="entr" presetSubtype="0" fill="hold" nodeType="clickEffect">
                                   <p:stCondLst>
                                     <p:cond delay="0"/>
                                   </p:stCondLst>
                                   <p:childTnLst>
                                     <p:set>
                                       <p:cBhvr>
-                                        <p:cTn id="63" dur="1" fill="hold">
+                                        <p:cTn id="65" dur="1" fill="hold">
                                           <p:stCondLst>
                                             <p:cond delay="0"/>
                                           </p:stCondLst>
@@ -20301,11 +20438,438 @@
                                     </p:set>
                                     <p:animEffect transition="in" filter="fade">
                                       <p:cBhvr>
-                                        <p:cTn id="64" dur="500"/>
+                                        <p:cTn id="66" dur="500"/>
                                         <p:tgtEl>
                                           <p:spTgt spid="3">
                                             <p:txEl>
                                               <p:pRg st="15" end="15"/>
+                                            </p:txEl>
+                                          </p:spTgt>
+                                        </p:tgtEl>
+                                      </p:cBhvr>
+                                    </p:animEffect>
+                                  </p:childTnLst>
+                                </p:cTn>
+                              </p:par>
+                            </p:childTnLst>
+                          </p:cTn>
+                        </p:par>
+                      </p:childTnLst>
+                    </p:cTn>
+                  </p:par>
+                  <p:par>
+                    <p:cTn id="67" fill="hold">
+                      <p:stCondLst>
+                        <p:cond delay="indefinite"/>
+                      </p:stCondLst>
+                      <p:childTnLst>
+                        <p:par>
+                          <p:cTn id="68" fill="hold">
+                            <p:stCondLst>
+                              <p:cond delay="0"/>
+                            </p:stCondLst>
+                            <p:childTnLst>
+                              <p:par>
+                                <p:cTn id="69" presetID="10" presetClass="entr" presetSubtype="0" fill="hold" nodeType="clickEffect">
+                                  <p:stCondLst>
+                                    <p:cond delay="0"/>
+                                  </p:stCondLst>
+                                  <p:childTnLst>
+                                    <p:set>
+                                      <p:cBhvr>
+                                        <p:cTn id="70" dur="1" fill="hold">
+                                          <p:stCondLst>
+                                            <p:cond delay="0"/>
+                                          </p:stCondLst>
+                                        </p:cTn>
+                                        <p:tgtEl>
+                                          <p:spTgt spid="3">
+                                            <p:txEl>
+                                              <p:pRg st="16" end="16"/>
+                                            </p:txEl>
+                                          </p:spTgt>
+                                        </p:tgtEl>
+                                        <p:attrNameLst>
+                                          <p:attrName>style.visibility</p:attrName>
+                                        </p:attrNameLst>
+                                      </p:cBhvr>
+                                      <p:to>
+                                        <p:strVal val="visible"/>
+                                      </p:to>
+                                    </p:set>
+                                    <p:animEffect transition="in" filter="fade">
+                                      <p:cBhvr>
+                                        <p:cTn id="71" dur="500"/>
+                                        <p:tgtEl>
+                                          <p:spTgt spid="3">
+                                            <p:txEl>
+                                              <p:pRg st="16" end="16"/>
+                                            </p:txEl>
+                                          </p:spTgt>
+                                        </p:tgtEl>
+                                      </p:cBhvr>
+                                    </p:animEffect>
+                                  </p:childTnLst>
+                                </p:cTn>
+                              </p:par>
+                            </p:childTnLst>
+                          </p:cTn>
+                        </p:par>
+                      </p:childTnLst>
+                    </p:cTn>
+                  </p:par>
+                  <p:par>
+                    <p:cTn id="72" fill="hold">
+                      <p:stCondLst>
+                        <p:cond delay="indefinite"/>
+                      </p:stCondLst>
+                      <p:childTnLst>
+                        <p:par>
+                          <p:cTn id="73" fill="hold">
+                            <p:stCondLst>
+                              <p:cond delay="0"/>
+                            </p:stCondLst>
+                            <p:childTnLst>
+                              <p:par>
+                                <p:cTn id="74" presetID="10" presetClass="entr" presetSubtype="0" fill="hold" nodeType="clickEffect">
+                                  <p:stCondLst>
+                                    <p:cond delay="0"/>
+                                  </p:stCondLst>
+                                  <p:childTnLst>
+                                    <p:set>
+                                      <p:cBhvr>
+                                        <p:cTn id="75" dur="1" fill="hold">
+                                          <p:stCondLst>
+                                            <p:cond delay="0"/>
+                                          </p:stCondLst>
+                                        </p:cTn>
+                                        <p:tgtEl>
+                                          <p:spTgt spid="3">
+                                            <p:txEl>
+                                              <p:pRg st="17" end="17"/>
+                                            </p:txEl>
+                                          </p:spTgt>
+                                        </p:tgtEl>
+                                        <p:attrNameLst>
+                                          <p:attrName>style.visibility</p:attrName>
+                                        </p:attrNameLst>
+                                      </p:cBhvr>
+                                      <p:to>
+                                        <p:strVal val="visible"/>
+                                      </p:to>
+                                    </p:set>
+                                    <p:animEffect transition="in" filter="fade">
+                                      <p:cBhvr>
+                                        <p:cTn id="76" dur="500"/>
+                                        <p:tgtEl>
+                                          <p:spTgt spid="3">
+                                            <p:txEl>
+                                              <p:pRg st="17" end="17"/>
+                                            </p:txEl>
+                                          </p:spTgt>
+                                        </p:tgtEl>
+                                      </p:cBhvr>
+                                    </p:animEffect>
+                                  </p:childTnLst>
+                                </p:cTn>
+                              </p:par>
+                            </p:childTnLst>
+                          </p:cTn>
+                        </p:par>
+                      </p:childTnLst>
+                    </p:cTn>
+                  </p:par>
+                  <p:par>
+                    <p:cTn id="77" fill="hold">
+                      <p:stCondLst>
+                        <p:cond delay="indefinite"/>
+                      </p:stCondLst>
+                      <p:childTnLst>
+                        <p:par>
+                          <p:cTn id="78" fill="hold">
+                            <p:stCondLst>
+                              <p:cond delay="0"/>
+                            </p:stCondLst>
+                            <p:childTnLst>
+                              <p:par>
+                                <p:cTn id="79" presetID="10" presetClass="entr" presetSubtype="0" fill="hold" nodeType="clickEffect">
+                                  <p:stCondLst>
+                                    <p:cond delay="0"/>
+                                  </p:stCondLst>
+                                  <p:childTnLst>
+                                    <p:set>
+                                      <p:cBhvr>
+                                        <p:cTn id="80" dur="1" fill="hold">
+                                          <p:stCondLst>
+                                            <p:cond delay="0"/>
+                                          </p:stCondLst>
+                                        </p:cTn>
+                                        <p:tgtEl>
+                                          <p:spTgt spid="3">
+                                            <p:txEl>
+                                              <p:pRg st="18" end="18"/>
+                                            </p:txEl>
+                                          </p:spTgt>
+                                        </p:tgtEl>
+                                        <p:attrNameLst>
+                                          <p:attrName>style.visibility</p:attrName>
+                                        </p:attrNameLst>
+                                      </p:cBhvr>
+                                      <p:to>
+                                        <p:strVal val="visible"/>
+                                      </p:to>
+                                    </p:set>
+                                    <p:animEffect transition="in" filter="fade">
+                                      <p:cBhvr>
+                                        <p:cTn id="81" dur="500"/>
+                                        <p:tgtEl>
+                                          <p:spTgt spid="3">
+                                            <p:txEl>
+                                              <p:pRg st="18" end="18"/>
+                                            </p:txEl>
+                                          </p:spTgt>
+                                        </p:tgtEl>
+                                      </p:cBhvr>
+                                    </p:animEffect>
+                                  </p:childTnLst>
+                                </p:cTn>
+                              </p:par>
+                            </p:childTnLst>
+                          </p:cTn>
+                        </p:par>
+                      </p:childTnLst>
+                    </p:cTn>
+                  </p:par>
+                  <p:par>
+                    <p:cTn id="82" fill="hold">
+                      <p:stCondLst>
+                        <p:cond delay="indefinite"/>
+                      </p:stCondLst>
+                      <p:childTnLst>
+                        <p:par>
+                          <p:cTn id="83" fill="hold">
+                            <p:stCondLst>
+                              <p:cond delay="0"/>
+                            </p:stCondLst>
+                            <p:childTnLst>
+                              <p:par>
+                                <p:cTn id="84" presetID="10" presetClass="entr" presetSubtype="0" fill="hold" nodeType="clickEffect">
+                                  <p:stCondLst>
+                                    <p:cond delay="0"/>
+                                  </p:stCondLst>
+                                  <p:childTnLst>
+                                    <p:set>
+                                      <p:cBhvr>
+                                        <p:cTn id="85" dur="1" fill="hold">
+                                          <p:stCondLst>
+                                            <p:cond delay="0"/>
+                                          </p:stCondLst>
+                                        </p:cTn>
+                                        <p:tgtEl>
+                                          <p:spTgt spid="3">
+                                            <p:txEl>
+                                              <p:pRg st="19" end="19"/>
+                                            </p:txEl>
+                                          </p:spTgt>
+                                        </p:tgtEl>
+                                        <p:attrNameLst>
+                                          <p:attrName>style.visibility</p:attrName>
+                                        </p:attrNameLst>
+                                      </p:cBhvr>
+                                      <p:to>
+                                        <p:strVal val="visible"/>
+                                      </p:to>
+                                    </p:set>
+                                    <p:animEffect transition="in" filter="fade">
+                                      <p:cBhvr>
+                                        <p:cTn id="86" dur="500"/>
+                                        <p:tgtEl>
+                                          <p:spTgt spid="3">
+                                            <p:txEl>
+                                              <p:pRg st="19" end="19"/>
+                                            </p:txEl>
+                                          </p:spTgt>
+                                        </p:tgtEl>
+                                      </p:cBhvr>
+                                    </p:animEffect>
+                                  </p:childTnLst>
+                                </p:cTn>
+                              </p:par>
+                            </p:childTnLst>
+                          </p:cTn>
+                        </p:par>
+                      </p:childTnLst>
+                    </p:cTn>
+                  </p:par>
+                  <p:par>
+                    <p:cTn id="87" fill="hold">
+                      <p:stCondLst>
+                        <p:cond delay="indefinite"/>
+                      </p:stCondLst>
+                      <p:childTnLst>
+                        <p:par>
+                          <p:cTn id="88" fill="hold">
+                            <p:stCondLst>
+                              <p:cond delay="0"/>
+                            </p:stCondLst>
+                            <p:childTnLst>
+                              <p:par>
+                                <p:cTn id="89" presetID="10" presetClass="entr" presetSubtype="0" fill="hold" nodeType="clickEffect">
+                                  <p:stCondLst>
+                                    <p:cond delay="0"/>
+                                  </p:stCondLst>
+                                  <p:childTnLst>
+                                    <p:set>
+                                      <p:cBhvr>
+                                        <p:cTn id="90" dur="1" fill="hold">
+                                          <p:stCondLst>
+                                            <p:cond delay="0"/>
+                                          </p:stCondLst>
+                                        </p:cTn>
+                                        <p:tgtEl>
+                                          <p:spTgt spid="3">
+                                            <p:txEl>
+                                              <p:pRg st="20" end="20"/>
+                                            </p:txEl>
+                                          </p:spTgt>
+                                        </p:tgtEl>
+                                        <p:attrNameLst>
+                                          <p:attrName>style.visibility</p:attrName>
+                                        </p:attrNameLst>
+                                      </p:cBhvr>
+                                      <p:to>
+                                        <p:strVal val="visible"/>
+                                      </p:to>
+                                    </p:set>
+                                    <p:animEffect transition="in" filter="fade">
+                                      <p:cBhvr>
+                                        <p:cTn id="91" dur="500"/>
+                                        <p:tgtEl>
+                                          <p:spTgt spid="3">
+                                            <p:txEl>
+                                              <p:pRg st="20" end="20"/>
+                                            </p:txEl>
+                                          </p:spTgt>
+                                        </p:tgtEl>
+                                      </p:cBhvr>
+                                    </p:animEffect>
+                                  </p:childTnLst>
+                                </p:cTn>
+                              </p:par>
+                            </p:childTnLst>
+                          </p:cTn>
+                        </p:par>
+                      </p:childTnLst>
+                    </p:cTn>
+                  </p:par>
+                  <p:par>
+                    <p:cTn id="92" fill="hold">
+                      <p:stCondLst>
+                        <p:cond delay="indefinite"/>
+                      </p:stCondLst>
+                      <p:childTnLst>
+                        <p:par>
+                          <p:cTn id="93" fill="hold">
+                            <p:stCondLst>
+                              <p:cond delay="0"/>
+                            </p:stCondLst>
+                            <p:childTnLst>
+                              <p:par>
+                                <p:cTn id="94" presetID="10" presetClass="entr" presetSubtype="0" fill="hold" nodeType="clickEffect">
+                                  <p:stCondLst>
+                                    <p:cond delay="0"/>
+                                  </p:stCondLst>
+                                  <p:childTnLst>
+                                    <p:set>
+                                      <p:cBhvr>
+                                        <p:cTn id="95" dur="1" fill="hold">
+                                          <p:stCondLst>
+                                            <p:cond delay="0"/>
+                                          </p:stCondLst>
+                                        </p:cTn>
+                                        <p:tgtEl>
+                                          <p:spTgt spid="3">
+                                            <p:txEl>
+                                              <p:pRg st="21" end="21"/>
+                                            </p:txEl>
+                                          </p:spTgt>
+                                        </p:tgtEl>
+                                        <p:attrNameLst>
+                                          <p:attrName>style.visibility</p:attrName>
+                                        </p:attrNameLst>
+                                      </p:cBhvr>
+                                      <p:to>
+                                        <p:strVal val="visible"/>
+                                      </p:to>
+                                    </p:set>
+                                    <p:animEffect transition="in" filter="fade">
+                                      <p:cBhvr>
+                                        <p:cTn id="96" dur="500"/>
+                                        <p:tgtEl>
+                                          <p:spTgt spid="3">
+                                            <p:txEl>
+                                              <p:pRg st="21" end="21"/>
+                                            </p:txEl>
+                                          </p:spTgt>
+                                        </p:tgtEl>
+                                      </p:cBhvr>
+                                    </p:animEffect>
+                                  </p:childTnLst>
+                                </p:cTn>
+                              </p:par>
+                            </p:childTnLst>
+                          </p:cTn>
+                        </p:par>
+                      </p:childTnLst>
+                    </p:cTn>
+                  </p:par>
+                  <p:par>
+                    <p:cTn id="97" fill="hold">
+                      <p:stCondLst>
+                        <p:cond delay="indefinite"/>
+                      </p:stCondLst>
+                      <p:childTnLst>
+                        <p:par>
+                          <p:cTn id="98" fill="hold">
+                            <p:stCondLst>
+                              <p:cond delay="0"/>
+                            </p:stCondLst>
+                            <p:childTnLst>
+                              <p:par>
+                                <p:cTn id="99" presetID="10" presetClass="entr" presetSubtype="0" fill="hold" nodeType="clickEffect">
+                                  <p:stCondLst>
+                                    <p:cond delay="0"/>
+                                  </p:stCondLst>
+                                  <p:childTnLst>
+                                    <p:set>
+                                      <p:cBhvr>
+                                        <p:cTn id="100" dur="1" fill="hold">
+                                          <p:stCondLst>
+                                            <p:cond delay="0"/>
+                                          </p:stCondLst>
+                                        </p:cTn>
+                                        <p:tgtEl>
+                                          <p:spTgt spid="3">
+                                            <p:txEl>
+                                              <p:pRg st="22" end="22"/>
+                                            </p:txEl>
+                                          </p:spTgt>
+                                        </p:tgtEl>
+                                        <p:attrNameLst>
+                                          <p:attrName>style.visibility</p:attrName>
+                                        </p:attrNameLst>
+                                      </p:cBhvr>
+                                      <p:to>
+                                        <p:strVal val="visible"/>
+                                      </p:to>
+                                    </p:set>
+                                    <p:animEffect transition="in" filter="fade">
+                                      <p:cBhvr>
+                                        <p:cTn id="101" dur="500"/>
+                                        <p:tgtEl>
+                                          <p:spTgt spid="3">
+                                            <p:txEl>
+                                              <p:pRg st="22" end="22"/>
                                             </p:txEl>
                                           </p:spTgt>
                                         </p:tgtEl>
@@ -21902,49 +22466,49 @@
                 <a:gridCol w="1126671">
                   <a:extLst>
                     <a:ext uri="{9D8B030D-6E8A-4147-A177-3AD203B41FA5}">
-                      <a16:colId xmlns:a16="http://schemas.microsoft.com/office/drawing/2014/main" xmlns="" val="20000"/>
+                      <a16:colId xmlns:a16="http://schemas.microsoft.com/office/drawing/2014/main" val="20000"/>
                     </a:ext>
                   </a:extLst>
                 </a:gridCol>
                 <a:gridCol w="1091118">
                   <a:extLst>
                     <a:ext uri="{9D8B030D-6E8A-4147-A177-3AD203B41FA5}">
-                      <a16:colId xmlns:a16="http://schemas.microsoft.com/office/drawing/2014/main" xmlns="" val="20001"/>
+                      <a16:colId xmlns:a16="http://schemas.microsoft.com/office/drawing/2014/main" val="20001"/>
                     </a:ext>
                   </a:extLst>
                 </a:gridCol>
                 <a:gridCol w="1423219">
                   <a:extLst>
                     <a:ext uri="{9D8B030D-6E8A-4147-A177-3AD203B41FA5}">
-                      <a16:colId xmlns:a16="http://schemas.microsoft.com/office/drawing/2014/main" xmlns="" val="20002"/>
+                      <a16:colId xmlns:a16="http://schemas.microsoft.com/office/drawing/2014/main" val="20002"/>
                     </a:ext>
                   </a:extLst>
                 </a:gridCol>
                 <a:gridCol w="671052">
                   <a:extLst>
                     <a:ext uri="{9D8B030D-6E8A-4147-A177-3AD203B41FA5}">
-                      <a16:colId xmlns:a16="http://schemas.microsoft.com/office/drawing/2014/main" xmlns="" val="20003"/>
+                      <a16:colId xmlns:a16="http://schemas.microsoft.com/office/drawing/2014/main" val="20003"/>
                     </a:ext>
                   </a:extLst>
                 </a:gridCol>
                 <a:gridCol w="648929">
                   <a:extLst>
                     <a:ext uri="{9D8B030D-6E8A-4147-A177-3AD203B41FA5}">
-                      <a16:colId xmlns:a16="http://schemas.microsoft.com/office/drawing/2014/main" xmlns="" val="20004"/>
+                      <a16:colId xmlns:a16="http://schemas.microsoft.com/office/drawing/2014/main" val="20004"/>
                     </a:ext>
                   </a:extLst>
                 </a:gridCol>
                 <a:gridCol w="1939413">
                   <a:extLst>
                     <a:ext uri="{9D8B030D-6E8A-4147-A177-3AD203B41FA5}">
-                      <a16:colId xmlns:a16="http://schemas.microsoft.com/office/drawing/2014/main" xmlns="" val="20005"/>
+                      <a16:colId xmlns:a16="http://schemas.microsoft.com/office/drawing/2014/main" val="20005"/>
                     </a:ext>
                   </a:extLst>
                 </a:gridCol>
                 <a:gridCol w="986295">
                   <a:extLst>
                     <a:ext uri="{9D8B030D-6E8A-4147-A177-3AD203B41FA5}">
-                      <a16:colId xmlns:a16="http://schemas.microsoft.com/office/drawing/2014/main" xmlns="" val="20006"/>
+                      <a16:colId xmlns:a16="http://schemas.microsoft.com/office/drawing/2014/main" val="20006"/>
                     </a:ext>
                   </a:extLst>
                 </a:gridCol>
@@ -22058,7 +22622,7 @@
                 </a:tc>
                 <a:extLst>
                   <a:ext uri="{0D108BD9-81ED-4DB2-BD59-A6C34878D82A}">
-                    <a16:rowId xmlns:a16="http://schemas.microsoft.com/office/drawing/2014/main" xmlns="" val="10000"/>
+                    <a16:rowId xmlns:a16="http://schemas.microsoft.com/office/drawing/2014/main" val="10000"/>
                   </a:ext>
                 </a:extLst>
               </a:tr>
@@ -22196,7 +22760,7 @@
                 </a:tc>
                 <a:extLst>
                   <a:ext uri="{0D108BD9-81ED-4DB2-BD59-A6C34878D82A}">
-                    <a16:rowId xmlns:a16="http://schemas.microsoft.com/office/drawing/2014/main" xmlns="" val="10001"/>
+                    <a16:rowId xmlns:a16="http://schemas.microsoft.com/office/drawing/2014/main" val="10001"/>
                   </a:ext>
                 </a:extLst>
               </a:tr>
@@ -26793,9 +27357,16 @@
             <p:ph type="title"/>
           </p:nvPr>
         </p:nvSpPr>
-        <p:spPr/>
+        <p:spPr>
+          <a:xfrm>
+            <a:off x="628650" y="63048"/>
+            <a:ext cx="7886700" cy="590095"/>
+          </a:xfrm>
+        </p:spPr>
         <p:txBody>
-          <a:bodyPr/>
+          <a:bodyPr>
+            <a:normAutofit fontScale="90000"/>
+          </a:bodyPr>
           <a:lstStyle/>
           <a:p>
             <a:r>
@@ -26822,13 +27393,13 @@
         </p:nvSpPr>
         <p:spPr>
           <a:xfrm>
-            <a:off x="249382" y="1425030"/>
-            <a:ext cx="8265968" cy="5296446"/>
+            <a:off x="249382" y="653143"/>
+            <a:ext cx="8894618" cy="5703208"/>
           </a:xfrm>
         </p:spPr>
         <p:txBody>
           <a:bodyPr>
-            <a:normAutofit fontScale="85000" lnSpcReduction="20000"/>
+            <a:normAutofit fontScale="70000" lnSpcReduction="20000"/>
           </a:bodyPr>
           <a:lstStyle/>
           <a:p>
@@ -26992,8 +27563,13 @@
           <a:p>
             <a:r>
               <a:rPr lang="en-SG" sz="2400" dirty="0" smtClean="0"/>
-              <a:t>BLE Advertising Packet Format</a:t>
-            </a:r>
+              <a:t>High-level Android Issues collated by </a:t>
+            </a:r>
+            <a:r>
+              <a:rPr lang="en-SG" sz="2400" dirty="0" err="1" smtClean="0"/>
+              <a:t>Anaren</a:t>
+            </a:r>
+            <a:endParaRPr lang="en-SG" sz="2400" dirty="0" smtClean="0"/>
           </a:p>
           <a:p>
             <a:pPr lvl="1"/>
@@ -27001,12 +27577,61 @@
               <a:rPr lang="en-SG" sz="1400" dirty="0">
                 <a:hlinkClick r:id="rId10"/>
               </a:rPr>
-              <a:t>http://</a:t>
+              <a:t>https://</a:t>
             </a:r>
             <a:r>
               <a:rPr lang="en-SG" sz="1400" dirty="0" smtClean="0">
                 <a:hlinkClick r:id="rId10"/>
               </a:rPr>
+              <a:t>atmosphere.anaren.com/wiki/Android_Issues_With_Bluetooth_Low_Energy</a:t>
+            </a:r>
+            <a:endParaRPr lang="en-SG" sz="1400" dirty="0"/>
+          </a:p>
+          <a:p>
+            <a:r>
+              <a:rPr lang="en-SG" sz="2400" dirty="0" smtClean="0"/>
+              <a:t>Lower-level Android issues collated by </a:t>
+            </a:r>
+            <a:r>
+              <a:rPr lang="en-SG" sz="2400" dirty="0" err="1" smtClean="0"/>
+              <a:t>iDevicesInc</a:t>
+            </a:r>
+            <a:endParaRPr lang="en-SG" sz="2400" dirty="0" smtClean="0"/>
+          </a:p>
+          <a:p>
+            <a:pPr lvl="1"/>
+            <a:r>
+              <a:rPr lang="en-SG" sz="1400" dirty="0">
+                <a:hlinkClick r:id="rId11"/>
+              </a:rPr>
+              <a:t>https://</a:t>
+            </a:r>
+            <a:r>
+              <a:rPr lang="en-SG" sz="1400" dirty="0" smtClean="0">
+                <a:hlinkClick r:id="rId11"/>
+              </a:rPr>
+              <a:t>github.com/iDevicesInc/SweetBlue/wiki/Android-BLE-Issues</a:t>
+            </a:r>
+            <a:endParaRPr lang="en-SG" sz="1400" dirty="0" smtClean="0"/>
+          </a:p>
+          <a:p>
+            <a:r>
+              <a:rPr lang="en-SG" sz="2400" dirty="0" smtClean="0"/>
+              <a:t>BLE Advertising Packet Format</a:t>
+            </a:r>
+          </a:p>
+          <a:p>
+            <a:pPr lvl="1"/>
+            <a:r>
+              <a:rPr lang="en-SG" sz="1400" dirty="0">
+                <a:hlinkClick r:id="rId12"/>
+              </a:rPr>
+              <a:t>http://</a:t>
+            </a:r>
+            <a:r>
+              <a:rPr lang="en-SG" sz="1400" dirty="0" smtClean="0">
+                <a:hlinkClick r:id="rId12"/>
+              </a:rPr>
               <a:t>j2abro.blogspot.sg/2014/06/understanding-bluetooth-advertising.html</a:t>
             </a:r>
             <a:endParaRPr lang="en-SG" sz="1400" dirty="0" smtClean="0"/>
@@ -27021,7 +27646,7 @@
             <a:pPr lvl="1"/>
             <a:r>
               <a:rPr lang="en-SG" sz="1400" dirty="0">
-                <a:hlinkClick r:id="rId11"/>
+                <a:hlinkClick r:id="rId13"/>
               </a:rPr>
               <a:t>https://www.bluetooth.org/en-us/specification/adopted-specifications</a:t>
             </a:r>
@@ -32379,13 +33004,6 @@
   <p:clrMapOvr>
     <a:masterClrMapping/>
   </p:clrMapOvr>
-  <p:timing>
-    <p:tnLst>
-      <p:par>
-        <p:cTn id="1" dur="indefinite" restart="never" nodeType="tmRoot"/>
-      </p:par>
-    </p:tnLst>
-  </p:timing>
 </p:sld>
 </file>
 

--- a/intro to ble.pptx
+++ b/intro to ble.pptx
@@ -244,7 +244,7 @@
           <a:p>
             <a:fld id="{CB69E15D-2E95-428C-B9E3-27B2BF3879D0}" type="datetimeFigureOut">
               <a:rPr lang="en-SG" smtClean="0"/>
-              <a:t>15/2/2016</a:t>
+              <a:t>16/2/2016</a:t>
             </a:fld>
             <a:endParaRPr lang="en-SG"/>
           </a:p>
@@ -811,7 +811,7 @@
           <a:p>
             <a:fld id="{14C94871-C4DF-4AFD-96E5-87B050A67E05}" type="datetime1">
               <a:rPr lang="en-SG" smtClean="0"/>
-              <a:t>15/2/2016</a:t>
+              <a:t>16/2/2016</a:t>
             </a:fld>
             <a:endParaRPr lang="en-SG"/>
           </a:p>
@@ -981,7 +981,7 @@
           <a:p>
             <a:fld id="{76A6DE21-0D8F-4C8C-AF6A-521466B16426}" type="datetime1">
               <a:rPr lang="en-SG" smtClean="0"/>
-              <a:t>15/2/2016</a:t>
+              <a:t>16/2/2016</a:t>
             </a:fld>
             <a:endParaRPr lang="en-SG"/>
           </a:p>
@@ -1161,7 +1161,7 @@
           <a:p>
             <a:fld id="{16A18ED7-72CF-4BB2-8941-928963568089}" type="datetime1">
               <a:rPr lang="en-SG" smtClean="0"/>
-              <a:t>15/2/2016</a:t>
+              <a:t>16/2/2016</a:t>
             </a:fld>
             <a:endParaRPr lang="en-SG"/>
           </a:p>
@@ -1331,7 +1331,7 @@
           <a:p>
             <a:fld id="{7FD7CD52-9833-4DD5-89FF-33E59F171421}" type="datetime1">
               <a:rPr lang="en-SG" smtClean="0"/>
-              <a:t>15/2/2016</a:t>
+              <a:t>16/2/2016</a:t>
             </a:fld>
             <a:endParaRPr lang="en-SG"/>
           </a:p>
@@ -1575,7 +1575,7 @@
           <a:p>
             <a:fld id="{E74C9598-7F32-4DE4-BFF0-39C051013B34}" type="datetime1">
               <a:rPr lang="en-SG" smtClean="0"/>
-              <a:t>15/2/2016</a:t>
+              <a:t>16/2/2016</a:t>
             </a:fld>
             <a:endParaRPr lang="en-SG"/>
           </a:p>
@@ -1807,7 +1807,7 @@
           <a:p>
             <a:fld id="{5DC821E8-33B0-41D5-8FA5-9A647E53891C}" type="datetime1">
               <a:rPr lang="en-SG" smtClean="0"/>
-              <a:t>15/2/2016</a:t>
+              <a:t>16/2/2016</a:t>
             </a:fld>
             <a:endParaRPr lang="en-SG"/>
           </a:p>
@@ -2174,7 +2174,7 @@
           <a:p>
             <a:fld id="{751CCC62-50F5-4228-8D51-6D258C0BFCBD}" type="datetime1">
               <a:rPr lang="en-SG" smtClean="0"/>
-              <a:t>15/2/2016</a:t>
+              <a:t>16/2/2016</a:t>
             </a:fld>
             <a:endParaRPr lang="en-SG"/>
           </a:p>
@@ -2292,7 +2292,7 @@
           <a:p>
             <a:fld id="{776807E8-5434-437A-A610-A94C24A73164}" type="datetime1">
               <a:rPr lang="en-SG" smtClean="0"/>
-              <a:t>15/2/2016</a:t>
+              <a:t>16/2/2016</a:t>
             </a:fld>
             <a:endParaRPr lang="en-SG"/>
           </a:p>
@@ -2387,7 +2387,7 @@
           <a:p>
             <a:fld id="{18AC243E-E412-41F8-A99C-62E3D2C4FD1E}" type="datetime1">
               <a:rPr lang="en-SG" smtClean="0"/>
-              <a:t>15/2/2016</a:t>
+              <a:t>16/2/2016</a:t>
             </a:fld>
             <a:endParaRPr lang="en-SG"/>
           </a:p>
@@ -2664,7 +2664,7 @@
           <a:p>
             <a:fld id="{30DD06DC-63F5-45CF-A3A5-F437A0C7E12A}" type="datetime1">
               <a:rPr lang="en-SG" smtClean="0"/>
-              <a:t>15/2/2016</a:t>
+              <a:t>16/2/2016</a:t>
             </a:fld>
             <a:endParaRPr lang="en-SG"/>
           </a:p>
@@ -2921,7 +2921,7 @@
           <a:p>
             <a:fld id="{7810AE82-8C34-472D-B90B-4D50508F585C}" type="datetime1">
               <a:rPr lang="en-SG" smtClean="0"/>
-              <a:t>15/2/2016</a:t>
+              <a:t>16/2/2016</a:t>
             </a:fld>
             <a:endParaRPr lang="en-SG"/>
           </a:p>
@@ -3134,7 +3134,7 @@
           <a:p>
             <a:fld id="{393BD624-3486-430E-A0CD-3F2C92C8E573}" type="datetime1">
               <a:rPr lang="en-SG" smtClean="0"/>
-              <a:t>15/2/2016</a:t>
+              <a:t>16/2/2016</a:t>
             </a:fld>
             <a:endParaRPr lang="en-SG"/>
           </a:p>
@@ -19396,11 +19396,7 @@
             </a:pPr>
             <a:r>
               <a:rPr lang="en-SG" dirty="0" smtClean="0"/>
-              <a:t>Different scan return result behaviours </a:t>
-            </a:r>
-            <a:r>
-              <a:rPr lang="en-SG" dirty="0" smtClean="0"/>
-              <a:t>(See further reading)</a:t>
+              <a:t>Different scan return result behaviours (See further reading)</a:t>
             </a:r>
           </a:p>
           <a:p>
@@ -19409,7 +19405,6 @@
               <a:rPr lang="en-SG" dirty="0" smtClean="0"/>
               <a:t>Some phones filter advertisement results, some phones do not. (4.3 and 4.4 only)</a:t>
             </a:r>
-            <a:endParaRPr lang="en-SG" dirty="0" smtClean="0"/>
           </a:p>
           <a:p>
             <a:pPr marL="514350" indent="-514350">
@@ -19486,6 +19481,11 @@
               <a:rPr lang="en-SG" dirty="0" smtClean="0"/>
               <a:t>A high-level view on issues collated by </a:t>
             </a:r>
+            <a:r>
+              <a:rPr lang="en-SG" dirty="0" err="1" smtClean="0"/>
+              <a:t>Anaren</a:t>
+            </a:r>
+            <a:endParaRPr lang="en-SG" dirty="0" smtClean="0"/>
           </a:p>
           <a:p>
             <a:pPr lvl="1"/>

--- a/intro to ble.pptx
+++ b/intro to ble.pptx
@@ -16,7 +16,7 @@
     <p:sldId id="264" r:id="rId7"/>
     <p:sldId id="261" r:id="rId8"/>
     <p:sldId id="262" r:id="rId9"/>
-    <p:sldId id="316" r:id="rId10"/>
+    <p:sldId id="317" r:id="rId10"/>
     <p:sldId id="267" r:id="rId11"/>
     <p:sldId id="312" r:id="rId12"/>
     <p:sldId id="268" r:id="rId13"/>
@@ -244,7 +244,7 @@
           <a:p>
             <a:fld id="{CB69E15D-2E95-428C-B9E3-27B2BF3879D0}" type="datetimeFigureOut">
               <a:rPr lang="en-SG" smtClean="0"/>
-              <a:t>16/2/2016</a:t>
+              <a:t>16/2/16</a:t>
             </a:fld>
             <a:endParaRPr lang="en-SG"/>
           </a:p>
@@ -811,7 +811,7 @@
           <a:p>
             <a:fld id="{14C94871-C4DF-4AFD-96E5-87B050A67E05}" type="datetime1">
               <a:rPr lang="en-SG" smtClean="0"/>
-              <a:t>16/2/2016</a:t>
+              <a:t>16/2/16</a:t>
             </a:fld>
             <a:endParaRPr lang="en-SG"/>
           </a:p>
@@ -981,7 +981,7 @@
           <a:p>
             <a:fld id="{76A6DE21-0D8F-4C8C-AF6A-521466B16426}" type="datetime1">
               <a:rPr lang="en-SG" smtClean="0"/>
-              <a:t>16/2/2016</a:t>
+              <a:t>16/2/16</a:t>
             </a:fld>
             <a:endParaRPr lang="en-SG"/>
           </a:p>
@@ -1161,7 +1161,7 @@
           <a:p>
             <a:fld id="{16A18ED7-72CF-4BB2-8941-928963568089}" type="datetime1">
               <a:rPr lang="en-SG" smtClean="0"/>
-              <a:t>16/2/2016</a:t>
+              <a:t>16/2/16</a:t>
             </a:fld>
             <a:endParaRPr lang="en-SG"/>
           </a:p>
@@ -1331,7 +1331,7 @@
           <a:p>
             <a:fld id="{7FD7CD52-9833-4DD5-89FF-33E59F171421}" type="datetime1">
               <a:rPr lang="en-SG" smtClean="0"/>
-              <a:t>16/2/2016</a:t>
+              <a:t>16/2/16</a:t>
             </a:fld>
             <a:endParaRPr lang="en-SG"/>
           </a:p>
@@ -1575,7 +1575,7 @@
           <a:p>
             <a:fld id="{E74C9598-7F32-4DE4-BFF0-39C051013B34}" type="datetime1">
               <a:rPr lang="en-SG" smtClean="0"/>
-              <a:t>16/2/2016</a:t>
+              <a:t>16/2/16</a:t>
             </a:fld>
             <a:endParaRPr lang="en-SG"/>
           </a:p>
@@ -1807,7 +1807,7 @@
           <a:p>
             <a:fld id="{5DC821E8-33B0-41D5-8FA5-9A647E53891C}" type="datetime1">
               <a:rPr lang="en-SG" smtClean="0"/>
-              <a:t>16/2/2016</a:t>
+              <a:t>16/2/16</a:t>
             </a:fld>
             <a:endParaRPr lang="en-SG"/>
           </a:p>
@@ -2174,7 +2174,7 @@
           <a:p>
             <a:fld id="{751CCC62-50F5-4228-8D51-6D258C0BFCBD}" type="datetime1">
               <a:rPr lang="en-SG" smtClean="0"/>
-              <a:t>16/2/2016</a:t>
+              <a:t>16/2/16</a:t>
             </a:fld>
             <a:endParaRPr lang="en-SG"/>
           </a:p>
@@ -2292,7 +2292,7 @@
           <a:p>
             <a:fld id="{776807E8-5434-437A-A610-A94C24A73164}" type="datetime1">
               <a:rPr lang="en-SG" smtClean="0"/>
-              <a:t>16/2/2016</a:t>
+              <a:t>16/2/16</a:t>
             </a:fld>
             <a:endParaRPr lang="en-SG"/>
           </a:p>
@@ -2387,7 +2387,7 @@
           <a:p>
             <a:fld id="{18AC243E-E412-41F8-A99C-62E3D2C4FD1E}" type="datetime1">
               <a:rPr lang="en-SG" smtClean="0"/>
-              <a:t>16/2/2016</a:t>
+              <a:t>16/2/16</a:t>
             </a:fld>
             <a:endParaRPr lang="en-SG"/>
           </a:p>
@@ -2664,7 +2664,7 @@
           <a:p>
             <a:fld id="{30DD06DC-63F5-45CF-A3A5-F437A0C7E12A}" type="datetime1">
               <a:rPr lang="en-SG" smtClean="0"/>
-              <a:t>16/2/2016</a:t>
+              <a:t>16/2/16</a:t>
             </a:fld>
             <a:endParaRPr lang="en-SG"/>
           </a:p>
@@ -2921,7 +2921,7 @@
           <a:p>
             <a:fld id="{7810AE82-8C34-472D-B90B-4D50508F585C}" type="datetime1">
               <a:rPr lang="en-SG" smtClean="0"/>
-              <a:t>16/2/2016</a:t>
+              <a:t>16/2/16</a:t>
             </a:fld>
             <a:endParaRPr lang="en-SG"/>
           </a:p>
@@ -3134,7 +3134,7 @@
           <a:p>
             <a:fld id="{393BD624-3486-430E-A0CD-3F2C92C8E573}" type="datetime1">
               <a:rPr lang="en-SG" smtClean="0"/>
-              <a:t>16/2/2016</a:t>
+              <a:t>16/2/16</a:t>
             </a:fld>
             <a:endParaRPr lang="en-SG"/>
           </a:p>
@@ -4170,6 +4170,13 @@
   <p:clrMapOvr>
     <a:masterClrMapping/>
   </p:clrMapOvr>
+  <p:timing>
+    <p:tnLst>
+      <p:par>
+        <p:cTn id="1" dur="indefinite" restart="never" nodeType="tmRoot"/>
+      </p:par>
+    </p:tnLst>
+  </p:timing>
 </p:sld>
 </file>
 
@@ -5568,14 +5575,14 @@
                 <a:gridCol w="3368099">
                   <a:extLst>
                     <a:ext uri="{9D8B030D-6E8A-4147-A177-3AD203B41FA5}">
-                      <a16:colId xmlns:a16="http://schemas.microsoft.com/office/drawing/2014/main" val="20000"/>
+                      <a16:colId xmlns:a16="http://schemas.microsoft.com/office/drawing/2014/main" xmlns="" val="20000"/>
                     </a:ext>
                   </a:extLst>
                 </a:gridCol>
                 <a:gridCol w="5174322">
                   <a:extLst>
                     <a:ext uri="{9D8B030D-6E8A-4147-A177-3AD203B41FA5}">
-                      <a16:colId xmlns:a16="http://schemas.microsoft.com/office/drawing/2014/main" val="20001"/>
+                      <a16:colId xmlns:a16="http://schemas.microsoft.com/office/drawing/2014/main" xmlns="" val="20001"/>
                     </a:ext>
                   </a:extLst>
                 </a:gridCol>
@@ -5615,7 +5622,7 @@
                 </a:tc>
                 <a:extLst>
                   <a:ext uri="{0D108BD9-81ED-4DB2-BD59-A6C34878D82A}">
-                    <a16:rowId xmlns:a16="http://schemas.microsoft.com/office/drawing/2014/main" val="10000"/>
+                    <a16:rowId xmlns:a16="http://schemas.microsoft.com/office/drawing/2014/main" xmlns="" val="10000"/>
                   </a:ext>
                 </a:extLst>
               </a:tr>
@@ -5650,7 +5657,7 @@
                 </a:tc>
                 <a:extLst>
                   <a:ext uri="{0D108BD9-81ED-4DB2-BD59-A6C34878D82A}">
-                    <a16:rowId xmlns:a16="http://schemas.microsoft.com/office/drawing/2014/main" val="10001"/>
+                    <a16:rowId xmlns:a16="http://schemas.microsoft.com/office/drawing/2014/main" xmlns="" val="10001"/>
                   </a:ext>
                 </a:extLst>
               </a:tr>
@@ -5685,7 +5692,7 @@
                 </a:tc>
                 <a:extLst>
                   <a:ext uri="{0D108BD9-81ED-4DB2-BD59-A6C34878D82A}">
-                    <a16:rowId xmlns:a16="http://schemas.microsoft.com/office/drawing/2014/main" val="10002"/>
+                    <a16:rowId xmlns:a16="http://schemas.microsoft.com/office/drawing/2014/main" xmlns="" val="10002"/>
                   </a:ext>
                 </a:extLst>
               </a:tr>
@@ -5720,7 +5727,7 @@
                 </a:tc>
                 <a:extLst>
                   <a:ext uri="{0D108BD9-81ED-4DB2-BD59-A6C34878D82A}">
-                    <a16:rowId xmlns:a16="http://schemas.microsoft.com/office/drawing/2014/main" val="10003"/>
+                    <a16:rowId xmlns:a16="http://schemas.microsoft.com/office/drawing/2014/main" xmlns="" val="10003"/>
                   </a:ext>
                 </a:extLst>
               </a:tr>
@@ -6033,14 +6040,14 @@
                 <a:gridCol w="4184649">
                   <a:extLst>
                     <a:ext uri="{9D8B030D-6E8A-4147-A177-3AD203B41FA5}">
-                      <a16:colId xmlns:a16="http://schemas.microsoft.com/office/drawing/2014/main" val="20000"/>
+                      <a16:colId xmlns:a16="http://schemas.microsoft.com/office/drawing/2014/main" xmlns="" val="20000"/>
                     </a:ext>
                   </a:extLst>
                 </a:gridCol>
                 <a:gridCol w="4184649">
                   <a:extLst>
                     <a:ext uri="{9D8B030D-6E8A-4147-A177-3AD203B41FA5}">
-                      <a16:colId xmlns:a16="http://schemas.microsoft.com/office/drawing/2014/main" val="20001"/>
+                      <a16:colId xmlns:a16="http://schemas.microsoft.com/office/drawing/2014/main" xmlns="" val="20001"/>
                     </a:ext>
                   </a:extLst>
                 </a:gridCol>
@@ -6082,7 +6089,7 @@
                 </a:tc>
                 <a:extLst>
                   <a:ext uri="{0D108BD9-81ED-4DB2-BD59-A6C34878D82A}">
-                    <a16:rowId xmlns:a16="http://schemas.microsoft.com/office/drawing/2014/main" val="10000"/>
+                    <a16:rowId xmlns:a16="http://schemas.microsoft.com/office/drawing/2014/main" xmlns="" val="10000"/>
                   </a:ext>
                 </a:extLst>
               </a:tr>
@@ -6612,7 +6619,7 @@
                 </a:tc>
                 <a:extLst>
                   <a:ext uri="{0D108BD9-81ED-4DB2-BD59-A6C34878D82A}">
-                    <a16:rowId xmlns:a16="http://schemas.microsoft.com/office/drawing/2014/main" val="10001"/>
+                    <a16:rowId xmlns:a16="http://schemas.microsoft.com/office/drawing/2014/main" xmlns="" val="10001"/>
                   </a:ext>
                 </a:extLst>
               </a:tr>
@@ -14765,14 +14772,14 @@
                 <a:gridCol w="2702014">
                   <a:extLst>
                     <a:ext uri="{9D8B030D-6E8A-4147-A177-3AD203B41FA5}">
-                      <a16:colId xmlns:a16="http://schemas.microsoft.com/office/drawing/2014/main" val="20000"/>
+                      <a16:colId xmlns:a16="http://schemas.microsoft.com/office/drawing/2014/main" xmlns="" val="20000"/>
                     </a:ext>
                   </a:extLst>
                 </a:gridCol>
                 <a:gridCol w="6095637">
                   <a:extLst>
                     <a:ext uri="{9D8B030D-6E8A-4147-A177-3AD203B41FA5}">
-                      <a16:colId xmlns:a16="http://schemas.microsoft.com/office/drawing/2014/main" val="20001"/>
+                      <a16:colId xmlns:a16="http://schemas.microsoft.com/office/drawing/2014/main" xmlns="" val="20001"/>
                     </a:ext>
                   </a:extLst>
                 </a:gridCol>
@@ -14820,7 +14827,7 @@
                 </a:tc>
                 <a:extLst>
                   <a:ext uri="{0D108BD9-81ED-4DB2-BD59-A6C34878D82A}">
-                    <a16:rowId xmlns:a16="http://schemas.microsoft.com/office/drawing/2014/main" val="10000"/>
+                    <a16:rowId xmlns:a16="http://schemas.microsoft.com/office/drawing/2014/main" xmlns="" val="10000"/>
                   </a:ext>
                 </a:extLst>
               </a:tr>
@@ -14863,7 +14870,7 @@
                 </a:tc>
                 <a:extLst>
                   <a:ext uri="{0D108BD9-81ED-4DB2-BD59-A6C34878D82A}">
-                    <a16:rowId xmlns:a16="http://schemas.microsoft.com/office/drawing/2014/main" val="10001"/>
+                    <a16:rowId xmlns:a16="http://schemas.microsoft.com/office/drawing/2014/main" xmlns="" val="10001"/>
                   </a:ext>
                 </a:extLst>
               </a:tr>
@@ -14914,7 +14921,7 @@
                 </a:tc>
                 <a:extLst>
                   <a:ext uri="{0D108BD9-81ED-4DB2-BD59-A6C34878D82A}">
-                    <a16:rowId xmlns:a16="http://schemas.microsoft.com/office/drawing/2014/main" val="10002"/>
+                    <a16:rowId xmlns:a16="http://schemas.microsoft.com/office/drawing/2014/main" xmlns="" val="10002"/>
                   </a:ext>
                 </a:extLst>
               </a:tr>
@@ -14949,7 +14956,7 @@
                 </a:tc>
                 <a:extLst>
                   <a:ext uri="{0D108BD9-81ED-4DB2-BD59-A6C34878D82A}">
-                    <a16:rowId xmlns:a16="http://schemas.microsoft.com/office/drawing/2014/main" val="10003"/>
+                    <a16:rowId xmlns:a16="http://schemas.microsoft.com/office/drawing/2014/main" xmlns="" val="10003"/>
                   </a:ext>
                 </a:extLst>
               </a:tr>
@@ -15000,7 +15007,7 @@
                 </a:tc>
                 <a:extLst>
                   <a:ext uri="{0D108BD9-81ED-4DB2-BD59-A6C34878D82A}">
-                    <a16:rowId xmlns:a16="http://schemas.microsoft.com/office/drawing/2014/main" val="10004"/>
+                    <a16:rowId xmlns:a16="http://schemas.microsoft.com/office/drawing/2014/main" xmlns="" val="10004"/>
                   </a:ext>
                 </a:extLst>
               </a:tr>
@@ -17673,7 +17680,7 @@
         </p:spPr>
         <p:txBody>
           <a:bodyPr>
-            <a:normAutofit fontScale="92500" lnSpcReduction="10000"/>
+            <a:normAutofit fontScale="85000" lnSpcReduction="20000"/>
           </a:bodyPr>
           <a:lstStyle/>
           <a:p>
@@ -17789,8 +17796,35 @@
             <a:pPr lvl="1"/>
             <a:r>
               <a:rPr lang="en-SG" dirty="0" smtClean="0"/>
-              <a:t>~20 (online anecdotes)</a:t>
-            </a:r>
+              <a:t>~20 (online anecdotes</a:t>
+            </a:r>
+            <a:r>
+              <a:rPr lang="en-SG" dirty="0" smtClean="0"/>
+              <a:t>)</a:t>
+            </a:r>
+          </a:p>
+          <a:p>
+            <a:r>
+              <a:rPr lang="en-SG" dirty="0" smtClean="0"/>
+              <a:t>Max theoretical connection speed = 6KiB/s</a:t>
+            </a:r>
+          </a:p>
+          <a:p>
+            <a:pPr lvl="1"/>
+            <a:r>
+              <a:rPr lang="en-SG" dirty="0" smtClean="0"/>
+              <a:t>20 bytes MTU, 6 packets/connection interval, 20ms interval</a:t>
+            </a:r>
+          </a:p>
+          <a:p>
+            <a:pPr lvl="1"/>
+            <a:r>
+              <a:rPr lang="en-SG" dirty="0" smtClean="0"/>
+              <a:t>(20 bytes * 6 ) / 20ms = 6KiB/s</a:t>
+            </a:r>
+          </a:p>
+          <a:p>
+            <a:pPr lvl="1"/>
             <a:endParaRPr lang="en-SG" dirty="0"/>
           </a:p>
           <a:p>
@@ -17818,6 +17852,44 @@
               <a:t>30</a:t>
             </a:fld>
             <a:endParaRPr lang="en-SG"/>
+          </a:p>
+        </p:txBody>
+      </p:sp>
+      <p:sp>
+        <p:nvSpPr>
+          <p:cNvPr id="5" name="TextBox 4"/>
+          <p:cNvSpPr txBox="1"/>
+          <p:nvPr/>
+        </p:nvSpPr>
+        <p:spPr>
+          <a:xfrm>
+            <a:off x="628650" y="6514088"/>
+            <a:ext cx="4298613" cy="369332"/>
+          </a:xfrm>
+          <a:prstGeom prst="rect">
+            <a:avLst/>
+          </a:prstGeom>
+          <a:noFill/>
+        </p:spPr>
+        <p:txBody>
+          <a:bodyPr wrap="none" rtlCol="0">
+            <a:spAutoFit/>
+          </a:bodyPr>
+          <a:lstStyle/>
+          <a:p>
+            <a:r>
+              <a:rPr lang="en-US" dirty="0" smtClean="0"/>
+              <a:t>*nRF51 supports 7.5 </a:t>
+            </a:r>
+            <a:r>
+              <a:rPr lang="en-US" dirty="0" err="1" smtClean="0"/>
+              <a:t>ms</a:t>
+            </a:r>
+            <a:r>
+              <a:rPr lang="en-US" dirty="0" smtClean="0"/>
+              <a:t> connection interval</a:t>
+            </a:r>
+            <a:endParaRPr lang="en-US" dirty="0"/>
           </a:p>
         </p:txBody>
       </p:sp>
@@ -18492,6 +18564,135 @@
                                           <p:spTgt spid="3">
                                             <p:txEl>
                                               <p:pRg st="12" end="12"/>
+                                            </p:txEl>
+                                          </p:spTgt>
+                                        </p:tgtEl>
+                                      </p:cBhvr>
+                                    </p:animEffect>
+                                  </p:childTnLst>
+                                </p:cTn>
+                              </p:par>
+                              <p:par>
+                                <p:cTn id="54" presetID="10" presetClass="entr" presetSubtype="0" fill="hold" nodeType="withEffect">
+                                  <p:stCondLst>
+                                    <p:cond delay="0"/>
+                                  </p:stCondLst>
+                                  <p:childTnLst>
+                                    <p:set>
+                                      <p:cBhvr>
+                                        <p:cTn id="55" dur="1" fill="hold">
+                                          <p:stCondLst>
+                                            <p:cond delay="0"/>
+                                          </p:stCondLst>
+                                        </p:cTn>
+                                        <p:tgtEl>
+                                          <p:spTgt spid="3">
+                                            <p:txEl>
+                                              <p:pRg st="13" end="13"/>
+                                            </p:txEl>
+                                          </p:spTgt>
+                                        </p:tgtEl>
+                                        <p:attrNameLst>
+                                          <p:attrName>style.visibility</p:attrName>
+                                        </p:attrNameLst>
+                                      </p:cBhvr>
+                                      <p:to>
+                                        <p:strVal val="visible"/>
+                                      </p:to>
+                                    </p:set>
+                                    <p:animEffect transition="in" filter="fade">
+                                      <p:cBhvr>
+                                        <p:cTn id="56" dur="500"/>
+                                        <p:tgtEl>
+                                          <p:spTgt spid="3">
+                                            <p:txEl>
+                                              <p:pRg st="13" end="13"/>
+                                            </p:txEl>
+                                          </p:spTgt>
+                                        </p:tgtEl>
+                                      </p:cBhvr>
+                                    </p:animEffect>
+                                  </p:childTnLst>
+                                </p:cTn>
+                              </p:par>
+                              <p:par>
+                                <p:cTn id="57" presetID="10" presetClass="entr" presetSubtype="0" fill="hold" nodeType="withEffect">
+                                  <p:stCondLst>
+                                    <p:cond delay="0"/>
+                                  </p:stCondLst>
+                                  <p:childTnLst>
+                                    <p:set>
+                                      <p:cBhvr>
+                                        <p:cTn id="58" dur="1" fill="hold">
+                                          <p:stCondLst>
+                                            <p:cond delay="0"/>
+                                          </p:stCondLst>
+                                        </p:cTn>
+                                        <p:tgtEl>
+                                          <p:spTgt spid="3">
+                                            <p:txEl>
+                                              <p:pRg st="14" end="14"/>
+                                            </p:txEl>
+                                          </p:spTgt>
+                                        </p:tgtEl>
+                                        <p:attrNameLst>
+                                          <p:attrName>style.visibility</p:attrName>
+                                        </p:attrNameLst>
+                                      </p:cBhvr>
+                                      <p:to>
+                                        <p:strVal val="visible"/>
+                                      </p:to>
+                                    </p:set>
+                                    <p:animEffect transition="in" filter="fade">
+                                      <p:cBhvr>
+                                        <p:cTn id="59" dur="500"/>
+                                        <p:tgtEl>
+                                          <p:spTgt spid="3">
+                                            <p:txEl>
+                                              <p:pRg st="14" end="14"/>
+                                            </p:txEl>
+                                          </p:spTgt>
+                                        </p:tgtEl>
+                                      </p:cBhvr>
+                                    </p:animEffect>
+                                  </p:childTnLst>
+                                </p:cTn>
+                              </p:par>
+                              <p:par>
+                                <p:cTn id="60" presetID="10" presetClass="entr" presetSubtype="0" fill="hold" nodeType="withEffect">
+                                  <p:stCondLst>
+                                    <p:cond delay="0"/>
+                                  </p:stCondLst>
+                                  <p:childTnLst>
+                                    <p:set>
+                                      <p:cBhvr>
+                                        <p:cTn id="61" dur="1" fill="hold">
+                                          <p:stCondLst>
+                                            <p:cond delay="0"/>
+                                          </p:stCondLst>
+                                        </p:cTn>
+                                        <p:tgtEl>
+                                          <p:spTgt spid="3">
+                                            <p:txEl>
+                                              <p:pRg st="15" end="15"/>
+                                            </p:txEl>
+                                          </p:spTgt>
+                                        </p:tgtEl>
+                                        <p:attrNameLst>
+                                          <p:attrName>style.visibility</p:attrName>
+                                        </p:attrNameLst>
+                                      </p:cBhvr>
+                                      <p:to>
+                                        <p:strVal val="visible"/>
+                                      </p:to>
+                                    </p:set>
+                                    <p:animEffect transition="in" filter="fade">
+                                      <p:cBhvr>
+                                        <p:cTn id="62" dur="500"/>
+                                        <p:tgtEl>
+                                          <p:spTgt spid="3">
+                                            <p:txEl>
+                                              <p:pRg st="15" end="15"/>
                                             </p:txEl>
                                           </p:spTgt>
                                         </p:tgtEl>
@@ -19403,8 +19604,21 @@
             <a:pPr lvl="1"/>
             <a:r>
               <a:rPr lang="en-SG" dirty="0" smtClean="0"/>
-              <a:t>Some phones filter advertisement results, some phones do not. (4.3 and 4.4 only)</a:t>
-            </a:r>
+              <a:t>Some phones filter advertisement results, some phones do not. </a:t>
+            </a:r>
+            <a:r>
+              <a:rPr lang="en-SG" dirty="0" smtClean="0"/>
+              <a:t>(usually on 4.3 </a:t>
+            </a:r>
+            <a:r>
+              <a:rPr lang="en-SG" dirty="0" smtClean="0"/>
+              <a:t>and </a:t>
+            </a:r>
+            <a:r>
+              <a:rPr lang="en-SG" dirty="0" smtClean="0"/>
+              <a:t>4.4)</a:t>
+            </a:r>
+            <a:endParaRPr lang="en-SG" dirty="0" smtClean="0"/>
           </a:p>
           <a:p>
             <a:pPr marL="514350" indent="-514350">
@@ -22466,49 +22680,49 @@
                 <a:gridCol w="1126671">
                   <a:extLst>
                     <a:ext uri="{9D8B030D-6E8A-4147-A177-3AD203B41FA5}">
-                      <a16:colId xmlns:a16="http://schemas.microsoft.com/office/drawing/2014/main" val="20000"/>
+                      <a16:colId xmlns:a16="http://schemas.microsoft.com/office/drawing/2014/main" xmlns="" val="20000"/>
                     </a:ext>
                   </a:extLst>
                 </a:gridCol>
                 <a:gridCol w="1091118">
                   <a:extLst>
                     <a:ext uri="{9D8B030D-6E8A-4147-A177-3AD203B41FA5}">
-                      <a16:colId xmlns:a16="http://schemas.microsoft.com/office/drawing/2014/main" val="20001"/>
+                      <a16:colId xmlns:a16="http://schemas.microsoft.com/office/drawing/2014/main" xmlns="" val="20001"/>
                     </a:ext>
                   </a:extLst>
                 </a:gridCol>
                 <a:gridCol w="1423219">
                   <a:extLst>
                     <a:ext uri="{9D8B030D-6E8A-4147-A177-3AD203B41FA5}">
-                      <a16:colId xmlns:a16="http://schemas.microsoft.com/office/drawing/2014/main" val="20002"/>
+                      <a16:colId xmlns:a16="http://schemas.microsoft.com/office/drawing/2014/main" xmlns="" val="20002"/>
                     </a:ext>
                   </a:extLst>
                 </a:gridCol>
                 <a:gridCol w="671052">
                   <a:extLst>
                     <a:ext uri="{9D8B030D-6E8A-4147-A177-3AD203B41FA5}">
-                      <a16:colId xmlns:a16="http://schemas.microsoft.com/office/drawing/2014/main" val="20003"/>
+                      <a16:colId xmlns:a16="http://schemas.microsoft.com/office/drawing/2014/main" xmlns="" val="20003"/>
                     </a:ext>
                   </a:extLst>
                 </a:gridCol>
                 <a:gridCol w="648929">
                   <a:extLst>
                     <a:ext uri="{9D8B030D-6E8A-4147-A177-3AD203B41FA5}">
-                      <a16:colId xmlns:a16="http://schemas.microsoft.com/office/drawing/2014/main" val="20004"/>
+                      <a16:colId xmlns:a16="http://schemas.microsoft.com/office/drawing/2014/main" xmlns="" val="20004"/>
                     </a:ext>
                   </a:extLst>
                 </a:gridCol>
                 <a:gridCol w="1939413">
                   <a:extLst>
                     <a:ext uri="{9D8B030D-6E8A-4147-A177-3AD203B41FA5}">
-                      <a16:colId xmlns:a16="http://schemas.microsoft.com/office/drawing/2014/main" val="20005"/>
+                      <a16:colId xmlns:a16="http://schemas.microsoft.com/office/drawing/2014/main" xmlns="" val="20005"/>
                     </a:ext>
                   </a:extLst>
                 </a:gridCol>
                 <a:gridCol w="986295">
                   <a:extLst>
                     <a:ext uri="{9D8B030D-6E8A-4147-A177-3AD203B41FA5}">
-                      <a16:colId xmlns:a16="http://schemas.microsoft.com/office/drawing/2014/main" val="20006"/>
+                      <a16:colId xmlns:a16="http://schemas.microsoft.com/office/drawing/2014/main" xmlns="" val="20006"/>
                     </a:ext>
                   </a:extLst>
                 </a:gridCol>
@@ -22622,7 +22836,7 @@
                 </a:tc>
                 <a:extLst>
                   <a:ext uri="{0D108BD9-81ED-4DB2-BD59-A6C34878D82A}">
-                    <a16:rowId xmlns:a16="http://schemas.microsoft.com/office/drawing/2014/main" val="10000"/>
+                    <a16:rowId xmlns:a16="http://schemas.microsoft.com/office/drawing/2014/main" xmlns="" val="10000"/>
                   </a:ext>
                 </a:extLst>
               </a:tr>
@@ -22760,7 +22974,7 @@
                 </a:tc>
                 <a:extLst>
                   <a:ext uri="{0D108BD9-81ED-4DB2-BD59-A6C34878D82A}">
-                    <a16:rowId xmlns:a16="http://schemas.microsoft.com/office/drawing/2014/main" val="10001"/>
+                    <a16:rowId xmlns:a16="http://schemas.microsoft.com/office/drawing/2014/main" xmlns="" val="10001"/>
                   </a:ext>
                 </a:extLst>
               </a:tr>
@@ -33004,6 +33218,13 @@
   <p:clrMapOvr>
     <a:masterClrMapping/>
   </p:clrMapOvr>
+  <p:timing>
+    <p:tnLst>
+      <p:par>
+        <p:cTn id="1" dur="indefinite" restart="never" nodeType="tmRoot"/>
+      </p:par>
+    </p:tnLst>
+  </p:timing>
 </p:sld>
 </file>
 
@@ -33031,7 +33252,7 @@
           <p:nvPr/>
         </p:nvSpPr>
         <p:spPr>
-          <a:xfrm>
+          <a:xfrm rot="10800000">
             <a:off x="985718" y="489080"/>
             <a:ext cx="7121763" cy="6166028"/>
           </a:xfrm>
@@ -33124,7 +33345,7 @@
         </p:nvSpPr>
         <p:spPr>
           <a:xfrm>
-            <a:off x="4820835" y="489080"/>
+            <a:off x="4965209" y="6178984"/>
             <a:ext cx="2118080" cy="461665"/>
           </a:xfrm>
           <a:prstGeom prst="rect">
@@ -33162,7 +33383,7 @@
         </p:nvSpPr>
         <p:spPr>
           <a:xfrm>
-            <a:off x="0" y="5948152"/>
+            <a:off x="7963649" y="489080"/>
             <a:ext cx="1235275" cy="461665"/>
           </a:xfrm>
           <a:prstGeom prst="rect">
@@ -33200,7 +33421,7 @@
         </p:nvSpPr>
         <p:spPr>
           <a:xfrm>
-            <a:off x="7993615" y="6072439"/>
+            <a:off x="0" y="489080"/>
             <a:ext cx="1236236" cy="461665"/>
           </a:xfrm>
           <a:prstGeom prst="rect">
@@ -33275,8 +33496,8 @@
           <p:nvPr/>
         </p:nvSpPr>
         <p:spPr>
-          <a:xfrm>
-            <a:off x="1136783" y="5230059"/>
+          <a:xfrm rot="10800000">
+            <a:off x="4148402" y="593849"/>
             <a:ext cx="3815247" cy="1366594"/>
           </a:xfrm>
           <a:prstGeom prst="triangle">
@@ -33306,7 +33527,14 @@
           </a:fontRef>
         </p:style>
         <p:txBody>
-          <a:bodyPr rtlCol="0" anchor="t" anchorCtr="0"/>
+          <a:bodyPr rtlCol="0" anchor="t" anchorCtr="0">
+            <a:scene3d>
+              <a:camera prst="orthographicFront">
+                <a:rot lat="0" lon="0" rev="10800000"/>
+              </a:camera>
+              <a:lightRig rig="threePt" dir="t"/>
+            </a:scene3d>
+          </a:bodyPr>
           <a:lstStyle/>
           <a:p>
             <a:pPr algn="ctr"/>
@@ -33333,8 +33561,8 @@
           <p:nvPr/>
         </p:nvSpPr>
         <p:spPr>
-          <a:xfrm>
-            <a:off x="3183468" y="4477920"/>
+          <a:xfrm rot="10800000">
+            <a:off x="2820909" y="2175261"/>
             <a:ext cx="3539524" cy="1074248"/>
           </a:xfrm>
           <a:prstGeom prst="triangle">
@@ -33379,8 +33607,8 @@
           <p:nvPr/>
         </p:nvSpPr>
         <p:spPr>
-          <a:xfrm>
-            <a:off x="3958620" y="4477919"/>
+          <a:xfrm rot="10800000">
+            <a:off x="2010223" y="2174705"/>
             <a:ext cx="3492047" cy="1074248"/>
           </a:xfrm>
           <a:prstGeom prst="triangle">
@@ -33425,8 +33653,8 @@
           <p:nvPr/>
         </p:nvSpPr>
         <p:spPr>
-          <a:xfrm>
-            <a:off x="4127984" y="720182"/>
+          <a:xfrm rot="10800000">
+            <a:off x="4148402" y="5910016"/>
             <a:ext cx="837225" cy="541168"/>
           </a:xfrm>
           <a:prstGeom prst="triangle">
@@ -33456,7 +33684,14 @@
           </a:fontRef>
         </p:style>
         <p:txBody>
-          <a:bodyPr rtlCol="0" anchor="ctr"/>
+          <a:bodyPr rtlCol="0" anchor="b" anchorCtr="0">
+            <a:scene3d>
+              <a:camera prst="orthographicFront">
+                <a:rot lat="0" lon="0" rev="10800000"/>
+              </a:camera>
+              <a:lightRig rig="threePt" dir="t"/>
+            </a:scene3d>
+          </a:bodyPr>
           <a:lstStyle/>
           <a:p>
             <a:pPr algn="ctr"/>
@@ -33484,7 +33719,7 @@
         </p:nvSpPr>
         <p:spPr>
           <a:xfrm>
-            <a:off x="6352140" y="1047974"/>
+            <a:off x="6278601" y="3655023"/>
             <a:ext cx="2877711" cy="2308324"/>
           </a:xfrm>
           <a:prstGeom prst="rect">
@@ -33583,8 +33818,8 @@
           <p:nvPr/>
         </p:nvSpPr>
         <p:spPr>
-          <a:xfrm>
-            <a:off x="2673767" y="2603893"/>
+          <a:xfrm rot="10800000">
+            <a:off x="4183192" y="3597550"/>
             <a:ext cx="1872833" cy="1504810"/>
           </a:xfrm>
           <a:prstGeom prst="triangle">
@@ -33614,7 +33849,14 @@
           </a:fontRef>
         </p:style>
         <p:txBody>
-          <a:bodyPr rtlCol="0" anchor="ctr"/>
+          <a:bodyPr rtlCol="0" anchor="ctr">
+            <a:scene3d>
+              <a:camera prst="orthographicFront">
+                <a:rot lat="0" lon="0" rev="10800000"/>
+              </a:camera>
+              <a:lightRig rig="threePt" dir="t"/>
+            </a:scene3d>
+          </a:bodyPr>
           <a:lstStyle/>
           <a:p>
             <a:pPr algn="ctr"/>
@@ -33641,8 +33883,8 @@
           <p:nvPr/>
         </p:nvSpPr>
         <p:spPr>
-          <a:xfrm>
-            <a:off x="3251199" y="2000181"/>
+          <a:xfrm rot="10800000">
+            <a:off x="4546599" y="3601617"/>
             <a:ext cx="933411" cy="2110272"/>
           </a:xfrm>
           <a:prstGeom prst="triangle">
@@ -33691,8 +33933,8 @@
           <p:nvPr/>
         </p:nvSpPr>
         <p:spPr>
-          <a:xfrm>
-            <a:off x="3279829" y="3139922"/>
+          <a:xfrm rot="10800000">
+            <a:off x="3558065" y="3596975"/>
             <a:ext cx="1930400" cy="966801"/>
           </a:xfrm>
           <a:prstGeom prst="triangle">
@@ -33717,7 +33959,14 @@
           </a:fontRef>
         </p:style>
         <p:txBody>
-          <a:bodyPr rtlCol="0" anchor="b" anchorCtr="0"/>
+          <a:bodyPr rtlCol="0" anchor="b" anchorCtr="0">
+            <a:scene3d>
+              <a:camera prst="orthographicFront">
+                <a:rot lat="0" lon="0" rev="10799999"/>
+              </a:camera>
+              <a:lightRig rig="threePt" dir="t"/>
+            </a:scene3d>
+          </a:bodyPr>
           <a:lstStyle/>
           <a:p>
             <a:pPr algn="ctr"/>
@@ -33745,7 +33994,7 @@
         </p:nvSpPr>
         <p:spPr>
           <a:xfrm>
-            <a:off x="5592296" y="4984762"/>
+            <a:off x="2687831" y="2108338"/>
             <a:ext cx="1296189" cy="646331"/>
           </a:xfrm>
           <a:prstGeom prst="rect">
@@ -33793,7 +34042,7 @@
         </p:nvSpPr>
         <p:spPr>
           <a:xfrm>
-            <a:off x="3958620" y="4974731"/>
+            <a:off x="4655071" y="2158095"/>
             <a:ext cx="1469698" cy="646331"/>
           </a:xfrm>
           <a:prstGeom prst="rect">
@@ -33846,7 +34095,7 @@
         </p:nvSpPr>
         <p:spPr>
           <a:xfrm>
-            <a:off x="3765594" y="1949985"/>
+            <a:off x="4445515" y="5057906"/>
             <a:ext cx="519694" cy="369332"/>
           </a:xfrm>
           <a:prstGeom prst="rect">
@@ -33879,7 +34128,7 @@
     </p:spTree>
     <p:extLst>
       <p:ext uri="{BB962C8B-B14F-4D97-AF65-F5344CB8AC3E}">
-        <p14:creationId xmlns:p14="http://schemas.microsoft.com/office/powerpoint/2010/main" val="2248746298"/>
+        <p14:creationId xmlns:p14="http://schemas.microsoft.com/office/powerpoint/2010/main" val="1834580421"/>
       </p:ext>
     </p:extLst>
   </p:cSld>

--- a/intro to ble.pptx
+++ b/intro to ble.pptx
@@ -244,7 +244,7 @@
           <a:p>
             <a:fld id="{CB69E15D-2E95-428C-B9E3-27B2BF3879D0}" type="datetimeFigureOut">
               <a:rPr lang="en-SG" smtClean="0"/>
-              <a:t>16/2/16</a:t>
+              <a:t>17/2/2016</a:t>
             </a:fld>
             <a:endParaRPr lang="en-SG"/>
           </a:p>
@@ -811,7 +811,7 @@
           <a:p>
             <a:fld id="{14C94871-C4DF-4AFD-96E5-87B050A67E05}" type="datetime1">
               <a:rPr lang="en-SG" smtClean="0"/>
-              <a:t>16/2/16</a:t>
+              <a:t>17/2/2016</a:t>
             </a:fld>
             <a:endParaRPr lang="en-SG"/>
           </a:p>
@@ -981,7 +981,7 @@
           <a:p>
             <a:fld id="{76A6DE21-0D8F-4C8C-AF6A-521466B16426}" type="datetime1">
               <a:rPr lang="en-SG" smtClean="0"/>
-              <a:t>16/2/16</a:t>
+              <a:t>17/2/2016</a:t>
             </a:fld>
             <a:endParaRPr lang="en-SG"/>
           </a:p>
@@ -1161,7 +1161,7 @@
           <a:p>
             <a:fld id="{16A18ED7-72CF-4BB2-8941-928963568089}" type="datetime1">
               <a:rPr lang="en-SG" smtClean="0"/>
-              <a:t>16/2/16</a:t>
+              <a:t>17/2/2016</a:t>
             </a:fld>
             <a:endParaRPr lang="en-SG"/>
           </a:p>
@@ -1331,7 +1331,7 @@
           <a:p>
             <a:fld id="{7FD7CD52-9833-4DD5-89FF-33E59F171421}" type="datetime1">
               <a:rPr lang="en-SG" smtClean="0"/>
-              <a:t>16/2/16</a:t>
+              <a:t>17/2/2016</a:t>
             </a:fld>
             <a:endParaRPr lang="en-SG"/>
           </a:p>
@@ -1575,7 +1575,7 @@
           <a:p>
             <a:fld id="{E74C9598-7F32-4DE4-BFF0-39C051013B34}" type="datetime1">
               <a:rPr lang="en-SG" smtClean="0"/>
-              <a:t>16/2/16</a:t>
+              <a:t>17/2/2016</a:t>
             </a:fld>
             <a:endParaRPr lang="en-SG"/>
           </a:p>
@@ -1807,7 +1807,7 @@
           <a:p>
             <a:fld id="{5DC821E8-33B0-41D5-8FA5-9A647E53891C}" type="datetime1">
               <a:rPr lang="en-SG" smtClean="0"/>
-              <a:t>16/2/16</a:t>
+              <a:t>17/2/2016</a:t>
             </a:fld>
             <a:endParaRPr lang="en-SG"/>
           </a:p>
@@ -2174,7 +2174,7 @@
           <a:p>
             <a:fld id="{751CCC62-50F5-4228-8D51-6D258C0BFCBD}" type="datetime1">
               <a:rPr lang="en-SG" smtClean="0"/>
-              <a:t>16/2/16</a:t>
+              <a:t>17/2/2016</a:t>
             </a:fld>
             <a:endParaRPr lang="en-SG"/>
           </a:p>
@@ -2292,7 +2292,7 @@
           <a:p>
             <a:fld id="{776807E8-5434-437A-A610-A94C24A73164}" type="datetime1">
               <a:rPr lang="en-SG" smtClean="0"/>
-              <a:t>16/2/16</a:t>
+              <a:t>17/2/2016</a:t>
             </a:fld>
             <a:endParaRPr lang="en-SG"/>
           </a:p>
@@ -2387,7 +2387,7 @@
           <a:p>
             <a:fld id="{18AC243E-E412-41F8-A99C-62E3D2C4FD1E}" type="datetime1">
               <a:rPr lang="en-SG" smtClean="0"/>
-              <a:t>16/2/16</a:t>
+              <a:t>17/2/2016</a:t>
             </a:fld>
             <a:endParaRPr lang="en-SG"/>
           </a:p>
@@ -2664,7 +2664,7 @@
           <a:p>
             <a:fld id="{30DD06DC-63F5-45CF-A3A5-F437A0C7E12A}" type="datetime1">
               <a:rPr lang="en-SG" smtClean="0"/>
-              <a:t>16/2/16</a:t>
+              <a:t>17/2/2016</a:t>
             </a:fld>
             <a:endParaRPr lang="en-SG"/>
           </a:p>
@@ -2921,7 +2921,7 @@
           <a:p>
             <a:fld id="{7810AE82-8C34-472D-B90B-4D50508F585C}" type="datetime1">
               <a:rPr lang="en-SG" smtClean="0"/>
-              <a:t>16/2/16</a:t>
+              <a:t>17/2/2016</a:t>
             </a:fld>
             <a:endParaRPr lang="en-SG"/>
           </a:p>
@@ -3134,7 +3134,7 @@
           <a:p>
             <a:fld id="{393BD624-3486-430E-A0CD-3F2C92C8E573}" type="datetime1">
               <a:rPr lang="en-SG" smtClean="0"/>
-              <a:t>16/2/16</a:t>
+              <a:t>17/2/2016</a:t>
             </a:fld>
             <a:endParaRPr lang="en-SG"/>
           </a:p>
@@ -4170,13 +4170,6 @@
   <p:clrMapOvr>
     <a:masterClrMapping/>
   </p:clrMapOvr>
-  <p:timing>
-    <p:tnLst>
-      <p:par>
-        <p:cTn id="1" dur="indefinite" restart="never" nodeType="tmRoot"/>
-      </p:par>
-    </p:tnLst>
-  </p:timing>
 </p:sld>
 </file>
 
@@ -5575,14 +5568,14 @@
                 <a:gridCol w="3368099">
                   <a:extLst>
                     <a:ext uri="{9D8B030D-6E8A-4147-A177-3AD203B41FA5}">
-                      <a16:colId xmlns:a16="http://schemas.microsoft.com/office/drawing/2014/main" xmlns="" val="20000"/>
+                      <a16:colId xmlns:a16="http://schemas.microsoft.com/office/drawing/2014/main" val="20000"/>
                     </a:ext>
                   </a:extLst>
                 </a:gridCol>
                 <a:gridCol w="5174322">
                   <a:extLst>
                     <a:ext uri="{9D8B030D-6E8A-4147-A177-3AD203B41FA5}">
-                      <a16:colId xmlns:a16="http://schemas.microsoft.com/office/drawing/2014/main" xmlns="" val="20001"/>
+                      <a16:colId xmlns:a16="http://schemas.microsoft.com/office/drawing/2014/main" val="20001"/>
                     </a:ext>
                   </a:extLst>
                 </a:gridCol>
@@ -5622,7 +5615,7 @@
                 </a:tc>
                 <a:extLst>
                   <a:ext uri="{0D108BD9-81ED-4DB2-BD59-A6C34878D82A}">
-                    <a16:rowId xmlns:a16="http://schemas.microsoft.com/office/drawing/2014/main" xmlns="" val="10000"/>
+                    <a16:rowId xmlns:a16="http://schemas.microsoft.com/office/drawing/2014/main" val="10000"/>
                   </a:ext>
                 </a:extLst>
               </a:tr>
@@ -5657,7 +5650,7 @@
                 </a:tc>
                 <a:extLst>
                   <a:ext uri="{0D108BD9-81ED-4DB2-BD59-A6C34878D82A}">
-                    <a16:rowId xmlns:a16="http://schemas.microsoft.com/office/drawing/2014/main" xmlns="" val="10001"/>
+                    <a16:rowId xmlns:a16="http://schemas.microsoft.com/office/drawing/2014/main" val="10001"/>
                   </a:ext>
                 </a:extLst>
               </a:tr>
@@ -5692,7 +5685,7 @@
                 </a:tc>
                 <a:extLst>
                   <a:ext uri="{0D108BD9-81ED-4DB2-BD59-A6C34878D82A}">
-                    <a16:rowId xmlns:a16="http://schemas.microsoft.com/office/drawing/2014/main" xmlns="" val="10002"/>
+                    <a16:rowId xmlns:a16="http://schemas.microsoft.com/office/drawing/2014/main" val="10002"/>
                   </a:ext>
                 </a:extLst>
               </a:tr>
@@ -5727,7 +5720,7 @@
                 </a:tc>
                 <a:extLst>
                   <a:ext uri="{0D108BD9-81ED-4DB2-BD59-A6C34878D82A}">
-                    <a16:rowId xmlns:a16="http://schemas.microsoft.com/office/drawing/2014/main" xmlns="" val="10003"/>
+                    <a16:rowId xmlns:a16="http://schemas.microsoft.com/office/drawing/2014/main" val="10003"/>
                   </a:ext>
                 </a:extLst>
               </a:tr>
@@ -6040,14 +6033,14 @@
                 <a:gridCol w="4184649">
                   <a:extLst>
                     <a:ext uri="{9D8B030D-6E8A-4147-A177-3AD203B41FA5}">
-                      <a16:colId xmlns:a16="http://schemas.microsoft.com/office/drawing/2014/main" xmlns="" val="20000"/>
+                      <a16:colId xmlns:a16="http://schemas.microsoft.com/office/drawing/2014/main" val="20000"/>
                     </a:ext>
                   </a:extLst>
                 </a:gridCol>
                 <a:gridCol w="4184649">
                   <a:extLst>
                     <a:ext uri="{9D8B030D-6E8A-4147-A177-3AD203B41FA5}">
-                      <a16:colId xmlns:a16="http://schemas.microsoft.com/office/drawing/2014/main" xmlns="" val="20001"/>
+                      <a16:colId xmlns:a16="http://schemas.microsoft.com/office/drawing/2014/main" val="20001"/>
                     </a:ext>
                   </a:extLst>
                 </a:gridCol>
@@ -6089,7 +6082,7 @@
                 </a:tc>
                 <a:extLst>
                   <a:ext uri="{0D108BD9-81ED-4DB2-BD59-A6C34878D82A}">
-                    <a16:rowId xmlns:a16="http://schemas.microsoft.com/office/drawing/2014/main" xmlns="" val="10000"/>
+                    <a16:rowId xmlns:a16="http://schemas.microsoft.com/office/drawing/2014/main" val="10000"/>
                   </a:ext>
                 </a:extLst>
               </a:tr>
@@ -6619,7 +6612,7 @@
                 </a:tc>
                 <a:extLst>
                   <a:ext uri="{0D108BD9-81ED-4DB2-BD59-A6C34878D82A}">
-                    <a16:rowId xmlns:a16="http://schemas.microsoft.com/office/drawing/2014/main" xmlns="" val="10001"/>
+                    <a16:rowId xmlns:a16="http://schemas.microsoft.com/office/drawing/2014/main" val="10001"/>
                   </a:ext>
                 </a:extLst>
               </a:tr>
@@ -14772,14 +14765,14 @@
                 <a:gridCol w="2702014">
                   <a:extLst>
                     <a:ext uri="{9D8B030D-6E8A-4147-A177-3AD203B41FA5}">
-                      <a16:colId xmlns:a16="http://schemas.microsoft.com/office/drawing/2014/main" xmlns="" val="20000"/>
+                      <a16:colId xmlns:a16="http://schemas.microsoft.com/office/drawing/2014/main" val="20000"/>
                     </a:ext>
                   </a:extLst>
                 </a:gridCol>
                 <a:gridCol w="6095637">
                   <a:extLst>
                     <a:ext uri="{9D8B030D-6E8A-4147-A177-3AD203B41FA5}">
-                      <a16:colId xmlns:a16="http://schemas.microsoft.com/office/drawing/2014/main" xmlns="" val="20001"/>
+                      <a16:colId xmlns:a16="http://schemas.microsoft.com/office/drawing/2014/main" val="20001"/>
                     </a:ext>
                   </a:extLst>
                 </a:gridCol>
@@ -14827,7 +14820,7 @@
                 </a:tc>
                 <a:extLst>
                   <a:ext uri="{0D108BD9-81ED-4DB2-BD59-A6C34878D82A}">
-                    <a16:rowId xmlns:a16="http://schemas.microsoft.com/office/drawing/2014/main" xmlns="" val="10000"/>
+                    <a16:rowId xmlns:a16="http://schemas.microsoft.com/office/drawing/2014/main" val="10000"/>
                   </a:ext>
                 </a:extLst>
               </a:tr>
@@ -14870,7 +14863,7 @@
                 </a:tc>
                 <a:extLst>
                   <a:ext uri="{0D108BD9-81ED-4DB2-BD59-A6C34878D82A}">
-                    <a16:rowId xmlns:a16="http://schemas.microsoft.com/office/drawing/2014/main" xmlns="" val="10001"/>
+                    <a16:rowId xmlns:a16="http://schemas.microsoft.com/office/drawing/2014/main" val="10001"/>
                   </a:ext>
                 </a:extLst>
               </a:tr>
@@ -14921,7 +14914,7 @@
                 </a:tc>
                 <a:extLst>
                   <a:ext uri="{0D108BD9-81ED-4DB2-BD59-A6C34878D82A}">
-                    <a16:rowId xmlns:a16="http://schemas.microsoft.com/office/drawing/2014/main" xmlns="" val="10002"/>
+                    <a16:rowId xmlns:a16="http://schemas.microsoft.com/office/drawing/2014/main" val="10002"/>
                   </a:ext>
                 </a:extLst>
               </a:tr>
@@ -14956,7 +14949,7 @@
                 </a:tc>
                 <a:extLst>
                   <a:ext uri="{0D108BD9-81ED-4DB2-BD59-A6C34878D82A}">
-                    <a16:rowId xmlns:a16="http://schemas.microsoft.com/office/drawing/2014/main" xmlns="" val="10003"/>
+                    <a16:rowId xmlns:a16="http://schemas.microsoft.com/office/drawing/2014/main" val="10003"/>
                   </a:ext>
                 </a:extLst>
               </a:tr>
@@ -15007,7 +15000,7 @@
                 </a:tc>
                 <a:extLst>
                   <a:ext uri="{0D108BD9-81ED-4DB2-BD59-A6C34878D82A}">
-                    <a16:rowId xmlns:a16="http://schemas.microsoft.com/office/drawing/2014/main" xmlns="" val="10004"/>
+                    <a16:rowId xmlns:a16="http://schemas.microsoft.com/office/drawing/2014/main" val="10004"/>
                   </a:ext>
                 </a:extLst>
               </a:tr>
@@ -17796,11 +17789,7 @@
             <a:pPr lvl="1"/>
             <a:r>
               <a:rPr lang="en-SG" dirty="0" smtClean="0"/>
-              <a:t>~20 (online anecdotes</a:t>
-            </a:r>
-            <a:r>
-              <a:rPr lang="en-SG" dirty="0" smtClean="0"/>
-              <a:t>)</a:t>
+              <a:t>~20 (online anecdotes)</a:t>
             </a:r>
           </a:p>
           <a:p>
@@ -19604,21 +19593,8 @@
             <a:pPr lvl="1"/>
             <a:r>
               <a:rPr lang="en-SG" dirty="0" smtClean="0"/>
-              <a:t>Some phones filter advertisement results, some phones do not. </a:t>
-            </a:r>
-            <a:r>
-              <a:rPr lang="en-SG" dirty="0" smtClean="0"/>
-              <a:t>(usually on 4.3 </a:t>
-            </a:r>
-            <a:r>
-              <a:rPr lang="en-SG" dirty="0" smtClean="0"/>
-              <a:t>and </a:t>
-            </a:r>
-            <a:r>
-              <a:rPr lang="en-SG" dirty="0" smtClean="0"/>
-              <a:t>4.4)</a:t>
-            </a:r>
-            <a:endParaRPr lang="en-SG" dirty="0" smtClean="0"/>
+              <a:t>Some phones filter advertisement results, some phones do not. (usually on 4.3 and 4.4)</a:t>
+            </a:r>
           </a:p>
           <a:p>
             <a:pPr marL="514350" indent="-514350">
@@ -22680,49 +22656,49 @@
                 <a:gridCol w="1126671">
                   <a:extLst>
                     <a:ext uri="{9D8B030D-6E8A-4147-A177-3AD203B41FA5}">
-                      <a16:colId xmlns:a16="http://schemas.microsoft.com/office/drawing/2014/main" xmlns="" val="20000"/>
+                      <a16:colId xmlns:a16="http://schemas.microsoft.com/office/drawing/2014/main" val="20000"/>
                     </a:ext>
                   </a:extLst>
                 </a:gridCol>
                 <a:gridCol w="1091118">
                   <a:extLst>
                     <a:ext uri="{9D8B030D-6E8A-4147-A177-3AD203B41FA5}">
-                      <a16:colId xmlns:a16="http://schemas.microsoft.com/office/drawing/2014/main" xmlns="" val="20001"/>
+                      <a16:colId xmlns:a16="http://schemas.microsoft.com/office/drawing/2014/main" val="20001"/>
                     </a:ext>
                   </a:extLst>
                 </a:gridCol>
                 <a:gridCol w="1423219">
                   <a:extLst>
                     <a:ext uri="{9D8B030D-6E8A-4147-A177-3AD203B41FA5}">
-                      <a16:colId xmlns:a16="http://schemas.microsoft.com/office/drawing/2014/main" xmlns="" val="20002"/>
+                      <a16:colId xmlns:a16="http://schemas.microsoft.com/office/drawing/2014/main" val="20002"/>
                     </a:ext>
                   </a:extLst>
                 </a:gridCol>
                 <a:gridCol w="671052">
                   <a:extLst>
                     <a:ext uri="{9D8B030D-6E8A-4147-A177-3AD203B41FA5}">
-                      <a16:colId xmlns:a16="http://schemas.microsoft.com/office/drawing/2014/main" xmlns="" val="20003"/>
+                      <a16:colId xmlns:a16="http://schemas.microsoft.com/office/drawing/2014/main" val="20003"/>
                     </a:ext>
                   </a:extLst>
                 </a:gridCol>
                 <a:gridCol w="648929">
                   <a:extLst>
                     <a:ext uri="{9D8B030D-6E8A-4147-A177-3AD203B41FA5}">
-                      <a16:colId xmlns:a16="http://schemas.microsoft.com/office/drawing/2014/main" xmlns="" val="20004"/>
+                      <a16:colId xmlns:a16="http://schemas.microsoft.com/office/drawing/2014/main" val="20004"/>
                     </a:ext>
                   </a:extLst>
                 </a:gridCol>
                 <a:gridCol w="1939413">
                   <a:extLst>
                     <a:ext uri="{9D8B030D-6E8A-4147-A177-3AD203B41FA5}">
-                      <a16:colId xmlns:a16="http://schemas.microsoft.com/office/drawing/2014/main" xmlns="" val="20005"/>
+                      <a16:colId xmlns:a16="http://schemas.microsoft.com/office/drawing/2014/main" val="20005"/>
                     </a:ext>
                   </a:extLst>
                 </a:gridCol>
                 <a:gridCol w="986295">
                   <a:extLst>
                     <a:ext uri="{9D8B030D-6E8A-4147-A177-3AD203B41FA5}">
-                      <a16:colId xmlns:a16="http://schemas.microsoft.com/office/drawing/2014/main" xmlns="" val="20006"/>
+                      <a16:colId xmlns:a16="http://schemas.microsoft.com/office/drawing/2014/main" val="20006"/>
                     </a:ext>
                   </a:extLst>
                 </a:gridCol>
@@ -22836,7 +22812,7 @@
                 </a:tc>
                 <a:extLst>
                   <a:ext uri="{0D108BD9-81ED-4DB2-BD59-A6C34878D82A}">
-                    <a16:rowId xmlns:a16="http://schemas.microsoft.com/office/drawing/2014/main" xmlns="" val="10000"/>
+                    <a16:rowId xmlns:a16="http://schemas.microsoft.com/office/drawing/2014/main" val="10000"/>
                   </a:ext>
                 </a:extLst>
               </a:tr>
@@ -22974,7 +22950,7 @@
                 </a:tc>
                 <a:extLst>
                   <a:ext uri="{0D108BD9-81ED-4DB2-BD59-A6C34878D82A}">
-                    <a16:rowId xmlns:a16="http://schemas.microsoft.com/office/drawing/2014/main" xmlns="" val="10001"/>
+                    <a16:rowId xmlns:a16="http://schemas.microsoft.com/office/drawing/2014/main" val="10001"/>
                   </a:ext>
                 </a:extLst>
               </a:tr>
@@ -33218,13 +33194,6 @@
   <p:clrMapOvr>
     <a:masterClrMapping/>
   </p:clrMapOvr>
-  <p:timing>
-    <p:tnLst>
-      <p:par>
-        <p:cTn id="1" dur="indefinite" restart="never" nodeType="tmRoot"/>
-      </p:par>
-    </p:tnLst>
-  </p:timing>
 </p:sld>
 </file>
 
@@ -33491,228 +33460,6 @@
       </p:sp>
       <p:sp>
         <p:nvSpPr>
-          <p:cNvPr id="5" name="Isosceles Triangle 4"/>
-          <p:cNvSpPr/>
-          <p:nvPr/>
-        </p:nvSpPr>
-        <p:spPr>
-          <a:xfrm rot="10800000">
-            <a:off x="4148402" y="593849"/>
-            <a:ext cx="3815247" cy="1366594"/>
-          </a:xfrm>
-          <a:prstGeom prst="triangle">
-            <a:avLst>
-              <a:gd name="adj" fmla="val 50471"/>
-            </a:avLst>
-          </a:prstGeom>
-          <a:noFill/>
-          <a:ln>
-            <a:solidFill>
-              <a:srgbClr val="C00000"/>
-            </a:solidFill>
-          </a:ln>
-        </p:spPr>
-        <p:style>
-          <a:lnRef idx="2">
-            <a:schemeClr val="accent1"/>
-          </a:lnRef>
-          <a:fillRef idx="1">
-            <a:schemeClr val="lt1"/>
-          </a:fillRef>
-          <a:effectRef idx="0">
-            <a:schemeClr val="accent1"/>
-          </a:effectRef>
-          <a:fontRef idx="minor">
-            <a:schemeClr val="dk1"/>
-          </a:fontRef>
-        </p:style>
-        <p:txBody>
-          <a:bodyPr rtlCol="0" anchor="t" anchorCtr="0">
-            <a:scene3d>
-              <a:camera prst="orthographicFront">
-                <a:rot lat="0" lon="0" rev="10800000"/>
-              </a:camera>
-              <a:lightRig rig="threePt" dir="t"/>
-            </a:scene3d>
-          </a:bodyPr>
-          <a:lstStyle/>
-          <a:p>
-            <a:pPr algn="ctr"/>
-            <a:r>
-              <a:rPr lang="en-SG" dirty="0" smtClean="0">
-                <a:solidFill>
-                  <a:srgbClr val="C00000"/>
-                </a:solidFill>
-              </a:rPr>
-              <a:t>3G/4G</a:t>
-            </a:r>
-            <a:endParaRPr lang="en-SG" dirty="0">
-              <a:solidFill>
-                <a:srgbClr val="C00000"/>
-              </a:solidFill>
-            </a:endParaRPr>
-          </a:p>
-        </p:txBody>
-      </p:sp>
-      <p:sp>
-        <p:nvSpPr>
-          <p:cNvPr id="23" name="Isosceles Triangle 22"/>
-          <p:cNvSpPr/>
-          <p:nvPr/>
-        </p:nvSpPr>
-        <p:spPr>
-          <a:xfrm rot="10800000">
-            <a:off x="2820909" y="2175261"/>
-            <a:ext cx="3539524" cy="1074248"/>
-          </a:xfrm>
-          <a:prstGeom prst="triangle">
-            <a:avLst>
-              <a:gd name="adj" fmla="val 50328"/>
-            </a:avLst>
-          </a:prstGeom>
-          <a:noFill/>
-          <a:ln>
-            <a:solidFill>
-              <a:srgbClr val="FFC000"/>
-            </a:solidFill>
-          </a:ln>
-        </p:spPr>
-        <p:style>
-          <a:lnRef idx="2">
-            <a:schemeClr val="accent1"/>
-          </a:lnRef>
-          <a:fillRef idx="1">
-            <a:schemeClr val="lt1"/>
-          </a:fillRef>
-          <a:effectRef idx="0">
-            <a:schemeClr val="accent1"/>
-          </a:effectRef>
-          <a:fontRef idx="minor">
-            <a:schemeClr val="dk1"/>
-          </a:fontRef>
-        </p:style>
-        <p:txBody>
-          <a:bodyPr rtlCol="0" anchor="ctr"/>
-          <a:lstStyle/>
-          <a:p>
-            <a:pPr algn="ctr"/>
-            <a:endParaRPr lang="en-SG" sz="2000" dirty="0"/>
-          </a:p>
-        </p:txBody>
-      </p:sp>
-      <p:sp>
-        <p:nvSpPr>
-          <p:cNvPr id="26" name="Isosceles Triangle 25"/>
-          <p:cNvSpPr/>
-          <p:nvPr/>
-        </p:nvSpPr>
-        <p:spPr>
-          <a:xfrm rot="10800000">
-            <a:off x="2010223" y="2174705"/>
-            <a:ext cx="3492047" cy="1074248"/>
-          </a:xfrm>
-          <a:prstGeom prst="triangle">
-            <a:avLst>
-              <a:gd name="adj" fmla="val 50328"/>
-            </a:avLst>
-          </a:prstGeom>
-          <a:noFill/>
-          <a:ln>
-            <a:solidFill>
-              <a:srgbClr val="002060"/>
-            </a:solidFill>
-          </a:ln>
-        </p:spPr>
-        <p:style>
-          <a:lnRef idx="2">
-            <a:schemeClr val="accent1"/>
-          </a:lnRef>
-          <a:fillRef idx="1">
-            <a:schemeClr val="lt1"/>
-          </a:fillRef>
-          <a:effectRef idx="0">
-            <a:schemeClr val="accent1"/>
-          </a:effectRef>
-          <a:fontRef idx="minor">
-            <a:schemeClr val="dk1"/>
-          </a:fontRef>
-        </p:style>
-        <p:txBody>
-          <a:bodyPr rtlCol="0" anchor="ctr"/>
-          <a:lstStyle/>
-          <a:p>
-            <a:pPr algn="ctr"/>
-            <a:endParaRPr lang="en-SG" dirty="0"/>
-          </a:p>
-        </p:txBody>
-      </p:sp>
-      <p:sp>
-        <p:nvSpPr>
-          <p:cNvPr id="28" name="Isosceles Triangle 27"/>
-          <p:cNvSpPr/>
-          <p:nvPr/>
-        </p:nvSpPr>
-        <p:spPr>
-          <a:xfrm rot="10800000">
-            <a:off x="4148402" y="5910016"/>
-            <a:ext cx="837225" cy="541168"/>
-          </a:xfrm>
-          <a:prstGeom prst="triangle">
-            <a:avLst>
-              <a:gd name="adj" fmla="val 50328"/>
-            </a:avLst>
-          </a:prstGeom>
-          <a:noFill/>
-          <a:ln>
-            <a:solidFill>
-              <a:schemeClr val="accent2"/>
-            </a:solidFill>
-          </a:ln>
-        </p:spPr>
-        <p:style>
-          <a:lnRef idx="2">
-            <a:schemeClr val="accent1"/>
-          </a:lnRef>
-          <a:fillRef idx="1">
-            <a:schemeClr val="lt1"/>
-          </a:fillRef>
-          <a:effectRef idx="0">
-            <a:schemeClr val="accent1"/>
-          </a:effectRef>
-          <a:fontRef idx="minor">
-            <a:schemeClr val="dk1"/>
-          </a:fontRef>
-        </p:style>
-        <p:txBody>
-          <a:bodyPr rtlCol="0" anchor="b" anchorCtr="0">
-            <a:scene3d>
-              <a:camera prst="orthographicFront">
-                <a:rot lat="0" lon="0" rev="10800000"/>
-              </a:camera>
-              <a:lightRig rig="threePt" dir="t"/>
-            </a:scene3d>
-          </a:bodyPr>
-          <a:lstStyle/>
-          <a:p>
-            <a:pPr algn="ctr"/>
-            <a:r>
-              <a:rPr lang="en-SG" sz="900" dirty="0" smtClean="0">
-                <a:solidFill>
-                  <a:schemeClr val="accent2"/>
-                </a:solidFill>
-              </a:rPr>
-              <a:t>RFID/NFC</a:t>
-            </a:r>
-            <a:endParaRPr lang="en-SG" sz="900" dirty="0">
-              <a:solidFill>
-                <a:schemeClr val="accent2"/>
-              </a:solidFill>
-            </a:endParaRPr>
-          </a:p>
-        </p:txBody>
-      </p:sp>
-      <p:sp>
-        <p:nvSpPr>
           <p:cNvPr id="31" name="TextBox 30"/>
           <p:cNvSpPr txBox="1"/>
           <p:nvPr/>
@@ -33813,189 +33560,14 @@
       </p:sp>
       <p:sp>
         <p:nvSpPr>
-          <p:cNvPr id="32" name="Isosceles Triangle 31"/>
-          <p:cNvSpPr/>
-          <p:nvPr/>
-        </p:nvSpPr>
-        <p:spPr>
-          <a:xfrm rot="10800000">
-            <a:off x="4183192" y="3597550"/>
-            <a:ext cx="1872833" cy="1504810"/>
-          </a:xfrm>
-          <a:prstGeom prst="triangle">
-            <a:avLst>
-              <a:gd name="adj" fmla="val 50328"/>
-            </a:avLst>
-          </a:prstGeom>
-          <a:noFill/>
-          <a:ln>
-            <a:solidFill>
-              <a:srgbClr val="FF0000"/>
-            </a:solidFill>
-          </a:ln>
-        </p:spPr>
-        <p:style>
-          <a:lnRef idx="2">
-            <a:schemeClr val="accent1"/>
-          </a:lnRef>
-          <a:fillRef idx="1">
-            <a:schemeClr val="lt1"/>
-          </a:fillRef>
-          <a:effectRef idx="0">
-            <a:schemeClr val="accent1"/>
-          </a:effectRef>
-          <a:fontRef idx="minor">
-            <a:schemeClr val="dk1"/>
-          </a:fontRef>
-        </p:style>
-        <p:txBody>
-          <a:bodyPr rtlCol="0" anchor="ctr">
-            <a:scene3d>
-              <a:camera prst="orthographicFront">
-                <a:rot lat="0" lon="0" rev="10800000"/>
-              </a:camera>
-              <a:lightRig rig="threePt" dir="t"/>
-            </a:scene3d>
-          </a:bodyPr>
-          <a:lstStyle/>
-          <a:p>
-            <a:pPr algn="ctr"/>
-            <a:r>
-              <a:rPr lang="en-SG" dirty="0" err="1" smtClean="0">
-                <a:solidFill>
-                  <a:srgbClr val="FF0000"/>
-                </a:solidFill>
-              </a:rPr>
-              <a:t>Zigbee</a:t>
-            </a:r>
-            <a:endParaRPr lang="en-SG" dirty="0">
-              <a:solidFill>
-                <a:srgbClr val="FF0000"/>
-              </a:solidFill>
-            </a:endParaRPr>
-          </a:p>
-        </p:txBody>
-      </p:sp>
-      <p:sp>
-        <p:nvSpPr>
-          <p:cNvPr id="30" name="Isosceles Triangle 29"/>
-          <p:cNvSpPr/>
-          <p:nvPr/>
-        </p:nvSpPr>
-        <p:spPr>
-          <a:xfrm rot="10800000">
-            <a:off x="4546599" y="3601617"/>
-            <a:ext cx="933411" cy="2110272"/>
-          </a:xfrm>
-          <a:prstGeom prst="triangle">
-            <a:avLst>
-              <a:gd name="adj" fmla="val 50328"/>
-            </a:avLst>
-          </a:prstGeom>
-          <a:noFill/>
-          <a:ln>
-            <a:solidFill>
-              <a:srgbClr val="7030A0"/>
-            </a:solidFill>
-          </a:ln>
-        </p:spPr>
-        <p:style>
-          <a:lnRef idx="2">
-            <a:schemeClr val="accent1"/>
-          </a:lnRef>
-          <a:fillRef idx="1">
-            <a:schemeClr val="lt1"/>
-          </a:fillRef>
-          <a:effectRef idx="0">
-            <a:schemeClr val="accent1"/>
-          </a:effectRef>
-          <a:fontRef idx="minor">
-            <a:schemeClr val="dk1"/>
-          </a:fontRef>
-        </p:style>
-        <p:txBody>
-          <a:bodyPr rtlCol="0" anchor="ctr"/>
-          <a:lstStyle/>
-          <a:p>
-            <a:pPr algn="ctr"/>
-            <a:endParaRPr lang="en-SG" sz="1600" dirty="0">
-              <a:solidFill>
-                <a:srgbClr val="7030A0"/>
-              </a:solidFill>
-            </a:endParaRPr>
-          </a:p>
-        </p:txBody>
-      </p:sp>
-      <p:sp>
-        <p:nvSpPr>
-          <p:cNvPr id="29" name="Isosceles Triangle 28"/>
-          <p:cNvSpPr/>
-          <p:nvPr/>
-        </p:nvSpPr>
-        <p:spPr>
-          <a:xfrm rot="10800000">
-            <a:off x="3558065" y="3596975"/>
-            <a:ext cx="1930400" cy="966801"/>
-          </a:xfrm>
-          <a:prstGeom prst="triangle">
-            <a:avLst>
-              <a:gd name="adj" fmla="val 50328"/>
-            </a:avLst>
-          </a:prstGeom>
-          <a:noFill/>
-        </p:spPr>
-        <p:style>
-          <a:lnRef idx="2">
-            <a:schemeClr val="accent1"/>
-          </a:lnRef>
-          <a:fillRef idx="1">
-            <a:schemeClr val="lt1"/>
-          </a:fillRef>
-          <a:effectRef idx="0">
-            <a:schemeClr val="accent1"/>
-          </a:effectRef>
-          <a:fontRef idx="minor">
-            <a:schemeClr val="dk1"/>
-          </a:fontRef>
-        </p:style>
-        <p:txBody>
-          <a:bodyPr rtlCol="0" anchor="b" anchorCtr="0">
-            <a:scene3d>
-              <a:camera prst="orthographicFront">
-                <a:rot lat="0" lon="0" rev="10799999"/>
-              </a:camera>
-              <a:lightRig rig="threePt" dir="t"/>
-            </a:scene3d>
-          </a:bodyPr>
-          <a:lstStyle/>
-          <a:p>
-            <a:pPr algn="ctr"/>
-            <a:r>
-              <a:rPr lang="en-SG" sz="2000" dirty="0" smtClean="0">
-                <a:solidFill>
-                  <a:schemeClr val="accent1"/>
-                </a:solidFill>
-              </a:rPr>
-              <a:t>BT Classic</a:t>
-            </a:r>
-            <a:endParaRPr lang="en-SG" sz="2000" dirty="0">
-              <a:solidFill>
-                <a:schemeClr val="accent1"/>
-              </a:solidFill>
-            </a:endParaRPr>
-          </a:p>
-        </p:txBody>
-      </p:sp>
-      <p:sp>
-        <p:nvSpPr>
           <p:cNvPr id="6" name="TextBox 5"/>
           <p:cNvSpPr txBox="1"/>
           <p:nvPr/>
         </p:nvSpPr>
         <p:spPr>
           <a:xfrm>
-            <a:off x="2687831" y="2108338"/>
-            <a:ext cx="1296189" cy="646331"/>
+            <a:off x="2443406" y="2157882"/>
+            <a:ext cx="1170000" cy="584775"/>
           </a:xfrm>
           <a:prstGeom prst="rect">
             <a:avLst/>
@@ -34009,7 +33581,7 @@
           <a:lstStyle/>
           <a:p>
             <a:r>
-              <a:rPr lang="en-SG" dirty="0" smtClean="0">
+              <a:rPr lang="en-SG" sz="1600" dirty="0" smtClean="0">
                 <a:solidFill>
                   <a:srgbClr val="002060"/>
                 </a:solidFill>
@@ -34019,14 +33591,14 @@
           </a:p>
           <a:p>
             <a:r>
-              <a:rPr lang="en-SG" dirty="0" smtClean="0">
+              <a:rPr lang="en-SG" sz="1600" dirty="0" smtClean="0">
                 <a:solidFill>
                   <a:srgbClr val="002060"/>
                 </a:solidFill>
               </a:rPr>
               <a:t>5Ghz</a:t>
             </a:r>
-            <a:endParaRPr lang="en-SG" dirty="0">
+            <a:endParaRPr lang="en-SG" sz="1600" dirty="0">
               <a:solidFill>
                 <a:srgbClr val="002060"/>
               </a:solidFill>
@@ -34042,8 +33614,8 @@
         </p:nvSpPr>
         <p:spPr>
           <a:xfrm>
-            <a:off x="4655071" y="2158095"/>
-            <a:ext cx="1469698" cy="646331"/>
+            <a:off x="3566815" y="2154097"/>
+            <a:ext cx="1321772" cy="584775"/>
           </a:xfrm>
           <a:prstGeom prst="rect">
             <a:avLst/>
@@ -34057,14 +33629,14 @@
           <a:lstStyle/>
           <a:p>
             <a:r>
-              <a:rPr lang="en-SG" dirty="0">
+              <a:rPr lang="en-SG" sz="1600" dirty="0">
                 <a:solidFill>
                   <a:srgbClr val="FFC000"/>
                 </a:solidFill>
               </a:rPr>
               <a:t>802.11 b/g/n </a:t>
             </a:r>
-            <a:endParaRPr lang="en-SG" dirty="0" smtClean="0">
+            <a:endParaRPr lang="en-SG" sz="1600" dirty="0" smtClean="0">
               <a:solidFill>
                 <a:srgbClr val="FFC000"/>
               </a:solidFill>
@@ -34072,14 +33644,14 @@
           </a:p>
           <a:p>
             <a:r>
-              <a:rPr lang="en-SG" dirty="0" smtClean="0">
+              <a:rPr lang="en-SG" sz="1600" dirty="0" smtClean="0">
                 <a:solidFill>
                   <a:srgbClr val="FFC000"/>
                 </a:solidFill>
               </a:rPr>
               <a:t>2.4Ghz</a:t>
             </a:r>
-            <a:endParaRPr lang="en-SG" dirty="0">
+            <a:endParaRPr lang="en-SG" sz="1600" dirty="0">
               <a:solidFill>
                 <a:srgbClr val="FFC000"/>
               </a:solidFill>
@@ -34095,8 +33667,8 @@
         </p:nvSpPr>
         <p:spPr>
           <a:xfrm>
-            <a:off x="4445515" y="5057906"/>
-            <a:ext cx="519694" cy="369332"/>
+            <a:off x="4367886" y="4764818"/>
+            <a:ext cx="484428" cy="338554"/>
           </a:xfrm>
           <a:prstGeom prst="rect">
             <a:avLst/>
@@ -34110,18 +33682,501 @@
           <a:lstStyle/>
           <a:p>
             <a:r>
-              <a:rPr lang="en-SG" dirty="0" smtClean="0">
+              <a:rPr lang="en-SG" sz="1600" dirty="0" smtClean="0">
                 <a:solidFill>
                   <a:srgbClr val="7030A0"/>
                 </a:solidFill>
               </a:rPr>
               <a:t>BLE</a:t>
             </a:r>
-            <a:endParaRPr lang="en-SG" dirty="0">
+            <a:endParaRPr lang="en-SG" sz="1600" dirty="0">
               <a:solidFill>
                 <a:srgbClr val="7030A0"/>
               </a:solidFill>
             </a:endParaRPr>
+          </a:p>
+        </p:txBody>
+      </p:sp>
+      <p:sp>
+        <p:nvSpPr>
+          <p:cNvPr id="10" name="Oval 9"/>
+          <p:cNvSpPr/>
+          <p:nvPr/>
+        </p:nvSpPr>
+        <p:spPr>
+          <a:xfrm>
+            <a:off x="4489448" y="6118471"/>
+            <a:ext cx="114299" cy="114299"/>
+          </a:xfrm>
+          <a:prstGeom prst="ellipse">
+            <a:avLst/>
+          </a:prstGeom>
+          <a:solidFill>
+            <a:schemeClr val="accent2"/>
+          </a:solidFill>
+          <a:ln>
+            <a:solidFill>
+              <a:schemeClr val="accent2"/>
+            </a:solidFill>
+          </a:ln>
+        </p:spPr>
+        <p:style>
+          <a:lnRef idx="2">
+            <a:schemeClr val="accent1">
+              <a:shade val="50000"/>
+            </a:schemeClr>
+          </a:lnRef>
+          <a:fillRef idx="1">
+            <a:schemeClr val="accent1"/>
+          </a:fillRef>
+          <a:effectRef idx="0">
+            <a:schemeClr val="accent1"/>
+          </a:effectRef>
+          <a:fontRef idx="minor">
+            <a:schemeClr val="lt1"/>
+          </a:fontRef>
+        </p:style>
+        <p:txBody>
+          <a:bodyPr rtlCol="0" anchor="ctr"/>
+          <a:lstStyle/>
+          <a:p>
+            <a:pPr algn="ctr"/>
+            <a:endParaRPr lang="en-SG"/>
+          </a:p>
+        </p:txBody>
+      </p:sp>
+      <p:sp>
+        <p:nvSpPr>
+          <p:cNvPr id="13" name="TextBox 12"/>
+          <p:cNvSpPr txBox="1"/>
+          <p:nvPr/>
+        </p:nvSpPr>
+        <p:spPr>
+          <a:xfrm>
+            <a:off x="4067198" y="5686252"/>
+            <a:ext cx="1085983" cy="338554"/>
+          </a:xfrm>
+          <a:prstGeom prst="rect">
+            <a:avLst/>
+          </a:prstGeom>
+          <a:noFill/>
+        </p:spPr>
+        <p:txBody>
+          <a:bodyPr wrap="square" rtlCol="0">
+            <a:spAutoFit/>
+          </a:bodyPr>
+          <a:lstStyle/>
+          <a:p>
+            <a:r>
+              <a:rPr lang="en-SG" sz="1600" dirty="0" smtClean="0">
+                <a:solidFill>
+                  <a:schemeClr val="accent2"/>
+                </a:solidFill>
+              </a:rPr>
+              <a:t>RFID/NFC</a:t>
+            </a:r>
+            <a:endParaRPr lang="en-SG" sz="1600" dirty="0">
+              <a:solidFill>
+                <a:schemeClr val="accent2"/>
+              </a:solidFill>
+            </a:endParaRPr>
+          </a:p>
+        </p:txBody>
+      </p:sp>
+      <p:sp>
+        <p:nvSpPr>
+          <p:cNvPr id="22" name="Oval 21"/>
+          <p:cNvSpPr/>
+          <p:nvPr/>
+        </p:nvSpPr>
+        <p:spPr>
+          <a:xfrm>
+            <a:off x="7271064" y="668349"/>
+            <a:ext cx="114299" cy="114299"/>
+          </a:xfrm>
+          <a:prstGeom prst="ellipse">
+            <a:avLst/>
+          </a:prstGeom>
+          <a:solidFill>
+            <a:srgbClr val="C00000"/>
+          </a:solidFill>
+          <a:ln>
+            <a:solidFill>
+              <a:srgbClr val="C00000"/>
+            </a:solidFill>
+          </a:ln>
+        </p:spPr>
+        <p:style>
+          <a:lnRef idx="2">
+            <a:schemeClr val="accent1">
+              <a:shade val="50000"/>
+            </a:schemeClr>
+          </a:lnRef>
+          <a:fillRef idx="1">
+            <a:schemeClr val="accent1"/>
+          </a:fillRef>
+          <a:effectRef idx="0">
+            <a:schemeClr val="accent1"/>
+          </a:effectRef>
+          <a:fontRef idx="minor">
+            <a:schemeClr val="lt1"/>
+          </a:fontRef>
+        </p:style>
+        <p:txBody>
+          <a:bodyPr rtlCol="0" anchor="ctr"/>
+          <a:lstStyle/>
+          <a:p>
+            <a:pPr algn="ctr"/>
+            <a:endParaRPr lang="en-SG"/>
+          </a:p>
+        </p:txBody>
+      </p:sp>
+      <p:sp>
+        <p:nvSpPr>
+          <p:cNvPr id="14" name="TextBox 13"/>
+          <p:cNvSpPr txBox="1"/>
+          <p:nvPr/>
+        </p:nvSpPr>
+        <p:spPr>
+          <a:xfrm>
+            <a:off x="7010542" y="773378"/>
+            <a:ext cx="731290" cy="338554"/>
+          </a:xfrm>
+          <a:prstGeom prst="rect">
+            <a:avLst/>
+          </a:prstGeom>
+          <a:noFill/>
+        </p:spPr>
+        <p:txBody>
+          <a:bodyPr wrap="none" rtlCol="0">
+            <a:spAutoFit/>
+          </a:bodyPr>
+          <a:lstStyle/>
+          <a:p>
+            <a:r>
+              <a:rPr lang="en-SG" sz="1600" dirty="0" smtClean="0">
+                <a:solidFill>
+                  <a:srgbClr val="C00000"/>
+                </a:solidFill>
+              </a:rPr>
+              <a:t>3G/4G</a:t>
+            </a:r>
+          </a:p>
+        </p:txBody>
+      </p:sp>
+      <p:sp>
+        <p:nvSpPr>
+          <p:cNvPr id="24" name="Oval 23"/>
+          <p:cNvSpPr/>
+          <p:nvPr/>
+        </p:nvSpPr>
+        <p:spPr>
+          <a:xfrm>
+            <a:off x="3018367" y="2734081"/>
+            <a:ext cx="114299" cy="114299"/>
+          </a:xfrm>
+          <a:prstGeom prst="ellipse">
+            <a:avLst/>
+          </a:prstGeom>
+          <a:solidFill>
+            <a:srgbClr val="002060"/>
+          </a:solidFill>
+          <a:ln>
+            <a:solidFill>
+              <a:srgbClr val="002060"/>
+            </a:solidFill>
+          </a:ln>
+        </p:spPr>
+        <p:style>
+          <a:lnRef idx="2">
+            <a:schemeClr val="accent1">
+              <a:shade val="50000"/>
+            </a:schemeClr>
+          </a:lnRef>
+          <a:fillRef idx="1">
+            <a:schemeClr val="accent1"/>
+          </a:fillRef>
+          <a:effectRef idx="0">
+            <a:schemeClr val="accent1"/>
+          </a:effectRef>
+          <a:fontRef idx="minor">
+            <a:schemeClr val="lt1"/>
+          </a:fontRef>
+        </p:style>
+        <p:txBody>
+          <a:bodyPr rtlCol="0" anchor="ctr"/>
+          <a:lstStyle/>
+          <a:p>
+            <a:pPr algn="ctr"/>
+            <a:endParaRPr lang="en-SG" dirty="0"/>
+          </a:p>
+        </p:txBody>
+      </p:sp>
+      <p:sp>
+        <p:nvSpPr>
+          <p:cNvPr id="25" name="Oval 24"/>
+          <p:cNvSpPr/>
+          <p:nvPr/>
+        </p:nvSpPr>
+        <p:spPr>
+          <a:xfrm>
+            <a:off x="3707627" y="2734081"/>
+            <a:ext cx="114299" cy="114299"/>
+          </a:xfrm>
+          <a:prstGeom prst="ellipse">
+            <a:avLst/>
+          </a:prstGeom>
+          <a:solidFill>
+            <a:srgbClr val="FFC000"/>
+          </a:solidFill>
+          <a:ln>
+            <a:solidFill>
+              <a:srgbClr val="FFC000"/>
+            </a:solidFill>
+          </a:ln>
+        </p:spPr>
+        <p:style>
+          <a:lnRef idx="2">
+            <a:schemeClr val="accent1">
+              <a:shade val="50000"/>
+            </a:schemeClr>
+          </a:lnRef>
+          <a:fillRef idx="1">
+            <a:schemeClr val="accent1"/>
+          </a:fillRef>
+          <a:effectRef idx="0">
+            <a:schemeClr val="accent1"/>
+          </a:effectRef>
+          <a:fontRef idx="minor">
+            <a:schemeClr val="lt1"/>
+          </a:fontRef>
+        </p:style>
+        <p:txBody>
+          <a:bodyPr rtlCol="0" anchor="ctr"/>
+          <a:lstStyle/>
+          <a:p>
+            <a:pPr algn="ctr"/>
+            <a:endParaRPr lang="en-SG"/>
+          </a:p>
+        </p:txBody>
+      </p:sp>
+      <p:sp>
+        <p:nvSpPr>
+          <p:cNvPr id="27" name="Oval 26"/>
+          <p:cNvSpPr/>
+          <p:nvPr/>
+        </p:nvSpPr>
+        <p:spPr>
+          <a:xfrm>
+            <a:off x="4445104" y="3875588"/>
+            <a:ext cx="114299" cy="114299"/>
+          </a:xfrm>
+          <a:prstGeom prst="ellipse">
+            <a:avLst/>
+          </a:prstGeom>
+          <a:solidFill>
+            <a:schemeClr val="accent1"/>
+          </a:solidFill>
+          <a:ln>
+            <a:solidFill>
+              <a:schemeClr val="accent1"/>
+            </a:solidFill>
+          </a:ln>
+        </p:spPr>
+        <p:style>
+          <a:lnRef idx="2">
+            <a:schemeClr val="accent1">
+              <a:shade val="50000"/>
+            </a:schemeClr>
+          </a:lnRef>
+          <a:fillRef idx="1">
+            <a:schemeClr val="accent1"/>
+          </a:fillRef>
+          <a:effectRef idx="0">
+            <a:schemeClr val="accent1"/>
+          </a:effectRef>
+          <a:fontRef idx="minor">
+            <a:schemeClr val="lt1"/>
+          </a:fontRef>
+        </p:style>
+        <p:txBody>
+          <a:bodyPr rtlCol="0" anchor="ctr"/>
+          <a:lstStyle/>
+          <a:p>
+            <a:pPr algn="ctr"/>
+            <a:endParaRPr lang="en-SG"/>
+          </a:p>
+        </p:txBody>
+      </p:sp>
+      <p:sp>
+        <p:nvSpPr>
+          <p:cNvPr id="16" name="TextBox 15"/>
+          <p:cNvSpPr txBox="1"/>
+          <p:nvPr/>
+        </p:nvSpPr>
+        <p:spPr>
+          <a:xfrm>
+            <a:off x="4071969" y="3564967"/>
+            <a:ext cx="984565" cy="338554"/>
+          </a:xfrm>
+          <a:prstGeom prst="rect">
+            <a:avLst/>
+          </a:prstGeom>
+          <a:noFill/>
+        </p:spPr>
+        <p:txBody>
+          <a:bodyPr wrap="none" rtlCol="0">
+            <a:spAutoFit/>
+          </a:bodyPr>
+          <a:lstStyle/>
+          <a:p>
+            <a:r>
+              <a:rPr lang="en-SG" sz="1600" dirty="0" smtClean="0">
+                <a:solidFill>
+                  <a:schemeClr val="accent1"/>
+                </a:solidFill>
+              </a:rPr>
+              <a:t>BT Classic</a:t>
+            </a:r>
+            <a:endParaRPr lang="en-SG" sz="1600" dirty="0">
+              <a:solidFill>
+                <a:schemeClr val="accent1"/>
+              </a:solidFill>
+            </a:endParaRPr>
+          </a:p>
+        </p:txBody>
+      </p:sp>
+      <p:sp>
+        <p:nvSpPr>
+          <p:cNvPr id="33" name="Oval 32"/>
+          <p:cNvSpPr/>
+          <p:nvPr/>
+        </p:nvSpPr>
+        <p:spPr>
+          <a:xfrm>
+            <a:off x="5038882" y="4414518"/>
+            <a:ext cx="114299" cy="114299"/>
+          </a:xfrm>
+          <a:prstGeom prst="ellipse">
+            <a:avLst/>
+          </a:prstGeom>
+          <a:solidFill>
+            <a:srgbClr val="FF0000"/>
+          </a:solidFill>
+          <a:ln>
+            <a:solidFill>
+              <a:srgbClr val="FF0000"/>
+            </a:solidFill>
+          </a:ln>
+        </p:spPr>
+        <p:style>
+          <a:lnRef idx="2">
+            <a:schemeClr val="accent1">
+              <a:shade val="50000"/>
+            </a:schemeClr>
+          </a:lnRef>
+          <a:fillRef idx="1">
+            <a:schemeClr val="accent1"/>
+          </a:fillRef>
+          <a:effectRef idx="0">
+            <a:schemeClr val="accent1"/>
+          </a:effectRef>
+          <a:fontRef idx="minor">
+            <a:schemeClr val="lt1"/>
+          </a:fontRef>
+        </p:style>
+        <p:txBody>
+          <a:bodyPr rtlCol="0" anchor="ctr"/>
+          <a:lstStyle/>
+          <a:p>
+            <a:pPr algn="ctr"/>
+            <a:endParaRPr lang="en-SG"/>
+          </a:p>
+        </p:txBody>
+      </p:sp>
+      <p:sp>
+        <p:nvSpPr>
+          <p:cNvPr id="17" name="TextBox 16"/>
+          <p:cNvSpPr txBox="1"/>
+          <p:nvPr/>
+        </p:nvSpPr>
+        <p:spPr>
+          <a:xfrm>
+            <a:off x="4746351" y="4098075"/>
+            <a:ext cx="736099" cy="338554"/>
+          </a:xfrm>
+          <a:prstGeom prst="rect">
+            <a:avLst/>
+          </a:prstGeom>
+          <a:noFill/>
+        </p:spPr>
+        <p:txBody>
+          <a:bodyPr wrap="none" rtlCol="0">
+            <a:spAutoFit/>
+          </a:bodyPr>
+          <a:lstStyle/>
+          <a:p>
+            <a:r>
+              <a:rPr lang="en-SG" sz="1600" dirty="0" err="1" smtClean="0">
+                <a:solidFill>
+                  <a:srgbClr val="FF0000"/>
+                </a:solidFill>
+              </a:rPr>
+              <a:t>Zigbee</a:t>
+            </a:r>
+            <a:endParaRPr lang="en-SG" sz="1600" dirty="0">
+              <a:solidFill>
+                <a:srgbClr val="FF0000"/>
+              </a:solidFill>
+            </a:endParaRPr>
+          </a:p>
+        </p:txBody>
+      </p:sp>
+      <p:sp>
+        <p:nvSpPr>
+          <p:cNvPr id="34" name="Oval 33"/>
+          <p:cNvSpPr/>
+          <p:nvPr/>
+        </p:nvSpPr>
+        <p:spPr>
+          <a:xfrm>
+            <a:off x="4572000" y="5060956"/>
+            <a:ext cx="114299" cy="114299"/>
+          </a:xfrm>
+          <a:prstGeom prst="ellipse">
+            <a:avLst/>
+          </a:prstGeom>
+          <a:solidFill>
+            <a:srgbClr val="7030A0"/>
+          </a:solidFill>
+          <a:ln>
+            <a:solidFill>
+              <a:srgbClr val="7030A0"/>
+            </a:solidFill>
+          </a:ln>
+        </p:spPr>
+        <p:style>
+          <a:lnRef idx="2">
+            <a:schemeClr val="accent1">
+              <a:shade val="50000"/>
+            </a:schemeClr>
+          </a:lnRef>
+          <a:fillRef idx="1">
+            <a:schemeClr val="accent1"/>
+          </a:fillRef>
+          <a:effectRef idx="0">
+            <a:schemeClr val="accent1"/>
+          </a:effectRef>
+          <a:fontRef idx="minor">
+            <a:schemeClr val="lt1"/>
+          </a:fontRef>
+        </p:style>
+        <p:txBody>
+          <a:bodyPr rtlCol="0" anchor="ctr"/>
+          <a:lstStyle/>
+          <a:p>
+            <a:pPr algn="ctr"/>
+            <a:endParaRPr lang="en-SG"/>
           </a:p>
         </p:txBody>
       </p:sp>
@@ -34169,7 +34224,7 @@
                                           </p:stCondLst>
                                         </p:cTn>
                                         <p:tgtEl>
-                                          <p:spTgt spid="5"/>
+                                          <p:spTgt spid="22"/>
                                         </p:tgtEl>
                                         <p:attrNameLst>
                                           <p:attrName>style.visibility</p:attrName>
@@ -34183,7 +34238,42 @@
                                       <p:cBhvr>
                                         <p:cTn id="7" dur="500"/>
                                         <p:tgtEl>
-                                          <p:spTgt spid="5"/>
+                                          <p:spTgt spid="22"/>
+                                        </p:tgtEl>
+                                      </p:cBhvr>
+                                    </p:animEffect>
+                                  </p:childTnLst>
+                                </p:cTn>
+                              </p:par>
+                              <p:par>
+                                <p:cTn id="8" presetID="10" presetClass="entr" presetSubtype="0" fill="hold" grpId="0" nodeType="withEffect">
+                                  <p:stCondLst>
+                                    <p:cond delay="0"/>
+                                  </p:stCondLst>
+                                  <p:childTnLst>
+                                    <p:set>
+                                      <p:cBhvr>
+                                        <p:cTn id="9" dur="1" fill="hold">
+                                          <p:stCondLst>
+                                            <p:cond delay="0"/>
+                                          </p:stCondLst>
+                                        </p:cTn>
+                                        <p:tgtEl>
+                                          <p:spTgt spid="14"/>
+                                        </p:tgtEl>
+                                        <p:attrNameLst>
+                                          <p:attrName>style.visibility</p:attrName>
+                                        </p:attrNameLst>
+                                      </p:cBhvr>
+                                      <p:to>
+                                        <p:strVal val="visible"/>
+                                      </p:to>
+                                    </p:set>
+                                    <p:animEffect transition="in" filter="fade">
+                                      <p:cBhvr>
+                                        <p:cTn id="10" dur="500"/>
+                                        <p:tgtEl>
+                                          <p:spTgt spid="14"/>
                                         </p:tgtEl>
                                       </p:cBhvr>
                                     </p:animEffect>
@@ -34197,32 +34287,32 @@
                     </p:cTn>
                   </p:par>
                   <p:par>
-                    <p:cTn id="8" fill="hold">
+                    <p:cTn id="11" fill="hold">
                       <p:stCondLst>
                         <p:cond delay="indefinite"/>
                       </p:stCondLst>
                       <p:childTnLst>
                         <p:par>
-                          <p:cTn id="9" fill="hold">
+                          <p:cTn id="12" fill="hold">
                             <p:stCondLst>
                               <p:cond delay="0"/>
                             </p:stCondLst>
                             <p:childTnLst>
                               <p:par>
-                                <p:cTn id="10" presetID="10" presetClass="entr" presetSubtype="0" fill="hold" grpId="0" nodeType="clickEffect">
+                                <p:cTn id="13" presetID="10" presetClass="entr" presetSubtype="0" fill="hold" grpId="0" nodeType="clickEffect">
                                   <p:stCondLst>
                                     <p:cond delay="0"/>
                                   </p:stCondLst>
                                   <p:childTnLst>
                                     <p:set>
                                       <p:cBhvr>
-                                        <p:cTn id="11" dur="1" fill="hold">
+                                        <p:cTn id="14" dur="1" fill="hold">
                                           <p:stCondLst>
                                             <p:cond delay="0"/>
                                           </p:stCondLst>
                                         </p:cTn>
                                         <p:tgtEl>
-                                          <p:spTgt spid="23"/>
+                                          <p:spTgt spid="25"/>
                                         </p:tgtEl>
                                         <p:attrNameLst>
                                           <p:attrName>style.visibility</p:attrName>
@@ -34234,9 +34324,9 @@
                                     </p:set>
                                     <p:animEffect transition="in" filter="fade">
                                       <p:cBhvr>
-                                        <p:cTn id="12" dur="500"/>
-                                        <p:tgtEl>
-                                          <p:spTgt spid="23"/>
+                                        <p:cTn id="15" dur="500"/>
+                                        <p:tgtEl>
+                                          <p:spTgt spid="25"/>
                                         </p:tgtEl>
                                       </p:cBhvr>
                                     </p:animEffect>
@@ -34244,14 +34334,14 @@
                                 </p:cTn>
                               </p:par>
                               <p:par>
-                                <p:cTn id="13" presetID="10" presetClass="entr" presetSubtype="0" fill="hold" grpId="0" nodeType="withEffect">
+                                <p:cTn id="16" presetID="10" presetClass="entr" presetSubtype="0" fill="hold" grpId="0" nodeType="withEffect">
                                   <p:stCondLst>
                                     <p:cond delay="0"/>
                                   </p:stCondLst>
                                   <p:childTnLst>
                                     <p:set>
                                       <p:cBhvr>
-                                        <p:cTn id="14" dur="1" fill="hold">
+                                        <p:cTn id="17" dur="1" fill="hold">
                                           <p:stCondLst>
                                             <p:cond delay="0"/>
                                           </p:stCondLst>
@@ -34269,7 +34359,7 @@
                                     </p:set>
                                     <p:animEffect transition="in" filter="fade">
                                       <p:cBhvr>
-                                        <p:cTn id="15" dur="500"/>
+                                        <p:cTn id="18" dur="500"/>
                                         <p:tgtEl>
                                           <p:spTgt spid="12"/>
                                         </p:tgtEl>
@@ -34285,32 +34375,32 @@
                     </p:cTn>
                   </p:par>
                   <p:par>
-                    <p:cTn id="16" fill="hold">
+                    <p:cTn id="19" fill="hold">
                       <p:stCondLst>
                         <p:cond delay="indefinite"/>
                       </p:stCondLst>
                       <p:childTnLst>
                         <p:par>
-                          <p:cTn id="17" fill="hold">
+                          <p:cTn id="20" fill="hold">
                             <p:stCondLst>
                               <p:cond delay="0"/>
                             </p:stCondLst>
                             <p:childTnLst>
                               <p:par>
-                                <p:cTn id="18" presetID="10" presetClass="entr" presetSubtype="0" fill="hold" grpId="0" nodeType="clickEffect">
+                                <p:cTn id="21" presetID="10" presetClass="entr" presetSubtype="0" fill="hold" grpId="0" nodeType="clickEffect">
                                   <p:stCondLst>
                                     <p:cond delay="0"/>
                                   </p:stCondLst>
                                   <p:childTnLst>
                                     <p:set>
                                       <p:cBhvr>
-                                        <p:cTn id="19" dur="1" fill="hold">
+                                        <p:cTn id="22" dur="1" fill="hold">
                                           <p:stCondLst>
                                             <p:cond delay="0"/>
                                           </p:stCondLst>
                                         </p:cTn>
                                         <p:tgtEl>
-                                          <p:spTgt spid="26"/>
+                                          <p:spTgt spid="24"/>
                                         </p:tgtEl>
                                         <p:attrNameLst>
                                           <p:attrName>style.visibility</p:attrName>
@@ -34322,9 +34412,9 @@
                                     </p:set>
                                     <p:animEffect transition="in" filter="fade">
                                       <p:cBhvr>
-                                        <p:cTn id="20" dur="500"/>
-                                        <p:tgtEl>
-                                          <p:spTgt spid="26"/>
+                                        <p:cTn id="23" dur="500"/>
+                                        <p:tgtEl>
+                                          <p:spTgt spid="24"/>
                                         </p:tgtEl>
                                       </p:cBhvr>
                                     </p:animEffect>
@@ -34332,14 +34422,14 @@
                                 </p:cTn>
                               </p:par>
                               <p:par>
-                                <p:cTn id="21" presetID="10" presetClass="entr" presetSubtype="0" fill="hold" grpId="0" nodeType="withEffect">
+                                <p:cTn id="24" presetID="10" presetClass="entr" presetSubtype="0" fill="hold" grpId="0" nodeType="withEffect">
                                   <p:stCondLst>
                                     <p:cond delay="0"/>
                                   </p:stCondLst>
                                   <p:childTnLst>
                                     <p:set>
                                       <p:cBhvr>
-                                        <p:cTn id="22" dur="1" fill="hold">
+                                        <p:cTn id="25" dur="1" fill="hold">
                                           <p:stCondLst>
                                             <p:cond delay="0"/>
                                           </p:stCondLst>
@@ -34357,7 +34447,7 @@
                                     </p:set>
                                     <p:animEffect transition="in" filter="fade">
                                       <p:cBhvr>
-                                        <p:cTn id="23" dur="500"/>
+                                        <p:cTn id="26" dur="500"/>
                                         <p:tgtEl>
                                           <p:spTgt spid="6"/>
                                         </p:tgtEl>
@@ -34373,32 +34463,32 @@
                     </p:cTn>
                   </p:par>
                   <p:par>
-                    <p:cTn id="24" fill="hold">
+                    <p:cTn id="27" fill="hold">
                       <p:stCondLst>
                         <p:cond delay="indefinite"/>
                       </p:stCondLst>
                       <p:childTnLst>
                         <p:par>
-                          <p:cTn id="25" fill="hold">
+                          <p:cTn id="28" fill="hold">
                             <p:stCondLst>
                               <p:cond delay="0"/>
                             </p:stCondLst>
                             <p:childTnLst>
                               <p:par>
-                                <p:cTn id="26" presetID="10" presetClass="entr" presetSubtype="0" fill="hold" grpId="0" nodeType="clickEffect">
+                                <p:cTn id="29" presetID="10" presetClass="entr" presetSubtype="0" fill="hold" grpId="0" nodeType="clickEffect">
                                   <p:stCondLst>
                                     <p:cond delay="0"/>
                                   </p:stCondLst>
                                   <p:childTnLst>
                                     <p:set>
                                       <p:cBhvr>
-                                        <p:cTn id="27" dur="1" fill="hold">
+                                        <p:cTn id="30" dur="1" fill="hold">
                                           <p:stCondLst>
                                             <p:cond delay="0"/>
                                           </p:stCondLst>
                                         </p:cTn>
                                         <p:tgtEl>
-                                          <p:spTgt spid="28"/>
+                                          <p:spTgt spid="10"/>
                                         </p:tgtEl>
                                         <p:attrNameLst>
                                           <p:attrName>style.visibility</p:attrName>
@@ -34410,9 +34500,44 @@
                                     </p:set>
                                     <p:animEffect transition="in" filter="fade">
                                       <p:cBhvr>
-                                        <p:cTn id="28" dur="500"/>
-                                        <p:tgtEl>
-                                          <p:spTgt spid="28"/>
+                                        <p:cTn id="31" dur="500"/>
+                                        <p:tgtEl>
+                                          <p:spTgt spid="10"/>
+                                        </p:tgtEl>
+                                      </p:cBhvr>
+                                    </p:animEffect>
+                                  </p:childTnLst>
+                                </p:cTn>
+                              </p:par>
+                              <p:par>
+                                <p:cTn id="32" presetID="10" presetClass="entr" presetSubtype="0" fill="hold" grpId="0" nodeType="withEffect">
+                                  <p:stCondLst>
+                                    <p:cond delay="0"/>
+                                  </p:stCondLst>
+                                  <p:childTnLst>
+                                    <p:set>
+                                      <p:cBhvr>
+                                        <p:cTn id="33" dur="1" fill="hold">
+                                          <p:stCondLst>
+                                            <p:cond delay="0"/>
+                                          </p:stCondLst>
+                                        </p:cTn>
+                                        <p:tgtEl>
+                                          <p:spTgt spid="13"/>
+                                        </p:tgtEl>
+                                        <p:attrNameLst>
+                                          <p:attrName>style.visibility</p:attrName>
+                                        </p:attrNameLst>
+                                      </p:cBhvr>
+                                      <p:to>
+                                        <p:strVal val="visible"/>
+                                      </p:to>
+                                    </p:set>
+                                    <p:animEffect transition="in" filter="fade">
+                                      <p:cBhvr>
+                                        <p:cTn id="34" dur="500"/>
+                                        <p:tgtEl>
+                                          <p:spTgt spid="13"/>
                                         </p:tgtEl>
                                       </p:cBhvr>
                                     </p:animEffect>
@@ -34426,32 +34551,32 @@
                     </p:cTn>
                   </p:par>
                   <p:par>
-                    <p:cTn id="29" fill="hold">
+                    <p:cTn id="35" fill="hold">
                       <p:stCondLst>
                         <p:cond delay="indefinite"/>
                       </p:stCondLst>
                       <p:childTnLst>
                         <p:par>
-                          <p:cTn id="30" fill="hold">
+                          <p:cTn id="36" fill="hold">
                             <p:stCondLst>
                               <p:cond delay="0"/>
                             </p:stCondLst>
                             <p:childTnLst>
                               <p:par>
-                                <p:cTn id="31" presetID="10" presetClass="entr" presetSubtype="0" fill="hold" grpId="0" nodeType="clickEffect">
+                                <p:cTn id="37" presetID="10" presetClass="entr" presetSubtype="0" fill="hold" grpId="0" nodeType="clickEffect">
                                   <p:stCondLst>
                                     <p:cond delay="0"/>
                                   </p:stCondLst>
                                   <p:childTnLst>
                                     <p:set>
                                       <p:cBhvr>
-                                        <p:cTn id="32" dur="1" fill="hold">
+                                        <p:cTn id="38" dur="1" fill="hold">
                                           <p:stCondLst>
                                             <p:cond delay="0"/>
                                           </p:stCondLst>
                                         </p:cTn>
                                         <p:tgtEl>
-                                          <p:spTgt spid="29"/>
+                                          <p:spTgt spid="27"/>
                                         </p:tgtEl>
                                         <p:attrNameLst>
                                           <p:attrName>style.visibility</p:attrName>
@@ -34463,9 +34588,44 @@
                                     </p:set>
                                     <p:animEffect transition="in" filter="fade">
                                       <p:cBhvr>
-                                        <p:cTn id="33" dur="500"/>
-                                        <p:tgtEl>
-                                          <p:spTgt spid="29"/>
+                                        <p:cTn id="39" dur="500"/>
+                                        <p:tgtEl>
+                                          <p:spTgt spid="27"/>
+                                        </p:tgtEl>
+                                      </p:cBhvr>
+                                    </p:animEffect>
+                                  </p:childTnLst>
+                                </p:cTn>
+                              </p:par>
+                              <p:par>
+                                <p:cTn id="40" presetID="10" presetClass="entr" presetSubtype="0" fill="hold" grpId="0" nodeType="withEffect">
+                                  <p:stCondLst>
+                                    <p:cond delay="0"/>
+                                  </p:stCondLst>
+                                  <p:childTnLst>
+                                    <p:set>
+                                      <p:cBhvr>
+                                        <p:cTn id="41" dur="1" fill="hold">
+                                          <p:stCondLst>
+                                            <p:cond delay="0"/>
+                                          </p:stCondLst>
+                                        </p:cTn>
+                                        <p:tgtEl>
+                                          <p:spTgt spid="16"/>
+                                        </p:tgtEl>
+                                        <p:attrNameLst>
+                                          <p:attrName>style.visibility</p:attrName>
+                                        </p:attrNameLst>
+                                      </p:cBhvr>
+                                      <p:to>
+                                        <p:strVal val="visible"/>
+                                      </p:to>
+                                    </p:set>
+                                    <p:animEffect transition="in" filter="fade">
+                                      <p:cBhvr>
+                                        <p:cTn id="42" dur="500"/>
+                                        <p:tgtEl>
+                                          <p:spTgt spid="16"/>
                                         </p:tgtEl>
                                       </p:cBhvr>
                                     </p:animEffect>
@@ -34479,32 +34639,32 @@
                     </p:cTn>
                   </p:par>
                   <p:par>
-                    <p:cTn id="34" fill="hold">
+                    <p:cTn id="43" fill="hold">
                       <p:stCondLst>
                         <p:cond delay="indefinite"/>
                       </p:stCondLst>
                       <p:childTnLst>
                         <p:par>
-                          <p:cTn id="35" fill="hold">
+                          <p:cTn id="44" fill="hold">
                             <p:stCondLst>
                               <p:cond delay="0"/>
                             </p:stCondLst>
                             <p:childTnLst>
                               <p:par>
-                                <p:cTn id="36" presetID="10" presetClass="entr" presetSubtype="0" fill="hold" grpId="0" nodeType="clickEffect">
+                                <p:cTn id="45" presetID="10" presetClass="entr" presetSubtype="0" fill="hold" grpId="0" nodeType="clickEffect">
                                   <p:stCondLst>
                                     <p:cond delay="0"/>
                                   </p:stCondLst>
                                   <p:childTnLst>
                                     <p:set>
                                       <p:cBhvr>
-                                        <p:cTn id="37" dur="1" fill="hold">
+                                        <p:cTn id="46" dur="1" fill="hold">
                                           <p:stCondLst>
                                             <p:cond delay="0"/>
                                           </p:stCondLst>
                                         </p:cTn>
                                         <p:tgtEl>
-                                          <p:spTgt spid="32"/>
+                                          <p:spTgt spid="33"/>
                                         </p:tgtEl>
                                         <p:attrNameLst>
                                           <p:attrName>style.visibility</p:attrName>
@@ -34516,9 +34676,44 @@
                                     </p:set>
                                     <p:animEffect transition="in" filter="fade">
                                       <p:cBhvr>
-                                        <p:cTn id="38" dur="500"/>
-                                        <p:tgtEl>
-                                          <p:spTgt spid="32"/>
+                                        <p:cTn id="47" dur="500"/>
+                                        <p:tgtEl>
+                                          <p:spTgt spid="33"/>
+                                        </p:tgtEl>
+                                      </p:cBhvr>
+                                    </p:animEffect>
+                                  </p:childTnLst>
+                                </p:cTn>
+                              </p:par>
+                              <p:par>
+                                <p:cTn id="48" presetID="10" presetClass="entr" presetSubtype="0" fill="hold" grpId="0" nodeType="withEffect">
+                                  <p:stCondLst>
+                                    <p:cond delay="0"/>
+                                  </p:stCondLst>
+                                  <p:childTnLst>
+                                    <p:set>
+                                      <p:cBhvr>
+                                        <p:cTn id="49" dur="1" fill="hold">
+                                          <p:stCondLst>
+                                            <p:cond delay="0"/>
+                                          </p:stCondLst>
+                                        </p:cTn>
+                                        <p:tgtEl>
+                                          <p:spTgt spid="17"/>
+                                        </p:tgtEl>
+                                        <p:attrNameLst>
+                                          <p:attrName>style.visibility</p:attrName>
+                                        </p:attrNameLst>
+                                      </p:cBhvr>
+                                      <p:to>
+                                        <p:strVal val="visible"/>
+                                      </p:to>
+                                    </p:set>
+                                    <p:animEffect transition="in" filter="fade">
+                                      <p:cBhvr>
+                                        <p:cTn id="50" dur="500"/>
+                                        <p:tgtEl>
+                                          <p:spTgt spid="17"/>
                                         </p:tgtEl>
                                       </p:cBhvr>
                                     </p:animEffect>
@@ -34532,32 +34727,32 @@
                     </p:cTn>
                   </p:par>
                   <p:par>
-                    <p:cTn id="39" fill="hold">
+                    <p:cTn id="51" fill="hold">
                       <p:stCondLst>
                         <p:cond delay="indefinite"/>
                       </p:stCondLst>
                       <p:childTnLst>
                         <p:par>
-                          <p:cTn id="40" fill="hold">
+                          <p:cTn id="52" fill="hold">
                             <p:stCondLst>
                               <p:cond delay="0"/>
                             </p:stCondLst>
                             <p:childTnLst>
                               <p:par>
-                                <p:cTn id="41" presetID="10" presetClass="entr" presetSubtype="0" fill="hold" grpId="0" nodeType="clickEffect">
+                                <p:cTn id="53" presetID="10" presetClass="entr" presetSubtype="0" fill="hold" grpId="0" nodeType="clickEffect">
                                   <p:stCondLst>
                                     <p:cond delay="0"/>
                                   </p:stCondLst>
                                   <p:childTnLst>
                                     <p:set>
                                       <p:cBhvr>
-                                        <p:cTn id="42" dur="1" fill="hold">
+                                        <p:cTn id="54" dur="1" fill="hold">
                                           <p:stCondLst>
                                             <p:cond delay="0"/>
                                           </p:stCondLst>
                                         </p:cTn>
                                         <p:tgtEl>
-                                          <p:spTgt spid="30"/>
+                                          <p:spTgt spid="34"/>
                                         </p:tgtEl>
                                         <p:attrNameLst>
                                           <p:attrName>style.visibility</p:attrName>
@@ -34569,9 +34764,9 @@
                                     </p:set>
                                     <p:animEffect transition="in" filter="fade">
                                       <p:cBhvr>
-                                        <p:cTn id="43" dur="500"/>
-                                        <p:tgtEl>
-                                          <p:spTgt spid="30"/>
+                                        <p:cTn id="55" dur="500"/>
+                                        <p:tgtEl>
+                                          <p:spTgt spid="34"/>
                                         </p:tgtEl>
                                       </p:cBhvr>
                                     </p:animEffect>
@@ -34579,14 +34774,14 @@
                                 </p:cTn>
                               </p:par>
                               <p:par>
-                                <p:cTn id="44" presetID="10" presetClass="entr" presetSubtype="0" fill="hold" grpId="0" nodeType="withEffect">
+                                <p:cTn id="56" presetID="10" presetClass="entr" presetSubtype="0" fill="hold" grpId="0" nodeType="withEffect">
                                   <p:stCondLst>
                                     <p:cond delay="0"/>
                                   </p:stCondLst>
                                   <p:childTnLst>
                                     <p:set>
                                       <p:cBhvr>
-                                        <p:cTn id="45" dur="1" fill="hold">
+                                        <p:cTn id="57" dur="1" fill="hold">
                                           <p:stCondLst>
                                             <p:cond delay="0"/>
                                           </p:stCondLst>
@@ -34604,7 +34799,7 @@
                                     </p:set>
                                     <p:animEffect transition="in" filter="fade">
                                       <p:cBhvr>
-                                        <p:cTn id="46" dur="500"/>
+                                        <p:cTn id="58" dur="500"/>
                                         <p:tgtEl>
                                           <p:spTgt spid="15"/>
                                         </p:tgtEl>
@@ -34620,26 +34815,26 @@
                     </p:cTn>
                   </p:par>
                   <p:par>
-                    <p:cTn id="47" fill="hold">
+                    <p:cTn id="59" fill="hold">
                       <p:stCondLst>
                         <p:cond delay="indefinite"/>
                       </p:stCondLst>
                       <p:childTnLst>
                         <p:par>
-                          <p:cTn id="48" fill="hold">
+                          <p:cTn id="60" fill="hold">
                             <p:stCondLst>
                               <p:cond delay="0"/>
                             </p:stCondLst>
                             <p:childTnLst>
                               <p:par>
-                                <p:cTn id="49" presetID="10" presetClass="entr" presetSubtype="0" fill="hold" grpId="0" nodeType="clickEffect">
+                                <p:cTn id="61" presetID="10" presetClass="entr" presetSubtype="0" fill="hold" grpId="0" nodeType="clickEffect">
                                   <p:stCondLst>
                                     <p:cond delay="0"/>
                                   </p:stCondLst>
                                   <p:childTnLst>
                                     <p:set>
                                       <p:cBhvr>
-                                        <p:cTn id="50" dur="1" fill="hold">
+                                        <p:cTn id="62" dur="1" fill="hold">
                                           <p:stCondLst>
                                             <p:cond delay="0"/>
                                           </p:stCondLst>
@@ -34657,7 +34852,7 @@
                                     </p:set>
                                     <p:animEffect transition="in" filter="fade">
                                       <p:cBhvr>
-                                        <p:cTn id="51" dur="500"/>
+                                        <p:cTn id="63" dur="500"/>
                                         <p:tgtEl>
                                           <p:spTgt spid="31"/>
                                         </p:tgtEl>
@@ -34694,17 +34889,21 @@
       </p:par>
     </p:tnLst>
     <p:bldLst>
-      <p:bldP spid="5" grpId="0" animBg="1"/>
-      <p:bldP spid="23" grpId="0" animBg="1"/>
-      <p:bldP spid="26" grpId="0" animBg="1"/>
-      <p:bldP spid="28" grpId="0" animBg="1"/>
       <p:bldP spid="31" grpId="0"/>
-      <p:bldP spid="32" grpId="0" animBg="1"/>
-      <p:bldP spid="30" grpId="0" animBg="1"/>
-      <p:bldP spid="29" grpId="0" animBg="1"/>
       <p:bldP spid="6" grpId="0"/>
       <p:bldP spid="12" grpId="0"/>
       <p:bldP spid="15" grpId="0"/>
+      <p:bldP spid="10" grpId="0" animBg="1"/>
+      <p:bldP spid="13" grpId="0"/>
+      <p:bldP spid="22" grpId="0" animBg="1"/>
+      <p:bldP spid="14" grpId="0"/>
+      <p:bldP spid="24" grpId="0" animBg="1"/>
+      <p:bldP spid="25" grpId="0" animBg="1"/>
+      <p:bldP spid="27" grpId="0" animBg="1"/>
+      <p:bldP spid="16" grpId="0"/>
+      <p:bldP spid="33" grpId="0" animBg="1"/>
+      <p:bldP spid="17" grpId="0"/>
+      <p:bldP spid="34" grpId="0" animBg="1"/>
     </p:bldLst>
   </p:timing>
 </p:sld>

--- a/intro to ble.pptx
+++ b/intro to ble.pptx
@@ -33791,7 +33791,7 @@
         </p:nvSpPr>
         <p:spPr>
           <a:xfrm>
-            <a:off x="7271064" y="668349"/>
+            <a:off x="5153997" y="654769"/>
             <a:ext cx="114299" cy="114299"/>
           </a:xfrm>
           <a:prstGeom prst="ellipse">
@@ -33839,7 +33839,7 @@
         </p:nvSpPr>
         <p:spPr>
           <a:xfrm>
-            <a:off x="7010542" y="773378"/>
+            <a:off x="4787536" y="754901"/>
             <a:ext cx="731290" cy="338554"/>
           </a:xfrm>
           <a:prstGeom prst="rect">

--- a/intro to ble.pptx
+++ b/intro to ble.pptx
@@ -244,7 +244,7 @@
           <a:p>
             <a:fld id="{CB69E15D-2E95-428C-B9E3-27B2BF3879D0}" type="datetimeFigureOut">
               <a:rPr lang="en-SG" smtClean="0"/>
-              <a:t>17/2/2016</a:t>
+              <a:t>4/6/16</a:t>
             </a:fld>
             <a:endParaRPr lang="en-SG"/>
           </a:p>
@@ -811,7 +811,7 @@
           <a:p>
             <a:fld id="{14C94871-C4DF-4AFD-96E5-87B050A67E05}" type="datetime1">
               <a:rPr lang="en-SG" smtClean="0"/>
-              <a:t>17/2/2016</a:t>
+              <a:t>4/6/16</a:t>
             </a:fld>
             <a:endParaRPr lang="en-SG"/>
           </a:p>
@@ -981,7 +981,7 @@
           <a:p>
             <a:fld id="{76A6DE21-0D8F-4C8C-AF6A-521466B16426}" type="datetime1">
               <a:rPr lang="en-SG" smtClean="0"/>
-              <a:t>17/2/2016</a:t>
+              <a:t>4/6/16</a:t>
             </a:fld>
             <a:endParaRPr lang="en-SG"/>
           </a:p>
@@ -1161,7 +1161,7 @@
           <a:p>
             <a:fld id="{16A18ED7-72CF-4BB2-8941-928963568089}" type="datetime1">
               <a:rPr lang="en-SG" smtClean="0"/>
-              <a:t>17/2/2016</a:t>
+              <a:t>4/6/16</a:t>
             </a:fld>
             <a:endParaRPr lang="en-SG"/>
           </a:p>
@@ -1331,7 +1331,7 @@
           <a:p>
             <a:fld id="{7FD7CD52-9833-4DD5-89FF-33E59F171421}" type="datetime1">
               <a:rPr lang="en-SG" smtClean="0"/>
-              <a:t>17/2/2016</a:t>
+              <a:t>4/6/16</a:t>
             </a:fld>
             <a:endParaRPr lang="en-SG"/>
           </a:p>
@@ -1575,7 +1575,7 @@
           <a:p>
             <a:fld id="{E74C9598-7F32-4DE4-BFF0-39C051013B34}" type="datetime1">
               <a:rPr lang="en-SG" smtClean="0"/>
-              <a:t>17/2/2016</a:t>
+              <a:t>4/6/16</a:t>
             </a:fld>
             <a:endParaRPr lang="en-SG"/>
           </a:p>
@@ -1807,7 +1807,7 @@
           <a:p>
             <a:fld id="{5DC821E8-33B0-41D5-8FA5-9A647E53891C}" type="datetime1">
               <a:rPr lang="en-SG" smtClean="0"/>
-              <a:t>17/2/2016</a:t>
+              <a:t>4/6/16</a:t>
             </a:fld>
             <a:endParaRPr lang="en-SG"/>
           </a:p>
@@ -2174,7 +2174,7 @@
           <a:p>
             <a:fld id="{751CCC62-50F5-4228-8D51-6D258C0BFCBD}" type="datetime1">
               <a:rPr lang="en-SG" smtClean="0"/>
-              <a:t>17/2/2016</a:t>
+              <a:t>4/6/16</a:t>
             </a:fld>
             <a:endParaRPr lang="en-SG"/>
           </a:p>
@@ -2292,7 +2292,7 @@
           <a:p>
             <a:fld id="{776807E8-5434-437A-A610-A94C24A73164}" type="datetime1">
               <a:rPr lang="en-SG" smtClean="0"/>
-              <a:t>17/2/2016</a:t>
+              <a:t>4/6/16</a:t>
             </a:fld>
             <a:endParaRPr lang="en-SG"/>
           </a:p>
@@ -2387,7 +2387,7 @@
           <a:p>
             <a:fld id="{18AC243E-E412-41F8-A99C-62E3D2C4FD1E}" type="datetime1">
               <a:rPr lang="en-SG" smtClean="0"/>
-              <a:t>17/2/2016</a:t>
+              <a:t>4/6/16</a:t>
             </a:fld>
             <a:endParaRPr lang="en-SG"/>
           </a:p>
@@ -2664,7 +2664,7 @@
           <a:p>
             <a:fld id="{30DD06DC-63F5-45CF-A3A5-F437A0C7E12A}" type="datetime1">
               <a:rPr lang="en-SG" smtClean="0"/>
-              <a:t>17/2/2016</a:t>
+              <a:t>4/6/16</a:t>
             </a:fld>
             <a:endParaRPr lang="en-SG"/>
           </a:p>
@@ -2921,7 +2921,7 @@
           <a:p>
             <a:fld id="{7810AE82-8C34-472D-B90B-4D50508F585C}" type="datetime1">
               <a:rPr lang="en-SG" smtClean="0"/>
-              <a:t>17/2/2016</a:t>
+              <a:t>4/6/16</a:t>
             </a:fld>
             <a:endParaRPr lang="en-SG"/>
           </a:p>
@@ -3134,7 +3134,7 @@
           <a:p>
             <a:fld id="{393BD624-3486-430E-A0CD-3F2C92C8E573}" type="datetime1">
               <a:rPr lang="en-SG" smtClean="0"/>
-              <a:t>17/2/2016</a:t>
+              <a:t>4/6/16</a:t>
             </a:fld>
             <a:endParaRPr lang="en-SG"/>
           </a:p>
@@ -3657,8 +3657,8 @@
         </p:nvSpPr>
         <p:spPr>
           <a:xfrm>
-            <a:off x="130848" y="5380672"/>
-            <a:ext cx="4413516" cy="1477328"/>
+            <a:off x="63115" y="5015419"/>
+            <a:ext cx="4413516" cy="1754326"/>
           </a:xfrm>
           <a:prstGeom prst="rect">
             <a:avLst/>
@@ -3673,7 +3673,17 @@
           <a:p>
             <a:r>
               <a:rPr lang="en-SG" dirty="0" smtClean="0"/>
-              <a:t>Tech Talk Tuesdays @OMG (16 Feb 2016)</a:t>
+              <a:t>iOS Dev Scout (23 June 2016)</a:t>
+            </a:r>
+          </a:p>
+          <a:p>
+            <a:r>
+              <a:rPr lang="en-SG" dirty="0" smtClean="0"/>
+              <a:t>Tech </a:t>
+            </a:r>
+            <a:r>
+              <a:rPr lang="en-SG" dirty="0" smtClean="0"/>
+              <a:t>Talk Tuesdays @OMG (16 Feb 2016)</a:t>
             </a:r>
           </a:p>
           <a:p>
@@ -5568,14 +5578,14 @@
                 <a:gridCol w="3368099">
                   <a:extLst>
                     <a:ext uri="{9D8B030D-6E8A-4147-A177-3AD203B41FA5}">
-                      <a16:colId xmlns:a16="http://schemas.microsoft.com/office/drawing/2014/main" val="20000"/>
+                      <a16:colId xmlns:a16="http://schemas.microsoft.com/office/drawing/2014/main" xmlns="" val="20000"/>
                     </a:ext>
                   </a:extLst>
                 </a:gridCol>
                 <a:gridCol w="5174322">
                   <a:extLst>
                     <a:ext uri="{9D8B030D-6E8A-4147-A177-3AD203B41FA5}">
-                      <a16:colId xmlns:a16="http://schemas.microsoft.com/office/drawing/2014/main" val="20001"/>
+                      <a16:colId xmlns:a16="http://schemas.microsoft.com/office/drawing/2014/main" xmlns="" val="20001"/>
                     </a:ext>
                   </a:extLst>
                 </a:gridCol>
@@ -5615,7 +5625,7 @@
                 </a:tc>
                 <a:extLst>
                   <a:ext uri="{0D108BD9-81ED-4DB2-BD59-A6C34878D82A}">
-                    <a16:rowId xmlns:a16="http://schemas.microsoft.com/office/drawing/2014/main" val="10000"/>
+                    <a16:rowId xmlns:a16="http://schemas.microsoft.com/office/drawing/2014/main" xmlns="" val="10000"/>
                   </a:ext>
                 </a:extLst>
               </a:tr>
@@ -5650,7 +5660,7 @@
                 </a:tc>
                 <a:extLst>
                   <a:ext uri="{0D108BD9-81ED-4DB2-BD59-A6C34878D82A}">
-                    <a16:rowId xmlns:a16="http://schemas.microsoft.com/office/drawing/2014/main" val="10001"/>
+                    <a16:rowId xmlns:a16="http://schemas.microsoft.com/office/drawing/2014/main" xmlns="" val="10001"/>
                   </a:ext>
                 </a:extLst>
               </a:tr>
@@ -5685,7 +5695,7 @@
                 </a:tc>
                 <a:extLst>
                   <a:ext uri="{0D108BD9-81ED-4DB2-BD59-A6C34878D82A}">
-                    <a16:rowId xmlns:a16="http://schemas.microsoft.com/office/drawing/2014/main" val="10002"/>
+                    <a16:rowId xmlns:a16="http://schemas.microsoft.com/office/drawing/2014/main" xmlns="" val="10002"/>
                   </a:ext>
                 </a:extLst>
               </a:tr>
@@ -5720,7 +5730,7 @@
                 </a:tc>
                 <a:extLst>
                   <a:ext uri="{0D108BD9-81ED-4DB2-BD59-A6C34878D82A}">
-                    <a16:rowId xmlns:a16="http://schemas.microsoft.com/office/drawing/2014/main" val="10003"/>
+                    <a16:rowId xmlns:a16="http://schemas.microsoft.com/office/drawing/2014/main" xmlns="" val="10003"/>
                   </a:ext>
                 </a:extLst>
               </a:tr>
@@ -6033,14 +6043,14 @@
                 <a:gridCol w="4184649">
                   <a:extLst>
                     <a:ext uri="{9D8B030D-6E8A-4147-A177-3AD203B41FA5}">
-                      <a16:colId xmlns:a16="http://schemas.microsoft.com/office/drawing/2014/main" val="20000"/>
+                      <a16:colId xmlns:a16="http://schemas.microsoft.com/office/drawing/2014/main" xmlns="" val="20000"/>
                     </a:ext>
                   </a:extLst>
                 </a:gridCol>
                 <a:gridCol w="4184649">
                   <a:extLst>
                     <a:ext uri="{9D8B030D-6E8A-4147-A177-3AD203B41FA5}">
-                      <a16:colId xmlns:a16="http://schemas.microsoft.com/office/drawing/2014/main" val="20001"/>
+                      <a16:colId xmlns:a16="http://schemas.microsoft.com/office/drawing/2014/main" xmlns="" val="20001"/>
                     </a:ext>
                   </a:extLst>
                 </a:gridCol>
@@ -6082,7 +6092,7 @@
                 </a:tc>
                 <a:extLst>
                   <a:ext uri="{0D108BD9-81ED-4DB2-BD59-A6C34878D82A}">
-                    <a16:rowId xmlns:a16="http://schemas.microsoft.com/office/drawing/2014/main" val="10000"/>
+                    <a16:rowId xmlns:a16="http://schemas.microsoft.com/office/drawing/2014/main" xmlns="" val="10000"/>
                   </a:ext>
                 </a:extLst>
               </a:tr>
@@ -6612,7 +6622,7 @@
                 </a:tc>
                 <a:extLst>
                   <a:ext uri="{0D108BD9-81ED-4DB2-BD59-A6C34878D82A}">
-                    <a16:rowId xmlns:a16="http://schemas.microsoft.com/office/drawing/2014/main" val="10001"/>
+                    <a16:rowId xmlns:a16="http://schemas.microsoft.com/office/drawing/2014/main" xmlns="" val="10001"/>
                   </a:ext>
                 </a:extLst>
               </a:tr>
@@ -14765,14 +14775,14 @@
                 <a:gridCol w="2702014">
                   <a:extLst>
                     <a:ext uri="{9D8B030D-6E8A-4147-A177-3AD203B41FA5}">
-                      <a16:colId xmlns:a16="http://schemas.microsoft.com/office/drawing/2014/main" val="20000"/>
+                      <a16:colId xmlns:a16="http://schemas.microsoft.com/office/drawing/2014/main" xmlns="" val="20000"/>
                     </a:ext>
                   </a:extLst>
                 </a:gridCol>
                 <a:gridCol w="6095637">
                   <a:extLst>
                     <a:ext uri="{9D8B030D-6E8A-4147-A177-3AD203B41FA5}">
-                      <a16:colId xmlns:a16="http://schemas.microsoft.com/office/drawing/2014/main" val="20001"/>
+                      <a16:colId xmlns:a16="http://schemas.microsoft.com/office/drawing/2014/main" xmlns="" val="20001"/>
                     </a:ext>
                   </a:extLst>
                 </a:gridCol>
@@ -14820,7 +14830,7 @@
                 </a:tc>
                 <a:extLst>
                   <a:ext uri="{0D108BD9-81ED-4DB2-BD59-A6C34878D82A}">
-                    <a16:rowId xmlns:a16="http://schemas.microsoft.com/office/drawing/2014/main" val="10000"/>
+                    <a16:rowId xmlns:a16="http://schemas.microsoft.com/office/drawing/2014/main" xmlns="" val="10000"/>
                   </a:ext>
                 </a:extLst>
               </a:tr>
@@ -14863,7 +14873,7 @@
                 </a:tc>
                 <a:extLst>
                   <a:ext uri="{0D108BD9-81ED-4DB2-BD59-A6C34878D82A}">
-                    <a16:rowId xmlns:a16="http://schemas.microsoft.com/office/drawing/2014/main" val="10001"/>
+                    <a16:rowId xmlns:a16="http://schemas.microsoft.com/office/drawing/2014/main" xmlns="" val="10001"/>
                   </a:ext>
                 </a:extLst>
               </a:tr>
@@ -14914,7 +14924,7 @@
                 </a:tc>
                 <a:extLst>
                   <a:ext uri="{0D108BD9-81ED-4DB2-BD59-A6C34878D82A}">
-                    <a16:rowId xmlns:a16="http://schemas.microsoft.com/office/drawing/2014/main" val="10002"/>
+                    <a16:rowId xmlns:a16="http://schemas.microsoft.com/office/drawing/2014/main" xmlns="" val="10002"/>
                   </a:ext>
                 </a:extLst>
               </a:tr>
@@ -14949,7 +14959,7 @@
                 </a:tc>
                 <a:extLst>
                   <a:ext uri="{0D108BD9-81ED-4DB2-BD59-A6C34878D82A}">
-                    <a16:rowId xmlns:a16="http://schemas.microsoft.com/office/drawing/2014/main" val="10003"/>
+                    <a16:rowId xmlns:a16="http://schemas.microsoft.com/office/drawing/2014/main" xmlns="" val="10003"/>
                   </a:ext>
                 </a:extLst>
               </a:tr>
@@ -15000,7 +15010,7 @@
                 </a:tc>
                 <a:extLst>
                   <a:ext uri="{0D108BD9-81ED-4DB2-BD59-A6C34878D82A}">
-                    <a16:rowId xmlns:a16="http://schemas.microsoft.com/office/drawing/2014/main" val="10004"/>
+                    <a16:rowId xmlns:a16="http://schemas.microsoft.com/office/drawing/2014/main" xmlns="" val="10004"/>
                   </a:ext>
                 </a:extLst>
               </a:tr>
@@ -15568,8 +15578,13 @@
           <a:p>
             <a:r>
               <a:rPr lang="en-SG" dirty="0" smtClean="0"/>
-              <a:t>Arduino IDE 1.6.7</a:t>
-            </a:r>
+              <a:t>Arduino IDE </a:t>
+            </a:r>
+            <a:r>
+              <a:rPr lang="en-SG" dirty="0" smtClean="0"/>
+              <a:t>1.6.9</a:t>
+            </a:r>
+            <a:endParaRPr lang="en-SG" dirty="0" smtClean="0"/>
           </a:p>
           <a:p>
             <a:r>
@@ -16285,14 +16300,24 @@
             <a:pPr lvl="1"/>
             <a:r>
               <a:rPr lang="en-SG" dirty="0" smtClean="0"/>
-              <a:t>OS: iOS 9.2.1</a:t>
-            </a:r>
-          </a:p>
-          <a:p>
-            <a:r>
-              <a:rPr lang="en-SG" dirty="0" smtClean="0"/>
-              <a:t>Programming Language: Swift 2</a:t>
-            </a:r>
+              <a:t>OS: iOS </a:t>
+            </a:r>
+            <a:r>
+              <a:rPr lang="en-SG" dirty="0" smtClean="0"/>
+              <a:t>9.3.2</a:t>
+            </a:r>
+            <a:endParaRPr lang="en-SG" dirty="0" smtClean="0"/>
+          </a:p>
+          <a:p>
+            <a:r>
+              <a:rPr lang="en-SG" dirty="0" smtClean="0"/>
+              <a:t>Programming Language: </a:t>
+            </a:r>
+            <a:r>
+              <a:rPr lang="en-SG" dirty="0" smtClean="0"/>
+              <a:t>Swift</a:t>
+            </a:r>
+            <a:endParaRPr lang="en-SG" dirty="0" smtClean="0"/>
           </a:p>
           <a:p>
             <a:r>
@@ -16301,8 +16326,13 @@
             </a:r>
             <a:r>
               <a:rPr lang="en-SG" dirty="0" smtClean="0"/>
-              <a:t> 7.2.1</a:t>
-            </a:r>
+              <a:t> </a:t>
+            </a:r>
+            <a:r>
+              <a:rPr lang="en-SG" dirty="0" smtClean="0"/>
+              <a:t>7.3.1</a:t>
+            </a:r>
+            <a:endParaRPr lang="en-SG" dirty="0" smtClean="0"/>
           </a:p>
           <a:p>
             <a:endParaRPr lang="en-SG" dirty="0"/>
@@ -22656,49 +22686,49 @@
                 <a:gridCol w="1126671">
                   <a:extLst>
                     <a:ext uri="{9D8B030D-6E8A-4147-A177-3AD203B41FA5}">
-                      <a16:colId xmlns:a16="http://schemas.microsoft.com/office/drawing/2014/main" val="20000"/>
+                      <a16:colId xmlns:a16="http://schemas.microsoft.com/office/drawing/2014/main" xmlns="" val="20000"/>
                     </a:ext>
                   </a:extLst>
                 </a:gridCol>
                 <a:gridCol w="1091118">
                   <a:extLst>
                     <a:ext uri="{9D8B030D-6E8A-4147-A177-3AD203B41FA5}">
-                      <a16:colId xmlns:a16="http://schemas.microsoft.com/office/drawing/2014/main" val="20001"/>
+                      <a16:colId xmlns:a16="http://schemas.microsoft.com/office/drawing/2014/main" xmlns="" val="20001"/>
                     </a:ext>
                   </a:extLst>
                 </a:gridCol>
                 <a:gridCol w="1423219">
                   <a:extLst>
                     <a:ext uri="{9D8B030D-6E8A-4147-A177-3AD203B41FA5}">
-                      <a16:colId xmlns:a16="http://schemas.microsoft.com/office/drawing/2014/main" val="20002"/>
+                      <a16:colId xmlns:a16="http://schemas.microsoft.com/office/drawing/2014/main" xmlns="" val="20002"/>
                     </a:ext>
                   </a:extLst>
                 </a:gridCol>
                 <a:gridCol w="671052">
                   <a:extLst>
                     <a:ext uri="{9D8B030D-6E8A-4147-A177-3AD203B41FA5}">
-                      <a16:colId xmlns:a16="http://schemas.microsoft.com/office/drawing/2014/main" val="20003"/>
+                      <a16:colId xmlns:a16="http://schemas.microsoft.com/office/drawing/2014/main" xmlns="" val="20003"/>
                     </a:ext>
                   </a:extLst>
                 </a:gridCol>
                 <a:gridCol w="648929">
                   <a:extLst>
                     <a:ext uri="{9D8B030D-6E8A-4147-A177-3AD203B41FA5}">
-                      <a16:colId xmlns:a16="http://schemas.microsoft.com/office/drawing/2014/main" val="20004"/>
+                      <a16:colId xmlns:a16="http://schemas.microsoft.com/office/drawing/2014/main" xmlns="" val="20004"/>
                     </a:ext>
                   </a:extLst>
                 </a:gridCol>
                 <a:gridCol w="1939413">
                   <a:extLst>
                     <a:ext uri="{9D8B030D-6E8A-4147-A177-3AD203B41FA5}">
-                      <a16:colId xmlns:a16="http://schemas.microsoft.com/office/drawing/2014/main" val="20005"/>
+                      <a16:colId xmlns:a16="http://schemas.microsoft.com/office/drawing/2014/main" xmlns="" val="20005"/>
                     </a:ext>
                   </a:extLst>
                 </a:gridCol>
                 <a:gridCol w="986295">
                   <a:extLst>
                     <a:ext uri="{9D8B030D-6E8A-4147-A177-3AD203B41FA5}">
-                      <a16:colId xmlns:a16="http://schemas.microsoft.com/office/drawing/2014/main" val="20006"/>
+                      <a16:colId xmlns:a16="http://schemas.microsoft.com/office/drawing/2014/main" xmlns="" val="20006"/>
                     </a:ext>
                   </a:extLst>
                 </a:gridCol>
@@ -22812,7 +22842,7 @@
                 </a:tc>
                 <a:extLst>
                   <a:ext uri="{0D108BD9-81ED-4DB2-BD59-A6C34878D82A}">
-                    <a16:rowId xmlns:a16="http://schemas.microsoft.com/office/drawing/2014/main" val="10000"/>
+                    <a16:rowId xmlns:a16="http://schemas.microsoft.com/office/drawing/2014/main" xmlns="" val="10000"/>
                   </a:ext>
                 </a:extLst>
               </a:tr>
@@ -22950,7 +22980,7 @@
                 </a:tc>
                 <a:extLst>
                   <a:ext uri="{0D108BD9-81ED-4DB2-BD59-A6C34878D82A}">
-                    <a16:rowId xmlns:a16="http://schemas.microsoft.com/office/drawing/2014/main" val="10001"/>
+                    <a16:rowId xmlns:a16="http://schemas.microsoft.com/office/drawing/2014/main" xmlns="" val="10001"/>
                   </a:ext>
                 </a:extLst>
               </a:tr>

--- a/intro to ble.pptx
+++ b/intro to ble.pptx
@@ -244,7 +244,7 @@
           <a:p>
             <a:fld id="{CB69E15D-2E95-428C-B9E3-27B2BF3879D0}" type="datetimeFigureOut">
               <a:rPr lang="en-SG" smtClean="0"/>
-              <a:t>4/6/16</a:t>
+              <a:t>10/6/16</a:t>
             </a:fld>
             <a:endParaRPr lang="en-SG"/>
           </a:p>
@@ -811,7 +811,7 @@
           <a:p>
             <a:fld id="{14C94871-C4DF-4AFD-96E5-87B050A67E05}" type="datetime1">
               <a:rPr lang="en-SG" smtClean="0"/>
-              <a:t>4/6/16</a:t>
+              <a:t>10/6/16</a:t>
             </a:fld>
             <a:endParaRPr lang="en-SG"/>
           </a:p>
@@ -981,7 +981,7 @@
           <a:p>
             <a:fld id="{76A6DE21-0D8F-4C8C-AF6A-521466B16426}" type="datetime1">
               <a:rPr lang="en-SG" smtClean="0"/>
-              <a:t>4/6/16</a:t>
+              <a:t>10/6/16</a:t>
             </a:fld>
             <a:endParaRPr lang="en-SG"/>
           </a:p>
@@ -1161,7 +1161,7 @@
           <a:p>
             <a:fld id="{16A18ED7-72CF-4BB2-8941-928963568089}" type="datetime1">
               <a:rPr lang="en-SG" smtClean="0"/>
-              <a:t>4/6/16</a:t>
+              <a:t>10/6/16</a:t>
             </a:fld>
             <a:endParaRPr lang="en-SG"/>
           </a:p>
@@ -1331,7 +1331,7 @@
           <a:p>
             <a:fld id="{7FD7CD52-9833-4DD5-89FF-33E59F171421}" type="datetime1">
               <a:rPr lang="en-SG" smtClean="0"/>
-              <a:t>4/6/16</a:t>
+              <a:t>10/6/16</a:t>
             </a:fld>
             <a:endParaRPr lang="en-SG"/>
           </a:p>
@@ -1575,7 +1575,7 @@
           <a:p>
             <a:fld id="{E74C9598-7F32-4DE4-BFF0-39C051013B34}" type="datetime1">
               <a:rPr lang="en-SG" smtClean="0"/>
-              <a:t>4/6/16</a:t>
+              <a:t>10/6/16</a:t>
             </a:fld>
             <a:endParaRPr lang="en-SG"/>
           </a:p>
@@ -1807,7 +1807,7 @@
           <a:p>
             <a:fld id="{5DC821E8-33B0-41D5-8FA5-9A647E53891C}" type="datetime1">
               <a:rPr lang="en-SG" smtClean="0"/>
-              <a:t>4/6/16</a:t>
+              <a:t>10/6/16</a:t>
             </a:fld>
             <a:endParaRPr lang="en-SG"/>
           </a:p>
@@ -2174,7 +2174,7 @@
           <a:p>
             <a:fld id="{751CCC62-50F5-4228-8D51-6D258C0BFCBD}" type="datetime1">
               <a:rPr lang="en-SG" smtClean="0"/>
-              <a:t>4/6/16</a:t>
+              <a:t>10/6/16</a:t>
             </a:fld>
             <a:endParaRPr lang="en-SG"/>
           </a:p>
@@ -2292,7 +2292,7 @@
           <a:p>
             <a:fld id="{776807E8-5434-437A-A610-A94C24A73164}" type="datetime1">
               <a:rPr lang="en-SG" smtClean="0"/>
-              <a:t>4/6/16</a:t>
+              <a:t>10/6/16</a:t>
             </a:fld>
             <a:endParaRPr lang="en-SG"/>
           </a:p>
@@ -2387,7 +2387,7 @@
           <a:p>
             <a:fld id="{18AC243E-E412-41F8-A99C-62E3D2C4FD1E}" type="datetime1">
               <a:rPr lang="en-SG" smtClean="0"/>
-              <a:t>4/6/16</a:t>
+              <a:t>10/6/16</a:t>
             </a:fld>
             <a:endParaRPr lang="en-SG"/>
           </a:p>
@@ -2664,7 +2664,7 @@
           <a:p>
             <a:fld id="{30DD06DC-63F5-45CF-A3A5-F437A0C7E12A}" type="datetime1">
               <a:rPr lang="en-SG" smtClean="0"/>
-              <a:t>4/6/16</a:t>
+              <a:t>10/6/16</a:t>
             </a:fld>
             <a:endParaRPr lang="en-SG"/>
           </a:p>
@@ -2921,7 +2921,7 @@
           <a:p>
             <a:fld id="{7810AE82-8C34-472D-B90B-4D50508F585C}" type="datetime1">
               <a:rPr lang="en-SG" smtClean="0"/>
-              <a:t>4/6/16</a:t>
+              <a:t>10/6/16</a:t>
             </a:fld>
             <a:endParaRPr lang="en-SG"/>
           </a:p>
@@ -3134,7 +3134,7 @@
           <a:p>
             <a:fld id="{393BD624-3486-430E-A0CD-3F2C92C8E573}" type="datetime1">
               <a:rPr lang="en-SG" smtClean="0"/>
-              <a:t>4/6/16</a:t>
+              <a:t>10/6/16</a:t>
             </a:fld>
             <a:endParaRPr lang="en-SG"/>
           </a:p>
@@ -3679,11 +3679,7 @@
           <a:p>
             <a:r>
               <a:rPr lang="en-SG" dirty="0" smtClean="0"/>
-              <a:t>Tech </a:t>
-            </a:r>
-            <a:r>
-              <a:rPr lang="en-SG" dirty="0" smtClean="0"/>
-              <a:t>Talk Tuesdays @OMG (16 Feb 2016)</a:t>
+              <a:t>Tech Talk Tuesdays @OMG (16 Feb 2016)</a:t>
             </a:r>
           </a:p>
           <a:p>
@@ -5578,14 +5574,14 @@
                 <a:gridCol w="3368099">
                   <a:extLst>
                     <a:ext uri="{9D8B030D-6E8A-4147-A177-3AD203B41FA5}">
-                      <a16:colId xmlns:a16="http://schemas.microsoft.com/office/drawing/2014/main" xmlns="" val="20000"/>
+                      <a16:colId xmlns="" xmlns:a16="http://schemas.microsoft.com/office/drawing/2014/main" val="20000"/>
                     </a:ext>
                   </a:extLst>
                 </a:gridCol>
                 <a:gridCol w="5174322">
                   <a:extLst>
                     <a:ext uri="{9D8B030D-6E8A-4147-A177-3AD203B41FA5}">
-                      <a16:colId xmlns:a16="http://schemas.microsoft.com/office/drawing/2014/main" xmlns="" val="20001"/>
+                      <a16:colId xmlns="" xmlns:a16="http://schemas.microsoft.com/office/drawing/2014/main" val="20001"/>
                     </a:ext>
                   </a:extLst>
                 </a:gridCol>
@@ -5625,7 +5621,7 @@
                 </a:tc>
                 <a:extLst>
                   <a:ext uri="{0D108BD9-81ED-4DB2-BD59-A6C34878D82A}">
-                    <a16:rowId xmlns:a16="http://schemas.microsoft.com/office/drawing/2014/main" xmlns="" val="10000"/>
+                    <a16:rowId xmlns="" xmlns:a16="http://schemas.microsoft.com/office/drawing/2014/main" val="10000"/>
                   </a:ext>
                 </a:extLst>
               </a:tr>
@@ -5660,7 +5656,7 @@
                 </a:tc>
                 <a:extLst>
                   <a:ext uri="{0D108BD9-81ED-4DB2-BD59-A6C34878D82A}">
-                    <a16:rowId xmlns:a16="http://schemas.microsoft.com/office/drawing/2014/main" xmlns="" val="10001"/>
+                    <a16:rowId xmlns="" xmlns:a16="http://schemas.microsoft.com/office/drawing/2014/main" val="10001"/>
                   </a:ext>
                 </a:extLst>
               </a:tr>
@@ -5695,7 +5691,7 @@
                 </a:tc>
                 <a:extLst>
                   <a:ext uri="{0D108BD9-81ED-4DB2-BD59-A6C34878D82A}">
-                    <a16:rowId xmlns:a16="http://schemas.microsoft.com/office/drawing/2014/main" xmlns="" val="10002"/>
+                    <a16:rowId xmlns="" xmlns:a16="http://schemas.microsoft.com/office/drawing/2014/main" val="10002"/>
                   </a:ext>
                 </a:extLst>
               </a:tr>
@@ -5730,7 +5726,7 @@
                 </a:tc>
                 <a:extLst>
                   <a:ext uri="{0D108BD9-81ED-4DB2-BD59-A6C34878D82A}">
-                    <a16:rowId xmlns:a16="http://schemas.microsoft.com/office/drawing/2014/main" xmlns="" val="10003"/>
+                    <a16:rowId xmlns="" xmlns:a16="http://schemas.microsoft.com/office/drawing/2014/main" val="10003"/>
                   </a:ext>
                 </a:extLst>
               </a:tr>
@@ -6043,14 +6039,14 @@
                 <a:gridCol w="4184649">
                   <a:extLst>
                     <a:ext uri="{9D8B030D-6E8A-4147-A177-3AD203B41FA5}">
-                      <a16:colId xmlns:a16="http://schemas.microsoft.com/office/drawing/2014/main" xmlns="" val="20000"/>
+                      <a16:colId xmlns="" xmlns:a16="http://schemas.microsoft.com/office/drawing/2014/main" val="20000"/>
                     </a:ext>
                   </a:extLst>
                 </a:gridCol>
                 <a:gridCol w="4184649">
                   <a:extLst>
                     <a:ext uri="{9D8B030D-6E8A-4147-A177-3AD203B41FA5}">
-                      <a16:colId xmlns:a16="http://schemas.microsoft.com/office/drawing/2014/main" xmlns="" val="20001"/>
+                      <a16:colId xmlns="" xmlns:a16="http://schemas.microsoft.com/office/drawing/2014/main" val="20001"/>
                     </a:ext>
                   </a:extLst>
                 </a:gridCol>
@@ -6092,7 +6088,7 @@
                 </a:tc>
                 <a:extLst>
                   <a:ext uri="{0D108BD9-81ED-4DB2-BD59-A6C34878D82A}">
-                    <a16:rowId xmlns:a16="http://schemas.microsoft.com/office/drawing/2014/main" xmlns="" val="10000"/>
+                    <a16:rowId xmlns="" xmlns:a16="http://schemas.microsoft.com/office/drawing/2014/main" val="10000"/>
                   </a:ext>
                 </a:extLst>
               </a:tr>
@@ -6622,7 +6618,7 @@
                 </a:tc>
                 <a:extLst>
                   <a:ext uri="{0D108BD9-81ED-4DB2-BD59-A6C34878D82A}">
-                    <a16:rowId xmlns:a16="http://schemas.microsoft.com/office/drawing/2014/main" xmlns="" val="10001"/>
+                    <a16:rowId xmlns="" xmlns:a16="http://schemas.microsoft.com/office/drawing/2014/main" val="10001"/>
                   </a:ext>
                 </a:extLst>
               </a:tr>
@@ -14775,14 +14771,14 @@
                 <a:gridCol w="2702014">
                   <a:extLst>
                     <a:ext uri="{9D8B030D-6E8A-4147-A177-3AD203B41FA5}">
-                      <a16:colId xmlns:a16="http://schemas.microsoft.com/office/drawing/2014/main" xmlns="" val="20000"/>
+                      <a16:colId xmlns="" xmlns:a16="http://schemas.microsoft.com/office/drawing/2014/main" val="20000"/>
                     </a:ext>
                   </a:extLst>
                 </a:gridCol>
                 <a:gridCol w="6095637">
                   <a:extLst>
                     <a:ext uri="{9D8B030D-6E8A-4147-A177-3AD203B41FA5}">
-                      <a16:colId xmlns:a16="http://schemas.microsoft.com/office/drawing/2014/main" xmlns="" val="20001"/>
+                      <a16:colId xmlns="" xmlns:a16="http://schemas.microsoft.com/office/drawing/2014/main" val="20001"/>
                     </a:ext>
                   </a:extLst>
                 </a:gridCol>
@@ -14830,7 +14826,7 @@
                 </a:tc>
                 <a:extLst>
                   <a:ext uri="{0D108BD9-81ED-4DB2-BD59-A6C34878D82A}">
-                    <a16:rowId xmlns:a16="http://schemas.microsoft.com/office/drawing/2014/main" xmlns="" val="10000"/>
+                    <a16:rowId xmlns="" xmlns:a16="http://schemas.microsoft.com/office/drawing/2014/main" val="10000"/>
                   </a:ext>
                 </a:extLst>
               </a:tr>
@@ -14873,7 +14869,7 @@
                 </a:tc>
                 <a:extLst>
                   <a:ext uri="{0D108BD9-81ED-4DB2-BD59-A6C34878D82A}">
-                    <a16:rowId xmlns:a16="http://schemas.microsoft.com/office/drawing/2014/main" xmlns="" val="10001"/>
+                    <a16:rowId xmlns="" xmlns:a16="http://schemas.microsoft.com/office/drawing/2014/main" val="10001"/>
                   </a:ext>
                 </a:extLst>
               </a:tr>
@@ -14924,7 +14920,7 @@
                 </a:tc>
                 <a:extLst>
                   <a:ext uri="{0D108BD9-81ED-4DB2-BD59-A6C34878D82A}">
-                    <a16:rowId xmlns:a16="http://schemas.microsoft.com/office/drawing/2014/main" xmlns="" val="10002"/>
+                    <a16:rowId xmlns="" xmlns:a16="http://schemas.microsoft.com/office/drawing/2014/main" val="10002"/>
                   </a:ext>
                 </a:extLst>
               </a:tr>
@@ -14959,7 +14955,7 @@
                 </a:tc>
                 <a:extLst>
                   <a:ext uri="{0D108BD9-81ED-4DB2-BD59-A6C34878D82A}">
-                    <a16:rowId xmlns:a16="http://schemas.microsoft.com/office/drawing/2014/main" xmlns="" val="10003"/>
+                    <a16:rowId xmlns="" xmlns:a16="http://schemas.microsoft.com/office/drawing/2014/main" val="10003"/>
                   </a:ext>
                 </a:extLst>
               </a:tr>
@@ -15010,7 +15006,7 @@
                 </a:tc>
                 <a:extLst>
                   <a:ext uri="{0D108BD9-81ED-4DB2-BD59-A6C34878D82A}">
-                    <a16:rowId xmlns:a16="http://schemas.microsoft.com/office/drawing/2014/main" xmlns="" val="10004"/>
+                    <a16:rowId xmlns="" xmlns:a16="http://schemas.microsoft.com/office/drawing/2014/main" val="10004"/>
                   </a:ext>
                 </a:extLst>
               </a:tr>
@@ -15578,13 +15574,8 @@
           <a:p>
             <a:r>
               <a:rPr lang="en-SG" dirty="0" smtClean="0"/>
-              <a:t>Arduino IDE </a:t>
-            </a:r>
-            <a:r>
-              <a:rPr lang="en-SG" dirty="0" smtClean="0"/>
-              <a:t>1.6.9</a:t>
-            </a:r>
-            <a:endParaRPr lang="en-SG" dirty="0" smtClean="0"/>
+              <a:t>Arduino IDE 1.6.9</a:t>
+            </a:r>
           </a:p>
           <a:p>
             <a:r>
@@ -16300,24 +16291,14 @@
             <a:pPr lvl="1"/>
             <a:r>
               <a:rPr lang="en-SG" dirty="0" smtClean="0"/>
-              <a:t>OS: iOS </a:t>
-            </a:r>
+              <a:t>OS: iOS 9.3.2</a:t>
+            </a:r>
+          </a:p>
+          <a:p>
             <a:r>
               <a:rPr lang="en-SG" dirty="0" smtClean="0"/>
-              <a:t>9.3.2</a:t>
-            </a:r>
-            <a:endParaRPr lang="en-SG" dirty="0" smtClean="0"/>
-          </a:p>
-          <a:p>
-            <a:r>
-              <a:rPr lang="en-SG" dirty="0" smtClean="0"/>
-              <a:t>Programming Language: </a:t>
-            </a:r>
-            <a:r>
-              <a:rPr lang="en-SG" dirty="0" smtClean="0"/>
-              <a:t>Swift</a:t>
-            </a:r>
-            <a:endParaRPr lang="en-SG" dirty="0" smtClean="0"/>
+              <a:t>Programming Language: Swift</a:t>
+            </a:r>
           </a:p>
           <a:p>
             <a:r>
@@ -16326,13 +16307,8 @@
             </a:r>
             <a:r>
               <a:rPr lang="en-SG" dirty="0" smtClean="0"/>
-              <a:t> </a:t>
-            </a:r>
-            <a:r>
-              <a:rPr lang="en-SG" dirty="0" smtClean="0"/>
-              <a:t>7.3.1</a:t>
-            </a:r>
-            <a:endParaRPr lang="en-SG" dirty="0" smtClean="0"/>
+              <a:t> 7.3.1</a:t>
+            </a:r>
           </a:p>
           <a:p>
             <a:endParaRPr lang="en-SG" dirty="0"/>
@@ -16889,22 +16865,11 @@
             <a:pPr lvl="1"/>
             <a:r>
               <a:rPr lang="en-SG" dirty="0" smtClean="0"/>
-              <a:t>All </a:t>
-            </a:r>
-            <a:r>
-              <a:rPr lang="en-SG" dirty="0" err="1" smtClean="0"/>
-              <a:t>callbacks</a:t>
+              <a:t>Must </a:t>
             </a:r>
             <a:r>
               <a:rPr lang="en-SG" dirty="0" smtClean="0"/>
-              <a:t> from BLE APIs are not on UI thread </a:t>
-            </a:r>
-          </a:p>
-          <a:p>
-            <a:pPr lvl="1"/>
-            <a:r>
-              <a:rPr lang="en-SG" dirty="0" smtClean="0"/>
-              <a:t>Must rescan upon Bluetooth/phone restart</a:t>
+              <a:t>rescan upon Bluetooth/phone restart</a:t>
             </a:r>
           </a:p>
           <a:p>
@@ -17314,49 +17279,6 @@
                                           <p:spTgt spid="3">
                                             <p:txEl>
                                               <p:pRg st="6" end="6"/>
-                                            </p:txEl>
-                                          </p:spTgt>
-                                        </p:tgtEl>
-                                      </p:cBhvr>
-                                    </p:animEffect>
-                                  </p:childTnLst>
-                                </p:cTn>
-                              </p:par>
-                              <p:par>
-                                <p:cTn id="30" presetID="10" presetClass="entr" presetSubtype="0" fill="hold" nodeType="withEffect">
-                                  <p:stCondLst>
-                                    <p:cond delay="0"/>
-                                  </p:stCondLst>
-                                  <p:childTnLst>
-                                    <p:set>
-                                      <p:cBhvr>
-                                        <p:cTn id="31" dur="1" fill="hold">
-                                          <p:stCondLst>
-                                            <p:cond delay="0"/>
-                                          </p:stCondLst>
-                                        </p:cTn>
-                                        <p:tgtEl>
-                                          <p:spTgt spid="3">
-                                            <p:txEl>
-                                              <p:pRg st="7" end="7"/>
-                                            </p:txEl>
-                                          </p:spTgt>
-                                        </p:tgtEl>
-                                        <p:attrNameLst>
-                                          <p:attrName>style.visibility</p:attrName>
-                                        </p:attrNameLst>
-                                      </p:cBhvr>
-                                      <p:to>
-                                        <p:strVal val="visible"/>
-                                      </p:to>
-                                    </p:set>
-                                    <p:animEffect transition="in" filter="fade">
-                                      <p:cBhvr>
-                                        <p:cTn id="32" dur="500"/>
-                                        <p:tgtEl>
-                                          <p:spTgt spid="3">
-                                            <p:txEl>
-                                              <p:pRg st="7" end="7"/>
                                             </p:txEl>
                                           </p:spTgt>
                                         </p:tgtEl>
@@ -17709,8 +17631,13 @@
           <a:p>
             <a:r>
               <a:rPr lang="en-SG" dirty="0" smtClean="0"/>
-              <a:t>Cannot retrieve Mac Address</a:t>
-            </a:r>
+              <a:t>Cannot retrieve Mac </a:t>
+            </a:r>
+            <a:r>
+              <a:rPr lang="en-SG" dirty="0" smtClean="0"/>
+              <a:t>Address (without private APIs)</a:t>
+            </a:r>
+            <a:endParaRPr lang="en-SG" dirty="0" smtClean="0"/>
           </a:p>
           <a:p>
             <a:pPr lvl="1"/>
@@ -18895,6 +18822,13 @@
   <p:clrMapOvr>
     <a:masterClrMapping/>
   </p:clrMapOvr>
+  <p:timing>
+    <p:tnLst>
+      <p:par>
+        <p:cTn id="1" dur="indefinite" restart="never" nodeType="tmRoot"/>
+      </p:par>
+    </p:tnLst>
+  </p:timing>
 </p:sld>
 </file>
 
@@ -19484,211 +19418,241 @@
         </p:nvSpPr>
         <p:spPr>
           <a:xfrm>
-            <a:off x="180975" y="969853"/>
-            <a:ext cx="8782049" cy="5618726"/>
+            <a:off x="180975" y="969852"/>
+            <a:ext cx="8782049" cy="5888147"/>
           </a:xfrm>
         </p:spPr>
         <p:txBody>
           <a:bodyPr>
-            <a:normAutofit fontScale="55000" lnSpcReduction="20000"/>
+            <a:normAutofit fontScale="47500" lnSpcReduction="20000"/>
           </a:bodyPr>
           <a:lstStyle/>
           <a:p>
-            <a:pPr marL="514350" indent="-514350">
+            <a:pPr marL="514350" lvl="1" indent="-514350">
+              <a:spcBef>
+                <a:spcPts val="1000"/>
+              </a:spcBef>
               <a:buFont typeface="+mj-lt"/>
               <a:buAutoNum type="arabicPeriod" startAt="2"/>
             </a:pPr>
             <a:r>
-              <a:rPr lang="en-SG" dirty="0" smtClean="0"/>
-              <a:t>APIs considered new, some functions are buggy</a:t>
-            </a:r>
+              <a:rPr lang="en-SG" sz="2900" dirty="0" smtClean="0"/>
+              <a:t>All </a:t>
+            </a:r>
+            <a:r>
+              <a:rPr lang="en-SG" sz="2900" dirty="0" err="1"/>
+              <a:t>callbacks</a:t>
+            </a:r>
+            <a:r>
+              <a:rPr lang="en-SG" sz="2900" dirty="0"/>
+              <a:t> from BLE APIs are not on UI </a:t>
+            </a:r>
+            <a:r>
+              <a:rPr lang="en-SG" sz="2900" dirty="0" smtClean="0"/>
+              <a:t>thread.</a:t>
+            </a:r>
+            <a:endParaRPr lang="en-SG" sz="2900" dirty="0"/>
           </a:p>
           <a:p>
             <a:pPr marL="514350" indent="-514350">
               <a:buFont typeface="+mj-lt"/>
-              <a:buAutoNum type="arabicPeriod" startAt="2"/>
+              <a:buAutoNum type="arabicPeriod" startAt="3"/>
             </a:pPr>
             <a:r>
-              <a:rPr lang="en-SG" dirty="0" smtClean="0"/>
-              <a:t>Frequent connection drops (&lt; 5.0)</a:t>
+              <a:rPr lang="en-SG" sz="2900" dirty="0" smtClean="0"/>
+              <a:t>APIs </a:t>
+            </a:r>
+            <a:r>
+              <a:rPr lang="en-SG" sz="2900" dirty="0" smtClean="0"/>
+              <a:t>considered new, some functions are buggy</a:t>
             </a:r>
           </a:p>
           <a:p>
             <a:pPr marL="514350" indent="-514350">
               <a:buFont typeface="+mj-lt"/>
-              <a:buAutoNum type="arabicPeriod" startAt="2"/>
+              <a:buAutoNum type="arabicPeriod" startAt="3"/>
             </a:pPr>
             <a:r>
-              <a:rPr lang="en-SG" dirty="0" smtClean="0"/>
-              <a:t>Max BLE connections: </a:t>
-            </a:r>
-          </a:p>
-          <a:p>
-            <a:pPr lvl="1"/>
-            <a:r>
-              <a:rPr lang="en-SG" dirty="0" smtClean="0"/>
-              <a:t>Software cap in </a:t>
-            </a:r>
-            <a:r>
-              <a:rPr lang="en-SG" dirty="0" err="1" smtClean="0"/>
-              <a:t>Bluedroid</a:t>
-            </a:r>
-            <a:r>
-              <a:rPr lang="en-SG" dirty="0" smtClean="0"/>
-              <a:t> code: BTA_GATTC_CONN_MAX</a:t>
-            </a:r>
-            <a:r>
-              <a:rPr lang="en-SG" dirty="0"/>
-              <a:t>, GATT_MAX_PHY_CHANNEL</a:t>
-            </a:r>
-            <a:endParaRPr lang="en-SG" dirty="0" smtClean="0"/>
-          </a:p>
-          <a:p>
-            <a:pPr lvl="1"/>
-            <a:r>
-              <a:rPr lang="en-SG" dirty="0" smtClean="0"/>
-              <a:t>Android 4.3: 4</a:t>
-            </a:r>
-          </a:p>
-          <a:p>
-            <a:pPr lvl="1"/>
-            <a:r>
-              <a:rPr lang="en-SG" dirty="0"/>
-              <a:t> </a:t>
-            </a:r>
-            <a:r>
-              <a:rPr lang="en-SG" dirty="0" smtClean="0"/>
-              <a:t>   4.4 - 5.0+: 7</a:t>
+              <a:rPr lang="en-SG" sz="2900" dirty="0" smtClean="0"/>
+              <a:t>Frequent connection drops (&lt; 5.0)</a:t>
             </a:r>
           </a:p>
           <a:p>
             <a:pPr marL="514350" indent="-514350">
               <a:buFont typeface="+mj-lt"/>
-              <a:buAutoNum type="arabicPeriod" startAt="2"/>
+              <a:buAutoNum type="arabicPeriod" startAt="3"/>
             </a:pPr>
             <a:r>
-              <a:rPr lang="en-SG" dirty="0" smtClean="0"/>
-              <a:t>No API </a:t>
-            </a:r>
-            <a:r>
-              <a:rPr lang="en-SG" dirty="0" err="1" smtClean="0"/>
-              <a:t>callback</a:t>
-            </a:r>
-            <a:r>
-              <a:rPr lang="en-SG" dirty="0" smtClean="0"/>
-              <a:t> to indicate scanning has stopped</a:t>
+              <a:rPr lang="en-SG" sz="2900" dirty="0" smtClean="0"/>
+              <a:t>Max BLE connections: </a:t>
             </a:r>
           </a:p>
           <a:p>
             <a:pPr lvl="1"/>
             <a:r>
-              <a:rPr lang="en-SG" dirty="0"/>
-              <a:t>Scan </a:t>
-            </a:r>
-            <a:r>
-              <a:rPr lang="en-SG" dirty="0" smtClean="0"/>
-              <a:t>supposed to be indefinite by API specification, but some phones stop scan after some time</a:t>
-            </a:r>
+              <a:rPr lang="en-SG" sz="2900" dirty="0" smtClean="0"/>
+              <a:t>Software cap in </a:t>
+            </a:r>
+            <a:r>
+              <a:rPr lang="en-SG" sz="2900" dirty="0" err="1" smtClean="0"/>
+              <a:t>Bluedroid</a:t>
+            </a:r>
+            <a:r>
+              <a:rPr lang="en-SG" sz="2900" dirty="0" smtClean="0"/>
+              <a:t> code: BTA_GATTC_CONN_MAX</a:t>
+            </a:r>
+            <a:r>
+              <a:rPr lang="en-SG" sz="2900" dirty="0"/>
+              <a:t>, GATT_MAX_PHY_CHANNEL</a:t>
+            </a:r>
+            <a:endParaRPr lang="en-SG" sz="2900" dirty="0" smtClean="0"/>
           </a:p>
           <a:p>
             <a:pPr lvl="1"/>
             <a:r>
-              <a:rPr lang="en-SG" dirty="0" smtClean="0"/>
-              <a:t>Known offender: Samsung</a:t>
-            </a:r>
-            <a:endParaRPr lang="en-SG" dirty="0"/>
+              <a:rPr lang="en-SG" sz="2900" dirty="0" smtClean="0"/>
+              <a:t>Android 4.3: 4</a:t>
+            </a:r>
           </a:p>
           <a:p>
             <a:pPr lvl="1"/>
             <a:r>
-              <a:rPr lang="en-SG" dirty="0"/>
-              <a:t>Solution: Restart scan at regular </a:t>
-            </a:r>
-            <a:r>
-              <a:rPr lang="en-SG" dirty="0" smtClean="0"/>
-              <a:t>intervals</a:t>
+              <a:rPr lang="en-SG" sz="2900" dirty="0"/>
+              <a:t> </a:t>
+            </a:r>
+            <a:r>
+              <a:rPr lang="en-SG" sz="2900" dirty="0" smtClean="0"/>
+              <a:t>   4.4 - 5.0+: 7</a:t>
             </a:r>
           </a:p>
           <a:p>
             <a:pPr marL="514350" indent="-514350">
               <a:buFont typeface="+mj-lt"/>
-              <a:buAutoNum type="arabicPeriod" startAt="2"/>
+              <a:buAutoNum type="arabicPeriod" startAt="3"/>
             </a:pPr>
             <a:r>
-              <a:rPr lang="en-SG" dirty="0" smtClean="0"/>
-              <a:t>Different scan return result behaviours (See further reading)</a:t>
+              <a:rPr lang="en-SG" sz="2900" dirty="0" smtClean="0"/>
+              <a:t>No API </a:t>
+            </a:r>
+            <a:r>
+              <a:rPr lang="en-SG" sz="2900" dirty="0" err="1" smtClean="0"/>
+              <a:t>callback</a:t>
+            </a:r>
+            <a:r>
+              <a:rPr lang="en-SG" sz="2900" dirty="0" smtClean="0"/>
+              <a:t> to indicate scanning has stopped</a:t>
             </a:r>
           </a:p>
           <a:p>
             <a:pPr lvl="1"/>
             <a:r>
-              <a:rPr lang="en-SG" dirty="0" smtClean="0"/>
-              <a:t>Some phones filter advertisement results, some phones do not. (usually on 4.3 and 4.4)</a:t>
+              <a:rPr lang="en-SG" sz="2900" dirty="0"/>
+              <a:t>Scan </a:t>
+            </a:r>
+            <a:r>
+              <a:rPr lang="en-SG" sz="2900" dirty="0" smtClean="0"/>
+              <a:t>supposed to be indefinite by API specification, but some phones stop scan after some time</a:t>
+            </a:r>
+          </a:p>
+          <a:p>
+            <a:pPr lvl="1"/>
+            <a:r>
+              <a:rPr lang="en-SG" sz="2900" dirty="0" smtClean="0"/>
+              <a:t>Known offender: Samsung</a:t>
+            </a:r>
+            <a:endParaRPr lang="en-SG" sz="2900" dirty="0"/>
+          </a:p>
+          <a:p>
+            <a:pPr lvl="1"/>
+            <a:r>
+              <a:rPr lang="en-SG" sz="2900" dirty="0"/>
+              <a:t>Solution: Restart scan at regular </a:t>
+            </a:r>
+            <a:r>
+              <a:rPr lang="en-SG" sz="2900" dirty="0" smtClean="0"/>
+              <a:t>intervals</a:t>
             </a:r>
           </a:p>
           <a:p>
             <a:pPr marL="514350" indent="-514350">
               <a:buFont typeface="+mj-lt"/>
-              <a:buAutoNum type="arabicPeriod" startAt="2"/>
+              <a:buAutoNum type="arabicPeriod" startAt="3"/>
             </a:pPr>
             <a:r>
-              <a:rPr lang="en-SG" dirty="0" smtClean="0"/>
-              <a:t>Bugs on (Samsung) phones at least &lt; 5.0</a:t>
+              <a:rPr lang="en-SG" sz="2900" dirty="0" smtClean="0"/>
+              <a:t>Different scan return result behaviours (See further reading)</a:t>
             </a:r>
           </a:p>
           <a:p>
             <a:pPr lvl="1"/>
             <a:r>
-              <a:rPr lang="en-SG" dirty="0" smtClean="0"/>
-              <a:t>Scan </a:t>
-            </a:r>
-            <a:r>
-              <a:rPr lang="en-SG" dirty="0"/>
-              <a:t>using </a:t>
-            </a:r>
-            <a:r>
-              <a:rPr lang="en-SG" dirty="0" smtClean="0"/>
-              <a:t>service UUID </a:t>
-            </a:r>
-            <a:r>
-              <a:rPr lang="en-SG" dirty="0"/>
-              <a:t>filtering does not work -&gt; no results returned</a:t>
-            </a:r>
-          </a:p>
-          <a:p>
-            <a:pPr lvl="1"/>
-            <a:r>
-              <a:rPr lang="en-SG" dirty="0" err="1"/>
-              <a:t>connectGatt</a:t>
-            </a:r>
-            <a:r>
-              <a:rPr lang="en-SG" dirty="0"/>
-              <a:t>() must be called from UI thread</a:t>
+              <a:rPr lang="en-SG" sz="2900" dirty="0" smtClean="0"/>
+              <a:t>Some phones filter advertisement results, some phones do not. (usually on 4.3 and 4.4)</a:t>
             </a:r>
           </a:p>
           <a:p>
             <a:pPr marL="514350" indent="-514350">
               <a:buFont typeface="+mj-lt"/>
-              <a:buAutoNum type="arabicPeriod" startAt="2"/>
+              <a:buAutoNum type="arabicPeriod" startAt="3"/>
             </a:pPr>
             <a:r>
-              <a:rPr lang="en-SG" dirty="0"/>
+              <a:rPr lang="en-SG" sz="2900" dirty="0" smtClean="0"/>
+              <a:t>Bugs on (Samsung) phones at least &lt; 5.0</a:t>
+            </a:r>
+          </a:p>
+          <a:p>
+            <a:pPr lvl="1"/>
+            <a:r>
+              <a:rPr lang="en-SG" sz="2900" dirty="0" smtClean="0"/>
+              <a:t>Scan </a:t>
+            </a:r>
+            <a:r>
+              <a:rPr lang="en-SG" sz="2900" dirty="0"/>
+              <a:t>using </a:t>
+            </a:r>
+            <a:r>
+              <a:rPr lang="en-SG" sz="2900" dirty="0" smtClean="0"/>
+              <a:t>service UUID </a:t>
+            </a:r>
+            <a:r>
+              <a:rPr lang="en-SG" sz="2900" dirty="0"/>
+              <a:t>filtering does not work -&gt; no results returned</a:t>
+            </a:r>
+          </a:p>
+          <a:p>
+            <a:pPr lvl="1"/>
+            <a:r>
+              <a:rPr lang="en-SG" sz="2900" dirty="0" err="1"/>
+              <a:t>connectGatt</a:t>
+            </a:r>
+            <a:r>
+              <a:rPr lang="en-SG" sz="2900" dirty="0"/>
+              <a:t>() must be called from UI thread</a:t>
+            </a:r>
+          </a:p>
+          <a:p>
+            <a:pPr marL="514350" indent="-514350">
+              <a:buFont typeface="+mj-lt"/>
+              <a:buAutoNum type="arabicPeriod" startAt="3"/>
+            </a:pPr>
+            <a:r>
+              <a:rPr lang="en-SG" sz="2900" dirty="0"/>
               <a:t>Slow LE initial discovery </a:t>
             </a:r>
             <a:r>
-              <a:rPr lang="en-SG" dirty="0" smtClean="0"/>
+              <a:rPr lang="en-SG" sz="2900" dirty="0" smtClean="0"/>
               <a:t>and connection time</a:t>
             </a:r>
-            <a:endParaRPr lang="en-SG" dirty="0"/>
+            <a:endParaRPr lang="en-SG" sz="2900" dirty="0"/>
           </a:p>
           <a:p>
             <a:pPr lvl="1"/>
             <a:r>
-              <a:rPr lang="en-SG" dirty="0"/>
+              <a:rPr lang="en-SG" sz="2900" dirty="0"/>
               <a:t>HTC seems to have this </a:t>
             </a:r>
             <a:r>
-              <a:rPr lang="en-SG" dirty="0" smtClean="0"/>
+              <a:rPr lang="en-SG" sz="2900" dirty="0" smtClean="0"/>
               <a:t>issue</a:t>
             </a:r>
           </a:p>
@@ -19698,30 +19662,30 @@
               <a:buAutoNum type="arabicPeriod" startAt="9"/>
             </a:pPr>
             <a:r>
-              <a:rPr lang="en-SG" dirty="0" smtClean="0"/>
+              <a:rPr lang="en-SG" sz="2900" dirty="0" smtClean="0"/>
               <a:t>A high-level view on issues collated by </a:t>
             </a:r>
             <a:r>
-              <a:rPr lang="en-SG" dirty="0" err="1" smtClean="0"/>
+              <a:rPr lang="en-SG" sz="2900" dirty="0" err="1" smtClean="0"/>
               <a:t>Anaren</a:t>
             </a:r>
-            <a:endParaRPr lang="en-SG" dirty="0" smtClean="0"/>
+            <a:endParaRPr lang="en-SG" sz="2900" dirty="0" smtClean="0"/>
           </a:p>
           <a:p>
             <a:pPr lvl="1"/>
             <a:r>
-              <a:rPr lang="en-SG" dirty="0">
+              <a:rPr lang="en-SG" sz="2900" dirty="0">
                 <a:hlinkClick r:id="rId2"/>
               </a:rPr>
               <a:t>https://</a:t>
             </a:r>
             <a:r>
-              <a:rPr lang="en-SG" dirty="0" smtClean="0">
+              <a:rPr lang="en-SG" sz="2900" dirty="0" smtClean="0">
                 <a:hlinkClick r:id="rId2"/>
               </a:rPr>
               <a:t>atmosphere.anaren.com/wiki/Android_Issues_With_Bluetooth_Low_Energy</a:t>
             </a:r>
-            <a:endParaRPr lang="en-SG" dirty="0" smtClean="0"/>
+            <a:endParaRPr lang="en-SG" sz="2900" dirty="0" smtClean="0"/>
           </a:p>
           <a:p>
             <a:pPr marL="514350" indent="-514350">
@@ -19729,59 +19693,59 @@
               <a:buAutoNum type="arabicPeriod" startAt="9"/>
             </a:pPr>
             <a:r>
-              <a:rPr lang="en-SG" dirty="0" smtClean="0"/>
+              <a:rPr lang="en-SG" sz="2900" dirty="0" smtClean="0"/>
               <a:t>A more comprehensive list of issues has been collated by </a:t>
             </a:r>
             <a:r>
-              <a:rPr lang="en-SG" dirty="0" err="1" smtClean="0"/>
+              <a:rPr lang="en-SG" sz="2900" dirty="0" err="1" smtClean="0"/>
               <a:t>iDevicesInc</a:t>
             </a:r>
-            <a:endParaRPr lang="en-SG" dirty="0" smtClean="0"/>
+            <a:endParaRPr lang="en-SG" sz="2900" dirty="0" smtClean="0"/>
           </a:p>
           <a:p>
             <a:pPr lvl="1"/>
             <a:r>
-              <a:rPr lang="en-SG" dirty="0">
+              <a:rPr lang="en-SG" sz="2900" dirty="0">
                 <a:hlinkClick r:id="rId3"/>
               </a:rPr>
               <a:t>https://</a:t>
             </a:r>
             <a:r>
-              <a:rPr lang="en-SG" dirty="0" smtClean="0">
+              <a:rPr lang="en-SG" sz="2900" dirty="0" smtClean="0">
                 <a:hlinkClick r:id="rId3"/>
               </a:rPr>
               <a:t>github.com/iDevicesInc/SweetBlue/wiki/Android-BLE-Issues</a:t>
             </a:r>
-            <a:endParaRPr lang="en-SG" dirty="0" smtClean="0"/>
+            <a:endParaRPr lang="en-SG" sz="2900" dirty="0" smtClean="0"/>
           </a:p>
           <a:p>
             <a:pPr lvl="1"/>
             <a:r>
-              <a:rPr lang="en-SG" dirty="0" smtClean="0"/>
+              <a:rPr lang="en-SG" sz="2900" dirty="0" smtClean="0"/>
               <a:t>May be able to </a:t>
             </a:r>
             <a:r>
-              <a:rPr lang="en-SG" dirty="0"/>
+              <a:rPr lang="en-SG" sz="2900" dirty="0"/>
               <a:t>overcome using: </a:t>
             </a:r>
             <a:r>
-              <a:rPr lang="en-SG" dirty="0">
+              <a:rPr lang="en-SG" sz="2900" dirty="0">
                 <a:hlinkClick r:id="rId4"/>
               </a:rPr>
               <a:t>https://</a:t>
             </a:r>
             <a:r>
-              <a:rPr lang="en-SG" dirty="0" smtClean="0">
+              <a:rPr lang="en-SG" sz="2900" dirty="0" smtClean="0">
                 <a:hlinkClick r:id="rId4"/>
               </a:rPr>
               <a:t>github.com/iDevicesInc/SweetBlue</a:t>
             </a:r>
-            <a:endParaRPr lang="en-SG" dirty="0" smtClean="0"/>
+            <a:endParaRPr lang="en-SG" sz="2900" dirty="0" smtClean="0"/>
           </a:p>
           <a:p>
             <a:pPr lvl="1"/>
             <a:r>
-              <a:rPr lang="en-SG" dirty="0" smtClean="0"/>
+              <a:rPr lang="en-SG" sz="2900" dirty="0" smtClean="0"/>
               <a:t>Free for non-commercial use</a:t>
             </a:r>
           </a:p>
@@ -19873,7 +19837,7 @@
                                         <p:tgtEl>
                                           <p:spTgt spid="3">
                                             <p:txEl>
-                                              <p:pRg st="0" end="0"/>
+                                              <p:pRg st="1" end="1"/>
                                             </p:txEl>
                                           </p:spTgt>
                                         </p:tgtEl>
@@ -19891,7 +19855,7 @@
                                         <p:tgtEl>
                                           <p:spTgt spid="3">
                                             <p:txEl>
-                                              <p:pRg st="0" end="0"/>
+                                              <p:pRg st="1" end="1"/>
                                             </p:txEl>
                                           </p:spTgt>
                                         </p:tgtEl>
@@ -19934,7 +19898,7 @@
                                         <p:tgtEl>
                                           <p:spTgt spid="3">
                                             <p:txEl>
-                                              <p:pRg st="1" end="1"/>
+                                              <p:pRg st="0" end="0"/>
                                             </p:txEl>
                                           </p:spTgt>
                                         </p:tgtEl>
@@ -19952,7 +19916,7 @@
                                         <p:tgtEl>
                                           <p:spTgt spid="3">
                                             <p:txEl>
-                                              <p:pRg st="1" end="1"/>
+                                              <p:pRg st="0" end="0"/>
                                             </p:txEl>
                                           </p:spTgt>
                                         </p:tgtEl>
@@ -20022,15 +19986,33 @@
                                   </p:childTnLst>
                                 </p:cTn>
                               </p:par>
+                            </p:childTnLst>
+                          </p:cTn>
+                        </p:par>
+                      </p:childTnLst>
+                    </p:cTn>
+                  </p:par>
+                  <p:par>
+                    <p:cTn id="18" fill="hold">
+                      <p:stCondLst>
+                        <p:cond delay="indefinite"/>
+                      </p:stCondLst>
+                      <p:childTnLst>
+                        <p:par>
+                          <p:cTn id="19" fill="hold">
+                            <p:stCondLst>
+                              <p:cond delay="0"/>
+                            </p:stCondLst>
+                            <p:childTnLst>
                               <p:par>
-                                <p:cTn id="18" presetID="10" presetClass="entr" presetSubtype="0" fill="hold" nodeType="withEffect">
+                                <p:cTn id="20" presetID="10" presetClass="entr" presetSubtype="0" fill="hold" nodeType="clickEffect">
                                   <p:stCondLst>
                                     <p:cond delay="0"/>
                                   </p:stCondLst>
                                   <p:childTnLst>
                                     <p:set>
                                       <p:cBhvr>
-                                        <p:cTn id="19" dur="1" fill="hold">
+                                        <p:cTn id="21" dur="1" fill="hold">
                                           <p:stCondLst>
                                             <p:cond delay="0"/>
                                           </p:stCondLst>
@@ -20052,7 +20034,7 @@
                                     </p:set>
                                     <p:animEffect transition="in" filter="fade">
                                       <p:cBhvr>
-                                        <p:cTn id="20" dur="500"/>
+                                        <p:cTn id="22" dur="500"/>
                                         <p:tgtEl>
                                           <p:spTgt spid="3">
                                             <p:txEl>
@@ -20066,14 +20048,14 @@
                                 </p:cTn>
                               </p:par>
                               <p:par>
-                                <p:cTn id="21" presetID="10" presetClass="entr" presetSubtype="0" fill="hold" nodeType="withEffect">
+                                <p:cTn id="23" presetID="10" presetClass="entr" presetSubtype="0" fill="hold" nodeType="withEffect">
                                   <p:stCondLst>
                                     <p:cond delay="0"/>
                                   </p:stCondLst>
                                   <p:childTnLst>
                                     <p:set>
                                       <p:cBhvr>
-                                        <p:cTn id="22" dur="1" fill="hold">
+                                        <p:cTn id="24" dur="1" fill="hold">
                                           <p:stCondLst>
                                             <p:cond delay="0"/>
                                           </p:stCondLst>
@@ -20095,7 +20077,7 @@
                                     </p:set>
                                     <p:animEffect transition="in" filter="fade">
                                       <p:cBhvr>
-                                        <p:cTn id="23" dur="500"/>
+                                        <p:cTn id="25" dur="500"/>
                                         <p:tgtEl>
                                           <p:spTgt spid="3">
                                             <p:txEl>
@@ -20109,14 +20091,14 @@
                                 </p:cTn>
                               </p:par>
                               <p:par>
-                                <p:cTn id="24" presetID="10" presetClass="entr" presetSubtype="0" fill="hold" nodeType="withEffect">
+                                <p:cTn id="26" presetID="10" presetClass="entr" presetSubtype="0" fill="hold" nodeType="withEffect">
                                   <p:stCondLst>
                                     <p:cond delay="0"/>
                                   </p:stCondLst>
                                   <p:childTnLst>
                                     <p:set>
                                       <p:cBhvr>
-                                        <p:cTn id="25" dur="1" fill="hold">
+                                        <p:cTn id="27" dur="1" fill="hold">
                                           <p:stCondLst>
                                             <p:cond delay="0"/>
                                           </p:stCondLst>
@@ -20138,11 +20120,54 @@
                                     </p:set>
                                     <p:animEffect transition="in" filter="fade">
                                       <p:cBhvr>
-                                        <p:cTn id="26" dur="500"/>
+                                        <p:cTn id="28" dur="500"/>
                                         <p:tgtEl>
                                           <p:spTgt spid="3">
                                             <p:txEl>
                                               <p:pRg st="5" end="5"/>
+                                            </p:txEl>
+                                          </p:spTgt>
+                                        </p:tgtEl>
+                                      </p:cBhvr>
+                                    </p:animEffect>
+                                  </p:childTnLst>
+                                </p:cTn>
+                              </p:par>
+                              <p:par>
+                                <p:cTn id="29" presetID="10" presetClass="entr" presetSubtype="0" fill="hold" nodeType="withEffect">
+                                  <p:stCondLst>
+                                    <p:cond delay="0"/>
+                                  </p:stCondLst>
+                                  <p:childTnLst>
+                                    <p:set>
+                                      <p:cBhvr>
+                                        <p:cTn id="30" dur="1" fill="hold">
+                                          <p:stCondLst>
+                                            <p:cond delay="0"/>
+                                          </p:stCondLst>
+                                        </p:cTn>
+                                        <p:tgtEl>
+                                          <p:spTgt spid="3">
+                                            <p:txEl>
+                                              <p:pRg st="6" end="6"/>
+                                            </p:txEl>
+                                          </p:spTgt>
+                                        </p:tgtEl>
+                                        <p:attrNameLst>
+                                          <p:attrName>style.visibility</p:attrName>
+                                        </p:attrNameLst>
+                                      </p:cBhvr>
+                                      <p:to>
+                                        <p:strVal val="visible"/>
+                                      </p:to>
+                                    </p:set>
+                                    <p:animEffect transition="in" filter="fade">
+                                      <p:cBhvr>
+                                        <p:cTn id="31" dur="500"/>
+                                        <p:tgtEl>
+                                          <p:spTgt spid="3">
+                                            <p:txEl>
+                                              <p:pRg st="6" end="6"/>
                                             </p:txEl>
                                           </p:spTgt>
                                         </p:tgtEl>
@@ -20158,26 +20183,26 @@
                     </p:cTn>
                   </p:par>
                   <p:par>
-                    <p:cTn id="27" fill="hold">
+                    <p:cTn id="32" fill="hold">
                       <p:stCondLst>
                         <p:cond delay="indefinite"/>
                       </p:stCondLst>
                       <p:childTnLst>
                         <p:par>
-                          <p:cTn id="28" fill="hold">
+                          <p:cTn id="33" fill="hold">
                             <p:stCondLst>
                               <p:cond delay="0"/>
                             </p:stCondLst>
                             <p:childTnLst>
                               <p:par>
-                                <p:cTn id="29" presetID="10" presetClass="entr" presetSubtype="0" fill="hold" nodeType="clickEffect">
+                                <p:cTn id="34" presetID="10" presetClass="entr" presetSubtype="0" fill="hold" nodeType="clickEffect">
                                   <p:stCondLst>
                                     <p:cond delay="0"/>
                                   </p:stCondLst>
                                   <p:childTnLst>
                                     <p:set>
                                       <p:cBhvr>
-                                        <p:cTn id="30" dur="1" fill="hold">
+                                        <p:cTn id="35" dur="1" fill="hold">
                                           <p:stCondLst>
                                             <p:cond delay="0"/>
                                           </p:stCondLst>
@@ -20185,7 +20210,7 @@
                                         <p:tgtEl>
                                           <p:spTgt spid="3">
                                             <p:txEl>
-                                              <p:pRg st="6" end="6"/>
+                                              <p:pRg st="7" end="7"/>
                                             </p:txEl>
                                           </p:spTgt>
                                         </p:tgtEl>
@@ -20199,11 +20224,11 @@
                                     </p:set>
                                     <p:animEffect transition="in" filter="fade">
                                       <p:cBhvr>
-                                        <p:cTn id="31" dur="500"/>
+                                        <p:cTn id="36" dur="500"/>
                                         <p:tgtEl>
                                           <p:spTgt spid="3">
                                             <p:txEl>
-                                              <p:pRg st="6" end="6"/>
+                                              <p:pRg st="7" end="7"/>
                                             </p:txEl>
                                           </p:spTgt>
                                         </p:tgtEl>
@@ -20213,14 +20238,14 @@
                                 </p:cTn>
                               </p:par>
                               <p:par>
-                                <p:cTn id="32" presetID="10" presetClass="entr" presetSubtype="0" fill="hold" nodeType="withEffect">
+                                <p:cTn id="37" presetID="10" presetClass="entr" presetSubtype="0" fill="hold" nodeType="withEffect">
                                   <p:stCondLst>
                                     <p:cond delay="0"/>
                                   </p:stCondLst>
                                   <p:childTnLst>
                                     <p:set>
                                       <p:cBhvr>
-                                        <p:cTn id="33" dur="1" fill="hold">
+                                        <p:cTn id="38" dur="1" fill="hold">
                                           <p:stCondLst>
                                             <p:cond delay="0"/>
                                           </p:stCondLst>
@@ -20228,7 +20253,7 @@
                                         <p:tgtEl>
                                           <p:spTgt spid="3">
                                             <p:txEl>
-                                              <p:pRg st="7" end="7"/>
+                                              <p:pRg st="8" end="8"/>
                                             </p:txEl>
                                           </p:spTgt>
                                         </p:tgtEl>
@@ -20242,11 +20267,11 @@
                                     </p:set>
                                     <p:animEffect transition="in" filter="fade">
                                       <p:cBhvr>
-                                        <p:cTn id="34" dur="500"/>
+                                        <p:cTn id="39" dur="500"/>
                                         <p:tgtEl>
                                           <p:spTgt spid="3">
                                             <p:txEl>
-                                              <p:pRg st="7" end="7"/>
+                                              <p:pRg st="8" end="8"/>
                                             </p:txEl>
                                           </p:spTgt>
                                         </p:tgtEl>
@@ -20256,14 +20281,14 @@
                                 </p:cTn>
                               </p:par>
                               <p:par>
-                                <p:cTn id="35" presetID="10" presetClass="entr" presetSubtype="0" fill="hold" nodeType="withEffect">
+                                <p:cTn id="40" presetID="10" presetClass="entr" presetSubtype="0" fill="hold" nodeType="withEffect">
                                   <p:stCondLst>
                                     <p:cond delay="0"/>
                                   </p:stCondLst>
                                   <p:childTnLst>
                                     <p:set>
                                       <p:cBhvr>
-                                        <p:cTn id="36" dur="1" fill="hold">
+                                        <p:cTn id="41" dur="1" fill="hold">
                                           <p:stCondLst>
                                             <p:cond delay="0"/>
                                           </p:stCondLst>
@@ -20271,7 +20296,7 @@
                                         <p:tgtEl>
                                           <p:spTgt spid="3">
                                             <p:txEl>
-                                              <p:pRg st="8" end="8"/>
+                                              <p:pRg st="9" end="9"/>
                                             </p:txEl>
                                           </p:spTgt>
                                         </p:tgtEl>
@@ -20285,11 +20310,11 @@
                                     </p:set>
                                     <p:animEffect transition="in" filter="fade">
                                       <p:cBhvr>
-                                        <p:cTn id="37" dur="500"/>
+                                        <p:cTn id="42" dur="500"/>
                                         <p:tgtEl>
                                           <p:spTgt spid="3">
                                             <p:txEl>
-                                              <p:pRg st="8" end="8"/>
+                                              <p:pRg st="9" end="9"/>
                                             </p:txEl>
                                           </p:spTgt>
                                         </p:tgtEl>
@@ -20299,68 +20324,7 @@
                                 </p:cTn>
                               </p:par>
                               <p:par>
-                                <p:cTn id="38" presetID="10" presetClass="entr" presetSubtype="0" fill="hold" nodeType="withEffect">
-                                  <p:stCondLst>
-                                    <p:cond delay="0"/>
-                                  </p:stCondLst>
-                                  <p:childTnLst>
-                                    <p:set>
-                                      <p:cBhvr>
-                                        <p:cTn id="39" dur="1" fill="hold">
-                                          <p:stCondLst>
-                                            <p:cond delay="0"/>
-                                          </p:stCondLst>
-                                        </p:cTn>
-                                        <p:tgtEl>
-                                          <p:spTgt spid="3">
-                                            <p:txEl>
-                                              <p:pRg st="9" end="9"/>
-                                            </p:txEl>
-                                          </p:spTgt>
-                                        </p:tgtEl>
-                                        <p:attrNameLst>
-                                          <p:attrName>style.visibility</p:attrName>
-                                        </p:attrNameLst>
-                                      </p:cBhvr>
-                                      <p:to>
-                                        <p:strVal val="visible"/>
-                                      </p:to>
-                                    </p:set>
-                                    <p:animEffect transition="in" filter="fade">
-                                      <p:cBhvr>
-                                        <p:cTn id="40" dur="500"/>
-                                        <p:tgtEl>
-                                          <p:spTgt spid="3">
-                                            <p:txEl>
-                                              <p:pRg st="9" end="9"/>
-                                            </p:txEl>
-                                          </p:spTgt>
-                                        </p:tgtEl>
-                                      </p:cBhvr>
-                                    </p:animEffect>
-                                  </p:childTnLst>
-                                </p:cTn>
-                              </p:par>
-                            </p:childTnLst>
-                          </p:cTn>
-                        </p:par>
-                      </p:childTnLst>
-                    </p:cTn>
-                  </p:par>
-                  <p:par>
-                    <p:cTn id="41" fill="hold">
-                      <p:stCondLst>
-                        <p:cond delay="indefinite"/>
-                      </p:stCondLst>
-                      <p:childTnLst>
-                        <p:par>
-                          <p:cTn id="42" fill="hold">
-                            <p:stCondLst>
-                              <p:cond delay="0"/>
-                            </p:stCondLst>
-                            <p:childTnLst>
-                              <p:par>
-                                <p:cTn id="43" presetID="10" presetClass="entr" presetSubtype="0" fill="hold" nodeType="clickEffect">
+                                <p:cTn id="43" presetID="10" presetClass="entr" presetSubtype="0" fill="hold" nodeType="withEffect">
                                   <p:stCondLst>
                                     <p:cond delay="0"/>
                                   </p:stCondLst>
@@ -20524,92 +20488,6 @@
                                   </p:childTnLst>
                                 </p:cTn>
                               </p:par>
-                              <p:par>
-                                <p:cTn id="56" presetID="10" presetClass="entr" presetSubtype="0" fill="hold" nodeType="withEffect">
-                                  <p:stCondLst>
-                                    <p:cond delay="0"/>
-                                  </p:stCondLst>
-                                  <p:childTnLst>
-                                    <p:set>
-                                      <p:cBhvr>
-                                        <p:cTn id="57" dur="1" fill="hold">
-                                          <p:stCondLst>
-                                            <p:cond delay="0"/>
-                                          </p:stCondLst>
-                                        </p:cTn>
-                                        <p:tgtEl>
-                                          <p:spTgt spid="3">
-                                            <p:txEl>
-                                              <p:pRg st="13" end="13"/>
-                                            </p:txEl>
-                                          </p:spTgt>
-                                        </p:tgtEl>
-                                        <p:attrNameLst>
-                                          <p:attrName>style.visibility</p:attrName>
-                                        </p:attrNameLst>
-                                      </p:cBhvr>
-                                      <p:to>
-                                        <p:strVal val="visible"/>
-                                      </p:to>
-                                    </p:set>
-                                    <p:animEffect transition="in" filter="fade">
-                                      <p:cBhvr>
-                                        <p:cTn id="58" dur="500"/>
-                                        <p:tgtEl>
-                                          <p:spTgt spid="3">
-                                            <p:txEl>
-                                              <p:pRg st="13" end="13"/>
-                                            </p:txEl>
-                                          </p:spTgt>
-                                        </p:tgtEl>
-                                      </p:cBhvr>
-                                    </p:animEffect>
-                                  </p:childTnLst>
-                                </p:cTn>
-                              </p:par>
-                              <p:par>
-                                <p:cTn id="59" presetID="10" presetClass="entr" presetSubtype="0" fill="hold" nodeType="withEffect">
-                                  <p:stCondLst>
-                                    <p:cond delay="0"/>
-                                  </p:stCondLst>
-                                  <p:childTnLst>
-                                    <p:set>
-                                      <p:cBhvr>
-                                        <p:cTn id="60" dur="1" fill="hold">
-                                          <p:stCondLst>
-                                            <p:cond delay="0"/>
-                                          </p:stCondLst>
-                                        </p:cTn>
-                                        <p:tgtEl>
-                                          <p:spTgt spid="3">
-                                            <p:txEl>
-                                              <p:pRg st="14" end="14"/>
-                                            </p:txEl>
-                                          </p:spTgt>
-                                        </p:tgtEl>
-                                        <p:attrNameLst>
-                                          <p:attrName>style.visibility</p:attrName>
-                                        </p:attrNameLst>
-                                      </p:cBhvr>
-                                      <p:to>
-                                        <p:strVal val="visible"/>
-                                      </p:to>
-                                    </p:set>
-                                    <p:animEffect transition="in" filter="fade">
-                                      <p:cBhvr>
-                                        <p:cTn id="61" dur="500"/>
-                                        <p:tgtEl>
-                                          <p:spTgt spid="3">
-                                            <p:txEl>
-                                              <p:pRg st="14" end="14"/>
-                                            </p:txEl>
-                                          </p:spTgt>
-                                        </p:tgtEl>
-                                      </p:cBhvr>
-                                    </p:animEffect>
-                                  </p:childTnLst>
-                                </p:cTn>
-                              </p:par>
                             </p:childTnLst>
                           </p:cTn>
                         </p:par>
@@ -20617,19 +20495,105 @@
                     </p:cTn>
                   </p:par>
                   <p:par>
-                    <p:cTn id="62" fill="hold">
+                    <p:cTn id="56" fill="hold">
                       <p:stCondLst>
                         <p:cond delay="indefinite"/>
                       </p:stCondLst>
                       <p:childTnLst>
                         <p:par>
-                          <p:cTn id="63" fill="hold">
+                          <p:cTn id="57" fill="hold">
                             <p:stCondLst>
                               <p:cond delay="0"/>
                             </p:stCondLst>
                             <p:childTnLst>
                               <p:par>
-                                <p:cTn id="64" presetID="10" presetClass="entr" presetSubtype="0" fill="hold" nodeType="clickEffect">
+                                <p:cTn id="58" presetID="10" presetClass="entr" presetSubtype="0" fill="hold" nodeType="clickEffect">
+                                  <p:stCondLst>
+                                    <p:cond delay="0"/>
+                                  </p:stCondLst>
+                                  <p:childTnLst>
+                                    <p:set>
+                                      <p:cBhvr>
+                                        <p:cTn id="59" dur="1" fill="hold">
+                                          <p:stCondLst>
+                                            <p:cond delay="0"/>
+                                          </p:stCondLst>
+                                        </p:cTn>
+                                        <p:tgtEl>
+                                          <p:spTgt spid="3">
+                                            <p:txEl>
+                                              <p:pRg st="13" end="13"/>
+                                            </p:txEl>
+                                          </p:spTgt>
+                                        </p:tgtEl>
+                                        <p:attrNameLst>
+                                          <p:attrName>style.visibility</p:attrName>
+                                        </p:attrNameLst>
+                                      </p:cBhvr>
+                                      <p:to>
+                                        <p:strVal val="visible"/>
+                                      </p:to>
+                                    </p:set>
+                                    <p:animEffect transition="in" filter="fade">
+                                      <p:cBhvr>
+                                        <p:cTn id="60" dur="500"/>
+                                        <p:tgtEl>
+                                          <p:spTgt spid="3">
+                                            <p:txEl>
+                                              <p:pRg st="13" end="13"/>
+                                            </p:txEl>
+                                          </p:spTgt>
+                                        </p:tgtEl>
+                                      </p:cBhvr>
+                                    </p:animEffect>
+                                  </p:childTnLst>
+                                </p:cTn>
+                              </p:par>
+                              <p:par>
+                                <p:cTn id="61" presetID="10" presetClass="entr" presetSubtype="0" fill="hold" nodeType="withEffect">
+                                  <p:stCondLst>
+                                    <p:cond delay="0"/>
+                                  </p:stCondLst>
+                                  <p:childTnLst>
+                                    <p:set>
+                                      <p:cBhvr>
+                                        <p:cTn id="62" dur="1" fill="hold">
+                                          <p:stCondLst>
+                                            <p:cond delay="0"/>
+                                          </p:stCondLst>
+                                        </p:cTn>
+                                        <p:tgtEl>
+                                          <p:spTgt spid="3">
+                                            <p:txEl>
+                                              <p:pRg st="14" end="14"/>
+                                            </p:txEl>
+                                          </p:spTgt>
+                                        </p:tgtEl>
+                                        <p:attrNameLst>
+                                          <p:attrName>style.visibility</p:attrName>
+                                        </p:attrNameLst>
+                                      </p:cBhvr>
+                                      <p:to>
+                                        <p:strVal val="visible"/>
+                                      </p:to>
+                                    </p:set>
+                                    <p:animEffect transition="in" filter="fade">
+                                      <p:cBhvr>
+                                        <p:cTn id="63" dur="500"/>
+                                        <p:tgtEl>
+                                          <p:spTgt spid="3">
+                                            <p:txEl>
+                                              <p:pRg st="14" end="14"/>
+                                            </p:txEl>
+                                          </p:spTgt>
+                                        </p:tgtEl>
+                                      </p:cBhvr>
+                                    </p:animEffect>
+                                  </p:childTnLst>
+                                </p:cTn>
+                              </p:par>
+                              <p:par>
+                                <p:cTn id="64" presetID="10" presetClass="entr" presetSubtype="0" fill="hold" nodeType="withEffect">
                                   <p:stCondLst>
                                     <p:cond delay="0"/>
                                   </p:stCondLst>
@@ -21090,6 +21054,67 @@
                                           <p:spTgt spid="3">
                                             <p:txEl>
                                               <p:pRg st="22" end="22"/>
+                                            </p:txEl>
+                                          </p:spTgt>
+                                        </p:tgtEl>
+                                      </p:cBhvr>
+                                    </p:animEffect>
+                                  </p:childTnLst>
+                                </p:cTn>
+                              </p:par>
+                            </p:childTnLst>
+                          </p:cTn>
+                        </p:par>
+                      </p:childTnLst>
+                    </p:cTn>
+                  </p:par>
+                  <p:par>
+                    <p:cTn id="102" fill="hold">
+                      <p:stCondLst>
+                        <p:cond delay="indefinite"/>
+                      </p:stCondLst>
+                      <p:childTnLst>
+                        <p:par>
+                          <p:cTn id="103" fill="hold">
+                            <p:stCondLst>
+                              <p:cond delay="0"/>
+                            </p:stCondLst>
+                            <p:childTnLst>
+                              <p:par>
+                                <p:cTn id="104" presetID="10" presetClass="entr" presetSubtype="0" fill="hold" nodeType="clickEffect">
+                                  <p:stCondLst>
+                                    <p:cond delay="0"/>
+                                  </p:stCondLst>
+                                  <p:childTnLst>
+                                    <p:set>
+                                      <p:cBhvr>
+                                        <p:cTn id="105" dur="1" fill="hold">
+                                          <p:stCondLst>
+                                            <p:cond delay="0"/>
+                                          </p:stCondLst>
+                                        </p:cTn>
+                                        <p:tgtEl>
+                                          <p:spTgt spid="3">
+                                            <p:txEl>
+                                              <p:pRg st="23" end="23"/>
+                                            </p:txEl>
+                                          </p:spTgt>
+                                        </p:tgtEl>
+                                        <p:attrNameLst>
+                                          <p:attrName>style.visibility</p:attrName>
+                                        </p:attrNameLst>
+                                      </p:cBhvr>
+                                      <p:to>
+                                        <p:strVal val="visible"/>
+                                      </p:to>
+                                    </p:set>
+                                    <p:animEffect transition="in" filter="fade">
+                                      <p:cBhvr>
+                                        <p:cTn id="106" dur="500"/>
+                                        <p:tgtEl>
+                                          <p:spTgt spid="3">
+                                            <p:txEl>
+                                              <p:pRg st="23" end="23"/>
                                             </p:txEl>
                                           </p:spTgt>
                                         </p:tgtEl>
@@ -22686,49 +22711,49 @@
                 <a:gridCol w="1126671">
                   <a:extLst>
                     <a:ext uri="{9D8B030D-6E8A-4147-A177-3AD203B41FA5}">
-                      <a16:colId xmlns:a16="http://schemas.microsoft.com/office/drawing/2014/main" xmlns="" val="20000"/>
+                      <a16:colId xmlns="" xmlns:a16="http://schemas.microsoft.com/office/drawing/2014/main" val="20000"/>
                     </a:ext>
                   </a:extLst>
                 </a:gridCol>
                 <a:gridCol w="1091118">
                   <a:extLst>
                     <a:ext uri="{9D8B030D-6E8A-4147-A177-3AD203B41FA5}">
-                      <a16:colId xmlns:a16="http://schemas.microsoft.com/office/drawing/2014/main" xmlns="" val="20001"/>
+                      <a16:colId xmlns="" xmlns:a16="http://schemas.microsoft.com/office/drawing/2014/main" val="20001"/>
                     </a:ext>
                   </a:extLst>
                 </a:gridCol>
                 <a:gridCol w="1423219">
                   <a:extLst>
                     <a:ext uri="{9D8B030D-6E8A-4147-A177-3AD203B41FA5}">
-                      <a16:colId xmlns:a16="http://schemas.microsoft.com/office/drawing/2014/main" xmlns="" val="20002"/>
+                      <a16:colId xmlns="" xmlns:a16="http://schemas.microsoft.com/office/drawing/2014/main" val="20002"/>
                     </a:ext>
                   </a:extLst>
                 </a:gridCol>
                 <a:gridCol w="671052">
                   <a:extLst>
                     <a:ext uri="{9D8B030D-6E8A-4147-A177-3AD203B41FA5}">
-                      <a16:colId xmlns:a16="http://schemas.microsoft.com/office/drawing/2014/main" xmlns="" val="20003"/>
+                      <a16:colId xmlns="" xmlns:a16="http://schemas.microsoft.com/office/drawing/2014/main" val="20003"/>
                     </a:ext>
                   </a:extLst>
                 </a:gridCol>
                 <a:gridCol w="648929">
                   <a:extLst>
                     <a:ext uri="{9D8B030D-6E8A-4147-A177-3AD203B41FA5}">
-                      <a16:colId xmlns:a16="http://schemas.microsoft.com/office/drawing/2014/main" xmlns="" val="20004"/>
+                      <a16:colId xmlns="" xmlns:a16="http://schemas.microsoft.com/office/drawing/2014/main" val="20004"/>
                     </a:ext>
                   </a:extLst>
                 </a:gridCol>
                 <a:gridCol w="1939413">
                   <a:extLst>
                     <a:ext uri="{9D8B030D-6E8A-4147-A177-3AD203B41FA5}">
-                      <a16:colId xmlns:a16="http://schemas.microsoft.com/office/drawing/2014/main" xmlns="" val="20005"/>
+                      <a16:colId xmlns="" xmlns:a16="http://schemas.microsoft.com/office/drawing/2014/main" val="20005"/>
                     </a:ext>
                   </a:extLst>
                 </a:gridCol>
                 <a:gridCol w="986295">
                   <a:extLst>
                     <a:ext uri="{9D8B030D-6E8A-4147-A177-3AD203B41FA5}">
-                      <a16:colId xmlns:a16="http://schemas.microsoft.com/office/drawing/2014/main" xmlns="" val="20006"/>
+                      <a16:colId xmlns="" xmlns:a16="http://schemas.microsoft.com/office/drawing/2014/main" val="20006"/>
                     </a:ext>
                   </a:extLst>
                 </a:gridCol>
@@ -22842,7 +22867,7 @@
                 </a:tc>
                 <a:extLst>
                   <a:ext uri="{0D108BD9-81ED-4DB2-BD59-A6C34878D82A}">
-                    <a16:rowId xmlns:a16="http://schemas.microsoft.com/office/drawing/2014/main" xmlns="" val="10000"/>
+                    <a16:rowId xmlns="" xmlns:a16="http://schemas.microsoft.com/office/drawing/2014/main" val="10000"/>
                   </a:ext>
                 </a:extLst>
               </a:tr>
@@ -22980,7 +23005,7 @@
                 </a:tc>
                 <a:extLst>
                   <a:ext uri="{0D108BD9-81ED-4DB2-BD59-A6C34878D82A}">
-                    <a16:rowId xmlns:a16="http://schemas.microsoft.com/office/drawing/2014/main" xmlns="" val="10001"/>
+                    <a16:rowId xmlns="" xmlns:a16="http://schemas.microsoft.com/office/drawing/2014/main" val="10001"/>
                   </a:ext>
                 </a:extLst>
               </a:tr>

--- a/intro to ble.pptx
+++ b/intro to ble.pptx
@@ -34,7 +34,7 @@
     <p:sldId id="284" r:id="rId25"/>
     <p:sldId id="285" r:id="rId26"/>
     <p:sldId id="286" r:id="rId27"/>
-    <p:sldId id="287" r:id="rId28"/>
+    <p:sldId id="318" r:id="rId28"/>
     <p:sldId id="288" r:id="rId29"/>
     <p:sldId id="292" r:id="rId30"/>
     <p:sldId id="289" r:id="rId31"/>
@@ -244,7 +244,7 @@
           <a:p>
             <a:fld id="{CB69E15D-2E95-428C-B9E3-27B2BF3879D0}" type="datetimeFigureOut">
               <a:rPr lang="en-SG" smtClean="0"/>
-              <a:t>10/6/16</a:t>
+              <a:t>18/6/2016</a:t>
             </a:fld>
             <a:endParaRPr lang="en-SG"/>
           </a:p>
@@ -308,35 +308,35 @@
           <a:p>
             <a:pPr lvl="0"/>
             <a:r>
-              <a:rPr lang="en-US" smtClean="0"/>
+              <a:rPr lang="en-US"/>
               <a:t>Click to edit Master text styles</a:t>
             </a:r>
           </a:p>
           <a:p>
             <a:pPr lvl="1"/>
             <a:r>
-              <a:rPr lang="en-US" smtClean="0"/>
+              <a:rPr lang="en-US"/>
               <a:t>Second level</a:t>
             </a:r>
           </a:p>
           <a:p>
             <a:pPr lvl="2"/>
             <a:r>
-              <a:rPr lang="en-US" smtClean="0"/>
+              <a:rPr lang="en-US"/>
               <a:t>Third level</a:t>
             </a:r>
           </a:p>
           <a:p>
             <a:pPr lvl="3"/>
             <a:r>
-              <a:rPr lang="en-US" smtClean="0"/>
+              <a:rPr lang="en-US"/>
               <a:t>Fourth level</a:t>
             </a:r>
           </a:p>
           <a:p>
             <a:pPr lvl="4"/>
             <a:r>
-              <a:rPr lang="en-US" smtClean="0"/>
+              <a:rPr lang="en-US"/>
               <a:t>Fifth level</a:t>
             </a:r>
             <a:endParaRPr lang="en-SG"/>
@@ -722,7 +722,7 @@
           </a:lstStyle>
           <a:p>
             <a:r>
-              <a:rPr lang="en-US" smtClean="0"/>
+              <a:rPr lang="en-US"/>
               <a:t>Click to edit Master title style</a:t>
             </a:r>
             <a:endParaRPr lang="en-US" dirty="0"/>
@@ -787,7 +787,7 @@
           </a:lstStyle>
           <a:p>
             <a:r>
-              <a:rPr lang="en-US" smtClean="0"/>
+              <a:rPr lang="en-US"/>
               <a:t>Click to edit Master subtitle style</a:t>
             </a:r>
             <a:endParaRPr lang="en-US" dirty="0"/>
@@ -811,7 +811,7 @@
           <a:p>
             <a:fld id="{14C94871-C4DF-4AFD-96E5-87B050A67E05}" type="datetime1">
               <a:rPr lang="en-SG" smtClean="0"/>
-              <a:t>10/6/16</a:t>
+              <a:t>18/6/2016</a:t>
             </a:fld>
             <a:endParaRPr lang="en-SG"/>
           </a:p>
@@ -905,7 +905,7 @@
           <a:lstStyle/>
           <a:p>
             <a:r>
-              <a:rPr lang="en-US" smtClean="0"/>
+              <a:rPr lang="en-US"/>
               <a:t>Click to edit Master title style</a:t>
             </a:r>
             <a:endParaRPr lang="en-US" dirty="0"/>
@@ -929,35 +929,35 @@
           <a:p>
             <a:pPr lvl="0"/>
             <a:r>
-              <a:rPr lang="en-US" smtClean="0"/>
+              <a:rPr lang="en-US"/>
               <a:t>Click to edit Master text styles</a:t>
             </a:r>
           </a:p>
           <a:p>
             <a:pPr lvl="1"/>
             <a:r>
-              <a:rPr lang="en-US" smtClean="0"/>
+              <a:rPr lang="en-US"/>
               <a:t>Second level</a:t>
             </a:r>
           </a:p>
           <a:p>
             <a:pPr lvl="2"/>
             <a:r>
-              <a:rPr lang="en-US" smtClean="0"/>
+              <a:rPr lang="en-US"/>
               <a:t>Third level</a:t>
             </a:r>
           </a:p>
           <a:p>
             <a:pPr lvl="3"/>
             <a:r>
-              <a:rPr lang="en-US" smtClean="0"/>
+              <a:rPr lang="en-US"/>
               <a:t>Fourth level</a:t>
             </a:r>
           </a:p>
           <a:p>
             <a:pPr lvl="4"/>
             <a:r>
-              <a:rPr lang="en-US" smtClean="0"/>
+              <a:rPr lang="en-US"/>
               <a:t>Fifth level</a:t>
             </a:r>
             <a:endParaRPr lang="en-US" dirty="0"/>
@@ -981,7 +981,7 @@
           <a:p>
             <a:fld id="{76A6DE21-0D8F-4C8C-AF6A-521466B16426}" type="datetime1">
               <a:rPr lang="en-SG" smtClean="0"/>
-              <a:t>10/6/16</a:t>
+              <a:t>18/6/2016</a:t>
             </a:fld>
             <a:endParaRPr lang="en-SG"/>
           </a:p>
@@ -1080,7 +1080,7 @@
           <a:lstStyle/>
           <a:p>
             <a:r>
-              <a:rPr lang="en-US" smtClean="0"/>
+              <a:rPr lang="en-US"/>
               <a:t>Click to edit Master title style</a:t>
             </a:r>
             <a:endParaRPr lang="en-US" dirty="0"/>
@@ -1109,35 +1109,35 @@
           <a:p>
             <a:pPr lvl="0"/>
             <a:r>
-              <a:rPr lang="en-US" smtClean="0"/>
+              <a:rPr lang="en-US"/>
               <a:t>Click to edit Master text styles</a:t>
             </a:r>
           </a:p>
           <a:p>
             <a:pPr lvl="1"/>
             <a:r>
-              <a:rPr lang="en-US" smtClean="0"/>
+              <a:rPr lang="en-US"/>
               <a:t>Second level</a:t>
             </a:r>
           </a:p>
           <a:p>
             <a:pPr lvl="2"/>
             <a:r>
-              <a:rPr lang="en-US" smtClean="0"/>
+              <a:rPr lang="en-US"/>
               <a:t>Third level</a:t>
             </a:r>
           </a:p>
           <a:p>
             <a:pPr lvl="3"/>
             <a:r>
-              <a:rPr lang="en-US" smtClean="0"/>
+              <a:rPr lang="en-US"/>
               <a:t>Fourth level</a:t>
             </a:r>
           </a:p>
           <a:p>
             <a:pPr lvl="4"/>
             <a:r>
-              <a:rPr lang="en-US" smtClean="0"/>
+              <a:rPr lang="en-US"/>
               <a:t>Fifth level</a:t>
             </a:r>
             <a:endParaRPr lang="en-US" dirty="0"/>
@@ -1161,7 +1161,7 @@
           <a:p>
             <a:fld id="{16A18ED7-72CF-4BB2-8941-928963568089}" type="datetime1">
               <a:rPr lang="en-SG" smtClean="0"/>
-              <a:t>10/6/16</a:t>
+              <a:t>18/6/2016</a:t>
             </a:fld>
             <a:endParaRPr lang="en-SG"/>
           </a:p>
@@ -1255,7 +1255,7 @@
           <a:lstStyle/>
           <a:p>
             <a:r>
-              <a:rPr lang="en-US" smtClean="0"/>
+              <a:rPr lang="en-US"/>
               <a:t>Click to edit Master title style</a:t>
             </a:r>
             <a:endParaRPr lang="en-US" dirty="0"/>
@@ -1279,35 +1279,35 @@
           <a:p>
             <a:pPr lvl="0"/>
             <a:r>
-              <a:rPr lang="en-US" smtClean="0"/>
+              <a:rPr lang="en-US"/>
               <a:t>Click to edit Master text styles</a:t>
             </a:r>
           </a:p>
           <a:p>
             <a:pPr lvl="1"/>
             <a:r>
-              <a:rPr lang="en-US" smtClean="0"/>
+              <a:rPr lang="en-US"/>
               <a:t>Second level</a:t>
             </a:r>
           </a:p>
           <a:p>
             <a:pPr lvl="2"/>
             <a:r>
-              <a:rPr lang="en-US" smtClean="0"/>
+              <a:rPr lang="en-US"/>
               <a:t>Third level</a:t>
             </a:r>
           </a:p>
           <a:p>
             <a:pPr lvl="3"/>
             <a:r>
-              <a:rPr lang="en-US" smtClean="0"/>
+              <a:rPr lang="en-US"/>
               <a:t>Fourth level</a:t>
             </a:r>
           </a:p>
           <a:p>
             <a:pPr lvl="4"/>
             <a:r>
-              <a:rPr lang="en-US" smtClean="0"/>
+              <a:rPr lang="en-US"/>
               <a:t>Fifth level</a:t>
             </a:r>
             <a:endParaRPr lang="en-US" dirty="0"/>
@@ -1331,7 +1331,7 @@
           <a:p>
             <a:fld id="{7FD7CD52-9833-4DD5-89FF-33E59F171421}" type="datetime1">
               <a:rPr lang="en-SG" smtClean="0"/>
-              <a:t>10/6/16</a:t>
+              <a:t>18/6/2016</a:t>
             </a:fld>
             <a:endParaRPr lang="en-SG"/>
           </a:p>
@@ -1434,7 +1434,7 @@
           </a:lstStyle>
           <a:p>
             <a:r>
-              <a:rPr lang="en-US" smtClean="0"/>
+              <a:rPr lang="en-US"/>
               <a:t>Click to edit Master title style</a:t>
             </a:r>
             <a:endParaRPr lang="en-US" dirty="0"/>
@@ -1552,7 +1552,7 @@
           <a:p>
             <a:pPr lvl="0"/>
             <a:r>
-              <a:rPr lang="en-US" smtClean="0"/>
+              <a:rPr lang="en-US"/>
               <a:t>Click to edit Master text styles</a:t>
             </a:r>
           </a:p>
@@ -1575,7 +1575,7 @@
           <a:p>
             <a:fld id="{E74C9598-7F32-4DE4-BFF0-39C051013B34}" type="datetime1">
               <a:rPr lang="en-SG" smtClean="0"/>
-              <a:t>10/6/16</a:t>
+              <a:t>18/6/2016</a:t>
             </a:fld>
             <a:endParaRPr lang="en-SG"/>
           </a:p>
@@ -1669,7 +1669,7 @@
           <a:lstStyle/>
           <a:p>
             <a:r>
-              <a:rPr lang="en-US" smtClean="0"/>
+              <a:rPr lang="en-US"/>
               <a:t>Click to edit Master title style</a:t>
             </a:r>
             <a:endParaRPr lang="en-US" dirty="0"/>
@@ -1698,35 +1698,35 @@
           <a:p>
             <a:pPr lvl="0"/>
             <a:r>
-              <a:rPr lang="en-US" smtClean="0"/>
+              <a:rPr lang="en-US"/>
               <a:t>Click to edit Master text styles</a:t>
             </a:r>
           </a:p>
           <a:p>
             <a:pPr lvl="1"/>
             <a:r>
-              <a:rPr lang="en-US" smtClean="0"/>
+              <a:rPr lang="en-US"/>
               <a:t>Second level</a:t>
             </a:r>
           </a:p>
           <a:p>
             <a:pPr lvl="2"/>
             <a:r>
-              <a:rPr lang="en-US" smtClean="0"/>
+              <a:rPr lang="en-US"/>
               <a:t>Third level</a:t>
             </a:r>
           </a:p>
           <a:p>
             <a:pPr lvl="3"/>
             <a:r>
-              <a:rPr lang="en-US" smtClean="0"/>
+              <a:rPr lang="en-US"/>
               <a:t>Fourth level</a:t>
             </a:r>
           </a:p>
           <a:p>
             <a:pPr lvl="4"/>
             <a:r>
-              <a:rPr lang="en-US" smtClean="0"/>
+              <a:rPr lang="en-US"/>
               <a:t>Fifth level</a:t>
             </a:r>
             <a:endParaRPr lang="en-US" dirty="0"/>
@@ -1755,35 +1755,35 @@
           <a:p>
             <a:pPr lvl="0"/>
             <a:r>
-              <a:rPr lang="en-US" smtClean="0"/>
+              <a:rPr lang="en-US"/>
               <a:t>Click to edit Master text styles</a:t>
             </a:r>
           </a:p>
           <a:p>
             <a:pPr lvl="1"/>
             <a:r>
-              <a:rPr lang="en-US" smtClean="0"/>
+              <a:rPr lang="en-US"/>
               <a:t>Second level</a:t>
             </a:r>
           </a:p>
           <a:p>
             <a:pPr lvl="2"/>
             <a:r>
-              <a:rPr lang="en-US" smtClean="0"/>
+              <a:rPr lang="en-US"/>
               <a:t>Third level</a:t>
             </a:r>
           </a:p>
           <a:p>
             <a:pPr lvl="3"/>
             <a:r>
-              <a:rPr lang="en-US" smtClean="0"/>
+              <a:rPr lang="en-US"/>
               <a:t>Fourth level</a:t>
             </a:r>
           </a:p>
           <a:p>
             <a:pPr lvl="4"/>
             <a:r>
-              <a:rPr lang="en-US" smtClean="0"/>
+              <a:rPr lang="en-US"/>
               <a:t>Fifth level</a:t>
             </a:r>
             <a:endParaRPr lang="en-US" dirty="0"/>
@@ -1807,7 +1807,7 @@
           <a:p>
             <a:fld id="{5DC821E8-33B0-41D5-8FA5-9A647E53891C}" type="datetime1">
               <a:rPr lang="en-SG" smtClean="0"/>
-              <a:t>10/6/16</a:t>
+              <a:t>18/6/2016</a:t>
             </a:fld>
             <a:endParaRPr lang="en-SG"/>
           </a:p>
@@ -1906,7 +1906,7 @@
           <a:lstStyle/>
           <a:p>
             <a:r>
-              <a:rPr lang="en-US" smtClean="0"/>
+              <a:rPr lang="en-US"/>
               <a:t>Click to edit Master title style</a:t>
             </a:r>
             <a:endParaRPr lang="en-US" dirty="0"/>
@@ -1972,7 +1972,7 @@
           <a:p>
             <a:pPr lvl="0"/>
             <a:r>
-              <a:rPr lang="en-US" smtClean="0"/>
+              <a:rPr lang="en-US"/>
               <a:t>Click to edit Master text styles</a:t>
             </a:r>
           </a:p>
@@ -2000,35 +2000,35 @@
           <a:p>
             <a:pPr lvl="0"/>
             <a:r>
-              <a:rPr lang="en-US" smtClean="0"/>
+              <a:rPr lang="en-US"/>
               <a:t>Click to edit Master text styles</a:t>
             </a:r>
           </a:p>
           <a:p>
             <a:pPr lvl="1"/>
             <a:r>
-              <a:rPr lang="en-US" smtClean="0"/>
+              <a:rPr lang="en-US"/>
               <a:t>Second level</a:t>
             </a:r>
           </a:p>
           <a:p>
             <a:pPr lvl="2"/>
             <a:r>
-              <a:rPr lang="en-US" smtClean="0"/>
+              <a:rPr lang="en-US"/>
               <a:t>Third level</a:t>
             </a:r>
           </a:p>
           <a:p>
             <a:pPr lvl="3"/>
             <a:r>
-              <a:rPr lang="en-US" smtClean="0"/>
+              <a:rPr lang="en-US"/>
               <a:t>Fourth level</a:t>
             </a:r>
           </a:p>
           <a:p>
             <a:pPr lvl="4"/>
             <a:r>
-              <a:rPr lang="en-US" smtClean="0"/>
+              <a:rPr lang="en-US"/>
               <a:t>Fifth level</a:t>
             </a:r>
             <a:endParaRPr lang="en-US" dirty="0"/>
@@ -2094,7 +2094,7 @@
           <a:p>
             <a:pPr lvl="0"/>
             <a:r>
-              <a:rPr lang="en-US" smtClean="0"/>
+              <a:rPr lang="en-US"/>
               <a:t>Click to edit Master text styles</a:t>
             </a:r>
           </a:p>
@@ -2122,35 +2122,35 @@
           <a:p>
             <a:pPr lvl="0"/>
             <a:r>
-              <a:rPr lang="en-US" smtClean="0"/>
+              <a:rPr lang="en-US"/>
               <a:t>Click to edit Master text styles</a:t>
             </a:r>
           </a:p>
           <a:p>
             <a:pPr lvl="1"/>
             <a:r>
-              <a:rPr lang="en-US" smtClean="0"/>
+              <a:rPr lang="en-US"/>
               <a:t>Second level</a:t>
             </a:r>
           </a:p>
           <a:p>
             <a:pPr lvl="2"/>
             <a:r>
-              <a:rPr lang="en-US" smtClean="0"/>
+              <a:rPr lang="en-US"/>
               <a:t>Third level</a:t>
             </a:r>
           </a:p>
           <a:p>
             <a:pPr lvl="3"/>
             <a:r>
-              <a:rPr lang="en-US" smtClean="0"/>
+              <a:rPr lang="en-US"/>
               <a:t>Fourth level</a:t>
             </a:r>
           </a:p>
           <a:p>
             <a:pPr lvl="4"/>
             <a:r>
-              <a:rPr lang="en-US" smtClean="0"/>
+              <a:rPr lang="en-US"/>
               <a:t>Fifth level</a:t>
             </a:r>
             <a:endParaRPr lang="en-US" dirty="0"/>
@@ -2174,7 +2174,7 @@
           <a:p>
             <a:fld id="{751CCC62-50F5-4228-8D51-6D258C0BFCBD}" type="datetime1">
               <a:rPr lang="en-SG" smtClean="0"/>
-              <a:t>10/6/16</a:t>
+              <a:t>18/6/2016</a:t>
             </a:fld>
             <a:endParaRPr lang="en-SG"/>
           </a:p>
@@ -2268,7 +2268,7 @@
           <a:lstStyle/>
           <a:p>
             <a:r>
-              <a:rPr lang="en-US" smtClean="0"/>
+              <a:rPr lang="en-US"/>
               <a:t>Click to edit Master title style</a:t>
             </a:r>
             <a:endParaRPr lang="en-US" dirty="0"/>
@@ -2292,7 +2292,7 @@
           <a:p>
             <a:fld id="{776807E8-5434-437A-A610-A94C24A73164}" type="datetime1">
               <a:rPr lang="en-SG" smtClean="0"/>
-              <a:t>10/6/16</a:t>
+              <a:t>18/6/2016</a:t>
             </a:fld>
             <a:endParaRPr lang="en-SG"/>
           </a:p>
@@ -2387,7 +2387,7 @@
           <a:p>
             <a:fld id="{18AC243E-E412-41F8-A99C-62E3D2C4FD1E}" type="datetime1">
               <a:rPr lang="en-SG" smtClean="0"/>
-              <a:t>10/6/16</a:t>
+              <a:t>18/6/2016</a:t>
             </a:fld>
             <a:endParaRPr lang="en-SG"/>
           </a:p>
@@ -2490,7 +2490,7 @@
           </a:lstStyle>
           <a:p>
             <a:r>
-              <a:rPr lang="en-US" smtClean="0"/>
+              <a:rPr lang="en-US"/>
               <a:t>Click to edit Master title style</a:t>
             </a:r>
             <a:endParaRPr lang="en-US" dirty="0"/>
@@ -2547,35 +2547,35 @@
           <a:p>
             <a:pPr lvl="0"/>
             <a:r>
-              <a:rPr lang="en-US" smtClean="0"/>
+              <a:rPr lang="en-US"/>
               <a:t>Click to edit Master text styles</a:t>
             </a:r>
           </a:p>
           <a:p>
             <a:pPr lvl="1"/>
             <a:r>
-              <a:rPr lang="en-US" smtClean="0"/>
+              <a:rPr lang="en-US"/>
               <a:t>Second level</a:t>
             </a:r>
           </a:p>
           <a:p>
             <a:pPr lvl="2"/>
             <a:r>
-              <a:rPr lang="en-US" smtClean="0"/>
+              <a:rPr lang="en-US"/>
               <a:t>Third level</a:t>
             </a:r>
           </a:p>
           <a:p>
             <a:pPr lvl="3"/>
             <a:r>
-              <a:rPr lang="en-US" smtClean="0"/>
+              <a:rPr lang="en-US"/>
               <a:t>Fourth level</a:t>
             </a:r>
           </a:p>
           <a:p>
             <a:pPr lvl="4"/>
             <a:r>
-              <a:rPr lang="en-US" smtClean="0"/>
+              <a:rPr lang="en-US"/>
               <a:t>Fifth level</a:t>
             </a:r>
             <a:endParaRPr lang="en-US" dirty="0"/>
@@ -2641,7 +2641,7 @@
           <a:p>
             <a:pPr lvl="0"/>
             <a:r>
-              <a:rPr lang="en-US" smtClean="0"/>
+              <a:rPr lang="en-US"/>
               <a:t>Click to edit Master text styles</a:t>
             </a:r>
           </a:p>
@@ -2664,7 +2664,7 @@
           <a:p>
             <a:fld id="{30DD06DC-63F5-45CF-A3A5-F437A0C7E12A}" type="datetime1">
               <a:rPr lang="en-SG" smtClean="0"/>
-              <a:t>10/6/16</a:t>
+              <a:t>18/6/2016</a:t>
             </a:fld>
             <a:endParaRPr lang="en-SG"/>
           </a:p>
@@ -2767,7 +2767,7 @@
           </a:lstStyle>
           <a:p>
             <a:r>
-              <a:rPr lang="en-US" smtClean="0"/>
+              <a:rPr lang="en-US"/>
               <a:t>Click to edit Master title style</a:t>
             </a:r>
             <a:endParaRPr lang="en-US" dirty="0"/>
@@ -2832,7 +2832,7 @@
           </a:lstStyle>
           <a:p>
             <a:r>
-              <a:rPr lang="en-US" smtClean="0"/>
+              <a:rPr lang="en-US"/>
               <a:t>Click icon to add picture</a:t>
             </a:r>
             <a:endParaRPr lang="en-US" dirty="0"/>
@@ -2898,7 +2898,7 @@
           <a:p>
             <a:pPr lvl="0"/>
             <a:r>
-              <a:rPr lang="en-US" smtClean="0"/>
+              <a:rPr lang="en-US"/>
               <a:t>Click to edit Master text styles</a:t>
             </a:r>
           </a:p>
@@ -2921,7 +2921,7 @@
           <a:p>
             <a:fld id="{7810AE82-8C34-472D-B90B-4D50508F585C}" type="datetime1">
               <a:rPr lang="en-SG" smtClean="0"/>
-              <a:t>10/6/16</a:t>
+              <a:t>18/6/2016</a:t>
             </a:fld>
             <a:endParaRPr lang="en-SG"/>
           </a:p>
@@ -3030,7 +3030,7 @@
           <a:lstStyle/>
           <a:p>
             <a:r>
-              <a:rPr lang="en-US" smtClean="0"/>
+              <a:rPr lang="en-US"/>
               <a:t>Click to edit Master title style</a:t>
             </a:r>
             <a:endParaRPr lang="en-US" dirty="0"/>
@@ -3064,35 +3064,35 @@
           <a:p>
             <a:pPr lvl="0"/>
             <a:r>
-              <a:rPr lang="en-US" smtClean="0"/>
+              <a:rPr lang="en-US"/>
               <a:t>Click to edit Master text styles</a:t>
             </a:r>
           </a:p>
           <a:p>
             <a:pPr lvl="1"/>
             <a:r>
-              <a:rPr lang="en-US" smtClean="0"/>
+              <a:rPr lang="en-US"/>
               <a:t>Second level</a:t>
             </a:r>
           </a:p>
           <a:p>
             <a:pPr lvl="2"/>
             <a:r>
-              <a:rPr lang="en-US" smtClean="0"/>
+              <a:rPr lang="en-US"/>
               <a:t>Third level</a:t>
             </a:r>
           </a:p>
           <a:p>
             <a:pPr lvl="3"/>
             <a:r>
-              <a:rPr lang="en-US" smtClean="0"/>
+              <a:rPr lang="en-US"/>
               <a:t>Fourth level</a:t>
             </a:r>
           </a:p>
           <a:p>
             <a:pPr lvl="4"/>
             <a:r>
-              <a:rPr lang="en-US" smtClean="0"/>
+              <a:rPr lang="en-US"/>
               <a:t>Fifth level</a:t>
             </a:r>
             <a:endParaRPr lang="en-US" dirty="0"/>
@@ -3134,7 +3134,7 @@
           <a:p>
             <a:fld id="{393BD624-3486-430E-A0CD-3F2C92C8E573}" type="datetime1">
               <a:rPr lang="en-SG" smtClean="0"/>
-              <a:t>10/6/16</a:t>
+              <a:t>18/6/2016</a:t>
             </a:fld>
             <a:endParaRPr lang="en-SG"/>
           </a:p>
@@ -3563,10 +3563,9 @@
           <a:lstStyle/>
           <a:p>
             <a:r>
-              <a:rPr lang="en-SG" dirty="0" smtClean="0"/>
+              <a:rPr lang="en-SG" dirty="0"/>
               <a:t>Introduction to Bluetooth Low Energy (BLE)</a:t>
             </a:r>
-            <a:endParaRPr lang="en-SG" dirty="0"/>
           </a:p>
         </p:txBody>
       </p:sp>
@@ -3593,10 +3592,9 @@
           <a:lstStyle/>
           <a:p>
             <a:r>
-              <a:rPr lang="en-SG" sz="2400" dirty="0" smtClean="0"/>
+              <a:rPr lang="en-SG" sz="2400" dirty="0"/>
               <a:t>with</a:t>
             </a:r>
-            <a:endParaRPr lang="en-SG" sz="2400" dirty="0"/>
           </a:p>
         </p:txBody>
       </p:sp>
@@ -3623,20 +3621,19 @@
           <a:lstStyle/>
           <a:p>
             <a:r>
-              <a:rPr lang="en-SG" dirty="0" smtClean="0"/>
+              <a:rPr lang="en-SG" dirty="0"/>
               <a:t>By: Yeo Kheng Meng (</a:t>
             </a:r>
             <a:r>
-              <a:rPr lang="en-SG" dirty="0" smtClean="0">
+              <a:rPr lang="en-SG" dirty="0">
                 <a:hlinkClick r:id="rId2"/>
               </a:rPr>
               <a:t>yeokm1@gmail.com</a:t>
             </a:r>
             <a:r>
-              <a:rPr lang="en-SG" dirty="0" smtClean="0"/>
+              <a:rPr lang="en-SG" dirty="0"/>
               <a:t>)</a:t>
             </a:r>
-            <a:endParaRPr lang="en-SG" dirty="0"/>
           </a:p>
           <a:p>
             <a:r>
@@ -3645,7 +3642,7 @@
               </a:rPr>
               <a:t>https://github.com/yeokm1/intro-to-ble</a:t>
             </a:r>
-            <a:endParaRPr lang="en-SG" dirty="0" smtClean="0"/>
+            <a:endParaRPr lang="en-SG" dirty="0"/>
           </a:p>
         </p:txBody>
       </p:sp>
@@ -3672,52 +3669,47 @@
           <a:lstStyle/>
           <a:p>
             <a:r>
-              <a:rPr lang="en-SG" dirty="0" smtClean="0"/>
+              <a:rPr lang="en-SG" dirty="0"/>
               <a:t>iOS Dev Scout (23 June 2016)</a:t>
             </a:r>
           </a:p>
           <a:p>
             <a:r>
-              <a:rPr lang="en-SG" dirty="0" smtClean="0"/>
+              <a:rPr lang="en-SG" dirty="0"/>
               <a:t>Tech Talk Tuesdays @OMG (16 Feb 2016)</a:t>
             </a:r>
           </a:p>
           <a:p>
             <a:r>
-              <a:rPr lang="en-SG" dirty="0" smtClean="0"/>
-              <a:t>Friday Hacks #98 @NUS </a:t>
-            </a:r>
-            <a:r>
-              <a:rPr lang="en-SG" dirty="0"/>
-              <a:t>Hackers (2 Oct 2015)</a:t>
-            </a:r>
-          </a:p>
-          <a:p>
-            <a:r>
-              <a:rPr lang="en-SG" dirty="0" err="1" smtClean="0"/>
+              <a:rPr lang="en-SG" dirty="0"/>
+              <a:t>Friday Hacks #98 @NUS Hackers (2 Oct 2015)</a:t>
+            </a:r>
+          </a:p>
+          <a:p>
+            <a:r>
+              <a:rPr lang="en-SG" dirty="0" err="1"/>
               <a:t>Hackware</a:t>
             </a:r>
             <a:r>
-              <a:rPr lang="en-SG" dirty="0" smtClean="0"/>
+              <a:rPr lang="en-SG" dirty="0"/>
               <a:t> v0.8 (9 June 2015)</a:t>
             </a:r>
           </a:p>
           <a:p>
             <a:r>
-              <a:rPr lang="en-SG" dirty="0" err="1" smtClean="0"/>
+              <a:rPr lang="en-SG" dirty="0" err="1"/>
               <a:t>Hackware</a:t>
             </a:r>
             <a:r>
-              <a:rPr lang="en-SG" dirty="0" smtClean="0"/>
+              <a:rPr lang="en-SG" dirty="0"/>
               <a:t> v0.7 (13 May 2015)</a:t>
             </a:r>
           </a:p>
           <a:p>
             <a:r>
-              <a:rPr lang="en-SG" dirty="0" smtClean="0"/>
+              <a:rPr lang="en-SG" dirty="0"/>
               <a:t>Hackers and Painters (10 April 2015)</a:t>
             </a:r>
-            <a:endParaRPr lang="en-SG" dirty="0"/>
           </a:p>
         </p:txBody>
       </p:sp>
@@ -3825,10 +3817,9 @@
           <a:lstStyle/>
           <a:p>
             <a:r>
-              <a:rPr lang="en-SG" dirty="0" smtClean="0"/>
+              <a:rPr lang="en-SG" dirty="0"/>
               <a:t>What’s on the agenda?</a:t>
             </a:r>
-            <a:endParaRPr lang="en-SG" dirty="0"/>
           </a:p>
         </p:txBody>
       </p:sp>
@@ -3859,7 +3850,7 @@
               <a:buAutoNum type="arabicParenR"/>
             </a:pPr>
             <a:r>
-              <a:rPr lang="en-SG" b="1" dirty="0" smtClean="0"/>
+              <a:rPr lang="en-SG" b="1" dirty="0"/>
               <a:t>BLE theoretical concepts* </a:t>
             </a:r>
           </a:p>
@@ -3869,7 +3860,7 @@
               <a:buAutoNum type="alphaLcPeriod"/>
             </a:pPr>
             <a:r>
-              <a:rPr lang="en-SG" dirty="0" smtClean="0"/>
+              <a:rPr lang="en-SG" dirty="0"/>
               <a:t>Device Role 1: Broadcaster vs Observer</a:t>
             </a:r>
           </a:p>
@@ -3879,7 +3870,7 @@
               <a:buAutoNum type="alphaLcPeriod"/>
             </a:pPr>
             <a:r>
-              <a:rPr lang="en-SG" dirty="0" smtClean="0"/>
+              <a:rPr lang="en-SG" dirty="0"/>
               <a:t>Device Role 2: Central vs Peripheral</a:t>
             </a:r>
           </a:p>
@@ -3892,7 +3883,6 @@
               <a:rPr lang="en-SG" dirty="0"/>
               <a:t>OS/Device Compatibility</a:t>
             </a:r>
-            <a:endParaRPr lang="en-SG" dirty="0" smtClean="0"/>
           </a:p>
           <a:p>
             <a:pPr marL="971550" lvl="1" indent="-514350">
@@ -3900,24 +3890,8 @@
               <a:buAutoNum type="alphaLcPeriod"/>
             </a:pPr>
             <a:r>
-              <a:rPr lang="en-SG" dirty="0" smtClean="0"/>
-              <a:t>UUID</a:t>
-            </a:r>
-            <a:r>
-              <a:rPr lang="en-SG" dirty="0"/>
-              <a:t>, </a:t>
-            </a:r>
-            <a:r>
-              <a:rPr lang="en-SG" dirty="0" smtClean="0"/>
-              <a:t>Attribute, GAP</a:t>
-            </a:r>
-            <a:r>
-              <a:rPr lang="en-SG" dirty="0"/>
-              <a:t>, GATT, S</a:t>
-            </a:r>
-            <a:r>
-              <a:rPr lang="en-SG" dirty="0" smtClean="0"/>
-              <a:t>ervice, Characteristic, Descriptor</a:t>
+              <a:rPr lang="en-SG" dirty="0"/>
+              <a:t>UUID, Attribute, GAP, GATT, Service, Characteristic, Descriptor</a:t>
             </a:r>
           </a:p>
           <a:p>
@@ -3926,7 +3900,7 @@
               <a:buAutoNum type="alphaLcPeriod"/>
             </a:pPr>
             <a:r>
-              <a:rPr lang="en-SG" dirty="0" smtClean="0"/>
+              <a:rPr lang="en-SG" dirty="0"/>
               <a:t>BLE connection procedure</a:t>
             </a:r>
           </a:p>
@@ -3936,7 +3910,7 @@
               <a:buAutoNum type="arabicParenR"/>
             </a:pPr>
             <a:r>
-              <a:rPr lang="en-SG" b="1" dirty="0" smtClean="0"/>
+              <a:rPr lang="en-SG" b="1" dirty="0"/>
               <a:t>Peripheral hardware design and software planning </a:t>
             </a:r>
           </a:p>
@@ -3946,7 +3920,7 @@
               <a:buAutoNum type="alphaLcPeriod"/>
             </a:pPr>
             <a:r>
-              <a:rPr lang="en-SG" dirty="0" smtClean="0"/>
+              <a:rPr lang="en-SG" dirty="0"/>
               <a:t>Functional requirements</a:t>
             </a:r>
           </a:p>
@@ -3956,7 +3930,7 @@
               <a:buAutoNum type="alphaLcPeriod"/>
             </a:pPr>
             <a:r>
-              <a:rPr lang="en-SG" dirty="0" smtClean="0"/>
+              <a:rPr lang="en-SG" dirty="0"/>
               <a:t>Hardware setup</a:t>
             </a:r>
           </a:p>
@@ -3966,7 +3940,7 @@
               <a:buAutoNum type="alphaLcPeriod"/>
             </a:pPr>
             <a:r>
-              <a:rPr lang="en-SG" dirty="0" smtClean="0"/>
+              <a:rPr lang="en-SG" dirty="0"/>
               <a:t>Peripheral architecture plan</a:t>
             </a:r>
           </a:p>
@@ -3976,7 +3950,7 @@
               <a:buAutoNum type="arabicParenR"/>
             </a:pPr>
             <a:r>
-              <a:rPr lang="en-SG" b="1" dirty="0" smtClean="0"/>
+              <a:rPr lang="en-SG" b="1" dirty="0"/>
               <a:t>Execution</a:t>
             </a:r>
           </a:p>
@@ -3986,7 +3960,7 @@
               <a:buAutoNum type="alphaLcPeriod"/>
             </a:pPr>
             <a:r>
-              <a:rPr lang="en-SG" dirty="0" smtClean="0"/>
+              <a:rPr lang="en-SG" dirty="0"/>
               <a:t>Arduino (C)</a:t>
             </a:r>
           </a:p>
@@ -3996,10 +3970,9 @@
               <a:buAutoNum type="alphaLcPeriod"/>
             </a:pPr>
             <a:r>
-              <a:rPr lang="en-SG" dirty="0" smtClean="0"/>
+              <a:rPr lang="en-SG" dirty="0"/>
               <a:t>Central architecture plan (iOS and Android)</a:t>
             </a:r>
-            <a:endParaRPr lang="en-SG" dirty="0"/>
           </a:p>
           <a:p>
             <a:pPr marL="971550" lvl="1" indent="-514350">
@@ -4007,7 +3980,7 @@
               <a:buAutoNum type="alphaLcPeriod"/>
             </a:pPr>
             <a:r>
-              <a:rPr lang="en-SG" dirty="0" smtClean="0"/>
+              <a:rPr lang="en-SG" dirty="0"/>
               <a:t>iOS (Swift)</a:t>
             </a:r>
           </a:p>
@@ -4017,7 +3990,7 @@
               <a:buAutoNum type="alphaLcPeriod"/>
             </a:pPr>
             <a:r>
-              <a:rPr lang="en-SG" dirty="0" smtClean="0"/>
+              <a:rPr lang="en-SG" dirty="0"/>
               <a:t>Raspberry Pi (JavaScript)</a:t>
             </a:r>
           </a:p>
@@ -4027,7 +4000,7 @@
               <a:buAutoNum type="alphaLcPeriod"/>
             </a:pPr>
             <a:r>
-              <a:rPr lang="en-SG" dirty="0" smtClean="0"/>
+              <a:rPr lang="en-SG" dirty="0"/>
               <a:t>Android (Java)</a:t>
             </a:r>
           </a:p>
@@ -4037,7 +4010,7 @@
               <a:buAutoNum type="arabicParenR"/>
             </a:pPr>
             <a:r>
-              <a:rPr lang="en-SG" b="1" dirty="0" smtClean="0"/>
+              <a:rPr lang="en-SG" b="1" dirty="0"/>
               <a:t>Issues and tips</a:t>
             </a:r>
           </a:p>
@@ -4047,7 +4020,7 @@
               <a:buAutoNum type="alphaLcPeriod"/>
             </a:pPr>
             <a:r>
-              <a:rPr lang="en-SG" dirty="0" smtClean="0"/>
+              <a:rPr lang="en-SG" dirty="0"/>
               <a:t>General issues</a:t>
             </a:r>
           </a:p>
@@ -4057,7 +4030,7 @@
               <a:buAutoNum type="alphaLcPeriod"/>
             </a:pPr>
             <a:r>
-              <a:rPr lang="en-SG" dirty="0" smtClean="0"/>
+              <a:rPr lang="en-SG" dirty="0"/>
               <a:t>iOS</a:t>
             </a:r>
           </a:p>
@@ -4067,7 +4040,7 @@
               <a:buAutoNum type="alphaLcPeriod"/>
             </a:pPr>
             <a:r>
-              <a:rPr lang="en-SG" dirty="0" smtClean="0"/>
+              <a:rPr lang="en-SG" dirty="0"/>
               <a:t>Android (past, today, production app tips)</a:t>
             </a:r>
           </a:p>
@@ -4077,7 +4050,7 @@
               <a:buAutoNum type="arabicParenR"/>
             </a:pPr>
             <a:r>
-              <a:rPr lang="en-SG" b="1" dirty="0" smtClean="0"/>
+              <a:rPr lang="en-SG" b="1" dirty="0"/>
               <a:t>BLE layer model and packet concepts</a:t>
             </a:r>
           </a:p>
@@ -4087,7 +4060,7 @@
               <a:buAutoNum type="arabicParenR"/>
             </a:pPr>
             <a:r>
-              <a:rPr lang="en-SG" b="1" dirty="0" smtClean="0"/>
+              <a:rPr lang="en-SG" b="1" dirty="0"/>
               <a:t>BLE Sniffer</a:t>
             </a:r>
           </a:p>
@@ -4097,7 +4070,7 @@
               <a:buAutoNum type="arabicParenR"/>
             </a:pPr>
             <a:r>
-              <a:rPr lang="en-SG" b="1" dirty="0" smtClean="0"/>
+              <a:rPr lang="en-SG" b="1" dirty="0"/>
               <a:t>Further reading</a:t>
             </a:r>
           </a:p>
@@ -4107,7 +4080,7 @@
               <a:buAutoNum type="arabicParenR"/>
             </a:pPr>
             <a:r>
-              <a:rPr lang="en-SG" b="1" dirty="0" smtClean="0"/>
+              <a:rPr lang="en-SG" b="1" dirty="0"/>
               <a:t>Extra questions</a:t>
             </a:r>
           </a:p>
@@ -4136,10 +4109,9 @@
           <a:lstStyle/>
           <a:p>
             <a:r>
-              <a:rPr lang="en-SG" dirty="0" smtClean="0"/>
+              <a:rPr lang="en-SG" dirty="0"/>
               <a:t>* Exact definitions are not used to aid ease of explanation</a:t>
             </a:r>
-            <a:endParaRPr lang="en-SG" dirty="0"/>
           </a:p>
         </p:txBody>
       </p:sp>
@@ -4219,10 +4191,9 @@
           <a:lstStyle/>
           <a:p>
             <a:r>
-              <a:rPr lang="en-SG" dirty="0" smtClean="0"/>
+              <a:rPr lang="en-SG" dirty="0"/>
               <a:t>1a. Device Role 1: Broadcaster vs Observer</a:t>
             </a:r>
-            <a:endParaRPr lang="en-SG" dirty="0"/>
           </a:p>
         </p:txBody>
       </p:sp>
@@ -4269,10 +4240,10 @@
           <a:p>
             <a:pPr algn="ctr"/>
             <a:r>
-              <a:rPr lang="en-SG" sz="2800" dirty="0" smtClean="0"/>
+              <a:rPr lang="en-SG" sz="2800" dirty="0"/>
               <a:t>Observer 1</a:t>
             </a:r>
-            <a:endParaRPr lang="en-SG" dirty="0" smtClean="0"/>
+            <a:endParaRPr lang="en-SG" dirty="0"/>
           </a:p>
         </p:txBody>
       </p:sp>
@@ -4319,7 +4290,7 @@
           <a:p>
             <a:pPr algn="ctr"/>
             <a:r>
-              <a:rPr lang="en-SG" sz="2800" smtClean="0"/>
+              <a:rPr lang="en-SG" sz="2800"/>
               <a:t>Broadcaster 1</a:t>
             </a:r>
             <a:endParaRPr lang="en-SG" dirty="0"/>
@@ -4385,7 +4356,7 @@
           <a:lstStyle/>
           <a:p>
             <a:r>
-              <a:rPr lang="en-SG" sz="1600" u="sng" dirty="0" smtClean="0"/>
+              <a:rPr lang="en-SG" sz="1600" u="sng" dirty="0"/>
               <a:t>Advertises</a:t>
             </a:r>
             <a:endParaRPr lang="en-SG" u="sng" dirty="0"/>
@@ -4439,13 +4410,8 @@
           <a:p>
             <a:r>
               <a:rPr lang="en-SG" u="sng" dirty="0"/>
-              <a:t>a</a:t>
-            </a:r>
-            <a:r>
-              <a:rPr lang="en-SG" u="sng" dirty="0" smtClean="0"/>
-              <a:t>ka Beacon-mode</a:t>
-            </a:r>
-            <a:endParaRPr lang="en-SG" u="sng" dirty="0"/>
+              <a:t>aka Beacon-mode</a:t>
+            </a:r>
           </a:p>
         </p:txBody>
       </p:sp>
@@ -4472,10 +4438,9 @@
           <a:lstStyle/>
           <a:p>
             <a:r>
-              <a:rPr lang="en-SG" dirty="0" smtClean="0"/>
+              <a:rPr lang="en-SG" dirty="0"/>
               <a:t>One-way advertisement information transfer from broadcaster to observer(s)</a:t>
             </a:r>
-            <a:endParaRPr lang="en-SG" dirty="0"/>
           </a:p>
         </p:txBody>
       </p:sp>
@@ -4522,10 +4487,10 @@
           <a:p>
             <a:pPr algn="ctr"/>
             <a:r>
-              <a:rPr lang="en-SG" sz="2800" dirty="0" smtClean="0"/>
+              <a:rPr lang="en-SG" sz="2800" dirty="0"/>
               <a:t>Observer 2</a:t>
             </a:r>
-            <a:endParaRPr lang="en-SG" dirty="0" smtClean="0"/>
+            <a:endParaRPr lang="en-SG" dirty="0"/>
           </a:p>
         </p:txBody>
       </p:sp>
@@ -4572,7 +4537,7 @@
           <a:p>
             <a:pPr algn="ctr"/>
             <a:r>
-              <a:rPr lang="en-SG" sz="2800" dirty="0" smtClean="0"/>
+              <a:rPr lang="en-SG" sz="2800" dirty="0"/>
               <a:t>Observer 3</a:t>
             </a:r>
           </a:p>
@@ -4693,7 +4658,7 @@
           <a:p>
             <a:pPr algn="ctr"/>
             <a:r>
-              <a:rPr lang="en-SG" sz="2800" dirty="0" smtClean="0"/>
+              <a:rPr lang="en-SG" sz="2800" dirty="0"/>
               <a:t>Broadcaster 2</a:t>
             </a:r>
             <a:endParaRPr lang="en-SG" dirty="0"/>
@@ -5317,10 +5282,9 @@
           <a:lstStyle/>
           <a:p>
             <a:r>
-              <a:rPr lang="en-SG" dirty="0" smtClean="0"/>
+              <a:rPr lang="en-SG" dirty="0"/>
               <a:t>1b. Device Role 2: Central vs Peripheral</a:t>
             </a:r>
-            <a:endParaRPr lang="en-SG" dirty="0"/>
           </a:p>
         </p:txBody>
       </p:sp>
@@ -5360,10 +5324,10 @@
           <a:p>
             <a:pPr algn="ctr"/>
             <a:r>
-              <a:rPr lang="en-SG" sz="2800" dirty="0" smtClean="0"/>
+              <a:rPr lang="en-SG" sz="2800" dirty="0"/>
               <a:t>Central</a:t>
             </a:r>
-            <a:endParaRPr lang="en-SG" dirty="0" smtClean="0"/>
+            <a:endParaRPr lang="en-SG" dirty="0"/>
           </a:p>
         </p:txBody>
       </p:sp>
@@ -5403,7 +5367,7 @@
           <a:p>
             <a:pPr algn="ctr"/>
             <a:r>
-              <a:rPr lang="en-SG" sz="2800" dirty="0" smtClean="0"/>
+              <a:rPr lang="en-SG" sz="2800" dirty="0"/>
               <a:t>Peripheral</a:t>
             </a:r>
             <a:endParaRPr lang="en-SG" dirty="0"/>
@@ -5469,7 +5433,7 @@
           <a:lstStyle/>
           <a:p>
             <a:r>
-              <a:rPr lang="en-SG" sz="1600" dirty="0" smtClean="0"/>
+              <a:rPr lang="en-SG" sz="1600" dirty="0"/>
               <a:t>Advertises</a:t>
             </a:r>
             <a:endParaRPr lang="en-SG" dirty="0"/>
@@ -5539,10 +5503,9 @@
           <a:lstStyle/>
           <a:p>
             <a:r>
-              <a:rPr lang="en-SG" sz="2000" b="1" dirty="0" smtClean="0"/>
+              <a:rPr lang="en-SG" sz="2000" b="1" dirty="0"/>
               <a:t>Connects to</a:t>
             </a:r>
-            <a:endParaRPr lang="en-SG" sz="2000" b="1" dirty="0"/>
           </a:p>
         </p:txBody>
       </p:sp>
@@ -5574,14 +5537,14 @@
                 <a:gridCol w="3368099">
                   <a:extLst>
                     <a:ext uri="{9D8B030D-6E8A-4147-A177-3AD203B41FA5}">
-                      <a16:colId xmlns="" xmlns:a16="http://schemas.microsoft.com/office/drawing/2014/main" val="20000"/>
+                      <a16:colId xmlns:a16="http://schemas.microsoft.com/office/drawing/2014/main" val="20000"/>
                     </a:ext>
                   </a:extLst>
                 </a:gridCol>
                 <a:gridCol w="5174322">
                   <a:extLst>
                     <a:ext uri="{9D8B030D-6E8A-4147-A177-3AD203B41FA5}">
-                      <a16:colId xmlns="" xmlns:a16="http://schemas.microsoft.com/office/drawing/2014/main" val="20001"/>
+                      <a16:colId xmlns:a16="http://schemas.microsoft.com/office/drawing/2014/main" val="20001"/>
                     </a:ext>
                   </a:extLst>
                 </a:gridCol>
@@ -5593,10 +5556,9 @@
                     <a:lstStyle/>
                     <a:p>
                       <a:r>
-                        <a:rPr lang="en-SG" dirty="0" smtClean="0"/>
+                        <a:rPr lang="en-SG" dirty="0"/>
                         <a:t>Platform</a:t>
                       </a:r>
-                      <a:endParaRPr lang="en-SG" dirty="0"/>
                     </a:p>
                   </a:txBody>
                   <a:tcPr/>
@@ -5607,11 +5569,11 @@
                     <a:lstStyle/>
                     <a:p>
                       <a:r>
-                        <a:rPr lang="en-SG" dirty="0" smtClean="0"/>
+                        <a:rPr lang="en-SG" dirty="0"/>
                         <a:t>Terms they prefer (generally mean </a:t>
                       </a:r>
                       <a:r>
-                        <a:rPr lang="en-SG" baseline="0" dirty="0" smtClean="0"/>
+                        <a:rPr lang="en-SG" baseline="0" dirty="0"/>
                         <a:t>the same thing)</a:t>
                       </a:r>
                       <a:endParaRPr lang="en-SG" dirty="0"/>
@@ -5621,7 +5583,7 @@
                 </a:tc>
                 <a:extLst>
                   <a:ext uri="{0D108BD9-81ED-4DB2-BD59-A6C34878D82A}">
-                    <a16:rowId xmlns="" xmlns:a16="http://schemas.microsoft.com/office/drawing/2014/main" val="10000"/>
+                    <a16:rowId xmlns:a16="http://schemas.microsoft.com/office/drawing/2014/main" val="10000"/>
                   </a:ext>
                 </a:extLst>
               </a:tr>
@@ -5632,10 +5594,9 @@
                     <a:lstStyle/>
                     <a:p>
                       <a:r>
-                        <a:rPr lang="en-SG" dirty="0" smtClean="0"/>
+                        <a:rPr lang="en-SG" dirty="0"/>
                         <a:t>iOS</a:t>
                       </a:r>
-                      <a:endParaRPr lang="en-SG" dirty="0"/>
                     </a:p>
                   </a:txBody>
                   <a:tcPr/>
@@ -5646,17 +5607,16 @@
                     <a:lstStyle/>
                     <a:p>
                       <a:r>
-                        <a:rPr lang="en-SG" dirty="0" smtClean="0"/>
+                        <a:rPr lang="en-SG" dirty="0"/>
                         <a:t>Central/Peripheral</a:t>
                       </a:r>
-                      <a:endParaRPr lang="en-SG" dirty="0"/>
                     </a:p>
                   </a:txBody>
                   <a:tcPr/>
                 </a:tc>
                 <a:extLst>
                   <a:ext uri="{0D108BD9-81ED-4DB2-BD59-A6C34878D82A}">
-                    <a16:rowId xmlns="" xmlns:a16="http://schemas.microsoft.com/office/drawing/2014/main" val="10001"/>
+                    <a16:rowId xmlns:a16="http://schemas.microsoft.com/office/drawing/2014/main" val="10001"/>
                   </a:ext>
                 </a:extLst>
               </a:tr>
@@ -5667,10 +5627,9 @@
                     <a:lstStyle/>
                     <a:p>
                       <a:r>
-                        <a:rPr lang="en-SG" dirty="0" smtClean="0"/>
+                        <a:rPr lang="en-SG" dirty="0"/>
                         <a:t>Android</a:t>
                       </a:r>
-                      <a:endParaRPr lang="en-SG" dirty="0"/>
                     </a:p>
                   </a:txBody>
                   <a:tcPr/>
@@ -5681,17 +5640,16 @@
                     <a:lstStyle/>
                     <a:p>
                       <a:r>
-                        <a:rPr lang="en-SG" dirty="0" smtClean="0"/>
+                        <a:rPr lang="en-SG" dirty="0"/>
                         <a:t>Client/Server</a:t>
                       </a:r>
-                      <a:endParaRPr lang="en-SG" dirty="0"/>
                     </a:p>
                   </a:txBody>
                   <a:tcPr/>
                 </a:tc>
                 <a:extLst>
                   <a:ext uri="{0D108BD9-81ED-4DB2-BD59-A6C34878D82A}">
-                    <a16:rowId xmlns="" xmlns:a16="http://schemas.microsoft.com/office/drawing/2014/main" val="10002"/>
+                    <a16:rowId xmlns:a16="http://schemas.microsoft.com/office/drawing/2014/main" val="10002"/>
                   </a:ext>
                 </a:extLst>
               </a:tr>
@@ -5702,10 +5660,9 @@
                     <a:lstStyle/>
                     <a:p>
                       <a:r>
-                        <a:rPr lang="en-SG" dirty="0" smtClean="0"/>
+                        <a:rPr lang="en-SG" dirty="0"/>
                         <a:t>Chipset manufacturers</a:t>
                       </a:r>
-                      <a:endParaRPr lang="en-SG" dirty="0"/>
                     </a:p>
                   </a:txBody>
                   <a:tcPr/>
@@ -5716,17 +5673,16 @@
                     <a:lstStyle/>
                     <a:p>
                       <a:r>
-                        <a:rPr lang="en-SG" dirty="0" smtClean="0"/>
+                        <a:rPr lang="en-SG" dirty="0"/>
                         <a:t>Master/Slave</a:t>
                       </a:r>
-                      <a:endParaRPr lang="en-SG" dirty="0"/>
                     </a:p>
                   </a:txBody>
                   <a:tcPr/>
                 </a:tc>
                 <a:extLst>
                   <a:ext uri="{0D108BD9-81ED-4DB2-BD59-A6C34878D82A}">
-                    <a16:rowId xmlns="" xmlns:a16="http://schemas.microsoft.com/office/drawing/2014/main" val="10003"/>
+                    <a16:rowId xmlns:a16="http://schemas.microsoft.com/office/drawing/2014/main" val="10003"/>
                   </a:ext>
                 </a:extLst>
               </a:tr>
@@ -5808,12 +5764,8 @@
           <a:lstStyle/>
           <a:p>
             <a:r>
-              <a:rPr lang="en-SG" dirty="0" smtClean="0"/>
-              <a:t>1b. Device Role 2: Central </a:t>
-            </a:r>
-            <a:r>
-              <a:rPr lang="en-SG" dirty="0"/>
-              <a:t>vs Peripheral</a:t>
+              <a:rPr lang="en-SG" dirty="0"/>
+              <a:t>1b. Device Role 2: Central vs Peripheral</a:t>
             </a:r>
           </a:p>
         </p:txBody>
@@ -5901,32 +5853,31 @@
           <a:lstStyle/>
           <a:p>
             <a:r>
-              <a:rPr lang="en-SG" dirty="0" smtClean="0"/>
+              <a:rPr lang="en-SG" dirty="0"/>
               <a:t>Central can connect to </a:t>
             </a:r>
             <a:r>
-              <a:rPr lang="en-SG" b="1" dirty="0" smtClean="0"/>
+              <a:rPr lang="en-SG" b="1" dirty="0"/>
               <a:t>many peripherals </a:t>
             </a:r>
             <a:r>
-              <a:rPr lang="en-SG" dirty="0" smtClean="0"/>
+              <a:rPr lang="en-SG" dirty="0"/>
               <a:t>at the same time</a:t>
             </a:r>
           </a:p>
           <a:p>
             <a:r>
-              <a:rPr lang="en-SG" dirty="0" smtClean="0"/>
+              <a:rPr lang="en-SG" dirty="0"/>
               <a:t>Peripheral can connect to </a:t>
             </a:r>
             <a:r>
-              <a:rPr lang="en-SG" b="1" dirty="0" smtClean="0"/>
+              <a:rPr lang="en-SG" b="1" dirty="0"/>
               <a:t>only one central </a:t>
             </a:r>
             <a:r>
-              <a:rPr lang="en-SG" dirty="0" smtClean="0"/>
+              <a:rPr lang="en-SG" dirty="0"/>
               <a:t>at any one time.</a:t>
             </a:r>
-            <a:endParaRPr lang="en-SG" dirty="0"/>
           </a:p>
         </p:txBody>
       </p:sp>
@@ -6004,10 +5955,9 @@
           <a:lstStyle/>
           <a:p>
             <a:r>
-              <a:rPr lang="en-SG" dirty="0" smtClean="0"/>
+              <a:rPr lang="en-SG" dirty="0"/>
               <a:t>1c. OS/Device Compatibility</a:t>
             </a:r>
-            <a:endParaRPr lang="en-SG" dirty="0"/>
           </a:p>
         </p:txBody>
       </p:sp>
@@ -6039,14 +5989,14 @@
                 <a:gridCol w="4184649">
                   <a:extLst>
                     <a:ext uri="{9D8B030D-6E8A-4147-A177-3AD203B41FA5}">
-                      <a16:colId xmlns="" xmlns:a16="http://schemas.microsoft.com/office/drawing/2014/main" val="20000"/>
+                      <a16:colId xmlns:a16="http://schemas.microsoft.com/office/drawing/2014/main" val="20000"/>
                     </a:ext>
                   </a:extLst>
                 </a:gridCol>
                 <a:gridCol w="4184649">
                   <a:extLst>
                     <a:ext uri="{9D8B030D-6E8A-4147-A177-3AD203B41FA5}">
-                      <a16:colId xmlns="" xmlns:a16="http://schemas.microsoft.com/office/drawing/2014/main" val="20001"/>
+                      <a16:colId xmlns:a16="http://schemas.microsoft.com/office/drawing/2014/main" val="20001"/>
                     </a:ext>
                   </a:extLst>
                 </a:gridCol>
@@ -6059,10 +6009,9 @@
                     <a:p>
                       <a:pPr algn="ctr"/>
                       <a:r>
-                        <a:rPr lang="en-SG" sz="2800" dirty="0" smtClean="0"/>
+                        <a:rPr lang="en-SG" sz="2800" dirty="0"/>
                         <a:t>Observer/Central</a:t>
                       </a:r>
-                      <a:endParaRPr lang="en-SG" sz="2800" dirty="0"/>
                     </a:p>
                   </a:txBody>
                   <a:tcPr/>
@@ -6074,10 +6023,9 @@
                     <a:p>
                       <a:pPr algn="ctr"/>
                       <a:r>
-                        <a:rPr lang="en-SG" sz="2800" dirty="0" smtClean="0"/>
+                        <a:rPr lang="en-SG" sz="2800" dirty="0"/>
                         <a:t> Broadcaster/Peripheral</a:t>
                       </a:r>
-                      <a:endParaRPr lang="en-SG" sz="2800" dirty="0"/>
                     </a:p>
                   </a:txBody>
                   <a:tcPr>
@@ -6088,7 +6036,7 @@
                 </a:tc>
                 <a:extLst>
                   <a:ext uri="{0D108BD9-81ED-4DB2-BD59-A6C34878D82A}">
-                    <a16:rowId xmlns="" xmlns:a16="http://schemas.microsoft.com/office/drawing/2014/main" val="10000"/>
+                    <a16:rowId xmlns:a16="http://schemas.microsoft.com/office/drawing/2014/main" val="10000"/>
                   </a:ext>
                 </a:extLst>
               </a:tr>
@@ -6103,7 +6051,7 @@
                         <a:buAutoNum type="arabicPeriod"/>
                       </a:pPr>
                       <a:r>
-                        <a:rPr lang="en-SG" sz="2400" dirty="0" smtClean="0"/>
+                        <a:rPr lang="en-SG" sz="2400" dirty="0"/>
                         <a:t>iOS 5</a:t>
                       </a:r>
                     </a:p>
@@ -6113,7 +6061,7 @@
                         <a:buAutoNum type="arabicPeriod"/>
                       </a:pPr>
                       <a:r>
-                        <a:rPr lang="en-SG" sz="2400" dirty="0" smtClean="0"/>
+                        <a:rPr lang="en-SG" sz="2400" dirty="0"/>
                         <a:t>Windows 8</a:t>
                       </a:r>
                     </a:p>
@@ -6123,11 +6071,11 @@
                         <a:buAutoNum type="arabicPeriod"/>
                       </a:pPr>
                       <a:r>
-                        <a:rPr lang="en-SG" sz="2400" dirty="0" smtClean="0"/>
+                        <a:rPr lang="en-SG" sz="2400" dirty="0"/>
                         <a:t>Mac OS X</a:t>
                       </a:r>
                       <a:r>
-                        <a:rPr lang="en-SG" sz="2400" baseline="0" dirty="0" smtClean="0"/>
+                        <a:rPr lang="en-SG" sz="2400" baseline="0" dirty="0"/>
                         <a:t> 10.7 (Lion)</a:t>
                       </a:r>
                     </a:p>
@@ -6137,7 +6085,7 @@
                         <a:buAutoNum type="arabicPeriod"/>
                       </a:pPr>
                       <a:r>
-                        <a:rPr lang="en-SG" sz="2400" dirty="0" smtClean="0"/>
+                        <a:rPr lang="en-SG" sz="2400" dirty="0"/>
                         <a:t>Linux kernel 3.5</a:t>
                       </a:r>
                     </a:p>
@@ -6147,7 +6095,7 @@
                         <a:buChar char="•"/>
                       </a:pPr>
                       <a:r>
-                        <a:rPr lang="en-SG" sz="2400" dirty="0" err="1" smtClean="0">
+                        <a:rPr lang="en-SG" sz="2400" dirty="0" err="1">
                           <a:solidFill>
                             <a:schemeClr val="tx1"/>
                           </a:solidFill>
@@ -6155,14 +6103,14 @@
                         <a:t>Bluez</a:t>
                       </a:r>
                       <a:r>
-                        <a:rPr lang="en-SG" sz="2400" baseline="0" dirty="0" smtClean="0">
+                        <a:rPr lang="en-SG" sz="2400" baseline="0" dirty="0">
                           <a:solidFill>
                             <a:schemeClr val="tx1"/>
                           </a:solidFill>
                         </a:rPr>
                         <a:t> 5.0</a:t>
                       </a:r>
-                      <a:endParaRPr lang="en-SG" sz="2400" dirty="0" smtClean="0"/>
+                      <a:endParaRPr lang="en-SG" sz="2400" dirty="0"/>
                     </a:p>
                     <a:p>
                       <a:pPr marL="342900" indent="-342900">
@@ -6170,7 +6118,7 @@
                         <a:buAutoNum type="arabicPeriod"/>
                       </a:pPr>
                       <a:r>
-                        <a:rPr lang="en-SG" sz="2400" dirty="0" smtClean="0"/>
+                        <a:rPr lang="en-SG" sz="2400" dirty="0"/>
                         <a:t>Android 4.3 (Jelly Bean MR2)</a:t>
                       </a:r>
                     </a:p>
@@ -6180,7 +6128,7 @@
                         <a:buChar char="•"/>
                       </a:pPr>
                       <a:r>
-                        <a:rPr lang="en-SG" sz="2400" dirty="0" smtClean="0">
+                        <a:rPr lang="en-SG" sz="2400" dirty="0">
                           <a:solidFill>
                             <a:srgbClr val="FF0000"/>
                           </a:solidFill>
@@ -6188,7 +6136,7 @@
                         <a:t>X -</a:t>
                       </a:r>
                       <a:r>
-                        <a:rPr lang="en-SG" sz="2400" baseline="0" dirty="0" smtClean="0">
+                        <a:rPr lang="en-SG" sz="2400" baseline="0" dirty="0">
                           <a:solidFill>
                             <a:srgbClr val="FF0000"/>
                           </a:solidFill>
@@ -6196,7 +6144,7 @@
                         <a:t> </a:t>
                       </a:r>
                       <a:r>
-                        <a:rPr lang="en-SG" sz="2400" dirty="0" smtClean="0">
+                        <a:rPr lang="en-SG" sz="2400" dirty="0">
                           <a:solidFill>
                             <a:srgbClr val="FF0000"/>
                           </a:solidFill>
@@ -6210,7 +6158,7 @@
                         <a:buChar char="•"/>
                       </a:pPr>
                       <a:r>
-                        <a:rPr lang="en-SG" sz="2400" dirty="0" smtClean="0">
+                        <a:rPr lang="en-SG" sz="2400" dirty="0">
                           <a:solidFill>
                             <a:srgbClr val="FF0000"/>
                           </a:solidFill>
@@ -6224,14 +6172,14 @@
                         <a:buAutoNum type="arabicPeriod"/>
                       </a:pPr>
                       <a:r>
-                        <a:rPr lang="en-SG" sz="2400" dirty="0" smtClean="0"/>
+                        <a:rPr lang="en-SG" sz="2400" dirty="0"/>
                         <a:t>Hardware</a:t>
                       </a:r>
                       <a:r>
-                        <a:rPr lang="en-SG" sz="2400" baseline="0" dirty="0" smtClean="0"/>
+                        <a:rPr lang="en-SG" sz="2400" baseline="0" dirty="0"/>
                         <a:t> chipsets</a:t>
                       </a:r>
-                      <a:endParaRPr lang="en-SG" sz="2400" dirty="0" smtClean="0"/>
+                      <a:endParaRPr lang="en-SG" sz="2400" dirty="0"/>
                     </a:p>
                     <a:p>
                       <a:pPr marL="800100" lvl="1" indent="-342900">
@@ -6239,7 +6187,7 @@
                         <a:buChar char="•"/>
                       </a:pPr>
                       <a:r>
-                        <a:rPr lang="en-SG" sz="2400" baseline="0" dirty="0" smtClean="0">
+                        <a:rPr lang="en-SG" sz="2400" baseline="0" dirty="0">
                           <a:solidFill>
                             <a:schemeClr val="tx1"/>
                           </a:solidFill>
@@ -6253,7 +6201,7 @@
                         <a:buChar char="•"/>
                       </a:pPr>
                       <a:r>
-                        <a:rPr lang="en-SG" sz="2400" baseline="0" dirty="0" smtClean="0">
+                        <a:rPr lang="en-SG" sz="2400" baseline="0" dirty="0">
                           <a:solidFill>
                             <a:schemeClr val="tx1"/>
                           </a:solidFill>
@@ -6280,7 +6228,7 @@
                         <a:defRPr/>
                       </a:pPr>
                       <a:r>
-                        <a:rPr lang="en-SG" sz="2400" baseline="0" dirty="0" smtClean="0">
+                        <a:rPr lang="en-SG" sz="2400" baseline="0" dirty="0">
                           <a:solidFill>
                             <a:schemeClr val="tx1"/>
                           </a:solidFill>
@@ -6293,7 +6241,7 @@
                         <a:buFont typeface="Arial" panose="020B0604020202020204" pitchFamily="34" charset="0"/>
                         <a:buNone/>
                       </a:pPr>
-                      <a:endParaRPr lang="en-SG" sz="2400" dirty="0" smtClean="0">
+                      <a:endParaRPr lang="en-SG" sz="2400" dirty="0">
                         <a:solidFill>
                           <a:srgbClr val="FF0000"/>
                         </a:solidFill>
@@ -6314,7 +6262,7 @@
                         <a:buAutoNum type="arabicPeriod"/>
                       </a:pPr>
                       <a:r>
-                        <a:rPr lang="en-SG" sz="2400" dirty="0" smtClean="0"/>
+                        <a:rPr lang="en-SG" sz="2400" dirty="0"/>
                         <a:t>iOS 6</a:t>
                       </a:r>
                     </a:p>
@@ -6324,14 +6272,14 @@
                         <a:buAutoNum type="arabicPeriod"/>
                       </a:pPr>
                       <a:r>
-                        <a:rPr lang="en-SG" sz="2400" dirty="0" smtClean="0"/>
+                        <a:rPr lang="en-SG" sz="2400" dirty="0"/>
                         <a:t>Windows</a:t>
                       </a:r>
                       <a:r>
-                        <a:rPr lang="en-SG" sz="2400" baseline="0" dirty="0" smtClean="0"/>
+                        <a:rPr lang="en-SG" sz="2400" baseline="0" dirty="0"/>
                         <a:t> 10</a:t>
                       </a:r>
-                      <a:endParaRPr lang="en-SG" sz="2400" dirty="0" smtClean="0"/>
+                      <a:endParaRPr lang="en-SG" sz="2400" dirty="0"/>
                     </a:p>
                     <a:p>
                       <a:pPr marL="342900" indent="-342900">
@@ -6339,11 +6287,11 @@
                         <a:buAutoNum type="arabicPeriod"/>
                       </a:pPr>
                       <a:r>
-                        <a:rPr lang="en-SG" sz="2400" dirty="0" smtClean="0"/>
+                        <a:rPr lang="en-SG" sz="2400" dirty="0"/>
                         <a:t>Mac OS</a:t>
                       </a:r>
                       <a:r>
-                        <a:rPr lang="en-SG" sz="2400" baseline="0" dirty="0" smtClean="0"/>
+                        <a:rPr lang="en-SG" sz="2400" baseline="0" dirty="0"/>
                         <a:t> X 10.9 (Mavericks)</a:t>
                       </a:r>
                     </a:p>
@@ -6353,7 +6301,7 @@
                         <a:buAutoNum type="arabicPeriod"/>
                       </a:pPr>
                       <a:r>
-                        <a:rPr lang="en-SG" sz="2400" dirty="0" smtClean="0"/>
+                        <a:rPr lang="en-SG" sz="2400" dirty="0"/>
                         <a:t>Linux kernel 3.5</a:t>
                       </a:r>
                     </a:p>
@@ -6363,7 +6311,7 @@
                         <a:buChar char="•"/>
                       </a:pPr>
                       <a:r>
-                        <a:rPr lang="en-SG" sz="2400" dirty="0" err="1" smtClean="0">
+                        <a:rPr lang="en-SG" sz="2400" dirty="0" err="1">
                           <a:solidFill>
                             <a:schemeClr val="tx1"/>
                           </a:solidFill>
@@ -6371,14 +6319,14 @@
                         <a:t>Bluez</a:t>
                       </a:r>
                       <a:r>
-                        <a:rPr lang="en-SG" sz="2400" baseline="0" dirty="0" smtClean="0">
+                        <a:rPr lang="en-SG" sz="2400" baseline="0" dirty="0">
                           <a:solidFill>
                             <a:schemeClr val="tx1"/>
                           </a:solidFill>
                         </a:rPr>
                         <a:t> 5.0</a:t>
                       </a:r>
-                      <a:endParaRPr lang="en-SG" sz="2400" dirty="0" smtClean="0"/>
+                      <a:endParaRPr lang="en-SG" sz="2400" dirty="0"/>
                     </a:p>
                     <a:p>
                       <a:pPr marL="342900" indent="-342900">
@@ -6386,7 +6334,7 @@
                         <a:buAutoNum type="arabicPeriod"/>
                       </a:pPr>
                       <a:r>
-                        <a:rPr lang="en-SG" sz="2400" dirty="0" smtClean="0"/>
+                        <a:rPr lang="en-SG" sz="2400" dirty="0"/>
                         <a:t>Android 5.0 (Lollipop)</a:t>
                       </a:r>
                     </a:p>
@@ -6409,7 +6357,7 @@
                         <a:defRPr/>
                       </a:pPr>
                       <a:r>
-                        <a:rPr lang="en-SG" sz="2400" dirty="0" smtClean="0">
+                        <a:rPr lang="en-SG" sz="2400" dirty="0">
                           <a:solidFill>
                             <a:srgbClr val="FF0000"/>
                           </a:solidFill>
@@ -6417,7 +6365,7 @@
                         <a:t>X -</a:t>
                       </a:r>
                       <a:r>
-                        <a:rPr lang="en-SG" sz="2400" baseline="0" dirty="0" smtClean="0">
+                        <a:rPr lang="en-SG" sz="2400" baseline="0" dirty="0">
                           <a:solidFill>
                             <a:srgbClr val="FF0000"/>
                           </a:solidFill>
@@ -6425,7 +6373,7 @@
                         <a:t> </a:t>
                       </a:r>
                       <a:r>
-                        <a:rPr lang="en-SG" sz="2400" dirty="0" smtClean="0">
+                        <a:rPr lang="en-SG" sz="2400" dirty="0">
                           <a:solidFill>
                             <a:srgbClr val="FF0000"/>
                           </a:solidFill>
@@ -6433,14 +6381,14 @@
                         <a:t>Nexus</a:t>
                       </a:r>
                       <a:r>
-                        <a:rPr lang="en-SG" sz="2400" baseline="0" dirty="0" smtClean="0">
+                        <a:rPr lang="en-SG" sz="2400" baseline="0" dirty="0">
                           <a:solidFill>
                             <a:srgbClr val="FF0000"/>
                           </a:solidFill>
                         </a:rPr>
                         <a:t> 4, 5, 7 (2013)*</a:t>
                       </a:r>
-                      <a:endParaRPr lang="en-SG" sz="2400" dirty="0" smtClean="0">
+                      <a:endParaRPr lang="en-SG" sz="2400" dirty="0">
                         <a:solidFill>
                           <a:srgbClr val="FF0000"/>
                         </a:solidFill>
@@ -6452,7 +6400,7 @@
                         <a:buChar char="•"/>
                       </a:pPr>
                       <a:r>
-                        <a:rPr lang="en-SG" sz="1800" b="0" i="0" kern="1200" dirty="0" smtClean="0">
+                        <a:rPr lang="en-SG" sz="1800" b="0" i="0" kern="1200" dirty="0">
                           <a:solidFill>
                             <a:srgbClr val="00B050"/>
                           </a:solidFill>
@@ -6464,7 +6412,7 @@
                         <a:t>✔ </a:t>
                       </a:r>
                       <a:r>
-                        <a:rPr kumimoji="0" lang="en-SG" sz="2400" b="0" i="0" u="none" strike="noStrike" kern="1200" cap="none" spc="0" normalizeH="0" baseline="0" noProof="0" dirty="0" smtClean="0">
+                        <a:rPr kumimoji="0" lang="en-SG" sz="2400" b="0" i="0" u="none" strike="noStrike" kern="1200" cap="none" spc="0" normalizeH="0" baseline="0" noProof="0" dirty="0">
                           <a:ln>
                             <a:noFill/>
                           </a:ln>
@@ -6487,7 +6435,7 @@
                         <a:buAutoNum type="arabicPeriod"/>
                       </a:pPr>
                       <a:r>
-                        <a:rPr lang="en-SG" sz="2400" dirty="0" smtClean="0"/>
+                        <a:rPr lang="en-SG" sz="2400" dirty="0"/>
                         <a:t>Hardware chipsets</a:t>
                       </a:r>
                     </a:p>
@@ -6497,7 +6445,7 @@
                         <a:buChar char="•"/>
                       </a:pPr>
                       <a:r>
-                        <a:rPr lang="en-SG" sz="2400" baseline="0" dirty="0" smtClean="0">
+                        <a:rPr lang="en-SG" sz="2400" baseline="0" dirty="0">
                           <a:solidFill>
                             <a:schemeClr val="tx1"/>
                           </a:solidFill>
@@ -6511,7 +6459,7 @@
                         <a:buChar char="•"/>
                       </a:pPr>
                       <a:r>
-                        <a:rPr lang="en-SG" sz="2400" baseline="0" dirty="0" smtClean="0">
+                        <a:rPr lang="en-SG" sz="2400" baseline="0" dirty="0">
                           <a:solidFill>
                             <a:schemeClr val="tx1"/>
                           </a:solidFill>
@@ -6525,7 +6473,7 @@
                         <a:buChar char="•"/>
                       </a:pPr>
                       <a:r>
-                        <a:rPr lang="en-SG" sz="2400" baseline="0" dirty="0" smtClean="0">
+                        <a:rPr lang="en-SG" sz="2400" baseline="0" dirty="0">
                           <a:solidFill>
                             <a:schemeClr val="tx1"/>
                           </a:solidFill>
@@ -6539,14 +6487,14 @@
                         <a:buChar char="•"/>
                       </a:pPr>
                       <a:r>
-                        <a:rPr lang="en-SG" sz="2400" baseline="0" dirty="0" smtClean="0">
+                        <a:rPr lang="en-SG" sz="2400" baseline="0" dirty="0">
                           <a:solidFill>
                             <a:schemeClr val="tx1"/>
                           </a:solidFill>
                         </a:rPr>
                         <a:t>NRF8001</a:t>
                       </a:r>
-                      <a:endParaRPr kumimoji="0" lang="en-SG" sz="2400" b="0" i="0" u="none" strike="noStrike" kern="1200" cap="none" spc="0" normalizeH="0" baseline="0" noProof="0" dirty="0" smtClean="0">
+                      <a:endParaRPr kumimoji="0" lang="en-SG" sz="2400" b="0" i="0" u="none" strike="noStrike" kern="1200" cap="none" spc="0" normalizeH="0" baseline="0" noProof="0" dirty="0">
                         <a:ln>
                           <a:noFill/>
                         </a:ln>
@@ -6579,7 +6527,7 @@
                         <a:tabLst/>
                         <a:defRPr/>
                       </a:pPr>
-                      <a:endParaRPr kumimoji="0" lang="en-SG" sz="2400" b="0" i="0" u="none" strike="noStrike" kern="1200" cap="none" spc="0" normalizeH="0" baseline="0" noProof="0" dirty="0" smtClean="0">
+                      <a:endParaRPr kumimoji="0" lang="en-SG" sz="2400" b="0" i="0" u="none" strike="noStrike" kern="1200" cap="none" spc="0" normalizeH="0" baseline="0" noProof="0" dirty="0">
                         <a:ln>
                           <a:noFill/>
                         </a:ln>
@@ -6599,14 +6547,14 @@
                         <a:buFont typeface="+mj-lt"/>
                         <a:buAutoNum type="arabicPeriod"/>
                       </a:pPr>
-                      <a:endParaRPr lang="en-SG" sz="2400" dirty="0" smtClean="0"/>
+                      <a:endParaRPr lang="en-SG" sz="2400" dirty="0"/>
                     </a:p>
                     <a:p>
                       <a:pPr marL="342900" indent="-342900">
                         <a:buFont typeface="Arial" panose="020B0604020202020204" pitchFamily="34" charset="0"/>
                         <a:buChar char="•"/>
                       </a:pPr>
-                      <a:endParaRPr lang="en-SG" sz="2400" dirty="0" smtClean="0"/>
+                      <a:endParaRPr lang="en-SG" sz="2400" dirty="0"/>
                     </a:p>
                     <a:p>
                       <a:endParaRPr lang="en-SG" dirty="0"/>
@@ -6618,7 +6566,7 @@
                 </a:tc>
                 <a:extLst>
                   <a:ext uri="{0D108BD9-81ED-4DB2-BD59-A6C34878D82A}">
-                    <a16:rowId xmlns="" xmlns:a16="http://schemas.microsoft.com/office/drawing/2014/main" val="10001"/>
+                    <a16:rowId xmlns:a16="http://schemas.microsoft.com/office/drawing/2014/main" val="10001"/>
                   </a:ext>
                 </a:extLst>
               </a:tr>
@@ -6649,7 +6597,7 @@
           <a:lstStyle/>
           <a:p>
             <a:r>
-              <a:rPr lang="en-SG" dirty="0" smtClean="0">
+              <a:rPr lang="en-SG" dirty="0">
                 <a:solidFill>
                   <a:srgbClr val="FF0000"/>
                 </a:solidFill>
@@ -6659,18 +6607,13 @@
           </a:p>
           <a:p>
             <a:r>
-              <a:rPr lang="en-SG" dirty="0" smtClean="0">
+              <a:rPr lang="en-SG" dirty="0">
                 <a:solidFill>
                   <a:srgbClr val="FF0000"/>
                 </a:solidFill>
               </a:rPr>
               <a:t>, custom ROMs may enable these BLE features</a:t>
             </a:r>
-            <a:endParaRPr lang="en-SG" dirty="0">
-              <a:solidFill>
-                <a:srgbClr val="FF0000"/>
-              </a:solidFill>
-            </a:endParaRPr>
           </a:p>
         </p:txBody>
       </p:sp>
@@ -6743,10 +6686,9 @@
           <a:lstStyle/>
           <a:p>
             <a:r>
-              <a:rPr lang="en-SG" dirty="0" smtClean="0"/>
+              <a:rPr lang="en-SG" dirty="0"/>
               <a:t>1d. UUID, Attribute</a:t>
             </a:r>
-            <a:endParaRPr lang="en-SG" dirty="0"/>
           </a:p>
         </p:txBody>
       </p:sp>
@@ -6771,18 +6713,9 @@
           <a:lstStyle/>
           <a:p>
             <a:r>
-              <a:rPr lang="en-SG" dirty="0" smtClean="0"/>
-              <a:t>Universally </a:t>
-            </a:r>
-            <a:r>
-              <a:rPr lang="en-SG" dirty="0"/>
-              <a:t>Unique </a:t>
-            </a:r>
-            <a:r>
-              <a:rPr lang="en-SG" dirty="0" smtClean="0"/>
-              <a:t>Identifier (UUID)</a:t>
-            </a:r>
-            <a:endParaRPr lang="en-SG" dirty="0"/>
+              <a:rPr lang="en-SG" dirty="0"/>
+              <a:t>Universally Unique Identifier (UUID)</a:t>
+            </a:r>
           </a:p>
           <a:p>
             <a:pPr lvl="1"/>
@@ -6803,7 +6736,7 @@
               <a:t>“12345678-ABCD-EF90-1234-00805F9B34FB</a:t>
             </a:r>
             <a:r>
-              <a:rPr lang="en-SG" sz="2000" i="1" dirty="0" smtClean="0"/>
+              <a:rPr lang="en-SG" sz="2000" i="1" dirty="0"/>
               <a:t>”</a:t>
             </a:r>
             <a:endParaRPr lang="en-SG" sz="1800" i="1" dirty="0"/>
@@ -6812,31 +6745,22 @@
             <a:pPr lvl="1"/>
             <a:r>
               <a:rPr lang="en-SG" dirty="0"/>
-              <a:t>To ensure practical </a:t>
-            </a:r>
-            <a:r>
-              <a:rPr lang="en-SG" dirty="0" smtClean="0"/>
-              <a:t>uniqueness if randomised</a:t>
-            </a:r>
-            <a:endParaRPr lang="en-SG" dirty="0"/>
+              <a:t>To ensure practical uniqueness if randomised</a:t>
+            </a:r>
           </a:p>
           <a:p>
             <a:pPr lvl="1"/>
             <a:r>
-              <a:rPr lang="en-SG" dirty="0" smtClean="0"/>
+              <a:rPr lang="en-SG" dirty="0"/>
               <a:t>2</a:t>
             </a:r>
             <a:r>
-              <a:rPr lang="en-SG" baseline="30000" dirty="0" smtClean="0"/>
+              <a:rPr lang="en-SG" baseline="30000" dirty="0"/>
               <a:t>128</a:t>
             </a:r>
             <a:r>
-              <a:rPr lang="en-SG" dirty="0" smtClean="0"/>
-              <a:t> </a:t>
-            </a:r>
-            <a:r>
-              <a:rPr lang="en-SG" dirty="0"/>
-              <a:t>= 3.4 x 10</a:t>
+              <a:rPr lang="en-SG" dirty="0"/>
+              <a:t> = 3.4 x 10</a:t>
             </a:r>
             <a:r>
               <a:rPr lang="en-SG" baseline="30000" dirty="0"/>
@@ -6847,47 +6771,42 @@
             <a:pPr lvl="1"/>
             <a:r>
               <a:rPr lang="en-SG" dirty="0"/>
-              <a:t>16-bit for Bluetooth Special Interest Group (SIG) defined </a:t>
-            </a:r>
-            <a:r>
-              <a:rPr lang="en-SG" dirty="0" smtClean="0"/>
-              <a:t>services/characteristics/descriptors</a:t>
+              <a:t>16-bit for Bluetooth Special Interest Group (SIG) defined services/characteristics/descriptors</a:t>
             </a:r>
           </a:p>
           <a:p>
             <a:pPr lvl="2"/>
             <a:r>
-              <a:rPr lang="en-SG" dirty="0" smtClean="0"/>
+              <a:rPr lang="en-SG" dirty="0"/>
               <a:t>Combined inside Bluetooth Base UUID</a:t>
             </a:r>
           </a:p>
           <a:p>
             <a:pPr lvl="2"/>
             <a:r>
-              <a:rPr lang="en-SG" dirty="0" smtClean="0"/>
+              <a:rPr lang="en-SG" dirty="0"/>
               <a:t>0000xxxx-0000-1000-8000-00805F9B34FB </a:t>
             </a:r>
           </a:p>
           <a:p>
             <a:r>
-              <a:rPr lang="en-SG" dirty="0" smtClean="0"/>
+              <a:rPr lang="en-SG" dirty="0"/>
               <a:t>Attribute</a:t>
             </a:r>
           </a:p>
           <a:p>
             <a:pPr lvl="1"/>
             <a:r>
-              <a:rPr lang="en-SG" dirty="0" smtClean="0"/>
+              <a:rPr lang="en-SG" dirty="0"/>
               <a:t>Anything that has a UUID</a:t>
             </a:r>
           </a:p>
           <a:p>
             <a:pPr lvl="1"/>
             <a:r>
-              <a:rPr lang="en-SG" dirty="0" smtClean="0"/>
+              <a:rPr lang="en-SG" dirty="0"/>
               <a:t>Refers to Services, Characteristics and Descriptors</a:t>
             </a:r>
-            <a:endParaRPr lang="en-SG" dirty="0"/>
           </a:p>
           <a:p>
             <a:endParaRPr lang="en-SG" dirty="0"/>
@@ -7461,17 +7380,16 @@
           <a:lstStyle/>
           <a:p>
             <a:r>
-              <a:rPr lang="en-SG" dirty="0" smtClean="0"/>
+              <a:rPr lang="en-SG" dirty="0"/>
               <a:t>1d. GAP, GATT </a:t>
             </a:r>
             <a:br>
-              <a:rPr lang="en-SG" dirty="0" smtClean="0"/>
+              <a:rPr lang="en-SG" dirty="0"/>
             </a:br>
             <a:r>
-              <a:rPr lang="en-SG" dirty="0" smtClean="0"/>
+              <a:rPr lang="en-SG" dirty="0"/>
               <a:t>(defined by Peripheral)</a:t>
             </a:r>
-            <a:endParaRPr lang="en-SG" dirty="0"/>
           </a:p>
         </p:txBody>
       </p:sp>
@@ -7498,27 +7416,15 @@
           <a:lstStyle/>
           <a:p>
             <a:r>
-              <a:rPr lang="en-SG" dirty="0" smtClean="0"/>
-              <a:t>Generic </a:t>
-            </a:r>
-            <a:r>
-              <a:rPr lang="en-SG" dirty="0"/>
-              <a:t>Access </a:t>
-            </a:r>
-            <a:r>
-              <a:rPr lang="en-SG" dirty="0" smtClean="0"/>
-              <a:t>Profile (GAP) or Advertising</a:t>
+              <a:rPr lang="en-SG" dirty="0"/>
+              <a:t>Generic Access Profile (GAP) or Advertising</a:t>
             </a:r>
           </a:p>
           <a:p>
             <a:pPr lvl="1"/>
             <a:r>
-              <a:rPr lang="en-SG" dirty="0" smtClean="0"/>
-              <a:t>Information advertised to </a:t>
-            </a:r>
-            <a:r>
-              <a:rPr lang="en-SG" dirty="0"/>
-              <a:t>central before connection</a:t>
+              <a:rPr lang="en-SG" dirty="0"/>
+              <a:t>Information advertised to central before connection</a:t>
             </a:r>
           </a:p>
           <a:p>
@@ -7532,78 +7438,35 @@
             <a:pPr lvl="1"/>
             <a:r>
               <a:rPr lang="en-SG" dirty="0"/>
-              <a:t>Is it connectable</a:t>
-            </a:r>
-            <a:r>
-              <a:rPr lang="en-SG" dirty="0" smtClean="0"/>
-              <a:t>? </a:t>
-            </a:r>
-            <a:endParaRPr lang="en-SG" dirty="0"/>
+              <a:t>Is it connectable? </a:t>
+            </a:r>
           </a:p>
           <a:p>
             <a:pPr lvl="1"/>
             <a:r>
               <a:rPr lang="en-SG" dirty="0"/>
-              <a:t>Supported features (services</a:t>
-            </a:r>
-            <a:r>
-              <a:rPr lang="en-SG" dirty="0" smtClean="0"/>
-              <a:t>)</a:t>
-            </a:r>
-          </a:p>
-          <a:p>
-            <a:r>
-              <a:rPr lang="en-SG" dirty="0" smtClean="0"/>
-              <a:t>Generic </a:t>
-            </a:r>
-            <a:r>
-              <a:rPr lang="en-SG" dirty="0"/>
-              <a:t>Attribute </a:t>
-            </a:r>
-            <a:r>
-              <a:rPr lang="en-SG" dirty="0" smtClean="0"/>
-              <a:t>Profile (GATT)</a:t>
-            </a:r>
-            <a:endParaRPr lang="en-SG" dirty="0"/>
+              <a:t>Supported features (services)</a:t>
+            </a:r>
+          </a:p>
+          <a:p>
+            <a:r>
+              <a:rPr lang="en-SG" dirty="0"/>
+              <a:t>Generic Attribute Profile (GATT)</a:t>
+            </a:r>
           </a:p>
           <a:p>
             <a:pPr lvl="1"/>
             <a:r>
-              <a:rPr lang="en-SG" dirty="0" smtClean="0"/>
-              <a:t>How </a:t>
-            </a:r>
-            <a:r>
-              <a:rPr lang="en-SG" dirty="0"/>
-              <a:t>to exchange data once connected</a:t>
+              <a:rPr lang="en-SG" dirty="0"/>
+              <a:t>How to exchange data once connected</a:t>
             </a:r>
           </a:p>
           <a:p>
             <a:pPr lvl="1"/>
             <a:r>
               <a:rPr lang="en-SG" dirty="0"/>
-              <a:t>Identifies </a:t>
-            </a:r>
-            <a:r>
-              <a:rPr lang="en-SG" dirty="0" smtClean="0"/>
-              <a:t>Services</a:t>
-            </a:r>
-            <a:r>
-              <a:rPr lang="en-SG" dirty="0"/>
-              <a:t>, </a:t>
-            </a:r>
-            <a:r>
-              <a:rPr lang="en-SG" dirty="0" smtClean="0"/>
-              <a:t>Characteristics </a:t>
-            </a:r>
-            <a:r>
-              <a:rPr lang="en-SG" dirty="0"/>
-              <a:t>and D</a:t>
-            </a:r>
-            <a:r>
-              <a:rPr lang="en-SG" dirty="0" smtClean="0"/>
-              <a:t>escriptors</a:t>
-            </a:r>
-            <a:endParaRPr lang="en-SG" dirty="0"/>
+              <a:t>Identifies Services, Characteristics and Descriptors</a:t>
+            </a:r>
           </a:p>
         </p:txBody>
       </p:sp>
@@ -7630,10 +7493,9 @@
           <a:lstStyle/>
           <a:p>
             <a:r>
-              <a:rPr lang="en-SG" sz="1400" dirty="0" smtClean="0"/>
+              <a:rPr lang="en-SG" sz="1400" dirty="0"/>
               <a:t>*Both GAP and GATT are theoretical concepts, you don’t usually see those terms in coding APIs.</a:t>
             </a:r>
-            <a:endParaRPr lang="en-SG" sz="1400" dirty="0"/>
           </a:p>
         </p:txBody>
       </p:sp>
@@ -8123,17 +7985,16 @@
           <a:lstStyle/>
           <a:p>
             <a:r>
-              <a:rPr lang="en-SG" dirty="0" smtClean="0"/>
+              <a:rPr lang="en-SG" dirty="0"/>
               <a:t>1d. Service, characteristic, descriptor</a:t>
             </a:r>
             <a:br>
-              <a:rPr lang="en-SG" dirty="0" smtClean="0"/>
+              <a:rPr lang="en-SG" dirty="0"/>
             </a:br>
             <a:r>
-              <a:rPr lang="en-SG" sz="2800" dirty="0" smtClean="0"/>
+              <a:rPr lang="en-SG" sz="2800" dirty="0"/>
               <a:t>(All these are part of a peripheral’s GATT)</a:t>
             </a:r>
-            <a:endParaRPr lang="en-SG" sz="2800" dirty="0"/>
           </a:p>
         </p:txBody>
       </p:sp>
@@ -8160,200 +8021,187 @@
           <a:lstStyle/>
           <a:p>
             <a:r>
-              <a:rPr lang="en-SG" sz="1800" b="1" dirty="0" smtClean="0"/>
+              <a:rPr lang="en-SG" sz="1800" b="1" dirty="0"/>
               <a:t>Service</a:t>
             </a:r>
           </a:p>
           <a:p>
             <a:pPr lvl="1"/>
             <a:r>
-              <a:rPr lang="en-SG" sz="1800" dirty="0" smtClean="0"/>
+              <a:rPr lang="en-SG" sz="1800" dirty="0"/>
               <a:t>16-bit SIG services: Battery, Heart rate, Immediate Alert, </a:t>
             </a:r>
             <a:r>
-              <a:rPr lang="en-SG" sz="1800" dirty="0" err="1" smtClean="0"/>
+              <a:rPr lang="en-SG" sz="1800" dirty="0" err="1"/>
               <a:t>Tx</a:t>
             </a:r>
             <a:r>
-              <a:rPr lang="en-SG" sz="1800" dirty="0" smtClean="0"/>
+              <a:rPr lang="en-SG" sz="1800" dirty="0"/>
               <a:t> Power</a:t>
             </a:r>
           </a:p>
           <a:p>
             <a:pPr lvl="1"/>
             <a:r>
-              <a:rPr lang="en-SG" sz="1800" dirty="0" smtClean="0"/>
+              <a:rPr lang="en-SG" sz="1800" dirty="0"/>
               <a:t>128-bit UUID for custom services</a:t>
             </a:r>
           </a:p>
           <a:p>
             <a:pPr lvl="1"/>
             <a:r>
-              <a:rPr lang="en-SG" sz="1800" dirty="0" smtClean="0"/>
+              <a:rPr lang="en-SG" sz="1800" dirty="0"/>
               <a:t>Collection of characteristics</a:t>
             </a:r>
           </a:p>
           <a:p>
             <a:r>
-              <a:rPr lang="en-SG" sz="1800" b="1" dirty="0" smtClean="0"/>
+              <a:rPr lang="en-SG" sz="1800" b="1" dirty="0"/>
               <a:t>Characteristic</a:t>
             </a:r>
           </a:p>
           <a:p>
             <a:pPr lvl="1"/>
             <a:r>
-              <a:rPr lang="en-SG" sz="1800" dirty="0" smtClean="0"/>
+              <a:rPr lang="en-SG" sz="1800" dirty="0"/>
               <a:t>Holds a value: String, </a:t>
             </a:r>
             <a:r>
-              <a:rPr lang="en-SG" sz="1800" dirty="0" err="1" smtClean="0"/>
+              <a:rPr lang="en-SG" sz="1800" dirty="0" err="1"/>
               <a:t>Int</a:t>
             </a:r>
             <a:r>
-              <a:rPr lang="en-SG" sz="1800" dirty="0" smtClean="0"/>
+              <a:rPr lang="en-SG" sz="1800" dirty="0"/>
               <a:t>, Char….. </a:t>
             </a:r>
           </a:p>
           <a:p>
             <a:pPr lvl="1"/>
             <a:r>
-              <a:rPr lang="en-SG" sz="1800" dirty="0" smtClean="0"/>
+              <a:rPr lang="en-SG" sz="1800" dirty="0"/>
               <a:t>Can take on multiple properties:</a:t>
             </a:r>
           </a:p>
           <a:p>
             <a:pPr lvl="2"/>
             <a:r>
-              <a:rPr lang="en-SG" sz="1800" u="sng" dirty="0" smtClean="0"/>
+              <a:rPr lang="en-SG" sz="1800" u="sng" dirty="0"/>
               <a:t>Read</a:t>
             </a:r>
             <a:r>
-              <a:rPr lang="en-SG" sz="1800" dirty="0" smtClean="0"/>
+              <a:rPr lang="en-SG" sz="1800" dirty="0"/>
               <a:t>: Central can read this value directly</a:t>
             </a:r>
           </a:p>
           <a:p>
             <a:pPr lvl="2"/>
             <a:r>
-              <a:rPr lang="en-SG" sz="1800" u="sng" dirty="0" smtClean="0"/>
+              <a:rPr lang="en-SG" sz="1800" u="sng" dirty="0"/>
               <a:t>Write</a:t>
             </a:r>
             <a:r>
-              <a:rPr lang="en-SG" sz="1800" dirty="0" smtClean="0"/>
+              <a:rPr lang="en-SG" sz="1800" dirty="0"/>
               <a:t>: Central can write/change this value and be notified if executed successfully</a:t>
             </a:r>
           </a:p>
           <a:p>
             <a:pPr lvl="2"/>
             <a:r>
-              <a:rPr lang="en-SG" sz="1800" u="sng" dirty="0" err="1" smtClean="0"/>
+              <a:rPr lang="en-SG" sz="1800" u="sng" dirty="0" err="1"/>
               <a:t>WriteWithoutResponse</a:t>
             </a:r>
             <a:r>
-              <a:rPr lang="en-SG" sz="1800" dirty="0" smtClean="0"/>
+              <a:rPr lang="en-SG" sz="1800" dirty="0"/>
               <a:t>: Central just “fire and forget”</a:t>
             </a:r>
           </a:p>
           <a:p>
             <a:pPr lvl="2"/>
             <a:r>
-              <a:rPr lang="en-SG" sz="1800" u="sng" dirty="0" smtClean="0"/>
+              <a:rPr lang="en-SG" sz="1800" u="sng" dirty="0"/>
               <a:t>Notify</a:t>
             </a:r>
             <a:r>
-              <a:rPr lang="en-SG" sz="1800" dirty="0" smtClean="0"/>
+              <a:rPr lang="en-SG" sz="1800" dirty="0"/>
               <a:t>: Central gets alerted if the value has changed</a:t>
             </a:r>
           </a:p>
           <a:p>
             <a:pPr lvl="2"/>
             <a:r>
-              <a:rPr lang="en-SG" sz="1800" dirty="0" smtClean="0"/>
+              <a:rPr lang="en-SG" sz="1800" dirty="0"/>
               <a:t>Others: </a:t>
             </a:r>
             <a:r>
               <a:rPr lang="en-SG" sz="1800" u="sng" dirty="0"/>
-              <a:t>B</a:t>
-            </a:r>
-            <a:r>
-              <a:rPr lang="en-SG" sz="1800" u="sng" dirty="0" smtClean="0"/>
-              <a:t>roadcast, Indicate, </a:t>
-            </a:r>
-            <a:r>
-              <a:rPr lang="en-SG" sz="1800" u="sng" dirty="0" err="1" smtClean="0"/>
+              <a:t>Broadcast, Indicate, </a:t>
+            </a:r>
+            <a:r>
+              <a:rPr lang="en-SG" sz="1800" u="sng" dirty="0" err="1"/>
               <a:t>SignedWrite</a:t>
             </a:r>
             <a:r>
-              <a:rPr lang="en-SG" sz="1800" u="sng" dirty="0" smtClean="0"/>
+              <a:rPr lang="en-SG" sz="1800" u="sng" dirty="0"/>
               <a:t>, </a:t>
             </a:r>
             <a:r>
-              <a:rPr lang="en-SG" sz="1800" u="sng" dirty="0" err="1" smtClean="0"/>
+              <a:rPr lang="en-SG" sz="1800" u="sng" dirty="0" err="1"/>
               <a:t>QueuedWrite</a:t>
             </a:r>
             <a:r>
-              <a:rPr lang="en-SG" sz="1800" u="sng" dirty="0" smtClean="0"/>
+              <a:rPr lang="en-SG" sz="1800" u="sng" dirty="0"/>
               <a:t>, </a:t>
             </a:r>
             <a:r>
-              <a:rPr lang="en-SG" sz="1800" u="sng" dirty="0" err="1" smtClean="0"/>
+              <a:rPr lang="en-SG" sz="1800" u="sng" dirty="0" err="1"/>
               <a:t>WritableAuxiliaries</a:t>
             </a:r>
-            <a:endParaRPr lang="en-SG" sz="1800" u="sng" dirty="0" smtClean="0"/>
+            <a:endParaRPr lang="en-SG" sz="1800" u="sng" dirty="0"/>
           </a:p>
           <a:p>
             <a:pPr lvl="1"/>
             <a:r>
-              <a:rPr lang="en-SG" sz="1800" dirty="0" smtClean="0"/>
+              <a:rPr lang="en-SG" sz="1800" dirty="0"/>
               <a:t>Collection of optional descriptors</a:t>
             </a:r>
           </a:p>
           <a:p>
             <a:r>
-              <a:rPr lang="en-SG" sz="1800" b="1" dirty="0" smtClean="0"/>
+              <a:rPr lang="en-SG" sz="1800" b="1" dirty="0"/>
               <a:t>Descriptor: </a:t>
             </a:r>
             <a:r>
-              <a:rPr lang="en-SG" sz="1800" dirty="0" smtClean="0"/>
+              <a:rPr lang="en-SG" sz="1800" dirty="0"/>
               <a:t>usually optional</a:t>
             </a:r>
           </a:p>
           <a:p>
             <a:pPr lvl="1"/>
             <a:r>
-              <a:rPr lang="en-SG" sz="1800" dirty="0" smtClean="0"/>
+              <a:rPr lang="en-SG" sz="1800" dirty="0"/>
               <a:t>Holds a value</a:t>
             </a:r>
           </a:p>
           <a:p>
             <a:pPr lvl="1"/>
             <a:r>
-              <a:rPr lang="en-SG" sz="1800" dirty="0" smtClean="0"/>
+              <a:rPr lang="en-SG" sz="1800" dirty="0"/>
               <a:t>Used to describe a characteristic (meta-data)</a:t>
             </a:r>
           </a:p>
           <a:p>
             <a:pPr lvl="1"/>
             <a:r>
-              <a:rPr lang="en-SG" sz="1800" dirty="0" smtClean="0"/>
-              <a:t>Special case: Client </a:t>
-            </a:r>
-            <a:r>
               <a:rPr lang="en-SG" sz="1800" dirty="0"/>
-              <a:t>Characteristic Configuration Descriptor </a:t>
-            </a:r>
-            <a:r>
-              <a:rPr lang="en-SG" sz="1800" dirty="0" smtClean="0"/>
-              <a:t>(0x2902)</a:t>
+              <a:t>Special case: Client Characteristic Configuration Descriptor (0x2902)</a:t>
             </a:r>
           </a:p>
           <a:p>
             <a:pPr lvl="2"/>
             <a:r>
-              <a:rPr lang="en-SG" sz="1800" dirty="0" smtClean="0"/>
+              <a:rPr lang="en-SG" sz="1800" dirty="0"/>
               <a:t>Usually automatically created for characteristics with “notify” property</a:t>
             </a:r>
-            <a:endParaRPr lang="en-SG" sz="1800" dirty="0"/>
           </a:p>
         </p:txBody>
       </p:sp>
@@ -9289,12 +9137,8 @@
           <a:lstStyle/>
           <a:p>
             <a:r>
-              <a:rPr lang="en-SG" dirty="0" smtClean="0"/>
-              <a:t>1d. Service, </a:t>
-            </a:r>
-            <a:r>
-              <a:rPr lang="en-SG" dirty="0"/>
-              <a:t>characteristic, descriptor</a:t>
+              <a:rPr lang="en-SG" dirty="0"/>
+              <a:t>1d. Service, characteristic, descriptor</a:t>
             </a:r>
           </a:p>
         </p:txBody>
@@ -9343,18 +9187,13 @@
           <a:lstStyle/>
           <a:p>
             <a:r>
-              <a:rPr lang="en-SG" dirty="0" smtClean="0">
+              <a:rPr lang="en-SG" dirty="0">
                 <a:solidFill>
                   <a:schemeClr val="tx1"/>
                 </a:solidFill>
               </a:rPr>
               <a:t>GATT</a:t>
             </a:r>
-            <a:endParaRPr lang="en-SG" dirty="0">
-              <a:solidFill>
-                <a:schemeClr val="tx1"/>
-              </a:solidFill>
-            </a:endParaRPr>
           </a:p>
         </p:txBody>
       </p:sp>
@@ -9402,18 +9241,13 @@
           <a:lstStyle/>
           <a:p>
             <a:r>
-              <a:rPr lang="en-SG" dirty="0" smtClean="0">
+              <a:rPr lang="en-SG" dirty="0">
                 <a:solidFill>
                   <a:schemeClr val="tx1"/>
                 </a:solidFill>
               </a:rPr>
               <a:t>Service1</a:t>
             </a:r>
-            <a:endParaRPr lang="en-SG" dirty="0">
-              <a:solidFill>
-                <a:schemeClr val="tx1"/>
-              </a:solidFill>
-            </a:endParaRPr>
           </a:p>
         </p:txBody>
       </p:sp>
@@ -9461,18 +9295,13 @@
           <a:lstStyle/>
           <a:p>
             <a:r>
-              <a:rPr lang="en-SG" dirty="0" smtClean="0">
+              <a:rPr lang="en-SG" dirty="0">
                 <a:solidFill>
                   <a:schemeClr val="tx1"/>
                 </a:solidFill>
               </a:rPr>
               <a:t>Service2</a:t>
             </a:r>
-            <a:endParaRPr lang="en-SG" dirty="0">
-              <a:solidFill>
-                <a:schemeClr val="tx1"/>
-              </a:solidFill>
-            </a:endParaRPr>
           </a:p>
         </p:txBody>
       </p:sp>
@@ -9520,7 +9349,7 @@
           <a:lstStyle/>
           <a:p>
             <a:r>
-              <a:rPr lang="en-SG" dirty="0" smtClean="0">
+              <a:rPr lang="en-SG" dirty="0">
                 <a:solidFill>
                   <a:schemeClr val="tx1"/>
                 </a:solidFill>
@@ -9530,18 +9359,13 @@
           </a:p>
           <a:p>
             <a:r>
-              <a:rPr lang="en-SG" dirty="0" smtClean="0">
+              <a:rPr lang="en-SG" dirty="0">
                 <a:solidFill>
                   <a:schemeClr val="tx1"/>
                 </a:solidFill>
               </a:rPr>
               <a:t>Properties: Read, Notify</a:t>
             </a:r>
-            <a:endParaRPr lang="en-SG" dirty="0">
-              <a:solidFill>
-                <a:schemeClr val="tx1"/>
-              </a:solidFill>
-            </a:endParaRPr>
           </a:p>
         </p:txBody>
       </p:sp>
@@ -9589,7 +9413,7 @@
           <a:lstStyle/>
           <a:p>
             <a:r>
-              <a:rPr lang="en-SG" dirty="0" smtClean="0">
+              <a:rPr lang="en-SG" dirty="0">
                 <a:solidFill>
                   <a:schemeClr val="tx1"/>
                 </a:solidFill>
@@ -9604,21 +9428,8 @@
                   <a:schemeClr val="tx1"/>
                 </a:solidFill>
               </a:rPr>
-              <a:t>Properties: Read</a:t>
-            </a:r>
-            <a:r>
-              <a:rPr lang="en-SG" dirty="0" smtClean="0">
-                <a:solidFill>
-                  <a:schemeClr val="tx1"/>
-                </a:solidFill>
-              </a:rPr>
-              <a:t>, Write</a:t>
-            </a:r>
-            <a:endParaRPr lang="en-SG" dirty="0">
-              <a:solidFill>
-                <a:schemeClr val="tx1"/>
-              </a:solidFill>
-            </a:endParaRPr>
+              <a:t>Properties: Read, Write</a:t>
+            </a:r>
           </a:p>
         </p:txBody>
       </p:sp>
@@ -9657,10 +9468,9 @@
           <a:p>
             <a:pPr algn="ctr"/>
             <a:r>
-              <a:rPr lang="en-SG" dirty="0" smtClean="0"/>
+              <a:rPr lang="en-SG" dirty="0"/>
               <a:t>Descriptor1</a:t>
             </a:r>
-            <a:endParaRPr lang="en-SG" dirty="0"/>
           </a:p>
         </p:txBody>
       </p:sp>
@@ -9708,7 +9518,7 @@
           <a:lstStyle/>
           <a:p>
             <a:r>
-              <a:rPr lang="en-SG" dirty="0" smtClean="0">
+              <a:rPr lang="en-SG" dirty="0">
                 <a:solidFill>
                   <a:schemeClr val="tx1"/>
                 </a:solidFill>
@@ -9718,7 +9528,7 @@
           </a:p>
           <a:p>
             <a:r>
-              <a:rPr lang="en-SG" dirty="0" smtClean="0">
+              <a:rPr lang="en-SG" dirty="0">
                 <a:solidFill>
                   <a:schemeClr val="tx1"/>
                 </a:solidFill>
@@ -9726,7 +9536,7 @@
               <a:t>Properties: </a:t>
             </a:r>
             <a:r>
-              <a:rPr lang="en-SG" dirty="0" err="1" smtClean="0">
+              <a:rPr lang="en-SG" dirty="0" err="1">
                 <a:solidFill>
                   <a:schemeClr val="tx1"/>
                 </a:solidFill>
@@ -9776,10 +9586,9 @@
           <a:p>
             <a:pPr algn="ctr"/>
             <a:r>
-              <a:rPr lang="en-SG" dirty="0" smtClean="0"/>
+              <a:rPr lang="en-SG" dirty="0"/>
               <a:t>Descriptor1</a:t>
             </a:r>
-            <a:endParaRPr lang="en-SG" dirty="0"/>
           </a:p>
         </p:txBody>
       </p:sp>
@@ -9818,10 +9627,9 @@
           <a:p>
             <a:pPr algn="ctr"/>
             <a:r>
-              <a:rPr lang="en-SG" dirty="0" smtClean="0"/>
+              <a:rPr lang="en-SG" dirty="0"/>
               <a:t>Descriptor2</a:t>
             </a:r>
-            <a:endParaRPr lang="en-SG" dirty="0"/>
           </a:p>
         </p:txBody>
       </p:sp>
@@ -10348,10 +10156,10 @@
           <a:p>
             <a:pPr algn="ctr"/>
             <a:r>
-              <a:rPr lang="en-SG" smtClean="0"/>
+              <a:rPr lang="en-SG"/>
               <a:t>Observer</a:t>
             </a:r>
-            <a:endParaRPr lang="en-SG" dirty="0" smtClean="0"/>
+            <a:endParaRPr lang="en-SG" dirty="0"/>
           </a:p>
         </p:txBody>
       </p:sp>
@@ -10400,10 +10208,9 @@
           <a:p>
             <a:pPr algn="ctr"/>
             <a:r>
-              <a:rPr lang="en-SG" dirty="0" smtClean="0"/>
+              <a:rPr lang="en-SG" dirty="0"/>
               <a:t>Broadcaster</a:t>
             </a:r>
-            <a:endParaRPr lang="en-SG" dirty="0"/>
           </a:p>
         </p:txBody>
       </p:sp>
@@ -10430,10 +10237,9 @@
           <a:lstStyle/>
           <a:p>
             <a:r>
-              <a:rPr lang="en-SG" sz="3600" dirty="0" smtClean="0"/>
+              <a:rPr lang="en-SG" sz="3600" dirty="0"/>
               <a:t>1e. BLE connection procedure</a:t>
             </a:r>
-            <a:endParaRPr lang="en-SG" sz="3600" dirty="0"/>
           </a:p>
         </p:txBody>
       </p:sp>
@@ -10479,7 +10285,7 @@
           <a:p>
             <a:pPr algn="ctr"/>
             <a:r>
-              <a:rPr lang="en-SG" dirty="0" smtClean="0"/>
+              <a:rPr lang="en-SG" dirty="0"/>
               <a:t>Central</a:t>
             </a:r>
           </a:p>
@@ -10530,10 +10336,9 @@
           <a:p>
             <a:pPr algn="ctr"/>
             <a:r>
-              <a:rPr lang="en-SG" dirty="0" smtClean="0"/>
+              <a:rPr lang="en-SG" dirty="0"/>
               <a:t>Peripheral</a:t>
             </a:r>
-            <a:endParaRPr lang="en-SG" dirty="0"/>
           </a:p>
         </p:txBody>
       </p:sp>
@@ -10674,18 +10479,13 @@
           <a:lstStyle/>
           <a:p>
             <a:r>
-              <a:rPr lang="en-SG" dirty="0" smtClean="0">
+              <a:rPr lang="en-SG" dirty="0">
                 <a:solidFill>
                   <a:schemeClr val="accent2"/>
                 </a:solidFill>
               </a:rPr>
               <a:t>Broadcasts advertisement packets (GAP) </a:t>
             </a:r>
-            <a:endParaRPr lang="en-SG" dirty="0">
-              <a:solidFill>
-                <a:schemeClr val="accent2"/>
-              </a:solidFill>
-            </a:endParaRPr>
           </a:p>
         </p:txBody>
       </p:sp>
@@ -10747,18 +10547,13 @@
           <a:lstStyle/>
           <a:p>
             <a:r>
-              <a:rPr lang="en-SG" dirty="0" smtClean="0">
+              <a:rPr lang="en-SG" dirty="0">
                 <a:solidFill>
                   <a:srgbClr val="0070C0"/>
                 </a:solidFill>
               </a:rPr>
               <a:t>2.5. Connection attempt</a:t>
             </a:r>
-            <a:endParaRPr lang="en-SG" dirty="0">
-              <a:solidFill>
-                <a:srgbClr val="0070C0"/>
-              </a:solidFill>
-            </a:endParaRPr>
           </a:p>
         </p:txBody>
       </p:sp>
@@ -10824,18 +10619,13 @@
           <a:lstStyle/>
           <a:p>
             <a:r>
-              <a:rPr lang="en-SG" dirty="0" smtClean="0">
+              <a:rPr lang="en-SG" dirty="0">
                 <a:solidFill>
                   <a:schemeClr val="accent2"/>
                 </a:solidFill>
               </a:rPr>
               <a:t>Connect success</a:t>
             </a:r>
-            <a:endParaRPr lang="en-SG" dirty="0">
-              <a:solidFill>
-                <a:schemeClr val="accent2"/>
-              </a:solidFill>
-            </a:endParaRPr>
           </a:p>
         </p:txBody>
       </p:sp>
@@ -10897,18 +10687,13 @@
           <a:lstStyle/>
           <a:p>
             <a:r>
-              <a:rPr lang="en-SG" dirty="0" smtClean="0">
+              <a:rPr lang="en-SG" dirty="0">
                 <a:solidFill>
                   <a:srgbClr val="0070C0"/>
                 </a:solidFill>
               </a:rPr>
               <a:t>Discover services</a:t>
             </a:r>
-            <a:endParaRPr lang="en-SG" dirty="0">
-              <a:solidFill>
-                <a:srgbClr val="0070C0"/>
-              </a:solidFill>
-            </a:endParaRPr>
           </a:p>
         </p:txBody>
       </p:sp>
@@ -10974,18 +10759,13 @@
           <a:lstStyle/>
           <a:p>
             <a:r>
-              <a:rPr lang="en-SG" dirty="0" smtClean="0">
+              <a:rPr lang="en-SG" dirty="0">
                 <a:solidFill>
                   <a:schemeClr val="accent2"/>
                 </a:solidFill>
               </a:rPr>
               <a:t>Services data (GATT)</a:t>
             </a:r>
-            <a:endParaRPr lang="en-SG" dirty="0">
-              <a:solidFill>
-                <a:schemeClr val="accent2"/>
-              </a:solidFill>
-            </a:endParaRPr>
           </a:p>
         </p:txBody>
       </p:sp>
@@ -11047,18 +10827,13 @@
           <a:lstStyle/>
           <a:p>
             <a:r>
-              <a:rPr lang="en-SG" dirty="0" smtClean="0">
+              <a:rPr lang="en-SG" dirty="0">
                 <a:solidFill>
                   <a:srgbClr val="0070C0"/>
                 </a:solidFill>
               </a:rPr>
               <a:t>Discover characteristics</a:t>
             </a:r>
-            <a:endParaRPr lang="en-SG" dirty="0">
-              <a:solidFill>
-                <a:srgbClr val="0070C0"/>
-              </a:solidFill>
-            </a:endParaRPr>
           </a:p>
         </p:txBody>
       </p:sp>
@@ -11124,18 +10899,13 @@
           <a:lstStyle/>
           <a:p>
             <a:r>
-              <a:rPr lang="en-SG" dirty="0" smtClean="0">
+              <a:rPr lang="en-SG" dirty="0">
                 <a:solidFill>
                   <a:schemeClr val="accent2"/>
                 </a:solidFill>
               </a:rPr>
               <a:t>Characteristics data (GATT)</a:t>
             </a:r>
-            <a:endParaRPr lang="en-SG" dirty="0">
-              <a:solidFill>
-                <a:schemeClr val="accent2"/>
-              </a:solidFill>
-            </a:endParaRPr>
           </a:p>
         </p:txBody>
       </p:sp>
@@ -11173,10 +10943,9 @@
           <a:lstStyle/>
           <a:p>
             <a:r>
-              <a:rPr lang="en-SG" dirty="0" smtClean="0"/>
+              <a:rPr lang="en-SG" dirty="0"/>
               <a:t>1. Scanning</a:t>
             </a:r>
-            <a:endParaRPr lang="en-SG" dirty="0"/>
           </a:p>
         </p:txBody>
       </p:sp>
@@ -11215,10 +10984,9 @@
           <a:p>
             <a:pPr algn="ctr"/>
             <a:r>
-              <a:rPr lang="en-SG" dirty="0" smtClean="0"/>
+              <a:rPr lang="en-SG" dirty="0"/>
               <a:t>Advertising</a:t>
             </a:r>
-            <a:endParaRPr lang="en-SG" dirty="0"/>
           </a:p>
         </p:txBody>
       </p:sp>
@@ -11256,10 +11024,9 @@
           <a:lstStyle/>
           <a:p>
             <a:r>
-              <a:rPr lang="en-SG" dirty="0" smtClean="0"/>
+              <a:rPr lang="en-SG" dirty="0"/>
               <a:t>2. Received advertisement packet</a:t>
             </a:r>
-            <a:endParaRPr lang="en-SG" dirty="0"/>
           </a:p>
         </p:txBody>
       </p:sp>
@@ -11298,10 +11065,9 @@
           <a:p>
             <a:pPr algn="ctr"/>
             <a:r>
-              <a:rPr lang="en-SG" dirty="0" smtClean="0"/>
+              <a:rPr lang="en-SG" dirty="0"/>
               <a:t>Connected success, stops advertising</a:t>
             </a:r>
-            <a:endParaRPr lang="en-SG" dirty="0"/>
           </a:p>
         </p:txBody>
       </p:sp>
@@ -11339,16 +11105,15 @@
           <a:lstStyle/>
           <a:p>
             <a:r>
-              <a:rPr lang="en-SG" dirty="0" smtClean="0"/>
+              <a:rPr lang="en-SG" dirty="0"/>
               <a:t>3. Connect success, </a:t>
             </a:r>
           </a:p>
           <a:p>
             <a:r>
-              <a:rPr lang="en-SG" dirty="0" smtClean="0"/>
+              <a:rPr lang="en-SG" dirty="0"/>
               <a:t>now lets find out more</a:t>
             </a:r>
-            <a:endParaRPr lang="en-SG" dirty="0"/>
           </a:p>
         </p:txBody>
       </p:sp>
@@ -11387,10 +11152,9 @@
           <a:p>
             <a:pPr algn="ctr"/>
             <a:r>
-              <a:rPr lang="en-SG" dirty="0" smtClean="0"/>
+              <a:rPr lang="en-SG" dirty="0"/>
               <a:t>Send back services info </a:t>
             </a:r>
-            <a:endParaRPr lang="en-SG" dirty="0"/>
           </a:p>
         </p:txBody>
       </p:sp>
@@ -11428,10 +11192,9 @@
           <a:lstStyle/>
           <a:p>
             <a:r>
-              <a:rPr lang="en-SG" dirty="0" smtClean="0"/>
+              <a:rPr lang="en-SG" dirty="0"/>
               <a:t>4. Services discovered, lets dig deeper</a:t>
             </a:r>
-            <a:endParaRPr lang="en-SG" dirty="0"/>
           </a:p>
         </p:txBody>
       </p:sp>
@@ -11470,10 +11233,9 @@
           <a:p>
             <a:pPr algn="ctr"/>
             <a:r>
-              <a:rPr lang="en-SG" dirty="0" smtClean="0"/>
+              <a:rPr lang="en-SG" dirty="0"/>
               <a:t>Send back characteristics info</a:t>
             </a:r>
-            <a:endParaRPr lang="en-SG" dirty="0"/>
           </a:p>
         </p:txBody>
       </p:sp>
@@ -11511,10 +11273,9 @@
           <a:lstStyle/>
           <a:p>
             <a:r>
-              <a:rPr lang="en-SG" dirty="0" smtClean="0"/>
+              <a:rPr lang="en-SG" dirty="0"/>
               <a:t>5. Discovery completed, ready to use peripheral</a:t>
             </a:r>
-            <a:endParaRPr lang="en-SG" dirty="0"/>
           </a:p>
         </p:txBody>
       </p:sp>
@@ -11575,18 +11336,13 @@
           <a:lstStyle/>
           <a:p>
             <a:r>
-              <a:rPr lang="en-SG" dirty="0" smtClean="0">
+              <a:rPr lang="en-SG" dirty="0">
                 <a:solidFill>
                   <a:srgbClr val="0070C0"/>
                 </a:solidFill>
               </a:rPr>
               <a:t>Discover descriptors (usually optional)</a:t>
             </a:r>
-            <a:endParaRPr lang="en-SG" dirty="0">
-              <a:solidFill>
-                <a:srgbClr val="0070C0"/>
-              </a:solidFill>
-            </a:endParaRPr>
           </a:p>
         </p:txBody>
       </p:sp>
@@ -13041,10 +12797,9 @@
           <a:lstStyle/>
           <a:p>
             <a:r>
-              <a:rPr lang="en-SG" dirty="0" smtClean="0"/>
+              <a:rPr lang="en-SG" dirty="0"/>
               <a:t>About Me</a:t>
             </a:r>
-            <a:endParaRPr lang="en-SG" dirty="0"/>
           </a:p>
         </p:txBody>
       </p:sp>
@@ -13069,29 +12824,28 @@
           <a:lstStyle/>
           <a:p>
             <a:r>
-              <a:rPr lang="en-SG" dirty="0" smtClean="0"/>
+              <a:rPr lang="en-SG" dirty="0"/>
               <a:t>Graduated from NUS Computer Science in 2015</a:t>
             </a:r>
           </a:p>
           <a:p>
             <a:r>
-              <a:rPr lang="en-SG" dirty="0" smtClean="0"/>
+              <a:rPr lang="en-SG" dirty="0"/>
               <a:t>Worked in 2 </a:t>
             </a:r>
             <a:r>
-              <a:rPr lang="en-SG" dirty="0" err="1" smtClean="0"/>
+              <a:rPr lang="en-SG" dirty="0" err="1"/>
               <a:t>startups</a:t>
             </a:r>
             <a:r>
-              <a:rPr lang="en-SG" dirty="0" smtClean="0"/>
+              <a:rPr lang="en-SG" dirty="0"/>
               <a:t> so far</a:t>
             </a:r>
-            <a:endParaRPr lang="en-SG" dirty="0"/>
           </a:p>
           <a:p>
             <a:pPr lvl="1"/>
             <a:r>
-              <a:rPr lang="en-SG" dirty="0" smtClean="0"/>
+              <a:rPr lang="en-SG" dirty="0"/>
               <a:t>Both BLE-related</a:t>
             </a:r>
           </a:p>
@@ -13130,14 +12884,6 @@
   <p:clrMapOvr>
     <a:masterClrMapping/>
   </p:clrMapOvr>
-  <mc:AlternateContent xmlns:mc="http://schemas.openxmlformats.org/markup-compatibility/2006" xmlns:p14="http://schemas.microsoft.com/office/powerpoint/2010/main">
-    <mc:Choice Requires="p14">
-      <p:transition spd="slow" p14:dur="2000"/>
-    </mc:Choice>
-    <mc:Fallback xmlns="">
-      <p:transition spd="slow"/>
-    </mc:Fallback>
-  </mc:AlternateContent>
 </p:sld>
 </file>
 
@@ -13174,10 +12920,9 @@
           <a:lstStyle/>
           <a:p>
             <a:r>
-              <a:rPr lang="en-SG" dirty="0" smtClean="0"/>
+              <a:rPr lang="en-SG" dirty="0"/>
               <a:t>2a. Functional Requirements</a:t>
             </a:r>
-            <a:endParaRPr lang="en-SG" dirty="0"/>
           </a:p>
         </p:txBody>
       </p:sp>
@@ -13202,48 +12947,48 @@
           <a:lstStyle/>
           <a:p>
             <a:r>
-              <a:rPr lang="en-SG" dirty="0" smtClean="0"/>
+              <a:rPr lang="en-SG" dirty="0"/>
               <a:t>Connection Status</a:t>
             </a:r>
           </a:p>
           <a:p>
             <a:pPr lvl="1"/>
             <a:r>
-              <a:rPr lang="en-SG" dirty="0" smtClean="0"/>
+              <a:rPr lang="en-SG" dirty="0"/>
               <a:t>Red LED to indicate no connection</a:t>
             </a:r>
           </a:p>
           <a:p>
             <a:pPr lvl="1"/>
             <a:r>
-              <a:rPr lang="en-SG" dirty="0" smtClean="0"/>
+              <a:rPr lang="en-SG" dirty="0"/>
               <a:t>Green LED to indicate active connection with central</a:t>
             </a:r>
           </a:p>
           <a:p>
             <a:r>
-              <a:rPr lang="en-SG" dirty="0" smtClean="0"/>
+              <a:rPr lang="en-SG" dirty="0"/>
               <a:t>Controllable via BLE</a:t>
             </a:r>
           </a:p>
           <a:p>
             <a:pPr lvl="1"/>
             <a:r>
-              <a:rPr lang="en-SG" dirty="0" smtClean="0"/>
+              <a:rPr lang="en-SG" dirty="0"/>
               <a:t>Let central toggle blue LED</a:t>
             </a:r>
           </a:p>
           <a:p>
             <a:pPr lvl="1"/>
             <a:r>
-              <a:rPr lang="en-SG" dirty="0" smtClean="0"/>
+              <a:rPr lang="en-SG" dirty="0"/>
               <a:t>Let central toggle yellow LED</a:t>
             </a:r>
           </a:p>
           <a:p>
             <a:pPr lvl="1"/>
             <a:r>
-              <a:rPr lang="en-SG" dirty="0" smtClean="0"/>
+              <a:rPr lang="en-SG" dirty="0"/>
               <a:t>Button to trigger sending data back to central</a:t>
             </a:r>
           </a:p>
@@ -13693,10 +13438,9 @@
           <a:lstStyle/>
           <a:p>
             <a:r>
-              <a:rPr lang="en-SG" dirty="0" smtClean="0"/>
+              <a:rPr lang="en-SG" dirty="0"/>
               <a:t>2b. Hardware setup (Arduino)</a:t>
             </a:r>
-            <a:endParaRPr lang="en-SG" dirty="0"/>
           </a:p>
         </p:txBody>
       </p:sp>
@@ -13753,7 +13497,7 @@
           <a:lstStyle/>
           <a:p>
             <a:r>
-              <a:rPr lang="en-SG" u="sng" dirty="0" smtClean="0"/>
+              <a:rPr lang="en-SG" u="sng" dirty="0"/>
               <a:t>Arduino Parts list</a:t>
             </a:r>
           </a:p>
@@ -13763,7 +13507,7 @@
               <a:buAutoNum type="arabicPeriod"/>
             </a:pPr>
             <a:r>
-              <a:rPr lang="en-SG" dirty="0" smtClean="0"/>
+              <a:rPr lang="en-SG" dirty="0"/>
               <a:t>Arduino Uno R3</a:t>
             </a:r>
           </a:p>
@@ -13773,20 +13517,12 @@
               <a:buAutoNum type="arabicPeriod"/>
             </a:pPr>
             <a:r>
-              <a:rPr lang="en-SG" dirty="0" err="1" smtClean="0"/>
+              <a:rPr lang="en-SG" dirty="0" err="1"/>
               <a:t>RedBearLab</a:t>
             </a:r>
             <a:r>
-              <a:rPr lang="en-SG" dirty="0" smtClean="0"/>
-              <a:t> BLE </a:t>
-            </a:r>
-            <a:r>
-              <a:rPr lang="en-SG" dirty="0"/>
-              <a:t>(</a:t>
-            </a:r>
-            <a:r>
-              <a:rPr lang="en-SG" dirty="0" smtClean="0"/>
-              <a:t>Single-Mode) Shield v.1.1</a:t>
+              <a:rPr lang="en-SG" dirty="0"/>
+              <a:t> BLE (Single-Mode) Shield v.1.1</a:t>
             </a:r>
           </a:p>
           <a:p>
@@ -13795,7 +13531,7 @@
               <a:buChar char="•"/>
             </a:pPr>
             <a:r>
-              <a:rPr lang="en-SG" dirty="0" smtClean="0"/>
+              <a:rPr lang="en-SG" dirty="0"/>
               <a:t>(Not shown in schematic)</a:t>
             </a:r>
           </a:p>
@@ -13805,16 +13541,8 @@
               <a:buChar char="•"/>
             </a:pPr>
             <a:r>
-              <a:rPr lang="en-SG" dirty="0" smtClean="0"/>
-              <a:t>NRF8001</a:t>
-            </a:r>
-            <a:r>
-              <a:rPr lang="en-SG" dirty="0"/>
-              <a:t> </a:t>
-            </a:r>
-            <a:r>
-              <a:rPr lang="en-SG" dirty="0" smtClean="0"/>
-              <a:t>chipset</a:t>
+              <a:rPr lang="en-SG" dirty="0"/>
+              <a:t>NRF8001 chipset</a:t>
             </a:r>
           </a:p>
           <a:p>
@@ -13823,7 +13551,7 @@
               <a:buAutoNum type="arabicPeriod"/>
             </a:pPr>
             <a:r>
-              <a:rPr lang="en-SG" dirty="0" smtClean="0"/>
+              <a:rPr lang="en-SG" dirty="0"/>
               <a:t>Red LED</a:t>
             </a:r>
           </a:p>
@@ -13833,7 +13561,7 @@
               <a:buAutoNum type="arabicPeriod"/>
             </a:pPr>
             <a:r>
-              <a:rPr lang="en-SG" dirty="0" smtClean="0"/>
+              <a:rPr lang="en-SG" dirty="0"/>
               <a:t>Green LED</a:t>
             </a:r>
           </a:p>
@@ -13843,7 +13571,7 @@
               <a:buAutoNum type="arabicPeriod"/>
             </a:pPr>
             <a:r>
-              <a:rPr lang="en-SG" dirty="0" smtClean="0"/>
+              <a:rPr lang="en-SG" dirty="0"/>
               <a:t>Blue LED</a:t>
             </a:r>
           </a:p>
@@ -13853,7 +13581,7 @@
               <a:buAutoNum type="arabicPeriod"/>
             </a:pPr>
             <a:r>
-              <a:rPr lang="en-SG" dirty="0" smtClean="0"/>
+              <a:rPr lang="en-SG" dirty="0"/>
               <a:t>Yellow LED</a:t>
             </a:r>
           </a:p>
@@ -13863,7 +13591,7 @@
               <a:buAutoNum type="arabicPeriod"/>
             </a:pPr>
             <a:r>
-              <a:rPr lang="en-SG" dirty="0" smtClean="0"/>
+              <a:rPr lang="en-SG" dirty="0"/>
               <a:t>4x 220ohm resistors</a:t>
             </a:r>
           </a:p>
@@ -13873,7 +13601,7 @@
               <a:buAutoNum type="arabicPeriod"/>
             </a:pPr>
             <a:r>
-              <a:rPr lang="en-SG" dirty="0" smtClean="0"/>
+              <a:rPr lang="en-SG" dirty="0"/>
               <a:t>Push Button</a:t>
             </a:r>
           </a:p>
@@ -13991,13 +13719,8 @@
           <a:p>
             <a:r>
               <a:rPr lang="en-SG" dirty="0"/>
-              <a:t>2b. Hardware setup </a:t>
-            </a:r>
-            <a:r>
-              <a:rPr lang="en-SG" dirty="0" smtClean="0"/>
-              <a:t>(Raspberry Pi)</a:t>
-            </a:r>
-            <a:endParaRPr lang="en-SG" dirty="0"/>
+              <a:t>2b. Hardware setup (Raspberry Pi)</a:t>
+            </a:r>
           </a:p>
         </p:txBody>
       </p:sp>
@@ -14084,7 +13807,7 @@
           <a:lstStyle/>
           <a:p>
             <a:r>
-              <a:rPr lang="en-SG" u="sng" dirty="0" smtClean="0"/>
+              <a:rPr lang="en-SG" u="sng" dirty="0"/>
               <a:t>Raspberry Pi Parts list</a:t>
             </a:r>
           </a:p>
@@ -14094,7 +13817,7 @@
               <a:buAutoNum type="arabicPeriod"/>
             </a:pPr>
             <a:r>
-              <a:rPr lang="en-SG" dirty="0" smtClean="0"/>
+              <a:rPr lang="en-SG" dirty="0"/>
               <a:t>Raspberry Pi 2 Model B</a:t>
             </a:r>
           </a:p>
@@ -14104,20 +13827,12 @@
               <a:buAutoNum type="arabicPeriod"/>
             </a:pPr>
             <a:r>
-              <a:rPr lang="en-SG" dirty="0" err="1" smtClean="0"/>
+              <a:rPr lang="en-SG" dirty="0" err="1"/>
               <a:t>IOGear</a:t>
             </a:r>
             <a:r>
-              <a:rPr lang="en-SG" dirty="0" smtClean="0"/>
-              <a:t> GBU521 USB </a:t>
-            </a:r>
-            <a:r>
-              <a:rPr lang="en-SG" dirty="0"/>
-              <a:t>BLE (Dual-Mode) </a:t>
-            </a:r>
-            <a:r>
-              <a:rPr lang="en-SG" dirty="0" smtClean="0"/>
-              <a:t>adapter</a:t>
+              <a:rPr lang="en-SG" dirty="0"/>
+              <a:t> GBU521 USB BLE (Dual-Mode) adapter</a:t>
             </a:r>
           </a:p>
           <a:p>
@@ -14126,7 +13841,7 @@
               <a:buChar char="•"/>
             </a:pPr>
             <a:r>
-              <a:rPr lang="en-SG" dirty="0" smtClean="0"/>
+              <a:rPr lang="en-SG" dirty="0"/>
               <a:t>BCM20702 chipset</a:t>
             </a:r>
           </a:p>
@@ -14136,7 +13851,7 @@
               <a:buAutoNum type="arabicPeriod"/>
             </a:pPr>
             <a:r>
-              <a:rPr lang="en-SG" dirty="0" smtClean="0"/>
+              <a:rPr lang="en-SG" dirty="0"/>
               <a:t>Red LED</a:t>
             </a:r>
           </a:p>
@@ -14146,7 +13861,7 @@
               <a:buAutoNum type="arabicPeriod"/>
             </a:pPr>
             <a:r>
-              <a:rPr lang="en-SG" dirty="0" smtClean="0"/>
+              <a:rPr lang="en-SG" dirty="0"/>
               <a:t>Green LED</a:t>
             </a:r>
           </a:p>
@@ -14156,7 +13871,7 @@
               <a:buAutoNum type="arabicPeriod"/>
             </a:pPr>
             <a:r>
-              <a:rPr lang="en-SG" dirty="0" smtClean="0"/>
+              <a:rPr lang="en-SG" dirty="0"/>
               <a:t>Blue LED</a:t>
             </a:r>
           </a:p>
@@ -14166,7 +13881,7 @@
               <a:buAutoNum type="arabicPeriod"/>
             </a:pPr>
             <a:r>
-              <a:rPr lang="en-SG" dirty="0" smtClean="0"/>
+              <a:rPr lang="en-SG" dirty="0"/>
               <a:t>Yellow LED</a:t>
             </a:r>
           </a:p>
@@ -14176,7 +13891,7 @@
               <a:buAutoNum type="arabicPeriod"/>
             </a:pPr>
             <a:r>
-              <a:rPr lang="en-SG" dirty="0" smtClean="0"/>
+              <a:rPr lang="en-SG" dirty="0"/>
               <a:t>4x 220ohm resistors</a:t>
             </a:r>
           </a:p>
@@ -14186,7 +13901,7 @@
               <a:buAutoNum type="arabicPeriod"/>
             </a:pPr>
             <a:r>
-              <a:rPr lang="en-SG" dirty="0" smtClean="0"/>
+              <a:rPr lang="en-SG" dirty="0"/>
               <a:t>Push Button</a:t>
             </a:r>
           </a:p>
@@ -14196,7 +13911,7 @@
               <a:buAutoNum type="arabicPeriod"/>
             </a:pPr>
             <a:r>
-              <a:rPr lang="en-SG" dirty="0" smtClean="0"/>
+              <a:rPr lang="en-SG" dirty="0"/>
               <a:t>10k ohm pull-down resistor</a:t>
             </a:r>
           </a:p>
@@ -14283,10 +13998,9 @@
           <a:lstStyle/>
           <a:p>
             <a:r>
-              <a:rPr lang="en-SG" dirty="0" smtClean="0"/>
+              <a:rPr lang="en-SG" dirty="0"/>
               <a:t>2. Peripheral Architecture Plan</a:t>
             </a:r>
-            <a:endParaRPr lang="en-SG" dirty="0"/>
           </a:p>
         </p:txBody>
       </p:sp>
@@ -14327,18 +14041,9 @@
           <a:lstStyle/>
           <a:p>
             <a:r>
-              <a:rPr lang="en-SG" dirty="0" smtClean="0"/>
-              <a:t>Service 1 (UUID </a:t>
-            </a:r>
-            <a:r>
-              <a:rPr lang="en-SG" dirty="0"/>
-              <a:t>:  "</a:t>
-            </a:r>
-            <a:r>
-              <a:rPr lang="en-SG" dirty="0" smtClean="0"/>
-              <a:t>12345678-9012-3456-7890-123456789012“)</a:t>
-            </a:r>
-            <a:endParaRPr lang="en-SG" dirty="0"/>
+              <a:rPr lang="en-SG" dirty="0"/>
+              <a:t>Service 1 (UUID :  "12345678-9012-3456-7890-123456789012“)</a:t>
+            </a:r>
           </a:p>
         </p:txBody>
       </p:sp>
@@ -14386,7 +14091,7 @@
           <a:lstStyle/>
           <a:p>
             <a:r>
-              <a:rPr lang="en-SG" dirty="0" smtClean="0">
+              <a:rPr lang="en-SG" dirty="0">
                 <a:solidFill>
                   <a:schemeClr val="tx1"/>
                 </a:solidFill>
@@ -14396,7 +14101,7 @@
           </a:p>
           <a:p>
             <a:r>
-              <a:rPr lang="en-SG" sz="1400" dirty="0" smtClean="0">
+              <a:rPr lang="en-SG" sz="1400" dirty="0">
                 <a:solidFill>
                   <a:schemeClr val="tx1"/>
                 </a:solidFill>
@@ -14406,33 +14111,17 @@
           </a:p>
           <a:p>
             <a:r>
-              <a:rPr lang="en-SG" sz="1400" dirty="0" smtClean="0">
-                <a:solidFill>
-                  <a:schemeClr val="tx1"/>
-                </a:solidFill>
-              </a:rPr>
-              <a:t>UUID </a:t>
-            </a:r>
-            <a:r>
               <a:rPr lang="en-SG" sz="1400" dirty="0">
                 <a:solidFill>
                   <a:schemeClr val="tx1"/>
                 </a:solidFill>
               </a:rPr>
-              <a:t>: </a:t>
-            </a:r>
-            <a:r>
-              <a:rPr lang="en-SG" sz="1400" dirty="0" smtClean="0">
-                <a:solidFill>
-                  <a:schemeClr val="tx1"/>
-                </a:solidFill>
-              </a:rPr>
-              <a:t>“00000000-0000-0000-0000-000000000010”</a:t>
-            </a:r>
-          </a:p>
-          <a:p>
-            <a:r>
-              <a:rPr lang="en-SG" sz="1400" dirty="0" smtClean="0">
+              <a:t>UUID : “00000000-0000-0000-0000-000000000010”</a:t>
+            </a:r>
+          </a:p>
+          <a:p>
+            <a:r>
+              <a:rPr lang="en-SG" sz="1400" dirty="0">
                 <a:solidFill>
                   <a:schemeClr val="tx1"/>
                 </a:solidFill>
@@ -14440,7 +14129,7 @@
               <a:t>Properties: Read, </a:t>
             </a:r>
             <a:r>
-              <a:rPr lang="en-SG" sz="1400" dirty="0" err="1" smtClean="0">
+              <a:rPr lang="en-SG" sz="1400" dirty="0" err="1">
                 <a:solidFill>
                   <a:schemeClr val="tx1"/>
                 </a:solidFill>
@@ -14499,7 +14188,7 @@
           <a:lstStyle/>
           <a:p>
             <a:r>
-              <a:rPr lang="en-SG" dirty="0" smtClean="0">
+              <a:rPr lang="en-SG" dirty="0">
                 <a:solidFill>
                   <a:schemeClr val="tx1"/>
                 </a:solidFill>
@@ -14509,7 +14198,7 @@
           </a:p>
           <a:p>
             <a:r>
-              <a:rPr lang="en-SG" sz="1400" dirty="0" smtClean="0">
+              <a:rPr lang="en-SG" sz="1400" dirty="0">
                 <a:solidFill>
                   <a:schemeClr val="tx1"/>
                 </a:solidFill>
@@ -14519,44 +14208,23 @@
           </a:p>
           <a:p>
             <a:r>
-              <a:rPr lang="en-SG" sz="1400" dirty="0" smtClean="0">
-                <a:solidFill>
-                  <a:schemeClr val="tx1"/>
-                </a:solidFill>
-              </a:rPr>
-              <a:t>UUID </a:t>
-            </a:r>
-            <a:r>
               <a:rPr lang="en-SG" sz="1400" dirty="0">
                 <a:solidFill>
                   <a:schemeClr val="tx1"/>
                 </a:solidFill>
               </a:rPr>
-              <a:t>: </a:t>
-            </a:r>
-            <a:r>
-              <a:rPr lang="en-SG" sz="1400" dirty="0" smtClean="0">
-                <a:solidFill>
-                  <a:schemeClr val="tx1"/>
-                </a:solidFill>
-              </a:rPr>
-              <a:t>“00000000-0000-0000-0000-000000000020”</a:t>
-            </a:r>
-          </a:p>
-          <a:p>
-            <a:r>
-              <a:rPr lang="en-SG" sz="1400" dirty="0" smtClean="0">
+              <a:t>UUID : “00000000-0000-0000-0000-000000000020”</a:t>
+            </a:r>
+          </a:p>
+          <a:p>
+            <a:r>
+              <a:rPr lang="en-SG" sz="1400" dirty="0">
                 <a:solidFill>
                   <a:schemeClr val="tx1"/>
                 </a:solidFill>
               </a:rPr>
               <a:t>Properties: Read, Notify</a:t>
             </a:r>
-            <a:endParaRPr lang="en-SG" sz="1400" dirty="0">
-              <a:solidFill>
-                <a:schemeClr val="tx1"/>
-              </a:solidFill>
-            </a:endParaRPr>
           </a:p>
         </p:txBody>
       </p:sp>
@@ -14583,7 +14251,7 @@
           <a:lstStyle/>
           <a:p>
             <a:r>
-              <a:rPr lang="en-SG" dirty="0" smtClean="0"/>
+              <a:rPr lang="en-SG" dirty="0"/>
               <a:t>LED characteristic</a:t>
             </a:r>
           </a:p>
@@ -14593,7 +14261,7 @@
               <a:buChar char="•"/>
             </a:pPr>
             <a:r>
-              <a:rPr lang="en-SG" dirty="0" smtClean="0"/>
+              <a:rPr lang="en-SG" dirty="0"/>
               <a:t>Toggles blue LED if central writes “b”</a:t>
             </a:r>
           </a:p>
@@ -14603,18 +14271,9 @@
               <a:buChar char="•"/>
             </a:pPr>
             <a:r>
-              <a:rPr lang="en-SG" dirty="0" smtClean="0"/>
-              <a:t>Toggles yellow </a:t>
-            </a:r>
-            <a:r>
-              <a:rPr lang="en-SG" dirty="0"/>
-              <a:t>LED if central writes </a:t>
-            </a:r>
-            <a:r>
-              <a:rPr lang="en-SG" dirty="0" smtClean="0"/>
-              <a:t>“y”</a:t>
-            </a:r>
-            <a:endParaRPr lang="en-SG" dirty="0"/>
+              <a:rPr lang="en-SG" dirty="0"/>
+              <a:t>Toggles yellow LED if central writes “y”</a:t>
+            </a:r>
           </a:p>
           <a:p>
             <a:pPr marL="285750" indent="-285750">
@@ -14648,7 +14307,7 @@
           <a:lstStyle/>
           <a:p>
             <a:r>
-              <a:rPr lang="en-SG" dirty="0" smtClean="0"/>
+              <a:rPr lang="en-SG" dirty="0"/>
               <a:t>Button characteristic</a:t>
             </a:r>
           </a:p>
@@ -14658,7 +14317,7 @@
               <a:buChar char="•"/>
             </a:pPr>
             <a:r>
-              <a:rPr lang="en-SG" dirty="0" smtClean="0"/>
+              <a:rPr lang="en-SG" dirty="0"/>
               <a:t>Notifies central if button is pressed</a:t>
             </a:r>
           </a:p>
@@ -14668,10 +14327,9 @@
               <a:buChar char="•"/>
             </a:pPr>
             <a:r>
-              <a:rPr lang="en-SG" dirty="0" smtClean="0"/>
+              <a:rPr lang="en-SG" dirty="0"/>
               <a:t>Sends back incrementing number</a:t>
             </a:r>
-            <a:endParaRPr lang="en-SG" dirty="0"/>
           </a:p>
           <a:p>
             <a:pPr marL="285750" indent="-285750">
@@ -14771,14 +14429,14 @@
                 <a:gridCol w="2702014">
                   <a:extLst>
                     <a:ext uri="{9D8B030D-6E8A-4147-A177-3AD203B41FA5}">
-                      <a16:colId xmlns="" xmlns:a16="http://schemas.microsoft.com/office/drawing/2014/main" val="20000"/>
+                      <a16:colId xmlns:a16="http://schemas.microsoft.com/office/drawing/2014/main" val="20000"/>
                     </a:ext>
                   </a:extLst>
                 </a:gridCol>
                 <a:gridCol w="6095637">
                   <a:extLst>
                     <a:ext uri="{9D8B030D-6E8A-4147-A177-3AD203B41FA5}">
-                      <a16:colId xmlns="" xmlns:a16="http://schemas.microsoft.com/office/drawing/2014/main" val="20001"/>
+                      <a16:colId xmlns:a16="http://schemas.microsoft.com/office/drawing/2014/main" val="20001"/>
                     </a:ext>
                   </a:extLst>
                 </a:gridCol>
@@ -14790,10 +14448,9 @@
                     <a:lstStyle/>
                     <a:p>
                       <a:r>
-                        <a:rPr lang="en-SG" dirty="0" smtClean="0"/>
+                        <a:rPr lang="en-SG" dirty="0"/>
                         <a:t>Field</a:t>
                       </a:r>
-                      <a:endParaRPr lang="en-SG" dirty="0"/>
                     </a:p>
                   </a:txBody>
                   <a:tcPr>
@@ -14810,10 +14467,9 @@
                     <a:lstStyle/>
                     <a:p>
                       <a:r>
-                        <a:rPr lang="en-SG" dirty="0" smtClean="0"/>
+                        <a:rPr lang="en-SG" dirty="0"/>
                         <a:t>Value</a:t>
                       </a:r>
-                      <a:endParaRPr lang="en-SG" dirty="0"/>
                     </a:p>
                   </a:txBody>
                   <a:tcPr>
@@ -14826,7 +14482,7 @@
                 </a:tc>
                 <a:extLst>
                   <a:ext uri="{0D108BD9-81ED-4DB2-BD59-A6C34878D82A}">
-                    <a16:rowId xmlns="" xmlns:a16="http://schemas.microsoft.com/office/drawing/2014/main" val="10000"/>
+                    <a16:rowId xmlns:a16="http://schemas.microsoft.com/office/drawing/2014/main" val="10000"/>
                   </a:ext>
                 </a:extLst>
               </a:tr>
@@ -14837,11 +14493,11 @@
                     <a:lstStyle/>
                     <a:p>
                       <a:r>
-                        <a:rPr lang="en-SG" dirty="0" smtClean="0"/>
+                        <a:rPr lang="en-SG" dirty="0"/>
                         <a:t>Device name</a:t>
                       </a:r>
                       <a:r>
-                        <a:rPr lang="en-SG" baseline="0" dirty="0" smtClean="0"/>
+                        <a:rPr lang="en-SG" baseline="0" dirty="0"/>
                         <a:t> (general)</a:t>
                       </a:r>
                       <a:endParaRPr lang="en-SG" dirty="0"/>
@@ -14855,21 +14511,20 @@
                     <a:lstStyle/>
                     <a:p>
                       <a:r>
-                        <a:rPr lang="en-SG" dirty="0" smtClean="0"/>
+                        <a:rPr lang="en-SG" dirty="0"/>
                         <a:t>YKM’s Arduino                                 </a:t>
                       </a:r>
                       <a:r>
-                        <a:rPr lang="en-SG" sz="1400" i="0" dirty="0" smtClean="0"/>
+                        <a:rPr lang="en-SG" sz="1400" i="0" dirty="0"/>
                         <a:t>(Not accessible via Android APIs)</a:t>
                       </a:r>
-                      <a:endParaRPr lang="en-SG" sz="1400" i="0" dirty="0"/>
                     </a:p>
                   </a:txBody>
                   <a:tcPr/>
                 </a:tc>
                 <a:extLst>
                   <a:ext uri="{0D108BD9-81ED-4DB2-BD59-A6C34878D82A}">
-                    <a16:rowId xmlns="" xmlns:a16="http://schemas.microsoft.com/office/drawing/2014/main" val="10001"/>
+                    <a16:rowId xmlns:a16="http://schemas.microsoft.com/office/drawing/2014/main" val="10001"/>
                   </a:ext>
                 </a:extLst>
               </a:tr>
@@ -14880,10 +14535,9 @@
                     <a:lstStyle/>
                     <a:p>
                       <a:r>
-                        <a:rPr lang="en-SG" dirty="0" smtClean="0"/>
+                        <a:rPr lang="en-SG" dirty="0"/>
                         <a:t>Local name (specific): </a:t>
                       </a:r>
-                      <a:endParaRPr lang="en-SG" dirty="0"/>
                     </a:p>
                   </a:txBody>
                   <a:tcPr/>
@@ -14911,7 +14565,7 @@
                         <a:defRPr/>
                       </a:pPr>
                       <a:r>
-                        <a:rPr lang="en-SG" dirty="0" smtClean="0"/>
+                        <a:rPr lang="en-SG" dirty="0"/>
                         <a:t>Intro to Arduino BLE</a:t>
                       </a:r>
                     </a:p>
@@ -14920,7 +14574,7 @@
                 </a:tc>
                 <a:extLst>
                   <a:ext uri="{0D108BD9-81ED-4DB2-BD59-A6C34878D82A}">
-                    <a16:rowId xmlns="" xmlns:a16="http://schemas.microsoft.com/office/drawing/2014/main" val="10002"/>
+                    <a16:rowId xmlns:a16="http://schemas.microsoft.com/office/drawing/2014/main" val="10002"/>
                   </a:ext>
                 </a:extLst>
               </a:tr>
@@ -14931,7 +14585,7 @@
                     <a:lstStyle/>
                     <a:p>
                       <a:r>
-                        <a:rPr lang="en-SG" dirty="0" err="1" smtClean="0"/>
+                        <a:rPr lang="en-SG" dirty="0" err="1"/>
                         <a:t>isConnectable</a:t>
                       </a:r>
                       <a:endParaRPr lang="en-SG" dirty="0"/>
@@ -14945,17 +14599,16 @@
                     <a:lstStyle/>
                     <a:p>
                       <a:r>
-                        <a:rPr lang="en-SG" dirty="0" smtClean="0"/>
+                        <a:rPr lang="en-SG" dirty="0"/>
                         <a:t>Yes</a:t>
                       </a:r>
-                      <a:endParaRPr lang="en-SG" dirty="0"/>
                     </a:p>
                   </a:txBody>
                   <a:tcPr/>
                 </a:tc>
                 <a:extLst>
                   <a:ext uri="{0D108BD9-81ED-4DB2-BD59-A6C34878D82A}">
-                    <a16:rowId xmlns="" xmlns:a16="http://schemas.microsoft.com/office/drawing/2014/main" val="10003"/>
+                    <a16:rowId xmlns:a16="http://schemas.microsoft.com/office/drawing/2014/main" val="10003"/>
                   </a:ext>
                 </a:extLst>
               </a:tr>
@@ -14966,10 +14619,9 @@
                     <a:lstStyle/>
                     <a:p>
                       <a:r>
-                        <a:rPr lang="en-SG" dirty="0" smtClean="0"/>
+                        <a:rPr lang="en-SG" dirty="0"/>
                         <a:t>Services</a:t>
                       </a:r>
-                      <a:endParaRPr lang="en-SG" dirty="0"/>
                     </a:p>
                   </a:txBody>
                   <a:tcPr/>
@@ -14997,7 +14649,7 @@
                         <a:defRPr/>
                       </a:pPr>
                       <a:r>
-                        <a:rPr lang="en-SG" dirty="0" smtClean="0"/>
+                        <a:rPr lang="en-SG" dirty="0"/>
                         <a:t>1 service: UUID = "12345678-9012-3456-7890-123456789012“</a:t>
                       </a:r>
                     </a:p>
@@ -15006,7 +14658,7 @@
                 </a:tc>
                 <a:extLst>
                   <a:ext uri="{0D108BD9-81ED-4DB2-BD59-A6C34878D82A}">
-                    <a16:rowId xmlns="" xmlns:a16="http://schemas.microsoft.com/office/drawing/2014/main" val="10004"/>
+                    <a16:rowId xmlns:a16="http://schemas.microsoft.com/office/drawing/2014/main" val="10004"/>
                   </a:ext>
                 </a:extLst>
               </a:tr>
@@ -15544,10 +15196,9 @@
           <a:lstStyle/>
           <a:p>
             <a:r>
-              <a:rPr lang="en-SG" dirty="0" smtClean="0"/>
+              <a:rPr lang="en-SG" dirty="0"/>
               <a:t>3a. Arduino code </a:t>
             </a:r>
-            <a:endParaRPr lang="en-SG" dirty="0"/>
           </a:p>
         </p:txBody>
       </p:sp>
@@ -15567,30 +15218,30 @@
           <a:lstStyle/>
           <a:p>
             <a:r>
-              <a:rPr lang="en-SG" dirty="0" smtClean="0"/>
+              <a:rPr lang="en-SG" dirty="0"/>
               <a:t>Programming Language: C</a:t>
             </a:r>
           </a:p>
           <a:p>
             <a:r>
-              <a:rPr lang="en-SG" dirty="0" smtClean="0"/>
+              <a:rPr lang="en-SG" dirty="0"/>
               <a:t>Arduino IDE 1.6.9</a:t>
             </a:r>
           </a:p>
           <a:p>
             <a:r>
-              <a:rPr lang="en-SG" dirty="0" smtClean="0"/>
+              <a:rPr lang="en-SG" dirty="0"/>
               <a:t>Libraries Used</a:t>
             </a:r>
           </a:p>
           <a:p>
             <a:pPr lvl="1"/>
             <a:r>
-              <a:rPr lang="en-SG" dirty="0" err="1" smtClean="0"/>
+              <a:rPr lang="en-SG" dirty="0" err="1"/>
               <a:t>ble-sdk-arduino</a:t>
             </a:r>
             <a:r>
-              <a:rPr lang="en-SG" dirty="0" smtClean="0"/>
+              <a:rPr lang="en-SG" dirty="0"/>
               <a:t> for NRF8001 (By Nordic)</a:t>
             </a:r>
           </a:p>
@@ -15602,20 +15253,16 @@
               </a:rPr>
               <a:t>https://github.com/NordicSemiconductor/ble-sdk-arduino</a:t>
             </a:r>
-            <a:endParaRPr lang="en-SG" dirty="0" smtClean="0"/>
+            <a:endParaRPr lang="en-SG" dirty="0"/>
           </a:p>
           <a:p>
             <a:pPr lvl="1"/>
             <a:r>
               <a:rPr lang="en-SG" dirty="0" err="1"/>
-              <a:t>a</a:t>
-            </a:r>
-            <a:r>
-              <a:rPr lang="en-SG" dirty="0" err="1" smtClean="0"/>
-              <a:t>rduino-BLEPeripheral</a:t>
-            </a:r>
-            <a:r>
-              <a:rPr lang="en-SG" dirty="0" smtClean="0"/>
+              <a:t>arduino-BLEPeripheral</a:t>
+            </a:r>
+            <a:r>
+              <a:rPr lang="en-SG" dirty="0"/>
               <a:t> (By </a:t>
             </a:r>
             <a:r>
@@ -15623,49 +15270,37 @@
               <a:t>Sandeepmistry</a:t>
             </a:r>
             <a:r>
-              <a:rPr lang="en-SG" dirty="0" smtClean="0"/>
+              <a:rPr lang="en-SG" dirty="0"/>
               <a:t>)</a:t>
             </a:r>
           </a:p>
           <a:p>
             <a:pPr lvl="2"/>
             <a:r>
-              <a:rPr lang="en-SG" dirty="0" smtClean="0"/>
+              <a:rPr lang="en-SG" dirty="0"/>
               <a:t>Abstraction over </a:t>
             </a:r>
             <a:r>
-              <a:rPr lang="en-SG" dirty="0" err="1" smtClean="0"/>
+              <a:rPr lang="en-SG" dirty="0" err="1"/>
               <a:t>ble-sdk-arduino</a:t>
             </a:r>
-            <a:endParaRPr lang="en-SG" dirty="0" smtClean="0">
+            <a:endParaRPr lang="en-SG" dirty="0">
               <a:hlinkClick r:id="rId3"/>
             </a:endParaRPr>
           </a:p>
           <a:p>
             <a:pPr lvl="2"/>
-            <a:r>
-              <a:rPr lang="en-SG" dirty="0" smtClean="0">
-                <a:hlinkClick r:id="rId3"/>
-              </a:rPr>
-              <a:t>https</a:t>
-            </a:r>
             <a:r>
               <a:rPr lang="en-SG" dirty="0">
                 <a:hlinkClick r:id="rId3"/>
               </a:rPr>
-              <a:t>://</a:t>
-            </a:r>
-            <a:r>
-              <a:rPr lang="en-SG" dirty="0" smtClean="0">
-                <a:hlinkClick r:id="rId3"/>
-              </a:rPr>
-              <a:t>github.com/sandeepmistry/arduino-BLEPeripheral</a:t>
-            </a:r>
-            <a:endParaRPr lang="en-SG" dirty="0" smtClean="0"/>
+              <a:t>https://github.com/sandeepmistry/arduino-BLEPeripheral</a:t>
+            </a:r>
+            <a:endParaRPr lang="en-SG" dirty="0"/>
           </a:p>
           <a:p>
             <a:pPr lvl="1"/>
-            <a:endParaRPr lang="en-SG" sz="2000" dirty="0" smtClean="0"/>
+            <a:endParaRPr lang="en-SG" sz="2000" dirty="0"/>
           </a:p>
         </p:txBody>
       </p:sp>
@@ -15745,27 +15380,15 @@
           <a:lstStyle/>
           <a:p>
             <a:r>
-              <a:rPr lang="en-SG" dirty="0" smtClean="0"/>
-              <a:t>3b. Central </a:t>
-            </a:r>
-            <a:r>
-              <a:rPr lang="en-SG" dirty="0"/>
-              <a:t>architecture plan </a:t>
-            </a:r>
-            <a:r>
-              <a:rPr lang="en-SG" dirty="0" smtClean="0"/>
-              <a:t/>
+              <a:rPr lang="en-SG" dirty="0"/>
+              <a:t>3b. Central architecture plan </a:t>
             </a:r>
             <a:br>
-              <a:rPr lang="en-SG" dirty="0" smtClean="0"/>
+              <a:rPr lang="en-SG" dirty="0"/>
             </a:br>
             <a:r>
-              <a:rPr lang="en-SG" dirty="0" smtClean="0"/>
-              <a:t>(</a:t>
-            </a:r>
-            <a:r>
-              <a:rPr lang="en-SG" dirty="0"/>
-              <a:t>iOS and Android)</a:t>
+              <a:rPr lang="en-SG" dirty="0"/>
+              <a:t>(iOS and Android)</a:t>
             </a:r>
             <a:br>
               <a:rPr lang="en-SG" dirty="0"/>
@@ -15810,23 +15433,23 @@
           <a:p>
             <a:pPr algn="ctr"/>
             <a:r>
-              <a:rPr lang="en-SG" dirty="0" err="1" smtClean="0"/>
+              <a:rPr lang="en-SG" dirty="0" err="1"/>
               <a:t>MainActivity</a:t>
             </a:r>
             <a:r>
-              <a:rPr lang="en-SG" dirty="0" smtClean="0"/>
+              <a:rPr lang="en-SG" dirty="0"/>
               <a:t>/</a:t>
             </a:r>
             <a:r>
-              <a:rPr lang="en-SG" dirty="0" err="1" smtClean="0"/>
+              <a:rPr lang="en-SG" dirty="0" err="1"/>
               <a:t>ViewController</a:t>
             </a:r>
-            <a:endParaRPr lang="en-SG" dirty="0" smtClean="0"/>
+            <a:endParaRPr lang="en-SG" dirty="0"/>
           </a:p>
           <a:p>
             <a:pPr algn="ctr"/>
             <a:r>
-              <a:rPr lang="en-SG" dirty="0" smtClean="0"/>
+              <a:rPr lang="en-SG" dirty="0"/>
               <a:t>(UI)</a:t>
             </a:r>
           </a:p>
@@ -15868,18 +15491,17 @@
           <a:p>
             <a:pPr algn="ctr"/>
             <a:r>
-              <a:rPr lang="en-SG" dirty="0" err="1" smtClean="0"/>
+              <a:rPr lang="en-SG" dirty="0" err="1"/>
               <a:t>BLEHandler</a:t>
             </a:r>
-            <a:endParaRPr lang="en-SG" dirty="0" smtClean="0"/>
+            <a:endParaRPr lang="en-SG" dirty="0"/>
           </a:p>
           <a:p>
             <a:pPr algn="ctr"/>
             <a:r>
-              <a:rPr lang="en-SG" dirty="0" smtClean="0"/>
+              <a:rPr lang="en-SG" dirty="0"/>
               <a:t>(Deals with platform’s BLE APIs)</a:t>
             </a:r>
-            <a:endParaRPr lang="en-SG" dirty="0"/>
           </a:p>
         </p:txBody>
       </p:sp>
@@ -15959,14 +15581,13 @@
           <a:p>
             <a:pPr algn="ctr"/>
             <a:r>
-              <a:rPr lang="en-SG" dirty="0" err="1" smtClean="0"/>
+              <a:rPr lang="en-SG" dirty="0" err="1"/>
               <a:t>BLEHandlerCallback</a:t>
             </a:r>
             <a:r>
-              <a:rPr lang="en-SG" dirty="0" smtClean="0"/>
+              <a:rPr lang="en-SG" dirty="0"/>
               <a:t>** Interface/Delegate</a:t>
             </a:r>
-            <a:endParaRPr lang="en-SG" dirty="0"/>
           </a:p>
         </p:txBody>
       </p:sp>
@@ -16066,10 +15687,9 @@
           <a:lstStyle/>
           <a:p>
             <a:r>
-              <a:rPr lang="en-SG" dirty="0" smtClean="0"/>
+              <a:rPr lang="en-SG" dirty="0"/>
               <a:t>Calls functions</a:t>
             </a:r>
-            <a:endParaRPr lang="en-SG" dirty="0"/>
           </a:p>
         </p:txBody>
       </p:sp>
@@ -16096,10 +15716,9 @@
           <a:lstStyle/>
           <a:p>
             <a:r>
-              <a:rPr lang="en-SG" dirty="0" smtClean="0"/>
+              <a:rPr lang="en-SG" dirty="0"/>
               <a:t>Returns results*</a:t>
             </a:r>
-            <a:endParaRPr lang="en-SG" dirty="0"/>
           </a:p>
         </p:txBody>
       </p:sp>
@@ -16126,28 +15745,28 @@
           <a:lstStyle/>
           <a:p>
             <a:r>
-              <a:rPr lang="en-SG" dirty="0" smtClean="0"/>
+              <a:rPr lang="en-SG" dirty="0"/>
               <a:t>*BLE APIs are asynchronous in nature. </a:t>
             </a:r>
           </a:p>
           <a:p>
             <a:r>
-              <a:rPr lang="en-SG" dirty="0" smtClean="0"/>
+              <a:rPr lang="en-SG" dirty="0"/>
               <a:t>**Use </a:t>
             </a:r>
             <a:r>
-              <a:rPr lang="en-SG" dirty="0" err="1" smtClean="0"/>
+              <a:rPr lang="en-SG" dirty="0" err="1"/>
               <a:t>BLEHandlerCallback</a:t>
             </a:r>
             <a:r>
-              <a:rPr lang="en-SG" dirty="0" smtClean="0"/>
+              <a:rPr lang="en-SG" dirty="0"/>
               <a:t> to avoid tight coupling between UI and </a:t>
             </a:r>
             <a:r>
-              <a:rPr lang="en-SG" dirty="0" err="1" smtClean="0"/>
+              <a:rPr lang="en-SG" dirty="0" err="1"/>
               <a:t>BLEHandler</a:t>
             </a:r>
-            <a:endParaRPr lang="en-SG" dirty="0" smtClean="0"/>
+            <a:endParaRPr lang="en-SG" dirty="0"/>
           </a:p>
           <a:p>
             <a:endParaRPr lang="en-SG" dirty="0"/>
@@ -16177,10 +15796,9 @@
           <a:lstStyle/>
           <a:p>
             <a:r>
-              <a:rPr lang="en-SG" dirty="0" smtClean="0"/>
+              <a:rPr lang="en-SG" dirty="0"/>
               <a:t>implements</a:t>
             </a:r>
-            <a:endParaRPr lang="en-SG" dirty="0"/>
           </a:p>
         </p:txBody>
       </p:sp>
@@ -16253,10 +15871,9 @@
           <a:lstStyle/>
           <a:p>
             <a:r>
-              <a:rPr lang="en-SG" dirty="0" smtClean="0"/>
+              <a:rPr lang="en-SG" dirty="0"/>
               <a:t>3c. iOS Code</a:t>
             </a:r>
-            <a:endParaRPr lang="en-SG" dirty="0"/>
           </a:p>
         </p:txBody>
       </p:sp>
@@ -16276,37 +15893,37 @@
           <a:lstStyle/>
           <a:p>
             <a:r>
-              <a:rPr lang="en-SG" dirty="0" smtClean="0"/>
+              <a:rPr lang="en-SG" dirty="0"/>
               <a:t>Platform</a:t>
             </a:r>
           </a:p>
           <a:p>
             <a:pPr lvl="1"/>
             <a:r>
-              <a:rPr lang="en-SG" dirty="0" smtClean="0"/>
+              <a:rPr lang="en-SG" dirty="0"/>
               <a:t>Device: iPod Touch 6G</a:t>
             </a:r>
           </a:p>
           <a:p>
             <a:pPr lvl="1"/>
             <a:r>
-              <a:rPr lang="en-SG" dirty="0" smtClean="0"/>
+              <a:rPr lang="en-SG" dirty="0"/>
               <a:t>OS: iOS 9.3.2</a:t>
             </a:r>
           </a:p>
           <a:p>
             <a:r>
-              <a:rPr lang="en-SG" dirty="0" smtClean="0"/>
+              <a:rPr lang="en-SG" dirty="0"/>
               <a:t>Programming Language: Swift</a:t>
             </a:r>
           </a:p>
           <a:p>
             <a:r>
-              <a:rPr lang="en-SG" dirty="0" err="1" smtClean="0"/>
+              <a:rPr lang="en-SG" dirty="0" err="1"/>
               <a:t>Xcode</a:t>
             </a:r>
             <a:r>
-              <a:rPr lang="en-SG" dirty="0" smtClean="0"/>
+              <a:rPr lang="en-SG" dirty="0"/>
               <a:t> 7.3.1</a:t>
             </a:r>
           </a:p>
@@ -16387,10 +16004,9 @@
           <a:lstStyle/>
           <a:p>
             <a:r>
-              <a:rPr lang="en-SG" dirty="0" smtClean="0"/>
+              <a:rPr lang="en-SG" dirty="0"/>
               <a:t>3b. Raspberry Pi code</a:t>
             </a:r>
-            <a:endParaRPr lang="en-SG" dirty="0"/>
           </a:p>
         </p:txBody>
       </p:sp>
@@ -16404,10 +16020,15 @@
             <p:ph idx="1"/>
           </p:nvPr>
         </p:nvSpPr>
-        <p:spPr/>
+        <p:spPr>
+          <a:xfrm>
+            <a:off x="628650" y="1825625"/>
+            <a:ext cx="7886700" cy="4556514"/>
+          </a:xfrm>
+        </p:spPr>
         <p:txBody>
           <a:bodyPr>
-            <a:normAutofit fontScale="92500" lnSpcReduction="20000"/>
+            <a:normAutofit fontScale="85000" lnSpcReduction="20000"/>
           </a:bodyPr>
           <a:lstStyle/>
           <a:p>
@@ -16419,115 +16040,102 @@
           <a:p>
             <a:pPr lvl="1"/>
             <a:r>
-              <a:rPr lang="en-SG" dirty="0" smtClean="0"/>
-              <a:t>Device*: Pi 2 Model B</a:t>
+              <a:rPr lang="en-SG" dirty="0"/>
+              <a:t>Device: Pi 3 Model B</a:t>
+            </a:r>
+          </a:p>
+          <a:p>
+            <a:pPr lvl="1"/>
+            <a:r>
+              <a:rPr lang="en-SG" dirty="0"/>
+              <a:t>OS: Arch Linux ARM</a:t>
+            </a:r>
+          </a:p>
+          <a:p>
+            <a:r>
+              <a:rPr lang="en-SG" dirty="0"/>
+              <a:t>Programming Language: </a:t>
+            </a:r>
+            <a:r>
+              <a:rPr lang="en-SG" dirty="0" err="1"/>
+              <a:t>Javascript</a:t>
             </a:r>
             <a:endParaRPr lang="en-SG" dirty="0"/>
           </a:p>
           <a:p>
+            <a:r>
+              <a:rPr lang="en-SG" dirty="0"/>
+              <a:t>Framework used: </a:t>
+            </a:r>
+            <a:r>
+              <a:rPr lang="en-SG" dirty="0" err="1"/>
+              <a:t>Nodejs</a:t>
+            </a:r>
+            <a:endParaRPr lang="en-SG" dirty="0"/>
+          </a:p>
+          <a:p>
+            <a:r>
+              <a:rPr lang="en-SG" dirty="0" err="1"/>
+              <a:t>Nodejs</a:t>
+            </a:r>
+            <a:r>
+              <a:rPr lang="en-SG" dirty="0"/>
+              <a:t> BLE Library</a:t>
+            </a:r>
+          </a:p>
+          <a:p>
             <a:pPr lvl="1"/>
             <a:r>
-              <a:rPr lang="en-SG" dirty="0" smtClean="0"/>
-              <a:t>OS*: Arch Linux ARM</a:t>
-            </a:r>
-          </a:p>
-          <a:p>
-            <a:r>
-              <a:rPr lang="en-SG" dirty="0" smtClean="0"/>
-              <a:t>Programming Language: </a:t>
-            </a:r>
-            <a:r>
-              <a:rPr lang="en-SG" dirty="0" err="1" smtClean="0"/>
-              <a:t>Javascript</a:t>
-            </a:r>
-            <a:endParaRPr lang="en-SG" dirty="0" smtClean="0"/>
-          </a:p>
-          <a:p>
-            <a:r>
-              <a:rPr lang="en-SG" dirty="0" smtClean="0"/>
-              <a:t>Framework used: </a:t>
-            </a:r>
-            <a:r>
-              <a:rPr lang="en-SG" dirty="0" err="1" smtClean="0"/>
-              <a:t>Nodejs</a:t>
-            </a:r>
-            <a:endParaRPr lang="en-SG" dirty="0" smtClean="0"/>
-          </a:p>
-          <a:p>
-            <a:r>
-              <a:rPr lang="en-SG" dirty="0" err="1" smtClean="0"/>
-              <a:t>Nodejs</a:t>
-            </a:r>
-            <a:r>
-              <a:rPr lang="en-SG" dirty="0" smtClean="0"/>
-              <a:t> BLE Library</a:t>
+              <a:rPr lang="en-SG" dirty="0" err="1"/>
+              <a:t>Bleno</a:t>
+            </a:r>
+            <a:r>
+              <a:rPr lang="en-SG" dirty="0"/>
+              <a:t> (by </a:t>
+            </a:r>
+            <a:r>
+              <a:rPr lang="en-SG" dirty="0" err="1"/>
+              <a:t>Sandeepmistry</a:t>
+            </a:r>
+            <a:r>
+              <a:rPr lang="en-SG" dirty="0"/>
+              <a:t> again)</a:t>
             </a:r>
           </a:p>
           <a:p>
             <a:pPr lvl="1"/>
             <a:r>
-              <a:rPr lang="en-SG" dirty="0" err="1" smtClean="0"/>
-              <a:t>Bleno</a:t>
-            </a:r>
-            <a:r>
-              <a:rPr lang="en-SG" dirty="0" smtClean="0"/>
-              <a:t> (by </a:t>
-            </a:r>
-            <a:r>
-              <a:rPr lang="en-SG" dirty="0" err="1" smtClean="0"/>
-              <a:t>Sandeepmistry</a:t>
-            </a:r>
-            <a:r>
-              <a:rPr lang="en-SG" dirty="0" smtClean="0"/>
-              <a:t> again)</a:t>
+              <a:rPr lang="en-SG" dirty="0"/>
+              <a:t>Abstraction over Linux’s </a:t>
+            </a:r>
+            <a:r>
+              <a:rPr lang="en-SG" dirty="0" err="1"/>
+              <a:t>Bluez</a:t>
+            </a:r>
+            <a:r>
+              <a:rPr lang="en-SG" dirty="0"/>
+              <a:t> stack/API</a:t>
             </a:r>
           </a:p>
           <a:p>
             <a:pPr lvl="1"/>
             <a:r>
-              <a:rPr lang="en-SG" dirty="0" smtClean="0"/>
-              <a:t>Abstraction over Linux’s </a:t>
-            </a:r>
-            <a:r>
-              <a:rPr lang="en-SG" dirty="0" err="1" smtClean="0"/>
-              <a:t>Bluez</a:t>
-            </a:r>
-            <a:r>
-              <a:rPr lang="en-SG" dirty="0" smtClean="0"/>
-              <a:t> stack/API</a:t>
-            </a:r>
-          </a:p>
-          <a:p>
-            <a:pPr lvl="1"/>
-            <a:r>
-              <a:rPr lang="en-SG" dirty="0" smtClean="0"/>
+              <a:rPr lang="en-SG" dirty="0"/>
               <a:t>Aggressive maintenance</a:t>
             </a:r>
-            <a:endParaRPr lang="en-SG" dirty="0" smtClean="0">
+            <a:endParaRPr lang="en-SG" dirty="0">
               <a:hlinkClick r:id="rId2"/>
             </a:endParaRPr>
           </a:p>
           <a:p>
             <a:pPr lvl="1"/>
-            <a:r>
-              <a:rPr lang="en-SG" dirty="0" smtClean="0">
-                <a:hlinkClick r:id="rId2"/>
-              </a:rPr>
-              <a:t>https</a:t>
-            </a:r>
             <a:r>
               <a:rPr lang="en-SG" dirty="0">
                 <a:hlinkClick r:id="rId2"/>
               </a:rPr>
-              <a:t>://</a:t>
-            </a:r>
-            <a:r>
-              <a:rPr lang="en-SG" dirty="0" smtClean="0">
-                <a:hlinkClick r:id="rId2"/>
-              </a:rPr>
-              <a:t>github.com/sandeepmistry/bleno</a:t>
-            </a:r>
-            <a:endParaRPr lang="en-SG" dirty="0" smtClean="0"/>
+              <a:t>https://github.com/sandeepmistry/bleno</a:t>
+            </a:r>
+            <a:endParaRPr lang="en-SG" dirty="0"/>
           </a:p>
           <a:p>
             <a:r>
@@ -16545,6 +16153,25 @@
               <a:rPr lang="en-SG" dirty="0"/>
               <a:t> is more “mature” and “easier to use”</a:t>
             </a:r>
+          </a:p>
+          <a:p>
+            <a:r>
+              <a:rPr lang="en-SG" dirty="0"/>
+              <a:t>Raspberry Pi 3 UART/Bluetooth issues</a:t>
+            </a:r>
+          </a:p>
+          <a:p>
+            <a:pPr lvl="1"/>
+            <a:r>
+              <a:rPr lang="en-SG" sz="1900" dirty="0">
+                <a:hlinkClick r:id="rId3"/>
+              </a:rPr>
+              <a:t>http://yeokhengmeng.com/2016/03/raspberry-pi-3-uartbluetooth-issues/</a:t>
+            </a:r>
+            <a:endParaRPr lang="en-SG" sz="1900" dirty="0"/>
+          </a:p>
+          <a:p>
+            <a:endParaRPr lang="en-SG" dirty="0"/>
           </a:p>
           <a:p>
             <a:endParaRPr lang="en-SG" dirty="0"/>
@@ -16574,10 +16201,9 @@
           <a:lstStyle/>
           <a:p>
             <a:r>
-              <a:rPr lang="en-SG" dirty="0" smtClean="0"/>
+              <a:rPr lang="en-SG" dirty="0"/>
               <a:t>*Others will work too</a:t>
             </a:r>
-            <a:endParaRPr lang="en-SG" dirty="0"/>
           </a:p>
         </p:txBody>
       </p:sp>
@@ -16607,7 +16233,7 @@
     </p:spTree>
     <p:extLst>
       <p:ext uri="{BB962C8B-B14F-4D97-AF65-F5344CB8AC3E}">
-        <p14:creationId xmlns:p14="http://schemas.microsoft.com/office/powerpoint/2010/main" val="2966426007"/>
+        <p14:creationId xmlns:p14="http://schemas.microsoft.com/office/powerpoint/2010/main" val="911889993"/>
       </p:ext>
     </p:extLst>
   </p:cSld>
@@ -16650,10 +16276,9 @@
           <a:lstStyle/>
           <a:p>
             <a:r>
-              <a:rPr lang="en-SG" dirty="0" smtClean="0"/>
+              <a:rPr lang="en-SG" dirty="0"/>
               <a:t>3c. Android code</a:t>
             </a:r>
-            <a:endParaRPr lang="en-SG" dirty="0"/>
           </a:p>
         </p:txBody>
       </p:sp>
@@ -16681,43 +16306,27 @@
             <a:pPr lvl="1"/>
             <a:r>
               <a:rPr lang="en-SG" dirty="0"/>
-              <a:t>Device: </a:t>
-            </a:r>
-            <a:r>
-              <a:rPr lang="en-SG" dirty="0" smtClean="0"/>
-              <a:t>Nexus 5</a:t>
-            </a:r>
-            <a:endParaRPr lang="en-SG" dirty="0"/>
+              <a:t>Device: Nexus 5</a:t>
+            </a:r>
           </a:p>
           <a:p>
             <a:pPr lvl="1"/>
             <a:r>
               <a:rPr lang="en-SG" dirty="0"/>
-              <a:t>OS: </a:t>
-            </a:r>
-            <a:r>
-              <a:rPr lang="en-SG" dirty="0" smtClean="0"/>
-              <a:t>Android 6.0.1</a:t>
-            </a:r>
-            <a:endParaRPr lang="en-SG" dirty="0"/>
-          </a:p>
-          <a:p>
-            <a:r>
-              <a:rPr lang="en-SG" dirty="0"/>
-              <a:t>Programming Language: </a:t>
-            </a:r>
-            <a:r>
-              <a:rPr lang="en-SG" dirty="0" smtClean="0"/>
-              <a:t>Java</a:t>
-            </a:r>
-            <a:endParaRPr lang="en-SG" dirty="0"/>
-          </a:p>
-          <a:p>
-            <a:r>
-              <a:rPr lang="en-SG" dirty="0" smtClean="0"/>
+              <a:t>OS: Android 6.0.1</a:t>
+            </a:r>
+          </a:p>
+          <a:p>
+            <a:r>
+              <a:rPr lang="en-SG" dirty="0"/>
+              <a:t>Programming Language: Java</a:t>
+            </a:r>
+          </a:p>
+          <a:p>
+            <a:r>
+              <a:rPr lang="en-SG" dirty="0"/>
               <a:t>Android Studio 1.5.1</a:t>
             </a:r>
-            <a:endParaRPr lang="en-SG" dirty="0"/>
           </a:p>
           <a:p>
             <a:endParaRPr lang="en-SG" dirty="0"/>
@@ -16793,10 +16402,9 @@
           <a:lstStyle/>
           <a:p>
             <a:r>
-              <a:rPr lang="en-SG" dirty="0" smtClean="0"/>
+              <a:rPr lang="en-SG" dirty="0"/>
               <a:t>4a. General Issues</a:t>
             </a:r>
-            <a:endParaRPr lang="en-SG" dirty="0"/>
           </a:p>
         </p:txBody>
       </p:sp>
@@ -16827,71 +16435,62 @@
             </a:pPr>
             <a:r>
               <a:rPr lang="en-SG" sz="2800" dirty="0"/>
-              <a:t>Limit data transfer to 20-byte </a:t>
-            </a:r>
-            <a:r>
-              <a:rPr lang="en-SG" sz="2800" dirty="0" smtClean="0"/>
-              <a:t>chunks</a:t>
-            </a:r>
-          </a:p>
-          <a:p>
-            <a:r>
-              <a:rPr lang="en-SG" dirty="0" smtClean="0"/>
+              <a:t>Limit data transfer to 20-byte chunks</a:t>
+            </a:r>
+          </a:p>
+          <a:p>
+            <a:r>
+              <a:rPr lang="en-SG" dirty="0"/>
               <a:t>Peripheral</a:t>
             </a:r>
           </a:p>
           <a:p>
             <a:pPr lvl="1"/>
             <a:r>
-              <a:rPr lang="en-SG" dirty="0" smtClean="0"/>
+              <a:rPr lang="en-SG" dirty="0"/>
               <a:t>Characteristics support UTF-8 values</a:t>
             </a:r>
           </a:p>
           <a:p>
             <a:pPr lvl="2"/>
             <a:r>
-              <a:rPr lang="en-SG" dirty="0" smtClean="0"/>
+              <a:rPr lang="en-SG" dirty="0"/>
               <a:t>I use ASCII for Arduino compatibility, but UTF-8 is generally safe</a:t>
             </a:r>
-            <a:endParaRPr lang="en-SG" dirty="0"/>
-          </a:p>
-          <a:p>
-            <a:r>
-              <a:rPr lang="en-SG" dirty="0" smtClean="0"/>
+          </a:p>
+          <a:p>
+            <a:r>
+              <a:rPr lang="en-SG" dirty="0"/>
               <a:t>Central</a:t>
             </a:r>
           </a:p>
           <a:p>
             <a:pPr lvl="1"/>
             <a:r>
-              <a:rPr lang="en-SG" dirty="0" smtClean="0"/>
-              <a:t>Must </a:t>
-            </a:r>
-            <a:r>
-              <a:rPr lang="en-SG" dirty="0" smtClean="0"/>
-              <a:t>rescan upon Bluetooth/phone restart</a:t>
+              <a:rPr lang="en-SG" dirty="0"/>
+              <a:t>Must rescan upon Bluetooth/phone restart</a:t>
             </a:r>
           </a:p>
           <a:p>
             <a:pPr lvl="2"/>
             <a:r>
-              <a:rPr lang="en-SG" dirty="0" smtClean="0"/>
+              <a:rPr lang="en-SG" dirty="0"/>
               <a:t>Existing </a:t>
             </a:r>
             <a:r>
-              <a:rPr lang="en-SG" dirty="0" err="1" smtClean="0"/>
+              <a:rPr lang="en-SG" dirty="0" err="1"/>
               <a:t>CBPeripheral</a:t>
             </a:r>
             <a:r>
-              <a:rPr lang="en-SG" dirty="0" smtClean="0"/>
+              <a:rPr lang="en-SG" dirty="0"/>
               <a:t> (iOS) and </a:t>
             </a:r>
             <a:r>
-              <a:rPr lang="en-SG" dirty="0" err="1" smtClean="0"/>
+              <a:rPr lang="en-SG" dirty="0" err="1"/>
               <a:t>BluetoothDevice</a:t>
             </a:r>
             <a:r>
-              <a:rPr lang="en-SG" dirty="0" smtClean="0"/>
+              <a:rPr lang="en-SG" dirty="0"/>
               <a:t> (Android) references becomes invalid</a:t>
             </a:r>
           </a:p>
@@ -17356,10 +16955,9 @@
           <a:lstStyle/>
           <a:p>
             <a:r>
-              <a:rPr lang="en-SG" dirty="0" smtClean="0"/>
+              <a:rPr lang="en-SG" dirty="0"/>
               <a:t>Where I started from?</a:t>
             </a:r>
-            <a:endParaRPr lang="en-SG" dirty="0"/>
           </a:p>
         </p:txBody>
       </p:sp>
@@ -17386,31 +16984,31 @@
           <a:lstStyle/>
           <a:p>
             <a:r>
-              <a:rPr lang="en-SG" dirty="0" err="1" smtClean="0"/>
+              <a:rPr lang="en-SG" dirty="0" err="1"/>
               <a:t>Innova</a:t>
             </a:r>
             <a:r>
-              <a:rPr lang="en-SG" dirty="0" smtClean="0"/>
+              <a:rPr lang="en-SG" dirty="0"/>
               <a:t> Technology</a:t>
             </a:r>
           </a:p>
           <a:p>
             <a:pPr lvl="1"/>
             <a:r>
-              <a:rPr lang="en-SG" dirty="0" smtClean="0"/>
+              <a:rPr lang="en-SG" dirty="0"/>
               <a:t>Makes anti-loss BLE tags with companion phone app</a:t>
             </a:r>
           </a:p>
           <a:p>
             <a:pPr lvl="1"/>
             <a:r>
-              <a:rPr lang="en-SG" dirty="0" smtClean="0"/>
+              <a:rPr lang="en-SG" dirty="0"/>
               <a:t>“Protags”</a:t>
             </a:r>
           </a:p>
           <a:p>
             <a:r>
-              <a:rPr lang="en-SG" dirty="0" smtClean="0"/>
+              <a:rPr lang="en-SG" dirty="0"/>
               <a:t>Android Dev</a:t>
             </a:r>
           </a:p>
@@ -17423,14 +17021,14 @@
           <a:p>
             <a:pPr lvl="1"/>
             <a:r>
-              <a:rPr lang="en-SG" dirty="0" smtClean="0"/>
+              <a:rPr lang="en-SG" dirty="0"/>
               <a:t>Era before Android officially supported BLE</a:t>
             </a:r>
           </a:p>
           <a:p>
             <a:pPr lvl="1"/>
             <a:r>
-              <a:rPr lang="en-SG" dirty="0" smtClean="0"/>
+              <a:rPr lang="en-SG" dirty="0"/>
               <a:t>Fragmentation like you have never seen</a:t>
             </a:r>
           </a:p>
@@ -17600,10 +17198,9 @@
           <a:lstStyle/>
           <a:p>
             <a:r>
-              <a:rPr lang="en-SG" dirty="0" smtClean="0"/>
+              <a:rPr lang="en-SG" dirty="0"/>
               <a:t>4b. iOS issues</a:t>
             </a:r>
-            <a:endParaRPr lang="en-SG" dirty="0"/>
           </a:p>
         </p:txBody>
       </p:sp>
@@ -17630,19 +17227,14 @@
           <a:lstStyle/>
           <a:p>
             <a:r>
-              <a:rPr lang="en-SG" dirty="0" smtClean="0"/>
-              <a:t>Cannot retrieve Mac </a:t>
-            </a:r>
-            <a:r>
-              <a:rPr lang="en-SG" dirty="0" smtClean="0"/>
-              <a:t>Address (without private APIs)</a:t>
-            </a:r>
-            <a:endParaRPr lang="en-SG" dirty="0" smtClean="0"/>
+              <a:rPr lang="en-SG" dirty="0"/>
+              <a:t>Cannot retrieve Mac Address (without private APIs)</a:t>
+            </a:r>
           </a:p>
           <a:p>
             <a:pPr lvl="1"/>
             <a:r>
-              <a:rPr lang="en-SG" dirty="0" smtClean="0"/>
+              <a:rPr lang="en-SG" dirty="0"/>
               <a:t>Generated UUID specific to iOS device</a:t>
             </a:r>
           </a:p>
@@ -17650,122 +17242,110 @@
             <a:pPr lvl="1"/>
             <a:r>
               <a:rPr lang="en-SG" dirty="0"/>
-              <a:t>I</a:t>
-            </a:r>
-            <a:r>
-              <a:rPr lang="en-SG" dirty="0" smtClean="0"/>
-              <a:t>dentification issues across iOS devices /Android</a:t>
+              <a:t>Identification issues across iOS devices /Android</a:t>
             </a:r>
           </a:p>
           <a:p>
             <a:pPr lvl="1"/>
             <a:r>
-              <a:rPr lang="en-SG" dirty="0" smtClean="0"/>
+              <a:rPr lang="en-SG" dirty="0"/>
               <a:t>Solution:</a:t>
             </a:r>
           </a:p>
           <a:p>
             <a:pPr lvl="1"/>
             <a:r>
-              <a:rPr lang="en-SG" dirty="0" smtClean="0"/>
-              <a:t>Peripheral embeds Mac </a:t>
-            </a:r>
-            <a:r>
-              <a:rPr lang="en-SG" dirty="0"/>
-              <a:t>A</a:t>
-            </a:r>
-            <a:r>
-              <a:rPr lang="en-SG" dirty="0" smtClean="0"/>
-              <a:t>ddress in advertisement (GAP) data</a:t>
+              <a:rPr lang="en-SG" dirty="0"/>
+              <a:t>Peripheral embeds Mac Address in advertisement (GAP) data</a:t>
             </a:r>
           </a:p>
           <a:p>
             <a:pPr lvl="3"/>
             <a:r>
-              <a:rPr lang="en-SG" dirty="0" smtClean="0"/>
+              <a:rPr lang="en-SG" dirty="0"/>
               <a:t>Manufacturer data field (</a:t>
             </a:r>
             <a:r>
-              <a:rPr lang="en-SG" dirty="0" err="1" smtClean="0"/>
+              <a:rPr lang="en-SG" dirty="0" err="1"/>
               <a:t>Innova</a:t>
             </a:r>
             <a:r>
-              <a:rPr lang="en-SG" dirty="0" smtClean="0"/>
+              <a:rPr lang="en-SG" dirty="0"/>
               <a:t> Technology)</a:t>
             </a:r>
           </a:p>
           <a:p>
             <a:pPr lvl="3"/>
             <a:r>
-              <a:rPr lang="en-SG" dirty="0" smtClean="0"/>
+              <a:rPr lang="en-SG" dirty="0"/>
               <a:t>In device/local name fields (</a:t>
             </a:r>
             <a:r>
-              <a:rPr lang="en-SG" dirty="0" err="1" smtClean="0"/>
+              <a:rPr lang="en-SG" dirty="0" err="1"/>
               <a:t>Algo</a:t>
             </a:r>
             <a:r>
-              <a:rPr lang="en-SG" dirty="0" smtClean="0"/>
+              <a:rPr lang="en-SG" dirty="0"/>
               <a:t> Access)</a:t>
             </a:r>
           </a:p>
           <a:p>
             <a:r>
-              <a:rPr lang="en-SG" dirty="0" smtClean="0"/>
+              <a:rPr lang="en-SG" dirty="0"/>
               <a:t>Aggressive caching of GATT data</a:t>
             </a:r>
           </a:p>
           <a:p>
             <a:pPr lvl="1"/>
             <a:r>
-              <a:rPr lang="en-SG" dirty="0" smtClean="0"/>
+              <a:rPr lang="en-SG" dirty="0"/>
               <a:t>Receive out-of-date GATT data during peripheral development</a:t>
             </a:r>
           </a:p>
           <a:p>
             <a:pPr lvl="1"/>
             <a:r>
-              <a:rPr lang="en-SG" dirty="0" smtClean="0"/>
+              <a:rPr lang="en-SG" dirty="0"/>
               <a:t>Solution:</a:t>
             </a:r>
           </a:p>
           <a:p>
             <a:pPr lvl="2"/>
             <a:r>
-              <a:rPr lang="en-SG" dirty="0" smtClean="0"/>
+              <a:rPr lang="en-SG" dirty="0"/>
               <a:t>Restart iOS’s Bluetooth after every change in peripheral software/firmware</a:t>
             </a:r>
           </a:p>
           <a:p>
             <a:r>
-              <a:rPr lang="en-SG" dirty="0" smtClean="0"/>
+              <a:rPr lang="en-SG" dirty="0"/>
               <a:t>Max number of BLE connections</a:t>
             </a:r>
           </a:p>
           <a:p>
             <a:pPr lvl="1"/>
             <a:r>
-              <a:rPr lang="en-SG" dirty="0" smtClean="0"/>
+              <a:rPr lang="en-SG" dirty="0"/>
               <a:t>~20 (online anecdotes)</a:t>
             </a:r>
           </a:p>
           <a:p>
             <a:r>
-              <a:rPr lang="en-SG" dirty="0" smtClean="0"/>
+              <a:rPr lang="en-SG" dirty="0"/>
               <a:t>Max theoretical connection speed = 6KiB/s</a:t>
             </a:r>
           </a:p>
           <a:p>
             <a:pPr lvl="1"/>
             <a:r>
-              <a:rPr lang="en-SG" dirty="0" smtClean="0"/>
+              <a:rPr lang="en-SG" dirty="0"/>
               <a:t>20 bytes MTU, 6 packets/connection interval, 20ms interval</a:t>
             </a:r>
           </a:p>
           <a:p>
             <a:pPr lvl="1"/>
             <a:r>
-              <a:rPr lang="en-SG" dirty="0" smtClean="0"/>
+              <a:rPr lang="en-SG" dirty="0"/>
               <a:t>(20 bytes * 6 ) / 20ms = 6KiB/s</a:t>
             </a:r>
           </a:p>
@@ -17824,18 +17404,17 @@
           <a:lstStyle/>
           <a:p>
             <a:r>
-              <a:rPr lang="en-US" dirty="0" smtClean="0"/>
+              <a:rPr lang="en-US" dirty="0"/>
               <a:t>*nRF51 supports 7.5 </a:t>
             </a:r>
             <a:r>
-              <a:rPr lang="en-US" dirty="0" err="1" smtClean="0"/>
+              <a:rPr lang="en-US" dirty="0" err="1"/>
               <a:t>ms</a:t>
             </a:r>
             <a:r>
-              <a:rPr lang="en-US" dirty="0" smtClean="0"/>
+              <a:rPr lang="en-US" dirty="0"/>
               <a:t> connection interval</a:t>
             </a:r>
-            <a:endParaRPr lang="en-US" dirty="0"/>
           </a:p>
         </p:txBody>
       </p:sp>
@@ -18653,6 +18232,59 @@
                       </p:childTnLst>
                     </p:cTn>
                   </p:par>
+                  <p:par>
+                    <p:cTn id="63" fill="hold">
+                      <p:stCondLst>
+                        <p:cond delay="indefinite"/>
+                      </p:stCondLst>
+                      <p:childTnLst>
+                        <p:par>
+                          <p:cTn id="64" fill="hold">
+                            <p:stCondLst>
+                              <p:cond delay="0"/>
+                            </p:stCondLst>
+                            <p:childTnLst>
+                              <p:par>
+                                <p:cTn id="65" presetID="10" presetClass="entr" presetSubtype="0" fill="hold" grpId="0" nodeType="clickEffect">
+                                  <p:stCondLst>
+                                    <p:cond delay="0"/>
+                                  </p:stCondLst>
+                                  <p:childTnLst>
+                                    <p:set>
+                                      <p:cBhvr>
+                                        <p:cTn id="66" dur="1" fill="hold">
+                                          <p:stCondLst>
+                                            <p:cond delay="0"/>
+                                          </p:stCondLst>
+                                        </p:cTn>
+                                        <p:tgtEl>
+                                          <p:spTgt spid="5"/>
+                                        </p:tgtEl>
+                                        <p:attrNameLst>
+                                          <p:attrName>style.visibility</p:attrName>
+                                        </p:attrNameLst>
+                                      </p:cBhvr>
+                                      <p:to>
+                                        <p:strVal val="visible"/>
+                                      </p:to>
+                                    </p:set>
+                                    <p:animEffect transition="in" filter="fade">
+                                      <p:cBhvr>
+                                        <p:cTn id="67" dur="500"/>
+                                        <p:tgtEl>
+                                          <p:spTgt spid="5"/>
+                                        </p:tgtEl>
+                                      </p:cBhvr>
+                                    </p:animEffect>
+                                  </p:childTnLst>
+                                </p:cTn>
+                              </p:par>
+                            </p:childTnLst>
+                          </p:cTn>
+                        </p:par>
+                      </p:childTnLst>
+                    </p:cTn>
+                  </p:par>
                 </p:childTnLst>
               </p:cTn>
               <p:prevCondLst>
@@ -18674,6 +18306,9 @@
         </p:cTn>
       </p:par>
     </p:tnLst>
+    <p:bldLst>
+      <p:bldP spid="5" grpId="0"/>
+    </p:bldLst>
   </p:timing>
 </p:sld>
 </file>
@@ -18711,10 +18346,9 @@
           <a:lstStyle/>
           <a:p>
             <a:r>
-              <a:rPr lang="en-SG" dirty="0" smtClean="0"/>
+              <a:rPr lang="en-SG" dirty="0"/>
               <a:t>4c. Android issues (the past)</a:t>
             </a:r>
-            <a:endParaRPr lang="en-SG" dirty="0"/>
           </a:p>
         </p:txBody>
       </p:sp>
@@ -18734,58 +18368,57 @@
           <a:lstStyle/>
           <a:p>
             <a:r>
-              <a:rPr lang="en-SG" dirty="0" smtClean="0"/>
+              <a:rPr lang="en-SG" dirty="0"/>
               <a:t>Before Android 4.3 (July 2013)</a:t>
             </a:r>
           </a:p>
           <a:p>
             <a:pPr lvl="1"/>
             <a:r>
-              <a:rPr lang="en-SG" dirty="0" smtClean="0"/>
+              <a:rPr lang="en-SG" dirty="0"/>
               <a:t>Fragmentation hell</a:t>
             </a:r>
           </a:p>
           <a:p>
             <a:pPr lvl="1"/>
             <a:r>
-              <a:rPr lang="en-SG" dirty="0" smtClean="0"/>
+              <a:rPr lang="en-SG" dirty="0"/>
               <a:t>Proprietary Libraries by OEMs, Android &lt;= 4.2</a:t>
             </a:r>
           </a:p>
           <a:p>
             <a:pPr lvl="2"/>
             <a:r>
-              <a:rPr lang="en-SG" dirty="0" smtClean="0"/>
+              <a:rPr lang="en-SG" dirty="0"/>
               <a:t>Samsung (quite reliable)</a:t>
             </a:r>
           </a:p>
           <a:p>
             <a:pPr lvl="2"/>
             <a:r>
-              <a:rPr lang="en-SG" dirty="0" smtClean="0"/>
+              <a:rPr lang="en-SG" dirty="0"/>
               <a:t>HTC – buggy, unreliable </a:t>
             </a:r>
           </a:p>
           <a:p>
             <a:pPr lvl="2"/>
             <a:r>
-              <a:rPr lang="en-SG" dirty="0" smtClean="0"/>
+              <a:rPr lang="en-SG" dirty="0"/>
               <a:t>Motorola (reliable but conflicts with Android 4.3)</a:t>
             </a:r>
           </a:p>
           <a:p>
             <a:pPr lvl="1"/>
             <a:r>
-              <a:rPr lang="en-SG" dirty="0" smtClean="0"/>
+              <a:rPr lang="en-SG" dirty="0"/>
               <a:t>Architecture issues</a:t>
             </a:r>
           </a:p>
           <a:p>
             <a:r>
-              <a:rPr lang="en-SG" dirty="0" smtClean="0"/>
+              <a:rPr lang="en-SG" dirty="0"/>
               <a:t>Testing issues</a:t>
             </a:r>
-            <a:endParaRPr lang="en-SG" dirty="0"/>
           </a:p>
         </p:txBody>
       </p:sp>
@@ -18822,13 +18455,6 @@
   <p:clrMapOvr>
     <a:masterClrMapping/>
   </p:clrMapOvr>
-  <p:timing>
-    <p:tnLst>
-      <p:par>
-        <p:cTn id="1" dur="indefinite" restart="never" nodeType="tmRoot"/>
-      </p:par>
-    </p:tnLst>
-  </p:timing>
 </p:sld>
 </file>
 
@@ -18865,12 +18491,8 @@
           <a:lstStyle/>
           <a:p>
             <a:r>
-              <a:rPr lang="en-SG" dirty="0" smtClean="0"/>
-              <a:t>4c. </a:t>
-            </a:r>
-            <a:r>
-              <a:rPr lang="en-SG" dirty="0"/>
-              <a:t>Android issues (today)</a:t>
+              <a:rPr lang="en-SG" dirty="0"/>
+              <a:t>4c. Android issues (today)</a:t>
             </a:r>
           </a:p>
         </p:txBody>
@@ -18900,7 +18522,7 @@
               <a:buAutoNum type="arabicPeriod"/>
             </a:pPr>
             <a:r>
-              <a:rPr lang="en-SG" dirty="0" smtClean="0"/>
+              <a:rPr lang="en-SG" dirty="0"/>
               <a:t>OS fragmentation</a:t>
             </a:r>
           </a:p>
@@ -18963,7 +18585,7 @@
               <a:buChar char="•"/>
             </a:pPr>
             <a:r>
-              <a:rPr lang="en-SG" dirty="0" smtClean="0">
+              <a:rPr lang="en-SG" dirty="0">
                 <a:solidFill>
                   <a:srgbClr val="00B0F0"/>
                 </a:solidFill>
@@ -18977,18 +18599,13 @@
               <a:buChar char="•"/>
             </a:pPr>
             <a:r>
-              <a:rPr lang="en-SG" dirty="0" smtClean="0">
+              <a:rPr lang="en-SG" dirty="0">
                 <a:solidFill>
                   <a:srgbClr val="FF0000"/>
                 </a:solidFill>
               </a:rPr>
               <a:t>Few support peripheral mode: 35.3% minus Nexus 4, 5, 7 (2012/2013)</a:t>
             </a:r>
-            <a:endParaRPr lang="en-SG" dirty="0">
-              <a:solidFill>
-                <a:srgbClr val="FF0000"/>
-              </a:solidFill>
-            </a:endParaRPr>
           </a:p>
         </p:txBody>
       </p:sp>
@@ -19391,18 +19008,9 @@
           <a:lstStyle/>
           <a:p>
             <a:r>
-              <a:rPr lang="en-SG" dirty="0" smtClean="0"/>
-              <a:t>4c. </a:t>
-            </a:r>
-            <a:r>
-              <a:rPr lang="en-SG" dirty="0"/>
-              <a:t>Android issues </a:t>
-            </a:r>
-            <a:r>
-              <a:rPr lang="en-SG" dirty="0" smtClean="0"/>
-              <a:t>(today)</a:t>
-            </a:r>
-            <a:endParaRPr lang="en-SG" dirty="0"/>
+              <a:rPr lang="en-SG" dirty="0"/>
+              <a:t>4c. Android issues (today)</a:t>
+            </a:r>
           </a:p>
         </p:txBody>
       </p:sp>
@@ -19436,7 +19044,7 @@
               <a:buAutoNum type="arabicPeriod" startAt="2"/>
             </a:pPr>
             <a:r>
-              <a:rPr lang="en-SG" sz="2900" dirty="0" smtClean="0"/>
+              <a:rPr lang="en-SG" sz="2900" dirty="0"/>
               <a:t>All </a:t>
             </a:r>
             <a:r>
@@ -19445,13 +19053,8 @@
             </a:r>
             <a:r>
               <a:rPr lang="en-SG" sz="2900" dirty="0"/>
-              <a:t> from BLE APIs are not on UI </a:t>
-            </a:r>
-            <a:r>
-              <a:rPr lang="en-SG" sz="2900" dirty="0" smtClean="0"/>
-              <a:t>thread.</a:t>
-            </a:r>
-            <a:endParaRPr lang="en-SG" sz="2900" dirty="0"/>
+              <a:t> from BLE APIs are not on UI thread.</a:t>
+            </a:r>
           </a:p>
           <a:p>
             <a:pPr marL="514350" indent="-514350">
@@ -19459,12 +19062,8 @@
               <a:buAutoNum type="arabicPeriod" startAt="3"/>
             </a:pPr>
             <a:r>
-              <a:rPr lang="en-SG" sz="2900" dirty="0" smtClean="0"/>
-              <a:t>APIs </a:t>
-            </a:r>
-            <a:r>
-              <a:rPr lang="en-SG" sz="2900" dirty="0" smtClean="0"/>
-              <a:t>considered new, some functions are buggy</a:t>
+              <a:rPr lang="en-SG" sz="2900" dirty="0"/>
+              <a:t>APIs considered new, some functions are buggy</a:t>
             </a:r>
           </a:p>
           <a:p>
@@ -19473,7 +19072,7 @@
               <a:buAutoNum type="arabicPeriod" startAt="3"/>
             </a:pPr>
             <a:r>
-              <a:rPr lang="en-SG" sz="2900" dirty="0" smtClean="0"/>
+              <a:rPr lang="en-SG" sz="2900" dirty="0"/>
               <a:t>Frequent connection drops (&lt; 5.0)</a:t>
             </a:r>
           </a:p>
@@ -19483,34 +19082,29 @@
               <a:buAutoNum type="arabicPeriod" startAt="3"/>
             </a:pPr>
             <a:r>
-              <a:rPr lang="en-SG" sz="2900" dirty="0" smtClean="0"/>
+              <a:rPr lang="en-SG" sz="2900" dirty="0"/>
               <a:t>Max BLE connections: </a:t>
             </a:r>
           </a:p>
           <a:p>
             <a:pPr lvl="1"/>
             <a:r>
-              <a:rPr lang="en-SG" sz="2900" dirty="0" smtClean="0"/>
+              <a:rPr lang="en-SG" sz="2900" dirty="0"/>
               <a:t>Software cap in </a:t>
             </a:r>
             <a:r>
-              <a:rPr lang="en-SG" sz="2900" dirty="0" err="1" smtClean="0"/>
+              <a:rPr lang="en-SG" sz="2900" dirty="0" err="1"/>
               <a:t>Bluedroid</a:t>
             </a:r>
             <a:r>
-              <a:rPr lang="en-SG" sz="2900" dirty="0" smtClean="0"/>
-              <a:t> code: BTA_GATTC_CONN_MAX</a:t>
-            </a:r>
-            <a:r>
               <a:rPr lang="en-SG" sz="2900" dirty="0"/>
-              <a:t>, GATT_MAX_PHY_CHANNEL</a:t>
-            </a:r>
-            <a:endParaRPr lang="en-SG" sz="2900" dirty="0" smtClean="0"/>
+              <a:t> code: BTA_GATTC_CONN_MAX, GATT_MAX_PHY_CHANNEL</a:t>
+            </a:r>
           </a:p>
           <a:p>
             <a:pPr lvl="1"/>
             <a:r>
-              <a:rPr lang="en-SG" sz="2900" dirty="0" smtClean="0"/>
+              <a:rPr lang="en-SG" sz="2900" dirty="0"/>
               <a:t>Android 4.3: 4</a:t>
             </a:r>
           </a:p>
@@ -19518,11 +19112,7 @@
             <a:pPr lvl="1"/>
             <a:r>
               <a:rPr lang="en-SG" sz="2900" dirty="0"/>
-              <a:t> </a:t>
-            </a:r>
-            <a:r>
-              <a:rPr lang="en-SG" sz="2900" dirty="0" smtClean="0"/>
-              <a:t>   4.4 - 5.0+: 7</a:t>
+              <a:t>    4.4 - 5.0+: 7</a:t>
             </a:r>
           </a:p>
           <a:p>
@@ -19531,15 +19121,15 @@
               <a:buAutoNum type="arabicPeriod" startAt="3"/>
             </a:pPr>
             <a:r>
-              <a:rPr lang="en-SG" sz="2900" dirty="0" smtClean="0"/>
+              <a:rPr lang="en-SG" sz="2900" dirty="0"/>
               <a:t>No API </a:t>
             </a:r>
             <a:r>
-              <a:rPr lang="en-SG" sz="2900" dirty="0" err="1" smtClean="0"/>
+              <a:rPr lang="en-SG" sz="2900" dirty="0" err="1"/>
               <a:t>callback</a:t>
             </a:r>
             <a:r>
-              <a:rPr lang="en-SG" sz="2900" dirty="0" smtClean="0"/>
+              <a:rPr lang="en-SG" sz="2900" dirty="0"/>
               <a:t> to indicate scanning has stopped</a:t>
             </a:r>
           </a:p>
@@ -19547,30 +19137,21 @@
             <a:pPr lvl="1"/>
             <a:r>
               <a:rPr lang="en-SG" sz="2900" dirty="0"/>
-              <a:t>Scan </a:t>
-            </a:r>
-            <a:r>
-              <a:rPr lang="en-SG" sz="2900" dirty="0" smtClean="0"/>
-              <a:t>supposed to be indefinite by API specification, but some phones stop scan after some time</a:t>
+              <a:t>Scan supposed to be indefinite by API specification, but some phones stop scan after some time</a:t>
             </a:r>
           </a:p>
           <a:p>
             <a:pPr lvl="1"/>
             <a:r>
-              <a:rPr lang="en-SG" sz="2900" dirty="0" smtClean="0"/>
+              <a:rPr lang="en-SG" sz="2900" dirty="0"/>
               <a:t>Known offender: Samsung</a:t>
             </a:r>
-            <a:endParaRPr lang="en-SG" sz="2900" dirty="0"/>
           </a:p>
           <a:p>
             <a:pPr lvl="1"/>
             <a:r>
               <a:rPr lang="en-SG" sz="2900" dirty="0"/>
-              <a:t>Solution: Restart scan at regular </a:t>
-            </a:r>
-            <a:r>
-              <a:rPr lang="en-SG" sz="2900" dirty="0" smtClean="0"/>
-              <a:t>intervals</a:t>
+              <a:t>Solution: Restart scan at regular intervals</a:t>
             </a:r>
           </a:p>
           <a:p>
@@ -19579,14 +19160,14 @@
               <a:buAutoNum type="arabicPeriod" startAt="3"/>
             </a:pPr>
             <a:r>
-              <a:rPr lang="en-SG" sz="2900" dirty="0" smtClean="0"/>
+              <a:rPr lang="en-SG" sz="2900" dirty="0"/>
               <a:t>Different scan return result behaviours (See further reading)</a:t>
             </a:r>
           </a:p>
           <a:p>
             <a:pPr lvl="1"/>
             <a:r>
-              <a:rPr lang="en-SG" sz="2900" dirty="0" smtClean="0"/>
+              <a:rPr lang="en-SG" sz="2900" dirty="0"/>
               <a:t>Some phones filter advertisement results, some phones do not. (usually on 4.3 and 4.4)</a:t>
             </a:r>
           </a:p>
@@ -19596,27 +19177,15 @@
               <a:buAutoNum type="arabicPeriod" startAt="3"/>
             </a:pPr>
             <a:r>
-              <a:rPr lang="en-SG" sz="2900" dirty="0" smtClean="0"/>
+              <a:rPr lang="en-SG" sz="2900" dirty="0"/>
               <a:t>Bugs on (Samsung) phones at least &lt; 5.0</a:t>
             </a:r>
           </a:p>
           <a:p>
             <a:pPr lvl="1"/>
             <a:r>
-              <a:rPr lang="en-SG" sz="2900" dirty="0" smtClean="0"/>
-              <a:t>Scan </a:t>
-            </a:r>
-            <a:r>
               <a:rPr lang="en-SG" sz="2900" dirty="0"/>
-              <a:t>using </a:t>
-            </a:r>
-            <a:r>
-              <a:rPr lang="en-SG" sz="2900" dirty="0" smtClean="0"/>
-              <a:t>service UUID </a:t>
-            </a:r>
-            <a:r>
-              <a:rPr lang="en-SG" sz="2900" dirty="0"/>
-              <a:t>filtering does not work -&gt; no results returned</a:t>
+              <a:t>Scan using service UUID filtering does not work -&gt; no results returned</a:t>
             </a:r>
           </a:p>
           <a:p>
@@ -19637,23 +19206,14 @@
             </a:pPr>
             <a:r>
               <a:rPr lang="en-SG" sz="2900" dirty="0"/>
-              <a:t>Slow LE initial discovery </a:t>
-            </a:r>
-            <a:r>
-              <a:rPr lang="en-SG" sz="2900" dirty="0" smtClean="0"/>
-              <a:t>and connection time</a:t>
-            </a:r>
-            <a:endParaRPr lang="en-SG" sz="2900" dirty="0"/>
+              <a:t>Slow LE initial discovery and connection time</a:t>
+            </a:r>
           </a:p>
           <a:p>
             <a:pPr lvl="1"/>
             <a:r>
               <a:rPr lang="en-SG" sz="2900" dirty="0"/>
-              <a:t>HTC seems to have this </a:t>
-            </a:r>
-            <a:r>
-              <a:rPr lang="en-SG" sz="2900" dirty="0" smtClean="0"/>
-              <a:t>issue</a:t>
+              <a:t>HTC seems to have this issue</a:t>
             </a:r>
           </a:p>
           <a:p>
@@ -19662,14 +19222,14 @@
               <a:buAutoNum type="arabicPeriod" startAt="9"/>
             </a:pPr>
             <a:r>
-              <a:rPr lang="en-SG" sz="2900" dirty="0" smtClean="0"/>
+              <a:rPr lang="en-SG" sz="2900" dirty="0"/>
               <a:t>A high-level view on issues collated by </a:t>
             </a:r>
             <a:r>
-              <a:rPr lang="en-SG" sz="2900" dirty="0" err="1" smtClean="0"/>
+              <a:rPr lang="en-SG" sz="2900" dirty="0" err="1"/>
               <a:t>Anaren</a:t>
             </a:r>
-            <a:endParaRPr lang="en-SG" sz="2900" dirty="0" smtClean="0"/>
+            <a:endParaRPr lang="en-SG" sz="2900" dirty="0"/>
           </a:p>
           <a:p>
             <a:pPr lvl="1"/>
@@ -19677,15 +19237,9 @@
               <a:rPr lang="en-SG" sz="2900" dirty="0">
                 <a:hlinkClick r:id="rId2"/>
               </a:rPr>
-              <a:t>https://</a:t>
-            </a:r>
-            <a:r>
-              <a:rPr lang="en-SG" sz="2900" dirty="0" smtClean="0">
-                <a:hlinkClick r:id="rId2"/>
-              </a:rPr>
-              <a:t>atmosphere.anaren.com/wiki/Android_Issues_With_Bluetooth_Low_Energy</a:t>
-            </a:r>
-            <a:endParaRPr lang="en-SG" sz="2900" dirty="0" smtClean="0"/>
+              <a:t>https://atmosphere.anaren.com/wiki/Android_Issues_With_Bluetooth_Low_Energy</a:t>
+            </a:r>
+            <a:endParaRPr lang="en-SG" sz="2900" dirty="0"/>
           </a:p>
           <a:p>
             <a:pPr marL="514350" indent="-514350">
@@ -19693,14 +19247,14 @@
               <a:buAutoNum type="arabicPeriod" startAt="9"/>
             </a:pPr>
             <a:r>
-              <a:rPr lang="en-SG" sz="2900" dirty="0" smtClean="0"/>
+              <a:rPr lang="en-SG" sz="2900" dirty="0"/>
               <a:t>A more comprehensive list of issues has been collated by </a:t>
             </a:r>
             <a:r>
-              <a:rPr lang="en-SG" sz="2900" dirty="0" err="1" smtClean="0"/>
+              <a:rPr lang="en-SG" sz="2900" dirty="0" err="1"/>
               <a:t>iDevicesInc</a:t>
             </a:r>
-            <a:endParaRPr lang="en-SG" sz="2900" dirty="0" smtClean="0"/>
+            <a:endParaRPr lang="en-SG" sz="2900" dirty="0"/>
           </a:p>
           <a:p>
             <a:pPr lvl="1"/>
@@ -19708,44 +19262,28 @@
               <a:rPr lang="en-SG" sz="2900" dirty="0">
                 <a:hlinkClick r:id="rId3"/>
               </a:rPr>
-              <a:t>https://</a:t>
-            </a:r>
-            <a:r>
-              <a:rPr lang="en-SG" sz="2900" dirty="0" smtClean="0">
-                <a:hlinkClick r:id="rId3"/>
-              </a:rPr>
-              <a:t>github.com/iDevicesInc/SweetBlue/wiki/Android-BLE-Issues</a:t>
-            </a:r>
-            <a:endParaRPr lang="en-SG" sz="2900" dirty="0" smtClean="0"/>
+              <a:t>https://github.com/iDevicesInc/SweetBlue/wiki/Android-BLE-Issues</a:t>
+            </a:r>
+            <a:endParaRPr lang="en-SG" sz="2900" dirty="0"/>
           </a:p>
           <a:p>
             <a:pPr lvl="1"/>
             <a:r>
-              <a:rPr lang="en-SG" sz="2900" dirty="0" smtClean="0"/>
-              <a:t>May be able to </a:t>
-            </a:r>
-            <a:r>
               <a:rPr lang="en-SG" sz="2900" dirty="0"/>
-              <a:t>overcome using: </a:t>
+              <a:t>May be able to overcome using: </a:t>
             </a:r>
             <a:r>
               <a:rPr lang="en-SG" sz="2900" dirty="0">
                 <a:hlinkClick r:id="rId4"/>
               </a:rPr>
-              <a:t>https://</a:t>
-            </a:r>
-            <a:r>
-              <a:rPr lang="en-SG" sz="2900" dirty="0" smtClean="0">
-                <a:hlinkClick r:id="rId4"/>
-              </a:rPr>
-              <a:t>github.com/iDevicesInc/SweetBlue</a:t>
-            </a:r>
-            <a:endParaRPr lang="en-SG" sz="2900" dirty="0" smtClean="0"/>
+              <a:t>https://github.com/iDevicesInc/SweetBlue</a:t>
+            </a:r>
+            <a:endParaRPr lang="en-SG" sz="2900" dirty="0"/>
           </a:p>
           <a:p>
             <a:pPr lvl="1"/>
             <a:r>
-              <a:rPr lang="en-SG" sz="2900" dirty="0" smtClean="0"/>
+              <a:rPr lang="en-SG" sz="2900" dirty="0"/>
               <a:t>Free for non-commercial use</a:t>
             </a:r>
           </a:p>
@@ -19760,7 +19298,7 @@
               <a:buFont typeface="+mj-lt"/>
               <a:buAutoNum type="arabicPeriod" startAt="9"/>
             </a:pPr>
-            <a:endParaRPr lang="en-SG" dirty="0" smtClean="0"/>
+            <a:endParaRPr lang="en-SG" dirty="0"/>
           </a:p>
           <a:p>
             <a:pPr lvl="1"/>
@@ -21192,10 +20730,9 @@
           <a:lstStyle/>
           <a:p>
             <a:r>
-              <a:rPr lang="en-SG" dirty="0" smtClean="0"/>
+              <a:rPr lang="en-SG" dirty="0"/>
               <a:t>4c. Tips for production Android app</a:t>
             </a:r>
-            <a:endParaRPr lang="en-SG" dirty="0"/>
           </a:p>
         </p:txBody>
       </p:sp>
@@ -21220,13 +20757,13 @@
           <a:lstStyle/>
           <a:p>
             <a:r>
-              <a:rPr lang="en-SG" dirty="0" smtClean="0"/>
+              <a:rPr lang="en-SG" dirty="0"/>
               <a:t>Use Nexus (reference phone) or Motorola for initial development</a:t>
             </a:r>
           </a:p>
           <a:p>
             <a:r>
-              <a:rPr lang="en-SG" dirty="0" smtClean="0"/>
+              <a:rPr lang="en-SG" dirty="0"/>
               <a:t>Get many models from differing manufacturers</a:t>
             </a:r>
           </a:p>
@@ -21308,10 +20845,9 @@
           <a:lstStyle/>
           <a:p>
             <a:r>
-              <a:rPr lang="en-SG" dirty="0" smtClean="0"/>
+              <a:rPr lang="en-SG" dirty="0"/>
               <a:t>5. BLE layer model</a:t>
             </a:r>
-            <a:endParaRPr lang="en-SG" dirty="0"/>
           </a:p>
         </p:txBody>
       </p:sp>
@@ -21338,14 +20874,14 @@
           <a:lstStyle/>
           <a:p>
             <a:r>
-              <a:rPr lang="en-SG" sz="1800" dirty="0" smtClean="0"/>
+              <a:rPr lang="en-SG" sz="1800" dirty="0"/>
               <a:t>Link-layer: </a:t>
             </a:r>
           </a:p>
           <a:p>
             <a:pPr lvl="1"/>
             <a:r>
-              <a:rPr lang="en-SG" sz="1400" dirty="0" smtClean="0"/>
+              <a:rPr lang="en-SG" sz="1400" dirty="0"/>
               <a:t>Defines how two BLE devices communicate. Advertising, Scanning, Connecting, Packet Format</a:t>
             </a:r>
           </a:p>
@@ -21353,111 +20889,99 @@
             <a:pPr lvl="1"/>
             <a:r>
               <a:rPr lang="en-SG" sz="1400" dirty="0"/>
-              <a:t>Convention is to </a:t>
-            </a:r>
-            <a:r>
-              <a:rPr lang="en-SG" sz="1400" dirty="0" smtClean="0"/>
-              <a:t>use Master/Slave </a:t>
-            </a:r>
+              <a:t>Convention is to use Master/Slave instead of Central/Peripheral</a:t>
+            </a:r>
+          </a:p>
+          <a:p>
+            <a:r>
+              <a:rPr lang="en-SG" sz="1800" dirty="0"/>
+              <a:t>L2CAP:</a:t>
+            </a:r>
+          </a:p>
+          <a:p>
+            <a:pPr lvl="1"/>
             <a:r>
               <a:rPr lang="en-SG" sz="1400" dirty="0"/>
-              <a:t>instead of </a:t>
-            </a:r>
-            <a:r>
-              <a:rPr lang="en-SG" sz="1400" dirty="0" smtClean="0"/>
-              <a:t>Central/Peripheral</a:t>
-            </a:r>
-          </a:p>
-          <a:p>
-            <a:r>
-              <a:rPr lang="en-SG" sz="1800" dirty="0" smtClean="0"/>
-              <a:t>L2CAP:</a:t>
+              <a:t>Segmentation and reassembly of packets</a:t>
             </a:r>
           </a:p>
           <a:p>
             <a:pPr lvl="1"/>
             <a:r>
-              <a:rPr lang="en-SG" sz="1400" dirty="0" smtClean="0"/>
-              <a:t>Segmentation and reassembly of packets</a:t>
+              <a:rPr lang="en-SG" sz="1400" dirty="0"/>
+              <a:t>4-byte header</a:t>
             </a:r>
           </a:p>
           <a:p>
             <a:pPr lvl="1"/>
             <a:r>
-              <a:rPr lang="en-SG" sz="1400" dirty="0" smtClean="0"/>
-              <a:t>4-byte header</a:t>
+              <a:rPr lang="en-SG" sz="1400" dirty="0"/>
+              <a:t>23 bytes for MTU</a:t>
             </a:r>
           </a:p>
           <a:p>
             <a:pPr lvl="1"/>
             <a:r>
-              <a:rPr lang="en-SG" sz="1400" dirty="0" smtClean="0"/>
-              <a:t>23 bytes for MTU</a:t>
+              <a:rPr lang="en-SG" sz="1400" dirty="0"/>
+              <a:t>Protocol multiplexing </a:t>
+            </a:r>
+          </a:p>
+          <a:p>
+            <a:pPr lvl="2"/>
+            <a:r>
+              <a:rPr lang="en-SG" sz="1200" dirty="0"/>
+              <a:t>0x0004: ATT Channel (usually used)</a:t>
+            </a:r>
+          </a:p>
+          <a:p>
+            <a:pPr lvl="2"/>
+            <a:r>
+              <a:rPr lang="en-SG" sz="1200" dirty="0"/>
+              <a:t>0x0005: LE signalling</a:t>
+            </a:r>
+          </a:p>
+          <a:p>
+            <a:pPr lvl="2"/>
+            <a:r>
+              <a:rPr lang="en-SG" sz="1200" dirty="0"/>
+              <a:t>0x0006: Security Manager</a:t>
+            </a:r>
+          </a:p>
+          <a:p>
+            <a:pPr lvl="2"/>
+            <a:endParaRPr lang="en-SG" sz="1000" dirty="0"/>
+          </a:p>
+          <a:p>
+            <a:r>
+              <a:rPr lang="en-SG" sz="1800" dirty="0"/>
+              <a:t>ATT</a:t>
             </a:r>
           </a:p>
           <a:p>
             <a:pPr lvl="1"/>
             <a:r>
-              <a:rPr lang="en-SG" sz="1400" dirty="0" smtClean="0"/>
-              <a:t>Protocol multiplexing </a:t>
-            </a:r>
-          </a:p>
-          <a:p>
-            <a:pPr lvl="2"/>
-            <a:r>
-              <a:rPr lang="en-SG" sz="1200" dirty="0" smtClean="0"/>
-              <a:t>0x0004: ATT Channel (usually used)</a:t>
-            </a:r>
-          </a:p>
-          <a:p>
-            <a:pPr lvl="2"/>
-            <a:r>
-              <a:rPr lang="en-SG" sz="1200" dirty="0" smtClean="0"/>
-              <a:t>0x0005: LE signalling</a:t>
-            </a:r>
-          </a:p>
-          <a:p>
-            <a:pPr lvl="2"/>
-            <a:r>
-              <a:rPr lang="en-SG" sz="1200" dirty="0" smtClean="0"/>
-              <a:t>0x0006: Security Manager</a:t>
-            </a:r>
-          </a:p>
-          <a:p>
-            <a:pPr lvl="2"/>
-            <a:endParaRPr lang="en-SG" sz="1000" dirty="0" smtClean="0"/>
-          </a:p>
-          <a:p>
-            <a:r>
-              <a:rPr lang="en-SG" sz="1800" dirty="0" smtClean="0"/>
-              <a:t>ATT</a:t>
+              <a:rPr lang="en-SG" sz="1400" dirty="0"/>
+              <a:t>Action to be taken (Read/Write/…)</a:t>
             </a:r>
           </a:p>
           <a:p>
             <a:pPr lvl="1"/>
             <a:r>
-              <a:rPr lang="en-SG" sz="1400" dirty="0" smtClean="0"/>
-              <a:t>Action to be taken (Read/Write/…)</a:t>
+              <a:rPr lang="en-SG" sz="1400" dirty="0"/>
+              <a:t>1-byte instruction opcode</a:t>
             </a:r>
           </a:p>
           <a:p>
             <a:pPr lvl="1"/>
             <a:r>
-              <a:rPr lang="en-SG" sz="1400" dirty="0" smtClean="0"/>
-              <a:t>1-byte instruction opcode</a:t>
+              <a:rPr lang="en-SG" sz="1400" dirty="0"/>
+              <a:t>2-byte handle (ID of relevant service/characteristic/descriptor)</a:t>
             </a:r>
           </a:p>
           <a:p>
             <a:pPr lvl="1"/>
             <a:r>
-              <a:rPr lang="en-SG" sz="1400" dirty="0" smtClean="0"/>
-              <a:t>2-byte handle (ID of relevant service/characteristic/descriptor)</a:t>
-            </a:r>
-          </a:p>
-          <a:p>
-            <a:pPr lvl="1"/>
-            <a:r>
-              <a:rPr lang="en-SG" sz="1400" dirty="0" smtClean="0"/>
+              <a:rPr lang="en-SG" sz="1400" dirty="0"/>
               <a:t>20-byte MTU for application</a:t>
             </a:r>
           </a:p>
@@ -21550,7 +21074,7 @@
           <a:lstStyle/>
           <a:p>
             <a:r>
-              <a:rPr lang="en-SG" sz="1400" dirty="0" smtClean="0">
+              <a:rPr lang="en-SG" sz="1400" dirty="0">
                 <a:solidFill>
                   <a:schemeClr val="accent2">
                     <a:lumMod val="50000"/>
@@ -21559,13 +21083,6 @@
               </a:rPr>
               <a:t>(L2CAP)</a:t>
             </a:r>
-            <a:endParaRPr lang="en-SG" sz="1400" dirty="0">
-              <a:solidFill>
-                <a:schemeClr val="accent2">
-                  <a:lumMod val="50000"/>
-                </a:schemeClr>
-              </a:solidFill>
-            </a:endParaRPr>
           </a:p>
         </p:txBody>
       </p:sp>
@@ -21621,7 +21138,7 @@
           <a:lstStyle/>
           <a:p>
             <a:r>
-              <a:rPr lang="en-SG" sz="1400" dirty="0" smtClean="0">
+              <a:rPr lang="en-SG" sz="1400" dirty="0">
                 <a:solidFill>
                   <a:schemeClr val="accent2">
                     <a:lumMod val="50000"/>
@@ -21630,13 +21147,6 @@
               </a:rPr>
               <a:t>(ATT)</a:t>
             </a:r>
-            <a:endParaRPr lang="en-SG" sz="1400" dirty="0">
-              <a:solidFill>
-                <a:schemeClr val="accent2">
-                  <a:lumMod val="50000"/>
-                </a:schemeClr>
-              </a:solidFill>
-            </a:endParaRPr>
           </a:p>
         </p:txBody>
       </p:sp>
@@ -21663,7 +21173,7 @@
           <a:lstStyle/>
           <a:p>
             <a:r>
-              <a:rPr lang="en-SG" sz="1400" dirty="0" smtClean="0">
+              <a:rPr lang="en-SG" sz="1400" dirty="0">
                 <a:solidFill>
                   <a:schemeClr val="accent2">
                     <a:lumMod val="75000"/>
@@ -21672,13 +21182,6 @@
               </a:rPr>
               <a:t>(Master/Slave)</a:t>
             </a:r>
-            <a:endParaRPr lang="en-SG" sz="1400" dirty="0">
-              <a:solidFill>
-                <a:schemeClr val="accent2">
-                  <a:lumMod val="75000"/>
-                </a:schemeClr>
-              </a:solidFill>
-            </a:endParaRPr>
           </a:p>
         </p:txBody>
       </p:sp>
@@ -21705,10 +21208,9 @@
           <a:lstStyle/>
           <a:p>
             <a:r>
-              <a:rPr lang="en-SG" sz="1400" dirty="0" smtClean="0"/>
+              <a:rPr lang="en-SG" sz="1400" dirty="0"/>
               <a:t>(GAP)</a:t>
             </a:r>
-            <a:endParaRPr lang="en-SG" sz="1400" dirty="0"/>
           </a:p>
         </p:txBody>
       </p:sp>
@@ -21735,10 +21237,9 @@
           <a:lstStyle/>
           <a:p>
             <a:r>
-              <a:rPr lang="en-SG" sz="1400" dirty="0" smtClean="0"/>
+              <a:rPr lang="en-SG" sz="1400" dirty="0"/>
               <a:t>(GATT)</a:t>
             </a:r>
-            <a:endParaRPr lang="en-SG" sz="1400" dirty="0"/>
           </a:p>
         </p:txBody>
       </p:sp>
@@ -22675,10 +22176,9 @@
           <a:lstStyle/>
           <a:p>
             <a:r>
-              <a:rPr lang="en-SG" dirty="0" smtClean="0"/>
+              <a:rPr lang="en-SG" dirty="0"/>
               <a:t>5. BLE Data Link-layer Packet Structure</a:t>
             </a:r>
-            <a:endParaRPr lang="en-SG" dirty="0"/>
           </a:p>
         </p:txBody>
       </p:sp>
@@ -22711,49 +22211,49 @@
                 <a:gridCol w="1126671">
                   <a:extLst>
                     <a:ext uri="{9D8B030D-6E8A-4147-A177-3AD203B41FA5}">
-                      <a16:colId xmlns="" xmlns:a16="http://schemas.microsoft.com/office/drawing/2014/main" val="20000"/>
+                      <a16:colId xmlns:a16="http://schemas.microsoft.com/office/drawing/2014/main" val="20000"/>
                     </a:ext>
                   </a:extLst>
                 </a:gridCol>
                 <a:gridCol w="1091118">
                   <a:extLst>
                     <a:ext uri="{9D8B030D-6E8A-4147-A177-3AD203B41FA5}">
-                      <a16:colId xmlns="" xmlns:a16="http://schemas.microsoft.com/office/drawing/2014/main" val="20001"/>
+                      <a16:colId xmlns:a16="http://schemas.microsoft.com/office/drawing/2014/main" val="20001"/>
                     </a:ext>
                   </a:extLst>
                 </a:gridCol>
                 <a:gridCol w="1423219">
                   <a:extLst>
                     <a:ext uri="{9D8B030D-6E8A-4147-A177-3AD203B41FA5}">
-                      <a16:colId xmlns="" xmlns:a16="http://schemas.microsoft.com/office/drawing/2014/main" val="20002"/>
+                      <a16:colId xmlns:a16="http://schemas.microsoft.com/office/drawing/2014/main" val="20002"/>
                     </a:ext>
                   </a:extLst>
                 </a:gridCol>
                 <a:gridCol w="671052">
                   <a:extLst>
                     <a:ext uri="{9D8B030D-6E8A-4147-A177-3AD203B41FA5}">
-                      <a16:colId xmlns="" xmlns:a16="http://schemas.microsoft.com/office/drawing/2014/main" val="20003"/>
+                      <a16:colId xmlns:a16="http://schemas.microsoft.com/office/drawing/2014/main" val="20003"/>
                     </a:ext>
                   </a:extLst>
                 </a:gridCol>
                 <a:gridCol w="648929">
                   <a:extLst>
                     <a:ext uri="{9D8B030D-6E8A-4147-A177-3AD203B41FA5}">
-                      <a16:colId xmlns="" xmlns:a16="http://schemas.microsoft.com/office/drawing/2014/main" val="20004"/>
+                      <a16:colId xmlns:a16="http://schemas.microsoft.com/office/drawing/2014/main" val="20004"/>
                     </a:ext>
                   </a:extLst>
                 </a:gridCol>
                 <a:gridCol w="1939413">
                   <a:extLst>
                     <a:ext uri="{9D8B030D-6E8A-4147-A177-3AD203B41FA5}">
-                      <a16:colId xmlns="" xmlns:a16="http://schemas.microsoft.com/office/drawing/2014/main" val="20005"/>
+                      <a16:colId xmlns:a16="http://schemas.microsoft.com/office/drawing/2014/main" val="20005"/>
                     </a:ext>
                   </a:extLst>
                 </a:gridCol>
                 <a:gridCol w="986295">
                   <a:extLst>
                     <a:ext uri="{9D8B030D-6E8A-4147-A177-3AD203B41FA5}">
-                      <a16:colId xmlns="" xmlns:a16="http://schemas.microsoft.com/office/drawing/2014/main" val="20006"/>
+                      <a16:colId xmlns:a16="http://schemas.microsoft.com/office/drawing/2014/main" val="20006"/>
                     </a:ext>
                   </a:extLst>
                 </a:gridCol>
@@ -22765,11 +22265,11 @@
                     <a:lstStyle/>
                     <a:p>
                       <a:r>
-                        <a:rPr lang="en-SG" sz="1100" dirty="0" smtClean="0"/>
+                        <a:rPr lang="en-SG" sz="1100" dirty="0"/>
                         <a:t>Field</a:t>
                       </a:r>
                       <a:r>
-                        <a:rPr lang="en-SG" sz="1100" baseline="0" dirty="0" smtClean="0"/>
+                        <a:rPr lang="en-SG" sz="1100" baseline="0" dirty="0"/>
                         <a:t> size (bits)</a:t>
                       </a:r>
                       <a:endParaRPr lang="en-SG" sz="1100" dirty="0"/>
@@ -22787,10 +22287,9 @@
                     <a:lstStyle/>
                     <a:p>
                       <a:r>
-                        <a:rPr lang="en-SG" sz="1100" dirty="0" smtClean="0"/>
+                        <a:rPr lang="en-SG" sz="1100" dirty="0"/>
                         <a:t>8</a:t>
                       </a:r>
-                      <a:endParaRPr lang="en-SG" sz="1100" dirty="0"/>
                     </a:p>
                   </a:txBody>
                   <a:tcPr/>
@@ -22801,10 +22300,9 @@
                     <a:lstStyle/>
                     <a:p>
                       <a:r>
-                        <a:rPr lang="en-SG" sz="1100" dirty="0" smtClean="0"/>
+                        <a:rPr lang="en-SG" sz="1100" dirty="0"/>
                         <a:t>32</a:t>
                       </a:r>
-                      <a:endParaRPr lang="en-SG" sz="1100" dirty="0"/>
                     </a:p>
                   </a:txBody>
                   <a:tcPr/>
@@ -22815,10 +22313,9 @@
                     <a:lstStyle/>
                     <a:p>
                       <a:r>
-                        <a:rPr lang="en-SG" sz="1100" dirty="0" smtClean="0"/>
+                        <a:rPr lang="en-SG" sz="1100" dirty="0"/>
                         <a:t>8</a:t>
                       </a:r>
-                      <a:endParaRPr lang="en-SG" sz="1100" dirty="0"/>
                     </a:p>
                   </a:txBody>
                   <a:tcPr/>
@@ -22829,10 +22326,9 @@
                     <a:lstStyle/>
                     <a:p>
                       <a:r>
-                        <a:rPr lang="en-SG" sz="1100" dirty="0" smtClean="0"/>
+                        <a:rPr lang="en-SG" sz="1100" dirty="0"/>
                         <a:t>8</a:t>
                       </a:r>
-                      <a:endParaRPr lang="en-SG" sz="1100" dirty="0"/>
                     </a:p>
                   </a:txBody>
                   <a:tcPr/>
@@ -22843,10 +22339,9 @@
                     <a:lstStyle/>
                     <a:p>
                       <a:r>
-                        <a:rPr lang="en-SG" sz="1100" dirty="0" smtClean="0"/>
+                        <a:rPr lang="en-SG" sz="1100" dirty="0"/>
                         <a:t>0-296</a:t>
                       </a:r>
-                      <a:endParaRPr lang="en-SG" sz="1100" dirty="0"/>
                     </a:p>
                   </a:txBody>
                   <a:tcPr/>
@@ -22857,17 +22352,16 @@
                     <a:lstStyle/>
                     <a:p>
                       <a:r>
-                        <a:rPr lang="en-SG" sz="1100" dirty="0" smtClean="0"/>
+                        <a:rPr lang="en-SG" sz="1100" dirty="0"/>
                         <a:t>24</a:t>
                       </a:r>
-                      <a:endParaRPr lang="en-SG" sz="1100" dirty="0"/>
                     </a:p>
                   </a:txBody>
                   <a:tcPr/>
                 </a:tc>
                 <a:extLst>
                   <a:ext uri="{0D108BD9-81ED-4DB2-BD59-A6C34878D82A}">
-                    <a16:rowId xmlns="" xmlns:a16="http://schemas.microsoft.com/office/drawing/2014/main" val="10000"/>
+                    <a16:rowId xmlns:a16="http://schemas.microsoft.com/office/drawing/2014/main" val="10000"/>
                   </a:ext>
                 </a:extLst>
               </a:tr>
@@ -22878,10 +22372,9 @@
                     <a:lstStyle/>
                     <a:p>
                       <a:r>
-                        <a:rPr lang="en-SG" sz="1100" dirty="0" smtClean="0"/>
+                        <a:rPr lang="en-SG" sz="1100" dirty="0"/>
                         <a:t>Field name</a:t>
                       </a:r>
-                      <a:endParaRPr lang="en-SG" sz="1100" dirty="0"/>
                     </a:p>
                   </a:txBody>
                   <a:tcPr>
@@ -22899,17 +22392,17 @@
                     <a:lstStyle/>
                     <a:p>
                       <a:r>
-                        <a:rPr lang="en-SG" sz="1100" dirty="0" smtClean="0"/>
+                        <a:rPr lang="en-SG" sz="1100" dirty="0"/>
                         <a:t>Preamble</a:t>
                       </a:r>
                     </a:p>
                     <a:p>
                       <a:r>
-                        <a:rPr lang="en-SG" sz="1100" dirty="0" smtClean="0"/>
+                        <a:rPr lang="en-SG" sz="1100" dirty="0"/>
                         <a:t>(Alternating</a:t>
                       </a:r>
                       <a:r>
-                        <a:rPr lang="en-SG" sz="1100" baseline="0" dirty="0" smtClean="0"/>
+                        <a:rPr lang="en-SG" sz="1100" baseline="0" dirty="0"/>
                         <a:t> bits for receiver calibration)</a:t>
                       </a:r>
                       <a:endParaRPr lang="en-SG" sz="1100" dirty="0"/>
@@ -22923,23 +22416,23 @@
                     <a:lstStyle/>
                     <a:p>
                       <a:r>
-                        <a:rPr lang="en-SG" sz="1100" dirty="0" smtClean="0"/>
+                        <a:rPr lang="en-SG" sz="1100" dirty="0"/>
                         <a:t>Advertising</a:t>
                       </a:r>
                     </a:p>
                     <a:p>
                       <a:r>
-                        <a:rPr lang="en-SG" sz="1100" dirty="0" smtClean="0"/>
+                        <a:rPr lang="en-SG" sz="1100" dirty="0"/>
                         <a:t>/Data</a:t>
                       </a:r>
                       <a:r>
-                        <a:rPr lang="en-SG" sz="1100" baseline="0" dirty="0" smtClean="0"/>
+                        <a:rPr lang="en-SG" sz="1100" baseline="0" dirty="0"/>
                         <a:t> </a:t>
                       </a:r>
                     </a:p>
                     <a:p>
                       <a:r>
-                        <a:rPr lang="en-SG" sz="1100" baseline="0" dirty="0" smtClean="0"/>
+                        <a:rPr lang="en-SG" sz="1100" baseline="0" dirty="0"/>
                         <a:t>Access Address</a:t>
                       </a:r>
                       <a:endParaRPr lang="en-SG" sz="1100" dirty="0"/>
@@ -22953,10 +22446,9 @@
                     <a:lstStyle/>
                     <a:p>
                       <a:r>
-                        <a:rPr lang="en-SG" sz="1100" dirty="0" smtClean="0"/>
+                        <a:rPr lang="en-SG" sz="1100" dirty="0"/>
                         <a:t>Header</a:t>
                       </a:r>
-                      <a:endParaRPr lang="en-SG" sz="1100" dirty="0"/>
                     </a:p>
                   </a:txBody>
                   <a:tcPr/>
@@ -22967,10 +22459,9 @@
                     <a:lstStyle/>
                     <a:p>
                       <a:r>
-                        <a:rPr lang="en-SG" sz="1100" dirty="0" smtClean="0"/>
+                        <a:rPr lang="en-SG" sz="1100" dirty="0"/>
                         <a:t>Length</a:t>
                       </a:r>
-                      <a:endParaRPr lang="en-SG" sz="1100" dirty="0"/>
                     </a:p>
                   </a:txBody>
                   <a:tcPr/>
@@ -22981,10 +22472,9 @@
                     <a:lstStyle/>
                     <a:p>
                       <a:r>
-                        <a:rPr lang="en-SG" sz="1100" dirty="0" smtClean="0"/>
+                        <a:rPr lang="en-SG" sz="1100" dirty="0"/>
                         <a:t>Payload</a:t>
                       </a:r>
-                      <a:endParaRPr lang="en-SG" sz="1100" dirty="0"/>
                     </a:p>
                   </a:txBody>
                   <a:tcPr/>
@@ -22995,17 +22485,16 @@
                     <a:lstStyle/>
                     <a:p>
                       <a:r>
-                        <a:rPr lang="en-SG" sz="1100" dirty="0" smtClean="0"/>
+                        <a:rPr lang="en-SG" sz="1100" dirty="0"/>
                         <a:t>CRC</a:t>
                       </a:r>
-                      <a:endParaRPr lang="en-SG" sz="1100" dirty="0"/>
                     </a:p>
                   </a:txBody>
                   <a:tcPr/>
                 </a:tc>
                 <a:extLst>
                   <a:ext uri="{0D108BD9-81ED-4DB2-BD59-A6C34878D82A}">
-                    <a16:rowId xmlns="" xmlns:a16="http://schemas.microsoft.com/office/drawing/2014/main" val="10001"/>
+                    <a16:rowId xmlns:a16="http://schemas.microsoft.com/office/drawing/2014/main" val="10001"/>
                   </a:ext>
                 </a:extLst>
               </a:tr>
@@ -23223,21 +22712,20 @@
           </a:lstStyle>
           <a:p>
             <a:r>
-              <a:rPr lang="en-SG" dirty="0" smtClean="0"/>
+              <a:rPr lang="en-SG" dirty="0"/>
               <a:t>Only 1 packet structure</a:t>
             </a:r>
-            <a:endParaRPr lang="en-SG" dirty="0"/>
-          </a:p>
-          <a:p>
-            <a:r>
-              <a:rPr lang="en-SG" dirty="0" smtClean="0"/>
+          </a:p>
+          <a:p>
+            <a:r>
+              <a:rPr lang="en-SG" dirty="0"/>
               <a:t>Two types of packets</a:t>
             </a:r>
           </a:p>
           <a:p>
             <a:pPr lvl="1"/>
             <a:r>
-              <a:rPr lang="en-SG" dirty="0" smtClean="0"/>
+              <a:rPr lang="en-SG" dirty="0"/>
               <a:t>Advertising</a:t>
             </a:r>
           </a:p>
@@ -23245,51 +22733,47 @@
             <a:pPr lvl="2"/>
             <a:r>
               <a:rPr lang="en-SG" dirty="0"/>
-              <a:t>Advertising Access Address: </a:t>
-            </a:r>
-            <a:r>
-              <a:rPr lang="en-SG" dirty="0" smtClean="0"/>
-              <a:t>Always 0x8E89BED6</a:t>
+              <a:t>Advertising Access Address: Always 0x8E89BED6</a:t>
             </a:r>
           </a:p>
           <a:p>
             <a:pPr lvl="1"/>
             <a:r>
-              <a:rPr lang="en-SG" dirty="0" smtClean="0"/>
+              <a:rPr lang="en-SG" dirty="0"/>
               <a:t>Data</a:t>
             </a:r>
           </a:p>
           <a:p>
             <a:pPr lvl="2"/>
             <a:r>
-              <a:rPr lang="en-SG" dirty="0" smtClean="0"/>
+              <a:rPr lang="en-SG" dirty="0"/>
               <a:t>Data Access Address: Random for every connection</a:t>
             </a:r>
           </a:p>
           <a:p>
             <a:pPr lvl="3"/>
             <a:r>
-              <a:rPr lang="en-SG" sz="1600" dirty="0" smtClean="0"/>
+              <a:rPr lang="en-SG" sz="1600" dirty="0"/>
               <a:t>Allows Master/Slave to distinguish packets associated with a connection</a:t>
             </a:r>
           </a:p>
           <a:p>
             <a:pPr lvl="3"/>
             <a:r>
-              <a:rPr lang="en-SG" sz="1600" dirty="0" smtClean="0"/>
+              <a:rPr lang="en-SG" sz="1600" dirty="0"/>
               <a:t>Mac Address no longer used for data packets  </a:t>
             </a:r>
           </a:p>
           <a:p>
             <a:pPr lvl="2"/>
             <a:r>
-              <a:rPr lang="en-SG" dirty="0" smtClean="0"/>
+              <a:rPr lang="en-SG" dirty="0"/>
               <a:t>Usually carries L2CAP/ATT payload</a:t>
             </a:r>
           </a:p>
           <a:p>
             <a:r>
-              <a:rPr lang="en-SG" dirty="0" smtClean="0"/>
+              <a:rPr lang="en-SG" dirty="0"/>
               <a:t>PDU header format for Advertising != Data</a:t>
             </a:r>
           </a:p>
@@ -23298,7 +22782,7 @@
             <a:endParaRPr lang="en-SG" dirty="0"/>
           </a:p>
           <a:p>
-            <a:endParaRPr lang="en-SG" dirty="0" smtClean="0"/>
+            <a:endParaRPr lang="en-SG" dirty="0"/>
           </a:p>
           <a:p>
             <a:endParaRPr lang="en-SG" dirty="0"/>
@@ -23349,18 +22833,13 @@
           <a:p>
             <a:pPr algn="ctr"/>
             <a:r>
-              <a:rPr lang="en-SG" dirty="0" smtClean="0">
+              <a:rPr lang="en-SG" dirty="0">
                 <a:solidFill>
                   <a:schemeClr val="accent2"/>
                 </a:solidFill>
               </a:rPr>
               <a:t>Protocol/Packet Data Unit (PDU)</a:t>
             </a:r>
-            <a:endParaRPr lang="en-SG" dirty="0">
-              <a:solidFill>
-                <a:schemeClr val="accent2"/>
-              </a:solidFill>
-            </a:endParaRPr>
           </a:p>
         </p:txBody>
       </p:sp>
@@ -23387,10 +22866,9 @@
           <a:lstStyle/>
           <a:p>
             <a:r>
-              <a:rPr lang="en-SG" sz="1100" dirty="0" smtClean="0"/>
+              <a:rPr lang="en-SG" sz="1100" dirty="0"/>
               <a:t>LSB</a:t>
             </a:r>
-            <a:endParaRPr lang="en-SG" sz="1100" dirty="0"/>
           </a:p>
         </p:txBody>
       </p:sp>
@@ -23912,13 +23390,8 @@
           <a:p>
             <a:r>
               <a:rPr lang="en-SG" dirty="0"/>
-              <a:t>6</a:t>
-            </a:r>
-            <a:r>
-              <a:rPr lang="en-SG" dirty="0" smtClean="0"/>
-              <a:t>. BLE Sniffer</a:t>
-            </a:r>
-            <a:endParaRPr lang="en-SG" dirty="0"/>
+              <a:t>6. BLE Sniffer</a:t>
+            </a:r>
           </a:p>
         </p:txBody>
       </p:sp>
@@ -23938,11 +23411,11 @@
           <a:lstStyle/>
           <a:p>
             <a:r>
-              <a:rPr lang="en-SG" dirty="0" err="1" smtClean="0"/>
+              <a:rPr lang="en-SG" dirty="0" err="1"/>
               <a:t>Adafruit</a:t>
             </a:r>
             <a:r>
-              <a:rPr lang="en-SG" dirty="0" smtClean="0"/>
+              <a:rPr lang="en-SG" dirty="0"/>
               <a:t> </a:t>
             </a:r>
             <a:r>
@@ -23956,24 +23429,20 @@
           </a:p>
           <a:p>
             <a:r>
-              <a:rPr lang="en-SG" dirty="0" smtClean="0"/>
-              <a:t>Based on Nordic </a:t>
-            </a:r>
-            <a:r>
-              <a:rPr lang="en-SG" dirty="0"/>
-              <a:t>nRF51822 </a:t>
-            </a:r>
-          </a:p>
-          <a:p>
-            <a:r>
-              <a:rPr lang="en-SG" dirty="0" smtClean="0"/>
+              <a:rPr lang="en-SG" dirty="0"/>
+              <a:t>Based on Nordic nRF51822 </a:t>
+            </a:r>
+          </a:p>
+          <a:p>
+            <a:r>
+              <a:rPr lang="en-SG" dirty="0"/>
               <a:t>Required software:</a:t>
             </a:r>
           </a:p>
           <a:p>
             <a:pPr lvl="1"/>
             <a:r>
-              <a:rPr lang="en-SG" dirty="0" smtClean="0"/>
+              <a:rPr lang="en-SG" dirty="0"/>
               <a:t>Nordic </a:t>
             </a:r>
             <a:r>
@@ -23982,17 +23451,13 @@
             </a:r>
             <a:r>
               <a:rPr lang="en-SG" dirty="0"/>
-              <a:t> </a:t>
-            </a:r>
-            <a:r>
-              <a:rPr lang="en-SG" dirty="0" smtClean="0"/>
-              <a:t>Sniffer (Windows-only)</a:t>
+              <a:t> Sniffer (Windows-only)</a:t>
             </a:r>
           </a:p>
           <a:p>
             <a:pPr lvl="1"/>
             <a:r>
-              <a:rPr lang="en-SG" dirty="0" smtClean="0"/>
+              <a:rPr lang="en-SG" dirty="0"/>
               <a:t>Results piped to Wireshark </a:t>
             </a:r>
           </a:p>
@@ -24002,18 +23467,17 @@
           </a:p>
           <a:p>
             <a:r>
-              <a:rPr lang="en-SG" dirty="0" smtClean="0"/>
+              <a:rPr lang="en-SG" dirty="0"/>
               <a:t>Alternative: </a:t>
             </a:r>
             <a:r>
-              <a:rPr lang="en-SG" dirty="0" err="1" smtClean="0"/>
+              <a:rPr lang="en-SG" dirty="0" err="1"/>
               <a:t>Ubertooth</a:t>
             </a:r>
             <a:r>
-              <a:rPr lang="en-SG" dirty="0" smtClean="0"/>
+              <a:rPr lang="en-SG" dirty="0"/>
               <a:t> One</a:t>
             </a:r>
-            <a:endParaRPr lang="en-SG" dirty="0"/>
           </a:p>
         </p:txBody>
       </p:sp>
@@ -24157,13 +23621,8 @@
           <a:p>
             <a:r>
               <a:rPr lang="en-SG" dirty="0"/>
-              <a:t>6</a:t>
-            </a:r>
-            <a:r>
-              <a:rPr lang="en-SG" dirty="0" smtClean="0"/>
-              <a:t>. Sniffer: Advertising</a:t>
-            </a:r>
-            <a:endParaRPr lang="en-SG" dirty="0"/>
+              <a:t>6. Sniffer: Advertising</a:t>
+            </a:r>
           </a:p>
         </p:txBody>
       </p:sp>
@@ -24190,48 +23649,48 @@
           <a:lstStyle/>
           <a:p>
             <a:r>
-              <a:rPr lang="en-SG" sz="1600" dirty="0" smtClean="0"/>
+              <a:rPr lang="en-SG" sz="1600" dirty="0"/>
               <a:t>ADV packets’ payload contains GAP data:</a:t>
             </a:r>
           </a:p>
           <a:p>
             <a:pPr lvl="1"/>
             <a:r>
-              <a:rPr lang="en-SG" sz="1600" dirty="0" smtClean="0"/>
+              <a:rPr lang="en-SG" sz="1600" dirty="0"/>
               <a:t>Mac Address</a:t>
             </a:r>
           </a:p>
           <a:p>
             <a:pPr lvl="1"/>
             <a:r>
-              <a:rPr lang="en-SG" sz="1600" dirty="0" smtClean="0"/>
+              <a:rPr lang="en-SG" sz="1600" dirty="0"/>
               <a:t>Service UUID</a:t>
             </a:r>
           </a:p>
           <a:p>
             <a:pPr lvl="1"/>
             <a:r>
-              <a:rPr lang="en-SG" sz="1600" dirty="0" smtClean="0"/>
+              <a:rPr lang="en-SG" sz="1600" dirty="0"/>
               <a:t>Supported Bluetooth features: Dual/Single mode</a:t>
             </a:r>
           </a:p>
           <a:p>
             <a:pPr lvl="1"/>
             <a:r>
-              <a:rPr lang="en-SG" sz="1600" dirty="0" smtClean="0"/>
+              <a:rPr lang="en-SG" sz="1600" dirty="0"/>
               <a:t>TX Power (Optional)</a:t>
             </a:r>
           </a:p>
           <a:p>
             <a:pPr lvl="1"/>
             <a:r>
-              <a:rPr lang="en-SG" sz="1600" dirty="0" smtClean="0"/>
+              <a:rPr lang="en-SG" sz="1600" dirty="0"/>
               <a:t>Name (Optional)</a:t>
             </a:r>
           </a:p>
           <a:p>
             <a:r>
-              <a:rPr lang="en-SG" sz="1600" b="1" dirty="0" smtClean="0">
+              <a:rPr lang="en-SG" sz="1600" b="1" dirty="0">
                 <a:solidFill>
                   <a:schemeClr val="accent2"/>
                 </a:solidFill>
@@ -24242,132 +23701,99 @@
           <a:p>
             <a:pPr lvl="1"/>
             <a:r>
-              <a:rPr lang="en-SG" sz="1600" b="1" dirty="0" smtClean="0">
-                <a:solidFill>
-                  <a:schemeClr val="accent2"/>
-                </a:solidFill>
-              </a:rPr>
-              <a:t>4-bit field determines </a:t>
-            </a:r>
-            <a:r>
               <a:rPr lang="en-SG" sz="1600" b="1" dirty="0">
                 <a:solidFill>
                   <a:schemeClr val="accent2"/>
                 </a:solidFill>
               </a:rPr>
-              <a:t>t</a:t>
-            </a:r>
-            <a:r>
-              <a:rPr lang="en-SG" sz="1600" b="1" dirty="0" smtClean="0">
-                <a:solidFill>
-                  <a:schemeClr val="accent2"/>
-                </a:solidFill>
-              </a:rPr>
-              <a:t>ype of ADV Packet</a:t>
-            </a:r>
-          </a:p>
-          <a:p>
-            <a:r>
-              <a:rPr lang="en-SG" sz="1600" dirty="0" smtClean="0"/>
+              <a:t>4-bit field determines type of ADV Packet</a:t>
+            </a:r>
+          </a:p>
+          <a:p>
+            <a:r>
+              <a:rPr lang="en-SG" sz="1600" dirty="0"/>
               <a:t>Slave is connectable</a:t>
             </a:r>
           </a:p>
           <a:p>
             <a:pPr lvl="1"/>
             <a:r>
-              <a:rPr lang="en-SG" sz="1600" b="1" dirty="0" smtClean="0"/>
-              <a:t>0000: ADV_IND (</a:t>
-            </a:r>
-            <a:r>
               <a:rPr lang="en-SG" sz="1600" b="1" dirty="0"/>
-              <a:t>Undirected connectable </a:t>
-            </a:r>
-            <a:r>
-              <a:rPr lang="en-SG" sz="1600" b="1" dirty="0" smtClean="0"/>
-              <a:t>mode)</a:t>
+              <a:t>0000: ADV_IND (Undirected connectable mode)</a:t>
             </a:r>
           </a:p>
           <a:p>
             <a:pPr lvl="2"/>
             <a:r>
-              <a:rPr lang="en-SG" sz="1600" dirty="0" smtClean="0"/>
+              <a:rPr lang="en-SG" sz="1600" dirty="0"/>
               <a:t>No need to connect in a hurry</a:t>
             </a:r>
           </a:p>
           <a:p>
             <a:pPr lvl="1"/>
             <a:r>
-              <a:rPr lang="en-SG" sz="1600" dirty="0" smtClean="0"/>
-              <a:t>0001: ADV_DIRECT_IND (</a:t>
-            </a:r>
-            <a:r>
               <a:rPr lang="en-SG" sz="1600" dirty="0"/>
-              <a:t>Directed connectable </a:t>
-            </a:r>
-            <a:r>
-              <a:rPr lang="en-SG" sz="1600" dirty="0" smtClean="0"/>
-              <a:t>mode)</a:t>
+              <a:t>0001: ADV_DIRECT_IND (Directed connectable mode)</a:t>
             </a:r>
           </a:p>
           <a:p>
             <a:pPr lvl="2"/>
             <a:r>
-              <a:rPr lang="en-SG" sz="1600" dirty="0" smtClean="0"/>
+              <a:rPr lang="en-SG" sz="1600" dirty="0"/>
               <a:t>To indicate to master that slave wants to be connected quickly.</a:t>
             </a:r>
           </a:p>
           <a:p>
             <a:pPr lvl="2"/>
             <a:r>
-              <a:rPr lang="en-SG" sz="1600" dirty="0" smtClean="0"/>
+              <a:rPr lang="en-SG" sz="1600" dirty="0"/>
               <a:t>Max 1.28s in this mode</a:t>
             </a:r>
+          </a:p>
+          <a:p>
+            <a:r>
+              <a:rPr lang="en-SG" sz="1600" dirty="0"/>
+              <a:t>Slave is not connectable</a:t>
+            </a:r>
+          </a:p>
+          <a:p>
+            <a:pPr lvl="1"/>
+            <a:r>
+              <a:rPr lang="en-SG" sz="1600" dirty="0"/>
+              <a:t>0010: ADV_NONCONN_IND (Not </a:t>
+            </a:r>
+            <a:r>
+              <a:rPr lang="en-SG" sz="1600" dirty="0" err="1"/>
+              <a:t>scannable</a:t>
+            </a:r>
+            <a:r>
+              <a:rPr lang="en-SG" sz="1600" dirty="0"/>
+              <a:t>)</a:t>
+            </a:r>
+          </a:p>
+          <a:p>
+            <a:pPr lvl="2"/>
+            <a:r>
+              <a:rPr lang="en-SG" sz="1600" dirty="0"/>
+              <a:t>Will not respond to scan (SCAN_REQ) requests for more info</a:t>
+            </a:r>
+          </a:p>
+          <a:p>
+            <a:pPr lvl="1"/>
+            <a:r>
+              <a:rPr lang="en-SG" sz="1600" dirty="0"/>
+              <a:t>0110: ADV_SCAN_IND</a:t>
+            </a:r>
+          </a:p>
+          <a:p>
+            <a:pPr lvl="2"/>
+            <a:r>
+              <a:rPr lang="en-SG" sz="1600" dirty="0"/>
+              <a:t>Will response to SCAN_REQ with SCAN_RSP</a:t>
+            </a:r>
+          </a:p>
+          <a:p>
             <a:endParaRPr lang="en-SG" sz="1600" dirty="0"/>
-          </a:p>
-          <a:p>
-            <a:r>
-              <a:rPr lang="en-SG" sz="1600" dirty="0" smtClean="0"/>
-              <a:t>Slave is not connectable</a:t>
-            </a:r>
-          </a:p>
-          <a:p>
-            <a:pPr lvl="1"/>
-            <a:r>
-              <a:rPr lang="en-SG" sz="1600" dirty="0" smtClean="0"/>
-              <a:t>0010: ADV_NONCONN_IND (Not </a:t>
-            </a:r>
-            <a:r>
-              <a:rPr lang="en-SG" sz="1600" dirty="0" err="1" smtClean="0"/>
-              <a:t>scannable</a:t>
-            </a:r>
-            <a:r>
-              <a:rPr lang="en-SG" sz="1600" dirty="0" smtClean="0"/>
-              <a:t>)</a:t>
-            </a:r>
-          </a:p>
-          <a:p>
-            <a:pPr lvl="2"/>
-            <a:r>
-              <a:rPr lang="en-SG" sz="1600" dirty="0" smtClean="0"/>
-              <a:t>Will not respond to scan (SCAN_REQ) requests for more info</a:t>
-            </a:r>
-          </a:p>
-          <a:p>
-            <a:pPr lvl="1"/>
-            <a:r>
-              <a:rPr lang="en-SG" sz="1600" dirty="0" smtClean="0"/>
-              <a:t>0110: ADV_SCAN_IND</a:t>
-            </a:r>
-          </a:p>
-          <a:p>
-            <a:pPr lvl="2"/>
-            <a:r>
-              <a:rPr lang="en-SG" sz="1600" dirty="0" smtClean="0"/>
-              <a:t>Will response to SCAN_REQ with SCAN_RSP</a:t>
-            </a:r>
-          </a:p>
-          <a:p>
-            <a:endParaRPr lang="en-SG" sz="1600" dirty="0" smtClean="0"/>
           </a:p>
         </p:txBody>
       </p:sp>
@@ -24418,21 +23844,16 @@
           <a:p>
             <a:r>
               <a:rPr lang="en-SG" sz="1000" dirty="0"/>
-              <a:t>Source: </a:t>
-            </a:r>
-            <a:r>
-              <a:rPr lang="en-SG" sz="1000" dirty="0" smtClean="0"/>
-              <a:t>BLE: The Developer’s Handbook by Robin </a:t>
-            </a:r>
-            <a:r>
-              <a:rPr lang="en-SG" sz="1000" dirty="0" err="1" smtClean="0"/>
+              <a:t>Source: BLE: The Developer’s Handbook by Robin </a:t>
+            </a:r>
+            <a:r>
+              <a:rPr lang="en-SG" sz="1000" dirty="0" err="1"/>
               <a:t>Heydon</a:t>
             </a:r>
             <a:r>
-              <a:rPr lang="en-SG" sz="1000" dirty="0" smtClean="0"/>
+              <a:rPr lang="en-SG" sz="1000" dirty="0"/>
               <a:t>, pg82</a:t>
             </a:r>
-            <a:endParaRPr lang="en-SG" sz="1000" dirty="0"/>
           </a:p>
         </p:txBody>
       </p:sp>
@@ -24503,18 +23924,13 @@
           <a:lstStyle/>
           <a:p>
             <a:r>
-              <a:rPr lang="en-SG" dirty="0" smtClean="0">
+              <a:rPr lang="en-SG" dirty="0">
                 <a:solidFill>
                   <a:srgbClr val="FF0000"/>
                 </a:solidFill>
               </a:rPr>
               <a:t>Link layer format</a:t>
             </a:r>
-            <a:endParaRPr lang="en-SG" dirty="0">
-              <a:solidFill>
-                <a:srgbClr val="FF0000"/>
-              </a:solidFill>
-            </a:endParaRPr>
           </a:p>
         </p:txBody>
       </p:sp>
@@ -25573,13 +24989,8 @@
           <a:p>
             <a:r>
               <a:rPr lang="en-SG" dirty="0"/>
-              <a:t>6</a:t>
-            </a:r>
-            <a:r>
-              <a:rPr lang="en-SG" dirty="0" smtClean="0"/>
-              <a:t>. Sniffer: Scan</a:t>
-            </a:r>
-            <a:endParaRPr lang="en-SG" dirty="0"/>
+              <a:t>6. Sniffer: Scan</a:t>
+            </a:r>
           </a:p>
         </p:txBody>
       </p:sp>
@@ -25599,63 +25010,63 @@
           <a:lstStyle/>
           <a:p>
             <a:r>
-              <a:rPr lang="en-SG" dirty="0" smtClean="0"/>
+              <a:rPr lang="en-SG" dirty="0"/>
               <a:t>ADV Packets may not hold all advertising info</a:t>
             </a:r>
           </a:p>
           <a:p>
             <a:pPr lvl="1"/>
             <a:r>
-              <a:rPr lang="en-SG" dirty="0" smtClean="0"/>
+              <a:rPr lang="en-SG" dirty="0"/>
               <a:t>Central can issue SCAN_REQ to ask for more</a:t>
             </a:r>
           </a:p>
           <a:p>
-            <a:endParaRPr lang="en-SG" dirty="0" smtClean="0"/>
-          </a:p>
-          <a:p>
-            <a:r>
-              <a:rPr lang="en-SG" dirty="0" smtClean="0"/>
+            <a:endParaRPr lang="en-SG" dirty="0"/>
+          </a:p>
+          <a:p>
+            <a:r>
+              <a:rPr lang="en-SG" dirty="0"/>
               <a:t>0011: SCAN_REQ (Active Scan Request)</a:t>
             </a:r>
           </a:p>
           <a:p>
             <a:pPr lvl="1"/>
             <a:r>
-              <a:rPr lang="en-SG" dirty="0" smtClean="0"/>
+              <a:rPr lang="en-SG" dirty="0"/>
               <a:t>Master -&gt; Slave</a:t>
             </a:r>
           </a:p>
           <a:p>
             <a:pPr lvl="1"/>
             <a:r>
-              <a:rPr lang="en-SG" dirty="0" smtClean="0"/>
+              <a:rPr lang="en-SG" dirty="0"/>
               <a:t>Ask peripheral for complete GAP data</a:t>
             </a:r>
           </a:p>
           <a:p>
             <a:r>
-              <a:rPr lang="en-SG" dirty="0" smtClean="0"/>
+              <a:rPr lang="en-SG" dirty="0"/>
               <a:t>0100: SCAN_RSP (Response)</a:t>
             </a:r>
           </a:p>
           <a:p>
             <a:pPr lvl="1"/>
             <a:r>
-              <a:rPr lang="en-SG" dirty="0" smtClean="0"/>
+              <a:rPr lang="en-SG" dirty="0"/>
               <a:t>Slave -&gt; Master</a:t>
             </a:r>
           </a:p>
           <a:p>
             <a:pPr lvl="1"/>
             <a:r>
-              <a:rPr lang="en-SG" dirty="0" smtClean="0"/>
+              <a:rPr lang="en-SG" dirty="0"/>
               <a:t>Contains slave’s name, TX power, …</a:t>
             </a:r>
           </a:p>
           <a:p>
             <a:pPr lvl="1"/>
-            <a:endParaRPr lang="en-SG" dirty="0" smtClean="0"/>
+            <a:endParaRPr lang="en-SG" dirty="0"/>
           </a:p>
           <a:p>
             <a:pPr lvl="1"/>
@@ -25735,10 +25146,9 @@
           <a:lstStyle/>
           <a:p>
             <a:r>
-              <a:rPr lang="en-SG" dirty="0" smtClean="0"/>
+              <a:rPr lang="en-SG" dirty="0"/>
               <a:t>Where I am now?</a:t>
             </a:r>
-            <a:endParaRPr lang="en-SG" dirty="0"/>
           </a:p>
         </p:txBody>
       </p:sp>
@@ -25758,55 +25168,46 @@
           <a:lstStyle/>
           <a:p>
             <a:r>
-              <a:rPr lang="en-SG" dirty="0" err="1" smtClean="0"/>
+              <a:rPr lang="en-SG" dirty="0" err="1"/>
               <a:t>Algoaccess</a:t>
             </a:r>
-            <a:endParaRPr lang="en-SG" dirty="0" smtClean="0"/>
+            <a:endParaRPr lang="en-SG" dirty="0"/>
           </a:p>
           <a:p>
             <a:pPr lvl="1"/>
             <a:r>
-              <a:rPr lang="en-SG" dirty="0" smtClean="0"/>
+              <a:rPr lang="en-SG" dirty="0"/>
               <a:t>Med-tech </a:t>
             </a:r>
             <a:r>
-              <a:rPr lang="en-SG" dirty="0" err="1" smtClean="0"/>
+              <a:rPr lang="en-SG" dirty="0" err="1"/>
               <a:t>startup</a:t>
             </a:r>
             <a:r>
-              <a:rPr lang="en-SG" dirty="0" smtClean="0"/>
+              <a:rPr lang="en-SG" dirty="0"/>
               <a:t>: targeting at eye-professionals</a:t>
             </a:r>
           </a:p>
           <a:p>
             <a:pPr lvl="1"/>
             <a:r>
-              <a:rPr lang="en-SG" dirty="0" smtClean="0"/>
+              <a:rPr lang="en-SG" dirty="0"/>
               <a:t>Help them to retrieve, manage and process the data </a:t>
             </a:r>
           </a:p>
           <a:p>
             <a:pPr lvl="1"/>
             <a:r>
-              <a:rPr lang="en-SG" dirty="0" smtClean="0"/>
-              <a:t>Roles: </a:t>
-            </a:r>
-            <a:r>
-              <a:rPr lang="en-SG" dirty="0"/>
-              <a:t>m</a:t>
-            </a:r>
-            <a:r>
-              <a:rPr lang="en-SG" dirty="0" smtClean="0"/>
-              <a:t>any….</a:t>
+              <a:rPr lang="en-SG" dirty="0"/>
+              <a:t>Roles: many….</a:t>
             </a:r>
           </a:p>
           <a:p>
             <a:pPr lvl="1"/>
             <a:r>
-              <a:rPr lang="en-SG" dirty="0" smtClean="0"/>
+              <a:rPr lang="en-SG" dirty="0"/>
               <a:t>2014 - present</a:t>
             </a:r>
-            <a:endParaRPr lang="en-SG" dirty="0"/>
           </a:p>
         </p:txBody>
       </p:sp>
@@ -25915,13 +25316,8 @@
           <a:p>
             <a:r>
               <a:rPr lang="en-SG" dirty="0"/>
-              <a:t>6</a:t>
-            </a:r>
-            <a:r>
-              <a:rPr lang="en-SG" dirty="0" smtClean="0"/>
-              <a:t>. Sniffer: Connection</a:t>
-            </a:r>
-            <a:endParaRPr lang="en-SG" dirty="0"/>
+              <a:t>6. Sniffer: Connection</a:t>
+            </a:r>
           </a:p>
         </p:txBody>
       </p:sp>
@@ -25948,7 +25344,7 @@
           <a:lstStyle/>
           <a:p>
             <a:r>
-              <a:rPr lang="en-SG" dirty="0" smtClean="0"/>
+              <a:rPr lang="en-SG" dirty="0"/>
               <a:t>PDU Type:</a:t>
             </a:r>
           </a:p>
@@ -25970,56 +25366,44 @@
             <a:pPr lvl="1"/>
             <a:r>
               <a:rPr lang="en-SG" dirty="0"/>
-              <a:t>Master -&gt; </a:t>
-            </a:r>
-            <a:r>
-              <a:rPr lang="en-SG" dirty="0" smtClean="0"/>
-              <a:t>Slave</a:t>
+              <a:t>Master -&gt; Slave</a:t>
             </a:r>
           </a:p>
           <a:p>
             <a:pPr lvl="1"/>
             <a:r>
-              <a:rPr lang="en-SG" dirty="0" smtClean="0"/>
+              <a:rPr lang="en-SG" dirty="0"/>
               <a:t>Master selects and sends a random data access address</a:t>
             </a:r>
           </a:p>
           <a:p>
             <a:pPr lvl="2"/>
             <a:r>
-              <a:rPr lang="en-SG" dirty="0" smtClean="0"/>
+              <a:rPr lang="en-SG" dirty="0"/>
               <a:t>Link-layer data -&gt; Access address field</a:t>
             </a:r>
           </a:p>
           <a:p>
             <a:r>
-              <a:rPr lang="en-SG" dirty="0" smtClean="0"/>
+              <a:rPr lang="en-SG" dirty="0"/>
               <a:t>0110: Empty PDU (Keep-alive packet)</a:t>
             </a:r>
           </a:p>
           <a:p>
             <a:pPr lvl="1"/>
             <a:r>
-              <a:rPr lang="en-SG" dirty="0" smtClean="0"/>
-              <a:t>Sent at connection interval between Master &lt;-&gt; </a:t>
-            </a:r>
-            <a:r>
-              <a:rPr lang="en-SG" dirty="0"/>
-              <a:t>S</a:t>
-            </a:r>
-            <a:r>
-              <a:rPr lang="en-SG" dirty="0" smtClean="0"/>
-              <a:t>lave</a:t>
+              <a:rPr lang="en-SG" dirty="0"/>
+              <a:t>Sent at connection interval between Master &lt;-&gt; Slave</a:t>
             </a:r>
           </a:p>
           <a:p>
             <a:pPr lvl="1"/>
             <a:r>
-              <a:rPr lang="en-SG" dirty="0" smtClean="0"/>
+              <a:rPr lang="en-SG" dirty="0"/>
               <a:t>Filter "</a:t>
             </a:r>
             <a:r>
-              <a:rPr lang="en-SG" i="1" dirty="0" smtClean="0"/>
+              <a:rPr lang="en-SG" i="1" dirty="0"/>
               <a:t>not </a:t>
             </a:r>
             <a:r>
@@ -26032,11 +25416,7 @@
             </a:r>
             <a:r>
               <a:rPr lang="en-SG" dirty="0"/>
-              <a:t>” </a:t>
-            </a:r>
-            <a:r>
-              <a:rPr lang="en-SG" dirty="0" smtClean="0"/>
-              <a:t>to ignore in Wireshark</a:t>
+              <a:t>” to ignore in Wireshark</a:t>
             </a:r>
           </a:p>
           <a:p>
@@ -26142,10 +25522,9 @@
           <a:lstStyle/>
           <a:p>
             <a:r>
-              <a:rPr lang="en-SG" dirty="0" smtClean="0"/>
+              <a:rPr lang="en-SG" dirty="0"/>
               <a:t>6. Sniffer: Data Packets</a:t>
             </a:r>
-            <a:endParaRPr lang="en-SG" dirty="0"/>
           </a:p>
         </p:txBody>
       </p:sp>
@@ -26172,7 +25551,7 @@
           <a:lstStyle/>
           <a:p>
             <a:r>
-              <a:rPr lang="en-SG" sz="1800" dirty="0" smtClean="0">
+              <a:rPr lang="en-SG" sz="1800" dirty="0">
                 <a:solidFill>
                   <a:schemeClr val="accent6"/>
                 </a:solidFill>
@@ -26189,7 +25568,7 @@
           </a:p>
           <a:p>
             <a:r>
-              <a:rPr lang="en-SG" sz="1800" dirty="0" smtClean="0">
+              <a:rPr lang="en-SG" sz="1800" dirty="0">
                 <a:solidFill>
                   <a:srgbClr val="0070C0"/>
                 </a:solidFill>
@@ -26200,7 +25579,7 @@
           <a:p>
             <a:pPr lvl="1"/>
             <a:r>
-              <a:rPr lang="en-SG" sz="1400" dirty="0" smtClean="0">
+              <a:rPr lang="en-SG" sz="1400" dirty="0">
                 <a:solidFill>
                   <a:srgbClr val="0070C0"/>
                 </a:solidFill>
@@ -26211,7 +25590,7 @@
           <a:p>
             <a:pPr lvl="1"/>
             <a:r>
-              <a:rPr lang="en-SG" sz="1400" dirty="0" smtClean="0">
+              <a:rPr lang="en-SG" sz="1400" dirty="0">
                 <a:solidFill>
                   <a:srgbClr val="0070C0"/>
                 </a:solidFill>
@@ -26222,7 +25601,7 @@
           <a:p>
             <a:pPr lvl="1"/>
             <a:r>
-              <a:rPr lang="en-SG" sz="1400" dirty="0" smtClean="0">
+              <a:rPr lang="en-SG" sz="1400" dirty="0">
                 <a:solidFill>
                   <a:srgbClr val="0070C0"/>
                 </a:solidFill>
@@ -26232,7 +25611,7 @@
           </a:p>
           <a:p>
             <a:pPr lvl="1"/>
-            <a:endParaRPr lang="en-SG" sz="1600" dirty="0" smtClean="0">
+            <a:endParaRPr lang="en-SG" sz="1600" dirty="0">
               <a:solidFill>
                 <a:schemeClr val="accent6"/>
               </a:solidFill>
@@ -26240,36 +25619,36 @@
           </a:p>
           <a:p>
             <a:r>
-              <a:rPr lang="en-SG" sz="1800" dirty="0" smtClean="0"/>
+              <a:rPr lang="en-SG" sz="1800" dirty="0"/>
               <a:t>If LLID == 11 (Control Packet)</a:t>
             </a:r>
           </a:p>
           <a:p>
             <a:pPr lvl="1"/>
             <a:r>
-              <a:rPr lang="en-SG" sz="1400" dirty="0" smtClean="0"/>
+              <a:rPr lang="en-SG" sz="1400" dirty="0"/>
               <a:t>Header format changes to have control and error fields</a:t>
             </a:r>
-            <a:endParaRPr lang="en-SG" sz="1000" dirty="0" smtClean="0"/>
+            <a:endParaRPr lang="en-SG" sz="1000" dirty="0"/>
           </a:p>
           <a:p>
             <a:pPr lvl="1"/>
             <a:r>
-              <a:rPr lang="en-SG" sz="1400" dirty="0" smtClean="0"/>
+              <a:rPr lang="en-SG" sz="1400" dirty="0"/>
               <a:t>Does not contain L2CAP/ATT payload data</a:t>
             </a:r>
           </a:p>
           <a:p>
             <a:pPr lvl="1"/>
             <a:r>
-              <a:rPr lang="en-SG" sz="1200" dirty="0" smtClean="0"/>
+              <a:rPr lang="en-SG" sz="1200" dirty="0"/>
               <a:t>0x0c: LL_VERSION_IND: Negotiate supported Bluetooth Spec</a:t>
             </a:r>
           </a:p>
           <a:p>
             <a:pPr lvl="1"/>
             <a:r>
-              <a:rPr lang="en-SG" sz="1200" dirty="0" smtClean="0"/>
+              <a:rPr lang="en-SG" sz="1200" dirty="0"/>
               <a:t>0x01: LL_CHANNEL_MAP_REQ: Channel hop (Master -&gt; Slave)</a:t>
             </a:r>
           </a:p>
@@ -26277,13 +25656,8 @@
             <a:pPr lvl="1"/>
             <a:r>
               <a:rPr lang="en-SG" sz="1200" dirty="0"/>
-              <a:t>0x02: LL_TERMINATE_IND: Terminate </a:t>
-            </a:r>
-            <a:r>
-              <a:rPr lang="en-SG" sz="1200" dirty="0" smtClean="0"/>
-              <a:t>connection</a:t>
-            </a:r>
-            <a:endParaRPr lang="en-SG" sz="1200" dirty="0"/>
+              <a:t>0x02: LL_TERMINATE_IND: Terminate connection</a:t>
+            </a:r>
           </a:p>
         </p:txBody>
       </p:sp>
@@ -26334,21 +25708,16 @@
           <a:p>
             <a:r>
               <a:rPr lang="en-SG" sz="1000" dirty="0"/>
-              <a:t>Source: </a:t>
-            </a:r>
-            <a:r>
-              <a:rPr lang="en-SG" sz="1000" dirty="0" smtClean="0"/>
-              <a:t>BLE: The Developer’s Handbook by Robin </a:t>
-            </a:r>
-            <a:r>
-              <a:rPr lang="en-SG" sz="1000" dirty="0" err="1" smtClean="0"/>
+              <a:t>Source: BLE: The Developer’s Handbook by Robin </a:t>
+            </a:r>
+            <a:r>
+              <a:rPr lang="en-SG" sz="1000" dirty="0" err="1"/>
               <a:t>Heydon</a:t>
             </a:r>
             <a:r>
-              <a:rPr lang="en-SG" sz="1000" dirty="0" smtClean="0"/>
+              <a:rPr lang="en-SG" sz="1000" dirty="0"/>
               <a:t>, pg83</a:t>
             </a:r>
-            <a:endParaRPr lang="en-SG" sz="1000" dirty="0"/>
           </a:p>
         </p:txBody>
       </p:sp>
@@ -26503,18 +25872,13 @@
           <a:lstStyle/>
           <a:p>
             <a:r>
-              <a:rPr lang="en-SG" dirty="0" smtClean="0">
+              <a:rPr lang="en-SG" dirty="0">
                 <a:solidFill>
                   <a:srgbClr val="FF0000"/>
                 </a:solidFill>
               </a:rPr>
               <a:t>Link layer format</a:t>
             </a:r>
-            <a:endParaRPr lang="en-SG" dirty="0">
-              <a:solidFill>
-                <a:srgbClr val="FF0000"/>
-              </a:solidFill>
-            </a:endParaRPr>
           </a:p>
         </p:txBody>
       </p:sp>
@@ -27203,13 +26567,8 @@
           <a:p>
             <a:r>
               <a:rPr lang="en-SG" sz="4000" dirty="0"/>
-              <a:t>6. Sniffer: </a:t>
-            </a:r>
-            <a:r>
-              <a:rPr lang="en-SG" sz="4000" dirty="0" smtClean="0"/>
-              <a:t>Discover services/characteristics</a:t>
-            </a:r>
-            <a:endParaRPr lang="en-SG" sz="4000" dirty="0"/>
+              <a:t>6. Sniffer: Discover services/characteristics</a:t>
+            </a:r>
           </a:p>
         </p:txBody>
       </p:sp>
@@ -27236,73 +26595,73 @@
           <a:lstStyle/>
           <a:p>
             <a:r>
-              <a:rPr lang="en-SG" sz="2400" dirty="0" smtClean="0"/>
+              <a:rPr lang="en-SG" sz="2400" dirty="0"/>
               <a:t>ATT opcodes</a:t>
             </a:r>
           </a:p>
           <a:p>
             <a:r>
-              <a:rPr lang="en-SG" sz="2400" dirty="0" smtClean="0"/>
+              <a:rPr lang="en-SG" sz="2400" dirty="0"/>
               <a:t>0x10: Read by Group Type Request (Discover Services)</a:t>
             </a:r>
           </a:p>
           <a:p>
             <a:pPr lvl="1"/>
             <a:r>
-              <a:rPr lang="en-SG" sz="2000" dirty="0" smtClean="0"/>
+              <a:rPr lang="en-SG" sz="2000" dirty="0"/>
               <a:t>Master -&gt; Slave</a:t>
             </a:r>
           </a:p>
           <a:p>
             <a:r>
-              <a:rPr lang="en-SG" sz="2400" dirty="0" smtClean="0"/>
+              <a:rPr lang="en-SG" sz="2400" dirty="0"/>
               <a:t>0x11: Read by Group Type Response </a:t>
             </a:r>
           </a:p>
           <a:p>
             <a:pPr lvl="1"/>
             <a:r>
-              <a:rPr lang="en-SG" sz="2000" dirty="0" smtClean="0"/>
+              <a:rPr lang="en-SG" sz="2000" dirty="0"/>
               <a:t>Slave -&gt; Master</a:t>
             </a:r>
           </a:p>
           <a:p>
             <a:pPr lvl="1"/>
             <a:r>
-              <a:rPr lang="en-SG" sz="2000" dirty="0" smtClean="0"/>
+              <a:rPr lang="en-SG" sz="2000" dirty="0"/>
               <a:t>Returns Services Requested</a:t>
             </a:r>
           </a:p>
           <a:p>
             <a:r>
-              <a:rPr lang="en-SG" sz="2400" dirty="0" smtClean="0"/>
+              <a:rPr lang="en-SG" sz="2400" dirty="0"/>
               <a:t>0x08: Read by Type Request (Discover Characteristics)</a:t>
             </a:r>
           </a:p>
           <a:p>
             <a:pPr lvl="1"/>
             <a:r>
-              <a:rPr lang="en-SG" sz="2000" dirty="0" smtClean="0"/>
+              <a:rPr lang="en-SG" sz="2000" dirty="0"/>
               <a:t>Master -&gt; Slave</a:t>
             </a:r>
           </a:p>
           <a:p>
             <a:r>
-              <a:rPr lang="en-SG" sz="2400" dirty="0" smtClean="0"/>
+              <a:rPr lang="en-SG" sz="2400" dirty="0"/>
               <a:t>0x09: Read by Type Response </a:t>
             </a:r>
           </a:p>
           <a:p>
             <a:pPr lvl="1"/>
             <a:r>
-              <a:rPr lang="en-SG" sz="2000" dirty="0" smtClean="0"/>
+              <a:rPr lang="en-SG" sz="2000" dirty="0"/>
               <a:t>Slave -&gt; Master</a:t>
             </a:r>
           </a:p>
           <a:p>
             <a:pPr lvl="1"/>
             <a:r>
-              <a:rPr lang="en-SG" sz="2000" dirty="0" smtClean="0"/>
+              <a:rPr lang="en-SG" sz="2000" dirty="0"/>
               <a:t>Returns Characteristics Requested</a:t>
             </a:r>
           </a:p>
@@ -27372,19 +26731,7 @@
           <a:p>
             <a:r>
               <a:rPr lang="en-SG" dirty="0"/>
-              <a:t>You </a:t>
-            </a:r>
-            <a:r>
-              <a:rPr lang="en-SG" dirty="0" smtClean="0"/>
-              <a:t>may notice </a:t>
-            </a:r>
-            <a:r>
-              <a:rPr lang="en-SG" dirty="0"/>
-              <a:t>some “hidden” </a:t>
-            </a:r>
-            <a:r>
-              <a:rPr lang="en-SG" dirty="0" smtClean="0"/>
-              <a:t>services during sniffing</a:t>
+              <a:t>You may notice some “hidden” services during sniffing</a:t>
             </a:r>
           </a:p>
           <a:p>
@@ -27393,28 +26740,16 @@
               <a:buChar char="•"/>
             </a:pPr>
             <a:r>
-              <a:rPr lang="en-SG" sz="1600" dirty="0" smtClean="0"/>
-              <a:t>Generic </a:t>
-            </a:r>
-            <a:r>
               <a:rPr lang="en-SG" sz="1600" dirty="0"/>
-              <a:t>Access Service: 0x1800 (Contains generic </a:t>
-            </a:r>
-            <a:r>
-              <a:rPr lang="en-SG" sz="1600" dirty="0" smtClean="0"/>
-              <a:t>info, name, type </a:t>
-            </a:r>
-            <a:r>
-              <a:rPr lang="en-SG" sz="1600" dirty="0" err="1" smtClean="0"/>
+              <a:t>Generic Access Service: 0x1800 (Contains generic info, name, type </a:t>
+            </a:r>
+            <a:r>
+              <a:rPr lang="en-SG" sz="1600" dirty="0" err="1"/>
               <a:t>etc</a:t>
             </a:r>
             <a:r>
-              <a:rPr lang="en-SG" sz="1600" dirty="0" smtClean="0"/>
-              <a:t> about </a:t>
-            </a:r>
-            <a:r>
               <a:rPr lang="en-SG" sz="1600" dirty="0"/>
-              <a:t>peripheral)</a:t>
+              <a:t> about peripheral)</a:t>
             </a:r>
           </a:p>
           <a:p>
@@ -27476,13 +26811,8 @@
           <a:p>
             <a:r>
               <a:rPr lang="en-SG" dirty="0"/>
-              <a:t>6. Sniffer: </a:t>
-            </a:r>
-            <a:r>
-              <a:rPr lang="en-SG" dirty="0" smtClean="0"/>
-              <a:t>Data transfer</a:t>
-            </a:r>
-            <a:endParaRPr lang="en-SG" dirty="0"/>
+              <a:t>6. Sniffer: Data transfer</a:t>
+            </a:r>
           </a:p>
         </p:txBody>
       </p:sp>
@@ -27509,27 +26839,27 @@
           <a:lstStyle/>
           <a:p>
             <a:r>
-              <a:rPr lang="en-SG" sz="2400" dirty="0" smtClean="0"/>
+              <a:rPr lang="en-SG" sz="2400" dirty="0"/>
               <a:t>0x52: Write Command (Write to Characteristic)</a:t>
             </a:r>
           </a:p>
           <a:p>
             <a:pPr lvl="1"/>
             <a:r>
-              <a:rPr lang="en-SG" sz="2000" dirty="0" smtClean="0"/>
+              <a:rPr lang="en-SG" sz="2000" dirty="0"/>
               <a:t>Master -&gt; Slave</a:t>
             </a:r>
           </a:p>
           <a:p>
             <a:r>
-              <a:rPr lang="en-SG" sz="2400" dirty="0" smtClean="0"/>
+              <a:rPr lang="en-SG" sz="2400" dirty="0"/>
               <a:t>0x1b: Handle Value Notification (Notify Characteristic Changed)</a:t>
             </a:r>
           </a:p>
           <a:p>
             <a:pPr lvl="1"/>
             <a:r>
-              <a:rPr lang="en-SG" sz="2000" dirty="0" smtClean="0"/>
+              <a:rPr lang="en-SG" sz="2000" dirty="0"/>
               <a:t>Slave -&gt; Master</a:t>
             </a:r>
           </a:p>
@@ -27616,13 +26946,8 @@
           <a:p>
             <a:r>
               <a:rPr lang="en-SG" dirty="0"/>
-              <a:t>7</a:t>
-            </a:r>
-            <a:r>
-              <a:rPr lang="en-SG" dirty="0" smtClean="0"/>
-              <a:t>. Further reading</a:t>
-            </a:r>
-            <a:endParaRPr lang="en-SG" dirty="0"/>
+              <a:t>7. Further reading</a:t>
+            </a:r>
           </a:p>
         </p:txBody>
       </p:sp>
@@ -27638,8 +26963,8 @@
         </p:nvSpPr>
         <p:spPr>
           <a:xfrm>
-            <a:off x="249382" y="653143"/>
-            <a:ext cx="8894618" cy="5703208"/>
+            <a:off x="249382" y="653142"/>
+            <a:ext cx="8894618" cy="6068333"/>
           </a:xfrm>
         </p:spPr>
         <p:txBody>
@@ -27649,51 +26974,33 @@
           <a:lstStyle/>
           <a:p>
             <a:r>
-              <a:rPr lang="en-SG" sz="2400" dirty="0" smtClean="0"/>
+              <a:rPr lang="en-SG" sz="2400" dirty="0"/>
               <a:t>BLE 4.0-4.1 Security (Passive) Weaknesses (19:58 to 23:14)</a:t>
             </a:r>
           </a:p>
           <a:p>
             <a:pPr lvl="1"/>
-            <a:r>
-              <a:rPr lang="en-SG" sz="1400" dirty="0" smtClean="0">
-                <a:hlinkClick r:id="rId2"/>
-              </a:rPr>
-              <a:t>Video: https</a:t>
-            </a:r>
             <a:r>
               <a:rPr lang="en-SG" sz="1400" dirty="0">
                 <a:hlinkClick r:id="rId2"/>
               </a:rPr>
-              <a:t>://</a:t>
-            </a:r>
-            <a:r>
-              <a:rPr lang="en-SG" sz="1400" dirty="0" smtClean="0">
-                <a:hlinkClick r:id="rId2"/>
-              </a:rPr>
-              <a:t>www.usenix.org/conference/woot13/workshop-program/presentation/ryan</a:t>
-            </a:r>
-            <a:endParaRPr lang="en-SG" sz="1400" dirty="0" smtClean="0"/>
+              <a:t>Video: https://www.usenix.org/conference/woot13/workshop-program/presentation/ryan</a:t>
+            </a:r>
+            <a:endParaRPr lang="en-SG" sz="1400" dirty="0"/>
           </a:p>
           <a:p>
             <a:pPr lvl="1"/>
-            <a:r>
-              <a:rPr lang="en-SG" sz="1400" dirty="0" smtClean="0">
-                <a:hlinkClick r:id="rId3"/>
-              </a:rPr>
-              <a:t>Paper: https</a:t>
-            </a:r>
             <a:r>
               <a:rPr lang="en-SG" sz="1400" dirty="0">
                 <a:hlinkClick r:id="rId3"/>
               </a:rPr>
-              <a:t>://lacklustre.net/bluetooth/Ryan_Bluetooth_Low_Energy_USENIX_WOOT.pdf</a:t>
-            </a:r>
-            <a:endParaRPr lang="en-SG" sz="1400" dirty="0" smtClean="0"/>
-          </a:p>
-          <a:p>
-            <a:r>
-              <a:rPr lang="en-SG" sz="2400" dirty="0" smtClean="0"/>
+              <a:t>Paper: https://lacklustre.net/bluetooth/Ryan_Bluetooth_Low_Energy_USENIX_WOOT.pdf</a:t>
+            </a:r>
+            <a:endParaRPr lang="en-SG" sz="1400" dirty="0"/>
+          </a:p>
+          <a:p>
+            <a:r>
+              <a:rPr lang="en-SG" sz="2400" dirty="0"/>
               <a:t>In-depth introduction by Nordic Semiconductor</a:t>
             </a:r>
           </a:p>
@@ -27705,11 +27012,11 @@
               </a:rPr>
               <a:t>https://www.youtube.com/watch?v=BZwOrQ6zkzE</a:t>
             </a:r>
-            <a:endParaRPr lang="en-SG" sz="1400" dirty="0" smtClean="0"/>
-          </a:p>
-          <a:p>
-            <a:r>
-              <a:rPr lang="en-SG" sz="2400" dirty="0" smtClean="0"/>
+            <a:endParaRPr lang="en-SG" sz="1400" dirty="0"/>
+          </a:p>
+          <a:p>
+            <a:r>
+              <a:rPr lang="en-SG" sz="2400" dirty="0"/>
               <a:t>Acceptable types of Characteristic values</a:t>
             </a:r>
           </a:p>
@@ -27719,27 +27026,21 @@
               <a:rPr lang="en-SG" sz="1400" dirty="0">
                 <a:hlinkClick r:id="rId5"/>
               </a:rPr>
-              <a:t>https://</a:t>
-            </a:r>
-            <a:r>
-              <a:rPr lang="en-SG" sz="1400" dirty="0" smtClean="0">
-                <a:hlinkClick r:id="rId5"/>
-              </a:rPr>
-              <a:t>developer.bluetooth.org/gatt/descriptors/Pages/DescriptorViewer.aspx?u=org.bluetooth.descriptor.gatt.characteristic_presentation_format.xml</a:t>
-            </a:r>
-            <a:endParaRPr lang="en-SG" sz="1400" dirty="0" smtClean="0"/>
-          </a:p>
-          <a:p>
-            <a:r>
-              <a:rPr lang="en-SG" sz="2400" dirty="0" smtClean="0"/>
+              <a:t>https://developer.bluetooth.org/gatt/descriptors/Pages/DescriptorViewer.aspx?u=org.bluetooth.descriptor.gatt.characteristic_presentation_format.xml</a:t>
+            </a:r>
+            <a:endParaRPr lang="en-SG" sz="1400" dirty="0"/>
+          </a:p>
+          <a:p>
+            <a:r>
+              <a:rPr lang="en-SG" sz="2400" dirty="0"/>
               <a:t>BLE Sniffer (by </a:t>
             </a:r>
             <a:r>
-              <a:rPr lang="en-SG" sz="2400" dirty="0" err="1" smtClean="0"/>
+              <a:rPr lang="en-SG" sz="2400" dirty="0" err="1"/>
               <a:t>Adafruit</a:t>
             </a:r>
             <a:r>
-              <a:rPr lang="en-SG" sz="2400" dirty="0" smtClean="0"/>
+              <a:rPr lang="en-SG" sz="2400" dirty="0"/>
               <a:t>)</a:t>
             </a:r>
           </a:p>
@@ -27751,11 +27052,11 @@
               </a:rPr>
               <a:t>https://learn.adafruit.com/introducing-the-adafruit-bluefruit-le-sniffer</a:t>
             </a:r>
-            <a:endParaRPr lang="en-SG" sz="1400" dirty="0" smtClean="0"/>
-          </a:p>
-          <a:p>
-            <a:r>
-              <a:rPr lang="en-SG" sz="2400" dirty="0" smtClean="0"/>
+            <a:endParaRPr lang="en-SG" sz="1400" dirty="0"/>
+          </a:p>
+          <a:p>
+            <a:r>
+              <a:rPr lang="en-SG" sz="2400" dirty="0"/>
               <a:t>Android 4.3 BLE unstable</a:t>
             </a:r>
           </a:p>
@@ -27771,7 +27072,7 @@
           </a:p>
           <a:p>
             <a:r>
-              <a:rPr lang="en-SG" sz="2400" dirty="0" smtClean="0"/>
+              <a:rPr lang="en-SG" sz="2400" dirty="0"/>
               <a:t>Android different scan results behaviour</a:t>
             </a:r>
           </a:p>
@@ -27787,7 +27088,7 @@
           </a:p>
           <a:p>
             <a:r>
-              <a:rPr lang="en-SG" sz="2400" dirty="0" smtClean="0"/>
+              <a:rPr lang="en-SG" sz="2400" dirty="0"/>
               <a:t>Android 5.0 BLE APIs improvement vs 4.3</a:t>
             </a:r>
           </a:p>
@@ -27803,18 +27104,17 @@
               <a:rPr lang="en-SG" sz="1400" dirty="0"/>
               <a:t>  </a:t>
             </a:r>
-            <a:endParaRPr lang="en-SG" sz="1400" dirty="0" smtClean="0"/>
-          </a:p>
-          <a:p>
-            <a:r>
-              <a:rPr lang="en-SG" sz="2400" dirty="0" smtClean="0"/>
+          </a:p>
+          <a:p>
+            <a:r>
+              <a:rPr lang="en-SG" sz="2400" dirty="0"/>
               <a:t>High-level Android Issues collated by </a:t>
             </a:r>
             <a:r>
-              <a:rPr lang="en-SG" sz="2400" dirty="0" err="1" smtClean="0"/>
+              <a:rPr lang="en-SG" sz="2400" dirty="0" err="1"/>
               <a:t>Anaren</a:t>
             </a:r>
-            <a:endParaRPr lang="en-SG" sz="2400" dirty="0" smtClean="0"/>
+            <a:endParaRPr lang="en-SG" sz="2400" dirty="0"/>
           </a:p>
           <a:p>
             <a:pPr lvl="1"/>
@@ -27822,26 +27122,20 @@
               <a:rPr lang="en-SG" sz="1400" dirty="0">
                 <a:hlinkClick r:id="rId10"/>
               </a:rPr>
-              <a:t>https://</a:t>
-            </a:r>
-            <a:r>
-              <a:rPr lang="en-SG" sz="1400" dirty="0" smtClean="0">
-                <a:hlinkClick r:id="rId10"/>
-              </a:rPr>
-              <a:t>atmosphere.anaren.com/wiki/Android_Issues_With_Bluetooth_Low_Energy</a:t>
+              <a:t>https://atmosphere.anaren.com/wiki/Android_Issues_With_Bluetooth_Low_Energy</a:t>
             </a:r>
             <a:endParaRPr lang="en-SG" sz="1400" dirty="0"/>
           </a:p>
           <a:p>
             <a:r>
-              <a:rPr lang="en-SG" sz="2400" dirty="0" smtClean="0"/>
+              <a:rPr lang="en-SG" sz="2400" dirty="0"/>
               <a:t>Lower-level Android issues collated by </a:t>
             </a:r>
             <a:r>
-              <a:rPr lang="en-SG" sz="2400" dirty="0" err="1" smtClean="0"/>
+              <a:rPr lang="en-SG" sz="2400" dirty="0" err="1"/>
               <a:t>iDevicesInc</a:t>
             </a:r>
-            <a:endParaRPr lang="en-SG" sz="2400" dirty="0" smtClean="0"/>
+            <a:endParaRPr lang="en-SG" sz="2400" dirty="0"/>
           </a:p>
           <a:p>
             <a:pPr lvl="1"/>
@@ -27849,19 +27143,13 @@
               <a:rPr lang="en-SG" sz="1400" dirty="0">
                 <a:hlinkClick r:id="rId11"/>
               </a:rPr>
-              <a:t>https://</a:t>
-            </a:r>
-            <a:r>
-              <a:rPr lang="en-SG" sz="1400" dirty="0" smtClean="0">
-                <a:hlinkClick r:id="rId11"/>
-              </a:rPr>
-              <a:t>github.com/iDevicesInc/SweetBlue/wiki/Android-BLE-Issues</a:t>
-            </a:r>
-            <a:endParaRPr lang="en-SG" sz="1400" dirty="0" smtClean="0"/>
-          </a:p>
-          <a:p>
-            <a:r>
-              <a:rPr lang="en-SG" sz="2400" dirty="0" smtClean="0"/>
+              <a:t>https://github.com/iDevicesInc/SweetBlue/wiki/Android-BLE-Issues</a:t>
+            </a:r>
+            <a:endParaRPr lang="en-SG" sz="1400" dirty="0"/>
+          </a:p>
+          <a:p>
+            <a:r>
+              <a:rPr lang="en-SG" sz="2400" dirty="0"/>
               <a:t>BLE Advertising Packet Format</a:t>
             </a:r>
           </a:p>
@@ -27871,19 +27159,13 @@
               <a:rPr lang="en-SG" sz="1400" dirty="0">
                 <a:hlinkClick r:id="rId12"/>
               </a:rPr>
-              <a:t>http://</a:t>
-            </a:r>
-            <a:r>
-              <a:rPr lang="en-SG" sz="1400" dirty="0" smtClean="0">
-                <a:hlinkClick r:id="rId12"/>
-              </a:rPr>
-              <a:t>j2abro.blogspot.sg/2014/06/understanding-bluetooth-advertising.html</a:t>
-            </a:r>
-            <a:endParaRPr lang="en-SG" sz="1400" dirty="0" smtClean="0"/>
-          </a:p>
-          <a:p>
-            <a:r>
-              <a:rPr lang="en-SG" sz="2400" dirty="0" smtClean="0"/>
+              <a:t>http://j2abro.blogspot.sg/2014/06/understanding-bluetooth-advertising.html</a:t>
+            </a:r>
+            <a:endParaRPr lang="en-SG" sz="1400" dirty="0"/>
+          </a:p>
+          <a:p>
+            <a:r>
+              <a:rPr lang="en-SG" sz="2400" dirty="0"/>
               <a:t>Bluetooth Core (Adopted) Specification</a:t>
             </a:r>
           </a:p>
@@ -27894,6 +27176,22 @@
                 <a:hlinkClick r:id="rId13"/>
               </a:rPr>
               <a:t>https://www.bluetooth.org/en-us/specification/adopted-specifications</a:t>
+            </a:r>
+            <a:endParaRPr lang="en-SG" sz="1400" dirty="0"/>
+          </a:p>
+          <a:p>
+            <a:r>
+              <a:rPr lang="en-SG" sz="2400" dirty="0"/>
+              <a:t>Raspberry Pi 3 UART/Bluetooth issues</a:t>
+            </a:r>
+          </a:p>
+          <a:p>
+            <a:pPr lvl="1"/>
+            <a:r>
+              <a:rPr lang="en-SG" sz="1400" dirty="0">
+                <a:hlinkClick r:id="rId14"/>
+              </a:rPr>
+              <a:t>http://yeokhengmeng.com/2016/03/raspberry-pi-3-uartbluetooth-issues/</a:t>
             </a:r>
             <a:endParaRPr lang="en-SG" sz="1400" dirty="0"/>
           </a:p>
@@ -27971,13 +27269,8 @@
           <a:p>
             <a:r>
               <a:rPr lang="en-SG" dirty="0"/>
-              <a:t>8</a:t>
-            </a:r>
-            <a:r>
-              <a:rPr lang="en-SG" dirty="0" smtClean="0"/>
-              <a:t>a. Can Peripheral prevent unwanted connections from unknown Central?</a:t>
-            </a:r>
-            <a:endParaRPr lang="en-SG" dirty="0"/>
+              <a:t>8a. Can Peripheral prevent unwanted connections from unknown Central?</a:t>
+            </a:r>
           </a:p>
         </p:txBody>
       </p:sp>
@@ -28002,62 +27295,62 @@
           <a:lstStyle/>
           <a:p>
             <a:r>
-              <a:rPr lang="en-SG" dirty="0" smtClean="0"/>
+              <a:rPr lang="en-SG" dirty="0"/>
               <a:t>Not possible to block connection attempt</a:t>
             </a:r>
           </a:p>
           <a:p>
             <a:r>
-              <a:rPr lang="en-SG" dirty="0" smtClean="0"/>
+              <a:rPr lang="en-SG" dirty="0"/>
               <a:t>But peripheral can disconnect the central after connected</a:t>
             </a:r>
           </a:p>
           <a:p>
             <a:pPr lvl="1"/>
             <a:r>
-              <a:rPr lang="en-SG" dirty="0" smtClean="0"/>
+              <a:rPr lang="en-SG" dirty="0"/>
               <a:t>Wait for key-exchange</a:t>
             </a:r>
           </a:p>
           <a:p>
             <a:pPr lvl="1"/>
             <a:r>
-              <a:rPr lang="en-SG" dirty="0" smtClean="0"/>
+              <a:rPr lang="en-SG" dirty="0"/>
               <a:t>Mac address whitelist</a:t>
             </a:r>
           </a:p>
           <a:p>
             <a:r>
-              <a:rPr lang="en-SG" dirty="0" smtClean="0"/>
+              <a:rPr lang="en-SG" dirty="0"/>
               <a:t>Disconnect APIs</a:t>
             </a:r>
           </a:p>
           <a:p>
             <a:pPr lvl="1"/>
             <a:r>
-              <a:rPr lang="en-SG" dirty="0" err="1" smtClean="0"/>
+              <a:rPr lang="en-SG" dirty="0" err="1"/>
               <a:t>arduino-BLEPeripheral</a:t>
             </a:r>
-            <a:endParaRPr lang="en-SG" dirty="0" smtClean="0"/>
+            <a:endParaRPr lang="en-SG" dirty="0"/>
           </a:p>
           <a:p>
             <a:pPr lvl="2"/>
             <a:r>
-              <a:rPr lang="en-SG" i="1" dirty="0" err="1" smtClean="0"/>
+              <a:rPr lang="en-SG" i="1" dirty="0" err="1"/>
               <a:t>blePeripheral.disconnect</a:t>
             </a:r>
             <a:r>
-              <a:rPr lang="en-SG" i="1" dirty="0" smtClean="0"/>
+              <a:rPr lang="en-SG" i="1" dirty="0"/>
               <a:t>();</a:t>
             </a:r>
           </a:p>
           <a:p>
             <a:pPr lvl="1"/>
             <a:r>
-              <a:rPr lang="en-SG" dirty="0" err="1" smtClean="0"/>
+              <a:rPr lang="en-SG" dirty="0" err="1"/>
               <a:t>Bleno</a:t>
             </a:r>
-            <a:endParaRPr lang="en-SG" dirty="0" smtClean="0"/>
+            <a:endParaRPr lang="en-SG" dirty="0"/>
           </a:p>
           <a:p>
             <a:pPr lvl="2"/>
@@ -28069,22 +27362,21 @@
               <a:rPr lang="en-SG" i="1" dirty="0"/>
               <a:t>();</a:t>
             </a:r>
-            <a:endParaRPr lang="en-SG" i="1" dirty="0" smtClean="0"/>
           </a:p>
           <a:p>
             <a:pPr lvl="1"/>
-            <a:endParaRPr lang="en-SG" dirty="0" smtClean="0"/>
-          </a:p>
-          <a:p>
-            <a:endParaRPr lang="en-SG" dirty="0" smtClean="0"/>
+            <a:endParaRPr lang="en-SG" dirty="0"/>
+          </a:p>
+          <a:p>
+            <a:endParaRPr lang="en-SG" dirty="0"/>
           </a:p>
           <a:p>
             <a:pPr lvl="1"/>
-            <a:endParaRPr lang="en-SG" dirty="0" smtClean="0"/>
+            <a:endParaRPr lang="en-SG" dirty="0"/>
           </a:p>
           <a:p>
             <a:pPr lvl="1"/>
-            <a:endParaRPr lang="en-SG" dirty="0" smtClean="0"/>
+            <a:endParaRPr lang="en-SG" dirty="0"/>
           </a:p>
           <a:p>
             <a:endParaRPr lang="en-SG" dirty="0"/>
@@ -28637,13 +27929,8 @@
           <a:p>
             <a:r>
               <a:rPr lang="en-SG" dirty="0"/>
-              <a:t>8</a:t>
-            </a:r>
-            <a:r>
-              <a:rPr lang="en-SG" dirty="0" smtClean="0"/>
-              <a:t>b. Who defines the attributes?</a:t>
-            </a:r>
-            <a:endParaRPr lang="en-SG" dirty="0"/>
+              <a:t>8b. Who defines the attributes?</a:t>
+            </a:r>
           </a:p>
         </p:txBody>
       </p:sp>
@@ -28670,38 +27957,38 @@
           <a:lstStyle/>
           <a:p>
             <a:r>
-              <a:rPr lang="en-SG" dirty="0" smtClean="0"/>
+              <a:rPr lang="en-SG" dirty="0"/>
               <a:t>Peripheral always defines the attributes</a:t>
             </a:r>
           </a:p>
           <a:p>
             <a:pPr lvl="1"/>
             <a:r>
-              <a:rPr lang="en-SG" dirty="0" smtClean="0"/>
+              <a:rPr lang="en-SG" dirty="0"/>
               <a:t>Services, characteristics and descriptors</a:t>
             </a:r>
           </a:p>
           <a:p>
-            <a:endParaRPr lang="en-SG" dirty="0" smtClean="0"/>
-          </a:p>
-          <a:p>
-            <a:r>
-              <a:rPr lang="en-SG" dirty="0" smtClean="0"/>
+            <a:endParaRPr lang="en-SG" dirty="0"/>
+          </a:p>
+          <a:p>
+            <a:r>
+              <a:rPr lang="en-SG" dirty="0"/>
               <a:t>Then why did I do this on the Central?</a:t>
             </a:r>
           </a:p>
           <a:p>
             <a:r>
-              <a:rPr lang="en-SG" dirty="0" smtClean="0"/>
+              <a:rPr lang="en-SG" dirty="0"/>
               <a:t>Android:</a:t>
             </a:r>
           </a:p>
           <a:p>
-            <a:endParaRPr lang="en-SG" dirty="0" smtClean="0"/>
-          </a:p>
-          <a:p>
-            <a:r>
-              <a:rPr lang="en-SG" dirty="0" smtClean="0"/>
+            <a:endParaRPr lang="en-SG" dirty="0"/>
+          </a:p>
+          <a:p>
+            <a:r>
+              <a:rPr lang="en-SG" dirty="0"/>
               <a:t>iOS:</a:t>
             </a:r>
           </a:p>
@@ -28709,22 +27996,20 @@
             <a:endParaRPr lang="en-SG" dirty="0"/>
           </a:p>
           <a:p>
-            <a:endParaRPr lang="en-SG" dirty="0" smtClean="0"/>
-          </a:p>
-          <a:p>
-            <a:r>
-              <a:rPr lang="en-SG" dirty="0" smtClean="0"/>
+            <a:endParaRPr lang="en-SG" dirty="0"/>
+          </a:p>
+          <a:p>
+            <a:r>
+              <a:rPr lang="en-SG" dirty="0"/>
               <a:t>Reason: </a:t>
             </a:r>
-            <a:endParaRPr lang="en-SG" dirty="0"/>
           </a:p>
           <a:p>
             <a:pPr lvl="1"/>
             <a:r>
-              <a:rPr lang="en-SG" dirty="0" smtClean="0"/>
+              <a:rPr lang="en-SG" dirty="0"/>
               <a:t>I hardcoded the characteristic UUIDs to address the characteristics directly since I already know their purpose</a:t>
             </a:r>
-            <a:endParaRPr lang="en-SG" dirty="0"/>
           </a:p>
         </p:txBody>
       </p:sp>
@@ -29372,13 +28657,8 @@
           <a:p>
             <a:r>
               <a:rPr lang="en-SG" dirty="0"/>
-              <a:t>8</a:t>
-            </a:r>
-            <a:r>
-              <a:rPr lang="en-SG" dirty="0" smtClean="0"/>
-              <a:t>c. BLE Security?</a:t>
-            </a:r>
-            <a:endParaRPr lang="en-SG" dirty="0"/>
+              <a:t>8c. BLE Security?</a:t>
+            </a:r>
           </a:p>
         </p:txBody>
       </p:sp>
@@ -29403,48 +28683,40 @@
           <a:lstStyle/>
           <a:p>
             <a:r>
-              <a:rPr lang="en-SG" dirty="0" smtClean="0"/>
+              <a:rPr lang="en-SG" dirty="0"/>
               <a:t>Bluetooth pairing</a:t>
             </a:r>
           </a:p>
           <a:p>
             <a:r>
-              <a:rPr lang="en-SG" dirty="0" smtClean="0"/>
-              <a:t>&lt; </a:t>
-            </a:r>
-            <a:r>
-              <a:rPr lang="en-SG" dirty="0"/>
-              <a:t>Bluetooth </a:t>
-            </a:r>
-            <a:r>
-              <a:rPr lang="en-SG" dirty="0" smtClean="0"/>
-              <a:t>4.2: </a:t>
+              <a:rPr lang="en-SG" dirty="0"/>
+              <a:t>&lt; Bluetooth 4.2: </a:t>
             </a:r>
           </a:p>
           <a:p>
             <a:pPr lvl="1"/>
             <a:r>
-              <a:rPr lang="en-SG" dirty="0" smtClean="0"/>
+              <a:rPr lang="en-SG" dirty="0"/>
               <a:t>Strongly discouraged to use native BLE security features Key-exchange protocol weakness</a:t>
             </a:r>
           </a:p>
           <a:p>
             <a:pPr lvl="1"/>
             <a:r>
-              <a:rPr lang="en-SG" dirty="0" smtClean="0"/>
+              <a:rPr lang="en-SG" dirty="0"/>
               <a:t>See video in Further Reading</a:t>
             </a:r>
           </a:p>
           <a:p>
             <a:r>
-              <a:rPr lang="en-SG" dirty="0" smtClean="0"/>
+              <a:rPr lang="en-SG" dirty="0"/>
               <a:t>Security issues fixed in 4.2 (Dec 2014)</a:t>
             </a:r>
           </a:p>
           <a:p>
             <a:pPr lvl="1"/>
             <a:r>
-              <a:rPr lang="en-SG" dirty="0" smtClean="0"/>
+              <a:rPr lang="en-SG" dirty="0"/>
               <a:t>But many devices in the market have not adopted this</a:t>
             </a:r>
           </a:p>
@@ -29868,21 +29140,16 @@
           <a:p>
             <a:r>
               <a:rPr lang="en-SG" dirty="0"/>
-              <a:t>8</a:t>
-            </a:r>
-            <a:r>
-              <a:rPr lang="en-SG" dirty="0" smtClean="0"/>
-              <a:t>d. Data loss from using </a:t>
-            </a:r>
-            <a:r>
-              <a:rPr lang="en-SG" dirty="0" err="1" smtClean="0"/>
+              <a:t>8d. Data loss from using </a:t>
+            </a:r>
+            <a:r>
+              <a:rPr lang="en-SG" dirty="0" err="1"/>
               <a:t>writeWithoutResponse</a:t>
             </a:r>
             <a:r>
-              <a:rPr lang="en-SG" dirty="0" smtClean="0"/>
+              <a:rPr lang="en-SG" dirty="0"/>
               <a:t> instead of write property?</a:t>
             </a:r>
-            <a:endParaRPr lang="en-SG" dirty="0"/>
           </a:p>
         </p:txBody>
       </p:sp>
@@ -29907,41 +29174,41 @@
           <a:lstStyle/>
           <a:p>
             <a:r>
-              <a:rPr lang="en-SG" dirty="0" smtClean="0"/>
+              <a:rPr lang="en-SG" dirty="0"/>
               <a:t>Possibility exists but unlikely to happen in practice</a:t>
             </a:r>
           </a:p>
           <a:p>
             <a:r>
-              <a:rPr lang="en-SG" dirty="0" smtClean="0"/>
+              <a:rPr lang="en-SG" dirty="0"/>
               <a:t>Rough Analogy: </a:t>
             </a:r>
           </a:p>
           <a:p>
             <a:pPr lvl="1"/>
             <a:r>
-              <a:rPr lang="en-SG" dirty="0" smtClean="0"/>
+              <a:rPr lang="en-SG" dirty="0"/>
               <a:t>write vs </a:t>
             </a:r>
             <a:r>
-              <a:rPr lang="en-SG" dirty="0" err="1" smtClean="0"/>
+              <a:rPr lang="en-SG" dirty="0" err="1"/>
               <a:t>writeWithoutResponse</a:t>
             </a:r>
             <a:r>
-              <a:rPr lang="en-SG" dirty="0" smtClean="0"/>
+              <a:rPr lang="en-SG" dirty="0"/>
               <a:t> -&gt; TCP vs UDP</a:t>
             </a:r>
           </a:p>
           <a:p>
             <a:pPr lvl="1"/>
             <a:r>
-              <a:rPr lang="en-SG" dirty="0" smtClean="0"/>
+              <a:rPr lang="en-SG" dirty="0"/>
               <a:t>Possible to lose data if central sends faster than peripheral can process</a:t>
             </a:r>
           </a:p>
           <a:p>
             <a:pPr lvl="1"/>
-            <a:endParaRPr lang="en-SG" dirty="0" smtClean="0"/>
+            <a:endParaRPr lang="en-SG" dirty="0"/>
           </a:p>
           <a:p>
             <a:pPr lvl="1"/>
@@ -30543,10 +29810,9 @@
           <a:lstStyle/>
           <a:p>
             <a:r>
-              <a:rPr lang="en-SG" sz="2800" dirty="0" smtClean="0"/>
+              <a:rPr lang="en-SG" sz="2800" dirty="0"/>
               <a:t>How things work?</a:t>
             </a:r>
-            <a:endParaRPr lang="en-SG" sz="2800" dirty="0"/>
           </a:p>
         </p:txBody>
       </p:sp>
@@ -30781,10 +30047,9 @@
           <a:p>
             <a:pPr algn="ctr"/>
             <a:r>
-              <a:rPr lang="en-SG" sz="1200" dirty="0" smtClean="0"/>
+              <a:rPr lang="en-SG" sz="1200" dirty="0"/>
               <a:t>OD, OS, CYL…</a:t>
             </a:r>
-            <a:endParaRPr lang="en-SG" sz="1200" dirty="0"/>
           </a:p>
         </p:txBody>
       </p:sp>
@@ -30823,10 +30088,9 @@
           <a:p>
             <a:pPr algn="ctr"/>
             <a:r>
-              <a:rPr lang="en-SG" sz="1200" dirty="0" smtClean="0"/>
+              <a:rPr lang="en-SG" sz="1200" dirty="0"/>
               <a:t>OD, OS, CYL…</a:t>
             </a:r>
-            <a:endParaRPr lang="en-SG" sz="1200" dirty="0"/>
           </a:p>
         </p:txBody>
       </p:sp>
@@ -31665,10 +30929,9 @@
           <a:lstStyle/>
           <a:p>
             <a:r>
-              <a:rPr lang="en-SG" dirty="0" smtClean="0"/>
+              <a:rPr lang="en-SG" dirty="0"/>
               <a:t>Intro: Bluetooth Classic</a:t>
             </a:r>
-            <a:endParaRPr lang="en-SG" dirty="0"/>
           </a:p>
         </p:txBody>
       </p:sp>
@@ -31693,57 +30956,57 @@
           <a:lstStyle/>
           <a:p>
             <a:r>
-              <a:rPr lang="en-SG" dirty="0" smtClean="0"/>
+              <a:rPr lang="en-SG" dirty="0"/>
               <a:t>The “conventional” Bluetooth </a:t>
             </a:r>
           </a:p>
           <a:p>
             <a:r>
-              <a:rPr lang="en-SG" dirty="0" smtClean="0"/>
+              <a:rPr lang="en-SG" dirty="0"/>
               <a:t>2.4GHz</a:t>
             </a:r>
           </a:p>
           <a:p>
             <a:r>
-              <a:rPr lang="en-SG" dirty="0" smtClean="0"/>
+              <a:rPr lang="en-SG" dirty="0"/>
               <a:t>Range: 1m - 100m (10mtypical)</a:t>
             </a:r>
           </a:p>
           <a:p>
             <a:r>
-              <a:rPr lang="en-SG" dirty="0" smtClean="0"/>
+              <a:rPr lang="en-SG" dirty="0"/>
               <a:t>Connection-oriented: audio, file transfer, networking</a:t>
             </a:r>
           </a:p>
           <a:p>
             <a:r>
-              <a:rPr lang="en-SG" dirty="0" smtClean="0"/>
+              <a:rPr lang="en-SG" dirty="0"/>
               <a:t>Reasonably fast data rate: 2.1 Mbps</a:t>
             </a:r>
           </a:p>
           <a:p>
             <a:r>
-              <a:rPr lang="en-SG" dirty="0" smtClean="0"/>
+              <a:rPr lang="en-SG" dirty="0"/>
               <a:t>Power consumption:  </a:t>
             </a:r>
           </a:p>
           <a:p>
             <a:pPr lvl="1"/>
             <a:r>
-              <a:rPr lang="en-SG" dirty="0" smtClean="0"/>
+              <a:rPr lang="en-SG" dirty="0"/>
               <a:t>High but still &lt; </a:t>
             </a:r>
             <a:r>
-              <a:rPr lang="en-SG" dirty="0" err="1" smtClean="0"/>
+              <a:rPr lang="en-SG" dirty="0" err="1"/>
               <a:t>Wifi</a:t>
             </a:r>
             <a:r>
-              <a:rPr lang="en-SG" dirty="0" smtClean="0"/>
+              <a:rPr lang="en-SG" dirty="0"/>
               <a:t> &lt; 3G</a:t>
             </a:r>
           </a:p>
           <a:p>
-            <a:endParaRPr lang="en-SG" dirty="0" smtClean="0"/>
+            <a:endParaRPr lang="en-SG" dirty="0"/>
           </a:p>
           <a:p>
             <a:endParaRPr lang="en-SG" dirty="0"/>
@@ -31824,10 +31087,9 @@
           <a:lstStyle/>
           <a:p>
             <a:r>
-              <a:rPr lang="en-SG" dirty="0" smtClean="0"/>
+              <a:rPr lang="en-SG" dirty="0"/>
               <a:t>Intro: BLE</a:t>
             </a:r>
-            <a:endParaRPr lang="en-SG" dirty="0"/>
           </a:p>
         </p:txBody>
       </p:sp>
@@ -31855,30 +31117,26 @@
           <a:p>
             <a:r>
               <a:rPr lang="en-SG" dirty="0"/>
-              <a:t>Introduced in Bluetooth 4.0 specification (2010</a:t>
-            </a:r>
-            <a:r>
-              <a:rPr lang="en-SG" dirty="0" smtClean="0"/>
-              <a:t>)</a:t>
-            </a:r>
-          </a:p>
-          <a:p>
-            <a:r>
-              <a:rPr lang="en-SG" dirty="0" smtClean="0"/>
+              <a:t>Introduced in Bluetooth 4.0 specification (2010)</a:t>
+            </a:r>
+          </a:p>
+          <a:p>
+            <a:r>
+              <a:rPr lang="en-SG" dirty="0"/>
               <a:t>Also known as </a:t>
             </a:r>
           </a:p>
           <a:p>
             <a:pPr lvl="1"/>
             <a:r>
-              <a:rPr lang="en-SG" dirty="0" smtClean="0"/>
+              <a:rPr lang="en-SG" dirty="0"/>
               <a:t>Bluetooth SMART</a:t>
             </a:r>
           </a:p>
           <a:p>
             <a:pPr lvl="1"/>
             <a:r>
-              <a:rPr lang="en-SG" dirty="0" smtClean="0"/>
+              <a:rPr lang="en-SG" dirty="0"/>
               <a:t>Single-Mode</a:t>
             </a:r>
           </a:p>
@@ -31886,52 +31144,20 @@
             <a:pPr lvl="1"/>
             <a:r>
               <a:rPr lang="en-SG" dirty="0"/>
-              <a:t>Dual-Mode = Classic + </a:t>
-            </a:r>
-            <a:r>
-              <a:rPr lang="en-SG" dirty="0" smtClean="0"/>
-              <a:t>Single-Mode</a:t>
-            </a:r>
-          </a:p>
-          <a:p>
-            <a:r>
-              <a:rPr lang="en-SG" dirty="0" smtClean="0"/>
+              <a:t>Dual-Mode = Classic + Single-Mode</a:t>
+            </a:r>
+          </a:p>
+          <a:p>
+            <a:r>
+              <a:rPr lang="en-SG" dirty="0"/>
               <a:t>Target applications</a:t>
             </a:r>
-            <a:endParaRPr lang="en-SG" dirty="0"/>
           </a:p>
           <a:p>
             <a:pPr lvl="1"/>
             <a:r>
               <a:rPr lang="en-SG" dirty="0"/>
-              <a:t>Wireless battery-powered </a:t>
-            </a:r>
-            <a:r>
-              <a:rPr lang="en-SG" dirty="0" smtClean="0"/>
-              <a:t>sensors </a:t>
-            </a:r>
-            <a:r>
-              <a:rPr lang="en-SG" dirty="0" err="1" smtClean="0"/>
-              <a:t>eg</a:t>
-            </a:r>
-            <a:r>
-              <a:rPr lang="en-SG" dirty="0"/>
-              <a:t>.</a:t>
-            </a:r>
-            <a:r>
-              <a:rPr lang="en-SG" dirty="0" smtClean="0"/>
-              <a:t> </a:t>
-            </a:r>
-            <a:r>
-              <a:rPr lang="en-SG" dirty="0"/>
-              <a:t>heart rate, thermometer, fitness</a:t>
-            </a:r>
-          </a:p>
-          <a:p>
-            <a:pPr lvl="1"/>
-            <a:r>
-              <a:rPr lang="en-SG" dirty="0"/>
-              <a:t>Location tracking and information serving </a:t>
+              <a:t>Wireless battery-powered sensors </a:t>
             </a:r>
             <a:r>
               <a:rPr lang="en-SG" dirty="0" err="1"/>
@@ -31939,90 +31165,96 @@
             </a:r>
             <a:r>
               <a:rPr lang="en-SG" dirty="0"/>
+              <a:t>. heart rate, thermometer, fitness</a:t>
+            </a:r>
+          </a:p>
+          <a:p>
+            <a:pPr lvl="1"/>
+            <a:r>
+              <a:rPr lang="en-SG" dirty="0"/>
+              <a:t>Location tracking and information serving </a:t>
+            </a:r>
+            <a:r>
+              <a:rPr lang="en-SG" dirty="0" err="1"/>
+              <a:t>eg</a:t>
+            </a:r>
+            <a:r>
+              <a:rPr lang="en-SG" dirty="0"/>
               <a:t>. </a:t>
             </a:r>
             <a:r>
-              <a:rPr lang="en-SG" dirty="0" err="1" smtClean="0"/>
+              <a:rPr lang="en-SG" dirty="0" err="1"/>
               <a:t>iBeacons</a:t>
             </a:r>
-            <a:endParaRPr lang="en-SG" dirty="0" smtClean="0"/>
-          </a:p>
-          <a:p>
-            <a:r>
-              <a:rPr lang="en-SG" dirty="0" smtClean="0"/>
+            <a:endParaRPr lang="en-SG" dirty="0"/>
+          </a:p>
+          <a:p>
+            <a:r>
+              <a:rPr lang="en-SG" dirty="0"/>
               <a:t>Requirements for target applications</a:t>
             </a:r>
           </a:p>
           <a:p>
             <a:pPr lvl="1"/>
             <a:r>
-              <a:rPr lang="en-SG" dirty="0" smtClean="0"/>
+              <a:rPr lang="en-SG" dirty="0"/>
               <a:t>Low-power</a:t>
             </a:r>
           </a:p>
           <a:p>
             <a:pPr lvl="1"/>
             <a:r>
-              <a:rPr lang="en-SG" dirty="0" smtClean="0"/>
+              <a:rPr lang="en-SG" dirty="0"/>
               <a:t>Low-cost</a:t>
             </a:r>
           </a:p>
           <a:p>
             <a:pPr lvl="1"/>
             <a:r>
-              <a:rPr lang="en-SG" dirty="0" smtClean="0"/>
+              <a:rPr lang="en-SG" dirty="0"/>
               <a:t>Low bandwidth: ~100 kbps</a:t>
             </a:r>
           </a:p>
           <a:p>
             <a:pPr lvl="1"/>
             <a:r>
-              <a:rPr lang="en-SG" dirty="0" smtClean="0"/>
-              <a:t>Low latency: Connectionless (fast </a:t>
-            </a:r>
-            <a:r>
-              <a:rPr lang="en-SG" dirty="0"/>
-              <a:t>setup and teardown of </a:t>
-            </a:r>
-            <a:r>
-              <a:rPr lang="en-SG" dirty="0" smtClean="0"/>
-              <a:t>connection in ~10ms)</a:t>
-            </a:r>
-          </a:p>
-          <a:p>
-            <a:r>
-              <a:rPr lang="en-SG" dirty="0" smtClean="0"/>
+              <a:rPr lang="en-SG" dirty="0"/>
+              <a:t>Low latency: Connectionless (fast setup and teardown of connection in ~10ms)</a:t>
+            </a:r>
+          </a:p>
+          <a:p>
+            <a:r>
+              <a:rPr lang="en-SG" dirty="0"/>
               <a:t>How?</a:t>
             </a:r>
           </a:p>
           <a:p>
             <a:pPr lvl="1"/>
             <a:r>
-              <a:rPr lang="en-SG" dirty="0" smtClean="0"/>
+              <a:rPr lang="en-SG" dirty="0"/>
               <a:t>Radio chip off most of the time</a:t>
             </a:r>
           </a:p>
           <a:p>
             <a:pPr lvl="1"/>
             <a:r>
-              <a:rPr lang="en-SG" dirty="0" smtClean="0"/>
+              <a:rPr lang="en-SG" dirty="0"/>
               <a:t>Small packets</a:t>
             </a:r>
           </a:p>
           <a:p>
             <a:pPr lvl="2"/>
             <a:r>
-              <a:rPr lang="en-SG" dirty="0" smtClean="0"/>
+              <a:rPr lang="en-SG" dirty="0"/>
               <a:t>MTU: 20 bytes/packet for application</a:t>
             </a:r>
           </a:p>
           <a:p>
             <a:pPr lvl="2"/>
             <a:r>
-              <a:rPr lang="en-SG" dirty="0" smtClean="0"/>
+              <a:rPr lang="en-SG" dirty="0"/>
               <a:t>Less time transmitting -&gt; less heat -&gt; no need compensatory circuits -&gt; save more power</a:t>
             </a:r>
-            <a:endParaRPr lang="en-SG" dirty="0"/>
           </a:p>
           <a:p>
             <a:pPr lvl="1"/>
@@ -32981,10 +32213,9 @@
           <a:lstStyle/>
           <a:p>
             <a:r>
-              <a:rPr lang="en-SG" dirty="0" smtClean="0"/>
+              <a:rPr lang="en-SG" dirty="0"/>
               <a:t>Bluetooth Classic vs SMART</a:t>
             </a:r>
-            <a:endParaRPr lang="en-SG" dirty="0"/>
           </a:p>
         </p:txBody>
       </p:sp>
@@ -33009,17 +32240,17 @@
           <a:lstStyle/>
           <a:p>
             <a:r>
-              <a:rPr lang="en-SG" dirty="0" smtClean="0"/>
+              <a:rPr lang="en-SG" dirty="0"/>
               <a:t>An actual battery-life comparison</a:t>
             </a:r>
           </a:p>
           <a:p>
             <a:r>
-              <a:rPr lang="en-SG" dirty="0" err="1" smtClean="0"/>
+              <a:rPr lang="en-SG" dirty="0" err="1"/>
               <a:t>Innova’s</a:t>
             </a:r>
             <a:r>
-              <a:rPr lang="en-SG" dirty="0" smtClean="0"/>
+              <a:rPr lang="en-SG" dirty="0"/>
               <a:t> anti-loss products</a:t>
             </a:r>
           </a:p>
@@ -33113,7 +32344,7 @@
           <a:lstStyle/>
           <a:p>
             <a:r>
-              <a:rPr lang="en-SG" sz="2800" dirty="0" smtClean="0"/>
+              <a:rPr lang="en-SG" sz="2800" dirty="0"/>
               <a:t>vs</a:t>
             </a:r>
             <a:endParaRPr lang="en-SG" dirty="0"/>
@@ -33143,28 +32374,27 @@
           <a:lstStyle/>
           <a:p>
             <a:r>
-              <a:rPr lang="en-SG" b="1" dirty="0" smtClean="0"/>
+              <a:rPr lang="en-SG" b="1" dirty="0"/>
               <a:t>Protag G1 (Classic)</a:t>
             </a:r>
           </a:p>
           <a:p>
             <a:r>
-              <a:rPr lang="en-SG" dirty="0" smtClean="0"/>
+              <a:rPr lang="en-SG" dirty="0"/>
               <a:t>Released: 2012</a:t>
             </a:r>
           </a:p>
           <a:p>
             <a:r>
-              <a:rPr lang="en-SG" dirty="0" smtClean="0"/>
+              <a:rPr lang="en-SG" dirty="0"/>
               <a:t>Battery Capacity: 3.7V, 270mAh </a:t>
             </a:r>
           </a:p>
           <a:p>
             <a:r>
-              <a:rPr lang="en-SG" dirty="0" smtClean="0"/>
+              <a:rPr lang="en-SG" dirty="0"/>
               <a:t>Battery Life: 1 - 2 weeks</a:t>
             </a:r>
-            <a:endParaRPr lang="en-SG" dirty="0"/>
           </a:p>
         </p:txBody>
       </p:sp>
@@ -33191,28 +32421,27 @@
           <a:lstStyle/>
           <a:p>
             <a:r>
-              <a:rPr lang="en-SG" b="1" dirty="0" smtClean="0"/>
+              <a:rPr lang="en-SG" b="1" dirty="0"/>
               <a:t>Protag Elite (SMART)</a:t>
             </a:r>
           </a:p>
           <a:p>
             <a:r>
-              <a:rPr lang="en-SG" dirty="0" smtClean="0"/>
+              <a:rPr lang="en-SG" dirty="0"/>
               <a:t>Released: 2013</a:t>
             </a:r>
           </a:p>
           <a:p>
             <a:r>
-              <a:rPr lang="en-SG" dirty="0" smtClean="0"/>
+              <a:rPr lang="en-SG" dirty="0"/>
               <a:t>Battery Capacity: 3.7V, 150mAh </a:t>
             </a:r>
           </a:p>
           <a:p>
             <a:r>
-              <a:rPr lang="en-SG" dirty="0" smtClean="0"/>
+              <a:rPr lang="en-SG" dirty="0"/>
               <a:t>Battery Life: 6 months to 1 year</a:t>
             </a:r>
-            <a:endParaRPr lang="en-SG" dirty="0"/>
           </a:p>
         </p:txBody>
       </p:sp>
@@ -33331,10 +32560,9 @@
           <a:p>
             <a:pPr algn="ctr"/>
             <a:r>
-              <a:rPr lang="en-SG" dirty="0" smtClean="0"/>
+              <a:rPr lang="en-SG" dirty="0"/>
               <a:t>Wireless constraint triangle</a:t>
             </a:r>
-            <a:endParaRPr lang="en-SG" dirty="0"/>
           </a:p>
         </p:txBody>
       </p:sp>
@@ -33384,18 +32612,13 @@
           <a:lstStyle/>
           <a:p>
             <a:r>
-              <a:rPr lang="en-SG" sz="2400" dirty="0" smtClean="0">
+              <a:rPr lang="en-SG" sz="2400" dirty="0">
                 <a:solidFill>
                   <a:srgbClr val="FF0000"/>
                 </a:solidFill>
               </a:rPr>
               <a:t>Power usage ↓</a:t>
             </a:r>
-            <a:endParaRPr lang="en-SG" sz="2400" dirty="0">
-              <a:solidFill>
-                <a:srgbClr val="FF0000"/>
-              </a:solidFill>
-            </a:endParaRPr>
           </a:p>
         </p:txBody>
       </p:sp>
@@ -33422,18 +32645,13 @@
           <a:lstStyle/>
           <a:p>
             <a:r>
-              <a:rPr lang="en-SG" sz="2400" dirty="0" smtClean="0">
+              <a:rPr lang="en-SG" sz="2400" dirty="0">
                 <a:solidFill>
                   <a:srgbClr val="00B050"/>
                 </a:solidFill>
               </a:rPr>
               <a:t>Range↑</a:t>
             </a:r>
-            <a:endParaRPr lang="en-SG" sz="2400" dirty="0">
-              <a:solidFill>
-                <a:srgbClr val="00B050"/>
-              </a:solidFill>
-            </a:endParaRPr>
           </a:p>
         </p:txBody>
       </p:sp>
@@ -33460,18 +32678,13 @@
           <a:lstStyle/>
           <a:p>
             <a:r>
-              <a:rPr lang="en-SG" sz="2400" dirty="0" smtClean="0">
+              <a:rPr lang="en-SG" sz="2400" dirty="0">
                 <a:solidFill>
                   <a:schemeClr val="accent5"/>
                 </a:solidFill>
               </a:rPr>
               <a:t>Speed↑</a:t>
             </a:r>
-            <a:endParaRPr lang="en-SG" sz="2400" dirty="0">
-              <a:solidFill>
-                <a:schemeClr val="accent5"/>
-              </a:solidFill>
-            </a:endParaRPr>
           </a:p>
         </p:txBody>
       </p:sp>
@@ -33498,18 +32711,17 @@
           <a:lstStyle/>
           <a:p>
             <a:r>
-              <a:rPr lang="en-SG" sz="1200" dirty="0" smtClean="0"/>
+              <a:rPr lang="en-SG" sz="1200" dirty="0"/>
               <a:t>*Positions are for </a:t>
             </a:r>
             <a:r>
-              <a:rPr lang="en-SG" sz="1200" smtClean="0"/>
+              <a:rPr lang="en-SG" sz="1200"/>
               <a:t>relative comparison </a:t>
             </a:r>
             <a:r>
-              <a:rPr lang="en-SG" sz="1200" dirty="0" smtClean="0"/>
+              <a:rPr lang="en-SG" sz="1200" dirty="0"/>
               <a:t>only, they are not absolute</a:t>
             </a:r>
-            <a:endParaRPr lang="en-SG" sz="1200" dirty="0"/>
           </a:p>
         </p:txBody>
       </p:sp>
@@ -33536,7 +32748,7 @@
           <a:lstStyle/>
           <a:p>
             <a:r>
-              <a:rPr lang="en-SG" u="sng" dirty="0" smtClean="0"/>
+              <a:rPr lang="en-SG" u="sng" dirty="0"/>
               <a:t>Other factors not mentioned</a:t>
             </a:r>
           </a:p>
@@ -33546,7 +32758,7 @@
               <a:buAutoNum type="arabicPeriod"/>
             </a:pPr>
             <a:r>
-              <a:rPr lang="en-SG" dirty="0" smtClean="0"/>
+              <a:rPr lang="en-SG" dirty="0"/>
               <a:t>Cost </a:t>
             </a:r>
           </a:p>
@@ -33556,7 +32768,7 @@
               <a:buChar char="•"/>
             </a:pPr>
             <a:r>
-              <a:rPr lang="en-SG" dirty="0" smtClean="0"/>
+              <a:rPr lang="en-SG" dirty="0"/>
               <a:t>Royalties</a:t>
             </a:r>
           </a:p>
@@ -33566,7 +32778,7 @@
               <a:buChar char="•"/>
             </a:pPr>
             <a:r>
-              <a:rPr lang="en-SG" dirty="0" smtClean="0"/>
+              <a:rPr lang="en-SG" dirty="0"/>
               <a:t>Manufacturing</a:t>
             </a:r>
           </a:p>
@@ -33576,7 +32788,7 @@
               <a:buAutoNum type="arabicPeriod"/>
             </a:pPr>
             <a:r>
-              <a:rPr lang="en-SG" dirty="0" smtClean="0"/>
+              <a:rPr lang="en-SG" dirty="0"/>
               <a:t>Adoption rate</a:t>
             </a:r>
           </a:p>
@@ -33586,7 +32798,7 @@
               <a:buAutoNum type="arabicPeriod"/>
             </a:pPr>
             <a:r>
-              <a:rPr lang="en-SG" dirty="0" smtClean="0"/>
+              <a:rPr lang="en-SG" dirty="0"/>
               <a:t>Topology support</a:t>
             </a:r>
           </a:p>
@@ -33596,7 +32808,7 @@
               <a:buChar char="•"/>
             </a:pPr>
             <a:r>
-              <a:rPr lang="en-SG" dirty="0" smtClean="0"/>
+              <a:rPr lang="en-SG" dirty="0"/>
               <a:t>Mesh</a:t>
             </a:r>
           </a:p>
@@ -33606,10 +32818,9 @@
               <a:buChar char="•"/>
             </a:pPr>
             <a:r>
-              <a:rPr lang="en-SG" dirty="0" smtClean="0"/>
+              <a:rPr lang="en-SG" dirty="0"/>
               <a:t>Star</a:t>
             </a:r>
-            <a:endParaRPr lang="en-SG" dirty="0"/>
           </a:p>
         </p:txBody>
       </p:sp>
@@ -33636,7 +32847,7 @@
           <a:lstStyle/>
           <a:p>
             <a:r>
-              <a:rPr lang="en-SG" sz="1600" dirty="0" smtClean="0">
+              <a:rPr lang="en-SG" sz="1600" dirty="0">
                 <a:solidFill>
                   <a:srgbClr val="002060"/>
                 </a:solidFill>
@@ -33646,18 +32857,13 @@
           </a:p>
           <a:p>
             <a:r>
-              <a:rPr lang="en-SG" sz="1600" dirty="0" smtClean="0">
+              <a:rPr lang="en-SG" sz="1600" dirty="0">
                 <a:solidFill>
                   <a:srgbClr val="002060"/>
                 </a:solidFill>
               </a:rPr>
               <a:t>5Ghz</a:t>
             </a:r>
-            <a:endParaRPr lang="en-SG" sz="1600" dirty="0">
-              <a:solidFill>
-                <a:srgbClr val="002060"/>
-              </a:solidFill>
-            </a:endParaRPr>
           </a:p>
         </p:txBody>
       </p:sp>
@@ -33691,26 +32897,16 @@
               </a:rPr>
               <a:t>802.11 b/g/n </a:t>
             </a:r>
-            <a:endParaRPr lang="en-SG" sz="1600" dirty="0" smtClean="0">
-              <a:solidFill>
-                <a:srgbClr val="FFC000"/>
-              </a:solidFill>
-            </a:endParaRPr>
-          </a:p>
-          <a:p>
-            <a:r>
-              <a:rPr lang="en-SG" sz="1600" dirty="0" smtClean="0">
+          </a:p>
+          <a:p>
+            <a:r>
+              <a:rPr lang="en-SG" sz="1600" dirty="0">
                 <a:solidFill>
                   <a:srgbClr val="FFC000"/>
                 </a:solidFill>
               </a:rPr>
               <a:t>2.4Ghz</a:t>
             </a:r>
-            <a:endParaRPr lang="en-SG" sz="1600" dirty="0">
-              <a:solidFill>
-                <a:srgbClr val="FFC000"/>
-              </a:solidFill>
-            </a:endParaRPr>
           </a:p>
         </p:txBody>
       </p:sp>
@@ -33737,18 +32933,13 @@
           <a:lstStyle/>
           <a:p>
             <a:r>
-              <a:rPr lang="en-SG" sz="1600" dirty="0" smtClean="0">
+              <a:rPr lang="en-SG" sz="1600" dirty="0">
                 <a:solidFill>
                   <a:srgbClr val="7030A0"/>
                 </a:solidFill>
               </a:rPr>
               <a:t>BLE</a:t>
             </a:r>
-            <a:endParaRPr lang="en-SG" sz="1600" dirty="0">
-              <a:solidFill>
-                <a:srgbClr val="7030A0"/>
-              </a:solidFill>
-            </a:endParaRPr>
           </a:p>
         </p:txBody>
       </p:sp>
@@ -33823,18 +33014,13 @@
           <a:lstStyle/>
           <a:p>
             <a:r>
-              <a:rPr lang="en-SG" sz="1600" dirty="0" smtClean="0">
+              <a:rPr lang="en-SG" sz="1600" dirty="0">
                 <a:solidFill>
                   <a:schemeClr val="accent2"/>
                 </a:solidFill>
               </a:rPr>
               <a:t>RFID/NFC</a:t>
             </a:r>
-            <a:endParaRPr lang="en-SG" sz="1600" dirty="0">
-              <a:solidFill>
-                <a:schemeClr val="accent2"/>
-              </a:solidFill>
-            </a:endParaRPr>
           </a:p>
         </p:txBody>
       </p:sp>
@@ -33909,7 +33095,7 @@
           <a:lstStyle/>
           <a:p>
             <a:r>
-              <a:rPr lang="en-SG" sz="1600" dirty="0" smtClean="0">
+              <a:rPr lang="en-SG" sz="1600" dirty="0">
                 <a:solidFill>
                   <a:srgbClr val="C00000"/>
                 </a:solidFill>
@@ -34086,18 +33272,13 @@
           <a:lstStyle/>
           <a:p>
             <a:r>
-              <a:rPr lang="en-SG" sz="1600" dirty="0" smtClean="0">
+              <a:rPr lang="en-SG" sz="1600" dirty="0">
                 <a:solidFill>
                   <a:schemeClr val="accent1"/>
                 </a:solidFill>
               </a:rPr>
               <a:t>BT Classic</a:t>
             </a:r>
-            <a:endParaRPr lang="en-SG" sz="1600" dirty="0">
-              <a:solidFill>
-                <a:schemeClr val="accent1"/>
-              </a:solidFill>
-            </a:endParaRPr>
           </a:p>
         </p:txBody>
       </p:sp>
@@ -34172,7 +33353,7 @@
           <a:lstStyle/>
           <a:p>
             <a:r>
-              <a:rPr lang="en-SG" sz="1600" dirty="0" err="1" smtClean="0">
+              <a:rPr lang="en-SG" sz="1600" dirty="0" err="1">
                 <a:solidFill>
                   <a:srgbClr val="FF0000"/>
                 </a:solidFill>

--- a/intro to ble.pptx
+++ b/intro to ble.pptx
@@ -162,6 +162,10 @@
 </p:presentation>
 </file>
 
+<file path=ppt/revisionInfo.xml><?xml version="1.0" encoding="utf-8"?>
+<p1510:revInfo xmlns:a="http://schemas.openxmlformats.org/drawingml/2006/main" xmlns:r="http://schemas.openxmlformats.org/officeDocument/2006/relationships" xmlns:p1510="http://schemas.microsoft.com/office/powerpoint/2015/10/main"/>
+</file>
+
 <file path=ppt/notesMasters/notesMaster1.xml><?xml version="1.0" encoding="utf-8"?>
 <p:notesMaster xmlns:a="http://schemas.openxmlformats.org/drawingml/2006/main" xmlns:r="http://schemas.openxmlformats.org/officeDocument/2006/relationships" xmlns:p="http://schemas.openxmlformats.org/presentationml/2006/main">
   <p:cSld>
@@ -244,7 +248,7 @@
           <a:p>
             <a:fld id="{CB69E15D-2E95-428C-B9E3-27B2BF3879D0}" type="datetimeFigureOut">
               <a:rPr lang="en-SG" smtClean="0"/>
-              <a:t>18/6/2016</a:t>
+              <a:t>4/6/2017</a:t>
             </a:fld>
             <a:endParaRPr lang="en-SG"/>
           </a:p>
@@ -811,7 +815,7 @@
           <a:p>
             <a:fld id="{14C94871-C4DF-4AFD-96E5-87B050A67E05}" type="datetime1">
               <a:rPr lang="en-SG" smtClean="0"/>
-              <a:t>18/6/2016</a:t>
+              <a:t>4/6/2017</a:t>
             </a:fld>
             <a:endParaRPr lang="en-SG"/>
           </a:p>
@@ -981,7 +985,7 @@
           <a:p>
             <a:fld id="{76A6DE21-0D8F-4C8C-AF6A-521466B16426}" type="datetime1">
               <a:rPr lang="en-SG" smtClean="0"/>
-              <a:t>18/6/2016</a:t>
+              <a:t>4/6/2017</a:t>
             </a:fld>
             <a:endParaRPr lang="en-SG"/>
           </a:p>
@@ -1161,7 +1165,7 @@
           <a:p>
             <a:fld id="{16A18ED7-72CF-4BB2-8941-928963568089}" type="datetime1">
               <a:rPr lang="en-SG" smtClean="0"/>
-              <a:t>18/6/2016</a:t>
+              <a:t>4/6/2017</a:t>
             </a:fld>
             <a:endParaRPr lang="en-SG"/>
           </a:p>
@@ -1331,7 +1335,7 @@
           <a:p>
             <a:fld id="{7FD7CD52-9833-4DD5-89FF-33E59F171421}" type="datetime1">
               <a:rPr lang="en-SG" smtClean="0"/>
-              <a:t>18/6/2016</a:t>
+              <a:t>4/6/2017</a:t>
             </a:fld>
             <a:endParaRPr lang="en-SG"/>
           </a:p>
@@ -1575,7 +1579,7 @@
           <a:p>
             <a:fld id="{E74C9598-7F32-4DE4-BFF0-39C051013B34}" type="datetime1">
               <a:rPr lang="en-SG" smtClean="0"/>
-              <a:t>18/6/2016</a:t>
+              <a:t>4/6/2017</a:t>
             </a:fld>
             <a:endParaRPr lang="en-SG"/>
           </a:p>
@@ -1807,7 +1811,7 @@
           <a:p>
             <a:fld id="{5DC821E8-33B0-41D5-8FA5-9A647E53891C}" type="datetime1">
               <a:rPr lang="en-SG" smtClean="0"/>
-              <a:t>18/6/2016</a:t>
+              <a:t>4/6/2017</a:t>
             </a:fld>
             <a:endParaRPr lang="en-SG"/>
           </a:p>
@@ -2174,7 +2178,7 @@
           <a:p>
             <a:fld id="{751CCC62-50F5-4228-8D51-6D258C0BFCBD}" type="datetime1">
               <a:rPr lang="en-SG" smtClean="0"/>
-              <a:t>18/6/2016</a:t>
+              <a:t>4/6/2017</a:t>
             </a:fld>
             <a:endParaRPr lang="en-SG"/>
           </a:p>
@@ -2292,7 +2296,7 @@
           <a:p>
             <a:fld id="{776807E8-5434-437A-A610-A94C24A73164}" type="datetime1">
               <a:rPr lang="en-SG" smtClean="0"/>
-              <a:t>18/6/2016</a:t>
+              <a:t>4/6/2017</a:t>
             </a:fld>
             <a:endParaRPr lang="en-SG"/>
           </a:p>
@@ -2387,7 +2391,7 @@
           <a:p>
             <a:fld id="{18AC243E-E412-41F8-A99C-62E3D2C4FD1E}" type="datetime1">
               <a:rPr lang="en-SG" smtClean="0"/>
-              <a:t>18/6/2016</a:t>
+              <a:t>4/6/2017</a:t>
             </a:fld>
             <a:endParaRPr lang="en-SG"/>
           </a:p>
@@ -2664,7 +2668,7 @@
           <a:p>
             <a:fld id="{30DD06DC-63F5-45CF-A3A5-F437A0C7E12A}" type="datetime1">
               <a:rPr lang="en-SG" smtClean="0"/>
-              <a:t>18/6/2016</a:t>
+              <a:t>4/6/2017</a:t>
             </a:fld>
             <a:endParaRPr lang="en-SG"/>
           </a:p>
@@ -2921,7 +2925,7 @@
           <a:p>
             <a:fld id="{7810AE82-8C34-472D-B90B-4D50508F585C}" type="datetime1">
               <a:rPr lang="en-SG" smtClean="0"/>
-              <a:t>18/6/2016</a:t>
+              <a:t>4/6/2017</a:t>
             </a:fld>
             <a:endParaRPr lang="en-SG"/>
           </a:p>
@@ -3134,7 +3138,7 @@
           <a:p>
             <a:fld id="{393BD624-3486-430E-A0CD-3F2C92C8E573}" type="datetime1">
               <a:rPr lang="en-SG" smtClean="0"/>
-              <a:t>18/6/2016</a:t>
+              <a:t>4/6/2017</a:t>
             </a:fld>
             <a:endParaRPr lang="en-SG"/>
           </a:p>
@@ -3654,8 +3658,8 @@
         </p:nvSpPr>
         <p:spPr>
           <a:xfrm>
-            <a:off x="63115" y="5015419"/>
-            <a:ext cx="4413516" cy="1754326"/>
+            <a:off x="0" y="5042118"/>
+            <a:ext cx="3942298" cy="1815882"/>
           </a:xfrm>
           <a:prstGeom prst="rect">
             <a:avLst/>
@@ -3669,45 +3673,51 @@
           <a:lstStyle/>
           <a:p>
             <a:r>
-              <a:rPr lang="en-SG" dirty="0"/>
+              <a:rPr lang="en-SG" sz="1600" dirty="0"/>
+              <a:t>SP Digital Tech Talk (4 June 2017)</a:t>
+            </a:r>
+          </a:p>
+          <a:p>
+            <a:r>
+              <a:rPr lang="en-SG" sz="1600" dirty="0"/>
               <a:t>iOS Dev Scout (23 June 2016)</a:t>
             </a:r>
           </a:p>
           <a:p>
             <a:r>
-              <a:rPr lang="en-SG" dirty="0"/>
+              <a:rPr lang="en-SG" sz="1600" dirty="0"/>
               <a:t>Tech Talk Tuesdays @OMG (16 Feb 2016)</a:t>
             </a:r>
           </a:p>
           <a:p>
             <a:r>
-              <a:rPr lang="en-SG" dirty="0"/>
+              <a:rPr lang="en-SG" sz="1600" dirty="0"/>
               <a:t>Friday Hacks #98 @NUS Hackers (2 Oct 2015)</a:t>
             </a:r>
           </a:p>
           <a:p>
             <a:r>
-              <a:rPr lang="en-SG" dirty="0" err="1"/>
+              <a:rPr lang="en-SG" sz="1600" dirty="0" err="1"/>
               <a:t>Hackware</a:t>
             </a:r>
             <a:r>
-              <a:rPr lang="en-SG" dirty="0"/>
+              <a:rPr lang="en-SG" sz="1600" dirty="0"/>
               <a:t> v0.8 (9 June 2015)</a:t>
             </a:r>
           </a:p>
           <a:p>
             <a:r>
-              <a:rPr lang="en-SG" dirty="0" err="1"/>
+              <a:rPr lang="en-SG" sz="1600" dirty="0" err="1"/>
               <a:t>Hackware</a:t>
             </a:r>
             <a:r>
-              <a:rPr lang="en-SG" dirty="0"/>
+              <a:rPr lang="en-SG" sz="1600" dirty="0"/>
               <a:t> v0.7 (13 May 2015)</a:t>
             </a:r>
           </a:p>
           <a:p>
             <a:r>
-              <a:rPr lang="en-SG" dirty="0"/>
+              <a:rPr lang="en-SG" sz="1600" dirty="0"/>
               <a:t>Hackers and Painters (10 April 2015)</a:t>
             </a:r>
           </a:p>
@@ -10493,14 +10503,15 @@
         <p:nvCxnSpPr>
           <p:cNvPr id="13" name="Straight Arrow Connector 12"/>
           <p:cNvCxnSpPr>
+            <a:cxnSpLocks/>
             <a:stCxn id="35" idx="3"/>
           </p:cNvCxnSpPr>
           <p:nvPr/>
         </p:nvCxnSpPr>
         <p:spPr>
           <a:xfrm>
-            <a:off x="2503962" y="2162235"/>
-            <a:ext cx="4389637" cy="436949"/>
+            <a:off x="2503962" y="2329220"/>
+            <a:ext cx="4389637" cy="269964"/>
           </a:xfrm>
           <a:prstGeom prst="straightConnector1">
             <a:avLst/>
@@ -10998,8 +11009,8 @@
         </p:nvSpPr>
         <p:spPr>
           <a:xfrm>
-            <a:off x="104138" y="1753991"/>
-            <a:ext cx="2399824" cy="816488"/>
+            <a:off x="104138" y="1753990"/>
+            <a:ext cx="2399824" cy="1150459"/>
           </a:xfrm>
           <a:prstGeom prst="roundRect">
             <a:avLst/>
@@ -11026,6 +11037,13 @@
             <a:r>
               <a:rPr lang="en-SG" dirty="0"/>
               <a:t>2. Received advertisement packet</a:t>
+            </a:r>
+            <a:br>
+              <a:rPr lang="en-SG" dirty="0"/>
+            </a:br>
+            <a:r>
+              <a:rPr lang="en-SG" sz="1300" dirty="0"/>
+              <a:t>(Stop here for beacon devices)</a:t>
             </a:r>
           </a:p>
         </p:txBody>
@@ -12831,7 +12849,7 @@
           <a:p>
             <a:r>
               <a:rPr lang="en-SG" dirty="0"/>
-              <a:t>Worked in 2 </a:t>
+              <a:t>Worked in 2 BLE-related </a:t>
             </a:r>
             <a:r>
               <a:rPr lang="en-SG" dirty="0" err="1"/>
@@ -12839,14 +12857,7 @@
             </a:r>
             <a:r>
               <a:rPr lang="en-SG" dirty="0"/>
-              <a:t> so far</a:t>
-            </a:r>
-          </a:p>
-          <a:p>
-            <a:pPr lvl="1"/>
-            <a:r>
-              <a:rPr lang="en-SG" dirty="0"/>
-              <a:t>Both BLE-related</a:t>
+              <a:t> before</a:t>
             </a:r>
           </a:p>
         </p:txBody>
@@ -13818,7 +13829,7 @@
             </a:pPr>
             <a:r>
               <a:rPr lang="en-SG" dirty="0"/>
-              <a:t>Raspberry Pi 2 Model B</a:t>
+              <a:t>Raspberry Pi 3 Model B</a:t>
             </a:r>
           </a:p>
           <a:p>
@@ -13827,11 +13838,11 @@
               <a:buAutoNum type="arabicPeriod"/>
             </a:pPr>
             <a:r>
-              <a:rPr lang="en-SG" dirty="0" err="1"/>
+              <a:rPr lang="en-SG" strike="sngStrike" dirty="0" err="1"/>
               <a:t>IOGear</a:t>
             </a:r>
             <a:r>
-              <a:rPr lang="en-SG" dirty="0"/>
+              <a:rPr lang="en-SG" strike="sngStrike" dirty="0"/>
               <a:t> GBU521 USB BLE (Dual-Mode) adapter</a:t>
             </a:r>
           </a:p>
@@ -13841,7 +13852,7 @@
               <a:buChar char="•"/>
             </a:pPr>
             <a:r>
-              <a:rPr lang="en-SG" dirty="0"/>
+              <a:rPr lang="en-SG" strike="sngStrike" dirty="0"/>
               <a:t>BCM20702 chipset</a:t>
             </a:r>
           </a:p>
@@ -15225,7 +15236,7 @@
           <a:p>
             <a:r>
               <a:rPr lang="en-SG" dirty="0"/>
-              <a:t>Arduino IDE 1.6.9</a:t>
+              <a:t>Arduino IDE 1.8.2</a:t>
             </a:r>
           </a:p>
           <a:p>
@@ -15908,13 +15919,13 @@
             <a:pPr lvl="1"/>
             <a:r>
               <a:rPr lang="en-SG" dirty="0"/>
-              <a:t>OS: iOS 9.3.2</a:t>
+              <a:t>iOS 10</a:t>
             </a:r>
           </a:p>
           <a:p>
             <a:r>
               <a:rPr lang="en-SG" dirty="0"/>
-              <a:t>Programming Language: Swift</a:t>
+              <a:t>Programming Language: Swift 3</a:t>
             </a:r>
           </a:p>
           <a:p>
@@ -15924,7 +15935,7 @@
             </a:r>
             <a:r>
               <a:rPr lang="en-SG" dirty="0"/>
-              <a:t> 7.3.1</a:t>
+              <a:t> 8</a:t>
             </a:r>
           </a:p>
           <a:p>
@@ -16028,7 +16039,7 @@
         </p:spPr>
         <p:txBody>
           <a:bodyPr>
-            <a:normAutofit fontScale="85000" lnSpcReduction="20000"/>
+            <a:normAutofit fontScale="92500" lnSpcReduction="10000"/>
           </a:bodyPr>
           <a:lstStyle/>
           <a:p>
@@ -16041,14 +16052,14 @@
             <a:pPr lvl="1"/>
             <a:r>
               <a:rPr lang="en-SG" dirty="0"/>
-              <a:t>Device: Pi 3 Model B</a:t>
+              <a:t>Device: Pi 3 Model B*</a:t>
             </a:r>
           </a:p>
           <a:p>
             <a:pPr lvl="1"/>
             <a:r>
               <a:rPr lang="en-SG" dirty="0"/>
-              <a:t>OS: Arch Linux ARM</a:t>
+              <a:t>OS: Raspbian</a:t>
             </a:r>
           </a:p>
           <a:p>
@@ -16153,22 +16164,6 @@
               <a:rPr lang="en-SG" dirty="0"/>
               <a:t> is more “mature” and “easier to use”</a:t>
             </a:r>
-          </a:p>
-          <a:p>
-            <a:r>
-              <a:rPr lang="en-SG" dirty="0"/>
-              <a:t>Raspberry Pi 3 UART/Bluetooth issues</a:t>
-            </a:r>
-          </a:p>
-          <a:p>
-            <a:pPr lvl="1"/>
-            <a:r>
-              <a:rPr lang="en-SG" sz="1900" dirty="0">
-                <a:hlinkClick r:id="rId3"/>
-              </a:rPr>
-              <a:t>http://yeokhengmeng.com/2016/03/raspberry-pi-3-uartbluetooth-issues/</a:t>
-            </a:r>
-            <a:endParaRPr lang="en-SG" sz="1900" dirty="0"/>
           </a:p>
           <a:p>
             <a:endParaRPr lang="en-SG" dirty="0"/>
@@ -16313,7 +16308,7 @@
             <a:pPr lvl="1"/>
             <a:r>
               <a:rPr lang="en-SG" dirty="0"/>
-              <a:t>OS: Android 6.0.1</a:t>
+              <a:t>Android 6 (maximum)</a:t>
             </a:r>
           </a:p>
           <a:p>
@@ -16325,11 +16320,8 @@
           <a:p>
             <a:r>
               <a:rPr lang="en-SG" dirty="0"/>
-              <a:t>Android Studio 1.5.1</a:t>
-            </a:r>
-          </a:p>
-          <a:p>
-            <a:endParaRPr lang="en-SG" dirty="0"/>
+              <a:t>Android Studio 2.3</a:t>
+            </a:r>
           </a:p>
         </p:txBody>
       </p:sp>
@@ -16494,6 +16486,12 @@
               <a:t> (Android) references becomes invalid</a:t>
             </a:r>
           </a:p>
+          <a:p>
+            <a:r>
+              <a:rPr lang="en-SG" dirty="0"/>
+              <a:t>iOS/Android simulator cannot be used</a:t>
+            </a:r>
+          </a:p>
         </p:txBody>
       </p:sp>
       <p:sp>
@@ -16878,6 +16876,49 @@
                                           <p:spTgt spid="3">
                                             <p:txEl>
                                               <p:pRg st="6" end="6"/>
+                                            </p:txEl>
+                                          </p:spTgt>
+                                        </p:tgtEl>
+                                      </p:cBhvr>
+                                    </p:animEffect>
+                                  </p:childTnLst>
+                                </p:cTn>
+                              </p:par>
+                              <p:par>
+                                <p:cTn id="30" presetID="10" presetClass="entr" presetSubtype="0" fill="hold" nodeType="withEffect">
+                                  <p:stCondLst>
+                                    <p:cond delay="0"/>
+                                  </p:stCondLst>
+                                  <p:childTnLst>
+                                    <p:set>
+                                      <p:cBhvr>
+                                        <p:cTn id="31" dur="1" fill="hold">
+                                          <p:stCondLst>
+                                            <p:cond delay="0"/>
+                                          </p:stCondLst>
+                                        </p:cTn>
+                                        <p:tgtEl>
+                                          <p:spTgt spid="3">
+                                            <p:txEl>
+                                              <p:pRg st="7" end="7"/>
+                                            </p:txEl>
+                                          </p:spTgt>
+                                        </p:tgtEl>
+                                        <p:attrNameLst>
+                                          <p:attrName>style.visibility</p:attrName>
+                                        </p:attrNameLst>
+                                      </p:cBhvr>
+                                      <p:to>
+                                        <p:strVal val="visible"/>
+                                      </p:to>
+                                    </p:set>
+                                    <p:animEffect transition="in" filter="fade">
+                                      <p:cBhvr>
+                                        <p:cTn id="32" dur="500"/>
+                                        <p:tgtEl>
+                                          <p:spTgt spid="3">
+                                            <p:txEl>
+                                              <p:pRg st="7" end="7"/>
                                             </p:txEl>
                                           </p:spTgt>
                                         </p:tgtEl>
@@ -16979,7 +17020,7 @@
         </p:spPr>
         <p:txBody>
           <a:bodyPr>
-            <a:normAutofit lnSpcReduction="10000"/>
+            <a:normAutofit/>
           </a:bodyPr>
           <a:lstStyle/>
           <a:p>
@@ -16996,7 +17037,7 @@
             <a:pPr lvl="1"/>
             <a:r>
               <a:rPr lang="en-SG" dirty="0"/>
-              <a:t>Makes anti-loss BLE tags with companion phone app</a:t>
+              <a:t>Anti-loss BLE tags with companion phone app</a:t>
             </a:r>
           </a:p>
           <a:p>
@@ -17217,12 +17258,12 @@
         <p:spPr>
           <a:xfrm>
             <a:off x="259773" y="1465118"/>
-            <a:ext cx="8749145" cy="4711845"/>
+            <a:ext cx="8749145" cy="5090803"/>
           </a:xfrm>
         </p:spPr>
         <p:txBody>
           <a:bodyPr>
-            <a:normAutofit fontScale="85000" lnSpcReduction="20000"/>
+            <a:normAutofit fontScale="70000" lnSpcReduction="20000"/>
           </a:bodyPr>
           <a:lstStyle/>
           <a:p>
@@ -17249,18 +17290,11 @@
             <a:pPr lvl="1"/>
             <a:r>
               <a:rPr lang="en-SG" dirty="0"/>
-              <a:t>Solution:</a:t>
-            </a:r>
-          </a:p>
-          <a:p>
-            <a:pPr lvl="1"/>
-            <a:r>
-              <a:rPr lang="en-SG" dirty="0"/>
-              <a:t>Peripheral embeds Mac Address in advertisement (GAP) data</a:t>
-            </a:r>
-          </a:p>
-          <a:p>
-            <a:pPr lvl="3"/>
+              <a:t>Solution: Peripheral embeds Mac Address in advertisement (GAP) data</a:t>
+            </a:r>
+          </a:p>
+          <a:p>
+            <a:pPr lvl="2"/>
             <a:r>
               <a:rPr lang="en-SG" dirty="0"/>
               <a:t>Manufacturer data field (</a:t>
@@ -17275,7 +17309,7 @@
             </a:r>
           </a:p>
           <a:p>
-            <a:pPr lvl="3"/>
+            <a:pPr lvl="2"/>
             <a:r>
               <a:rPr lang="en-SG" dirty="0"/>
               <a:t>In device/local name fields (</a:t>
@@ -17286,7 +17320,7 @@
             </a:r>
             <a:r>
               <a:rPr lang="en-SG" dirty="0"/>
-              <a:t> Access)</a:t>
+              <a:t> Access/SP)</a:t>
             </a:r>
           </a:p>
           <a:p>
@@ -17332,21 +17366,41 @@
           <a:p>
             <a:r>
               <a:rPr lang="en-SG" dirty="0"/>
-              <a:t>Max theoretical connection speed = 6KiB/s</a:t>
+              <a:t>Max theoretical speed = 2.67KiB/s</a:t>
             </a:r>
           </a:p>
           <a:p>
             <a:pPr lvl="1"/>
             <a:r>
               <a:rPr lang="en-SG" dirty="0"/>
-              <a:t>20 bytes MTU, 6 packets/connection interval, 20ms interval</a:t>
+              <a:t>20 bytes MTU, 4 packets/connection interval, 30ms interval</a:t>
             </a:r>
           </a:p>
           <a:p>
             <a:pPr lvl="1"/>
             <a:r>
               <a:rPr lang="en-SG" dirty="0"/>
-              <a:t>(20 bytes * 6 ) / 20ms = 6KiB/s</a:t>
+              <a:t>(20 bytes * 4 ) / 30ms = 2.67KiB/s</a:t>
+            </a:r>
+          </a:p>
+          <a:p>
+            <a:r>
+              <a:rPr lang="en-SG" dirty="0"/>
+              <a:t>Max theoretical speed for HID Devices = 7.1KiB/s</a:t>
+            </a:r>
+          </a:p>
+          <a:p>
+            <a:pPr lvl="1"/>
+            <a:r>
+              <a:rPr lang="en-SG" dirty="0"/>
+              <a:t>20 bytes MTU, 4 packets/connection interval, 11.25ms interval</a:t>
+            </a:r>
+          </a:p>
+          <a:p>
+            <a:pPr lvl="1"/>
+            <a:r>
+              <a:rPr lang="en-SG" dirty="0"/>
+              <a:t>(20 bytes * 4 ) / 11.25ms = 7.1KiB/s</a:t>
             </a:r>
           </a:p>
           <a:p>
@@ -17378,43 +17432,6 @@
               <a:t>30</a:t>
             </a:fld>
             <a:endParaRPr lang="en-SG"/>
-          </a:p>
-        </p:txBody>
-      </p:sp>
-      <p:sp>
-        <p:nvSpPr>
-          <p:cNvPr id="5" name="TextBox 4"/>
-          <p:cNvSpPr txBox="1"/>
-          <p:nvPr/>
-        </p:nvSpPr>
-        <p:spPr>
-          <a:xfrm>
-            <a:off x="628650" y="6514088"/>
-            <a:ext cx="4298613" cy="369332"/>
-          </a:xfrm>
-          <a:prstGeom prst="rect">
-            <a:avLst/>
-          </a:prstGeom>
-          <a:noFill/>
-        </p:spPr>
-        <p:txBody>
-          <a:bodyPr wrap="none" rtlCol="0">
-            <a:spAutoFit/>
-          </a:bodyPr>
-          <a:lstStyle/>
-          <a:p>
-            <a:r>
-              <a:rPr lang="en-US" dirty="0"/>
-              <a:t>*nRF51 supports 7.5 </a:t>
-            </a:r>
-            <a:r>
-              <a:rPr lang="en-US" dirty="0" err="1"/>
-              <a:t>ms</a:t>
-            </a:r>
-            <a:r>
-              <a:rPr lang="en-US" dirty="0"/>
-              <a:t> connection interval</a:t>
-            </a:r>
           </a:p>
         </p:txBody>
       </p:sp>
@@ -17638,33 +17655,15 @@
                                   </p:childTnLst>
                                 </p:cTn>
                               </p:par>
-                            </p:childTnLst>
-                          </p:cTn>
-                        </p:par>
-                      </p:childTnLst>
-                    </p:cTn>
-                  </p:par>
-                  <p:par>
-                    <p:cTn id="19" fill="hold">
-                      <p:stCondLst>
-                        <p:cond delay="indefinite"/>
-                      </p:stCondLst>
-                      <p:childTnLst>
-                        <p:par>
-                          <p:cTn id="20" fill="hold">
-                            <p:stCondLst>
-                              <p:cond delay="0"/>
-                            </p:stCondLst>
-                            <p:childTnLst>
                               <p:par>
-                                <p:cTn id="21" presetID="10" presetClass="entr" presetSubtype="0" fill="hold" nodeType="clickEffect">
+                                <p:cTn id="19" presetID="10" presetClass="entr" presetSubtype="0" fill="hold" nodeType="withEffect">
                                   <p:stCondLst>
                                     <p:cond delay="0"/>
                                   </p:stCondLst>
                                   <p:childTnLst>
                                     <p:set>
                                       <p:cBhvr>
-                                        <p:cTn id="22" dur="1" fill="hold">
+                                        <p:cTn id="20" dur="1" fill="hold">
                                           <p:stCondLst>
                                             <p:cond delay="0"/>
                                           </p:stCondLst>
@@ -17686,7 +17685,7 @@
                                     </p:set>
                                     <p:animEffect transition="in" filter="fade">
                                       <p:cBhvr>
-                                        <p:cTn id="23" dur="500"/>
+                                        <p:cTn id="21" dur="500"/>
                                         <p:tgtEl>
                                           <p:spTgt spid="3">
                                             <p:txEl>
@@ -17700,14 +17699,14 @@
                                 </p:cTn>
                               </p:par>
                               <p:par>
-                                <p:cTn id="24" presetID="10" presetClass="entr" presetSubtype="0" fill="hold" nodeType="withEffect">
+                                <p:cTn id="22" presetID="10" presetClass="entr" presetSubtype="0" fill="hold" nodeType="withEffect">
                                   <p:stCondLst>
                                     <p:cond delay="0"/>
                                   </p:stCondLst>
                                   <p:childTnLst>
                                     <p:set>
                                       <p:cBhvr>
-                                        <p:cTn id="25" dur="1" fill="hold">
+                                        <p:cTn id="23" dur="1" fill="hold">
                                           <p:stCondLst>
                                             <p:cond delay="0"/>
                                           </p:stCondLst>
@@ -17729,54 +17728,11 @@
                                     </p:set>
                                     <p:animEffect transition="in" filter="fade">
                                       <p:cBhvr>
-                                        <p:cTn id="26" dur="500"/>
+                                        <p:cTn id="24" dur="500"/>
                                         <p:tgtEl>
                                           <p:spTgt spid="3">
                                             <p:txEl>
                                               <p:pRg st="5" end="5"/>
-                                            </p:txEl>
-                                          </p:spTgt>
-                                        </p:tgtEl>
-                                      </p:cBhvr>
-                                    </p:animEffect>
-                                  </p:childTnLst>
-                                </p:cTn>
-                              </p:par>
-                              <p:par>
-                                <p:cTn id="27" presetID="10" presetClass="entr" presetSubtype="0" fill="hold" nodeType="withEffect">
-                                  <p:stCondLst>
-                                    <p:cond delay="0"/>
-                                  </p:stCondLst>
-                                  <p:childTnLst>
-                                    <p:set>
-                                      <p:cBhvr>
-                                        <p:cTn id="28" dur="1" fill="hold">
-                                          <p:stCondLst>
-                                            <p:cond delay="0"/>
-                                          </p:stCondLst>
-                                        </p:cTn>
-                                        <p:tgtEl>
-                                          <p:spTgt spid="3">
-                                            <p:txEl>
-                                              <p:pRg st="6" end="6"/>
-                                            </p:txEl>
-                                          </p:spTgt>
-                                        </p:tgtEl>
-                                        <p:attrNameLst>
-                                          <p:attrName>style.visibility</p:attrName>
-                                        </p:attrNameLst>
-                                      </p:cBhvr>
-                                      <p:to>
-                                        <p:strVal val="visible"/>
-                                      </p:to>
-                                    </p:set>
-                                    <p:animEffect transition="in" filter="fade">
-                                      <p:cBhvr>
-                                        <p:cTn id="29" dur="500"/>
-                                        <p:tgtEl>
-                                          <p:spTgt spid="3">
-                                            <p:txEl>
-                                              <p:pRg st="6" end="6"/>
                                             </p:txEl>
                                           </p:spTgt>
                                         </p:tgtEl>
@@ -17792,26 +17748,26 @@
                     </p:cTn>
                   </p:par>
                   <p:par>
-                    <p:cTn id="30" fill="hold">
+                    <p:cTn id="25" fill="hold">
                       <p:stCondLst>
                         <p:cond delay="indefinite"/>
                       </p:stCondLst>
                       <p:childTnLst>
                         <p:par>
-                          <p:cTn id="31" fill="hold">
+                          <p:cTn id="26" fill="hold">
                             <p:stCondLst>
                               <p:cond delay="0"/>
                             </p:stCondLst>
                             <p:childTnLst>
                               <p:par>
-                                <p:cTn id="32" presetID="10" presetClass="entr" presetSubtype="0" fill="hold" nodeType="clickEffect">
+                                <p:cTn id="27" presetID="10" presetClass="entr" presetSubtype="0" fill="hold" nodeType="clickEffect">
                                   <p:stCondLst>
                                     <p:cond delay="0"/>
                                   </p:stCondLst>
                                   <p:childTnLst>
                                     <p:set>
                                       <p:cBhvr>
-                                        <p:cTn id="33" dur="1" fill="hold">
+                                        <p:cTn id="28" dur="1" fill="hold">
                                           <p:stCondLst>
                                             <p:cond delay="0"/>
                                           </p:stCondLst>
@@ -17819,7 +17775,7 @@
                                         <p:tgtEl>
                                           <p:spTgt spid="3">
                                             <p:txEl>
-                                              <p:pRg st="7" end="7"/>
+                                              <p:pRg st="6" end="6"/>
                                             </p:txEl>
                                           </p:spTgt>
                                         </p:tgtEl>
@@ -17833,11 +17789,11 @@
                                     </p:set>
                                     <p:animEffect transition="in" filter="fade">
                                       <p:cBhvr>
-                                        <p:cTn id="34" dur="500"/>
+                                        <p:cTn id="29" dur="500"/>
                                         <p:tgtEl>
                                           <p:spTgt spid="3">
                                             <p:txEl>
-                                              <p:pRg st="7" end="7"/>
+                                              <p:pRg st="6" end="6"/>
                                             </p:txEl>
                                           </p:spTgt>
                                         </p:tgtEl>
@@ -17847,14 +17803,14 @@
                                 </p:cTn>
                               </p:par>
                               <p:par>
-                                <p:cTn id="35" presetID="10" presetClass="entr" presetSubtype="0" fill="hold" nodeType="withEffect">
+                                <p:cTn id="30" presetID="10" presetClass="entr" presetSubtype="0" fill="hold" nodeType="withEffect">
                                   <p:stCondLst>
                                     <p:cond delay="0"/>
                                   </p:stCondLst>
                                   <p:childTnLst>
                                     <p:set>
                                       <p:cBhvr>
-                                        <p:cTn id="36" dur="1" fill="hold">
+                                        <p:cTn id="31" dur="1" fill="hold">
                                           <p:stCondLst>
                                             <p:cond delay="0"/>
                                           </p:stCondLst>
@@ -17862,7 +17818,7 @@
                                         <p:tgtEl>
                                           <p:spTgt spid="3">
                                             <p:txEl>
-                                              <p:pRg st="8" end="8"/>
+                                              <p:pRg st="7" end="7"/>
                                             </p:txEl>
                                           </p:spTgt>
                                         </p:tgtEl>
@@ -17876,11 +17832,11 @@
                                     </p:set>
                                     <p:animEffect transition="in" filter="fade">
                                       <p:cBhvr>
-                                        <p:cTn id="37" dur="500"/>
+                                        <p:cTn id="32" dur="500"/>
                                         <p:tgtEl>
                                           <p:spTgt spid="3">
                                             <p:txEl>
-                                              <p:pRg st="8" end="8"/>
+                                              <p:pRg st="7" end="7"/>
                                             </p:txEl>
                                           </p:spTgt>
                                         </p:tgtEl>
@@ -17896,26 +17852,26 @@
                     </p:cTn>
                   </p:par>
                   <p:par>
-                    <p:cTn id="38" fill="hold">
+                    <p:cTn id="33" fill="hold">
                       <p:stCondLst>
                         <p:cond delay="indefinite"/>
                       </p:stCondLst>
                       <p:childTnLst>
                         <p:par>
-                          <p:cTn id="39" fill="hold">
+                          <p:cTn id="34" fill="hold">
                             <p:stCondLst>
                               <p:cond delay="0"/>
                             </p:stCondLst>
                             <p:childTnLst>
                               <p:par>
-                                <p:cTn id="40" presetID="10" presetClass="entr" presetSubtype="0" fill="hold" nodeType="clickEffect">
+                                <p:cTn id="35" presetID="10" presetClass="entr" presetSubtype="0" fill="hold" nodeType="clickEffect">
                                   <p:stCondLst>
                                     <p:cond delay="0"/>
                                   </p:stCondLst>
                                   <p:childTnLst>
                                     <p:set>
                                       <p:cBhvr>
-                                        <p:cTn id="41" dur="1" fill="hold">
+                                        <p:cTn id="36" dur="1" fill="hold">
                                           <p:stCondLst>
                                             <p:cond delay="0"/>
                                           </p:stCondLst>
@@ -17923,7 +17879,7 @@
                                         <p:tgtEl>
                                           <p:spTgt spid="3">
                                             <p:txEl>
-                                              <p:pRg st="9" end="9"/>
+                                              <p:pRg st="8" end="8"/>
                                             </p:txEl>
                                           </p:spTgt>
                                         </p:tgtEl>
@@ -17937,11 +17893,11 @@
                                     </p:set>
                                     <p:animEffect transition="in" filter="fade">
                                       <p:cBhvr>
-                                        <p:cTn id="42" dur="500"/>
+                                        <p:cTn id="37" dur="500"/>
                                         <p:tgtEl>
                                           <p:spTgt spid="3">
                                             <p:txEl>
-                                              <p:pRg st="9" end="9"/>
+                                              <p:pRg st="8" end="8"/>
                                             </p:txEl>
                                           </p:spTgt>
                                         </p:tgtEl>
@@ -17951,14 +17907,14 @@
                                 </p:cTn>
                               </p:par>
                               <p:par>
-                                <p:cTn id="43" presetID="10" presetClass="entr" presetSubtype="0" fill="hold" nodeType="withEffect">
+                                <p:cTn id="38" presetID="10" presetClass="entr" presetSubtype="0" fill="hold" nodeType="withEffect">
                                   <p:stCondLst>
                                     <p:cond delay="0"/>
                                   </p:stCondLst>
                                   <p:childTnLst>
                                     <p:set>
                                       <p:cBhvr>
-                                        <p:cTn id="44" dur="1" fill="hold">
+                                        <p:cTn id="39" dur="1" fill="hold">
                                           <p:stCondLst>
                                             <p:cond delay="0"/>
                                           </p:stCondLst>
@@ -17966,7 +17922,7 @@
                                         <p:tgtEl>
                                           <p:spTgt spid="3">
                                             <p:txEl>
-                                              <p:pRg st="10" end="10"/>
+                                              <p:pRg st="9" end="9"/>
                                             </p:txEl>
                                           </p:spTgt>
                                         </p:tgtEl>
@@ -17980,11 +17936,11 @@
                                     </p:set>
                                     <p:animEffect transition="in" filter="fade">
                                       <p:cBhvr>
-                                        <p:cTn id="45" dur="500"/>
+                                        <p:cTn id="40" dur="500"/>
                                         <p:tgtEl>
                                           <p:spTgt spid="3">
                                             <p:txEl>
-                                              <p:pRg st="10" end="10"/>
+                                              <p:pRg st="9" end="9"/>
                                             </p:txEl>
                                           </p:spTgt>
                                         </p:tgtEl>
@@ -18000,26 +17956,26 @@
                     </p:cTn>
                   </p:par>
                   <p:par>
-                    <p:cTn id="46" fill="hold">
+                    <p:cTn id="41" fill="hold">
                       <p:stCondLst>
                         <p:cond delay="indefinite"/>
                       </p:stCondLst>
                       <p:childTnLst>
                         <p:par>
-                          <p:cTn id="47" fill="hold">
+                          <p:cTn id="42" fill="hold">
                             <p:stCondLst>
                               <p:cond delay="0"/>
                             </p:stCondLst>
                             <p:childTnLst>
                               <p:par>
-                                <p:cTn id="48" presetID="10" presetClass="entr" presetSubtype="0" fill="hold" nodeType="clickEffect">
+                                <p:cTn id="43" presetID="10" presetClass="entr" presetSubtype="0" fill="hold" nodeType="clickEffect">
                                   <p:stCondLst>
                                     <p:cond delay="0"/>
                                   </p:stCondLst>
                                   <p:childTnLst>
                                     <p:set>
                                       <p:cBhvr>
-                                        <p:cTn id="49" dur="1" fill="hold">
+                                        <p:cTn id="44" dur="1" fill="hold">
                                           <p:stCondLst>
                                             <p:cond delay="0"/>
                                           </p:stCondLst>
@@ -18027,7 +17983,7 @@
                                         <p:tgtEl>
                                           <p:spTgt spid="3">
                                             <p:txEl>
-                                              <p:pRg st="11" end="11"/>
+                                              <p:pRg st="10" end="10"/>
                                             </p:txEl>
                                           </p:spTgt>
                                         </p:tgtEl>
@@ -18041,11 +17997,11 @@
                                     </p:set>
                                     <p:animEffect transition="in" filter="fade">
                                       <p:cBhvr>
-                                        <p:cTn id="50" dur="500"/>
+                                        <p:cTn id="45" dur="500"/>
                                         <p:tgtEl>
                                           <p:spTgt spid="3">
                                             <p:txEl>
-                                              <p:pRg st="11" end="11"/>
+                                              <p:pRg st="10" end="10"/>
                                             </p:txEl>
                                           </p:spTgt>
                                         </p:tgtEl>
@@ -18055,7 +18011,68 @@
                                 </p:cTn>
                               </p:par>
                               <p:par>
-                                <p:cTn id="51" presetID="10" presetClass="entr" presetSubtype="0" fill="hold" nodeType="withEffect">
+                                <p:cTn id="46" presetID="10" presetClass="entr" presetSubtype="0" fill="hold" nodeType="withEffect">
+                                  <p:stCondLst>
+                                    <p:cond delay="0"/>
+                                  </p:stCondLst>
+                                  <p:childTnLst>
+                                    <p:set>
+                                      <p:cBhvr>
+                                        <p:cTn id="47" dur="1" fill="hold">
+                                          <p:stCondLst>
+                                            <p:cond delay="0"/>
+                                          </p:stCondLst>
+                                        </p:cTn>
+                                        <p:tgtEl>
+                                          <p:spTgt spid="3">
+                                            <p:txEl>
+                                              <p:pRg st="11" end="11"/>
+                                            </p:txEl>
+                                          </p:spTgt>
+                                        </p:tgtEl>
+                                        <p:attrNameLst>
+                                          <p:attrName>style.visibility</p:attrName>
+                                        </p:attrNameLst>
+                                      </p:cBhvr>
+                                      <p:to>
+                                        <p:strVal val="visible"/>
+                                      </p:to>
+                                    </p:set>
+                                    <p:animEffect transition="in" filter="fade">
+                                      <p:cBhvr>
+                                        <p:cTn id="48" dur="500"/>
+                                        <p:tgtEl>
+                                          <p:spTgt spid="3">
+                                            <p:txEl>
+                                              <p:pRg st="11" end="11"/>
+                                            </p:txEl>
+                                          </p:spTgt>
+                                        </p:tgtEl>
+                                      </p:cBhvr>
+                                    </p:animEffect>
+                                  </p:childTnLst>
+                                </p:cTn>
+                              </p:par>
+                            </p:childTnLst>
+                          </p:cTn>
+                        </p:par>
+                      </p:childTnLst>
+                    </p:cTn>
+                  </p:par>
+                  <p:par>
+                    <p:cTn id="49" fill="hold">
+                      <p:stCondLst>
+                        <p:cond delay="indefinite"/>
+                      </p:stCondLst>
+                      <p:childTnLst>
+                        <p:par>
+                          <p:cTn id="50" fill="hold">
+                            <p:stCondLst>
+                              <p:cond delay="0"/>
+                            </p:stCondLst>
+                            <p:childTnLst>
+                              <p:par>
+                                <p:cTn id="51" presetID="10" presetClass="entr" presetSubtype="0" fill="hold" nodeType="clickEffect">
                                   <p:stCondLst>
                                     <p:cond delay="0"/>
                                   </p:stCondLst>
@@ -18183,49 +18200,6 @@
                                   </p:childTnLst>
                                 </p:cTn>
                               </p:par>
-                              <p:par>
-                                <p:cTn id="60" presetID="10" presetClass="entr" presetSubtype="0" fill="hold" nodeType="withEffect">
-                                  <p:stCondLst>
-                                    <p:cond delay="0"/>
-                                  </p:stCondLst>
-                                  <p:childTnLst>
-                                    <p:set>
-                                      <p:cBhvr>
-                                        <p:cTn id="61" dur="1" fill="hold">
-                                          <p:stCondLst>
-                                            <p:cond delay="0"/>
-                                          </p:stCondLst>
-                                        </p:cTn>
-                                        <p:tgtEl>
-                                          <p:spTgt spid="3">
-                                            <p:txEl>
-                                              <p:pRg st="15" end="15"/>
-                                            </p:txEl>
-                                          </p:spTgt>
-                                        </p:tgtEl>
-                                        <p:attrNameLst>
-                                          <p:attrName>style.visibility</p:attrName>
-                                        </p:attrNameLst>
-                                      </p:cBhvr>
-                                      <p:to>
-                                        <p:strVal val="visible"/>
-                                      </p:to>
-                                    </p:set>
-                                    <p:animEffect transition="in" filter="fade">
-                                      <p:cBhvr>
-                                        <p:cTn id="62" dur="500"/>
-                                        <p:tgtEl>
-                                          <p:spTgt spid="3">
-                                            <p:txEl>
-                                              <p:pRg st="15" end="15"/>
-                                            </p:txEl>
-                                          </p:spTgt>
-                                        </p:tgtEl>
-                                      </p:cBhvr>
-                                    </p:animEffect>
-                                  </p:childTnLst>
-                                </p:cTn>
-                              </p:par>
                             </p:childTnLst>
                           </p:cTn>
                         </p:par>
@@ -18233,32 +18207,79 @@
                     </p:cTn>
                   </p:par>
                   <p:par>
-                    <p:cTn id="63" fill="hold">
+                    <p:cTn id="60" fill="hold">
                       <p:stCondLst>
                         <p:cond delay="indefinite"/>
                       </p:stCondLst>
                       <p:childTnLst>
                         <p:par>
-                          <p:cTn id="64" fill="hold">
+                          <p:cTn id="61" fill="hold">
                             <p:stCondLst>
                               <p:cond delay="0"/>
                             </p:stCondLst>
                             <p:childTnLst>
                               <p:par>
-                                <p:cTn id="65" presetID="10" presetClass="entr" presetSubtype="0" fill="hold" grpId="0" nodeType="clickEffect">
+                                <p:cTn id="62" presetID="10" presetClass="entr" presetSubtype="0" fill="hold" nodeType="clickEffect">
                                   <p:stCondLst>
                                     <p:cond delay="0"/>
                                   </p:stCondLst>
                                   <p:childTnLst>
                                     <p:set>
                                       <p:cBhvr>
+                                        <p:cTn id="63" dur="1" fill="hold">
+                                          <p:stCondLst>
+                                            <p:cond delay="0"/>
+                                          </p:stCondLst>
+                                        </p:cTn>
+                                        <p:tgtEl>
+                                          <p:spTgt spid="3">
+                                            <p:txEl>
+                                              <p:pRg st="15" end="15"/>
+                                            </p:txEl>
+                                          </p:spTgt>
+                                        </p:tgtEl>
+                                        <p:attrNameLst>
+                                          <p:attrName>style.visibility</p:attrName>
+                                        </p:attrNameLst>
+                                      </p:cBhvr>
+                                      <p:to>
+                                        <p:strVal val="visible"/>
+                                      </p:to>
+                                    </p:set>
+                                    <p:animEffect transition="in" filter="fade">
+                                      <p:cBhvr>
+                                        <p:cTn id="64" dur="500"/>
+                                        <p:tgtEl>
+                                          <p:spTgt spid="3">
+                                            <p:txEl>
+                                              <p:pRg st="15" end="15"/>
+                                            </p:txEl>
+                                          </p:spTgt>
+                                        </p:tgtEl>
+                                      </p:cBhvr>
+                                    </p:animEffect>
+                                  </p:childTnLst>
+                                </p:cTn>
+                              </p:par>
+                              <p:par>
+                                <p:cTn id="65" presetID="10" presetClass="entr" presetSubtype="0" fill="hold" nodeType="withEffect">
+                                  <p:stCondLst>
+                                    <p:cond delay="0"/>
+                                  </p:stCondLst>
+                                  <p:childTnLst>
+                                    <p:set>
+                                      <p:cBhvr>
                                         <p:cTn id="66" dur="1" fill="hold">
                                           <p:stCondLst>
                                             <p:cond delay="0"/>
                                           </p:stCondLst>
                                         </p:cTn>
                                         <p:tgtEl>
-                                          <p:spTgt spid="5"/>
+                                          <p:spTgt spid="3">
+                                            <p:txEl>
+                                              <p:pRg st="16" end="16"/>
+                                            </p:txEl>
+                                          </p:spTgt>
                                         </p:tgtEl>
                                         <p:attrNameLst>
                                           <p:attrName>style.visibility</p:attrName>
@@ -18272,7 +18293,54 @@
                                       <p:cBhvr>
                                         <p:cTn id="67" dur="500"/>
                                         <p:tgtEl>
-                                          <p:spTgt spid="5"/>
+                                          <p:spTgt spid="3">
+                                            <p:txEl>
+                                              <p:pRg st="16" end="16"/>
+                                            </p:txEl>
+                                          </p:spTgt>
+                                        </p:tgtEl>
+                                      </p:cBhvr>
+                                    </p:animEffect>
+                                  </p:childTnLst>
+                                </p:cTn>
+                              </p:par>
+                              <p:par>
+                                <p:cTn id="68" presetID="10" presetClass="entr" presetSubtype="0" fill="hold" nodeType="withEffect">
+                                  <p:stCondLst>
+                                    <p:cond delay="0"/>
+                                  </p:stCondLst>
+                                  <p:childTnLst>
+                                    <p:set>
+                                      <p:cBhvr>
+                                        <p:cTn id="69" dur="1" fill="hold">
+                                          <p:stCondLst>
+                                            <p:cond delay="0"/>
+                                          </p:stCondLst>
+                                        </p:cTn>
+                                        <p:tgtEl>
+                                          <p:spTgt spid="3">
+                                            <p:txEl>
+                                              <p:pRg st="17" end="17"/>
+                                            </p:txEl>
+                                          </p:spTgt>
+                                        </p:tgtEl>
+                                        <p:attrNameLst>
+                                          <p:attrName>style.visibility</p:attrName>
+                                        </p:attrNameLst>
+                                      </p:cBhvr>
+                                      <p:to>
+                                        <p:strVal val="visible"/>
+                                      </p:to>
+                                    </p:set>
+                                    <p:animEffect transition="in" filter="fade">
+                                      <p:cBhvr>
+                                        <p:cTn id="70" dur="500"/>
+                                        <p:tgtEl>
+                                          <p:spTgt spid="3">
+                                            <p:txEl>
+                                              <p:pRg st="17" end="17"/>
+                                            </p:txEl>
+                                          </p:spTgt>
                                         </p:tgtEl>
                                       </p:cBhvr>
                                     </p:animEffect>
@@ -18306,9 +18374,6 @@
         </p:cTn>
       </p:par>
     </p:tnLst>
-    <p:bldLst>
-      <p:bldP spid="5" grpId="0"/>
-    </p:bldLst>
   </p:timing>
 </p:sld>
 </file>
@@ -18364,7 +18429,9 @@
         </p:nvSpPr>
         <p:spPr/>
         <p:txBody>
-          <a:bodyPr/>
+          <a:bodyPr>
+            <a:normAutofit fontScale="92500" lnSpcReduction="20000"/>
+          </a:bodyPr>
           <a:lstStyle/>
           <a:p>
             <a:r>
@@ -18419,6 +18486,39 @@
               <a:rPr lang="en-SG" dirty="0"/>
               <a:t>Testing issues</a:t>
             </a:r>
+          </a:p>
+          <a:p>
+            <a:endParaRPr lang="en-SG" dirty="0"/>
+          </a:p>
+          <a:p>
+            <a:r>
+              <a:rPr lang="en-SG" dirty="0"/>
+              <a:t>Max theoretical speed (Nexus 4/6P) = 16KiB/s</a:t>
+            </a:r>
+          </a:p>
+          <a:p>
+            <a:pPr lvl="1"/>
+            <a:r>
+              <a:rPr lang="en-SG" dirty="0"/>
+              <a:t>20 bytes MTU, 6 packets/connection interval, 7.5ms interval</a:t>
+            </a:r>
+          </a:p>
+          <a:p>
+            <a:pPr lvl="1"/>
+            <a:r>
+              <a:rPr lang="en-SG" dirty="0"/>
+              <a:t>(20 bytes * 6 ) / 7.5ms = 16KiB/s</a:t>
+            </a:r>
+          </a:p>
+          <a:p>
+            <a:pPr lvl="1"/>
+            <a:r>
+              <a:rPr lang="en-SG" dirty="0"/>
+              <a:t>Might be different for other phones</a:t>
+            </a:r>
+          </a:p>
+          <a:p>
+            <a:endParaRPr lang="en-SG" dirty="0"/>
           </a:p>
         </p:txBody>
       </p:sp>
@@ -18475,6 +18575,42 @@
           <a:chExt cx="0" cy="0"/>
         </a:xfrm>
       </p:grpSpPr>
+      <p:pic>
+        <p:nvPicPr>
+          <p:cNvPr id="7" name="Picture 6">
+            <a:extLst>
+              <a:ext uri="{FF2B5EF4-FFF2-40B4-BE49-F238E27FC236}">
+                <a16:creationId xmlns:a16="http://schemas.microsoft.com/office/drawing/2014/main" id="{51A63C89-7D2D-4BC5-A38E-819F52BE7875}"/>
+              </a:ext>
+            </a:extLst>
+          </p:cNvPr>
+          <p:cNvPicPr>
+            <a:picLocks noChangeAspect="1"/>
+          </p:cNvPicPr>
+          <p:nvPr/>
+        </p:nvPicPr>
+        <p:blipFill>
+          <a:blip r:embed="rId2">
+            <a:extLst>
+              <a:ext uri="{28A0092B-C50C-407E-A947-70E740481C1C}">
+                <a14:useLocalDpi xmlns:a14="http://schemas.microsoft.com/office/drawing/2010/main" val="0"/>
+              </a:ext>
+            </a:extLst>
+          </a:blip>
+          <a:stretch>
+            <a:fillRect/>
+          </a:stretch>
+        </p:blipFill>
+        <p:spPr>
+          <a:xfrm>
+            <a:off x="667429" y="1915155"/>
+            <a:ext cx="5790521" cy="3759628"/>
+          </a:xfrm>
+          <a:prstGeom prst="rect">
+            <a:avLst/>
+          </a:prstGeom>
+        </p:spPr>
+      </p:pic>
       <p:sp>
         <p:nvSpPr>
           <p:cNvPr id="2" name="Title 1"/>
@@ -18567,7 +18703,7 @@
         <p:spPr>
           <a:xfrm>
             <a:off x="363682" y="5710020"/>
-            <a:ext cx="8151668" cy="646331"/>
+            <a:ext cx="8151668" cy="923330"/>
           </a:xfrm>
           <a:prstGeom prst="rect">
             <a:avLst/>
@@ -18590,7 +18726,7 @@
                   <a:srgbClr val="00B0F0"/>
                 </a:solidFill>
               </a:rPr>
-              <a:t>74.2% of Android devices support BLE</a:t>
+              <a:t>90.4% of Android devices support BLE</a:t>
             </a:r>
           </a:p>
           <a:p>
@@ -18604,41 +18740,21 @@
                   <a:srgbClr val="FF0000"/>
                 </a:solidFill>
               </a:rPr>
-              <a:t>Few support peripheral mode: 35.3% minus Nexus 4, 5, 7 (2012/2013)</a:t>
+              <a:t>Peripheral mode: 70.2% minus Nexus 4, 5, 7 (2012/2013)</a:t>
+            </a:r>
+          </a:p>
+          <a:p>
+            <a:pPr marL="285750" indent="-285750">
+              <a:buFont typeface="Arial" panose="020B0604020202020204" pitchFamily="34" charset="0"/>
+              <a:buChar char="•"/>
+            </a:pPr>
+            <a:r>
+              <a:rPr lang="en-SG" dirty="0"/>
+              <a:t>OS &lt; 5.0 not considered reliable </a:t>
             </a:r>
           </a:p>
         </p:txBody>
       </p:sp>
-      <p:pic>
-        <p:nvPicPr>
-          <p:cNvPr id="8" name="Picture 7"/>
-          <p:cNvPicPr>
-            <a:picLocks noChangeAspect="1"/>
-          </p:cNvPicPr>
-          <p:nvPr/>
-        </p:nvPicPr>
-        <p:blipFill>
-          <a:blip r:embed="rId2" cstate="print">
-            <a:extLst>
-              <a:ext uri="{28A0092B-C50C-407E-A947-70E740481C1C}">
-                <a14:useLocalDpi xmlns:a14="http://schemas.microsoft.com/office/drawing/2010/main" val="0"/>
-              </a:ext>
-            </a:extLst>
-          </a:blip>
-          <a:stretch>
-            <a:fillRect/>
-          </a:stretch>
-        </p:blipFill>
-        <p:spPr>
-          <a:xfrm>
-            <a:off x="868680" y="1881297"/>
-            <a:ext cx="6135624" cy="3902351"/>
-          </a:xfrm>
-          <a:prstGeom prst="rect">
-            <a:avLst/>
-          </a:prstGeom>
-        </p:spPr>
-      </p:pic>
       <p:sp>
         <p:nvSpPr>
           <p:cNvPr id="10" name="Rectangle 9"/>
@@ -18647,8 +18763,8 @@
         </p:nvSpPr>
         <p:spPr>
           <a:xfrm>
-            <a:off x="868680" y="3940403"/>
-            <a:ext cx="2829560" cy="1329847"/>
+            <a:off x="733129" y="3531941"/>
+            <a:ext cx="2536164" cy="1741517"/>
           </a:xfrm>
           <a:prstGeom prst="rect">
             <a:avLst/>
@@ -18693,8 +18809,8 @@
         </p:nvSpPr>
         <p:spPr>
           <a:xfrm>
-            <a:off x="923624" y="4461100"/>
-            <a:ext cx="2719672" cy="742496"/>
+            <a:off x="779575" y="4031450"/>
+            <a:ext cx="2433351" cy="1198165"/>
           </a:xfrm>
           <a:prstGeom prst="rect">
             <a:avLst/>
@@ -18927,6 +19043,67 @@
                                           <p:spTgt spid="6">
                                             <p:txEl>
                                               <p:pRg st="1" end="1"/>
+                                            </p:txEl>
+                                          </p:spTgt>
+                                        </p:tgtEl>
+                                      </p:cBhvr>
+                                    </p:animEffect>
+                                  </p:childTnLst>
+                                </p:cTn>
+                              </p:par>
+                            </p:childTnLst>
+                          </p:cTn>
+                        </p:par>
+                      </p:childTnLst>
+                    </p:cTn>
+                  </p:par>
+                  <p:par>
+                    <p:cTn id="19" fill="hold">
+                      <p:stCondLst>
+                        <p:cond delay="indefinite"/>
+                      </p:stCondLst>
+                      <p:childTnLst>
+                        <p:par>
+                          <p:cTn id="20" fill="hold">
+                            <p:stCondLst>
+                              <p:cond delay="0"/>
+                            </p:stCondLst>
+                            <p:childTnLst>
+                              <p:par>
+                                <p:cTn id="21" presetID="10" presetClass="entr" presetSubtype="0" fill="hold" nodeType="clickEffect">
+                                  <p:stCondLst>
+                                    <p:cond delay="0"/>
+                                  </p:stCondLst>
+                                  <p:childTnLst>
+                                    <p:set>
+                                      <p:cBhvr>
+                                        <p:cTn id="22" dur="1" fill="hold">
+                                          <p:stCondLst>
+                                            <p:cond delay="0"/>
+                                          </p:stCondLst>
+                                        </p:cTn>
+                                        <p:tgtEl>
+                                          <p:spTgt spid="6">
+                                            <p:txEl>
+                                              <p:pRg st="2" end="2"/>
+                                            </p:txEl>
+                                          </p:spTgt>
+                                        </p:tgtEl>
+                                        <p:attrNameLst>
+                                          <p:attrName>style.visibility</p:attrName>
+                                        </p:attrNameLst>
+                                      </p:cBhvr>
+                                      <p:to>
+                                        <p:strVal val="visible"/>
+                                      </p:to>
+                                    </p:set>
+                                    <p:animEffect transition="in" filter="fade">
+                                      <p:cBhvr>
+                                        <p:cTn id="23" dur="500"/>
+                                        <p:tgtEl>
+                                          <p:spTgt spid="6">
+                                            <p:txEl>
+                                              <p:pRg st="2" end="2"/>
                                             </p:txEl>
                                           </p:spTgt>
                                         </p:tgtEl>
@@ -19144,7 +19321,7 @@
             <a:pPr lvl="1"/>
             <a:r>
               <a:rPr lang="en-SG" sz="2900" dirty="0"/>
-              <a:t>Known offender: Samsung</a:t>
+              <a:t>Known offender: Samsung???</a:t>
             </a:r>
           </a:p>
           <a:p>
@@ -19213,7 +19390,7 @@
             <a:pPr lvl="1"/>
             <a:r>
               <a:rPr lang="en-SG" sz="2900" dirty="0"/>
-              <a:t>HTC seems to have this issue</a:t>
+              <a:t>HTC seems to have this issue???</a:t>
             </a:r>
           </a:p>
           <a:p>
@@ -19375,7 +19552,7 @@
                                         <p:tgtEl>
                                           <p:spTgt spid="3">
                                             <p:txEl>
-                                              <p:pRg st="1" end="1"/>
+                                              <p:pRg st="0" end="0"/>
                                             </p:txEl>
                                           </p:spTgt>
                                         </p:tgtEl>
@@ -19393,7 +19570,7 @@
                                         <p:tgtEl>
                                           <p:spTgt spid="3">
                                             <p:txEl>
-                                              <p:pRg st="1" end="1"/>
+                                              <p:pRg st="0" end="0"/>
                                             </p:txEl>
                                           </p:spTgt>
                                         </p:tgtEl>
@@ -19436,7 +19613,7 @@
                                         <p:tgtEl>
                                           <p:spTgt spid="3">
                                             <p:txEl>
-                                              <p:pRg st="0" end="0"/>
+                                              <p:pRg st="1" end="1"/>
                                             </p:txEl>
                                           </p:spTgt>
                                         </p:tgtEl>
@@ -19454,7 +19631,7 @@
                                         <p:tgtEl>
                                           <p:spTgt spid="3">
                                             <p:txEl>
-                                              <p:pRg st="0" end="0"/>
+                                              <p:pRg st="1" end="1"/>
                                             </p:txEl>
                                           </p:spTgt>
                                         </p:tgtEl>
@@ -20234,33 +20411,15 @@
                                   </p:childTnLst>
                                 </p:cTn>
                               </p:par>
-                            </p:childTnLst>
-                          </p:cTn>
-                        </p:par>
-                      </p:childTnLst>
-                    </p:cTn>
-                  </p:par>
-                  <p:par>
-                    <p:cTn id="72" fill="hold">
-                      <p:stCondLst>
-                        <p:cond delay="indefinite"/>
-                      </p:stCondLst>
-                      <p:childTnLst>
-                        <p:par>
-                          <p:cTn id="73" fill="hold">
-                            <p:stCondLst>
-                              <p:cond delay="0"/>
-                            </p:stCondLst>
-                            <p:childTnLst>
                               <p:par>
-                                <p:cTn id="74" presetID="10" presetClass="entr" presetSubtype="0" fill="hold" nodeType="clickEffect">
+                                <p:cTn id="72" presetID="10" presetClass="entr" presetSubtype="0" fill="hold" nodeType="withEffect">
                                   <p:stCondLst>
                                     <p:cond delay="0"/>
                                   </p:stCondLst>
                                   <p:childTnLst>
                                     <p:set>
                                       <p:cBhvr>
-                                        <p:cTn id="75" dur="1" fill="hold">
+                                        <p:cTn id="73" dur="1" fill="hold">
                                           <p:stCondLst>
                                             <p:cond delay="0"/>
                                           </p:stCondLst>
@@ -20282,7 +20441,7 @@
                                     </p:set>
                                     <p:animEffect transition="in" filter="fade">
                                       <p:cBhvr>
-                                        <p:cTn id="76" dur="500"/>
+                                        <p:cTn id="74" dur="500"/>
                                         <p:tgtEl>
                                           <p:spTgt spid="3">
                                             <p:txEl>
@@ -20302,26 +20461,26 @@
                     </p:cTn>
                   </p:par>
                   <p:par>
-                    <p:cTn id="77" fill="hold">
+                    <p:cTn id="75" fill="hold">
                       <p:stCondLst>
                         <p:cond delay="indefinite"/>
                       </p:stCondLst>
                       <p:childTnLst>
                         <p:par>
-                          <p:cTn id="78" fill="hold">
+                          <p:cTn id="76" fill="hold">
                             <p:stCondLst>
                               <p:cond delay="0"/>
                             </p:stCondLst>
                             <p:childTnLst>
                               <p:par>
-                                <p:cTn id="79" presetID="10" presetClass="entr" presetSubtype="0" fill="hold" nodeType="clickEffect">
+                                <p:cTn id="77" presetID="10" presetClass="entr" presetSubtype="0" fill="hold" nodeType="clickEffect">
                                   <p:stCondLst>
                                     <p:cond delay="0"/>
                                   </p:stCondLst>
                                   <p:childTnLst>
                                     <p:set>
                                       <p:cBhvr>
-                                        <p:cTn id="80" dur="1" fill="hold">
+                                        <p:cTn id="78" dur="1" fill="hold">
                                           <p:stCondLst>
                                             <p:cond delay="0"/>
                                           </p:stCondLst>
@@ -20343,11 +20502,54 @@
                                     </p:set>
                                     <p:animEffect transition="in" filter="fade">
                                       <p:cBhvr>
-                                        <p:cTn id="81" dur="500"/>
+                                        <p:cTn id="79" dur="500"/>
                                         <p:tgtEl>
                                           <p:spTgt spid="3">
                                             <p:txEl>
                                               <p:pRg st="18" end="18"/>
+                                            </p:txEl>
+                                          </p:spTgt>
+                                        </p:tgtEl>
+                                      </p:cBhvr>
+                                    </p:animEffect>
+                                  </p:childTnLst>
+                                </p:cTn>
+                              </p:par>
+                              <p:par>
+                                <p:cTn id="80" presetID="10" presetClass="entr" presetSubtype="0" fill="hold" nodeType="withEffect">
+                                  <p:stCondLst>
+                                    <p:cond delay="0"/>
+                                  </p:stCondLst>
+                                  <p:childTnLst>
+                                    <p:set>
+                                      <p:cBhvr>
+                                        <p:cTn id="81" dur="1" fill="hold">
+                                          <p:stCondLst>
+                                            <p:cond delay="0"/>
+                                          </p:stCondLst>
+                                        </p:cTn>
+                                        <p:tgtEl>
+                                          <p:spTgt spid="3">
+                                            <p:txEl>
+                                              <p:pRg st="19" end="19"/>
+                                            </p:txEl>
+                                          </p:spTgt>
+                                        </p:tgtEl>
+                                        <p:attrNameLst>
+                                          <p:attrName>style.visibility</p:attrName>
+                                        </p:attrNameLst>
+                                      </p:cBhvr>
+                                      <p:to>
+                                        <p:strVal val="visible"/>
+                                      </p:to>
+                                    </p:set>
+                                    <p:animEffect transition="in" filter="fade">
+                                      <p:cBhvr>
+                                        <p:cTn id="82" dur="500"/>
+                                        <p:tgtEl>
+                                          <p:spTgt spid="3">
+                                            <p:txEl>
+                                              <p:pRg st="19" end="19"/>
                                             </p:txEl>
                                           </p:spTgt>
                                         </p:tgtEl>
@@ -20363,26 +20565,26 @@
                     </p:cTn>
                   </p:par>
                   <p:par>
-                    <p:cTn id="82" fill="hold">
+                    <p:cTn id="83" fill="hold">
                       <p:stCondLst>
                         <p:cond delay="indefinite"/>
                       </p:stCondLst>
                       <p:childTnLst>
                         <p:par>
-                          <p:cTn id="83" fill="hold">
+                          <p:cTn id="84" fill="hold">
                             <p:stCondLst>
                               <p:cond delay="0"/>
                             </p:stCondLst>
                             <p:childTnLst>
                               <p:par>
-                                <p:cTn id="84" presetID="10" presetClass="entr" presetSubtype="0" fill="hold" nodeType="clickEffect">
+                                <p:cTn id="85" presetID="10" presetClass="entr" presetSubtype="0" fill="hold" nodeType="clickEffect">
                                   <p:stCondLst>
                                     <p:cond delay="0"/>
                                   </p:stCondLst>
                                   <p:childTnLst>
                                     <p:set>
                                       <p:cBhvr>
-                                        <p:cTn id="85" dur="1" fill="hold">
+                                        <p:cTn id="86" dur="1" fill="hold">
                                           <p:stCondLst>
                                             <p:cond delay="0"/>
                                           </p:stCondLst>
@@ -20390,7 +20592,7 @@
                                         <p:tgtEl>
                                           <p:spTgt spid="3">
                                             <p:txEl>
-                                              <p:pRg st="19" end="19"/>
+                                              <p:pRg st="20" end="20"/>
                                             </p:txEl>
                                           </p:spTgt>
                                         </p:tgtEl>
@@ -20404,11 +20606,54 @@
                                     </p:set>
                                     <p:animEffect transition="in" filter="fade">
                                       <p:cBhvr>
-                                        <p:cTn id="86" dur="500"/>
+                                        <p:cTn id="87" dur="500"/>
                                         <p:tgtEl>
                                           <p:spTgt spid="3">
                                             <p:txEl>
-                                              <p:pRg st="19" end="19"/>
+                                              <p:pRg st="20" end="20"/>
+                                            </p:txEl>
+                                          </p:spTgt>
+                                        </p:tgtEl>
+                                      </p:cBhvr>
+                                    </p:animEffect>
+                                  </p:childTnLst>
+                                </p:cTn>
+                              </p:par>
+                              <p:par>
+                                <p:cTn id="88" presetID="10" presetClass="entr" presetSubtype="0" fill="hold" nodeType="withEffect">
+                                  <p:stCondLst>
+                                    <p:cond delay="0"/>
+                                  </p:stCondLst>
+                                  <p:childTnLst>
+                                    <p:set>
+                                      <p:cBhvr>
+                                        <p:cTn id="89" dur="1" fill="hold">
+                                          <p:stCondLst>
+                                            <p:cond delay="0"/>
+                                          </p:stCondLst>
+                                        </p:cTn>
+                                        <p:tgtEl>
+                                          <p:spTgt spid="3">
+                                            <p:txEl>
+                                              <p:pRg st="21" end="21"/>
+                                            </p:txEl>
+                                          </p:spTgt>
+                                        </p:tgtEl>
+                                        <p:attrNameLst>
+                                          <p:attrName>style.visibility</p:attrName>
+                                        </p:attrNameLst>
+                                      </p:cBhvr>
+                                      <p:to>
+                                        <p:strVal val="visible"/>
+                                      </p:to>
+                                    </p:set>
+                                    <p:animEffect transition="in" filter="fade">
+                                      <p:cBhvr>
+                                        <p:cTn id="90" dur="500"/>
+                                        <p:tgtEl>
+                                          <p:spTgt spid="3">
+                                            <p:txEl>
+                                              <p:pRg st="21" end="21"/>
                                             </p:txEl>
                                           </p:spTgt>
                                         </p:tgtEl>
@@ -20424,26 +20669,26 @@
                     </p:cTn>
                   </p:par>
                   <p:par>
-                    <p:cTn id="87" fill="hold">
+                    <p:cTn id="91" fill="hold">
                       <p:stCondLst>
                         <p:cond delay="indefinite"/>
                       </p:stCondLst>
                       <p:childTnLst>
                         <p:par>
-                          <p:cTn id="88" fill="hold">
+                          <p:cTn id="92" fill="hold">
                             <p:stCondLst>
                               <p:cond delay="0"/>
                             </p:stCondLst>
                             <p:childTnLst>
                               <p:par>
-                                <p:cTn id="89" presetID="10" presetClass="entr" presetSubtype="0" fill="hold" nodeType="clickEffect">
+                                <p:cTn id="93" presetID="10" presetClass="entr" presetSubtype="0" fill="hold" nodeType="clickEffect">
                                   <p:stCondLst>
                                     <p:cond delay="0"/>
                                   </p:stCondLst>
                                   <p:childTnLst>
                                     <p:set>
                                       <p:cBhvr>
-                                        <p:cTn id="90" dur="1" fill="hold">
+                                        <p:cTn id="94" dur="1" fill="hold">
                                           <p:stCondLst>
                                             <p:cond delay="0"/>
                                           </p:stCondLst>
@@ -20451,7 +20696,7 @@
                                         <p:tgtEl>
                                           <p:spTgt spid="3">
                                             <p:txEl>
-                                              <p:pRg st="20" end="20"/>
+                                              <p:pRg st="22" end="22"/>
                                             </p:txEl>
                                           </p:spTgt>
                                         </p:tgtEl>
@@ -20465,11 +20710,11 @@
                                     </p:set>
                                     <p:animEffect transition="in" filter="fade">
                                       <p:cBhvr>
-                                        <p:cTn id="91" dur="500"/>
+                                        <p:cTn id="95" dur="500"/>
                                         <p:tgtEl>
                                           <p:spTgt spid="3">
                                             <p:txEl>
-                                              <p:pRg st="20" end="20"/>
+                                              <p:pRg st="22" end="22"/>
                                             </p:txEl>
                                           </p:spTgt>
                                         </p:tgtEl>
@@ -20478,33 +20723,15 @@
                                   </p:childTnLst>
                                 </p:cTn>
                               </p:par>
-                            </p:childTnLst>
-                          </p:cTn>
-                        </p:par>
-                      </p:childTnLst>
-                    </p:cTn>
-                  </p:par>
-                  <p:par>
-                    <p:cTn id="92" fill="hold">
-                      <p:stCondLst>
-                        <p:cond delay="indefinite"/>
-                      </p:stCondLst>
-                      <p:childTnLst>
-                        <p:par>
-                          <p:cTn id="93" fill="hold">
-                            <p:stCondLst>
-                              <p:cond delay="0"/>
-                            </p:stCondLst>
-                            <p:childTnLst>
                               <p:par>
-                                <p:cTn id="94" presetID="10" presetClass="entr" presetSubtype="0" fill="hold" nodeType="clickEffect">
+                                <p:cTn id="96" presetID="10" presetClass="entr" presetSubtype="0" fill="hold" nodeType="withEffect">
                                   <p:stCondLst>
                                     <p:cond delay="0"/>
                                   </p:stCondLst>
                                   <p:childTnLst>
                                     <p:set>
                                       <p:cBhvr>
-                                        <p:cTn id="95" dur="1" fill="hold">
+                                        <p:cTn id="97" dur="1" fill="hold">
                                           <p:stCondLst>
                                             <p:cond delay="0"/>
                                           </p:stCondLst>
@@ -20512,7 +20739,7 @@
                                         <p:tgtEl>
                                           <p:spTgt spid="3">
                                             <p:txEl>
-                                              <p:pRg st="21" end="21"/>
+                                              <p:pRg st="23" end="23"/>
                                             </p:txEl>
                                           </p:spTgt>
                                         </p:tgtEl>
@@ -20526,129 +20753,7 @@
                                     </p:set>
                                     <p:animEffect transition="in" filter="fade">
                                       <p:cBhvr>
-                                        <p:cTn id="96" dur="500"/>
-                                        <p:tgtEl>
-                                          <p:spTgt spid="3">
-                                            <p:txEl>
-                                              <p:pRg st="21" end="21"/>
-                                            </p:txEl>
-                                          </p:spTgt>
-                                        </p:tgtEl>
-                                      </p:cBhvr>
-                                    </p:animEffect>
-                                  </p:childTnLst>
-                                </p:cTn>
-                              </p:par>
-                            </p:childTnLst>
-                          </p:cTn>
-                        </p:par>
-                      </p:childTnLst>
-                    </p:cTn>
-                  </p:par>
-                  <p:par>
-                    <p:cTn id="97" fill="hold">
-                      <p:stCondLst>
-                        <p:cond delay="indefinite"/>
-                      </p:stCondLst>
-                      <p:childTnLst>
-                        <p:par>
-                          <p:cTn id="98" fill="hold">
-                            <p:stCondLst>
-                              <p:cond delay="0"/>
-                            </p:stCondLst>
-                            <p:childTnLst>
-                              <p:par>
-                                <p:cTn id="99" presetID="10" presetClass="entr" presetSubtype="0" fill="hold" nodeType="clickEffect">
-                                  <p:stCondLst>
-                                    <p:cond delay="0"/>
-                                  </p:stCondLst>
-                                  <p:childTnLst>
-                                    <p:set>
-                                      <p:cBhvr>
-                                        <p:cTn id="100" dur="1" fill="hold">
-                                          <p:stCondLst>
-                                            <p:cond delay="0"/>
-                                          </p:stCondLst>
-                                        </p:cTn>
-                                        <p:tgtEl>
-                                          <p:spTgt spid="3">
-                                            <p:txEl>
-                                              <p:pRg st="22" end="22"/>
-                                            </p:txEl>
-                                          </p:spTgt>
-                                        </p:tgtEl>
-                                        <p:attrNameLst>
-                                          <p:attrName>style.visibility</p:attrName>
-                                        </p:attrNameLst>
-                                      </p:cBhvr>
-                                      <p:to>
-                                        <p:strVal val="visible"/>
-                                      </p:to>
-                                    </p:set>
-                                    <p:animEffect transition="in" filter="fade">
-                                      <p:cBhvr>
-                                        <p:cTn id="101" dur="500"/>
-                                        <p:tgtEl>
-                                          <p:spTgt spid="3">
-                                            <p:txEl>
-                                              <p:pRg st="22" end="22"/>
-                                            </p:txEl>
-                                          </p:spTgt>
-                                        </p:tgtEl>
-                                      </p:cBhvr>
-                                    </p:animEffect>
-                                  </p:childTnLst>
-                                </p:cTn>
-                              </p:par>
-                            </p:childTnLst>
-                          </p:cTn>
-                        </p:par>
-                      </p:childTnLst>
-                    </p:cTn>
-                  </p:par>
-                  <p:par>
-                    <p:cTn id="102" fill="hold">
-                      <p:stCondLst>
-                        <p:cond delay="indefinite"/>
-                      </p:stCondLst>
-                      <p:childTnLst>
-                        <p:par>
-                          <p:cTn id="103" fill="hold">
-                            <p:stCondLst>
-                              <p:cond delay="0"/>
-                            </p:stCondLst>
-                            <p:childTnLst>
-                              <p:par>
-                                <p:cTn id="104" presetID="10" presetClass="entr" presetSubtype="0" fill="hold" nodeType="clickEffect">
-                                  <p:stCondLst>
-                                    <p:cond delay="0"/>
-                                  </p:stCondLst>
-                                  <p:childTnLst>
-                                    <p:set>
-                                      <p:cBhvr>
-                                        <p:cTn id="105" dur="1" fill="hold">
-                                          <p:stCondLst>
-                                            <p:cond delay="0"/>
-                                          </p:stCondLst>
-                                        </p:cTn>
-                                        <p:tgtEl>
-                                          <p:spTgt spid="3">
-                                            <p:txEl>
-                                              <p:pRg st="23" end="23"/>
-                                            </p:txEl>
-                                          </p:spTgt>
-                                        </p:tgtEl>
-                                        <p:attrNameLst>
-                                          <p:attrName>style.visibility</p:attrName>
-                                        </p:attrNameLst>
-                                      </p:cBhvr>
-                                      <p:to>
-                                        <p:strVal val="visible"/>
-                                      </p:to>
-                                    </p:set>
-                                    <p:animEffect transition="in" filter="fade">
-                                      <p:cBhvr>
-                                        <p:cTn id="106" dur="500"/>
+                                        <p:cTn id="98" dur="500"/>
                                         <p:tgtEl>
                                           <p:spTgt spid="3">
                                             <p:txEl>
@@ -20753,17 +20858,19 @@
           </a:xfrm>
         </p:spPr>
         <p:txBody>
-          <a:bodyPr/>
+          <a:bodyPr>
+            <a:normAutofit/>
+          </a:bodyPr>
           <a:lstStyle/>
           <a:p>
             <a:r>
-              <a:rPr lang="en-SG" dirty="0"/>
-              <a:t>Use Nexus (reference phone) or Motorola for initial development</a:t>
-            </a:r>
-          </a:p>
-          <a:p>
-            <a:r>
-              <a:rPr lang="en-SG" dirty="0"/>
+              <a:rPr lang="en-SG" sz="2400" dirty="0"/>
+              <a:t>Use Nexus/Pixel (reference phone) for initial development</a:t>
+            </a:r>
+          </a:p>
+          <a:p>
+            <a:r>
+              <a:rPr lang="en-SG" sz="2400" dirty="0"/>
               <a:t>Get many models from differing manufacturers</a:t>
             </a:r>
           </a:p>
@@ -25147,7 +25254,7 @@
           <a:p>
             <a:r>
               <a:rPr lang="en-SG" dirty="0"/>
-              <a:t>Where I am now?</a:t>
+              <a:t>Before SP?</a:t>
             </a:r>
           </a:p>
         </p:txBody>
@@ -25206,7 +25313,7 @@
             <a:pPr lvl="1"/>
             <a:r>
               <a:rPr lang="en-SG" dirty="0"/>
-              <a:t>2014 - present</a:t>
+              <a:t>2014 - 2016</a:t>
             </a:r>
           </a:p>
         </p:txBody>
@@ -28717,7 +28824,7 @@
             <a:pPr lvl="1"/>
             <a:r>
               <a:rPr lang="en-SG" dirty="0"/>
-              <a:t>But many devices in the market have not adopted this</a:t>
+              <a:t>But many devices/SDK in the market have not adopted this</a:t>
             </a:r>
           </a:p>
           <a:p>
@@ -30969,7 +31076,7 @@
           <a:p>
             <a:r>
               <a:rPr lang="en-SG" dirty="0"/>
-              <a:t>Range: 1m - 100m (10mtypical)</a:t>
+              <a:t>Range: 1m - 100m (10m typical)</a:t>
             </a:r>
           </a:p>
           <a:p>
@@ -30994,7 +31101,7 @@
             <a:pPr lvl="1"/>
             <a:r>
               <a:rPr lang="en-SG" dirty="0"/>
-              <a:t>High but still &lt; </a:t>
+              <a:t>Not satisfied with &lt; </a:t>
             </a:r>
             <a:r>
               <a:rPr lang="en-SG" dirty="0" err="1"/>
@@ -33416,6 +33523,99 @@
           </a:p>
         </p:txBody>
       </p:sp>
+      <p:sp>
+        <p:nvSpPr>
+          <p:cNvPr id="26" name="TextBox 25">
+            <a:extLst>
+              <a:ext uri="{FF2B5EF4-FFF2-40B4-BE49-F238E27FC236}">
+                <a16:creationId xmlns:a16="http://schemas.microsoft.com/office/drawing/2014/main" id="{4B80F7DA-8912-4F31-A56D-24BE2009BF08}"/>
+              </a:ext>
+            </a:extLst>
+          </p:cNvPr>
+          <p:cNvSpPr txBox="1"/>
+          <p:nvPr/>
+        </p:nvSpPr>
+        <p:spPr>
+          <a:xfrm>
+            <a:off x="5679473" y="2951668"/>
+            <a:ext cx="946669" cy="338554"/>
+          </a:xfrm>
+          <a:prstGeom prst="rect">
+            <a:avLst/>
+          </a:prstGeom>
+          <a:noFill/>
+        </p:spPr>
+        <p:txBody>
+          <a:bodyPr wrap="none" rtlCol="0">
+            <a:spAutoFit/>
+          </a:bodyPr>
+          <a:lstStyle/>
+          <a:p>
+            <a:r>
+              <a:rPr lang="en-SG" sz="1600" dirty="0">
+                <a:solidFill>
+                  <a:srgbClr val="00B050"/>
+                </a:solidFill>
+              </a:rPr>
+              <a:t>SSN/Lora</a:t>
+            </a:r>
+          </a:p>
+        </p:txBody>
+      </p:sp>
+      <p:sp>
+        <p:nvSpPr>
+          <p:cNvPr id="28" name="Oval 27">
+            <a:extLst>
+              <a:ext uri="{FF2B5EF4-FFF2-40B4-BE49-F238E27FC236}">
+                <a16:creationId xmlns:a16="http://schemas.microsoft.com/office/drawing/2014/main" id="{9C2C084E-4D2C-4307-BC88-DB3A18BD5D55}"/>
+              </a:ext>
+            </a:extLst>
+          </p:cNvPr>
+          <p:cNvSpPr/>
+          <p:nvPr/>
+        </p:nvSpPr>
+        <p:spPr>
+          <a:xfrm>
+            <a:off x="6152808" y="3282866"/>
+            <a:ext cx="114299" cy="114299"/>
+          </a:xfrm>
+          <a:prstGeom prst="ellipse">
+            <a:avLst/>
+          </a:prstGeom>
+          <a:solidFill>
+            <a:srgbClr val="00B050"/>
+          </a:solidFill>
+          <a:ln>
+            <a:solidFill>
+              <a:srgbClr val="00B050"/>
+            </a:solidFill>
+          </a:ln>
+        </p:spPr>
+        <p:style>
+          <a:lnRef idx="2">
+            <a:schemeClr val="accent1">
+              <a:shade val="50000"/>
+            </a:schemeClr>
+          </a:lnRef>
+          <a:fillRef idx="1">
+            <a:schemeClr val="accent1"/>
+          </a:fillRef>
+          <a:effectRef idx="0">
+            <a:schemeClr val="accent1"/>
+          </a:effectRef>
+          <a:fontRef idx="minor">
+            <a:schemeClr val="lt1"/>
+          </a:fontRef>
+        </p:style>
+        <p:txBody>
+          <a:bodyPr rtlCol="0" anchor="ctr"/>
+          <a:lstStyle/>
+          <a:p>
+            <a:pPr algn="ctr"/>
+            <a:endParaRPr lang="en-SG"/>
+          </a:p>
+        </p:txBody>
+      </p:sp>
     </p:spTree>
     <p:extLst>
       <p:ext uri="{BB962C8B-B14F-4D97-AF65-F5344CB8AC3E}">
@@ -33988,7 +34188,7 @@
                                           </p:stCondLst>
                                         </p:cTn>
                                         <p:tgtEl>
-                                          <p:spTgt spid="34"/>
+                                          <p:spTgt spid="28"/>
                                         </p:tgtEl>
                                         <p:attrNameLst>
                                           <p:attrName>style.visibility</p:attrName>
@@ -34002,7 +34202,7 @@
                                       <p:cBhvr>
                                         <p:cTn id="55" dur="500"/>
                                         <p:tgtEl>
-                                          <p:spTgt spid="34"/>
+                                          <p:spTgt spid="28"/>
                                         </p:tgtEl>
                                       </p:cBhvr>
                                     </p:animEffect>
@@ -34023,7 +34223,7 @@
                                           </p:stCondLst>
                                         </p:cTn>
                                         <p:tgtEl>
-                                          <p:spTgt spid="15"/>
+                                          <p:spTgt spid="26"/>
                                         </p:tgtEl>
                                         <p:attrNameLst>
                                           <p:attrName>style.visibility</p:attrName>
@@ -34037,7 +34237,7 @@
                                       <p:cBhvr>
                                         <p:cTn id="58" dur="500"/>
                                         <p:tgtEl>
-                                          <p:spTgt spid="15"/>
+                                          <p:spTgt spid="26"/>
                                         </p:tgtEl>
                                       </p:cBhvr>
                                     </p:animEffect>
@@ -34076,7 +34276,7 @@
                                           </p:stCondLst>
                                         </p:cTn>
                                         <p:tgtEl>
-                                          <p:spTgt spid="31"/>
+                                          <p:spTgt spid="34"/>
                                         </p:tgtEl>
                                         <p:attrNameLst>
                                           <p:attrName>style.visibility</p:attrName>
@@ -34089,6 +34289,94 @@
                                     <p:animEffect transition="in" filter="fade">
                                       <p:cBhvr>
                                         <p:cTn id="63" dur="500"/>
+                                        <p:tgtEl>
+                                          <p:spTgt spid="34"/>
+                                        </p:tgtEl>
+                                      </p:cBhvr>
+                                    </p:animEffect>
+                                  </p:childTnLst>
+                                </p:cTn>
+                              </p:par>
+                              <p:par>
+                                <p:cTn id="64" presetID="10" presetClass="entr" presetSubtype="0" fill="hold" grpId="0" nodeType="withEffect">
+                                  <p:stCondLst>
+                                    <p:cond delay="0"/>
+                                  </p:stCondLst>
+                                  <p:childTnLst>
+                                    <p:set>
+                                      <p:cBhvr>
+                                        <p:cTn id="65" dur="1" fill="hold">
+                                          <p:stCondLst>
+                                            <p:cond delay="0"/>
+                                          </p:stCondLst>
+                                        </p:cTn>
+                                        <p:tgtEl>
+                                          <p:spTgt spid="15"/>
+                                        </p:tgtEl>
+                                        <p:attrNameLst>
+                                          <p:attrName>style.visibility</p:attrName>
+                                        </p:attrNameLst>
+                                      </p:cBhvr>
+                                      <p:to>
+                                        <p:strVal val="visible"/>
+                                      </p:to>
+                                    </p:set>
+                                    <p:animEffect transition="in" filter="fade">
+                                      <p:cBhvr>
+                                        <p:cTn id="66" dur="500"/>
+                                        <p:tgtEl>
+                                          <p:spTgt spid="15"/>
+                                        </p:tgtEl>
+                                      </p:cBhvr>
+                                    </p:animEffect>
+                                  </p:childTnLst>
+                                </p:cTn>
+                              </p:par>
+                            </p:childTnLst>
+                          </p:cTn>
+                        </p:par>
+                      </p:childTnLst>
+                    </p:cTn>
+                  </p:par>
+                  <p:par>
+                    <p:cTn id="67" fill="hold">
+                      <p:stCondLst>
+                        <p:cond delay="indefinite"/>
+                      </p:stCondLst>
+                      <p:childTnLst>
+                        <p:par>
+                          <p:cTn id="68" fill="hold">
+                            <p:stCondLst>
+                              <p:cond delay="0"/>
+                            </p:stCondLst>
+                            <p:childTnLst>
+                              <p:par>
+                                <p:cTn id="69" presetID="10" presetClass="entr" presetSubtype="0" fill="hold" grpId="0" nodeType="clickEffect">
+                                  <p:stCondLst>
+                                    <p:cond delay="0"/>
+                                  </p:stCondLst>
+                                  <p:childTnLst>
+                                    <p:set>
+                                      <p:cBhvr>
+                                        <p:cTn id="70" dur="1" fill="hold">
+                                          <p:stCondLst>
+                                            <p:cond delay="0"/>
+                                          </p:stCondLst>
+                                        </p:cTn>
+                                        <p:tgtEl>
+                                          <p:spTgt spid="31"/>
+                                        </p:tgtEl>
+                                        <p:attrNameLst>
+                                          <p:attrName>style.visibility</p:attrName>
+                                        </p:attrNameLst>
+                                      </p:cBhvr>
+                                      <p:to>
+                                        <p:strVal val="visible"/>
+                                      </p:to>
+                                    </p:set>
+                                    <p:animEffect transition="in" filter="fade">
+                                      <p:cBhvr>
+                                        <p:cTn id="71" dur="500"/>
                                         <p:tgtEl>
                                           <p:spTgt spid="31"/>
                                         </p:tgtEl>
@@ -34140,6 +34428,8 @@
       <p:bldP spid="33" grpId="0" animBg="1"/>
       <p:bldP spid="17" grpId="0"/>
       <p:bldP spid="34" grpId="0" animBg="1"/>
+      <p:bldP spid="26" grpId="0"/>
+      <p:bldP spid="28" grpId="0" animBg="1"/>
     </p:bldLst>
   </p:timing>
 </p:sld>
